--- a/Courses/Software-Sciences/Module-3-Databases-New/02-DBMS/02-DBMS.pptx
+++ b/Courses/Software-Sciences/Module-3-Databases-New/02-DBMS/02-DBMS.pptx
@@ -14478,7 +14478,7 @@
             </a:r>
             <a:r>
               <a:rPr lang="bg-BG" dirty="0"/>
-              <a:t> Релационни и нерелационни бази данни.</a:t>
+              <a:t> Релационни и нерелационни бази данни</a:t>
             </a:r>
             <a:endParaRPr lang="en-US" dirty="0"/>
           </a:p>
@@ -14548,7 +14548,7 @@
         </p:blipFill>
         <p:spPr bwMode="auto">
           <a:xfrm>
-            <a:off x="4604062" y="3276600"/>
+            <a:off x="4604060" y="2977466"/>
             <a:ext cx="2983875" cy="2240095"/>
           </a:xfrm>
           <a:prstGeom prst="rect">
@@ -15229,6 +15229,85 @@
       <p:transition spd="slow" advClick="0" advTm="5000"/>
     </mc:Fallback>
   </mc:AlternateContent>
+  <p:timing>
+    <p:tnLst>
+      <p:par>
+        <p:cTn id="1" dur="indefinite" restart="never" nodeType="tmRoot">
+          <p:childTnLst>
+            <p:seq concurrent="1" nextAc="seek">
+              <p:cTn id="2" dur="indefinite" nodeType="mainSeq">
+                <p:childTnLst>
+                  <p:par>
+                    <p:cTn id="3" fill="hold">
+                      <p:stCondLst>
+                        <p:cond delay="indefinite"/>
+                      </p:stCondLst>
+                      <p:childTnLst>
+                        <p:par>
+                          <p:cTn id="4" fill="hold">
+                            <p:stCondLst>
+                              <p:cond delay="0"/>
+                            </p:stCondLst>
+                            <p:childTnLst>
+                              <p:par>
+                                <p:cTn id="5" presetID="1" presetClass="entr" presetSubtype="0" fill="hold" nodeType="clickEffect">
+                                  <p:stCondLst>
+                                    <p:cond delay="0"/>
+                                  </p:stCondLst>
+                                  <p:childTnLst>
+                                    <p:set>
+                                      <p:cBhvr>
+                                        <p:cTn id="6" dur="1" fill="hold">
+                                          <p:stCondLst>
+                                            <p:cond delay="0"/>
+                                          </p:stCondLst>
+                                        </p:cTn>
+                                        <p:tgtEl>
+                                          <p:spTgt spid="13">
+                                            <p:txEl>
+                                              <p:pRg st="2" end="2"/>
+                                            </p:txEl>
+                                          </p:spTgt>
+                                        </p:tgtEl>
+                                        <p:attrNameLst>
+                                          <p:attrName>style.visibility</p:attrName>
+                                        </p:attrNameLst>
+                                      </p:cBhvr>
+                                      <p:to>
+                                        <p:strVal val="visible"/>
+                                      </p:to>
+                                    </p:set>
+                                  </p:childTnLst>
+                                </p:cTn>
+                              </p:par>
+                            </p:childTnLst>
+                          </p:cTn>
+                        </p:par>
+                      </p:childTnLst>
+                    </p:cTn>
+                  </p:par>
+                </p:childTnLst>
+              </p:cTn>
+              <p:prevCondLst>
+                <p:cond evt="onPrev" delay="0">
+                  <p:tgtEl>
+                    <p:sldTgt/>
+                  </p:tgtEl>
+                </p:cond>
+              </p:prevCondLst>
+              <p:nextCondLst>
+                <p:cond evt="onNext" delay="0">
+                  <p:tgtEl>
+                    <p:sldTgt/>
+                  </p:tgtEl>
+                </p:cond>
+              </p:nextCondLst>
+            </p:seq>
+          </p:childTnLst>
+        </p:cTn>
+      </p:par>
+    </p:tnLst>
+  </p:timing>
 </p:sld>
 </file>
 
@@ -18520,7 +18599,7 @@
               </a:rPr>
               <a:t>Релационният модел на БД</a:t>
             </a:r>
-            <a:endParaRPr lang="en-BG"/>
+            <a:endParaRPr lang="x-none"/>
           </a:p>
         </p:txBody>
       </p:sp>
@@ -18572,6 +18651,32 @@
           </a:p>
         </p:txBody>
       </p:sp>
+      <p:pic>
+        <p:nvPicPr>
+          <p:cNvPr id="22532" name="Picture 4" descr="https://o.remove.bg/downloads/4fea28bc-78a4-4ba2-b4aa-080d9d833290/r-db-removebg-preview.png"/>
+          <p:cNvPicPr>
+            <a:picLocks noChangeAspect="1" noChangeArrowheads="1"/>
+          </p:cNvPicPr>
+          <p:nvPr/>
+        </p:nvPicPr>
+        <p:blipFill>
+          <a:blip r:embed="rId2" cstate="print"/>
+          <a:srcRect/>
+          <a:stretch>
+            <a:fillRect/>
+          </a:stretch>
+        </p:blipFill>
+        <p:spPr bwMode="auto">
+          <a:xfrm>
+            <a:off x="3971925" y="3962400"/>
+            <a:ext cx="4248150" cy="2738759"/>
+          </a:xfrm>
+          <a:prstGeom prst="rect">
+            <a:avLst/>
+          </a:prstGeom>
+          <a:noFill/>
+        </p:spPr>
+      </p:pic>
     </p:spTree>
     <p:extLst>
       <p:ext uri="{BB962C8B-B14F-4D97-AF65-F5344CB8AC3E}">
@@ -18590,6 +18695,130 @@
       <p:transition spd="slow" advClick="0" advTm="5000"/>
     </mc:Fallback>
   </mc:AlternateContent>
+  <p:timing>
+    <p:tnLst>
+      <p:par>
+        <p:cTn id="1" dur="indefinite" restart="never" nodeType="tmRoot">
+          <p:childTnLst>
+            <p:seq concurrent="1" nextAc="seek">
+              <p:cTn id="2" dur="indefinite" nodeType="mainSeq">
+                <p:childTnLst>
+                  <p:par>
+                    <p:cTn id="3" fill="hold">
+                      <p:stCondLst>
+                        <p:cond delay="indefinite"/>
+                      </p:stCondLst>
+                      <p:childTnLst>
+                        <p:par>
+                          <p:cTn id="4" fill="hold">
+                            <p:stCondLst>
+                              <p:cond delay="0"/>
+                            </p:stCondLst>
+                            <p:childTnLst>
+                              <p:par>
+                                <p:cTn id="5" presetID="1" presetClass="entr" presetSubtype="0" fill="hold" nodeType="clickEffect">
+                                  <p:stCondLst>
+                                    <p:cond delay="0"/>
+                                  </p:stCondLst>
+                                  <p:childTnLst>
+                                    <p:set>
+                                      <p:cBhvr>
+                                        <p:cTn id="6" dur="1" fill="hold">
+                                          <p:stCondLst>
+                                            <p:cond delay="0"/>
+                                          </p:stCondLst>
+                                        </p:cTn>
+                                        <p:tgtEl>
+                                          <p:spTgt spid="10">
+                                            <p:txEl>
+                                              <p:pRg st="2" end="2"/>
+                                            </p:txEl>
+                                          </p:spTgt>
+                                        </p:tgtEl>
+                                        <p:attrNameLst>
+                                          <p:attrName>style.visibility</p:attrName>
+                                        </p:attrNameLst>
+                                      </p:cBhvr>
+                                      <p:to>
+                                        <p:strVal val="visible"/>
+                                      </p:to>
+                                    </p:set>
+                                  </p:childTnLst>
+                                </p:cTn>
+                              </p:par>
+                            </p:childTnLst>
+                          </p:cTn>
+                        </p:par>
+                      </p:childTnLst>
+                    </p:cTn>
+                  </p:par>
+                  <p:par>
+                    <p:cTn id="7" fill="hold">
+                      <p:stCondLst>
+                        <p:cond delay="indefinite"/>
+                      </p:stCondLst>
+                      <p:childTnLst>
+                        <p:par>
+                          <p:cTn id="8" fill="hold">
+                            <p:stCondLst>
+                              <p:cond delay="0"/>
+                            </p:stCondLst>
+                            <p:childTnLst>
+                              <p:par>
+                                <p:cTn id="9" presetID="1" presetClass="entr" presetSubtype="0" fill="hold" nodeType="clickEffect">
+                                  <p:stCondLst>
+                                    <p:cond delay="0"/>
+                                  </p:stCondLst>
+                                  <p:childTnLst>
+                                    <p:set>
+                                      <p:cBhvr>
+                                        <p:cTn id="10" dur="1" fill="hold">
+                                          <p:stCondLst>
+                                            <p:cond delay="0"/>
+                                          </p:stCondLst>
+                                        </p:cTn>
+                                        <p:tgtEl>
+                                          <p:spTgt spid="22532"/>
+                                        </p:tgtEl>
+                                        <p:attrNameLst>
+                                          <p:attrName>style.visibility</p:attrName>
+                                        </p:attrNameLst>
+                                      </p:cBhvr>
+                                      <p:to>
+                                        <p:strVal val="visible"/>
+                                      </p:to>
+                                    </p:set>
+                                  </p:childTnLst>
+                                </p:cTn>
+                              </p:par>
+                            </p:childTnLst>
+                          </p:cTn>
+                        </p:par>
+                      </p:childTnLst>
+                    </p:cTn>
+                  </p:par>
+                </p:childTnLst>
+              </p:cTn>
+              <p:prevCondLst>
+                <p:cond evt="onPrev" delay="0">
+                  <p:tgtEl>
+                    <p:sldTgt/>
+                  </p:tgtEl>
+                </p:cond>
+              </p:prevCondLst>
+              <p:nextCondLst>
+                <p:cond evt="onNext" delay="0">
+                  <p:tgtEl>
+                    <p:sldTgt/>
+                  </p:tgtEl>
+                </p:cond>
+              </p:nextCondLst>
+            </p:seq>
+          </p:childTnLst>
+        </p:cTn>
+      </p:par>
+    </p:tnLst>
+  </p:timing>
 </p:sld>
 </file>
 
@@ -18638,7 +18867,7 @@
                 <a:latin typeface="Calibri"/>
                 <a:cs typeface="Calibri"/>
               </a:rPr>
-              <a:t>Релационният модел на БД</a:t>
+              <a:t>Релационният модел на БД </a:t>
             </a:r>
             <a:r>
               <a:rPr lang="en-US" sz="4000" spc="-10" dirty="0">
@@ -18654,7 +18883,7 @@
               </a:rPr>
               <a:t>пример</a:t>
             </a:r>
-            <a:endParaRPr lang="en-BG"/>
+            <a:endParaRPr lang="x-none"/>
           </a:p>
         </p:txBody>
       </p:sp>
@@ -18667,14 +18896,14 @@
           <p:nvPr>
             <p:extLst>
               <p:ext uri="{D42A27DB-BD31-4B8C-83A1-F6EECF244321}">
-                <p14:modId xmlns:p14="http://schemas.microsoft.com/office/powerpoint/2010/main" val="1791115330"/>
+                <p14:modId xmlns:p14="http://schemas.microsoft.com/office/powerpoint/2010/main" val="2863559516"/>
               </p:ext>
             </p:extLst>
           </p:nvPr>
         </p:nvGraphicFramePr>
         <p:xfrm>
-          <a:off x="1524000" y="2590800"/>
-          <a:ext cx="4855845" cy="1434252"/>
+          <a:off x="1219200" y="1821565"/>
+          <a:ext cx="5244557" cy="1873344"/>
         </p:xfrm>
         <a:graphic>
           <a:graphicData uri="http://schemas.openxmlformats.org/drawingml/2006/table">
@@ -18683,35 +18912,35 @@
                 <a:tableStyleId>{2D5ABB26-0587-4C30-8999-92F81FD0307C}</a:tableStyleId>
               </a:tblPr>
               <a:tblGrid>
-                <a:gridCol w="542925">
+                <a:gridCol w="586386">
                   <a:extLst>
                     <a:ext uri="{9D8B030D-6E8A-4147-A177-3AD203B41FA5}">
                       <a16:colId xmlns:a16="http://schemas.microsoft.com/office/drawing/2014/main" val="20000"/>
                     </a:ext>
                   </a:extLst>
                 </a:gridCol>
-                <a:gridCol w="1144905">
+                <a:gridCol w="1236555">
                   <a:extLst>
                     <a:ext uri="{9D8B030D-6E8A-4147-A177-3AD203B41FA5}">
                       <a16:colId xmlns:a16="http://schemas.microsoft.com/office/drawing/2014/main" val="20001"/>
                     </a:ext>
                   </a:extLst>
                 </a:gridCol>
-                <a:gridCol w="901700">
+                <a:gridCol w="973881">
                   <a:extLst>
                     <a:ext uri="{9D8B030D-6E8A-4147-A177-3AD203B41FA5}">
                       <a16:colId xmlns:a16="http://schemas.microsoft.com/office/drawing/2014/main" val="20002"/>
                     </a:ext>
                   </a:extLst>
                 </a:gridCol>
-                <a:gridCol w="1172845">
+                <a:gridCol w="1266732">
                   <a:extLst>
                     <a:ext uri="{9D8B030D-6E8A-4147-A177-3AD203B41FA5}">
                       <a16:colId xmlns:a16="http://schemas.microsoft.com/office/drawing/2014/main" val="20003"/>
                     </a:ext>
                   </a:extLst>
                 </a:gridCol>
-                <a:gridCol w="1093470">
+                <a:gridCol w="1181003">
                   <a:extLst>
                     <a:ext uri="{9D8B030D-6E8A-4147-A177-3AD203B41FA5}">
                       <a16:colId xmlns:a16="http://schemas.microsoft.com/office/drawing/2014/main" val="20004"/>
@@ -18719,7 +18948,7 @@
                   </a:extLst>
                 </a:gridCol>
               </a:tblGrid>
-              <a:tr h="152696">
+              <a:tr h="234592">
                 <a:tc gridSpan="5">
                   <a:txBody>
                     <a:bodyPr/>
@@ -18791,7 +19020,7 @@
                   </a:ext>
                 </a:extLst>
               </a:tr>
-              <a:tr h="480822">
+              <a:tr h="534643">
                 <a:tc>
                   <a:txBody>
                     <a:bodyPr/>
@@ -19113,7 +19342,7 @@
                   </a:ext>
                 </a:extLst>
               </a:tr>
-              <a:tr h="429259">
+              <a:tr h="533400">
                 <a:tc>
                   <a:txBody>
                     <a:bodyPr/>
@@ -19400,7 +19629,7 @@
                   </a:ext>
                 </a:extLst>
               </a:tr>
-              <a:tr h="371475">
+              <a:tr h="570709">
                 <a:tc>
                   <a:txBody>
                     <a:bodyPr/>
@@ -19700,14 +19929,14 @@
           <p:nvPr>
             <p:extLst>
               <p:ext uri="{D42A27DB-BD31-4B8C-83A1-F6EECF244321}">
-                <p14:modId xmlns:p14="http://schemas.microsoft.com/office/powerpoint/2010/main" val="1102571627"/>
+                <p14:modId xmlns:p14="http://schemas.microsoft.com/office/powerpoint/2010/main" val="1152961855"/>
               </p:ext>
             </p:extLst>
           </p:nvPr>
         </p:nvGraphicFramePr>
         <p:xfrm>
-          <a:off x="7010400" y="2743200"/>
-          <a:ext cx="3895090" cy="1281556"/>
+          <a:off x="7010400" y="2057400"/>
+          <a:ext cx="4038600" cy="1637063"/>
         </p:xfrm>
         <a:graphic>
           <a:graphicData uri="http://schemas.openxmlformats.org/drawingml/2006/table">
@@ -19716,21 +19945,21 @@
                 <a:tableStyleId>{2D5ABB26-0587-4C30-8999-92F81FD0307C}</a:tableStyleId>
               </a:tblPr>
               <a:tblGrid>
-                <a:gridCol w="810260">
+                <a:gridCol w="840113">
                   <a:extLst>
                     <a:ext uri="{9D8B030D-6E8A-4147-A177-3AD203B41FA5}">
                       <a16:colId xmlns:a16="http://schemas.microsoft.com/office/drawing/2014/main" val="20000"/>
                     </a:ext>
                   </a:extLst>
                 </a:gridCol>
-                <a:gridCol w="1035050">
+                <a:gridCol w="1073185">
                   <a:extLst>
                     <a:ext uri="{9D8B030D-6E8A-4147-A177-3AD203B41FA5}">
                       <a16:colId xmlns:a16="http://schemas.microsoft.com/office/drawing/2014/main" val="20001"/>
                     </a:ext>
                   </a:extLst>
                 </a:gridCol>
-                <a:gridCol w="2049780">
+                <a:gridCol w="2125302">
                   <a:extLst>
                     <a:ext uri="{9D8B030D-6E8A-4147-A177-3AD203B41FA5}">
                       <a16:colId xmlns:a16="http://schemas.microsoft.com/office/drawing/2014/main" val="20002"/>
@@ -19738,7 +19967,7 @@
                   </a:extLst>
                 </a:gridCol>
               </a:tblGrid>
-              <a:tr h="480822">
+              <a:tr h="533400">
                 <a:tc>
                   <a:txBody>
                     <a:bodyPr/>
@@ -19922,7 +20151,7 @@
                   </a:ext>
                 </a:extLst>
               </a:tr>
-              <a:tr h="429259">
+              <a:tr h="533400">
                 <a:tc>
                   <a:txBody>
                     <a:bodyPr/>
@@ -20059,7 +20288,7 @@
                         </a:rPr>
                         <a:t>peter@gmail.com</a:t>
                       </a:r>
-                      <a:endParaRPr sz="2000">
+                      <a:endParaRPr sz="2000" dirty="0">
                         <a:latin typeface="Calibri"/>
                         <a:cs typeface="Calibri"/>
                       </a:endParaRPr>
@@ -20098,7 +20327,7 @@
                   </a:ext>
                 </a:extLst>
               </a:tr>
-              <a:tr h="371475">
+              <a:tr h="570263">
                 <a:tc>
                   <a:txBody>
                     <a:bodyPr/>
@@ -20235,7 +20464,7 @@
                         </a:rPr>
                         <a:t>jayne@gmail.com</a:t>
                       </a:r>
-                      <a:endParaRPr sz="2000">
+                      <a:endParaRPr sz="2000" dirty="0">
                         <a:latin typeface="Calibri"/>
                         <a:cs typeface="Calibri"/>
                       </a:endParaRPr>
@@ -20287,14 +20516,14 @@
           <p:nvPr>
             <p:extLst>
               <p:ext uri="{D42A27DB-BD31-4B8C-83A1-F6EECF244321}">
-                <p14:modId xmlns:p14="http://schemas.microsoft.com/office/powerpoint/2010/main" val="2408118224"/>
+                <p14:modId xmlns:p14="http://schemas.microsoft.com/office/powerpoint/2010/main" val="2948368588"/>
               </p:ext>
             </p:extLst>
           </p:nvPr>
         </p:nvGraphicFramePr>
         <p:xfrm>
-          <a:off x="3200400" y="4876800"/>
-          <a:ext cx="5184140" cy="1281225"/>
+          <a:off x="3172657" y="4863994"/>
+          <a:ext cx="5273727" cy="1667070"/>
         </p:xfrm>
         <a:graphic>
           <a:graphicData uri="http://schemas.openxmlformats.org/drawingml/2006/table">
@@ -20303,28 +20532,28 @@
                 <a:tableStyleId>{2D5ABB26-0587-4C30-8999-92F81FD0307C}</a:tableStyleId>
               </a:tblPr>
               <a:tblGrid>
-                <a:gridCol w="793750">
+                <a:gridCol w="807467">
                   <a:extLst>
                     <a:ext uri="{9D8B030D-6E8A-4147-A177-3AD203B41FA5}">
                       <a16:colId xmlns:a16="http://schemas.microsoft.com/office/drawing/2014/main" val="20000"/>
                     </a:ext>
                   </a:extLst>
                 </a:gridCol>
-                <a:gridCol w="1506220">
+                <a:gridCol w="1532249">
                   <a:extLst>
                     <a:ext uri="{9D8B030D-6E8A-4147-A177-3AD203B41FA5}">
                       <a16:colId xmlns:a16="http://schemas.microsoft.com/office/drawing/2014/main" val="20001"/>
                     </a:ext>
                   </a:extLst>
                 </a:gridCol>
-                <a:gridCol w="1288415">
+                <a:gridCol w="1310680">
                   <a:extLst>
                     <a:ext uri="{9D8B030D-6E8A-4147-A177-3AD203B41FA5}">
                       <a16:colId xmlns:a16="http://schemas.microsoft.com/office/drawing/2014/main" val="20002"/>
                     </a:ext>
                   </a:extLst>
                 </a:gridCol>
-                <a:gridCol w="1595755">
+                <a:gridCol w="1623331">
                   <a:extLst>
                     <a:ext uri="{9D8B030D-6E8A-4147-A177-3AD203B41FA5}">
                       <a16:colId xmlns:a16="http://schemas.microsoft.com/office/drawing/2014/main" val="20003"/>
@@ -20332,7 +20561,7 @@
                   </a:extLst>
                 </a:gridCol>
               </a:tblGrid>
-              <a:tr h="480758">
+              <a:tr h="533439">
                 <a:tc>
                   <a:txBody>
                     <a:bodyPr/>
@@ -20615,7 +20844,7 @@
                   </a:ext>
                 </a:extLst>
               </a:tr>
-              <a:tr h="429094">
+              <a:tr h="607688">
                 <a:tc>
                   <a:txBody>
                     <a:bodyPr/>
@@ -20846,7 +21075,7 @@
                   </a:ext>
                 </a:extLst>
               </a:tr>
-              <a:tr h="371373">
+              <a:tr h="525943">
                 <a:tc>
                   <a:txBody>
                     <a:bodyPr/>
@@ -21089,8 +21318,8 @@
         </p:nvSpPr>
         <p:spPr>
           <a:xfrm>
-            <a:off x="3657600" y="4191000"/>
-            <a:ext cx="1213802" cy="382156"/>
+            <a:off x="3657600" y="4267200"/>
+            <a:ext cx="1234778" cy="382156"/>
           </a:xfrm>
           <a:prstGeom prst="rect">
             <a:avLst/>
@@ -21135,8 +21364,8 @@
         </p:nvGrpSpPr>
         <p:grpSpPr>
           <a:xfrm>
-            <a:off x="4876800" y="3886200"/>
-            <a:ext cx="2720340" cy="1059180"/>
+            <a:off x="4876799" y="3886200"/>
+            <a:ext cx="2767349" cy="914400"/>
             <a:chOff x="5446776" y="4224578"/>
             <a:chExt cx="2720340" cy="1059180"/>
           </a:xfrm>
@@ -21363,8 +21592,8 @@
         </p:nvGrpSpPr>
         <p:grpSpPr>
           <a:xfrm>
-            <a:off x="2590800" y="4038600"/>
-            <a:ext cx="1135202" cy="1052893"/>
+            <a:off x="2590799" y="4038600"/>
+            <a:ext cx="1154819" cy="838201"/>
             <a:chOff x="2673541" y="4184396"/>
             <a:chExt cx="1135202" cy="1052893"/>
           </a:xfrm>
@@ -21639,8 +21868,8 @@
         </p:nvSpPr>
         <p:spPr>
           <a:xfrm>
-            <a:off x="1513114" y="1672224"/>
-            <a:ext cx="1600200" cy="382156"/>
+            <a:off x="1219200" y="1487426"/>
+            <a:ext cx="1627853" cy="382156"/>
           </a:xfrm>
           <a:prstGeom prst="rect">
             <a:avLst/>
@@ -21691,8 +21920,8 @@
         </p:nvSpPr>
         <p:spPr>
           <a:xfrm>
-            <a:off x="7010400" y="1683110"/>
-            <a:ext cx="1524000" cy="382156"/>
+            <a:off x="7010400" y="1487426"/>
+            <a:ext cx="1550336" cy="382156"/>
           </a:xfrm>
           <a:prstGeom prst="rect">
             <a:avLst/>
@@ -21768,7 +21997,7 @@
                             </p:stCondLst>
                             <p:childTnLst>
                               <p:par>
-                                <p:cTn id="5" presetID="1" presetClass="entr" presetSubtype="0" fill="hold" grpId="0" nodeType="clickEffect">
+                                <p:cTn id="5" presetID="1" presetClass="entr" presetSubtype="0" fill="hold" nodeType="clickEffect">
                                   <p:stCondLst>
                                     <p:cond delay="0"/>
                                   </p:stCondLst>
@@ -21781,7 +22010,7 @@
                                           </p:stCondLst>
                                         </p:cTn>
                                         <p:tgtEl>
-                                          <p:spTgt spid="17"/>
+                                          <p:spTgt spid="14"/>
                                         </p:tgtEl>
                                         <p:attrNameLst>
                                           <p:attrName>style.visibility</p:attrName>
@@ -21795,7 +22024,7 @@
                                 </p:cTn>
                               </p:par>
                               <p:par>
-                                <p:cTn id="7" presetID="1" presetClass="entr" presetSubtype="0" fill="hold" nodeType="withEffect">
+                                <p:cTn id="7" presetID="1" presetClass="entr" presetSubtype="0" fill="hold" grpId="0" nodeType="withEffect">
                                   <p:stCondLst>
                                     <p:cond delay="0"/>
                                   </p:stCondLst>
@@ -21808,7 +22037,34 @@
                                           </p:stCondLst>
                                         </p:cTn>
                                         <p:tgtEl>
-                                          <p:spTgt spid="16"/>
+                                          <p:spTgt spid="7"/>
+                                        </p:tgtEl>
+                                        <p:attrNameLst>
+                                          <p:attrName>style.visibility</p:attrName>
+                                        </p:attrNameLst>
+                                      </p:cBhvr>
+                                      <p:to>
+                                        <p:strVal val="visible"/>
+                                      </p:to>
+                                    </p:set>
+                                  </p:childTnLst>
+                                </p:cTn>
+                              </p:par>
+                              <p:par>
+                                <p:cTn id="9" presetID="1" presetClass="entr" presetSubtype="0" fill="hold" nodeType="withEffect">
+                                  <p:stCondLst>
+                                    <p:cond delay="0"/>
+                                  </p:stCondLst>
+                                  <p:childTnLst>
+                                    <p:set>
+                                      <p:cBhvr>
+                                        <p:cTn id="10" dur="1" fill="hold">
+                                          <p:stCondLst>
+                                            <p:cond delay="0"/>
+                                          </p:stCondLst>
+                                        </p:cTn>
+                                        <p:tgtEl>
+                                          <p:spTgt spid="2"/>
                                         </p:tgtEl>
                                         <p:attrNameLst>
                                           <p:attrName>style.visibility</p:attrName>
@@ -21828,46 +22084,19 @@
                     </p:cTn>
                   </p:par>
                   <p:par>
-                    <p:cTn id="9" fill="hold">
+                    <p:cTn id="11" fill="hold">
                       <p:stCondLst>
                         <p:cond delay="indefinite"/>
                       </p:stCondLst>
                       <p:childTnLst>
                         <p:par>
-                          <p:cTn id="10" fill="hold">
+                          <p:cTn id="12" fill="hold">
                             <p:stCondLst>
                               <p:cond delay="0"/>
                             </p:stCondLst>
                             <p:childTnLst>
                               <p:par>
-                                <p:cTn id="11" presetID="1" presetClass="entr" presetSubtype="0" fill="hold" nodeType="clickEffect">
-                                  <p:stCondLst>
-                                    <p:cond delay="0"/>
-                                  </p:stCondLst>
-                                  <p:childTnLst>
-                                    <p:set>
-                                      <p:cBhvr>
-                                        <p:cTn id="12" dur="1" fill="hold">
-                                          <p:stCondLst>
-                                            <p:cond delay="0"/>
-                                          </p:stCondLst>
-                                        </p:cTn>
-                                        <p:tgtEl>
-                                          <p:spTgt spid="14"/>
-                                        </p:tgtEl>
-                                        <p:attrNameLst>
-                                          <p:attrName>style.visibility</p:attrName>
-                                        </p:attrNameLst>
-                                      </p:cBhvr>
-                                      <p:to>
-                                        <p:strVal val="visible"/>
-                                      </p:to>
-                                    </p:set>
-                                  </p:childTnLst>
-                                </p:cTn>
-                              </p:par>
-                              <p:par>
-                                <p:cTn id="13" presetID="1" presetClass="entr" presetSubtype="0" fill="hold" grpId="0" nodeType="withEffect">
+                                <p:cTn id="13" presetID="1" presetClass="entr" presetSubtype="0" fill="hold" grpId="0" nodeType="clickEffect">
                                   <p:stCondLst>
                                     <p:cond delay="0"/>
                                   </p:stCondLst>
@@ -21880,7 +22109,7 @@
                                           </p:stCondLst>
                                         </p:cTn>
                                         <p:tgtEl>
-                                          <p:spTgt spid="7"/>
+                                          <p:spTgt spid="6"/>
                                         </p:tgtEl>
                                         <p:attrNameLst>
                                           <p:attrName>style.visibility</p:attrName>
@@ -21907,78 +22136,6 @@
                                           </p:stCondLst>
                                         </p:cTn>
                                         <p:tgtEl>
-                                          <p:spTgt spid="2"/>
-                                        </p:tgtEl>
-                                        <p:attrNameLst>
-                                          <p:attrName>style.visibility</p:attrName>
-                                        </p:attrNameLst>
-                                      </p:cBhvr>
-                                      <p:to>
-                                        <p:strVal val="visible"/>
-                                      </p:to>
-                                    </p:set>
-                                  </p:childTnLst>
-                                </p:cTn>
-                              </p:par>
-                            </p:childTnLst>
-                          </p:cTn>
-                        </p:par>
-                      </p:childTnLst>
-                    </p:cTn>
-                  </p:par>
-                  <p:par>
-                    <p:cTn id="17" fill="hold">
-                      <p:stCondLst>
-                        <p:cond delay="indefinite"/>
-                      </p:stCondLst>
-                      <p:childTnLst>
-                        <p:par>
-                          <p:cTn id="18" fill="hold">
-                            <p:stCondLst>
-                              <p:cond delay="0"/>
-                            </p:stCondLst>
-                            <p:childTnLst>
-                              <p:par>
-                                <p:cTn id="19" presetID="1" presetClass="entr" presetSubtype="0" fill="hold" grpId="0" nodeType="clickEffect">
-                                  <p:stCondLst>
-                                    <p:cond delay="0"/>
-                                  </p:stCondLst>
-                                  <p:childTnLst>
-                                    <p:set>
-                                      <p:cBhvr>
-                                        <p:cTn id="20" dur="1" fill="hold">
-                                          <p:stCondLst>
-                                            <p:cond delay="0"/>
-                                          </p:stCondLst>
-                                        </p:cTn>
-                                        <p:tgtEl>
-                                          <p:spTgt spid="6"/>
-                                        </p:tgtEl>
-                                        <p:attrNameLst>
-                                          <p:attrName>style.visibility</p:attrName>
-                                        </p:attrNameLst>
-                                      </p:cBhvr>
-                                      <p:to>
-                                        <p:strVal val="visible"/>
-                                      </p:to>
-                                    </p:set>
-                                  </p:childTnLst>
-                                </p:cTn>
-                              </p:par>
-                              <p:par>
-                                <p:cTn id="21" presetID="1" presetClass="entr" presetSubtype="0" fill="hold" nodeType="withEffect">
-                                  <p:stCondLst>
-                                    <p:cond delay="0"/>
-                                  </p:stCondLst>
-                                  <p:childTnLst>
-                                    <p:set>
-                                      <p:cBhvr>
-                                        <p:cTn id="22" dur="1" fill="hold">
-                                          <p:stCondLst>
-                                            <p:cond delay="0"/>
-                                          </p:stCondLst>
-                                        </p:cTn>
-                                        <p:tgtEl>
                                           <p:spTgt spid="13"/>
                                         </p:tgtEl>
                                         <p:attrNameLst>
@@ -21993,14 +22150,14 @@
                                 </p:cTn>
                               </p:par>
                               <p:par>
-                                <p:cTn id="23" presetID="1" presetClass="entr" presetSubtype="0" fill="hold" nodeType="withEffect">
+                                <p:cTn id="17" presetID="1" presetClass="entr" presetSubtype="0" fill="hold" nodeType="withEffect">
                                   <p:stCondLst>
                                     <p:cond delay="0"/>
                                   </p:stCondLst>
                                   <p:childTnLst>
                                     <p:set>
                                       <p:cBhvr>
-                                        <p:cTn id="24" dur="1" fill="hold">
+                                        <p:cTn id="18" dur="1" fill="hold">
                                           <p:stCondLst>
                                             <p:cond delay="0"/>
                                           </p:stCondLst>
@@ -22047,7 +22204,6 @@
       </p:par>
     </p:tnLst>
     <p:bldLst>
-      <p:bldP spid="17" grpId="0"/>
       <p:bldP spid="6" grpId="0"/>
       <p:bldP spid="7" grpId="0"/>
     </p:bldLst>
@@ -23433,9 +23589,10 @@
             <a:avLst/>
           </a:prstGeom>
           <a:solidFill>
-            <a:srgbClr val="D9D5C7">
+            <a:schemeClr val="bg2">
+              <a:lumMod val="85000"/>
               <a:alpha val="20000"/>
-            </a:srgbClr>
+            </a:schemeClr>
           </a:solidFill>
           <a:ln w="12700">
             <a:solidFill>
@@ -27282,6 +27439,85 @@
       <p:transition spd="slow" advClick="0" advTm="5000"/>
     </mc:Fallback>
   </mc:AlternateContent>
+  <p:timing>
+    <p:tnLst>
+      <p:par>
+        <p:cTn id="1" dur="indefinite" restart="never" nodeType="tmRoot">
+          <p:childTnLst>
+            <p:seq concurrent="1" nextAc="seek">
+              <p:cTn id="2" dur="indefinite" nodeType="mainSeq">
+                <p:childTnLst>
+                  <p:par>
+                    <p:cTn id="3" fill="hold">
+                      <p:stCondLst>
+                        <p:cond delay="indefinite"/>
+                      </p:stCondLst>
+                      <p:childTnLst>
+                        <p:par>
+                          <p:cTn id="4" fill="hold">
+                            <p:stCondLst>
+                              <p:cond delay="0"/>
+                            </p:stCondLst>
+                            <p:childTnLst>
+                              <p:par>
+                                <p:cTn id="5" presetID="1" presetClass="entr" presetSubtype="0" fill="hold" nodeType="clickEffect">
+                                  <p:stCondLst>
+                                    <p:cond delay="0"/>
+                                  </p:stCondLst>
+                                  <p:childTnLst>
+                                    <p:set>
+                                      <p:cBhvr>
+                                        <p:cTn id="6" dur="1" fill="hold">
+                                          <p:stCondLst>
+                                            <p:cond delay="0"/>
+                                          </p:stCondLst>
+                                        </p:cTn>
+                                        <p:tgtEl>
+                                          <p:spTgt spid="3">
+                                            <p:txEl>
+                                              <p:pRg st="2" end="2"/>
+                                            </p:txEl>
+                                          </p:spTgt>
+                                        </p:tgtEl>
+                                        <p:attrNameLst>
+                                          <p:attrName>style.visibility</p:attrName>
+                                        </p:attrNameLst>
+                                      </p:cBhvr>
+                                      <p:to>
+                                        <p:strVal val="visible"/>
+                                      </p:to>
+                                    </p:set>
+                                  </p:childTnLst>
+                                </p:cTn>
+                              </p:par>
+                            </p:childTnLst>
+                          </p:cTn>
+                        </p:par>
+                      </p:childTnLst>
+                    </p:cTn>
+                  </p:par>
+                </p:childTnLst>
+              </p:cTn>
+              <p:prevCondLst>
+                <p:cond evt="onPrev" delay="0">
+                  <p:tgtEl>
+                    <p:sldTgt/>
+                  </p:tgtEl>
+                </p:cond>
+              </p:prevCondLst>
+              <p:nextCondLst>
+                <p:cond evt="onNext" delay="0">
+                  <p:tgtEl>
+                    <p:sldTgt/>
+                  </p:tgtEl>
+                </p:cond>
+              </p:nextCondLst>
+            </p:seq>
+          </p:childTnLst>
+        </p:cTn>
+      </p:par>
+    </p:tnLst>
+  </p:timing>
 </p:sld>
 </file>
 
@@ -27896,7 +28132,7 @@
               </a:rPr>
               <a:t>Дати</a:t>
             </a:r>
-            <a:endParaRPr lang="en-BG" sz="3200">
+            <a:endParaRPr lang="x-none" sz="3200">
               <a:solidFill>
                 <a:schemeClr val="bg2"/>
               </a:solidFill>
@@ -38984,385 +39220,41 @@
           </p:txBody>
         </p:sp>
       </p:grpSp>
-      <p:grpSp>
-        <p:nvGrpSpPr>
-          <p:cNvPr id="21" name="object 152">
+      <p:sp>
+        <p:nvSpPr>
+          <p:cNvPr id="107" name="object 153">
             <a:extLst>
               <a:ext uri="{FF2B5EF4-FFF2-40B4-BE49-F238E27FC236}">
-                <a16:creationId xmlns:a16="http://schemas.microsoft.com/office/drawing/2014/main" id="{51A3F4A3-8F92-5B91-7B84-AB178CE80708}"/>
+                <a16:creationId xmlns:a16="http://schemas.microsoft.com/office/drawing/2014/main" id="{94BC307B-E855-713A-26B8-5FC4508505D2}"/>
               </a:ext>
             </a:extLst>
           </p:cNvPr>
-          <p:cNvGrpSpPr/>
-          <p:nvPr/>
-        </p:nvGrpSpPr>
-        <p:grpSpPr>
-          <a:xfrm>
-            <a:off x="7239000" y="1524000"/>
-            <a:ext cx="3886200" cy="1216660"/>
-            <a:chOff x="7300214" y="1572768"/>
-            <a:chExt cx="2484120" cy="1216660"/>
-          </a:xfrm>
-        </p:grpSpPr>
-        <p:sp>
-          <p:nvSpPr>
-            <p:cNvPr id="107" name="object 153">
-              <a:extLst>
-                <a:ext uri="{FF2B5EF4-FFF2-40B4-BE49-F238E27FC236}">
-                  <a16:creationId xmlns:a16="http://schemas.microsoft.com/office/drawing/2014/main" id="{94BC307B-E855-713A-26B8-5FC4508505D2}"/>
-                </a:ext>
-              </a:extLst>
-            </p:cNvPr>
-            <p:cNvSpPr/>
-            <p:nvPr/>
-          </p:nvSpPr>
-          <p:spPr>
-            <a:xfrm>
-              <a:off x="7300214" y="1572768"/>
-              <a:ext cx="2484120" cy="1216660"/>
-            </a:xfrm>
-            <a:custGeom>
-              <a:avLst/>
-              <a:gdLst/>
-              <a:ahLst/>
-              <a:cxnLst/>
-              <a:rect l="l" t="t" r="r" b="b"/>
-              <a:pathLst>
-                <a:path w="2484120" h="1216660">
-                  <a:moveTo>
-                    <a:pt x="2483865" y="1013460"/>
-                  </a:moveTo>
-                  <a:lnTo>
-                    <a:pt x="502665" y="1013460"/>
-                  </a:lnTo>
-                  <a:lnTo>
-                    <a:pt x="508022" y="1059917"/>
-                  </a:lnTo>
-                  <a:lnTo>
-                    <a:pt x="523277" y="1102574"/>
-                  </a:lnTo>
-                  <a:lnTo>
-                    <a:pt x="547213" y="1140209"/>
-                  </a:lnTo>
-                  <a:lnTo>
-                    <a:pt x="578608" y="1171604"/>
-                  </a:lnTo>
-                  <a:lnTo>
-                    <a:pt x="616243" y="1195540"/>
-                  </a:lnTo>
-                  <a:lnTo>
-                    <a:pt x="658900" y="1210795"/>
-                  </a:lnTo>
-                  <a:lnTo>
-                    <a:pt x="705357" y="1216152"/>
-                  </a:lnTo>
-                  <a:lnTo>
-                    <a:pt x="2281174" y="1216152"/>
-                  </a:lnTo>
-                  <a:lnTo>
-                    <a:pt x="2327631" y="1210795"/>
-                  </a:lnTo>
-                  <a:lnTo>
-                    <a:pt x="2370288" y="1195540"/>
-                  </a:lnTo>
-                  <a:lnTo>
-                    <a:pt x="2407923" y="1171604"/>
-                  </a:lnTo>
-                  <a:lnTo>
-                    <a:pt x="2439318" y="1140209"/>
-                  </a:lnTo>
-                  <a:lnTo>
-                    <a:pt x="2463254" y="1102574"/>
-                  </a:lnTo>
-                  <a:lnTo>
-                    <a:pt x="2478509" y="1059917"/>
-                  </a:lnTo>
-                  <a:lnTo>
-                    <a:pt x="2483865" y="1013460"/>
-                  </a:lnTo>
-                  <a:close/>
-                </a:path>
-                <a:path w="2484120" h="1216660">
-                  <a:moveTo>
-                    <a:pt x="2281174" y="0"/>
-                  </a:moveTo>
-                  <a:lnTo>
-                    <a:pt x="705357" y="0"/>
-                  </a:lnTo>
-                  <a:lnTo>
-                    <a:pt x="658900" y="5356"/>
-                  </a:lnTo>
-                  <a:lnTo>
-                    <a:pt x="616243" y="20611"/>
-                  </a:lnTo>
-                  <a:lnTo>
-                    <a:pt x="578608" y="44547"/>
-                  </a:lnTo>
-                  <a:lnTo>
-                    <a:pt x="547213" y="75942"/>
-                  </a:lnTo>
-                  <a:lnTo>
-                    <a:pt x="523277" y="113577"/>
-                  </a:lnTo>
-                  <a:lnTo>
-                    <a:pt x="508022" y="156234"/>
-                  </a:lnTo>
-                  <a:lnTo>
-                    <a:pt x="502665" y="202692"/>
-                  </a:lnTo>
-                  <a:lnTo>
-                    <a:pt x="502665" y="709422"/>
-                  </a:lnTo>
-                  <a:lnTo>
-                    <a:pt x="0" y="1060450"/>
-                  </a:lnTo>
-                  <a:lnTo>
-                    <a:pt x="502665" y="1013460"/>
-                  </a:lnTo>
-                  <a:lnTo>
-                    <a:pt x="2483865" y="1013460"/>
-                  </a:lnTo>
-                  <a:lnTo>
-                    <a:pt x="2483865" y="202692"/>
-                  </a:lnTo>
-                  <a:lnTo>
-                    <a:pt x="2478509" y="156234"/>
-                  </a:lnTo>
-                  <a:lnTo>
-                    <a:pt x="2463254" y="113577"/>
-                  </a:lnTo>
-                  <a:lnTo>
-                    <a:pt x="2439318" y="75942"/>
-                  </a:lnTo>
-                  <a:lnTo>
-                    <a:pt x="2407923" y="44547"/>
-                  </a:lnTo>
-                  <a:lnTo>
-                    <a:pt x="2370288" y="20611"/>
-                  </a:lnTo>
-                  <a:lnTo>
-                    <a:pt x="2327631" y="5356"/>
-                  </a:lnTo>
-                  <a:lnTo>
-                    <a:pt x="2281174" y="0"/>
-                  </a:lnTo>
-                  <a:close/>
-                </a:path>
-              </a:pathLst>
-            </a:custGeom>
-            <a:solidFill>
-              <a:srgbClr val="224464">
-                <a:alpha val="79998"/>
-              </a:srgbClr>
-            </a:solidFill>
-          </p:spPr>
-          <p:txBody>
-            <a:bodyPr wrap="square" lIns="0" tIns="0" rIns="0" bIns="0" rtlCol="0"/>
-            <a:lstStyle/>
-            <a:p>
-              <a:endParaRPr dirty="0"/>
-            </a:p>
-          </p:txBody>
-        </p:sp>
-        <p:sp>
-          <p:nvSpPr>
-            <p:cNvPr id="108" name="object 154">
-              <a:extLst>
-                <a:ext uri="{FF2B5EF4-FFF2-40B4-BE49-F238E27FC236}">
-                  <a16:creationId xmlns:a16="http://schemas.microsoft.com/office/drawing/2014/main" id="{C8DFC1F6-CDA0-A23D-71B5-345536C08FED}"/>
-                </a:ext>
-              </a:extLst>
-            </p:cNvPr>
-            <p:cNvSpPr/>
-            <p:nvPr/>
-          </p:nvSpPr>
-          <p:spPr>
-            <a:xfrm>
-              <a:off x="7300214" y="1572768"/>
-              <a:ext cx="2484120" cy="1216660"/>
-            </a:xfrm>
-            <a:custGeom>
-              <a:avLst/>
-              <a:gdLst/>
-              <a:ahLst/>
-              <a:cxnLst/>
-              <a:rect l="l" t="t" r="r" b="b"/>
-              <a:pathLst>
-                <a:path w="2484120" h="1216660">
-                  <a:moveTo>
-                    <a:pt x="502665" y="202692"/>
-                  </a:moveTo>
-                  <a:lnTo>
-                    <a:pt x="508022" y="156234"/>
-                  </a:lnTo>
-                  <a:lnTo>
-                    <a:pt x="523277" y="113577"/>
-                  </a:lnTo>
-                  <a:lnTo>
-                    <a:pt x="547213" y="75942"/>
-                  </a:lnTo>
-                  <a:lnTo>
-                    <a:pt x="578608" y="44547"/>
-                  </a:lnTo>
-                  <a:lnTo>
-                    <a:pt x="616243" y="20611"/>
-                  </a:lnTo>
-                  <a:lnTo>
-                    <a:pt x="658900" y="5356"/>
-                  </a:lnTo>
-                  <a:lnTo>
-                    <a:pt x="705357" y="0"/>
-                  </a:lnTo>
-                  <a:lnTo>
-                    <a:pt x="832865" y="0"/>
-                  </a:lnTo>
-                  <a:lnTo>
-                    <a:pt x="1328165" y="0"/>
-                  </a:lnTo>
-                  <a:lnTo>
-                    <a:pt x="2281174" y="0"/>
-                  </a:lnTo>
-                  <a:lnTo>
-                    <a:pt x="2327631" y="5356"/>
-                  </a:lnTo>
-                  <a:lnTo>
-                    <a:pt x="2370288" y="20611"/>
-                  </a:lnTo>
-                  <a:lnTo>
-                    <a:pt x="2407923" y="44547"/>
-                  </a:lnTo>
-                  <a:lnTo>
-                    <a:pt x="2439318" y="75942"/>
-                  </a:lnTo>
-                  <a:lnTo>
-                    <a:pt x="2463254" y="113577"/>
-                  </a:lnTo>
-                  <a:lnTo>
-                    <a:pt x="2478509" y="156234"/>
-                  </a:lnTo>
-                  <a:lnTo>
-                    <a:pt x="2483865" y="202692"/>
-                  </a:lnTo>
-                  <a:lnTo>
-                    <a:pt x="2483865" y="709422"/>
-                  </a:lnTo>
-                  <a:lnTo>
-                    <a:pt x="2483865" y="1013460"/>
-                  </a:lnTo>
-                  <a:lnTo>
-                    <a:pt x="2478509" y="1059917"/>
-                  </a:lnTo>
-                  <a:lnTo>
-                    <a:pt x="2463254" y="1102574"/>
-                  </a:lnTo>
-                  <a:lnTo>
-                    <a:pt x="2439318" y="1140209"/>
-                  </a:lnTo>
-                  <a:lnTo>
-                    <a:pt x="2407923" y="1171604"/>
-                  </a:lnTo>
-                  <a:lnTo>
-                    <a:pt x="2370288" y="1195540"/>
-                  </a:lnTo>
-                  <a:lnTo>
-                    <a:pt x="2327631" y="1210795"/>
-                  </a:lnTo>
-                  <a:lnTo>
-                    <a:pt x="2281174" y="1216152"/>
-                  </a:lnTo>
-                  <a:lnTo>
-                    <a:pt x="1328165" y="1216152"/>
-                  </a:lnTo>
-                  <a:lnTo>
-                    <a:pt x="832865" y="1216152"/>
-                  </a:lnTo>
-                  <a:lnTo>
-                    <a:pt x="705357" y="1216152"/>
-                  </a:lnTo>
-                  <a:lnTo>
-                    <a:pt x="658900" y="1210795"/>
-                  </a:lnTo>
-                  <a:lnTo>
-                    <a:pt x="616243" y="1195540"/>
-                  </a:lnTo>
-                  <a:lnTo>
-                    <a:pt x="578608" y="1171604"/>
-                  </a:lnTo>
-                  <a:lnTo>
-                    <a:pt x="547213" y="1140209"/>
-                  </a:lnTo>
-                  <a:lnTo>
-                    <a:pt x="523277" y="1102574"/>
-                  </a:lnTo>
-                  <a:lnTo>
-                    <a:pt x="508022" y="1059917"/>
-                  </a:lnTo>
-                  <a:lnTo>
-                    <a:pt x="502665" y="1013460"/>
-                  </a:lnTo>
-                  <a:lnTo>
-                    <a:pt x="0" y="1060450"/>
-                  </a:lnTo>
-                  <a:lnTo>
-                    <a:pt x="502665" y="709422"/>
-                  </a:lnTo>
-                  <a:lnTo>
-                    <a:pt x="502665" y="202692"/>
-                  </a:lnTo>
-                  <a:close/>
-                </a:path>
-              </a:pathLst>
-            </a:custGeom>
-            <a:ln w="19049">
-              <a:solidFill>
-                <a:srgbClr val="1A334B"/>
-              </a:solidFill>
-            </a:ln>
-          </p:spPr>
-          <p:txBody>
-            <a:bodyPr wrap="square" lIns="0" tIns="0" rIns="0" bIns="0" rtlCol="0"/>
-            <a:lstStyle/>
-            <a:p>
-              <a:endParaRPr dirty="0"/>
-            </a:p>
-          </p:txBody>
-        </p:sp>
-      </p:grpSp>
-      <p:sp>
-        <p:nvSpPr>
-          <p:cNvPr id="111" name="object 157">
-            <a:extLst>
-              <a:ext uri="{FF2B5EF4-FFF2-40B4-BE49-F238E27FC236}">
-                <a16:creationId xmlns:a16="http://schemas.microsoft.com/office/drawing/2014/main" id="{E842716A-7335-56EF-93A9-D03FE2B646E6}"/>
-              </a:ext>
-            </a:extLst>
-          </p:cNvPr>
-          <p:cNvSpPr txBox="1"/>
+          <p:cNvSpPr/>
           <p:nvPr/>
         </p:nvSpPr>
         <p:spPr>
           <a:xfrm>
-            <a:off x="8534400" y="1600200"/>
-            <a:ext cx="2409318" cy="1059906"/>
+            <a:off x="8217896" y="2209292"/>
+            <a:ext cx="2871213" cy="1216660"/>
           </a:xfrm>
-          <a:prstGeom prst="rect">
-            <a:avLst/>
+          <a:prstGeom prst="wedgeRoundRectCallout">
+            <a:avLst>
+              <a:gd name="adj1" fmla="val -82168"/>
+              <a:gd name="adj2" fmla="val 8366"/>
+              <a:gd name="adj3" fmla="val 16667"/>
+            </a:avLst>
           </a:prstGeom>
+          <a:solidFill>
+            <a:srgbClr val="224464">
+              <a:alpha val="79998"/>
+            </a:srgbClr>
+          </a:solidFill>
         </p:spPr>
         <p:txBody>
-          <a:bodyPr vert="horz" wrap="square" lIns="0" tIns="13335" rIns="0" bIns="0" rtlCol="0">
-            <a:spAutoFit/>
-          </a:bodyPr>
+          <a:bodyPr wrap="square" lIns="0" tIns="0" rIns="0" bIns="0" rtlCol="0"/>
           <a:lstStyle/>
           <a:p>
-            <a:pPr marL="12700" marR="5080" indent="64135">
-              <a:lnSpc>
-                <a:spcPct val="100000"/>
-              </a:lnSpc>
-              <a:spcBef>
-                <a:spcPts val="105"/>
-              </a:spcBef>
-            </a:pPr>
+            <a:pPr algn="ctr"/>
             <a:r>
               <a:rPr lang="bg-BG" sz="3400" b="1" spc="-10" dirty="0">
                 <a:solidFill>
@@ -39373,392 +39265,48 @@
               </a:rPr>
               <a:t>Логическо съхранение</a:t>
             </a:r>
-            <a:endParaRPr sz="3400" dirty="0">
+            <a:endParaRPr lang="bg-BG" sz="3400" dirty="0">
               <a:latin typeface="Calibri"/>
               <a:cs typeface="Calibri"/>
             </a:endParaRPr>
           </a:p>
         </p:txBody>
       </p:sp>
-      <p:grpSp>
-        <p:nvGrpSpPr>
-          <p:cNvPr id="22" name="object 158">
+      <p:sp>
+        <p:nvSpPr>
+          <p:cNvPr id="113" name="object 159">
             <a:extLst>
               <a:ext uri="{FF2B5EF4-FFF2-40B4-BE49-F238E27FC236}">
-                <a16:creationId xmlns:a16="http://schemas.microsoft.com/office/drawing/2014/main" id="{5CF8FA80-10CA-2F1C-2E33-EBBFCB5BCA74}"/>
+                <a16:creationId xmlns:a16="http://schemas.microsoft.com/office/drawing/2014/main" id="{A90ADED9-FB90-96EF-7A4F-2A9EBDE34947}"/>
               </a:ext>
             </a:extLst>
           </p:cNvPr>
-          <p:cNvGrpSpPr/>
-          <p:nvPr/>
-        </p:nvGrpSpPr>
-        <p:grpSpPr>
-          <a:xfrm>
-            <a:off x="7315201" y="4242879"/>
-            <a:ext cx="4267200" cy="1216660"/>
-            <a:chOff x="7244715" y="3636263"/>
-            <a:chExt cx="2539365" cy="1216660"/>
-          </a:xfrm>
-        </p:grpSpPr>
-        <p:sp>
-          <p:nvSpPr>
-            <p:cNvPr id="113" name="object 159">
-              <a:extLst>
-                <a:ext uri="{FF2B5EF4-FFF2-40B4-BE49-F238E27FC236}">
-                  <a16:creationId xmlns:a16="http://schemas.microsoft.com/office/drawing/2014/main" id="{A90ADED9-FB90-96EF-7A4F-2A9EBDE34947}"/>
-                </a:ext>
-              </a:extLst>
-            </p:cNvPr>
-            <p:cNvSpPr/>
-            <p:nvPr/>
-          </p:nvSpPr>
-          <p:spPr>
-            <a:xfrm>
-              <a:off x="7244715" y="3636263"/>
-              <a:ext cx="2539365" cy="1216660"/>
-            </a:xfrm>
-            <a:custGeom>
-              <a:avLst/>
-              <a:gdLst/>
-              <a:ahLst/>
-              <a:cxnLst/>
-              <a:rect l="l" t="t" r="r" b="b"/>
-              <a:pathLst>
-                <a:path w="2539365" h="1216660">
-                  <a:moveTo>
-                    <a:pt x="2539364" y="1013460"/>
-                  </a:moveTo>
-                  <a:lnTo>
-                    <a:pt x="558164" y="1013460"/>
-                  </a:lnTo>
-                  <a:lnTo>
-                    <a:pt x="563521" y="1059917"/>
-                  </a:lnTo>
-                  <a:lnTo>
-                    <a:pt x="578776" y="1102574"/>
-                  </a:lnTo>
-                  <a:lnTo>
-                    <a:pt x="602712" y="1140209"/>
-                  </a:lnTo>
-                  <a:lnTo>
-                    <a:pt x="634107" y="1171604"/>
-                  </a:lnTo>
-                  <a:lnTo>
-                    <a:pt x="671742" y="1195540"/>
-                  </a:lnTo>
-                  <a:lnTo>
-                    <a:pt x="714399" y="1210795"/>
-                  </a:lnTo>
-                  <a:lnTo>
-                    <a:pt x="760856" y="1216152"/>
-                  </a:lnTo>
-                  <a:lnTo>
-                    <a:pt x="2336673" y="1216152"/>
-                  </a:lnTo>
-                  <a:lnTo>
-                    <a:pt x="2383130" y="1210795"/>
-                  </a:lnTo>
-                  <a:lnTo>
-                    <a:pt x="2425787" y="1195540"/>
-                  </a:lnTo>
-                  <a:lnTo>
-                    <a:pt x="2463422" y="1171604"/>
-                  </a:lnTo>
-                  <a:lnTo>
-                    <a:pt x="2494817" y="1140209"/>
-                  </a:lnTo>
-                  <a:lnTo>
-                    <a:pt x="2518753" y="1102574"/>
-                  </a:lnTo>
-                  <a:lnTo>
-                    <a:pt x="2534008" y="1059917"/>
-                  </a:lnTo>
-                  <a:lnTo>
-                    <a:pt x="2539364" y="1013460"/>
-                  </a:lnTo>
-                  <a:close/>
-                </a:path>
-                <a:path w="2539365" h="1216660">
-                  <a:moveTo>
-                    <a:pt x="2336673" y="0"/>
-                  </a:moveTo>
-                  <a:lnTo>
-                    <a:pt x="760856" y="0"/>
-                  </a:lnTo>
-                  <a:lnTo>
-                    <a:pt x="714399" y="5356"/>
-                  </a:lnTo>
-                  <a:lnTo>
-                    <a:pt x="671742" y="20611"/>
-                  </a:lnTo>
-                  <a:lnTo>
-                    <a:pt x="634107" y="44547"/>
-                  </a:lnTo>
-                  <a:lnTo>
-                    <a:pt x="602712" y="75942"/>
-                  </a:lnTo>
-                  <a:lnTo>
-                    <a:pt x="578776" y="113577"/>
-                  </a:lnTo>
-                  <a:lnTo>
-                    <a:pt x="563521" y="156234"/>
-                  </a:lnTo>
-                  <a:lnTo>
-                    <a:pt x="558164" y="202692"/>
-                  </a:lnTo>
-                  <a:lnTo>
-                    <a:pt x="558164" y="709422"/>
-                  </a:lnTo>
-                  <a:lnTo>
-                    <a:pt x="0" y="1199769"/>
-                  </a:lnTo>
-                  <a:lnTo>
-                    <a:pt x="558164" y="1013460"/>
-                  </a:lnTo>
-                  <a:lnTo>
-                    <a:pt x="2539364" y="1013460"/>
-                  </a:lnTo>
-                  <a:lnTo>
-                    <a:pt x="2539364" y="202692"/>
-                  </a:lnTo>
-                  <a:lnTo>
-                    <a:pt x="2534008" y="156234"/>
-                  </a:lnTo>
-                  <a:lnTo>
-                    <a:pt x="2518753" y="113577"/>
-                  </a:lnTo>
-                  <a:lnTo>
-                    <a:pt x="2494817" y="75942"/>
-                  </a:lnTo>
-                  <a:lnTo>
-                    <a:pt x="2463422" y="44547"/>
-                  </a:lnTo>
-                  <a:lnTo>
-                    <a:pt x="2425787" y="20611"/>
-                  </a:lnTo>
-                  <a:lnTo>
-                    <a:pt x="2383130" y="5356"/>
-                  </a:lnTo>
-                  <a:lnTo>
-                    <a:pt x="2336673" y="0"/>
-                  </a:lnTo>
-                  <a:close/>
-                </a:path>
-              </a:pathLst>
-            </a:custGeom>
-            <a:solidFill>
-              <a:srgbClr val="224464">
-                <a:alpha val="79998"/>
-              </a:srgbClr>
-            </a:solidFill>
-          </p:spPr>
-          <p:txBody>
-            <a:bodyPr wrap="square" lIns="0" tIns="0" rIns="0" bIns="0" rtlCol="0"/>
-            <a:lstStyle/>
-            <a:p>
-              <a:endParaRPr dirty="0"/>
-            </a:p>
-          </p:txBody>
-        </p:sp>
-        <p:sp>
-          <p:nvSpPr>
-            <p:cNvPr id="114" name="object 160">
-              <a:extLst>
-                <a:ext uri="{FF2B5EF4-FFF2-40B4-BE49-F238E27FC236}">
-                  <a16:creationId xmlns:a16="http://schemas.microsoft.com/office/drawing/2014/main" id="{6A239820-4188-602B-A223-F0A9FEF98CBE}"/>
-                </a:ext>
-              </a:extLst>
-            </p:cNvPr>
-            <p:cNvSpPr/>
-            <p:nvPr/>
-          </p:nvSpPr>
-          <p:spPr>
-            <a:xfrm>
-              <a:off x="7244715" y="3636263"/>
-              <a:ext cx="2539365" cy="1216660"/>
-            </a:xfrm>
-            <a:custGeom>
-              <a:avLst/>
-              <a:gdLst/>
-              <a:ahLst/>
-              <a:cxnLst/>
-              <a:rect l="l" t="t" r="r" b="b"/>
-              <a:pathLst>
-                <a:path w="2539365" h="1216660">
-                  <a:moveTo>
-                    <a:pt x="558164" y="202692"/>
-                  </a:moveTo>
-                  <a:lnTo>
-                    <a:pt x="563521" y="156234"/>
-                  </a:lnTo>
-                  <a:lnTo>
-                    <a:pt x="578776" y="113577"/>
-                  </a:lnTo>
-                  <a:lnTo>
-                    <a:pt x="602712" y="75942"/>
-                  </a:lnTo>
-                  <a:lnTo>
-                    <a:pt x="634107" y="44547"/>
-                  </a:lnTo>
-                  <a:lnTo>
-                    <a:pt x="671742" y="20611"/>
-                  </a:lnTo>
-                  <a:lnTo>
-                    <a:pt x="714399" y="5356"/>
-                  </a:lnTo>
-                  <a:lnTo>
-                    <a:pt x="760856" y="0"/>
-                  </a:lnTo>
-                  <a:lnTo>
-                    <a:pt x="888364" y="0"/>
-                  </a:lnTo>
-                  <a:lnTo>
-                    <a:pt x="1383664" y="0"/>
-                  </a:lnTo>
-                  <a:lnTo>
-                    <a:pt x="2336673" y="0"/>
-                  </a:lnTo>
-                  <a:lnTo>
-                    <a:pt x="2383130" y="5356"/>
-                  </a:lnTo>
-                  <a:lnTo>
-                    <a:pt x="2425787" y="20611"/>
-                  </a:lnTo>
-                  <a:lnTo>
-                    <a:pt x="2463422" y="44547"/>
-                  </a:lnTo>
-                  <a:lnTo>
-                    <a:pt x="2494817" y="75942"/>
-                  </a:lnTo>
-                  <a:lnTo>
-                    <a:pt x="2518753" y="113577"/>
-                  </a:lnTo>
-                  <a:lnTo>
-                    <a:pt x="2534008" y="156234"/>
-                  </a:lnTo>
-                  <a:lnTo>
-                    <a:pt x="2539364" y="202692"/>
-                  </a:lnTo>
-                  <a:lnTo>
-                    <a:pt x="2539364" y="709422"/>
-                  </a:lnTo>
-                  <a:lnTo>
-                    <a:pt x="2539364" y="1013460"/>
-                  </a:lnTo>
-                  <a:lnTo>
-                    <a:pt x="2534008" y="1059917"/>
-                  </a:lnTo>
-                  <a:lnTo>
-                    <a:pt x="2518753" y="1102574"/>
-                  </a:lnTo>
-                  <a:lnTo>
-                    <a:pt x="2494817" y="1140209"/>
-                  </a:lnTo>
-                  <a:lnTo>
-                    <a:pt x="2463422" y="1171604"/>
-                  </a:lnTo>
-                  <a:lnTo>
-                    <a:pt x="2425787" y="1195540"/>
-                  </a:lnTo>
-                  <a:lnTo>
-                    <a:pt x="2383130" y="1210795"/>
-                  </a:lnTo>
-                  <a:lnTo>
-                    <a:pt x="2336673" y="1216152"/>
-                  </a:lnTo>
-                  <a:lnTo>
-                    <a:pt x="1383664" y="1216152"/>
-                  </a:lnTo>
-                  <a:lnTo>
-                    <a:pt x="888364" y="1216152"/>
-                  </a:lnTo>
-                  <a:lnTo>
-                    <a:pt x="760856" y="1216152"/>
-                  </a:lnTo>
-                  <a:lnTo>
-                    <a:pt x="714399" y="1210795"/>
-                  </a:lnTo>
-                  <a:lnTo>
-                    <a:pt x="671742" y="1195540"/>
-                  </a:lnTo>
-                  <a:lnTo>
-                    <a:pt x="634107" y="1171604"/>
-                  </a:lnTo>
-                  <a:lnTo>
-                    <a:pt x="602712" y="1140209"/>
-                  </a:lnTo>
-                  <a:lnTo>
-                    <a:pt x="578776" y="1102574"/>
-                  </a:lnTo>
-                  <a:lnTo>
-                    <a:pt x="563521" y="1059917"/>
-                  </a:lnTo>
-                  <a:lnTo>
-                    <a:pt x="558164" y="1013460"/>
-                  </a:lnTo>
-                  <a:lnTo>
-                    <a:pt x="0" y="1199769"/>
-                  </a:lnTo>
-                  <a:lnTo>
-                    <a:pt x="558164" y="709422"/>
-                  </a:lnTo>
-                  <a:lnTo>
-                    <a:pt x="558164" y="202692"/>
-                  </a:lnTo>
-                  <a:close/>
-                </a:path>
-              </a:pathLst>
-            </a:custGeom>
-            <a:ln w="19049">
-              <a:solidFill>
-                <a:srgbClr val="1A334B"/>
-              </a:solidFill>
-            </a:ln>
-          </p:spPr>
-          <p:txBody>
-            <a:bodyPr wrap="square" lIns="0" tIns="0" rIns="0" bIns="0" rtlCol="0"/>
-            <a:lstStyle/>
-            <a:p>
-              <a:endParaRPr dirty="0"/>
-            </a:p>
-          </p:txBody>
-        </p:sp>
-      </p:grpSp>
-      <p:sp>
-        <p:nvSpPr>
-          <p:cNvPr id="117" name="object 163">
-            <a:extLst>
-              <a:ext uri="{FF2B5EF4-FFF2-40B4-BE49-F238E27FC236}">
-                <a16:creationId xmlns:a16="http://schemas.microsoft.com/office/drawing/2014/main" id="{145C91B0-2DB6-3CD7-4E6A-3387E19BC204}"/>
-              </a:ext>
-            </a:extLst>
-          </p:cNvPr>
-          <p:cNvSpPr txBox="1"/>
+          <p:cNvSpPr/>
           <p:nvPr/>
         </p:nvSpPr>
         <p:spPr>
           <a:xfrm>
-            <a:off x="8839200" y="4267200"/>
-            <a:ext cx="2677542" cy="1060547"/>
+            <a:off x="8225958" y="5041265"/>
+            <a:ext cx="2871213" cy="1216660"/>
           </a:xfrm>
-          <a:prstGeom prst="rect">
-            <a:avLst/>
+          <a:prstGeom prst="wedgeRoundRectCallout">
+            <a:avLst>
+              <a:gd name="adj1" fmla="val -81579"/>
+              <a:gd name="adj2" fmla="val 12396"/>
+              <a:gd name="adj3" fmla="val 16667"/>
+            </a:avLst>
           </a:prstGeom>
+          <a:solidFill>
+            <a:srgbClr val="224464">
+              <a:alpha val="79998"/>
+            </a:srgbClr>
+          </a:solidFill>
         </p:spPr>
         <p:txBody>
-          <a:bodyPr vert="horz" wrap="square" lIns="0" tIns="13970" rIns="0" bIns="0" rtlCol="0">
-            <a:spAutoFit/>
-          </a:bodyPr>
+          <a:bodyPr wrap="square" lIns="0" tIns="0" rIns="0" bIns="0" rtlCol="0"/>
           <a:lstStyle/>
           <a:p>
-            <a:pPr marL="52069" marR="5080" indent="-40005">
-              <a:lnSpc>
-                <a:spcPct val="100000"/>
-              </a:lnSpc>
-              <a:spcBef>
-                <a:spcPts val="110"/>
-              </a:spcBef>
-            </a:pPr>
+            <a:pPr algn="ctr"/>
             <a:r>
               <a:rPr lang="bg-BG" sz="3400" b="1" spc="-25" dirty="0">
                 <a:solidFill>
@@ -39769,7 +39317,7 @@
               </a:rPr>
               <a:t>Физическо съхранение</a:t>
             </a:r>
-            <a:endParaRPr sz="3400" dirty="0">
+            <a:endParaRPr lang="bg-BG" sz="3400" dirty="0">
               <a:latin typeface="Calibri"/>
               <a:cs typeface="Calibri"/>
             </a:endParaRPr>
@@ -40699,7 +40247,7 @@
                             </p:stCondLst>
                             <p:childTnLst>
                               <p:par>
-                                <p:cTn id="17" presetID="1" presetClass="entr" presetSubtype="0" fill="hold" nodeType="clickEffect">
+                                <p:cTn id="17" presetID="1" presetClass="entr" presetSubtype="0" fill="hold" grpId="0" nodeType="clickEffect">
                                   <p:stCondLst>
                                     <p:cond delay="0"/>
                                   </p:stCondLst>
@@ -40712,7 +40260,7 @@
                                           </p:stCondLst>
                                         </p:cTn>
                                         <p:tgtEl>
-                                          <p:spTgt spid="21"/>
+                                          <p:spTgt spid="107"/>
                                         </p:tgtEl>
                                         <p:attrNameLst>
                                           <p:attrName>style.visibility</p:attrName>
@@ -40906,7 +40454,7 @@
                             </p:stCondLst>
                             <p:childTnLst>
                               <p:par>
-                                <p:cTn id="35" presetID="1" presetClass="entr" presetSubtype="0" fill="hold" nodeType="clickEffect">
+                                <p:cTn id="35" presetID="1" presetClass="entr" presetSubtype="0" fill="hold" grpId="0" nodeType="clickEffect">
                                   <p:stCondLst>
                                     <p:cond delay="0"/>
                                   </p:stCondLst>
@@ -40919,7 +40467,7 @@
                                           </p:stCondLst>
                                         </p:cTn>
                                         <p:tgtEl>
-                                          <p:spTgt spid="22"/>
+                                          <p:spTgt spid="113"/>
                                         </p:tgtEl>
                                         <p:attrNameLst>
                                           <p:attrName>style.visibility</p:attrName>
@@ -40959,6 +40507,10 @@
         </p:cTn>
       </p:par>
     </p:tnLst>
+    <p:bldLst>
+      <p:bldP spid="107" grpId="0" animBg="1"/>
+      <p:bldP spid="113" grpId="0" animBg="1"/>
+    </p:bldLst>
   </p:timing>
 </p:sld>
 </file>
@@ -41876,12 +41428,6 @@
 </file>
 
 <file path=customXml/item1.xml><?xml version="1.0" encoding="utf-8"?>
-<p:properties xmlns:p="http://schemas.microsoft.com/office/2006/metadata/properties" xmlns:xsi="http://www.w3.org/2001/XMLSchema-instance" xmlns:pc="http://schemas.microsoft.com/office/infopath/2007/PartnerControls">
-  <documentManagement/>
-</p:properties>
-</file>
-
-<file path=customXml/item2.xml><?xml version="1.0" encoding="utf-8"?>
 <?mso-contentType ?>
 <FormTemplates xmlns="http://schemas.microsoft.com/sharepoint/v3/contenttype/forms">
   <Display>DocumentLibraryForm</Display>
@@ -41890,7 +41436,7 @@
 </FormTemplates>
 </file>
 
-<file path=customXml/item3.xml><?xml version="1.0" encoding="utf-8"?>
+<file path=customXml/item2.xml><?xml version="1.0" encoding="utf-8"?>
 <ct:contentTypeSchema xmlns:ct="http://schemas.microsoft.com/office/2006/metadata/contentType" xmlns:ma="http://schemas.microsoft.com/office/2006/metadata/properties/metaAttributes" ct:_="" ma:_="" ma:contentTypeName="Документ" ma:contentTypeID="0x010100B6C18B0EB80FEC43B96FC4929E3ACDFF" ma:contentTypeVersion="8" ma:contentTypeDescription="Създаване на нов документ" ma:contentTypeScope="" ma:versionID="5e73c28b7fde86b7f49c9d6b9be21d41">
   <xsd:schema xmlns:xsd="http://www.w3.org/2001/XMLSchema" xmlns:xs="http://www.w3.org/2001/XMLSchema" xmlns:p="http://schemas.microsoft.com/office/2006/metadata/properties" xmlns:ns2="4f985cec-e092-4bcf-a1e1-b816bd0221d8" targetNamespace="http://schemas.microsoft.com/office/2006/metadata/properties" ma:root="true" ma:fieldsID="f7a640d6aa79659634b3275499e0d9c9" ns2:_="">
     <xsd:import namespace="4f985cec-e092-4bcf-a1e1-b816bd0221d8"/>
@@ -42062,23 +41608,13 @@
 </ct:contentTypeSchema>
 </file>
 
-<file path=customXml/itemProps1.xml><?xml version="1.0" encoding="utf-8"?>
-<ds:datastoreItem xmlns:ds="http://schemas.openxmlformats.org/officeDocument/2006/customXml" ds:itemID="{5E2F4A33-1866-4BB8-8A35-8D6BDFE8D9F5}">
-  <ds:schemaRefs>
-    <ds:schemaRef ds:uri="http://schemas.microsoft.com/office/infopath/2007/PartnerControls"/>
-    <ds:schemaRef ds:uri="http://purl.org/dc/dcmitype/"/>
-    <ds:schemaRef ds:uri="http://schemas.microsoft.com/office/2006/documentManagement/types"/>
-    <ds:schemaRef ds:uri="http://schemas.microsoft.com/office/2006/metadata/properties"/>
-    <ds:schemaRef ds:uri="http://www.w3.org/XML/1998/namespace"/>
-    <ds:schemaRef ds:uri="4f985cec-e092-4bcf-a1e1-b816bd0221d8"/>
-    <ds:schemaRef ds:uri="http://schemas.openxmlformats.org/package/2006/metadata/core-properties"/>
-    <ds:schemaRef ds:uri="http://purl.org/dc/terms/"/>
-    <ds:schemaRef ds:uri="http://purl.org/dc/elements/1.1/"/>
-  </ds:schemaRefs>
-</ds:datastoreItem>
+<file path=customXml/item3.xml><?xml version="1.0" encoding="utf-8"?>
+<p:properties xmlns:p="http://schemas.microsoft.com/office/2006/metadata/properties" xmlns:xsi="http://www.w3.org/2001/XMLSchema-instance" xmlns:pc="http://schemas.microsoft.com/office/infopath/2007/PartnerControls">
+  <documentManagement/>
+</p:properties>
 </file>
 
-<file path=customXml/itemProps2.xml><?xml version="1.0" encoding="utf-8"?>
+<file path=customXml/itemProps1.xml><?xml version="1.0" encoding="utf-8"?>
 <ds:datastoreItem xmlns:ds="http://schemas.openxmlformats.org/officeDocument/2006/customXml" ds:itemID="{68A20BEC-F81B-49CD-951D-E62C4BAE7796}">
   <ds:schemaRefs>
     <ds:schemaRef ds:uri="http://schemas.microsoft.com/sharepoint/v3/contenttype/forms"/>
@@ -42086,7 +41622,7 @@
 </ds:datastoreItem>
 </file>
 
-<file path=customXml/itemProps3.xml><?xml version="1.0" encoding="utf-8"?>
+<file path=customXml/itemProps2.xml><?xml version="1.0" encoding="utf-8"?>
 <ds:datastoreItem xmlns:ds="http://schemas.openxmlformats.org/officeDocument/2006/customXml" ds:itemID="{4443A303-689A-4436-B140-8B2DF827EBE9}">
   <ds:schemaRefs>
     <ds:schemaRef ds:uri="http://schemas.microsoft.com/office/2006/metadata/contentType"/>
@@ -42102,4 +41638,20 @@
     <ds:schemaRef ds:uri="http://schemas.microsoft.com/internal/obd"/>
   </ds:schemaRefs>
 </ds:datastoreItem>
+</file>
+
+<file path=customXml/itemProps3.xml><?xml version="1.0" encoding="utf-8"?>
+<ds:datastoreItem xmlns:ds="http://schemas.openxmlformats.org/officeDocument/2006/customXml" ds:itemID="{5E2F4A33-1866-4BB8-8A35-8D6BDFE8D9F5}">
+  <ds:schemaRefs>
+    <ds:schemaRef ds:uri="http://schemas.microsoft.com/office/infopath/2007/PartnerControls"/>
+    <ds:schemaRef ds:uri="http://purl.org/dc/dcmitype/"/>
+    <ds:schemaRef ds:uri="http://schemas.microsoft.com/office/2006/documentManagement/types"/>
+    <ds:schemaRef ds:uri="http://schemas.microsoft.com/office/2006/metadata/properties"/>
+    <ds:schemaRef ds:uri="http://www.w3.org/XML/1998/namespace"/>
+    <ds:schemaRef ds:uri="4f985cec-e092-4bcf-a1e1-b816bd0221d8"/>
+    <ds:schemaRef ds:uri="http://schemas.openxmlformats.org/package/2006/metadata/core-properties"/>
+    <ds:schemaRef ds:uri="http://purl.org/dc/terms/"/>
+    <ds:schemaRef ds:uri="http://purl.org/dc/elements/1.1/"/>
+  </ds:schemaRefs>
+</ds:datastoreItem>
 </file>
--- a/Courses/Software-Sciences/Module-3-Databases-New/02-DBMS/02-DBMS.pptx
+++ b/Courses/Software-Sciences/Module-3-Databases-New/02-DBMS/02-DBMS.pptx
@@ -138,7 +138,7 @@
   </p:defaultTextStyle>
   <p:extLst>
     <p:ext uri="{521415D9-36F7-43E2-AB2F-B90AF26B5E84}">
-      <p14:sectionLst xmlns:p14="http://schemas.microsoft.com/office/powerpoint/2010/main">
+      <p14:sectionLst xmlns:p14="http://schemas.microsoft.com/office/powerpoint/2010/main" xmlns="">
         <p14:section name="Въведение" id="{A0C7653D-1924-4F56-9E27-AA2B21F1DA92}">
           <p14:sldIdLst>
             <p14:sldId id="503"/>
@@ -197,7 +197,7 @@
       </p14:sectionLst>
     </p:ext>
     <p:ext uri="{EFAFB233-063F-42B5-8137-9DF3F51BA10A}">
-      <p15:sldGuideLst xmlns:p15="http://schemas.microsoft.com/office/powerpoint/2012/main">
+      <p15:sldGuideLst xmlns:p15="http://schemas.microsoft.com/office/powerpoint/2012/main" xmlns="">
         <p15:guide id="1" orient="horz" pos="2184" userDrawn="1">
           <p15:clr>
             <a:srgbClr val="A4A3A4"/>
@@ -211,7 +211,7 @@
       </p15:sldGuideLst>
     </p:ext>
     <p:ext uri="{2D200454-40CA-4A62-9FC3-DE9A4176ACB9}">
-      <p15:notesGuideLst xmlns:p15="http://schemas.microsoft.com/office/powerpoint/2012/main"/>
+      <p15:notesGuideLst xmlns:p15="http://schemas.microsoft.com/office/powerpoint/2012/main" xmlns=""/>
     </p:ext>
   </p:extLst>
 </p:presentation>
@@ -244,7 +244,7 @@
           <p:cNvPr id="2" name="Header Placeholder 1">
             <a:extLst>
               <a:ext uri="{FF2B5EF4-FFF2-40B4-BE49-F238E27FC236}">
-                <a16:creationId xmlns:a16="http://schemas.microsoft.com/office/drawing/2014/main" id="{56F20103-83CC-4A54-8FDE-9D37FC2629C0}"/>
+                <a16:creationId xmlns:a16="http://schemas.microsoft.com/office/drawing/2014/main" xmlns="" id="{56F20103-83CC-4A54-8FDE-9D37FC2629C0}"/>
               </a:ext>
             </a:extLst>
           </p:cNvPr>
@@ -281,7 +281,7 @@
           <p:cNvPr id="3" name="Date Placeholder 2">
             <a:extLst>
               <a:ext uri="{FF2B5EF4-FFF2-40B4-BE49-F238E27FC236}">
-                <a16:creationId xmlns:a16="http://schemas.microsoft.com/office/drawing/2014/main" id="{27A53962-26EF-44E4-9E69-61B1727AB1C2}"/>
+                <a16:creationId xmlns:a16="http://schemas.microsoft.com/office/drawing/2014/main" xmlns="" id="{27A53962-26EF-44E4-9E69-61B1727AB1C2}"/>
               </a:ext>
             </a:extLst>
           </p:cNvPr>
@@ -312,7 +312,7 @@
             <a:fld id="{4E087215-0C8F-4762-A664-737A353EC9A4}" type="datetimeFigureOut">
               <a:rPr lang="bg-BG" smtClean="0"/>
               <a:pPr/>
-              <a:t>21.07.23 г.</a:t>
+              <a:t>14.8.2023 г.</a:t>
             </a:fld>
             <a:endParaRPr lang="bg-BG" dirty="0"/>
           </a:p>
@@ -323,7 +323,7 @@
           <p:cNvPr id="4" name="Footer Placeholder 3">
             <a:extLst>
               <a:ext uri="{FF2B5EF4-FFF2-40B4-BE49-F238E27FC236}">
-                <a16:creationId xmlns:a16="http://schemas.microsoft.com/office/drawing/2014/main" id="{28A6967E-448F-4887-8FCB-34482EFBCC74}"/>
+                <a16:creationId xmlns:a16="http://schemas.microsoft.com/office/drawing/2014/main" xmlns="" id="{28A6967E-448F-4887-8FCB-34482EFBCC74}"/>
               </a:ext>
             </a:extLst>
           </p:cNvPr>
@@ -373,7 +373,7 @@
           <p:cNvPr id="5" name="Slide Number Placeholder 4">
             <a:extLst>
               <a:ext uri="{FF2B5EF4-FFF2-40B4-BE49-F238E27FC236}">
-                <a16:creationId xmlns:a16="http://schemas.microsoft.com/office/drawing/2014/main" id="{8B6554C2-DDBA-40E2-9536-53A07EC50274}"/>
+                <a16:creationId xmlns:a16="http://schemas.microsoft.com/office/drawing/2014/main" xmlns="" id="{8B6554C2-DDBA-40E2-9536-53A07EC50274}"/>
               </a:ext>
             </a:extLst>
           </p:cNvPr>
@@ -413,7 +413,7 @@
     </p:spTree>
     <p:extLst>
       <p:ext uri="{BB962C8B-B14F-4D97-AF65-F5344CB8AC3E}">
-        <p14:creationId xmlns:p14="http://schemas.microsoft.com/office/powerpoint/2010/main" val="4150602968"/>
+        <p14:creationId xmlns:p14="http://schemas.microsoft.com/office/powerpoint/2010/main" xmlns="" val="4150602968"/>
       </p:ext>
     </p:extLst>
   </p:cSld>
@@ -505,7 +505,7 @@
             <a:fld id="{72D84649-876A-46C9-8472-14CB09C070D8}" type="datetimeFigureOut">
               <a:rPr lang="en-US" smtClean="0"/>
               <a:pPr/>
-              <a:t>7/21/23</a:t>
+              <a:t>8/14/2023</a:t>
             </a:fld>
             <a:endParaRPr lang="en-US" dirty="0"/>
           </a:p>
@@ -644,7 +644,7 @@
           <p:cNvPr id="8" name="Footer Placeholder 7">
             <a:extLst>
               <a:ext uri="{FF2B5EF4-FFF2-40B4-BE49-F238E27FC236}">
-                <a16:creationId xmlns:a16="http://schemas.microsoft.com/office/drawing/2014/main" id="{CAC3A49B-3196-44DF-AC28-085C72EFBFF0}"/>
+                <a16:creationId xmlns:a16="http://schemas.microsoft.com/office/drawing/2014/main" xmlns="" id="{CAC3A49B-3196-44DF-AC28-085C72EFBFF0}"/>
               </a:ext>
             </a:extLst>
           </p:cNvPr>
@@ -692,7 +692,7 @@
     </p:spTree>
     <p:extLst>
       <p:ext uri="{BB962C8B-B14F-4D97-AF65-F5344CB8AC3E}">
-        <p14:creationId xmlns:p14="http://schemas.microsoft.com/office/powerpoint/2010/main" val="1530847692"/>
+        <p14:creationId xmlns:p14="http://schemas.microsoft.com/office/powerpoint/2010/main" xmlns="" val="1530847692"/>
       </p:ext>
     </p:extLst>
   </p:cSld>
@@ -839,7 +839,7 @@
           <p:cNvPr id="8" name="Slide Image Placeholder 7">
             <a:extLst>
               <a:ext uri="{FF2B5EF4-FFF2-40B4-BE49-F238E27FC236}">
-                <a16:creationId xmlns:a16="http://schemas.microsoft.com/office/drawing/2014/main" id="{78811095-27E9-49AB-972B-D4E20B3963A6}"/>
+                <a16:creationId xmlns:a16="http://schemas.microsoft.com/office/drawing/2014/main" xmlns="" id="{78811095-27E9-49AB-972B-D4E20B3963A6}"/>
               </a:ext>
             </a:extLst>
           </p:cNvPr>
@@ -857,7 +857,7 @@
           <p:cNvPr id="9" name="Notes Placeholder 8">
             <a:extLst>
               <a:ext uri="{FF2B5EF4-FFF2-40B4-BE49-F238E27FC236}">
-                <a16:creationId xmlns:a16="http://schemas.microsoft.com/office/drawing/2014/main" id="{E923224B-0CC3-475A-8628-8A90751AE61A}"/>
+                <a16:creationId xmlns:a16="http://schemas.microsoft.com/office/drawing/2014/main" xmlns="" id="{E923224B-0CC3-475A-8628-8A90751AE61A}"/>
               </a:ext>
             </a:extLst>
           </p:cNvPr>
@@ -882,7 +882,7 @@
           <p:cNvPr id="2" name="Footer Placeholder 1">
             <a:extLst>
               <a:ext uri="{FF2B5EF4-FFF2-40B4-BE49-F238E27FC236}">
-                <a16:creationId xmlns:a16="http://schemas.microsoft.com/office/drawing/2014/main" id="{3288A3F3-90B1-4930-8D00-5603BDABEF10}"/>
+                <a16:creationId xmlns:a16="http://schemas.microsoft.com/office/drawing/2014/main" xmlns="" id="{3288A3F3-90B1-4930-8D00-5603BDABEF10}"/>
               </a:ext>
             </a:extLst>
           </p:cNvPr>
@@ -918,7 +918,7 @@
     </p:spTree>
     <p:extLst>
       <p:ext uri="{BB962C8B-B14F-4D97-AF65-F5344CB8AC3E}">
-        <p14:creationId xmlns:p14="http://schemas.microsoft.com/office/powerpoint/2010/main" val="2594489433"/>
+        <p14:creationId xmlns:p14="http://schemas.microsoft.com/office/powerpoint/2010/main" xmlns="" val="2594489433"/>
       </p:ext>
     </p:extLst>
   </p:cSld>
@@ -1005,7 +1005,7 @@
           <p:cNvPr id="6" name="Footer Placeholder 7">
             <a:extLst>
               <a:ext uri="{FF2B5EF4-FFF2-40B4-BE49-F238E27FC236}">
-                <a16:creationId xmlns:a16="http://schemas.microsoft.com/office/drawing/2014/main" id="{B14250CD-C972-4274-B415-0CB1DAF6487E}"/>
+                <a16:creationId xmlns:a16="http://schemas.microsoft.com/office/drawing/2014/main" xmlns="" id="{B14250CD-C972-4274-B415-0CB1DAF6487E}"/>
               </a:ext>
             </a:extLst>
           </p:cNvPr>
@@ -1053,7 +1053,7 @@
     </p:spTree>
     <p:extLst>
       <p:ext uri="{BB962C8B-B14F-4D97-AF65-F5344CB8AC3E}">
-        <p14:creationId xmlns:p14="http://schemas.microsoft.com/office/powerpoint/2010/main" val="1434273321"/>
+        <p14:creationId xmlns:p14="http://schemas.microsoft.com/office/powerpoint/2010/main" xmlns="" val="1434273321"/>
       </p:ext>
     </p:extLst>
   </p:cSld>
@@ -1116,7 +1116,7 @@
           <p:cNvPr id="7" name="Slide Number Placeholder 5">
             <a:extLst>
               <a:ext uri="{FF2B5EF4-FFF2-40B4-BE49-F238E27FC236}">
-                <a16:creationId xmlns:a16="http://schemas.microsoft.com/office/drawing/2014/main" id="{E65F1CA9-65DC-416B-8882-B3A5E415CE67}"/>
+                <a16:creationId xmlns:a16="http://schemas.microsoft.com/office/drawing/2014/main" xmlns="" id="{E65F1CA9-65DC-416B-8882-B3A5E415CE67}"/>
               </a:ext>
             </a:extLst>
           </p:cNvPr>
@@ -1246,7 +1246,7 @@
           <p:cNvPr id="4" name="Footer Placeholder 3">
             <a:extLst>
               <a:ext uri="{FF2B5EF4-FFF2-40B4-BE49-F238E27FC236}">
-                <a16:creationId xmlns:a16="http://schemas.microsoft.com/office/drawing/2014/main" id="{C5BD11C3-9FCD-4EAE-876D-E766924FAFF2}"/>
+                <a16:creationId xmlns:a16="http://schemas.microsoft.com/office/drawing/2014/main" xmlns="" id="{C5BD11C3-9FCD-4EAE-876D-E766924FAFF2}"/>
               </a:ext>
             </a:extLst>
           </p:cNvPr>
@@ -1282,7 +1282,7 @@
     </p:spTree>
     <p:extLst>
       <p:ext uri="{BB962C8B-B14F-4D97-AF65-F5344CB8AC3E}">
-        <p14:creationId xmlns:p14="http://schemas.microsoft.com/office/powerpoint/2010/main" val="1860974293"/>
+        <p14:creationId xmlns:p14="http://schemas.microsoft.com/office/powerpoint/2010/main" xmlns="" val="1860974293"/>
       </p:ext>
     </p:extLst>
   </p:cSld>
@@ -1367,7 +1367,7 @@
     </p:spTree>
     <p:extLst>
       <p:ext uri="{BB962C8B-B14F-4D97-AF65-F5344CB8AC3E}">
-        <p14:creationId xmlns:p14="http://schemas.microsoft.com/office/powerpoint/2010/main" val="1201445929"/>
+        <p14:creationId xmlns:p14="http://schemas.microsoft.com/office/powerpoint/2010/main" xmlns="" val="1201445929"/>
       </p:ext>
     </p:extLst>
   </p:cSld>
@@ -1430,7 +1430,7 @@
           <p:cNvPr id="6" name="Slide Number Placeholder 5">
             <a:extLst>
               <a:ext uri="{FF2B5EF4-FFF2-40B4-BE49-F238E27FC236}">
-                <a16:creationId xmlns:a16="http://schemas.microsoft.com/office/drawing/2014/main" id="{6627548A-4D3C-449B-81A5-FA4BE4628490}"/>
+                <a16:creationId xmlns:a16="http://schemas.microsoft.com/office/drawing/2014/main" xmlns="" id="{6627548A-4D3C-449B-81A5-FA4BE4628490}"/>
               </a:ext>
             </a:extLst>
           </p:cNvPr>
@@ -1560,7 +1560,7 @@
           <p:cNvPr id="4" name="Footer Placeholder 3">
             <a:extLst>
               <a:ext uri="{FF2B5EF4-FFF2-40B4-BE49-F238E27FC236}">
-                <a16:creationId xmlns:a16="http://schemas.microsoft.com/office/drawing/2014/main" id="{D2472CE7-61C1-4B7B-B0C8-5A45F0178717}"/>
+                <a16:creationId xmlns:a16="http://schemas.microsoft.com/office/drawing/2014/main" xmlns="" id="{D2472CE7-61C1-4B7B-B0C8-5A45F0178717}"/>
               </a:ext>
             </a:extLst>
           </p:cNvPr>
@@ -1596,7 +1596,7 @@
     </p:spTree>
     <p:extLst>
       <p:ext uri="{BB962C8B-B14F-4D97-AF65-F5344CB8AC3E}">
-        <p14:creationId xmlns:p14="http://schemas.microsoft.com/office/powerpoint/2010/main" val="729041308"/>
+        <p14:creationId xmlns:p14="http://schemas.microsoft.com/office/powerpoint/2010/main" xmlns="" val="729041308"/>
       </p:ext>
     </p:extLst>
   </p:cSld>
@@ -1628,7 +1628,7 @@
           <p:cNvPr id="14" name="Slide Image Placeholder 13">
             <a:extLst>
               <a:ext uri="{FF2B5EF4-FFF2-40B4-BE49-F238E27FC236}">
-                <a16:creationId xmlns:a16="http://schemas.microsoft.com/office/drawing/2014/main" id="{A1F0B3C6-2E53-4CA3-86D1-53D46EC35267}"/>
+                <a16:creationId xmlns:a16="http://schemas.microsoft.com/office/drawing/2014/main" xmlns="" id="{A1F0B3C6-2E53-4CA3-86D1-53D46EC35267}"/>
               </a:ext>
             </a:extLst>
           </p:cNvPr>
@@ -1646,7 +1646,7 @@
           <p:cNvPr id="15" name="Notes Placeholder 14">
             <a:extLst>
               <a:ext uri="{FF2B5EF4-FFF2-40B4-BE49-F238E27FC236}">
-                <a16:creationId xmlns:a16="http://schemas.microsoft.com/office/drawing/2014/main" id="{149CC699-A079-49A5-A4D6-73B7F849A7DC}"/>
+                <a16:creationId xmlns:a16="http://schemas.microsoft.com/office/drawing/2014/main" xmlns="" id="{149CC699-A079-49A5-A4D6-73B7F849A7DC}"/>
               </a:ext>
             </a:extLst>
           </p:cNvPr>
@@ -1671,7 +1671,7 @@
           <p:cNvPr id="19" name="Slide Number Placeholder 5">
             <a:extLst>
               <a:ext uri="{FF2B5EF4-FFF2-40B4-BE49-F238E27FC236}">
-                <a16:creationId xmlns:a16="http://schemas.microsoft.com/office/drawing/2014/main" id="{121F4233-7E9A-40D2-9066-2DB14E2FA5AD}"/>
+                <a16:creationId xmlns:a16="http://schemas.microsoft.com/office/drawing/2014/main" xmlns="" id="{121F4233-7E9A-40D2-9066-2DB14E2FA5AD}"/>
               </a:ext>
             </a:extLst>
           </p:cNvPr>
@@ -1801,7 +1801,7 @@
           <p:cNvPr id="2" name="Footer Placeholder 1">
             <a:extLst>
               <a:ext uri="{FF2B5EF4-FFF2-40B4-BE49-F238E27FC236}">
-                <a16:creationId xmlns:a16="http://schemas.microsoft.com/office/drawing/2014/main" id="{D18F1DFF-B3E7-4ABF-97EE-0BBF3A961EC5}"/>
+                <a16:creationId xmlns:a16="http://schemas.microsoft.com/office/drawing/2014/main" xmlns="" id="{D18F1DFF-B3E7-4ABF-97EE-0BBF3A961EC5}"/>
               </a:ext>
             </a:extLst>
           </p:cNvPr>
@@ -1837,7 +1837,7 @@
     </p:spTree>
     <p:extLst>
       <p:ext uri="{BB962C8B-B14F-4D97-AF65-F5344CB8AC3E}">
-        <p14:creationId xmlns:p14="http://schemas.microsoft.com/office/powerpoint/2010/main" val="4028530743"/>
+        <p14:creationId xmlns:p14="http://schemas.microsoft.com/office/powerpoint/2010/main" xmlns="" val="4028530743"/>
       </p:ext>
     </p:extLst>
   </p:cSld>
@@ -1900,7 +1900,7 @@
           <p:cNvPr id="7" name="Slide Number Placeholder 5">
             <a:extLst>
               <a:ext uri="{FF2B5EF4-FFF2-40B4-BE49-F238E27FC236}">
-                <a16:creationId xmlns:a16="http://schemas.microsoft.com/office/drawing/2014/main" id="{BD88B0D8-949C-482D-990A-2DAB14AD4AD1}"/>
+                <a16:creationId xmlns:a16="http://schemas.microsoft.com/office/drawing/2014/main" xmlns="" id="{BD88B0D8-949C-482D-990A-2DAB14AD4AD1}"/>
               </a:ext>
             </a:extLst>
           </p:cNvPr>
@@ -2030,7 +2030,7 @@
           <p:cNvPr id="4" name="Footer Placeholder 3">
             <a:extLst>
               <a:ext uri="{FF2B5EF4-FFF2-40B4-BE49-F238E27FC236}">
-                <a16:creationId xmlns:a16="http://schemas.microsoft.com/office/drawing/2014/main" id="{58474633-D38D-4432-867B-70F325FA7016}"/>
+                <a16:creationId xmlns:a16="http://schemas.microsoft.com/office/drawing/2014/main" xmlns="" id="{58474633-D38D-4432-867B-70F325FA7016}"/>
               </a:ext>
             </a:extLst>
           </p:cNvPr>
@@ -2066,7 +2066,7 @@
     </p:spTree>
     <p:extLst>
       <p:ext uri="{BB962C8B-B14F-4D97-AF65-F5344CB8AC3E}">
-        <p14:creationId xmlns:p14="http://schemas.microsoft.com/office/powerpoint/2010/main" val="1999236722"/>
+        <p14:creationId xmlns:p14="http://schemas.microsoft.com/office/powerpoint/2010/main" xmlns="" val="1999236722"/>
       </p:ext>
     </p:extLst>
   </p:cSld>
@@ -2243,7 +2243,7 @@
           <p:cNvPr id="7" name="Slide Number Placeholder 5">
             <a:extLst>
               <a:ext uri="{FF2B5EF4-FFF2-40B4-BE49-F238E27FC236}">
-                <a16:creationId xmlns:a16="http://schemas.microsoft.com/office/drawing/2014/main" id="{BD88B0D8-949C-482D-990A-2DAB14AD4AD1}"/>
+                <a16:creationId xmlns:a16="http://schemas.microsoft.com/office/drawing/2014/main" xmlns="" id="{BD88B0D8-949C-482D-990A-2DAB14AD4AD1}"/>
               </a:ext>
             </a:extLst>
           </p:cNvPr>
@@ -2373,7 +2373,7 @@
           <p:cNvPr id="4" name="Footer Placeholder 3">
             <a:extLst>
               <a:ext uri="{FF2B5EF4-FFF2-40B4-BE49-F238E27FC236}">
-                <a16:creationId xmlns:a16="http://schemas.microsoft.com/office/drawing/2014/main" id="{58474633-D38D-4432-867B-70F325FA7016}"/>
+                <a16:creationId xmlns:a16="http://schemas.microsoft.com/office/drawing/2014/main" xmlns="" id="{58474633-D38D-4432-867B-70F325FA7016}"/>
               </a:ext>
             </a:extLst>
           </p:cNvPr>
@@ -2409,7 +2409,7 @@
     </p:spTree>
     <p:extLst>
       <p:ext uri="{BB962C8B-B14F-4D97-AF65-F5344CB8AC3E}">
-        <p14:creationId xmlns:p14="http://schemas.microsoft.com/office/powerpoint/2010/main" val="458784582"/>
+        <p14:creationId xmlns:p14="http://schemas.microsoft.com/office/powerpoint/2010/main" xmlns="" val="458784582"/>
       </p:ext>
     </p:extLst>
   </p:cSld>
@@ -2504,7 +2504,7 @@
           <p:cNvPr id="7" name="Footer Placeholder 5">
             <a:extLst>
               <a:ext uri="{FF2B5EF4-FFF2-40B4-BE49-F238E27FC236}">
-                <a16:creationId xmlns:a16="http://schemas.microsoft.com/office/drawing/2014/main" id="{F163D818-5569-4E6E-9BE9-C6247EB177D4}"/>
+                <a16:creationId xmlns:a16="http://schemas.microsoft.com/office/drawing/2014/main" xmlns="" id="{F163D818-5569-4E6E-9BE9-C6247EB177D4}"/>
               </a:ext>
             </a:extLst>
           </p:cNvPr>
@@ -2552,7 +2552,7 @@
     </p:spTree>
     <p:extLst>
       <p:ext uri="{BB962C8B-B14F-4D97-AF65-F5344CB8AC3E}">
-        <p14:creationId xmlns:p14="http://schemas.microsoft.com/office/powerpoint/2010/main" val="1098138642"/>
+        <p14:creationId xmlns:p14="http://schemas.microsoft.com/office/powerpoint/2010/main" xmlns="" val="1098138642"/>
       </p:ext>
     </p:extLst>
   </p:cSld>
@@ -2615,7 +2615,7 @@
           <p:cNvPr id="7" name="Slide Number Placeholder 5">
             <a:extLst>
               <a:ext uri="{FF2B5EF4-FFF2-40B4-BE49-F238E27FC236}">
-                <a16:creationId xmlns:a16="http://schemas.microsoft.com/office/drawing/2014/main" id="{BD88B0D8-949C-482D-990A-2DAB14AD4AD1}"/>
+                <a16:creationId xmlns:a16="http://schemas.microsoft.com/office/drawing/2014/main" xmlns="" id="{BD88B0D8-949C-482D-990A-2DAB14AD4AD1}"/>
               </a:ext>
             </a:extLst>
           </p:cNvPr>
@@ -2745,7 +2745,7 @@
           <p:cNvPr id="4" name="Footer Placeholder 3">
             <a:extLst>
               <a:ext uri="{FF2B5EF4-FFF2-40B4-BE49-F238E27FC236}">
-                <a16:creationId xmlns:a16="http://schemas.microsoft.com/office/drawing/2014/main" id="{58474633-D38D-4432-867B-70F325FA7016}"/>
+                <a16:creationId xmlns:a16="http://schemas.microsoft.com/office/drawing/2014/main" xmlns="" id="{58474633-D38D-4432-867B-70F325FA7016}"/>
               </a:ext>
             </a:extLst>
           </p:cNvPr>
@@ -2781,7 +2781,7 @@
     </p:spTree>
     <p:extLst>
       <p:ext uri="{BB962C8B-B14F-4D97-AF65-F5344CB8AC3E}">
-        <p14:creationId xmlns:p14="http://schemas.microsoft.com/office/powerpoint/2010/main" val="3589813522"/>
+        <p14:creationId xmlns:p14="http://schemas.microsoft.com/office/powerpoint/2010/main" xmlns="" val="3589813522"/>
       </p:ext>
     </p:extLst>
   </p:cSld>
@@ -2898,7 +2898,7 @@
     </p:spTree>
     <p:extLst>
       <p:ext uri="{BB962C8B-B14F-4D97-AF65-F5344CB8AC3E}">
-        <p14:creationId xmlns:p14="http://schemas.microsoft.com/office/powerpoint/2010/main" val="139355819"/>
+        <p14:creationId xmlns:p14="http://schemas.microsoft.com/office/powerpoint/2010/main" xmlns="" val="139355819"/>
       </p:ext>
     </p:extLst>
   </p:cSld>
@@ -3045,7 +3045,7 @@
           <p:cNvPr id="6" name="Footer Placeholder 7">
             <a:extLst>
               <a:ext uri="{FF2B5EF4-FFF2-40B4-BE49-F238E27FC236}">
-                <a16:creationId xmlns:a16="http://schemas.microsoft.com/office/drawing/2014/main" id="{5346D3DF-CA1F-4468-8E4E-B737DD366A0D}"/>
+                <a16:creationId xmlns:a16="http://schemas.microsoft.com/office/drawing/2014/main" xmlns="" id="{5346D3DF-CA1F-4468-8E4E-B737DD366A0D}"/>
               </a:ext>
             </a:extLst>
           </p:cNvPr>
@@ -3093,7 +3093,7 @@
     </p:spTree>
     <p:extLst>
       <p:ext uri="{BB962C8B-B14F-4D97-AF65-F5344CB8AC3E}">
-        <p14:creationId xmlns:p14="http://schemas.microsoft.com/office/powerpoint/2010/main" val="2065576766"/>
+        <p14:creationId xmlns:p14="http://schemas.microsoft.com/office/powerpoint/2010/main" xmlns="" val="2065576766"/>
       </p:ext>
     </p:extLst>
   </p:cSld>
@@ -3125,7 +3125,7 @@
           <p:cNvPr id="16" name="Rectangle Bottom">
             <a:extLst>
               <a:ext uri="{FF2B5EF4-FFF2-40B4-BE49-F238E27FC236}">
-                <a16:creationId xmlns:a16="http://schemas.microsoft.com/office/drawing/2014/main" id="{6854D183-0374-4B3E-B2CE-32F308A81591}"/>
+                <a16:creationId xmlns:a16="http://schemas.microsoft.com/office/drawing/2014/main" xmlns="" id="{6854D183-0374-4B3E-B2CE-32F308A81591}"/>
               </a:ext>
             </a:extLst>
           </p:cNvPr>
@@ -3206,7 +3206,7 @@
           <p:cNvPr id="14" name="Picture Logo SoftUni" descr="SoftUni logo">
             <a:extLst>
               <a:ext uri="{FF2B5EF4-FFF2-40B4-BE49-F238E27FC236}">
-                <a16:creationId xmlns:a16="http://schemas.microsoft.com/office/drawing/2014/main" id="{C4D6B2A2-DFF0-4712-BFEC-6676BEC99FEC}"/>
+                <a16:creationId xmlns:a16="http://schemas.microsoft.com/office/drawing/2014/main" xmlns="" id="{C4D6B2A2-DFF0-4712-BFEC-6676BEC99FEC}"/>
               </a:ext>
             </a:extLst>
           </p:cNvPr>
@@ -3229,7 +3229,7 @@
             </a:clrChange>
             <a:extLst>
               <a:ext uri="{28A0092B-C50C-407E-A947-70E740481C1C}">
-                <a14:useLocalDpi xmlns:a14="http://schemas.microsoft.com/office/drawing/2010/main" val="0"/>
+                <a14:useLocalDpi xmlns:a14="http://schemas.microsoft.com/office/drawing/2010/main" xmlns="" val="0"/>
               </a:ext>
             </a:extLst>
           </a:blip>
@@ -3252,7 +3252,7 @@
           <p:cNvPr id="31" name="Text Placeholder Company Site">
             <a:extLst>
               <a:ext uri="{FF2B5EF4-FFF2-40B4-BE49-F238E27FC236}">
-                <a16:creationId xmlns:a16="http://schemas.microsoft.com/office/drawing/2014/main" id="{3E6B87B7-9D33-4EBB-BD4F-C0436BA3FD72}"/>
+                <a16:creationId xmlns:a16="http://schemas.microsoft.com/office/drawing/2014/main" xmlns="" id="{3E6B87B7-9D33-4EBB-BD4F-C0436BA3FD72}"/>
               </a:ext>
             </a:extLst>
           </p:cNvPr>
@@ -3314,7 +3314,7 @@
           <p:cNvPr id="30" name="Text Placeholder Company Name">
             <a:extLst>
               <a:ext uri="{FF2B5EF4-FFF2-40B4-BE49-F238E27FC236}">
-                <a16:creationId xmlns:a16="http://schemas.microsoft.com/office/drawing/2014/main" id="{2EA92DCA-4DB5-4D03-ACD3-A6A296592D0C}"/>
+                <a16:creationId xmlns:a16="http://schemas.microsoft.com/office/drawing/2014/main" xmlns="" id="{2EA92DCA-4DB5-4D03-ACD3-A6A296592D0C}"/>
               </a:ext>
             </a:extLst>
           </p:cNvPr>
@@ -3376,7 +3376,7 @@
           <p:cNvPr id="35" name="Picture SoftUni Mascot" descr="SoftUni mascot">
             <a:extLst>
               <a:ext uri="{FF2B5EF4-FFF2-40B4-BE49-F238E27FC236}">
-                <a16:creationId xmlns:a16="http://schemas.microsoft.com/office/drawing/2014/main" id="{951E7DA9-C5F0-43D9-B013-3BDF9EEF029D}"/>
+                <a16:creationId xmlns:a16="http://schemas.microsoft.com/office/drawing/2014/main" xmlns="" id="{951E7DA9-C5F0-43D9-B013-3BDF9EEF029D}"/>
               </a:ext>
             </a:extLst>
           </p:cNvPr>
@@ -3389,7 +3389,7 @@
           <a:blip r:embed="rId3" cstate="print">
             <a:extLst>
               <a:ext uri="{28A0092B-C50C-407E-A947-70E740481C1C}">
-                <a14:useLocalDpi xmlns:a14="http://schemas.microsoft.com/office/drawing/2010/main" val="0"/>
+                <a14:useLocalDpi xmlns:a14="http://schemas.microsoft.com/office/drawing/2010/main" xmlns="" val="0"/>
               </a:ext>
             </a:extLst>
           </a:blip>
@@ -3412,7 +3412,7 @@
             <a:hlinkClick r:id="rId4"/>
             <a:extLst>
               <a:ext uri="{FF2B5EF4-FFF2-40B4-BE49-F238E27FC236}">
-                <a16:creationId xmlns:a16="http://schemas.microsoft.com/office/drawing/2014/main" id="{F2315EB3-3FE4-4D3B-921E-5F209CEC13CB}"/>
+                <a16:creationId xmlns:a16="http://schemas.microsoft.com/office/drawing/2014/main" xmlns="" id="{F2315EB3-3FE4-4D3B-921E-5F209CEC13CB}"/>
               </a:ext>
             </a:extLst>
           </p:cNvPr>
@@ -3435,7 +3435,7 @@
             </a:clrChange>
             <a:extLst>
               <a:ext uri="{28A0092B-C50C-407E-A947-70E740481C1C}">
-                <a14:useLocalDpi xmlns:a14="http://schemas.microsoft.com/office/drawing/2010/main" val="0"/>
+                <a14:useLocalDpi xmlns:a14="http://schemas.microsoft.com/office/drawing/2010/main" xmlns="" val="0"/>
               </a:ext>
             </a:extLst>
           </a:blip>
@@ -3458,7 +3458,7 @@
           <p:cNvPr id="40" name="Text Placeholder Author Position">
             <a:extLst>
               <a:ext uri="{FF2B5EF4-FFF2-40B4-BE49-F238E27FC236}">
-                <a16:creationId xmlns:a16="http://schemas.microsoft.com/office/drawing/2014/main" id="{CD940256-851E-46C8-8BFB-A5ECA6C7DA07}"/>
+                <a16:creationId xmlns:a16="http://schemas.microsoft.com/office/drawing/2014/main" xmlns="" id="{CD940256-851E-46C8-8BFB-A5ECA6C7DA07}"/>
               </a:ext>
             </a:extLst>
           </p:cNvPr>
@@ -3518,7 +3518,7 @@
           <p:cNvPr id="36" name="Text Placeholder Author Name">
             <a:extLst>
               <a:ext uri="{FF2B5EF4-FFF2-40B4-BE49-F238E27FC236}">
-                <a16:creationId xmlns:a16="http://schemas.microsoft.com/office/drawing/2014/main" id="{3B21F47B-DE1F-442D-A2B7-6866F8786704}"/>
+                <a16:creationId xmlns:a16="http://schemas.microsoft.com/office/drawing/2014/main" xmlns="" id="{3B21F47B-DE1F-442D-A2B7-6866F8786704}"/>
               </a:ext>
             </a:extLst>
           </p:cNvPr>
@@ -3578,7 +3578,7 @@
           <p:cNvPr id="33" name="Picture Placeholder Title Image">
             <a:extLst>
               <a:ext uri="{FF2B5EF4-FFF2-40B4-BE49-F238E27FC236}">
-                <a16:creationId xmlns:a16="http://schemas.microsoft.com/office/drawing/2014/main" id="{A04D819A-89E2-4714-8C56-1838BF467EF7}"/>
+                <a16:creationId xmlns:a16="http://schemas.microsoft.com/office/drawing/2014/main" xmlns="" id="{A04D819A-89E2-4714-8C56-1838BF467EF7}"/>
               </a:ext>
             </a:extLst>
           </p:cNvPr>
@@ -3620,7 +3620,7 @@
           <p:cNvPr id="43" name="Presentation Subtitle">
             <a:extLst>
               <a:ext uri="{FF2B5EF4-FFF2-40B4-BE49-F238E27FC236}">
-                <a16:creationId xmlns:a16="http://schemas.microsoft.com/office/drawing/2014/main" id="{37BDB812-1395-4B02-ABCF-6A331EEE23E5}"/>
+                <a16:creationId xmlns:a16="http://schemas.microsoft.com/office/drawing/2014/main" xmlns="" id="{37BDB812-1395-4B02-ABCF-6A331EEE23E5}"/>
               </a:ext>
             </a:extLst>
           </p:cNvPr>
@@ -3664,7 +3664,7 @@
           <p:cNvPr id="2" name="Presentation Title">
             <a:extLst>
               <a:ext uri="{FF2B5EF4-FFF2-40B4-BE49-F238E27FC236}">
-                <a16:creationId xmlns:a16="http://schemas.microsoft.com/office/drawing/2014/main" id="{A4DF3AB8-E6E3-4FCE-8A4A-ECD147720A5D}"/>
+                <a16:creationId xmlns:a16="http://schemas.microsoft.com/office/drawing/2014/main" xmlns="" id="{A4DF3AB8-E6E3-4FCE-8A4A-ECD147720A5D}"/>
               </a:ext>
             </a:extLst>
           </p:cNvPr>
@@ -3699,24 +3699,24 @@
     </p:spTree>
     <p:extLst>
       <p:ext uri="{BB962C8B-B14F-4D97-AF65-F5344CB8AC3E}">
-        <p14:creationId xmlns:p14="http://schemas.microsoft.com/office/powerpoint/2010/main" val="970179299"/>
+        <p14:creationId xmlns:p14="http://schemas.microsoft.com/office/powerpoint/2010/main" xmlns="" val="970179299"/>
       </p:ext>
     </p:extLst>
   </p:cSld>
   <p:clrMapOvr>
     <a:masterClrMapping/>
   </p:clrMapOvr>
-  <mc:AlternateContent xmlns:mc="http://schemas.openxmlformats.org/markup-compatibility/2006" xmlns:p14="http://schemas.microsoft.com/office/powerpoint/2010/main">
-    <mc:Choice Requires="p14">
+  <mc:AlternateContent xmlns:mc="http://schemas.openxmlformats.org/markup-compatibility/2006">
+    <mc:Choice xmlns:p14="http://schemas.microsoft.com/office/powerpoint/2010/main" xmlns="" Requires="p14">
       <p:transition spd="slow" p14:dur="2000" advClick="0" advTm="5000"/>
     </mc:Choice>
-    <mc:Fallback xmlns="">
+    <mc:Fallback>
       <p:transition spd="slow" advClick="0" advTm="5000"/>
     </mc:Fallback>
   </mc:AlternateContent>
   <p:extLst>
     <p:ext uri="{DCECCB84-F9BA-43D5-87BE-67443E8EF086}">
-      <p15:sldGuideLst xmlns:p15="http://schemas.microsoft.com/office/powerpoint/2012/main">
+      <p15:sldGuideLst xmlns:p15="http://schemas.microsoft.com/office/powerpoint/2012/main" xmlns="">
         <p15:guide id="1" orient="horz" pos="2160">
           <p15:clr>
             <a:srgbClr val="FBAE40"/>
@@ -3755,7 +3755,7 @@
           <p:cNvPr id="15" name="Slide Number">
             <a:extLst>
               <a:ext uri="{FF2B5EF4-FFF2-40B4-BE49-F238E27FC236}">
-                <a16:creationId xmlns:a16="http://schemas.microsoft.com/office/drawing/2014/main" id="{F888EE71-82B3-40F1-A63F-7417422FB4A4}"/>
+                <a16:creationId xmlns:a16="http://schemas.microsoft.com/office/drawing/2014/main" xmlns="" id="{F888EE71-82B3-40F1-A63F-7417422FB4A4}"/>
               </a:ext>
             </a:extLst>
           </p:cNvPr>
@@ -3797,7 +3797,7 @@
           <p:cNvPr id="14" name="Text Placeholder Body">
             <a:extLst>
               <a:ext uri="{FF2B5EF4-FFF2-40B4-BE49-F238E27FC236}">
-                <a16:creationId xmlns:a16="http://schemas.microsoft.com/office/drawing/2014/main" id="{A2ABE920-240F-4CF6-AD45-23ED489FAD6E}"/>
+                <a16:creationId xmlns:a16="http://schemas.microsoft.com/office/drawing/2014/main" xmlns="" id="{A2ABE920-240F-4CF6-AD45-23ED489FAD6E}"/>
               </a:ext>
             </a:extLst>
           </p:cNvPr>
@@ -4103,7 +4103,7 @@
           <p:cNvPr id="10" name="Rectangle Down">
             <a:extLst>
               <a:ext uri="{FF2B5EF4-FFF2-40B4-BE49-F238E27FC236}">
-                <a16:creationId xmlns:a16="http://schemas.microsoft.com/office/drawing/2014/main" id="{E9B994EC-35A8-4A11-98CB-25DC28852F94}"/>
+                <a16:creationId xmlns:a16="http://schemas.microsoft.com/office/drawing/2014/main" xmlns="" id="{E9B994EC-35A8-4A11-98CB-25DC28852F94}"/>
               </a:ext>
             </a:extLst>
           </p:cNvPr>
@@ -4184,7 +4184,7 @@
           <p:cNvPr id="11" name="Rectangle Top">
             <a:extLst>
               <a:ext uri="{FF2B5EF4-FFF2-40B4-BE49-F238E27FC236}">
-                <a16:creationId xmlns:a16="http://schemas.microsoft.com/office/drawing/2014/main" id="{274B8F05-DFCE-47BD-BAFD-DF93E1A63BDD}"/>
+                <a16:creationId xmlns:a16="http://schemas.microsoft.com/office/drawing/2014/main" xmlns="" id="{274B8F05-DFCE-47BD-BAFD-DF93E1A63BDD}"/>
               </a:ext>
             </a:extLst>
           </p:cNvPr>
@@ -4265,7 +4265,7 @@
           <p:cNvPr id="12" name="Logo Software University" descr="Software University logo">
             <a:extLst>
               <a:ext uri="{FF2B5EF4-FFF2-40B4-BE49-F238E27FC236}">
-                <a16:creationId xmlns:a16="http://schemas.microsoft.com/office/drawing/2014/main" id="{233CBB95-791E-4630-B3D9-FADFCE7BCF52}"/>
+                <a16:creationId xmlns:a16="http://schemas.microsoft.com/office/drawing/2014/main" xmlns="" id="{233CBB95-791E-4630-B3D9-FADFCE7BCF52}"/>
               </a:ext>
             </a:extLst>
           </p:cNvPr>
@@ -4278,7 +4278,7 @@
           <a:blip r:embed="rId2" cstate="print">
             <a:extLst>
               <a:ext uri="{28A0092B-C50C-407E-A947-70E740481C1C}">
-                <a14:useLocalDpi xmlns:a14="http://schemas.microsoft.com/office/drawing/2010/main" val="0"/>
+                <a14:useLocalDpi xmlns:a14="http://schemas.microsoft.com/office/drawing/2010/main" xmlns="" val="0"/>
               </a:ext>
             </a:extLst>
           </a:blip>
@@ -4301,7 +4301,7 @@
           <p:cNvPr id="13" name="Slide Title">
             <a:extLst>
               <a:ext uri="{FF2B5EF4-FFF2-40B4-BE49-F238E27FC236}">
-                <a16:creationId xmlns:a16="http://schemas.microsoft.com/office/drawing/2014/main" id="{3F218E34-55D7-4290-BFE4-80F31F941551}"/>
+                <a16:creationId xmlns:a16="http://schemas.microsoft.com/office/drawing/2014/main" xmlns="" id="{3F218E34-55D7-4290-BFE4-80F31F941551}"/>
               </a:ext>
             </a:extLst>
           </p:cNvPr>
@@ -4340,18 +4340,18 @@
     </p:spTree>
     <p:extLst>
       <p:ext uri="{BB962C8B-B14F-4D97-AF65-F5344CB8AC3E}">
-        <p14:creationId xmlns:p14="http://schemas.microsoft.com/office/powerpoint/2010/main" val="3774019400"/>
+        <p14:creationId xmlns:p14="http://schemas.microsoft.com/office/powerpoint/2010/main" xmlns="" val="3774019400"/>
       </p:ext>
     </p:extLst>
   </p:cSld>
   <p:clrMapOvr>
     <a:masterClrMapping/>
   </p:clrMapOvr>
-  <mc:AlternateContent xmlns:mc="http://schemas.openxmlformats.org/markup-compatibility/2006" xmlns:p14="http://schemas.microsoft.com/office/powerpoint/2010/main">
-    <mc:Choice Requires="p14">
+  <mc:AlternateContent xmlns:mc="http://schemas.openxmlformats.org/markup-compatibility/2006">
+    <mc:Choice xmlns:p14="http://schemas.microsoft.com/office/powerpoint/2010/main" xmlns="" Requires="p14">
       <p:transition spd="slow" p14:dur="2000" advClick="0" advTm="5000"/>
     </mc:Choice>
-    <mc:Fallback xmlns="">
+    <mc:Fallback>
       <p:transition spd="slow" advClick="0" advTm="5000"/>
     </mc:Fallback>
   </mc:AlternateContent>
@@ -4388,7 +4388,7 @@
           <p:cNvPr id="35" name="Rectangle Bottom">
             <a:extLst>
               <a:ext uri="{FF2B5EF4-FFF2-40B4-BE49-F238E27FC236}">
-                <a16:creationId xmlns:a16="http://schemas.microsoft.com/office/drawing/2014/main" id="{550A59F9-9A9D-4956-95B4-F78CC0DB1D59}"/>
+                <a16:creationId xmlns:a16="http://schemas.microsoft.com/office/drawing/2014/main" xmlns="" id="{550A59F9-9A9D-4956-95B4-F78CC0DB1D59}"/>
               </a:ext>
             </a:extLst>
           </p:cNvPr>
@@ -4469,7 +4469,7 @@
           <p:cNvPr id="53" name="Rectangle Bottom Copyright">
             <a:extLst>
               <a:ext uri="{FF2B5EF4-FFF2-40B4-BE49-F238E27FC236}">
-                <a16:creationId xmlns:a16="http://schemas.microsoft.com/office/drawing/2014/main" id="{B07FB7FB-DA6C-4F5D-B068-357F0FCE27D8}"/>
+                <a16:creationId xmlns:a16="http://schemas.microsoft.com/office/drawing/2014/main" xmlns="" id="{B07FB7FB-DA6C-4F5D-B068-357F0FCE27D8}"/>
               </a:ext>
             </a:extLst>
           </p:cNvPr>
@@ -4526,7 +4526,7 @@
                 <a:hlinkClick r:id="rId2">
                   <a:extLst>
                     <a:ext uri="{A12FA001-AC4F-418D-AE19-62706E023703}">
-                      <ahyp:hlinkClr xmlns:ahyp="http://schemas.microsoft.com/office/drawing/2018/hyperlinkcolor" val="tx"/>
+                      <ahyp:hlinkClr xmlns:ahyp="http://schemas.microsoft.com/office/drawing/2018/hyperlinkcolor" xmlns="" val="tx"/>
                     </a:ext>
                   </a:extLst>
                 </a:hlinkClick>
@@ -4562,7 +4562,7 @@
           <p:cNvPr id="26" name="Picture SoftUni Mascot" descr="SoftUni mascot with open hand">
             <a:extLst>
               <a:ext uri="{FF2B5EF4-FFF2-40B4-BE49-F238E27FC236}">
-                <a16:creationId xmlns:a16="http://schemas.microsoft.com/office/drawing/2014/main" id="{247CFF3C-C4FA-493D-8505-DF469F4D36A4}"/>
+                <a16:creationId xmlns:a16="http://schemas.microsoft.com/office/drawing/2014/main" xmlns="" id="{247CFF3C-C4FA-493D-8505-DF469F4D36A4}"/>
               </a:ext>
             </a:extLst>
           </p:cNvPr>
@@ -4575,7 +4575,7 @@
           <a:blip r:embed="rId3" cstate="print">
             <a:extLst>
               <a:ext uri="{28A0092B-C50C-407E-A947-70E740481C1C}">
-                <a14:useLocalDpi xmlns:a14="http://schemas.microsoft.com/office/drawing/2010/main" val="0"/>
+                <a14:useLocalDpi xmlns:a14="http://schemas.microsoft.com/office/drawing/2010/main" xmlns="" val="0"/>
               </a:ext>
             </a:extLst>
           </a:blip>
@@ -4598,7 +4598,7 @@
           <p:cNvPr id="2" name="Group SoftUni Brands">
             <a:extLst>
               <a:ext uri="{FF2B5EF4-FFF2-40B4-BE49-F238E27FC236}">
-                <a16:creationId xmlns:a16="http://schemas.microsoft.com/office/drawing/2014/main" id="{418FAE34-C1F8-46C7-A4AE-F270D1E70F25}"/>
+                <a16:creationId xmlns:a16="http://schemas.microsoft.com/office/drawing/2014/main" xmlns="" id="{418FAE34-C1F8-46C7-A4AE-F270D1E70F25}"/>
               </a:ext>
             </a:extLst>
           </p:cNvPr>
@@ -4618,7 +4618,7 @@
             <p:cNvPr id="24" name="Picture SoftUni Kids Logo" descr="SoftUni Kids logo">
               <a:extLst>
                 <a:ext uri="{FF2B5EF4-FFF2-40B4-BE49-F238E27FC236}">
-                  <a16:creationId xmlns:a16="http://schemas.microsoft.com/office/drawing/2014/main" id="{B0812936-74B6-4265-8C08-AEDC8C798702}"/>
+                  <a16:creationId xmlns:a16="http://schemas.microsoft.com/office/drawing/2014/main" xmlns="" id="{B0812936-74B6-4265-8C08-AEDC8C798702}"/>
                 </a:ext>
               </a:extLst>
             </p:cNvPr>
@@ -4631,7 +4631,7 @@
             <a:blip r:embed="rId4" cstate="print">
               <a:extLst>
                 <a:ext uri="{28A0092B-C50C-407E-A947-70E740481C1C}">
-                  <a14:useLocalDpi xmlns:a14="http://schemas.microsoft.com/office/drawing/2010/main" val="0"/>
+                  <a14:useLocalDpi xmlns:a14="http://schemas.microsoft.com/office/drawing/2010/main" xmlns="" val="0"/>
                 </a:ext>
               </a:extLst>
             </a:blip>
@@ -4654,7 +4654,7 @@
             <p:cNvPr id="23" name="Picture SoftUni Foundation Logo" descr="SoftUni Foundation logo">
               <a:extLst>
                 <a:ext uri="{FF2B5EF4-FFF2-40B4-BE49-F238E27FC236}">
-                  <a16:creationId xmlns:a16="http://schemas.microsoft.com/office/drawing/2014/main" id="{6643F71A-2013-433A-8322-FBAAED3162D8}"/>
+                  <a16:creationId xmlns:a16="http://schemas.microsoft.com/office/drawing/2014/main" xmlns="" id="{6643F71A-2013-433A-8322-FBAAED3162D8}"/>
                 </a:ext>
               </a:extLst>
             </p:cNvPr>
@@ -4667,7 +4667,7 @@
             <a:blip r:embed="rId5" cstate="print">
               <a:extLst>
                 <a:ext uri="{28A0092B-C50C-407E-A947-70E740481C1C}">
-                  <a14:useLocalDpi xmlns:a14="http://schemas.microsoft.com/office/drawing/2010/main" val="0"/>
+                  <a14:useLocalDpi xmlns:a14="http://schemas.microsoft.com/office/drawing/2010/main" xmlns="" val="0"/>
                 </a:ext>
               </a:extLst>
             </a:blip>
@@ -4690,7 +4690,7 @@
             <p:cNvPr id="22" name="Picture SoftUni Digital Logo" descr="SoftUni Digital logo">
               <a:extLst>
                 <a:ext uri="{FF2B5EF4-FFF2-40B4-BE49-F238E27FC236}">
-                  <a16:creationId xmlns:a16="http://schemas.microsoft.com/office/drawing/2014/main" id="{0A83D66F-855B-463B-920B-BF239B01A206}"/>
+                  <a16:creationId xmlns:a16="http://schemas.microsoft.com/office/drawing/2014/main" xmlns="" id="{0A83D66F-855B-463B-920B-BF239B01A206}"/>
                 </a:ext>
               </a:extLst>
             </p:cNvPr>
@@ -4703,7 +4703,7 @@
             <a:blip r:embed="rId6" cstate="print">
               <a:extLst>
                 <a:ext uri="{28A0092B-C50C-407E-A947-70E740481C1C}">
-                  <a14:useLocalDpi xmlns:a14="http://schemas.microsoft.com/office/drawing/2010/main" val="0"/>
+                  <a14:useLocalDpi xmlns:a14="http://schemas.microsoft.com/office/drawing/2010/main" xmlns="" val="0"/>
                 </a:ext>
               </a:extLst>
             </a:blip>
@@ -4726,7 +4726,7 @@
             <p:cNvPr id="21" name="Picture SoftUni Creative Logo" descr="SoftUni Creative logo">
               <a:extLst>
                 <a:ext uri="{FF2B5EF4-FFF2-40B4-BE49-F238E27FC236}">
-                  <a16:creationId xmlns:a16="http://schemas.microsoft.com/office/drawing/2014/main" id="{EA755AAE-BA08-481C-9224-0061170EE4B8}"/>
+                  <a16:creationId xmlns:a16="http://schemas.microsoft.com/office/drawing/2014/main" xmlns="" id="{EA755AAE-BA08-481C-9224-0061170EE4B8}"/>
                 </a:ext>
               </a:extLst>
             </p:cNvPr>
@@ -4739,7 +4739,7 @@
             <a:blip r:embed="rId7" cstate="print">
               <a:extLst>
                 <a:ext uri="{28A0092B-C50C-407E-A947-70E740481C1C}">
-                  <a14:useLocalDpi xmlns:a14="http://schemas.microsoft.com/office/drawing/2010/main" val="0"/>
+                  <a14:useLocalDpi xmlns:a14="http://schemas.microsoft.com/office/drawing/2010/main" xmlns="" val="0"/>
                 </a:ext>
               </a:extLst>
             </a:blip>
@@ -4762,7 +4762,7 @@
             <p:cNvPr id="20" name="Picture SoftUni Svetlina Logo" descr="SoftUni Svetlina logo">
               <a:extLst>
                 <a:ext uri="{FF2B5EF4-FFF2-40B4-BE49-F238E27FC236}">
-                  <a16:creationId xmlns:a16="http://schemas.microsoft.com/office/drawing/2014/main" id="{827D15FD-4C66-4B85-98E6-7826AA8F61C6}"/>
+                  <a16:creationId xmlns:a16="http://schemas.microsoft.com/office/drawing/2014/main" xmlns="" id="{827D15FD-4C66-4B85-98E6-7826AA8F61C6}"/>
                 </a:ext>
               </a:extLst>
             </p:cNvPr>
@@ -4775,7 +4775,7 @@
             <a:blip r:embed="rId8" cstate="print">
               <a:extLst>
                 <a:ext uri="{28A0092B-C50C-407E-A947-70E740481C1C}">
-                  <a14:useLocalDpi xmlns:a14="http://schemas.microsoft.com/office/drawing/2010/main" val="0"/>
+                  <a14:useLocalDpi xmlns:a14="http://schemas.microsoft.com/office/drawing/2010/main" xmlns="" val="0"/>
                 </a:ext>
               </a:extLst>
             </a:blip>
@@ -4798,7 +4798,7 @@
             <p:cNvPr id="25" name="Picture Software University Logo" descr="Software University logo">
               <a:extLst>
                 <a:ext uri="{FF2B5EF4-FFF2-40B4-BE49-F238E27FC236}">
-                  <a16:creationId xmlns:a16="http://schemas.microsoft.com/office/drawing/2014/main" id="{C74C190C-5856-41B9-8819-AE8DE0E10980}"/>
+                  <a16:creationId xmlns:a16="http://schemas.microsoft.com/office/drawing/2014/main" xmlns="" id="{C74C190C-5856-41B9-8819-AE8DE0E10980}"/>
                 </a:ext>
               </a:extLst>
             </p:cNvPr>
@@ -4811,7 +4811,7 @@
             <a:blip r:embed="rId9" cstate="print">
               <a:extLst>
                 <a:ext uri="{28A0092B-C50C-407E-A947-70E740481C1C}">
-                  <a14:useLocalDpi xmlns:a14="http://schemas.microsoft.com/office/drawing/2010/main" val="0"/>
+                  <a14:useLocalDpi xmlns:a14="http://schemas.microsoft.com/office/drawing/2010/main" xmlns="" val="0"/>
                 </a:ext>
               </a:extLst>
             </a:blip>
@@ -4834,7 +4834,7 @@
             <p:cNvPr id="33" name="Straight Connector 6">
               <a:extLst>
                 <a:ext uri="{FF2B5EF4-FFF2-40B4-BE49-F238E27FC236}">
-                  <a16:creationId xmlns:a16="http://schemas.microsoft.com/office/drawing/2014/main" id="{5C63D1E8-4A92-4691-8A24-A2FC7E8008E5}"/>
+                  <a16:creationId xmlns:a16="http://schemas.microsoft.com/office/drawing/2014/main" xmlns="" id="{5C63D1E8-4A92-4691-8A24-A2FC7E8008E5}"/>
                 </a:ext>
               </a:extLst>
             </p:cNvPr>
@@ -4873,7 +4873,7 @@
             <p:cNvPr id="32" name="Straight Connector 5">
               <a:extLst>
                 <a:ext uri="{FF2B5EF4-FFF2-40B4-BE49-F238E27FC236}">
-                  <a16:creationId xmlns:a16="http://schemas.microsoft.com/office/drawing/2014/main" id="{6E91D320-3732-40B8-864D-142D0A277ED1}"/>
+                  <a16:creationId xmlns:a16="http://schemas.microsoft.com/office/drawing/2014/main" xmlns="" id="{6E91D320-3732-40B8-864D-142D0A277ED1}"/>
                 </a:ext>
               </a:extLst>
             </p:cNvPr>
@@ -4912,7 +4912,7 @@
             <p:cNvPr id="31" name="Straight Connector 4">
               <a:extLst>
                 <a:ext uri="{FF2B5EF4-FFF2-40B4-BE49-F238E27FC236}">
-                  <a16:creationId xmlns:a16="http://schemas.microsoft.com/office/drawing/2014/main" id="{299ABE09-E33C-46B7-A80D-7BF4A6956211}"/>
+                  <a16:creationId xmlns:a16="http://schemas.microsoft.com/office/drawing/2014/main" xmlns="" id="{299ABE09-E33C-46B7-A80D-7BF4A6956211}"/>
                 </a:ext>
               </a:extLst>
             </p:cNvPr>
@@ -4949,7 +4949,7 @@
             <p:cNvPr id="30" name="Straight Connector 3">
               <a:extLst>
                 <a:ext uri="{FF2B5EF4-FFF2-40B4-BE49-F238E27FC236}">
-                  <a16:creationId xmlns:a16="http://schemas.microsoft.com/office/drawing/2014/main" id="{93DDBF37-0764-47AA-94E3-9A44F3ED8FB5}"/>
+                  <a16:creationId xmlns:a16="http://schemas.microsoft.com/office/drawing/2014/main" xmlns="" id="{93DDBF37-0764-47AA-94E3-9A44F3ED8FB5}"/>
                 </a:ext>
               </a:extLst>
             </p:cNvPr>
@@ -4986,7 +4986,7 @@
             <p:cNvPr id="29" name="Straight Connector 2">
               <a:extLst>
                 <a:ext uri="{FF2B5EF4-FFF2-40B4-BE49-F238E27FC236}">
-                  <a16:creationId xmlns:a16="http://schemas.microsoft.com/office/drawing/2014/main" id="{72BFE2F3-0845-4E5B-9375-E9D4027DD675}"/>
+                  <a16:creationId xmlns:a16="http://schemas.microsoft.com/office/drawing/2014/main" xmlns="" id="{72BFE2F3-0845-4E5B-9375-E9D4027DD675}"/>
                 </a:ext>
               </a:extLst>
             </p:cNvPr>
@@ -5023,7 +5023,7 @@
             <p:cNvPr id="28" name="Straight Connector 1">
               <a:extLst>
                 <a:ext uri="{FF2B5EF4-FFF2-40B4-BE49-F238E27FC236}">
-                  <a16:creationId xmlns:a16="http://schemas.microsoft.com/office/drawing/2014/main" id="{D4E5982E-3110-47E1-A5BB-91B7BECC3093}"/>
+                  <a16:creationId xmlns:a16="http://schemas.microsoft.com/office/drawing/2014/main" xmlns="" id="{D4E5982E-3110-47E1-A5BB-91B7BECC3093}"/>
                 </a:ext>
               </a:extLst>
             </p:cNvPr>
@@ -5060,7 +5060,7 @@
             <p:cNvPr id="27" name="Straight Connector Horizontal">
               <a:extLst>
                 <a:ext uri="{FF2B5EF4-FFF2-40B4-BE49-F238E27FC236}">
-                  <a16:creationId xmlns:a16="http://schemas.microsoft.com/office/drawing/2014/main" id="{5F62FB7C-BD6E-4383-98C1-2CF30F34CAFD}"/>
+                  <a16:creationId xmlns:a16="http://schemas.microsoft.com/office/drawing/2014/main" xmlns="" id="{5F62FB7C-BD6E-4383-98C1-2CF30F34CAFD}"/>
                 </a:ext>
               </a:extLst>
             </p:cNvPr>
@@ -5099,7 +5099,7 @@
             <p:cNvPr id="34" name="Straight Connector 0">
               <a:extLst>
                 <a:ext uri="{FF2B5EF4-FFF2-40B4-BE49-F238E27FC236}">
-                  <a16:creationId xmlns:a16="http://schemas.microsoft.com/office/drawing/2014/main" id="{C84A0FE1-723D-4682-8682-77BAD950EE15}"/>
+                  <a16:creationId xmlns:a16="http://schemas.microsoft.com/office/drawing/2014/main" xmlns="" id="{C84A0FE1-723D-4682-8682-77BAD950EE15}"/>
                 </a:ext>
               </a:extLst>
             </p:cNvPr>
@@ -5136,7 +5136,7 @@
             <p:cNvPr id="18" name="Picture SoftUni Logo" descr="SoftUni logo">
               <a:extLst>
                 <a:ext uri="{FF2B5EF4-FFF2-40B4-BE49-F238E27FC236}">
-                  <a16:creationId xmlns:a16="http://schemas.microsoft.com/office/drawing/2014/main" id="{A0675455-B7FA-4569-A5FD-A3B0F20B2A26}"/>
+                  <a16:creationId xmlns:a16="http://schemas.microsoft.com/office/drawing/2014/main" xmlns="" id="{A0675455-B7FA-4569-A5FD-A3B0F20B2A26}"/>
                 </a:ext>
               </a:extLst>
             </p:cNvPr>
@@ -5149,7 +5149,7 @@
             <a:blip r:embed="rId10" cstate="print">
               <a:extLst>
                 <a:ext uri="{28A0092B-C50C-407E-A947-70E740481C1C}">
-                  <a14:useLocalDpi xmlns:a14="http://schemas.microsoft.com/office/drawing/2010/main" val="0"/>
+                  <a14:useLocalDpi xmlns:a14="http://schemas.microsoft.com/office/drawing/2010/main" xmlns="" val="0"/>
                 </a:ext>
               </a:extLst>
             </a:blip>
@@ -5173,7 +5173,7 @@
           <p:cNvPr id="19" name="Slide Title">
             <a:extLst>
               <a:ext uri="{FF2B5EF4-FFF2-40B4-BE49-F238E27FC236}">
-                <a16:creationId xmlns:a16="http://schemas.microsoft.com/office/drawing/2014/main" id="{7CFDBB16-985C-4CC7-B6DB-B81B36037922}"/>
+                <a16:creationId xmlns:a16="http://schemas.microsoft.com/office/drawing/2014/main" xmlns="" id="{7CFDBB16-985C-4CC7-B6DB-B81B36037922}"/>
               </a:ext>
             </a:extLst>
           </p:cNvPr>
@@ -5276,7 +5276,7 @@
           <p:cNvPr id="36" name="Logo Software University" descr="Software University logo">
             <a:extLst>
               <a:ext uri="{FF2B5EF4-FFF2-40B4-BE49-F238E27FC236}">
-                <a16:creationId xmlns:a16="http://schemas.microsoft.com/office/drawing/2014/main" id="{67FC4D2E-913D-432A-B658-F0D82839FA5E}"/>
+                <a16:creationId xmlns:a16="http://schemas.microsoft.com/office/drawing/2014/main" xmlns="" id="{67FC4D2E-913D-432A-B658-F0D82839FA5E}"/>
               </a:ext>
             </a:extLst>
           </p:cNvPr>
@@ -5299,7 +5299,7 @@
             </a:clrChange>
             <a:extLst>
               <a:ext uri="{28A0092B-C50C-407E-A947-70E740481C1C}">
-                <a14:useLocalDpi xmlns:a14="http://schemas.microsoft.com/office/drawing/2010/main" val="0"/>
+                <a14:useLocalDpi xmlns:a14="http://schemas.microsoft.com/office/drawing/2010/main" xmlns="" val="0"/>
               </a:ext>
             </a:extLst>
           </a:blip>
@@ -5320,24 +5320,24 @@
     </p:spTree>
     <p:extLst>
       <p:ext uri="{BB962C8B-B14F-4D97-AF65-F5344CB8AC3E}">
-        <p14:creationId xmlns:p14="http://schemas.microsoft.com/office/powerpoint/2010/main" val="4192061223"/>
+        <p14:creationId xmlns:p14="http://schemas.microsoft.com/office/powerpoint/2010/main" xmlns="" val="4192061223"/>
       </p:ext>
     </p:extLst>
   </p:cSld>
   <p:clrMapOvr>
     <a:masterClrMapping/>
   </p:clrMapOvr>
-  <mc:AlternateContent xmlns:mc="http://schemas.openxmlformats.org/markup-compatibility/2006" xmlns:p14="http://schemas.microsoft.com/office/powerpoint/2010/main">
-    <mc:Choice Requires="p14">
+  <mc:AlternateContent xmlns:mc="http://schemas.openxmlformats.org/markup-compatibility/2006">
+    <mc:Choice xmlns:p14="http://schemas.microsoft.com/office/powerpoint/2010/main" xmlns="" Requires="p14">
       <p:transition spd="slow" p14:dur="2000" advClick="0" advTm="5000"/>
     </mc:Choice>
-    <mc:Fallback xmlns="">
+    <mc:Fallback>
       <p:transition spd="slow" advClick="0" advTm="5000"/>
     </mc:Fallback>
   </mc:AlternateContent>
   <p:extLst>
     <p:ext uri="{DCECCB84-F9BA-43D5-87BE-67443E8EF086}">
-      <p15:sldGuideLst xmlns:p15="http://schemas.microsoft.com/office/powerpoint/2012/main">
+      <p15:sldGuideLst xmlns:p15="http://schemas.microsoft.com/office/powerpoint/2012/main" xmlns="">
         <p15:guide id="1" orient="horz" pos="2160">
           <p15:clr>
             <a:srgbClr val="FBAE40"/>
@@ -5376,7 +5376,7 @@
           <p:cNvPr id="13" name="Slide Number">
             <a:extLst>
               <a:ext uri="{FF2B5EF4-FFF2-40B4-BE49-F238E27FC236}">
-                <a16:creationId xmlns:a16="http://schemas.microsoft.com/office/drawing/2014/main" id="{5B8761D8-B42F-4A70-A0CE-682CEB2AE31B}"/>
+                <a16:creationId xmlns:a16="http://schemas.microsoft.com/office/drawing/2014/main" xmlns="" id="{5B8761D8-B42F-4A70-A0CE-682CEB2AE31B}"/>
               </a:ext>
             </a:extLst>
           </p:cNvPr>
@@ -5419,7 +5419,7 @@
             <a:hlinkClick r:id="rId2" tooltip="Software University Discussion Forum"/>
             <a:extLst>
               <a:ext uri="{FF2B5EF4-FFF2-40B4-BE49-F238E27FC236}">
-                <a16:creationId xmlns:a16="http://schemas.microsoft.com/office/drawing/2014/main" id="{98C579AD-FAF5-4B28-9B52-5457F1E90061}"/>
+                <a16:creationId xmlns:a16="http://schemas.microsoft.com/office/drawing/2014/main" xmlns="" id="{98C579AD-FAF5-4B28-9B52-5457F1E90061}"/>
               </a:ext>
             </a:extLst>
           </p:cNvPr>
@@ -5432,7 +5432,7 @@
           <a:blip r:embed="rId3" cstate="print">
             <a:extLst>
               <a:ext uri="{28A0092B-C50C-407E-A947-70E740481C1C}">
-                <a14:useLocalDpi xmlns:a14="http://schemas.microsoft.com/office/drawing/2010/main"/>
+                <a14:useLocalDpi xmlns:a14="http://schemas.microsoft.com/office/drawing/2010/main" xmlns=""/>
               </a:ext>
             </a:extLst>
           </a:blip>
@@ -5456,7 +5456,7 @@
             <a:hlinkClick r:id="rId4" tooltip="Software University @ Facebook"/>
             <a:extLst>
               <a:ext uri="{FF2B5EF4-FFF2-40B4-BE49-F238E27FC236}">
-                <a16:creationId xmlns:a16="http://schemas.microsoft.com/office/drawing/2014/main" id="{6B2C510E-5EF2-49F6-B926-2BD74CD3C7F8}"/>
+                <a16:creationId xmlns:a16="http://schemas.microsoft.com/office/drawing/2014/main" xmlns="" id="{6B2C510E-5EF2-49F6-B926-2BD74CD3C7F8}"/>
               </a:ext>
             </a:extLst>
           </p:cNvPr>
@@ -5469,7 +5469,7 @@
           <a:blip r:embed="rId5" cstate="print">
             <a:extLst>
               <a:ext uri="{28A0092B-C50C-407E-A947-70E740481C1C}">
-                <a14:useLocalDpi xmlns:a14="http://schemas.microsoft.com/office/drawing/2010/main"/>
+                <a14:useLocalDpi xmlns:a14="http://schemas.microsoft.com/office/drawing/2010/main" xmlns=""/>
               </a:ext>
             </a:extLst>
           </a:blip>
@@ -5487,7 +5487,7 @@
           <a:noFill/>
           <a:extLst>
             <a:ext uri="{909E8E84-426E-40DD-AFC4-6F175D3DCCD1}">
-              <a14:hiddenFill xmlns:a14="http://schemas.microsoft.com/office/drawing/2010/main">
+              <a14:hiddenFill xmlns:a14="http://schemas.microsoft.com/office/drawing/2010/main" xmlns="">
                 <a:solidFill>
                   <a:srgbClr val="FFFFFF"/>
                 </a:solidFill>
@@ -5502,7 +5502,7 @@
             <a:hlinkClick r:id="rId6"/>
             <a:extLst>
               <a:ext uri="{FF2B5EF4-FFF2-40B4-BE49-F238E27FC236}">
-                <a16:creationId xmlns:a16="http://schemas.microsoft.com/office/drawing/2014/main" id="{F4604840-E810-44B7-9FF1-3B28CD68B758}"/>
+                <a16:creationId xmlns:a16="http://schemas.microsoft.com/office/drawing/2014/main" xmlns="" id="{F4604840-E810-44B7-9FF1-3B28CD68B758}"/>
               </a:ext>
             </a:extLst>
           </p:cNvPr>
@@ -5515,7 +5515,7 @@
           <a:blip r:embed="rId7" cstate="print">
             <a:extLst>
               <a:ext uri="{28A0092B-C50C-407E-A947-70E740481C1C}">
-                <a14:useLocalDpi xmlns:a14="http://schemas.microsoft.com/office/drawing/2010/main" val="0"/>
+                <a14:useLocalDpi xmlns:a14="http://schemas.microsoft.com/office/drawing/2010/main" xmlns="" val="0"/>
               </a:ext>
             </a:extLst>
           </a:blip>
@@ -5539,7 +5539,7 @@
             <a:hlinkClick r:id="rId8"/>
             <a:extLst>
               <a:ext uri="{FF2B5EF4-FFF2-40B4-BE49-F238E27FC236}">
-                <a16:creationId xmlns:a16="http://schemas.microsoft.com/office/drawing/2014/main" id="{07C965FA-A87E-4824-AFA8-C67AF548A76A}"/>
+                <a16:creationId xmlns:a16="http://schemas.microsoft.com/office/drawing/2014/main" xmlns="" id="{07C965FA-A87E-4824-AFA8-C67AF548A76A}"/>
               </a:ext>
             </a:extLst>
           </p:cNvPr>
@@ -5552,7 +5552,7 @@
           <a:blip r:embed="rId9" cstate="print">
             <a:extLst>
               <a:ext uri="{28A0092B-C50C-407E-A947-70E740481C1C}">
-                <a14:useLocalDpi xmlns:a14="http://schemas.microsoft.com/office/drawing/2010/main" val="0"/>
+                <a14:useLocalDpi xmlns:a14="http://schemas.microsoft.com/office/drawing/2010/main" xmlns="" val="0"/>
               </a:ext>
             </a:extLst>
           </a:blip>
@@ -5574,7 +5574,7 @@
           <p:cNvPr id="12" name="Slide Body Text">
             <a:extLst>
               <a:ext uri="{FF2B5EF4-FFF2-40B4-BE49-F238E27FC236}">
-                <a16:creationId xmlns:a16="http://schemas.microsoft.com/office/drawing/2014/main" id="{0C1F9416-8B6E-46DE-973C-777785E27A26}"/>
+                <a16:creationId xmlns:a16="http://schemas.microsoft.com/office/drawing/2014/main" xmlns="" id="{0C1F9416-8B6E-46DE-973C-777785E27A26}"/>
               </a:ext>
             </a:extLst>
           </p:cNvPr>
@@ -5699,7 +5699,7 @@
           <p:cNvPr id="10" name="Rectangle Top">
             <a:extLst>
               <a:ext uri="{FF2B5EF4-FFF2-40B4-BE49-F238E27FC236}">
-                <a16:creationId xmlns:a16="http://schemas.microsoft.com/office/drawing/2014/main" id="{86646B95-5E3B-4DE8-9118-031C2C296D8C}"/>
+                <a16:creationId xmlns:a16="http://schemas.microsoft.com/office/drawing/2014/main" xmlns="" id="{86646B95-5E3B-4DE8-9118-031C2C296D8C}"/>
               </a:ext>
             </a:extLst>
           </p:cNvPr>
@@ -5780,7 +5780,7 @@
           <p:cNvPr id="11" name="Logo Software University" descr="Software University logo">
             <a:extLst>
               <a:ext uri="{FF2B5EF4-FFF2-40B4-BE49-F238E27FC236}">
-                <a16:creationId xmlns:a16="http://schemas.microsoft.com/office/drawing/2014/main" id="{58AB1944-B146-4E89-B2D9-426EB610F319}"/>
+                <a16:creationId xmlns:a16="http://schemas.microsoft.com/office/drawing/2014/main" xmlns="" id="{58AB1944-B146-4E89-B2D9-426EB610F319}"/>
               </a:ext>
             </a:extLst>
           </p:cNvPr>
@@ -5793,7 +5793,7 @@
           <a:blip r:embed="rId11" cstate="print">
             <a:extLst>
               <a:ext uri="{28A0092B-C50C-407E-A947-70E740481C1C}">
-                <a14:useLocalDpi xmlns:a14="http://schemas.microsoft.com/office/drawing/2010/main" val="0"/>
+                <a14:useLocalDpi xmlns:a14="http://schemas.microsoft.com/office/drawing/2010/main" xmlns="" val="0"/>
               </a:ext>
             </a:extLst>
           </a:blip>
@@ -5816,7 +5816,7 @@
           <p:cNvPr id="18" name="Slide Title">
             <a:extLst>
               <a:ext uri="{FF2B5EF4-FFF2-40B4-BE49-F238E27FC236}">
-                <a16:creationId xmlns:a16="http://schemas.microsoft.com/office/drawing/2014/main" id="{AE87ED9C-76E1-4D85-9B06-3AF44AABB668}"/>
+                <a16:creationId xmlns:a16="http://schemas.microsoft.com/office/drawing/2014/main" xmlns="" id="{AE87ED9C-76E1-4D85-9B06-3AF44AABB668}"/>
               </a:ext>
             </a:extLst>
           </p:cNvPr>
@@ -5855,18 +5855,18 @@
     </p:spTree>
     <p:extLst>
       <p:ext uri="{BB962C8B-B14F-4D97-AF65-F5344CB8AC3E}">
-        <p14:creationId xmlns:p14="http://schemas.microsoft.com/office/powerpoint/2010/main" val="2196466322"/>
+        <p14:creationId xmlns:p14="http://schemas.microsoft.com/office/powerpoint/2010/main" xmlns="" val="2196466322"/>
       </p:ext>
     </p:extLst>
   </p:cSld>
   <p:clrMapOvr>
     <a:masterClrMapping/>
   </p:clrMapOvr>
-  <mc:AlternateContent xmlns:mc="http://schemas.openxmlformats.org/markup-compatibility/2006" xmlns:p14="http://schemas.microsoft.com/office/powerpoint/2010/main">
-    <mc:Choice Requires="p14">
+  <mc:AlternateContent xmlns:mc="http://schemas.openxmlformats.org/markup-compatibility/2006">
+    <mc:Choice xmlns:p14="http://schemas.microsoft.com/office/powerpoint/2010/main" xmlns="" Requires="p14">
       <p:transition spd="slow" p14:dur="2000" advClick="0" advTm="5000"/>
     </mc:Choice>
-    <mc:Fallback xmlns="">
+    <mc:Fallback>
       <p:transition spd="slow" advClick="0" advTm="5000"/>
     </mc:Fallback>
   </mc:AlternateContent>
@@ -5895,7 +5895,7 @@
           <p:cNvPr id="9" name="Oval Center Icon">
             <a:extLst>
               <a:ext uri="{FF2B5EF4-FFF2-40B4-BE49-F238E27FC236}">
-                <a16:creationId xmlns:a16="http://schemas.microsoft.com/office/drawing/2014/main" id="{13B9A8FE-2718-4F2C-98D4-CBF86AD69D58}"/>
+                <a16:creationId xmlns:a16="http://schemas.microsoft.com/office/drawing/2014/main" xmlns="" id="{13B9A8FE-2718-4F2C-98D4-CBF86AD69D58}"/>
               </a:ext>
             </a:extLst>
           </p:cNvPr>
@@ -5976,7 +5976,7 @@
           <p:cNvPr id="8" name="Slide Subtitle">
             <a:extLst>
               <a:ext uri="{FF2B5EF4-FFF2-40B4-BE49-F238E27FC236}">
-                <a16:creationId xmlns:a16="http://schemas.microsoft.com/office/drawing/2014/main" id="{588387B4-E99E-4145-9D1D-F17CA5190DFD}"/>
+                <a16:creationId xmlns:a16="http://schemas.microsoft.com/office/drawing/2014/main" xmlns="" id="{588387B4-E99E-4145-9D1D-F17CA5190DFD}"/>
               </a:ext>
             </a:extLst>
           </p:cNvPr>
@@ -6026,7 +6026,7 @@
           <p:cNvPr id="13" name="Slide Title">
             <a:extLst>
               <a:ext uri="{FF2B5EF4-FFF2-40B4-BE49-F238E27FC236}">
-                <a16:creationId xmlns:a16="http://schemas.microsoft.com/office/drawing/2014/main" id="{8A28C56F-AE84-49D0-9AD1-1F0CEEABF710}"/>
+                <a16:creationId xmlns:a16="http://schemas.microsoft.com/office/drawing/2014/main" xmlns="" id="{8A28C56F-AE84-49D0-9AD1-1F0CEEABF710}"/>
               </a:ext>
             </a:extLst>
           </p:cNvPr>
@@ -6071,18 +6071,18 @@
     </p:spTree>
     <p:extLst>
       <p:ext uri="{BB962C8B-B14F-4D97-AF65-F5344CB8AC3E}">
-        <p14:creationId xmlns:p14="http://schemas.microsoft.com/office/powerpoint/2010/main" val="475389923"/>
+        <p14:creationId xmlns:p14="http://schemas.microsoft.com/office/powerpoint/2010/main" xmlns="" val="475389923"/>
       </p:ext>
     </p:extLst>
   </p:cSld>
   <p:clrMapOvr>
     <a:masterClrMapping/>
   </p:clrMapOvr>
-  <mc:AlternateContent xmlns:mc="http://schemas.openxmlformats.org/markup-compatibility/2006" xmlns:p14="http://schemas.microsoft.com/office/powerpoint/2010/main">
-    <mc:Choice Requires="p14">
+  <mc:AlternateContent xmlns:mc="http://schemas.openxmlformats.org/markup-compatibility/2006">
+    <mc:Choice xmlns:p14="http://schemas.microsoft.com/office/powerpoint/2010/main" xmlns="" Requires="p14">
       <p:transition spd="slow" p14:dur="2000" advClick="0" advTm="5000"/>
     </mc:Choice>
-    <mc:Fallback xmlns="">
+    <mc:Fallback>
       <p:transition spd="slow" advClick="0" advTm="5000"/>
     </mc:Fallback>
   </mc:AlternateContent>
@@ -6112,7 +6112,7 @@
           <p:cNvPr id="2" name="Title 1">
             <a:extLst>
               <a:ext uri="{FF2B5EF4-FFF2-40B4-BE49-F238E27FC236}">
-                <a16:creationId xmlns:a16="http://schemas.microsoft.com/office/drawing/2014/main" id="{5213C145-EA12-94EF-AA17-5F628EA0AD2D}"/>
+                <a16:creationId xmlns:a16="http://schemas.microsoft.com/office/drawing/2014/main" xmlns="" id="{5213C145-EA12-94EF-AA17-5F628EA0AD2D}"/>
               </a:ext>
             </a:extLst>
           </p:cNvPr>
@@ -6150,7 +6150,7 @@
           <p:cNvPr id="3" name="Subtitle 2">
             <a:extLst>
               <a:ext uri="{FF2B5EF4-FFF2-40B4-BE49-F238E27FC236}">
-                <a16:creationId xmlns:a16="http://schemas.microsoft.com/office/drawing/2014/main" id="{5F55E72E-5B45-B6EE-75AE-03B188AD9A08}"/>
+                <a16:creationId xmlns:a16="http://schemas.microsoft.com/office/drawing/2014/main" xmlns="" id="{5F55E72E-5B45-B6EE-75AE-03B188AD9A08}"/>
               </a:ext>
             </a:extLst>
           </p:cNvPr>
@@ -6221,7 +6221,7 @@
           <p:cNvPr id="4" name="Date Placeholder 3">
             <a:extLst>
               <a:ext uri="{FF2B5EF4-FFF2-40B4-BE49-F238E27FC236}">
-                <a16:creationId xmlns:a16="http://schemas.microsoft.com/office/drawing/2014/main" id="{30C6A8EA-0240-01AB-A7C2-BD1CD885E1C1}"/>
+                <a16:creationId xmlns:a16="http://schemas.microsoft.com/office/drawing/2014/main" xmlns="" id="{30C6A8EA-0240-01AB-A7C2-BD1CD885E1C1}"/>
               </a:ext>
             </a:extLst>
           </p:cNvPr>
@@ -6240,7 +6240,7 @@
             <a:fld id="{1CF2F75B-1C4E-1E47-AE31-5B79E79ADF4F}" type="datetimeFigureOut">
               <a:rPr lang="x-none" smtClean="0"/>
               <a:pPr/>
-              <a:t>21.07.23</a:t>
+              <a:t>14.8.2023 г.</a:t>
             </a:fld>
             <a:endParaRPr lang="x-none"/>
           </a:p>
@@ -6251,7 +6251,7 @@
           <p:cNvPr id="5" name="Footer Placeholder 4">
             <a:extLst>
               <a:ext uri="{FF2B5EF4-FFF2-40B4-BE49-F238E27FC236}">
-                <a16:creationId xmlns:a16="http://schemas.microsoft.com/office/drawing/2014/main" id="{F95CBF96-4249-1541-E44E-FBCECA233B3C}"/>
+                <a16:creationId xmlns:a16="http://schemas.microsoft.com/office/drawing/2014/main" xmlns="" id="{F95CBF96-4249-1541-E44E-FBCECA233B3C}"/>
               </a:ext>
             </a:extLst>
           </p:cNvPr>
@@ -6276,7 +6276,7 @@
           <p:cNvPr id="6" name="Slide Number Placeholder 5">
             <a:extLst>
               <a:ext uri="{FF2B5EF4-FFF2-40B4-BE49-F238E27FC236}">
-                <a16:creationId xmlns:a16="http://schemas.microsoft.com/office/drawing/2014/main" id="{7ACB54F2-814F-F79B-8CD7-FA3133365CBC}"/>
+                <a16:creationId xmlns:a16="http://schemas.microsoft.com/office/drawing/2014/main" xmlns="" id="{7ACB54F2-814F-F79B-8CD7-FA3133365CBC}"/>
               </a:ext>
             </a:extLst>
           </p:cNvPr>
@@ -6304,7 +6304,7 @@
     </p:spTree>
     <p:extLst>
       <p:ext uri="{BB962C8B-B14F-4D97-AF65-F5344CB8AC3E}">
-        <p14:creationId xmlns:p14="http://schemas.microsoft.com/office/powerpoint/2010/main" val="2773863354"/>
+        <p14:creationId xmlns:p14="http://schemas.microsoft.com/office/powerpoint/2010/main" xmlns="" val="2773863354"/>
       </p:ext>
     </p:extLst>
   </p:cSld>
@@ -6336,7 +6336,7 @@
           <p:cNvPr id="8" name="Rectangle Top">
             <a:extLst>
               <a:ext uri="{FF2B5EF4-FFF2-40B4-BE49-F238E27FC236}">
-                <a16:creationId xmlns:a16="http://schemas.microsoft.com/office/drawing/2014/main" id="{454BD9C2-93A6-4860-A758-846ED0E1C8FA}"/>
+                <a16:creationId xmlns:a16="http://schemas.microsoft.com/office/drawing/2014/main" xmlns="" id="{454BD9C2-93A6-4860-A758-846ED0E1C8FA}"/>
               </a:ext>
             </a:extLst>
           </p:cNvPr>
@@ -6417,7 +6417,7 @@
           <p:cNvPr id="7" name="Slide Number">
             <a:extLst>
               <a:ext uri="{FF2B5EF4-FFF2-40B4-BE49-F238E27FC236}">
-                <a16:creationId xmlns:a16="http://schemas.microsoft.com/office/drawing/2014/main" id="{C1780DB1-0AF0-4108-AFE1-9DA99F0DBCB8}"/>
+                <a16:creationId xmlns:a16="http://schemas.microsoft.com/office/drawing/2014/main" xmlns="" id="{C1780DB1-0AF0-4108-AFE1-9DA99F0DBCB8}"/>
               </a:ext>
             </a:extLst>
           </p:cNvPr>
@@ -6459,7 +6459,7 @@
           <p:cNvPr id="3" name="Slide Body Text">
             <a:extLst>
               <a:ext uri="{FF2B5EF4-FFF2-40B4-BE49-F238E27FC236}">
-                <a16:creationId xmlns:a16="http://schemas.microsoft.com/office/drawing/2014/main" id="{5A9D2960-6D42-439F-82E8-812822013A10}"/>
+                <a16:creationId xmlns:a16="http://schemas.microsoft.com/office/drawing/2014/main" xmlns="" id="{5A9D2960-6D42-439F-82E8-812822013A10}"/>
               </a:ext>
             </a:extLst>
           </p:cNvPr>
@@ -6537,7 +6537,7 @@
           <p:cNvPr id="13" name="Rectangle Top">
             <a:extLst>
               <a:ext uri="{FF2B5EF4-FFF2-40B4-BE49-F238E27FC236}">
-                <a16:creationId xmlns:a16="http://schemas.microsoft.com/office/drawing/2014/main" id="{391AFA4E-7870-4561-A1B8-AC956B0C8931}"/>
+                <a16:creationId xmlns:a16="http://schemas.microsoft.com/office/drawing/2014/main" xmlns="" id="{391AFA4E-7870-4561-A1B8-AC956B0C8931}"/>
               </a:ext>
             </a:extLst>
           </p:cNvPr>
@@ -6618,7 +6618,7 @@
           <p:cNvPr id="12" name="Logo Software University" descr="Software University logo">
             <a:extLst>
               <a:ext uri="{FF2B5EF4-FFF2-40B4-BE49-F238E27FC236}">
-                <a16:creationId xmlns:a16="http://schemas.microsoft.com/office/drawing/2014/main" id="{B1D3B425-B9BF-43ED-9DEC-C05002FBA22F}"/>
+                <a16:creationId xmlns:a16="http://schemas.microsoft.com/office/drawing/2014/main" xmlns="" id="{B1D3B425-B9BF-43ED-9DEC-C05002FBA22F}"/>
               </a:ext>
             </a:extLst>
           </p:cNvPr>
@@ -6631,7 +6631,7 @@
           <a:blip r:embed="rId2" cstate="print">
             <a:extLst>
               <a:ext uri="{28A0092B-C50C-407E-A947-70E740481C1C}">
-                <a14:useLocalDpi xmlns:a14="http://schemas.microsoft.com/office/drawing/2010/main" val="0"/>
+                <a14:useLocalDpi xmlns:a14="http://schemas.microsoft.com/office/drawing/2010/main" xmlns="" val="0"/>
               </a:ext>
             </a:extLst>
           </a:blip>
@@ -6654,7 +6654,7 @@
           <p:cNvPr id="6" name="Slide Title">
             <a:extLst>
               <a:ext uri="{FF2B5EF4-FFF2-40B4-BE49-F238E27FC236}">
-                <a16:creationId xmlns:a16="http://schemas.microsoft.com/office/drawing/2014/main" id="{19B5B676-7892-440F-8191-7109B2C59885}"/>
+                <a16:creationId xmlns:a16="http://schemas.microsoft.com/office/drawing/2014/main" xmlns="" id="{19B5B676-7892-440F-8191-7109B2C59885}"/>
               </a:ext>
             </a:extLst>
           </p:cNvPr>
@@ -6693,18 +6693,18 @@
     </p:spTree>
     <p:extLst>
       <p:ext uri="{BB962C8B-B14F-4D97-AF65-F5344CB8AC3E}">
-        <p14:creationId xmlns:p14="http://schemas.microsoft.com/office/powerpoint/2010/main" val="2685365194"/>
+        <p14:creationId xmlns:p14="http://schemas.microsoft.com/office/powerpoint/2010/main" xmlns="" val="2685365194"/>
       </p:ext>
     </p:extLst>
   </p:cSld>
   <p:clrMapOvr>
     <a:masterClrMapping/>
   </p:clrMapOvr>
-  <mc:AlternateContent xmlns:mc="http://schemas.openxmlformats.org/markup-compatibility/2006" xmlns:p14="http://schemas.microsoft.com/office/powerpoint/2010/main">
-    <mc:Choice Requires="p14">
+  <mc:AlternateContent xmlns:mc="http://schemas.openxmlformats.org/markup-compatibility/2006">
+    <mc:Choice xmlns:p14="http://schemas.microsoft.com/office/powerpoint/2010/main" xmlns="" Requires="p14">
       <p:transition spd="slow" p14:dur="2000" advClick="0" advTm="5000"/>
     </mc:Choice>
-    <mc:Fallback xmlns="">
+    <mc:Fallback>
       <p:transition spd="slow" advClick="0" advTm="5000"/>
     </mc:Fallback>
   </mc:AlternateContent>
@@ -7751,7 +7751,7 @@
             <a:fld id="{1D8BD707-D9CF-40AE-B4C6-C98DA3205C09}" type="datetimeFigureOut">
               <a:rPr lang="en-US"/>
               <a:pPr/>
-              <a:t>7/21/23</a:t>
+              <a:t>8/14/2023</a:t>
             </a:fld>
             <a:endParaRPr lang="en-US" dirty="0"/>
           </a:p>
@@ -7811,7 +7811,7 @@
     </p:spTree>
     <p:extLst>
       <p:ext uri="{BB962C8B-B14F-4D97-AF65-F5344CB8AC3E}">
-        <p14:creationId xmlns:p14="http://schemas.microsoft.com/office/powerpoint/2010/main" val="2531485629"/>
+        <p14:creationId xmlns:p14="http://schemas.microsoft.com/office/powerpoint/2010/main" xmlns="" val="2531485629"/>
       </p:ext>
     </p:extLst>
   </p:cSld>
@@ -8007,18 +8007,18 @@
     </p:spTree>
     <p:extLst>
       <p:ext uri="{BB962C8B-B14F-4D97-AF65-F5344CB8AC3E}">
-        <p14:creationId xmlns:p14="http://schemas.microsoft.com/office/powerpoint/2010/main" val="3529216409"/>
+        <p14:creationId xmlns:p14="http://schemas.microsoft.com/office/powerpoint/2010/main" xmlns="" val="3529216409"/>
       </p:ext>
     </p:extLst>
   </p:cSld>
   <p:clrMapOvr>
     <a:masterClrMapping/>
   </p:clrMapOvr>
-  <mc:AlternateContent xmlns:mc="http://schemas.openxmlformats.org/markup-compatibility/2006" xmlns:p14="http://schemas.microsoft.com/office/powerpoint/2010/main">
-    <mc:Choice Requires="p14">
+  <mc:AlternateContent xmlns:mc="http://schemas.openxmlformats.org/markup-compatibility/2006">
+    <mc:Choice xmlns:p14="http://schemas.microsoft.com/office/powerpoint/2010/main" xmlns="" Requires="p14">
       <p:transition spd="slow" p14:dur="2000" advClick="0" advTm="5000"/>
     </mc:Choice>
-    <mc:Fallback xmlns="">
+    <mc:Fallback>
       <p:transition spd="slow" advClick="0" advTm="5000"/>
     </mc:Fallback>
   </mc:AlternateContent>
@@ -8047,7 +8047,7 @@
           <p:cNvPr id="7" name="Slide Number">
             <a:extLst>
               <a:ext uri="{FF2B5EF4-FFF2-40B4-BE49-F238E27FC236}">
-                <a16:creationId xmlns:a16="http://schemas.microsoft.com/office/drawing/2014/main" id="{C1780DB1-0AF0-4108-AFE1-9DA99F0DBCB8}"/>
+                <a16:creationId xmlns:a16="http://schemas.microsoft.com/office/drawing/2014/main" xmlns="" id="{C1780DB1-0AF0-4108-AFE1-9DA99F0DBCB8}"/>
               </a:ext>
             </a:extLst>
           </p:cNvPr>
@@ -8089,7 +8089,7 @@
           <p:cNvPr id="3" name="Slide Body Text">
             <a:extLst>
               <a:ext uri="{FF2B5EF4-FFF2-40B4-BE49-F238E27FC236}">
-                <a16:creationId xmlns:a16="http://schemas.microsoft.com/office/drawing/2014/main" id="{5A9D2960-6D42-439F-82E8-812822013A10}"/>
+                <a16:creationId xmlns:a16="http://schemas.microsoft.com/office/drawing/2014/main" xmlns="" id="{5A9D2960-6D42-439F-82E8-812822013A10}"/>
               </a:ext>
             </a:extLst>
           </p:cNvPr>
@@ -8167,7 +8167,7 @@
           <p:cNvPr id="13" name="Rectangle Top">
             <a:extLst>
               <a:ext uri="{FF2B5EF4-FFF2-40B4-BE49-F238E27FC236}">
-                <a16:creationId xmlns:a16="http://schemas.microsoft.com/office/drawing/2014/main" id="{391AFA4E-7870-4561-A1B8-AC956B0C8931}"/>
+                <a16:creationId xmlns:a16="http://schemas.microsoft.com/office/drawing/2014/main" xmlns="" id="{391AFA4E-7870-4561-A1B8-AC956B0C8931}"/>
               </a:ext>
             </a:extLst>
           </p:cNvPr>
@@ -8248,7 +8248,7 @@
           <p:cNvPr id="12" name="Logo Software University" descr="Software University logo">
             <a:extLst>
               <a:ext uri="{FF2B5EF4-FFF2-40B4-BE49-F238E27FC236}">
-                <a16:creationId xmlns:a16="http://schemas.microsoft.com/office/drawing/2014/main" id="{B1D3B425-B9BF-43ED-9DEC-C05002FBA22F}"/>
+                <a16:creationId xmlns:a16="http://schemas.microsoft.com/office/drawing/2014/main" xmlns="" id="{B1D3B425-B9BF-43ED-9DEC-C05002FBA22F}"/>
               </a:ext>
             </a:extLst>
           </p:cNvPr>
@@ -8261,7 +8261,7 @@
           <a:blip r:embed="rId2" cstate="print">
             <a:extLst>
               <a:ext uri="{28A0092B-C50C-407E-A947-70E740481C1C}">
-                <a14:useLocalDpi xmlns:a14="http://schemas.microsoft.com/office/drawing/2010/main" val="0"/>
+                <a14:useLocalDpi xmlns:a14="http://schemas.microsoft.com/office/drawing/2010/main" xmlns="" val="0"/>
               </a:ext>
             </a:extLst>
           </a:blip>
@@ -8284,7 +8284,7 @@
           <p:cNvPr id="6" name="Slide Title">
             <a:extLst>
               <a:ext uri="{FF2B5EF4-FFF2-40B4-BE49-F238E27FC236}">
-                <a16:creationId xmlns:a16="http://schemas.microsoft.com/office/drawing/2014/main" id="{19B5B676-7892-440F-8191-7109B2C59885}"/>
+                <a16:creationId xmlns:a16="http://schemas.microsoft.com/office/drawing/2014/main" xmlns="" id="{19B5B676-7892-440F-8191-7109B2C59885}"/>
               </a:ext>
             </a:extLst>
           </p:cNvPr>
@@ -8323,18 +8323,18 @@
     </p:spTree>
     <p:extLst>
       <p:ext uri="{BB962C8B-B14F-4D97-AF65-F5344CB8AC3E}">
-        <p14:creationId xmlns:p14="http://schemas.microsoft.com/office/powerpoint/2010/main" val="1102970716"/>
+        <p14:creationId xmlns:p14="http://schemas.microsoft.com/office/powerpoint/2010/main" xmlns="" val="1102970716"/>
       </p:ext>
     </p:extLst>
   </p:cSld>
   <p:clrMapOvr>
     <a:masterClrMapping/>
   </p:clrMapOvr>
-  <mc:AlternateContent xmlns:mc="http://schemas.openxmlformats.org/markup-compatibility/2006" xmlns:p14="http://schemas.microsoft.com/office/powerpoint/2010/main">
-    <mc:Choice Requires="p14">
+  <mc:AlternateContent xmlns:mc="http://schemas.openxmlformats.org/markup-compatibility/2006">
+    <mc:Choice xmlns:p14="http://schemas.microsoft.com/office/powerpoint/2010/main" xmlns="" Requires="p14">
       <p:transition spd="slow" p14:dur="2000" advClick="0" advTm="5000"/>
     </mc:Choice>
-    <mc:Fallback xmlns="">
+    <mc:Fallback>
       <p:transition spd="slow" advClick="0" advTm="5000"/>
     </mc:Fallback>
   </mc:AlternateContent>
@@ -8363,7 +8363,7 @@
           <p:cNvPr id="9" name="Slide Number">
             <a:extLst>
               <a:ext uri="{FF2B5EF4-FFF2-40B4-BE49-F238E27FC236}">
-                <a16:creationId xmlns:a16="http://schemas.microsoft.com/office/drawing/2014/main" id="{0020EB61-2079-41A3-B356-B1D8D48D786E}"/>
+                <a16:creationId xmlns:a16="http://schemas.microsoft.com/office/drawing/2014/main" xmlns="" id="{0020EB61-2079-41A3-B356-B1D8D48D786E}"/>
               </a:ext>
             </a:extLst>
           </p:cNvPr>
@@ -8480,7 +8480,7 @@
           <p:cNvPr id="7" name="Slide Body Text">
             <a:extLst>
               <a:ext uri="{FF2B5EF4-FFF2-40B4-BE49-F238E27FC236}">
-                <a16:creationId xmlns:a16="http://schemas.microsoft.com/office/drawing/2014/main" id="{CB4CB13C-66A1-466B-A6C1-B0BABF5CFEC1}"/>
+                <a16:creationId xmlns:a16="http://schemas.microsoft.com/office/drawing/2014/main" xmlns="" id="{CB4CB13C-66A1-466B-A6C1-B0BABF5CFEC1}"/>
               </a:ext>
             </a:extLst>
           </p:cNvPr>
@@ -8578,7 +8578,7 @@
           <p:cNvPr id="3" name="Logo Software University" descr="Software University logo">
             <a:extLst>
               <a:ext uri="{FF2B5EF4-FFF2-40B4-BE49-F238E27FC236}">
-                <a16:creationId xmlns:a16="http://schemas.microsoft.com/office/drawing/2014/main" id="{5573C101-930B-47AC-967A-A64513DFFDEE}"/>
+                <a16:creationId xmlns:a16="http://schemas.microsoft.com/office/drawing/2014/main" xmlns="" id="{5573C101-930B-47AC-967A-A64513DFFDEE}"/>
               </a:ext>
             </a:extLst>
           </p:cNvPr>
@@ -8601,7 +8601,7 @@
             </a:clrChange>
             <a:extLst>
               <a:ext uri="{28A0092B-C50C-407E-A947-70E740481C1C}">
-                <a14:useLocalDpi xmlns:a14="http://schemas.microsoft.com/office/drawing/2010/main" val="0"/>
+                <a14:useLocalDpi xmlns:a14="http://schemas.microsoft.com/office/drawing/2010/main" xmlns="" val="0"/>
               </a:ext>
             </a:extLst>
           </a:blip>
@@ -8624,7 +8624,7 @@
           <p:cNvPr id="8" name="Slide Title">
             <a:extLst>
               <a:ext uri="{FF2B5EF4-FFF2-40B4-BE49-F238E27FC236}">
-                <a16:creationId xmlns:a16="http://schemas.microsoft.com/office/drawing/2014/main" id="{E2DA9691-CDF5-499C-94BB-AAA61DAC1BFB}"/>
+                <a16:creationId xmlns:a16="http://schemas.microsoft.com/office/drawing/2014/main" xmlns="" id="{E2DA9691-CDF5-499C-94BB-AAA61DAC1BFB}"/>
               </a:ext>
             </a:extLst>
           </p:cNvPr>
@@ -8661,7 +8661,7 @@
           <p:cNvPr id="10" name="Group 9">
             <a:extLst>
               <a:ext uri="{FF2B5EF4-FFF2-40B4-BE49-F238E27FC236}">
-                <a16:creationId xmlns:a16="http://schemas.microsoft.com/office/drawing/2014/main" id="{43CDBCC2-1C96-44BC-B992-7B0C49C34904}"/>
+                <a16:creationId xmlns:a16="http://schemas.microsoft.com/office/drawing/2014/main" xmlns="" id="{43CDBCC2-1C96-44BC-B992-7B0C49C34904}"/>
               </a:ext>
             </a:extLst>
           </p:cNvPr>
@@ -8681,7 +8681,7 @@
             <p:cNvPr id="11" name="Group 10">
               <a:extLst>
                 <a:ext uri="{FF2B5EF4-FFF2-40B4-BE49-F238E27FC236}">
-                  <a16:creationId xmlns:a16="http://schemas.microsoft.com/office/drawing/2014/main" id="{7D71B3A8-4D39-42CF-9255-81EA3A622DD6}"/>
+                  <a16:creationId xmlns:a16="http://schemas.microsoft.com/office/drawing/2014/main" xmlns="" id="{7D71B3A8-4D39-42CF-9255-81EA3A622DD6}"/>
                 </a:ext>
               </a:extLst>
             </p:cNvPr>
@@ -8701,7 +8701,7 @@
               <p:cNvPr id="25" name="Oval 24">
                 <a:extLst>
                   <a:ext uri="{FF2B5EF4-FFF2-40B4-BE49-F238E27FC236}">
-                    <a16:creationId xmlns:a16="http://schemas.microsoft.com/office/drawing/2014/main" id="{B98059F9-1874-426D-8AF7-A12C21F37DD9}"/>
+                    <a16:creationId xmlns:a16="http://schemas.microsoft.com/office/drawing/2014/main" xmlns="" id="{B98059F9-1874-426D-8AF7-A12C21F37DD9}"/>
                   </a:ext>
                 </a:extLst>
               </p:cNvPr>
@@ -8753,7 +8753,7 @@
               <p:cNvPr id="26" name="Rectangle 5">
                 <a:extLst>
                   <a:ext uri="{FF2B5EF4-FFF2-40B4-BE49-F238E27FC236}">
-                    <a16:creationId xmlns:a16="http://schemas.microsoft.com/office/drawing/2014/main" id="{A3A1E077-DBDF-48F0-A924-604984B940A2}"/>
+                    <a16:creationId xmlns:a16="http://schemas.microsoft.com/office/drawing/2014/main" xmlns="" id="{A3A1E077-DBDF-48F0-A924-604984B940A2}"/>
                   </a:ext>
                 </a:extLst>
               </p:cNvPr>
@@ -8898,7 +8898,7 @@
               <p:cNvPr id="27" name="Rectangle 5">
                 <a:extLst>
                   <a:ext uri="{FF2B5EF4-FFF2-40B4-BE49-F238E27FC236}">
-                    <a16:creationId xmlns:a16="http://schemas.microsoft.com/office/drawing/2014/main" id="{798B1F51-1FA4-4199-81C7-62356C936CC9}"/>
+                    <a16:creationId xmlns:a16="http://schemas.microsoft.com/office/drawing/2014/main" xmlns="" id="{798B1F51-1FA4-4199-81C7-62356C936CC9}"/>
                   </a:ext>
                 </a:extLst>
               </p:cNvPr>
@@ -9043,7 +9043,7 @@
               <p:cNvPr id="28" name="Arc 27">
                 <a:extLst>
                   <a:ext uri="{FF2B5EF4-FFF2-40B4-BE49-F238E27FC236}">
-                    <a16:creationId xmlns:a16="http://schemas.microsoft.com/office/drawing/2014/main" id="{40A224C8-1233-40F7-96AB-BFF79AF6CDCB}"/>
+                    <a16:creationId xmlns:a16="http://schemas.microsoft.com/office/drawing/2014/main" xmlns="" id="{40A224C8-1233-40F7-96AB-BFF79AF6CDCB}"/>
                   </a:ext>
                 </a:extLst>
               </p:cNvPr>
@@ -9102,7 +9102,7 @@
               <p:cNvPr id="29" name="Arc 28">
                 <a:extLst>
                   <a:ext uri="{FF2B5EF4-FFF2-40B4-BE49-F238E27FC236}">
-                    <a16:creationId xmlns:a16="http://schemas.microsoft.com/office/drawing/2014/main" id="{B57C7CCC-E218-4321-8C7B-3F0C5753C7A1}"/>
+                    <a16:creationId xmlns:a16="http://schemas.microsoft.com/office/drawing/2014/main" xmlns="" id="{B57C7CCC-E218-4321-8C7B-3F0C5753C7A1}"/>
                   </a:ext>
                 </a:extLst>
               </p:cNvPr>
@@ -9162,7 +9162,7 @@
             <p:cNvPr id="13" name="Rectangle: Rounded Corners 12">
               <a:extLst>
                 <a:ext uri="{FF2B5EF4-FFF2-40B4-BE49-F238E27FC236}">
-                  <a16:creationId xmlns:a16="http://schemas.microsoft.com/office/drawing/2014/main" id="{6AF309CA-A56C-4ABC-B293-420F4EB1A9B4}"/>
+                  <a16:creationId xmlns:a16="http://schemas.microsoft.com/office/drawing/2014/main" xmlns="" id="{6AF309CA-A56C-4ABC-B293-420F4EB1A9B4}"/>
                 </a:ext>
               </a:extLst>
             </p:cNvPr>
@@ -9216,7 +9216,7 @@
             <p:cNvPr id="14" name="Rectangle: Rounded Corners 13">
               <a:extLst>
                 <a:ext uri="{FF2B5EF4-FFF2-40B4-BE49-F238E27FC236}">
-                  <a16:creationId xmlns:a16="http://schemas.microsoft.com/office/drawing/2014/main" id="{07955808-2AC7-44EB-8B6D-82B974E53A3C}"/>
+                  <a16:creationId xmlns:a16="http://schemas.microsoft.com/office/drawing/2014/main" xmlns="" id="{07955808-2AC7-44EB-8B6D-82B974E53A3C}"/>
                 </a:ext>
               </a:extLst>
             </p:cNvPr>
@@ -9277,7 +9277,7 @@
             <p:cNvPr id="15" name="Straight Connector 14">
               <a:extLst>
                 <a:ext uri="{FF2B5EF4-FFF2-40B4-BE49-F238E27FC236}">
-                  <a16:creationId xmlns:a16="http://schemas.microsoft.com/office/drawing/2014/main" id="{AC6420D7-AEAB-45EF-8D46-11EB06E4AFEA}"/>
+                  <a16:creationId xmlns:a16="http://schemas.microsoft.com/office/drawing/2014/main" xmlns="" id="{AC6420D7-AEAB-45EF-8D46-11EB06E4AFEA}"/>
                 </a:ext>
               </a:extLst>
             </p:cNvPr>
@@ -9323,7 +9323,7 @@
             <p:cNvPr id="16" name="Straight Connector 15">
               <a:extLst>
                 <a:ext uri="{FF2B5EF4-FFF2-40B4-BE49-F238E27FC236}">
-                  <a16:creationId xmlns:a16="http://schemas.microsoft.com/office/drawing/2014/main" id="{76C7FABC-6773-44F6-990B-3EB082BE9B35}"/>
+                  <a16:creationId xmlns:a16="http://schemas.microsoft.com/office/drawing/2014/main" xmlns="" id="{76C7FABC-6773-44F6-990B-3EB082BE9B35}"/>
                 </a:ext>
               </a:extLst>
             </p:cNvPr>
@@ -9369,7 +9369,7 @@
             <p:cNvPr id="17" name="Group 16">
               <a:extLst>
                 <a:ext uri="{FF2B5EF4-FFF2-40B4-BE49-F238E27FC236}">
-                  <a16:creationId xmlns:a16="http://schemas.microsoft.com/office/drawing/2014/main" id="{1FAD48E1-DC45-4B3D-9CE5-613250708496}"/>
+                  <a16:creationId xmlns:a16="http://schemas.microsoft.com/office/drawing/2014/main" xmlns="" id="{1FAD48E1-DC45-4B3D-9CE5-613250708496}"/>
                 </a:ext>
               </a:extLst>
             </p:cNvPr>
@@ -9392,7 +9392,7 @@
               <p:cNvPr id="23" name="Straight Connector 22">
                 <a:extLst>
                   <a:ext uri="{FF2B5EF4-FFF2-40B4-BE49-F238E27FC236}">
-                    <a16:creationId xmlns:a16="http://schemas.microsoft.com/office/drawing/2014/main" id="{B01FD1D1-046F-457B-AB63-2702CE3E906E}"/>
+                    <a16:creationId xmlns:a16="http://schemas.microsoft.com/office/drawing/2014/main" xmlns="" id="{B01FD1D1-046F-457B-AB63-2702CE3E906E}"/>
                   </a:ext>
                 </a:extLst>
               </p:cNvPr>
@@ -9436,7 +9436,7 @@
               <p:cNvPr id="24" name="Straight Connector 23">
                 <a:extLst>
                   <a:ext uri="{FF2B5EF4-FFF2-40B4-BE49-F238E27FC236}">
-                    <a16:creationId xmlns:a16="http://schemas.microsoft.com/office/drawing/2014/main" id="{895660C3-C72C-43EE-9C4A-170F85E5BE08}"/>
+                    <a16:creationId xmlns:a16="http://schemas.microsoft.com/office/drawing/2014/main" xmlns="" id="{895660C3-C72C-43EE-9C4A-170F85E5BE08}"/>
                   </a:ext>
                 </a:extLst>
               </p:cNvPr>
@@ -9481,7 +9481,7 @@
             <p:cNvPr id="19" name="Straight Connector 18">
               <a:extLst>
                 <a:ext uri="{FF2B5EF4-FFF2-40B4-BE49-F238E27FC236}">
-                  <a16:creationId xmlns:a16="http://schemas.microsoft.com/office/drawing/2014/main" id="{A74EE503-8FC0-42A6-8860-CA4EE42272E4}"/>
+                  <a16:creationId xmlns:a16="http://schemas.microsoft.com/office/drawing/2014/main" xmlns="" id="{A74EE503-8FC0-42A6-8860-CA4EE42272E4}"/>
                 </a:ext>
               </a:extLst>
             </p:cNvPr>
@@ -9527,7 +9527,7 @@
             <p:cNvPr id="12" name="Rectangle: Rounded Corners 11">
               <a:extLst>
                 <a:ext uri="{FF2B5EF4-FFF2-40B4-BE49-F238E27FC236}">
-                  <a16:creationId xmlns:a16="http://schemas.microsoft.com/office/drawing/2014/main" id="{F4189FDA-9FE8-490B-8A70-2E941811021F}"/>
+                  <a16:creationId xmlns:a16="http://schemas.microsoft.com/office/drawing/2014/main" xmlns="" id="{F4189FDA-9FE8-490B-8A70-2E941811021F}"/>
                 </a:ext>
               </a:extLst>
             </p:cNvPr>
@@ -9581,7 +9581,7 @@
             <p:cNvPr id="18" name="Group 17">
               <a:extLst>
                 <a:ext uri="{FF2B5EF4-FFF2-40B4-BE49-F238E27FC236}">
-                  <a16:creationId xmlns:a16="http://schemas.microsoft.com/office/drawing/2014/main" id="{FDA3EFCD-0DF8-419D-8533-D781521E597E}"/>
+                  <a16:creationId xmlns:a16="http://schemas.microsoft.com/office/drawing/2014/main" xmlns="" id="{FDA3EFCD-0DF8-419D-8533-D781521E597E}"/>
                 </a:ext>
               </a:extLst>
             </p:cNvPr>
@@ -9604,7 +9604,7 @@
               <p:cNvPr id="21" name="Straight Connector 20">
                 <a:extLst>
                   <a:ext uri="{FF2B5EF4-FFF2-40B4-BE49-F238E27FC236}">
-                    <a16:creationId xmlns:a16="http://schemas.microsoft.com/office/drawing/2014/main" id="{C3CC6A5A-182E-4A09-9C04-EB191881D789}"/>
+                    <a16:creationId xmlns:a16="http://schemas.microsoft.com/office/drawing/2014/main" xmlns="" id="{C3CC6A5A-182E-4A09-9C04-EB191881D789}"/>
                   </a:ext>
                 </a:extLst>
               </p:cNvPr>
@@ -9648,7 +9648,7 @@
               <p:cNvPr id="22" name="Straight Connector 21">
                 <a:extLst>
                   <a:ext uri="{FF2B5EF4-FFF2-40B4-BE49-F238E27FC236}">
-                    <a16:creationId xmlns:a16="http://schemas.microsoft.com/office/drawing/2014/main" id="{440C8953-0555-48CC-8255-78F17E053EE7}"/>
+                    <a16:creationId xmlns:a16="http://schemas.microsoft.com/office/drawing/2014/main" xmlns="" id="{440C8953-0555-48CC-8255-78F17E053EE7}"/>
                   </a:ext>
                 </a:extLst>
               </p:cNvPr>
@@ -9694,7 +9694,7 @@
           <p:cNvPr id="34" name="Straight Connector 33">
             <a:extLst>
               <a:ext uri="{FF2B5EF4-FFF2-40B4-BE49-F238E27FC236}">
-                <a16:creationId xmlns:a16="http://schemas.microsoft.com/office/drawing/2014/main" id="{29B538CA-8CCB-43FB-B5E5-5FC04EBC1F54}"/>
+                <a16:creationId xmlns:a16="http://schemas.microsoft.com/office/drawing/2014/main" xmlns="" id="{29B538CA-8CCB-43FB-B5E5-5FC04EBC1F54}"/>
               </a:ext>
             </a:extLst>
           </p:cNvPr>
@@ -9739,18 +9739,18 @@
     </p:spTree>
     <p:extLst>
       <p:ext uri="{BB962C8B-B14F-4D97-AF65-F5344CB8AC3E}">
-        <p14:creationId xmlns:p14="http://schemas.microsoft.com/office/powerpoint/2010/main" val="743545348"/>
+        <p14:creationId xmlns:p14="http://schemas.microsoft.com/office/powerpoint/2010/main" xmlns="" val="743545348"/>
       </p:ext>
     </p:extLst>
   </p:cSld>
   <p:clrMapOvr>
     <a:masterClrMapping/>
   </p:clrMapOvr>
-  <mc:AlternateContent xmlns:mc="http://schemas.openxmlformats.org/markup-compatibility/2006" xmlns:p14="http://schemas.microsoft.com/office/powerpoint/2010/main">
-    <mc:Choice Requires="p14">
+  <mc:AlternateContent xmlns:mc="http://schemas.openxmlformats.org/markup-compatibility/2006">
+    <mc:Choice xmlns:p14="http://schemas.microsoft.com/office/powerpoint/2010/main" xmlns="" Requires="p14">
       <p:transition spd="slow" p14:dur="2000" advClick="0" advTm="5000"/>
     </mc:Choice>
-    <mc:Fallback xmlns="">
+    <mc:Fallback>
       <p:transition spd="slow" advClick="0" advTm="5000"/>
     </mc:Fallback>
   </mc:AlternateContent>
@@ -9779,7 +9779,7 @@
           <p:cNvPr id="9" name="Slide Number">
             <a:extLst>
               <a:ext uri="{FF2B5EF4-FFF2-40B4-BE49-F238E27FC236}">
-                <a16:creationId xmlns:a16="http://schemas.microsoft.com/office/drawing/2014/main" id="{1865BF6B-7F07-4E9C-879F-80E36EEB3405}"/>
+                <a16:creationId xmlns:a16="http://schemas.microsoft.com/office/drawing/2014/main" xmlns="" id="{1865BF6B-7F07-4E9C-879F-80E36EEB3405}"/>
               </a:ext>
             </a:extLst>
           </p:cNvPr>
@@ -9821,7 +9821,7 @@
           <p:cNvPr id="12" name="Rectangle Left">
             <a:extLst>
               <a:ext uri="{FF2B5EF4-FFF2-40B4-BE49-F238E27FC236}">
-                <a16:creationId xmlns:a16="http://schemas.microsoft.com/office/drawing/2014/main" id="{345FB1C8-7F66-4D5C-ACCE-AE919936BCFD}"/>
+                <a16:creationId xmlns:a16="http://schemas.microsoft.com/office/drawing/2014/main" xmlns="" id="{345FB1C8-7F66-4D5C-ACCE-AE919936BCFD}"/>
               </a:ext>
             </a:extLst>
           </p:cNvPr>
@@ -9902,7 +9902,7 @@
           <p:cNvPr id="15" name="Slide Body Text">
             <a:extLst>
               <a:ext uri="{FF2B5EF4-FFF2-40B4-BE49-F238E27FC236}">
-                <a16:creationId xmlns:a16="http://schemas.microsoft.com/office/drawing/2014/main" id="{6157C8DE-E0AF-422B-BBB1-F0AF1264B5E9}"/>
+                <a16:creationId xmlns:a16="http://schemas.microsoft.com/office/drawing/2014/main" xmlns="" id="{6157C8DE-E0AF-422B-BBB1-F0AF1264B5E9}"/>
               </a:ext>
             </a:extLst>
           </p:cNvPr>
@@ -10000,7 +10000,7 @@
           <p:cNvPr id="16" name="Logo Software University" descr="Software University logo">
             <a:extLst>
               <a:ext uri="{FF2B5EF4-FFF2-40B4-BE49-F238E27FC236}">
-                <a16:creationId xmlns:a16="http://schemas.microsoft.com/office/drawing/2014/main" id="{EFEBB553-EACE-4B4F-8B4F-7629FDD910A4}"/>
+                <a16:creationId xmlns:a16="http://schemas.microsoft.com/office/drawing/2014/main" xmlns="" id="{EFEBB553-EACE-4B4F-8B4F-7629FDD910A4}"/>
               </a:ext>
             </a:extLst>
           </p:cNvPr>
@@ -10023,7 +10023,7 @@
             </a:clrChange>
             <a:extLst>
               <a:ext uri="{28A0092B-C50C-407E-A947-70E740481C1C}">
-                <a14:useLocalDpi xmlns:a14="http://schemas.microsoft.com/office/drawing/2010/main" val="0"/>
+                <a14:useLocalDpi xmlns:a14="http://schemas.microsoft.com/office/drawing/2010/main" xmlns="" val="0"/>
               </a:ext>
             </a:extLst>
           </a:blip>
@@ -10046,7 +10046,7 @@
           <p:cNvPr id="13" name="Slide Title">
             <a:extLst>
               <a:ext uri="{FF2B5EF4-FFF2-40B4-BE49-F238E27FC236}">
-                <a16:creationId xmlns:a16="http://schemas.microsoft.com/office/drawing/2014/main" id="{0D5CC956-5C4A-44BE-8F8B-327FAFA51E97}"/>
+                <a16:creationId xmlns:a16="http://schemas.microsoft.com/office/drawing/2014/main" xmlns="" id="{0D5CC956-5C4A-44BE-8F8B-327FAFA51E97}"/>
               </a:ext>
             </a:extLst>
           </p:cNvPr>
@@ -10083,7 +10083,7 @@
           <p:cNvPr id="33" name="Group 32">
             <a:extLst>
               <a:ext uri="{FF2B5EF4-FFF2-40B4-BE49-F238E27FC236}">
-                <a16:creationId xmlns:a16="http://schemas.microsoft.com/office/drawing/2014/main" id="{7CF60135-47AA-48F0-96BA-0E795668ABDB}"/>
+                <a16:creationId xmlns:a16="http://schemas.microsoft.com/office/drawing/2014/main" xmlns="" id="{7CF60135-47AA-48F0-96BA-0E795668ABDB}"/>
               </a:ext>
             </a:extLst>
           </p:cNvPr>
@@ -10103,7 +10103,7 @@
             <p:cNvPr id="34" name="Group 33">
               <a:extLst>
                 <a:ext uri="{FF2B5EF4-FFF2-40B4-BE49-F238E27FC236}">
-                  <a16:creationId xmlns:a16="http://schemas.microsoft.com/office/drawing/2014/main" id="{2823380E-3936-41AF-BDF7-DA54D75BBF6B}"/>
+                  <a16:creationId xmlns:a16="http://schemas.microsoft.com/office/drawing/2014/main" xmlns="" id="{2823380E-3936-41AF-BDF7-DA54D75BBF6B}"/>
                 </a:ext>
               </a:extLst>
             </p:cNvPr>
@@ -10123,7 +10123,7 @@
               <p:cNvPr id="47" name="Oval 46">
                 <a:extLst>
                   <a:ext uri="{FF2B5EF4-FFF2-40B4-BE49-F238E27FC236}">
-                    <a16:creationId xmlns:a16="http://schemas.microsoft.com/office/drawing/2014/main" id="{52B047D9-D8DD-45C7-9BC8-6D4F682F5182}"/>
+                    <a16:creationId xmlns:a16="http://schemas.microsoft.com/office/drawing/2014/main" xmlns="" id="{52B047D9-D8DD-45C7-9BC8-6D4F682F5182}"/>
                   </a:ext>
                 </a:extLst>
               </p:cNvPr>
@@ -10175,7 +10175,7 @@
               <p:cNvPr id="48" name="Rectangle 5">
                 <a:extLst>
                   <a:ext uri="{FF2B5EF4-FFF2-40B4-BE49-F238E27FC236}">
-                    <a16:creationId xmlns:a16="http://schemas.microsoft.com/office/drawing/2014/main" id="{4D84FE51-BD8E-47EA-9463-CE02FEA31766}"/>
+                    <a16:creationId xmlns:a16="http://schemas.microsoft.com/office/drawing/2014/main" xmlns="" id="{4D84FE51-BD8E-47EA-9463-CE02FEA31766}"/>
                   </a:ext>
                 </a:extLst>
               </p:cNvPr>
@@ -10320,7 +10320,7 @@
               <p:cNvPr id="49" name="Rectangle 5">
                 <a:extLst>
                   <a:ext uri="{FF2B5EF4-FFF2-40B4-BE49-F238E27FC236}">
-                    <a16:creationId xmlns:a16="http://schemas.microsoft.com/office/drawing/2014/main" id="{F5C8F037-C197-4219-AC87-3A81763512BC}"/>
+                    <a16:creationId xmlns:a16="http://schemas.microsoft.com/office/drawing/2014/main" xmlns="" id="{F5C8F037-C197-4219-AC87-3A81763512BC}"/>
                   </a:ext>
                 </a:extLst>
               </p:cNvPr>
@@ -10465,7 +10465,7 @@
               <p:cNvPr id="50" name="Arc 49">
                 <a:extLst>
                   <a:ext uri="{FF2B5EF4-FFF2-40B4-BE49-F238E27FC236}">
-                    <a16:creationId xmlns:a16="http://schemas.microsoft.com/office/drawing/2014/main" id="{786EE401-CF8E-439B-94A0-EE6F3A7D5798}"/>
+                    <a16:creationId xmlns:a16="http://schemas.microsoft.com/office/drawing/2014/main" xmlns="" id="{786EE401-CF8E-439B-94A0-EE6F3A7D5798}"/>
                   </a:ext>
                 </a:extLst>
               </p:cNvPr>
@@ -10524,7 +10524,7 @@
               <p:cNvPr id="51" name="Arc 50">
                 <a:extLst>
                   <a:ext uri="{FF2B5EF4-FFF2-40B4-BE49-F238E27FC236}">
-                    <a16:creationId xmlns:a16="http://schemas.microsoft.com/office/drawing/2014/main" id="{8D9ACD38-B3EB-4A63-9730-CBF0501BF235}"/>
+                    <a16:creationId xmlns:a16="http://schemas.microsoft.com/office/drawing/2014/main" xmlns="" id="{8D9ACD38-B3EB-4A63-9730-CBF0501BF235}"/>
                   </a:ext>
                 </a:extLst>
               </p:cNvPr>
@@ -10584,7 +10584,7 @@
             <p:cNvPr id="35" name="Rectangle: Rounded Corners 34">
               <a:extLst>
                 <a:ext uri="{FF2B5EF4-FFF2-40B4-BE49-F238E27FC236}">
-                  <a16:creationId xmlns:a16="http://schemas.microsoft.com/office/drawing/2014/main" id="{64EE493E-A353-4C75-A3B9-D48ABA2C57CC}"/>
+                  <a16:creationId xmlns:a16="http://schemas.microsoft.com/office/drawing/2014/main" xmlns="" id="{64EE493E-A353-4C75-A3B9-D48ABA2C57CC}"/>
                 </a:ext>
               </a:extLst>
             </p:cNvPr>
@@ -10638,7 +10638,7 @@
             <p:cNvPr id="36" name="Rectangle: Rounded Corners 35">
               <a:extLst>
                 <a:ext uri="{FF2B5EF4-FFF2-40B4-BE49-F238E27FC236}">
-                  <a16:creationId xmlns:a16="http://schemas.microsoft.com/office/drawing/2014/main" id="{718408B9-204E-42E3-9E79-33E047E869BC}"/>
+                  <a16:creationId xmlns:a16="http://schemas.microsoft.com/office/drawing/2014/main" xmlns="" id="{718408B9-204E-42E3-9E79-33E047E869BC}"/>
                 </a:ext>
               </a:extLst>
             </p:cNvPr>
@@ -10699,7 +10699,7 @@
             <p:cNvPr id="37" name="Straight Connector 36">
               <a:extLst>
                 <a:ext uri="{FF2B5EF4-FFF2-40B4-BE49-F238E27FC236}">
-                  <a16:creationId xmlns:a16="http://schemas.microsoft.com/office/drawing/2014/main" id="{0AB66D97-DF6F-4CD2-AF13-42B5C852F673}"/>
+                  <a16:creationId xmlns:a16="http://schemas.microsoft.com/office/drawing/2014/main" xmlns="" id="{0AB66D97-DF6F-4CD2-AF13-42B5C852F673}"/>
                 </a:ext>
               </a:extLst>
             </p:cNvPr>
@@ -10745,7 +10745,7 @@
             <p:cNvPr id="38" name="Straight Connector 37">
               <a:extLst>
                 <a:ext uri="{FF2B5EF4-FFF2-40B4-BE49-F238E27FC236}">
-                  <a16:creationId xmlns:a16="http://schemas.microsoft.com/office/drawing/2014/main" id="{F2AFBA69-C196-4703-8AAB-5F72A8EDCEB5}"/>
+                  <a16:creationId xmlns:a16="http://schemas.microsoft.com/office/drawing/2014/main" xmlns="" id="{F2AFBA69-C196-4703-8AAB-5F72A8EDCEB5}"/>
                 </a:ext>
               </a:extLst>
             </p:cNvPr>
@@ -10791,7 +10791,7 @@
             <p:cNvPr id="39" name="Group 38">
               <a:extLst>
                 <a:ext uri="{FF2B5EF4-FFF2-40B4-BE49-F238E27FC236}">
-                  <a16:creationId xmlns:a16="http://schemas.microsoft.com/office/drawing/2014/main" id="{9AFC66C1-0C1C-4332-9C4E-782574C896B8}"/>
+                  <a16:creationId xmlns:a16="http://schemas.microsoft.com/office/drawing/2014/main" xmlns="" id="{9AFC66C1-0C1C-4332-9C4E-782574C896B8}"/>
                 </a:ext>
               </a:extLst>
             </p:cNvPr>
@@ -10814,7 +10814,7 @@
               <p:cNvPr id="45" name="Straight Connector 44">
                 <a:extLst>
                   <a:ext uri="{FF2B5EF4-FFF2-40B4-BE49-F238E27FC236}">
-                    <a16:creationId xmlns:a16="http://schemas.microsoft.com/office/drawing/2014/main" id="{872CA8AD-EAF6-40BE-9DDE-ECDB4A980CA5}"/>
+                    <a16:creationId xmlns:a16="http://schemas.microsoft.com/office/drawing/2014/main" xmlns="" id="{872CA8AD-EAF6-40BE-9DDE-ECDB4A980CA5}"/>
                   </a:ext>
                 </a:extLst>
               </p:cNvPr>
@@ -10858,7 +10858,7 @@
               <p:cNvPr id="46" name="Straight Connector 45">
                 <a:extLst>
                   <a:ext uri="{FF2B5EF4-FFF2-40B4-BE49-F238E27FC236}">
-                    <a16:creationId xmlns:a16="http://schemas.microsoft.com/office/drawing/2014/main" id="{57DD3EC7-1A13-4AFE-BD6F-DA12C281FAFB}"/>
+                    <a16:creationId xmlns:a16="http://schemas.microsoft.com/office/drawing/2014/main" xmlns="" id="{57DD3EC7-1A13-4AFE-BD6F-DA12C281FAFB}"/>
                   </a:ext>
                 </a:extLst>
               </p:cNvPr>
@@ -10903,7 +10903,7 @@
             <p:cNvPr id="40" name="Straight Connector 39">
               <a:extLst>
                 <a:ext uri="{FF2B5EF4-FFF2-40B4-BE49-F238E27FC236}">
-                  <a16:creationId xmlns:a16="http://schemas.microsoft.com/office/drawing/2014/main" id="{E46151FA-19E9-4E84-A082-EDAC6F76EA9D}"/>
+                  <a16:creationId xmlns:a16="http://schemas.microsoft.com/office/drawing/2014/main" xmlns="" id="{E46151FA-19E9-4E84-A082-EDAC6F76EA9D}"/>
                 </a:ext>
               </a:extLst>
             </p:cNvPr>
@@ -10949,7 +10949,7 @@
             <p:cNvPr id="41" name="Rectangle: Rounded Corners 40">
               <a:extLst>
                 <a:ext uri="{FF2B5EF4-FFF2-40B4-BE49-F238E27FC236}">
-                  <a16:creationId xmlns:a16="http://schemas.microsoft.com/office/drawing/2014/main" id="{3423EEF0-5B70-4091-B2DA-0740D2609643}"/>
+                  <a16:creationId xmlns:a16="http://schemas.microsoft.com/office/drawing/2014/main" xmlns="" id="{3423EEF0-5B70-4091-B2DA-0740D2609643}"/>
                 </a:ext>
               </a:extLst>
             </p:cNvPr>
@@ -11003,7 +11003,7 @@
             <p:cNvPr id="42" name="Group 41">
               <a:extLst>
                 <a:ext uri="{FF2B5EF4-FFF2-40B4-BE49-F238E27FC236}">
-                  <a16:creationId xmlns:a16="http://schemas.microsoft.com/office/drawing/2014/main" id="{49A8AAA7-98E7-4224-B027-830FFCC285A3}"/>
+                  <a16:creationId xmlns:a16="http://schemas.microsoft.com/office/drawing/2014/main" xmlns="" id="{49A8AAA7-98E7-4224-B027-830FFCC285A3}"/>
                 </a:ext>
               </a:extLst>
             </p:cNvPr>
@@ -11026,7 +11026,7 @@
               <p:cNvPr id="43" name="Straight Connector 42">
                 <a:extLst>
                   <a:ext uri="{FF2B5EF4-FFF2-40B4-BE49-F238E27FC236}">
-                    <a16:creationId xmlns:a16="http://schemas.microsoft.com/office/drawing/2014/main" id="{2129EC38-471E-4685-973E-BA7A7F567C42}"/>
+                    <a16:creationId xmlns:a16="http://schemas.microsoft.com/office/drawing/2014/main" xmlns="" id="{2129EC38-471E-4685-973E-BA7A7F567C42}"/>
                   </a:ext>
                 </a:extLst>
               </p:cNvPr>
@@ -11070,7 +11070,7 @@
               <p:cNvPr id="44" name="Straight Connector 43">
                 <a:extLst>
                   <a:ext uri="{FF2B5EF4-FFF2-40B4-BE49-F238E27FC236}">
-                    <a16:creationId xmlns:a16="http://schemas.microsoft.com/office/drawing/2014/main" id="{678142BE-84C9-4834-B6CC-6623E401661C}"/>
+                    <a16:creationId xmlns:a16="http://schemas.microsoft.com/office/drawing/2014/main" xmlns="" id="{678142BE-84C9-4834-B6CC-6623E401661C}"/>
                   </a:ext>
                 </a:extLst>
               </p:cNvPr>
@@ -11114,18 +11114,18 @@
     </p:spTree>
     <p:extLst>
       <p:ext uri="{BB962C8B-B14F-4D97-AF65-F5344CB8AC3E}">
-        <p14:creationId xmlns:p14="http://schemas.microsoft.com/office/powerpoint/2010/main" val="1679651758"/>
+        <p14:creationId xmlns:p14="http://schemas.microsoft.com/office/powerpoint/2010/main" xmlns="" val="1679651758"/>
       </p:ext>
     </p:extLst>
   </p:cSld>
   <p:clrMapOvr>
     <a:masterClrMapping/>
   </p:clrMapOvr>
-  <mc:AlternateContent xmlns:mc="http://schemas.openxmlformats.org/markup-compatibility/2006" xmlns:p14="http://schemas.microsoft.com/office/powerpoint/2010/main">
-    <mc:Choice Requires="p14">
+  <mc:AlternateContent xmlns:mc="http://schemas.openxmlformats.org/markup-compatibility/2006">
+    <mc:Choice xmlns:p14="http://schemas.microsoft.com/office/powerpoint/2010/main" xmlns="" Requires="p14">
       <p:transition spd="slow" p14:dur="2000" advClick="0" advTm="5000"/>
     </mc:Choice>
-    <mc:Fallback xmlns="">
+    <mc:Fallback>
       <p:transition spd="slow" advClick="0" advTm="5000"/>
     </mc:Fallback>
   </mc:AlternateContent>
@@ -11154,7 +11154,7 @@
           <p:cNvPr id="5" name="Slide Number">
             <a:extLst>
               <a:ext uri="{FF2B5EF4-FFF2-40B4-BE49-F238E27FC236}">
-                <a16:creationId xmlns:a16="http://schemas.microsoft.com/office/drawing/2014/main" id="{F0B8C963-1813-4B69-AD27-6D02EBBBB569}"/>
+                <a16:creationId xmlns:a16="http://schemas.microsoft.com/office/drawing/2014/main" xmlns="" id="{F0B8C963-1813-4B69-AD27-6D02EBBBB569}"/>
               </a:ext>
             </a:extLst>
           </p:cNvPr>
@@ -11196,7 +11196,7 @@
           <p:cNvPr id="3" name="Rectangle Left">
             <a:extLst>
               <a:ext uri="{FF2B5EF4-FFF2-40B4-BE49-F238E27FC236}">
-                <a16:creationId xmlns:a16="http://schemas.microsoft.com/office/drawing/2014/main" id="{345FB1C8-7F66-4D5C-ACCE-AE919936BCFD}"/>
+                <a16:creationId xmlns:a16="http://schemas.microsoft.com/office/drawing/2014/main" xmlns="" id="{345FB1C8-7F66-4D5C-ACCE-AE919936BCFD}"/>
               </a:ext>
             </a:extLst>
           </p:cNvPr>
@@ -11277,7 +11277,7 @@
           <p:cNvPr id="7" name="Slide Body Text">
             <a:extLst>
               <a:ext uri="{FF2B5EF4-FFF2-40B4-BE49-F238E27FC236}">
-                <a16:creationId xmlns:a16="http://schemas.microsoft.com/office/drawing/2014/main" id="{7296EDA7-D37D-4B31-A888-371F0804124F}"/>
+                <a16:creationId xmlns:a16="http://schemas.microsoft.com/office/drawing/2014/main" xmlns="" id="{7296EDA7-D37D-4B31-A888-371F0804124F}"/>
               </a:ext>
             </a:extLst>
           </p:cNvPr>
@@ -11375,7 +11375,7 @@
           <p:cNvPr id="6" name="Slide Title">
             <a:extLst>
               <a:ext uri="{FF2B5EF4-FFF2-40B4-BE49-F238E27FC236}">
-                <a16:creationId xmlns:a16="http://schemas.microsoft.com/office/drawing/2014/main" id="{55A88B09-3557-48A3-BF27-42699C269215}"/>
+                <a16:creationId xmlns:a16="http://schemas.microsoft.com/office/drawing/2014/main" xmlns="" id="{55A88B09-3557-48A3-BF27-42699C269215}"/>
               </a:ext>
             </a:extLst>
           </p:cNvPr>
@@ -11412,7 +11412,7 @@
           <p:cNvPr id="28" name="Group 27">
             <a:extLst>
               <a:ext uri="{FF2B5EF4-FFF2-40B4-BE49-F238E27FC236}">
-                <a16:creationId xmlns:a16="http://schemas.microsoft.com/office/drawing/2014/main" id="{C4248838-4E67-439E-AE0A-0043D2CB04D6}"/>
+                <a16:creationId xmlns:a16="http://schemas.microsoft.com/office/drawing/2014/main" xmlns="" id="{C4248838-4E67-439E-AE0A-0043D2CB04D6}"/>
               </a:ext>
             </a:extLst>
           </p:cNvPr>
@@ -11432,7 +11432,7 @@
             <p:cNvPr id="29" name="Group 28">
               <a:extLst>
                 <a:ext uri="{FF2B5EF4-FFF2-40B4-BE49-F238E27FC236}">
-                  <a16:creationId xmlns:a16="http://schemas.microsoft.com/office/drawing/2014/main" id="{810CFD6A-2427-49D5-846A-5F93601D4184}"/>
+                  <a16:creationId xmlns:a16="http://schemas.microsoft.com/office/drawing/2014/main" xmlns="" id="{810CFD6A-2427-49D5-846A-5F93601D4184}"/>
                 </a:ext>
               </a:extLst>
             </p:cNvPr>
@@ -11452,7 +11452,7 @@
               <p:cNvPr id="42" name="Oval 41">
                 <a:extLst>
                   <a:ext uri="{FF2B5EF4-FFF2-40B4-BE49-F238E27FC236}">
-                    <a16:creationId xmlns:a16="http://schemas.microsoft.com/office/drawing/2014/main" id="{017B1AE5-5C36-4839-BA1F-B404EA44E701}"/>
+                    <a16:creationId xmlns:a16="http://schemas.microsoft.com/office/drawing/2014/main" xmlns="" id="{017B1AE5-5C36-4839-BA1F-B404EA44E701}"/>
                   </a:ext>
                 </a:extLst>
               </p:cNvPr>
@@ -11504,7 +11504,7 @@
               <p:cNvPr id="43" name="Rectangle 5">
                 <a:extLst>
                   <a:ext uri="{FF2B5EF4-FFF2-40B4-BE49-F238E27FC236}">
-                    <a16:creationId xmlns:a16="http://schemas.microsoft.com/office/drawing/2014/main" id="{FB963D79-BB49-4A1D-BA66-EA0670C79BAE}"/>
+                    <a16:creationId xmlns:a16="http://schemas.microsoft.com/office/drawing/2014/main" xmlns="" id="{FB963D79-BB49-4A1D-BA66-EA0670C79BAE}"/>
                   </a:ext>
                 </a:extLst>
               </p:cNvPr>
@@ -11649,7 +11649,7 @@
               <p:cNvPr id="44" name="Rectangle 5">
                 <a:extLst>
                   <a:ext uri="{FF2B5EF4-FFF2-40B4-BE49-F238E27FC236}">
-                    <a16:creationId xmlns:a16="http://schemas.microsoft.com/office/drawing/2014/main" id="{6D7746D8-B913-493B-AAE9-25BC6893D40E}"/>
+                    <a16:creationId xmlns:a16="http://schemas.microsoft.com/office/drawing/2014/main" xmlns="" id="{6D7746D8-B913-493B-AAE9-25BC6893D40E}"/>
                   </a:ext>
                 </a:extLst>
               </p:cNvPr>
@@ -11794,7 +11794,7 @@
               <p:cNvPr id="45" name="Arc 44">
                 <a:extLst>
                   <a:ext uri="{FF2B5EF4-FFF2-40B4-BE49-F238E27FC236}">
-                    <a16:creationId xmlns:a16="http://schemas.microsoft.com/office/drawing/2014/main" id="{29031C02-E965-417B-8799-96061B14F30D}"/>
+                    <a16:creationId xmlns:a16="http://schemas.microsoft.com/office/drawing/2014/main" xmlns="" id="{29031C02-E965-417B-8799-96061B14F30D}"/>
                   </a:ext>
                 </a:extLst>
               </p:cNvPr>
@@ -11853,7 +11853,7 @@
               <p:cNvPr id="46" name="Arc 45">
                 <a:extLst>
                   <a:ext uri="{FF2B5EF4-FFF2-40B4-BE49-F238E27FC236}">
-                    <a16:creationId xmlns:a16="http://schemas.microsoft.com/office/drawing/2014/main" id="{26BFD8A6-BC99-4B16-BA10-08A9E5C681C0}"/>
+                    <a16:creationId xmlns:a16="http://schemas.microsoft.com/office/drawing/2014/main" xmlns="" id="{26BFD8A6-BC99-4B16-BA10-08A9E5C681C0}"/>
                   </a:ext>
                 </a:extLst>
               </p:cNvPr>
@@ -11913,7 +11913,7 @@
             <p:cNvPr id="30" name="Rectangle: Rounded Corners 29">
               <a:extLst>
                 <a:ext uri="{FF2B5EF4-FFF2-40B4-BE49-F238E27FC236}">
-                  <a16:creationId xmlns:a16="http://schemas.microsoft.com/office/drawing/2014/main" id="{B310277F-A78E-4FB9-9EA9-88BE4F1D585B}"/>
+                  <a16:creationId xmlns:a16="http://schemas.microsoft.com/office/drawing/2014/main" xmlns="" id="{B310277F-A78E-4FB9-9EA9-88BE4F1D585B}"/>
                 </a:ext>
               </a:extLst>
             </p:cNvPr>
@@ -11967,7 +11967,7 @@
             <p:cNvPr id="31" name="Rectangle: Rounded Corners 30">
               <a:extLst>
                 <a:ext uri="{FF2B5EF4-FFF2-40B4-BE49-F238E27FC236}">
-                  <a16:creationId xmlns:a16="http://schemas.microsoft.com/office/drawing/2014/main" id="{A92CF92B-C212-4542-83AE-A0058B5BB5EA}"/>
+                  <a16:creationId xmlns:a16="http://schemas.microsoft.com/office/drawing/2014/main" xmlns="" id="{A92CF92B-C212-4542-83AE-A0058B5BB5EA}"/>
                 </a:ext>
               </a:extLst>
             </p:cNvPr>
@@ -12028,7 +12028,7 @@
             <p:cNvPr id="32" name="Straight Connector 31">
               <a:extLst>
                 <a:ext uri="{FF2B5EF4-FFF2-40B4-BE49-F238E27FC236}">
-                  <a16:creationId xmlns:a16="http://schemas.microsoft.com/office/drawing/2014/main" id="{563B4374-5C0D-461F-B3BD-78D99614D365}"/>
+                  <a16:creationId xmlns:a16="http://schemas.microsoft.com/office/drawing/2014/main" xmlns="" id="{563B4374-5C0D-461F-B3BD-78D99614D365}"/>
                 </a:ext>
               </a:extLst>
             </p:cNvPr>
@@ -12074,7 +12074,7 @@
             <p:cNvPr id="33" name="Straight Connector 32">
               <a:extLst>
                 <a:ext uri="{FF2B5EF4-FFF2-40B4-BE49-F238E27FC236}">
-                  <a16:creationId xmlns:a16="http://schemas.microsoft.com/office/drawing/2014/main" id="{FBC6FDE7-AEA1-4230-8433-4C088A0FF5F9}"/>
+                  <a16:creationId xmlns:a16="http://schemas.microsoft.com/office/drawing/2014/main" xmlns="" id="{FBC6FDE7-AEA1-4230-8433-4C088A0FF5F9}"/>
                 </a:ext>
               </a:extLst>
             </p:cNvPr>
@@ -12120,7 +12120,7 @@
             <p:cNvPr id="34" name="Group 33">
               <a:extLst>
                 <a:ext uri="{FF2B5EF4-FFF2-40B4-BE49-F238E27FC236}">
-                  <a16:creationId xmlns:a16="http://schemas.microsoft.com/office/drawing/2014/main" id="{C4D1021D-07C7-4331-8FF6-36980A30978B}"/>
+                  <a16:creationId xmlns:a16="http://schemas.microsoft.com/office/drawing/2014/main" xmlns="" id="{C4D1021D-07C7-4331-8FF6-36980A30978B}"/>
                 </a:ext>
               </a:extLst>
             </p:cNvPr>
@@ -12143,7 +12143,7 @@
               <p:cNvPr id="40" name="Straight Connector 39">
                 <a:extLst>
                   <a:ext uri="{FF2B5EF4-FFF2-40B4-BE49-F238E27FC236}">
-                    <a16:creationId xmlns:a16="http://schemas.microsoft.com/office/drawing/2014/main" id="{13B7FE99-95CF-45D5-966B-87A979B93431}"/>
+                    <a16:creationId xmlns:a16="http://schemas.microsoft.com/office/drawing/2014/main" xmlns="" id="{13B7FE99-95CF-45D5-966B-87A979B93431}"/>
                   </a:ext>
                 </a:extLst>
               </p:cNvPr>
@@ -12187,7 +12187,7 @@
               <p:cNvPr id="41" name="Straight Connector 40">
                 <a:extLst>
                   <a:ext uri="{FF2B5EF4-FFF2-40B4-BE49-F238E27FC236}">
-                    <a16:creationId xmlns:a16="http://schemas.microsoft.com/office/drawing/2014/main" id="{71BBA69B-19FF-4ADB-A739-AD8136A5F0A6}"/>
+                    <a16:creationId xmlns:a16="http://schemas.microsoft.com/office/drawing/2014/main" xmlns="" id="{71BBA69B-19FF-4ADB-A739-AD8136A5F0A6}"/>
                   </a:ext>
                 </a:extLst>
               </p:cNvPr>
@@ -12232,7 +12232,7 @@
             <p:cNvPr id="35" name="Straight Connector 34">
               <a:extLst>
                 <a:ext uri="{FF2B5EF4-FFF2-40B4-BE49-F238E27FC236}">
-                  <a16:creationId xmlns:a16="http://schemas.microsoft.com/office/drawing/2014/main" id="{BFD1D86B-562B-40B2-8E46-34233EFEE7FC}"/>
+                  <a16:creationId xmlns:a16="http://schemas.microsoft.com/office/drawing/2014/main" xmlns="" id="{BFD1D86B-562B-40B2-8E46-34233EFEE7FC}"/>
                 </a:ext>
               </a:extLst>
             </p:cNvPr>
@@ -12278,7 +12278,7 @@
             <p:cNvPr id="36" name="Rectangle: Rounded Corners 35">
               <a:extLst>
                 <a:ext uri="{FF2B5EF4-FFF2-40B4-BE49-F238E27FC236}">
-                  <a16:creationId xmlns:a16="http://schemas.microsoft.com/office/drawing/2014/main" id="{388C17BD-16A1-43C5-BFFA-2FF9174719E1}"/>
+                  <a16:creationId xmlns:a16="http://schemas.microsoft.com/office/drawing/2014/main" xmlns="" id="{388C17BD-16A1-43C5-BFFA-2FF9174719E1}"/>
                 </a:ext>
               </a:extLst>
             </p:cNvPr>
@@ -12332,7 +12332,7 @@
             <p:cNvPr id="37" name="Group 36">
               <a:extLst>
                 <a:ext uri="{FF2B5EF4-FFF2-40B4-BE49-F238E27FC236}">
-                  <a16:creationId xmlns:a16="http://schemas.microsoft.com/office/drawing/2014/main" id="{1B3B910E-ACFC-4F28-8E28-F02E1588B87E}"/>
+                  <a16:creationId xmlns:a16="http://schemas.microsoft.com/office/drawing/2014/main" xmlns="" id="{1B3B910E-ACFC-4F28-8E28-F02E1588B87E}"/>
                 </a:ext>
               </a:extLst>
             </p:cNvPr>
@@ -12355,7 +12355,7 @@
               <p:cNvPr id="38" name="Straight Connector 37">
                 <a:extLst>
                   <a:ext uri="{FF2B5EF4-FFF2-40B4-BE49-F238E27FC236}">
-                    <a16:creationId xmlns:a16="http://schemas.microsoft.com/office/drawing/2014/main" id="{F57772B6-06C0-4F54-AA94-D3F92DA4716A}"/>
+                    <a16:creationId xmlns:a16="http://schemas.microsoft.com/office/drawing/2014/main" xmlns="" id="{F57772B6-06C0-4F54-AA94-D3F92DA4716A}"/>
                   </a:ext>
                 </a:extLst>
               </p:cNvPr>
@@ -12399,7 +12399,7 @@
               <p:cNvPr id="39" name="Straight Connector 38">
                 <a:extLst>
                   <a:ext uri="{FF2B5EF4-FFF2-40B4-BE49-F238E27FC236}">
-                    <a16:creationId xmlns:a16="http://schemas.microsoft.com/office/drawing/2014/main" id="{23370C1F-7876-4278-AB20-78F6CAA385E2}"/>
+                    <a16:creationId xmlns:a16="http://schemas.microsoft.com/office/drawing/2014/main" xmlns="" id="{23370C1F-7876-4278-AB20-78F6CAA385E2}"/>
                   </a:ext>
                 </a:extLst>
               </p:cNvPr>
@@ -12443,18 +12443,18 @@
     </p:spTree>
     <p:extLst>
       <p:ext uri="{BB962C8B-B14F-4D97-AF65-F5344CB8AC3E}">
-        <p14:creationId xmlns:p14="http://schemas.microsoft.com/office/powerpoint/2010/main" val="3284562556"/>
+        <p14:creationId xmlns:p14="http://schemas.microsoft.com/office/powerpoint/2010/main" xmlns="" val="3284562556"/>
       </p:ext>
     </p:extLst>
   </p:cSld>
   <p:clrMapOvr>
     <a:masterClrMapping/>
   </p:clrMapOvr>
-  <mc:AlternateContent xmlns:mc="http://schemas.openxmlformats.org/markup-compatibility/2006" xmlns:p14="http://schemas.microsoft.com/office/powerpoint/2010/main">
-    <mc:Choice Requires="p14">
+  <mc:AlternateContent xmlns:mc="http://schemas.openxmlformats.org/markup-compatibility/2006">
+    <mc:Choice xmlns:p14="http://schemas.microsoft.com/office/powerpoint/2010/main" xmlns="" Requires="p14">
       <p:transition spd="slow" p14:dur="2000" advClick="0" advTm="5000"/>
     </mc:Choice>
-    <mc:Fallback xmlns="">
+    <mc:Fallback>
       <p:transition spd="slow" advClick="0" advTm="5000"/>
     </mc:Fallback>
   </mc:AlternateContent>
@@ -12483,7 +12483,7 @@
           <p:cNvPr id="8" name="Slide Number">
             <a:extLst>
               <a:ext uri="{FF2B5EF4-FFF2-40B4-BE49-F238E27FC236}">
-                <a16:creationId xmlns:a16="http://schemas.microsoft.com/office/drawing/2014/main" id="{509D954E-A844-4072-A556-DE584BEB9321}"/>
+                <a16:creationId xmlns:a16="http://schemas.microsoft.com/office/drawing/2014/main" xmlns="" id="{509D954E-A844-4072-A556-DE584BEB9321}"/>
               </a:ext>
             </a:extLst>
           </p:cNvPr>
@@ -12525,7 +12525,7 @@
           <p:cNvPr id="6" name="Code Box">
             <a:extLst>
               <a:ext uri="{FF2B5EF4-FFF2-40B4-BE49-F238E27FC236}">
-                <a16:creationId xmlns:a16="http://schemas.microsoft.com/office/drawing/2014/main" id="{3278A82F-5546-4977-9F75-2A933B415945}"/>
+                <a16:creationId xmlns:a16="http://schemas.microsoft.com/office/drawing/2014/main" xmlns="" id="{3278A82F-5546-4977-9F75-2A933B415945}"/>
               </a:ext>
             </a:extLst>
           </p:cNvPr>
@@ -12612,7 +12612,7 @@
           <p:cNvPr id="21" name="Slide Body Text">
             <a:extLst>
               <a:ext uri="{FF2B5EF4-FFF2-40B4-BE49-F238E27FC236}">
-                <a16:creationId xmlns:a16="http://schemas.microsoft.com/office/drawing/2014/main" id="{04F318BE-2BAD-4677-871C-D78A4BF0CBA6}"/>
+                <a16:creationId xmlns:a16="http://schemas.microsoft.com/office/drawing/2014/main" xmlns="" id="{04F318BE-2BAD-4677-871C-D78A4BF0CBA6}"/>
               </a:ext>
             </a:extLst>
           </p:cNvPr>
@@ -12659,7 +12659,7 @@
           <p:cNvPr id="9" name="Rectangle Top">
             <a:extLst>
               <a:ext uri="{FF2B5EF4-FFF2-40B4-BE49-F238E27FC236}">
-                <a16:creationId xmlns:a16="http://schemas.microsoft.com/office/drawing/2014/main" id="{A15CE03A-0933-4E5D-9EA1-718D4F802FFC}"/>
+                <a16:creationId xmlns:a16="http://schemas.microsoft.com/office/drawing/2014/main" xmlns="" id="{A15CE03A-0933-4E5D-9EA1-718D4F802FFC}"/>
               </a:ext>
             </a:extLst>
           </p:cNvPr>
@@ -12740,7 +12740,7 @@
           <p:cNvPr id="10" name="Logo Software University" descr="Software University logo">
             <a:extLst>
               <a:ext uri="{FF2B5EF4-FFF2-40B4-BE49-F238E27FC236}">
-                <a16:creationId xmlns:a16="http://schemas.microsoft.com/office/drawing/2014/main" id="{8C01D7AF-7CBD-46E1-99F3-8EB60E838D91}"/>
+                <a16:creationId xmlns:a16="http://schemas.microsoft.com/office/drawing/2014/main" xmlns="" id="{8C01D7AF-7CBD-46E1-99F3-8EB60E838D91}"/>
               </a:ext>
             </a:extLst>
           </p:cNvPr>
@@ -12753,7 +12753,7 @@
           <a:blip r:embed="rId2" cstate="print">
             <a:extLst>
               <a:ext uri="{28A0092B-C50C-407E-A947-70E740481C1C}">
-                <a14:useLocalDpi xmlns:a14="http://schemas.microsoft.com/office/drawing/2010/main" val="0"/>
+                <a14:useLocalDpi xmlns:a14="http://schemas.microsoft.com/office/drawing/2010/main" xmlns="" val="0"/>
               </a:ext>
             </a:extLst>
           </a:blip>
@@ -12776,7 +12776,7 @@
           <p:cNvPr id="11" name="Slide Title">
             <a:extLst>
               <a:ext uri="{FF2B5EF4-FFF2-40B4-BE49-F238E27FC236}">
-                <a16:creationId xmlns:a16="http://schemas.microsoft.com/office/drawing/2014/main" id="{47D60833-F0A9-4F29-8C06-A963A7C8BE93}"/>
+                <a16:creationId xmlns:a16="http://schemas.microsoft.com/office/drawing/2014/main" xmlns="" id="{47D60833-F0A9-4F29-8C06-A963A7C8BE93}"/>
               </a:ext>
             </a:extLst>
           </p:cNvPr>
@@ -12815,18 +12815,18 @@
     </p:spTree>
     <p:extLst>
       <p:ext uri="{BB962C8B-B14F-4D97-AF65-F5344CB8AC3E}">
-        <p14:creationId xmlns:p14="http://schemas.microsoft.com/office/powerpoint/2010/main" val="1000829826"/>
+        <p14:creationId xmlns:p14="http://schemas.microsoft.com/office/powerpoint/2010/main" xmlns="" val="1000829826"/>
       </p:ext>
     </p:extLst>
   </p:cSld>
   <p:clrMapOvr>
     <a:masterClrMapping/>
   </p:clrMapOvr>
-  <mc:AlternateContent xmlns:mc="http://schemas.openxmlformats.org/markup-compatibility/2006" xmlns:p14="http://schemas.microsoft.com/office/powerpoint/2010/main">
-    <mc:Choice Requires="p14">
+  <mc:AlternateContent xmlns:mc="http://schemas.openxmlformats.org/markup-compatibility/2006">
+    <mc:Choice xmlns:p14="http://schemas.microsoft.com/office/powerpoint/2010/main" xmlns="" Requires="p14">
       <p:transition spd="slow" p14:dur="2000" advClick="0" advTm="5000"/>
     </mc:Choice>
-    <mc:Fallback xmlns="">
+    <mc:Fallback>
       <p:transition spd="slow" advClick="0" advTm="5000"/>
     </mc:Fallback>
   </mc:AlternateContent>
@@ -12855,7 +12855,7 @@
           <p:cNvPr id="10" name="Slide Number">
             <a:extLst>
               <a:ext uri="{FF2B5EF4-FFF2-40B4-BE49-F238E27FC236}">
-                <a16:creationId xmlns:a16="http://schemas.microsoft.com/office/drawing/2014/main" id="{39DDE17E-5472-41F3-AF5F-54DFF10DC63C}"/>
+                <a16:creationId xmlns:a16="http://schemas.microsoft.com/office/drawing/2014/main" xmlns="" id="{39DDE17E-5472-41F3-AF5F-54DFF10DC63C}"/>
               </a:ext>
             </a:extLst>
           </p:cNvPr>
@@ -12897,7 +12897,7 @@
           <p:cNvPr id="9" name="Picture SoftUni Mascot" descr="SoftUni mascot with laptop">
             <a:extLst>
               <a:ext uri="{FF2B5EF4-FFF2-40B4-BE49-F238E27FC236}">
-                <a16:creationId xmlns:a16="http://schemas.microsoft.com/office/drawing/2014/main" id="{DC4365F6-D2C1-47B4-8477-38FD2C7711AA}"/>
+                <a16:creationId xmlns:a16="http://schemas.microsoft.com/office/drawing/2014/main" xmlns="" id="{DC4365F6-D2C1-47B4-8477-38FD2C7711AA}"/>
               </a:ext>
             </a:extLst>
           </p:cNvPr>
@@ -12910,7 +12910,7 @@
           <a:blip r:embed="rId2" cstate="print">
             <a:extLst>
               <a:ext uri="{28A0092B-C50C-407E-A947-70E740481C1C}">
-                <a14:useLocalDpi xmlns:a14="http://schemas.microsoft.com/office/drawing/2010/main" val="0"/>
+                <a14:useLocalDpi xmlns:a14="http://schemas.microsoft.com/office/drawing/2010/main" xmlns="" val="0"/>
               </a:ext>
             </a:extLst>
           </a:blip>
@@ -12933,7 +12933,7 @@
           <p:cNvPr id="23" name="Slide Body Text">
             <a:extLst>
               <a:ext uri="{FF2B5EF4-FFF2-40B4-BE49-F238E27FC236}">
-                <a16:creationId xmlns:a16="http://schemas.microsoft.com/office/drawing/2014/main" id="{889D93F4-ABFA-46BF-8E5D-FE6562ACB20F}"/>
+                <a16:creationId xmlns:a16="http://schemas.microsoft.com/office/drawing/2014/main" xmlns="" id="{889D93F4-ABFA-46BF-8E5D-FE6562ACB20F}"/>
               </a:ext>
             </a:extLst>
           </p:cNvPr>
@@ -13024,7 +13024,7 @@
           <p:cNvPr id="8" name="Rectangle Top">
             <a:extLst>
               <a:ext uri="{FF2B5EF4-FFF2-40B4-BE49-F238E27FC236}">
-                <a16:creationId xmlns:a16="http://schemas.microsoft.com/office/drawing/2014/main" id="{930E0800-9260-4369-8330-8264DD33C5CE}"/>
+                <a16:creationId xmlns:a16="http://schemas.microsoft.com/office/drawing/2014/main" xmlns="" id="{930E0800-9260-4369-8330-8264DD33C5CE}"/>
               </a:ext>
             </a:extLst>
           </p:cNvPr>
@@ -13105,7 +13105,7 @@
           <p:cNvPr id="11" name="Logo Software University" descr="Software University logo">
             <a:extLst>
               <a:ext uri="{FF2B5EF4-FFF2-40B4-BE49-F238E27FC236}">
-                <a16:creationId xmlns:a16="http://schemas.microsoft.com/office/drawing/2014/main" id="{14F779A7-4A91-448B-BEFA-956C70A1C22F}"/>
+                <a16:creationId xmlns:a16="http://schemas.microsoft.com/office/drawing/2014/main" xmlns="" id="{14F779A7-4A91-448B-BEFA-956C70A1C22F}"/>
               </a:ext>
             </a:extLst>
           </p:cNvPr>
@@ -13118,7 +13118,7 @@
           <a:blip r:embed="rId3" cstate="print">
             <a:extLst>
               <a:ext uri="{28A0092B-C50C-407E-A947-70E740481C1C}">
-                <a14:useLocalDpi xmlns:a14="http://schemas.microsoft.com/office/drawing/2010/main" val="0"/>
+                <a14:useLocalDpi xmlns:a14="http://schemas.microsoft.com/office/drawing/2010/main" xmlns="" val="0"/>
               </a:ext>
             </a:extLst>
           </a:blip>
@@ -13141,7 +13141,7 @@
           <p:cNvPr id="13" name="Slide Title">
             <a:extLst>
               <a:ext uri="{FF2B5EF4-FFF2-40B4-BE49-F238E27FC236}">
-                <a16:creationId xmlns:a16="http://schemas.microsoft.com/office/drawing/2014/main" id="{357D7BE1-6358-42CC-94F3-7BCDD91DCB6D}"/>
+                <a16:creationId xmlns:a16="http://schemas.microsoft.com/office/drawing/2014/main" xmlns="" id="{357D7BE1-6358-42CC-94F3-7BCDD91DCB6D}"/>
               </a:ext>
             </a:extLst>
           </p:cNvPr>
@@ -13180,18 +13180,18 @@
     </p:spTree>
     <p:extLst>
       <p:ext uri="{BB962C8B-B14F-4D97-AF65-F5344CB8AC3E}">
-        <p14:creationId xmlns:p14="http://schemas.microsoft.com/office/powerpoint/2010/main" val="1028724482"/>
+        <p14:creationId xmlns:p14="http://schemas.microsoft.com/office/powerpoint/2010/main" xmlns="" val="1028724482"/>
       </p:ext>
     </p:extLst>
   </p:cSld>
   <p:clrMapOvr>
     <a:masterClrMapping/>
   </p:clrMapOvr>
-  <mc:AlternateContent xmlns:mc="http://schemas.openxmlformats.org/markup-compatibility/2006" xmlns:p14="http://schemas.microsoft.com/office/powerpoint/2010/main">
-    <mc:Choice Requires="p14">
+  <mc:AlternateContent xmlns:mc="http://schemas.openxmlformats.org/markup-compatibility/2006">
+    <mc:Choice xmlns:p14="http://schemas.microsoft.com/office/powerpoint/2010/main" xmlns="" Requires="p14">
       <p:transition spd="slow" p14:dur="2000" advClick="0" advTm="5000"/>
     </mc:Choice>
-    <mc:Fallback xmlns="">
+    <mc:Fallback>
       <p:transition spd="slow" advClick="0" advTm="5000"/>
     </mc:Fallback>
   </mc:AlternateContent>
@@ -13300,7 +13300,7 @@
           <p:cNvPr id="11" name="Slide Number">
             <a:extLst>
               <a:ext uri="{FF2B5EF4-FFF2-40B4-BE49-F238E27FC236}">
-                <a16:creationId xmlns:a16="http://schemas.microsoft.com/office/drawing/2014/main" id="{6750ECE4-94E0-469B-B8E4-562792823B0F}"/>
+                <a16:creationId xmlns:a16="http://schemas.microsoft.com/office/drawing/2014/main" xmlns="" id="{6750ECE4-94E0-469B-B8E4-562792823B0F}"/>
               </a:ext>
             </a:extLst>
           </p:cNvPr>
@@ -13423,7 +13423,7 @@
           <p:cNvPr id="12" name="Logo Software University Down" descr="Software University logo">
             <a:extLst>
               <a:ext uri="{FF2B5EF4-FFF2-40B4-BE49-F238E27FC236}">
-                <a16:creationId xmlns:a16="http://schemas.microsoft.com/office/drawing/2014/main" id="{7028D2F0-1E67-414B-A93D-D3F8F131A132}"/>
+                <a16:creationId xmlns:a16="http://schemas.microsoft.com/office/drawing/2014/main" xmlns="" id="{7028D2F0-1E67-414B-A93D-D3F8F131A132}"/>
               </a:ext>
             </a:extLst>
           </p:cNvPr>
@@ -13436,7 +13436,7 @@
           <a:blip r:embed="rId2" cstate="print">
             <a:extLst>
               <a:ext uri="{28A0092B-C50C-407E-A947-70E740481C1C}">
-                <a14:useLocalDpi xmlns:a14="http://schemas.microsoft.com/office/drawing/2010/main" val="0"/>
+                <a14:useLocalDpi xmlns:a14="http://schemas.microsoft.com/office/drawing/2010/main" xmlns="" val="0"/>
               </a:ext>
             </a:extLst>
           </a:blip>
@@ -13459,7 +13459,7 @@
           <p:cNvPr id="10" name="Text Placeholder Right">
             <a:extLst>
               <a:ext uri="{FF2B5EF4-FFF2-40B4-BE49-F238E27FC236}">
-                <a16:creationId xmlns:a16="http://schemas.microsoft.com/office/drawing/2014/main" id="{AF69A59F-C564-4A04-B1CC-31C261499991}"/>
+                <a16:creationId xmlns:a16="http://schemas.microsoft.com/office/drawing/2014/main" xmlns="" id="{AF69A59F-C564-4A04-B1CC-31C261499991}"/>
               </a:ext>
             </a:extLst>
           </p:cNvPr>
@@ -13537,7 +13537,7 @@
           <p:cNvPr id="9" name="Text Placeholder Left">
             <a:extLst>
               <a:ext uri="{FF2B5EF4-FFF2-40B4-BE49-F238E27FC236}">
-                <a16:creationId xmlns:a16="http://schemas.microsoft.com/office/drawing/2014/main" id="{C8A626D2-456B-41EF-9818-EA8DD7E314DA}"/>
+                <a16:creationId xmlns:a16="http://schemas.microsoft.com/office/drawing/2014/main" xmlns="" id="{C8A626D2-456B-41EF-9818-EA8DD7E314DA}"/>
               </a:ext>
             </a:extLst>
           </p:cNvPr>
@@ -13615,7 +13615,7 @@
           <p:cNvPr id="13" name="Rectangle Top">
             <a:extLst>
               <a:ext uri="{FF2B5EF4-FFF2-40B4-BE49-F238E27FC236}">
-                <a16:creationId xmlns:a16="http://schemas.microsoft.com/office/drawing/2014/main" id="{E03301DA-D0AF-46FD-8740-2F761250203A}"/>
+                <a16:creationId xmlns:a16="http://schemas.microsoft.com/office/drawing/2014/main" xmlns="" id="{E03301DA-D0AF-46FD-8740-2F761250203A}"/>
               </a:ext>
             </a:extLst>
           </p:cNvPr>
@@ -13696,7 +13696,7 @@
           <p:cNvPr id="14" name="Logo Software University" descr="Software University logo">
             <a:extLst>
               <a:ext uri="{FF2B5EF4-FFF2-40B4-BE49-F238E27FC236}">
-                <a16:creationId xmlns:a16="http://schemas.microsoft.com/office/drawing/2014/main" id="{19A67BB9-D880-4EAD-B90E-89C4219BFC0B}"/>
+                <a16:creationId xmlns:a16="http://schemas.microsoft.com/office/drawing/2014/main" xmlns="" id="{19A67BB9-D880-4EAD-B90E-89C4219BFC0B}"/>
               </a:ext>
             </a:extLst>
           </p:cNvPr>
@@ -13709,7 +13709,7 @@
           <a:blip r:embed="rId3" cstate="print">
             <a:extLst>
               <a:ext uri="{28A0092B-C50C-407E-A947-70E740481C1C}">
-                <a14:useLocalDpi xmlns:a14="http://schemas.microsoft.com/office/drawing/2010/main" val="0"/>
+                <a14:useLocalDpi xmlns:a14="http://schemas.microsoft.com/office/drawing/2010/main" xmlns="" val="0"/>
               </a:ext>
             </a:extLst>
           </a:blip>
@@ -13732,7 +13732,7 @@
           <p:cNvPr id="15" name="Slide Title">
             <a:extLst>
               <a:ext uri="{FF2B5EF4-FFF2-40B4-BE49-F238E27FC236}">
-                <a16:creationId xmlns:a16="http://schemas.microsoft.com/office/drawing/2014/main" id="{EA9A94D1-F9F6-4D7B-85E3-896A987B6A4D}"/>
+                <a16:creationId xmlns:a16="http://schemas.microsoft.com/office/drawing/2014/main" xmlns="" id="{EA9A94D1-F9F6-4D7B-85E3-896A987B6A4D}"/>
               </a:ext>
             </a:extLst>
           </p:cNvPr>
@@ -13771,24 +13771,24 @@
     </p:spTree>
     <p:extLst>
       <p:ext uri="{BB962C8B-B14F-4D97-AF65-F5344CB8AC3E}">
-        <p14:creationId xmlns:p14="http://schemas.microsoft.com/office/powerpoint/2010/main" val="3044033461"/>
+        <p14:creationId xmlns:p14="http://schemas.microsoft.com/office/powerpoint/2010/main" xmlns="" val="3044033461"/>
       </p:ext>
     </p:extLst>
   </p:cSld>
   <p:clrMapOvr>
     <a:masterClrMapping/>
   </p:clrMapOvr>
-  <mc:AlternateContent xmlns:mc="http://schemas.openxmlformats.org/markup-compatibility/2006" xmlns:p14="http://schemas.microsoft.com/office/powerpoint/2010/main">
-    <mc:Choice Requires="p14">
+  <mc:AlternateContent xmlns:mc="http://schemas.openxmlformats.org/markup-compatibility/2006">
+    <mc:Choice xmlns:p14="http://schemas.microsoft.com/office/powerpoint/2010/main" xmlns="" Requires="p14">
       <p:transition spd="slow" p14:dur="2000" advClick="0" advTm="5000"/>
     </mc:Choice>
-    <mc:Fallback xmlns="">
+    <mc:Fallback>
       <p:transition spd="slow" advClick="0" advTm="5000"/>
     </mc:Fallback>
   </mc:AlternateContent>
   <p:extLst>
     <p:ext uri="{DCECCB84-F9BA-43D5-87BE-67443E8EF086}">
-      <p15:sldGuideLst xmlns:p15="http://schemas.microsoft.com/office/powerpoint/2012/main">
+      <p15:sldGuideLst xmlns:p15="http://schemas.microsoft.com/office/powerpoint/2012/main" xmlns="">
         <p15:guide id="1" orient="horz" pos="2160">
           <p15:clr>
             <a:srgbClr val="FBAE40"/>
@@ -13835,7 +13835,7 @@
           <p:cNvPr id="4" name="Picture Background" descr="SoftUni Background">
             <a:extLst>
               <a:ext uri="{FF2B5EF4-FFF2-40B4-BE49-F238E27FC236}">
-                <a16:creationId xmlns:a16="http://schemas.microsoft.com/office/drawing/2014/main" id="{5BE90A63-DDD9-4B3B-A234-DF69B9BC812F}"/>
+                <a16:creationId xmlns:a16="http://schemas.microsoft.com/office/drawing/2014/main" xmlns="" id="{5BE90A63-DDD9-4B3B-A234-DF69B9BC812F}"/>
               </a:ext>
             </a:extLst>
           </p:cNvPr>
@@ -13864,7 +13864,7 @@
           <p:cNvPr id="11" name="Slide Body Text">
             <a:extLst>
               <a:ext uri="{FF2B5EF4-FFF2-40B4-BE49-F238E27FC236}">
-                <a16:creationId xmlns:a16="http://schemas.microsoft.com/office/drawing/2014/main" id="{90CBFB32-9F46-4F2F-8A54-9EE8BED27855}"/>
+                <a16:creationId xmlns:a16="http://schemas.microsoft.com/office/drawing/2014/main" xmlns="" id="{90CBFB32-9F46-4F2F-8A54-9EE8BED27855}"/>
               </a:ext>
             </a:extLst>
           </p:cNvPr>
@@ -13932,7 +13932,7 @@
           <p:cNvPr id="10" name="Slide Title">
             <a:extLst>
               <a:ext uri="{FF2B5EF4-FFF2-40B4-BE49-F238E27FC236}">
-                <a16:creationId xmlns:a16="http://schemas.microsoft.com/office/drawing/2014/main" id="{B770C392-3003-4C35-9625-BB041F8257BA}"/>
+                <a16:creationId xmlns:a16="http://schemas.microsoft.com/office/drawing/2014/main" xmlns="" id="{B770C392-3003-4C35-9625-BB041F8257BA}"/>
               </a:ext>
             </a:extLst>
           </p:cNvPr>
@@ -13969,7 +13969,7 @@
     </p:spTree>
     <p:extLst>
       <p:ext uri="{BB962C8B-B14F-4D97-AF65-F5344CB8AC3E}">
-        <p14:creationId xmlns:p14="http://schemas.microsoft.com/office/powerpoint/2010/main" val="156789181"/>
+        <p14:creationId xmlns:p14="http://schemas.microsoft.com/office/powerpoint/2010/main" xmlns="" val="156789181"/>
       </p:ext>
     </p:extLst>
   </p:cSld>
@@ -13992,11 +13992,11 @@
     <p:sldLayoutId id="2147483695" r:id="rId15"/>
     <p:sldLayoutId id="2147483696" r:id="rId16"/>
   </p:sldLayoutIdLst>
-  <mc:AlternateContent xmlns:mc="http://schemas.openxmlformats.org/markup-compatibility/2006" xmlns:p14="http://schemas.microsoft.com/office/powerpoint/2010/main">
-    <mc:Choice Requires="p14">
+  <mc:AlternateContent xmlns:mc="http://schemas.openxmlformats.org/markup-compatibility/2006">
+    <mc:Choice xmlns:p14="http://schemas.microsoft.com/office/powerpoint/2010/main" xmlns="" Requires="p14">
       <p:transition spd="slow" p14:dur="2000" advClick="0" advTm="5000"/>
     </mc:Choice>
-    <mc:Fallback xmlns="">
+    <mc:Fallback>
       <p:transition spd="slow" advClick="0" advTm="5000"/>
     </mc:Fallback>
   </mc:AlternateContent>
@@ -14283,7 +14283,7 @@
   </p:txStyles>
   <p:extLst>
     <p:ext uri="{27BBF7A9-308A-43DC-89C8-2F10F3537804}">
-      <p15:sldGuideLst xmlns:p15="http://schemas.microsoft.com/office/powerpoint/2012/main">
+      <p15:sldGuideLst xmlns:p15="http://schemas.microsoft.com/office/powerpoint/2012/main" xmlns="">
         <p15:guide id="1" orient="horz" pos="2160">
           <p15:clr>
             <a:srgbClr val="F26B43"/>
@@ -14379,7 +14379,7 @@
           <p:cNvPr id="10" name="Author Position">
             <a:extLst>
               <a:ext uri="{FF2B5EF4-FFF2-40B4-BE49-F238E27FC236}">
-                <a16:creationId xmlns:a16="http://schemas.microsoft.com/office/drawing/2014/main" id="{F585BC4C-0F13-4FD4-8F23-99FD46618370}"/>
+                <a16:creationId xmlns:a16="http://schemas.microsoft.com/office/drawing/2014/main" xmlns="" id="{F585BC4C-0F13-4FD4-8F23-99FD46618370}"/>
               </a:ext>
             </a:extLst>
           </p:cNvPr>
@@ -14412,7 +14412,7 @@
           <p:cNvPr id="9" name="Author Name">
             <a:extLst>
               <a:ext uri="{FF2B5EF4-FFF2-40B4-BE49-F238E27FC236}">
-                <a16:creationId xmlns:a16="http://schemas.microsoft.com/office/drawing/2014/main" id="{FA396BB6-2053-4690-9672-BC528007D370}"/>
+                <a16:creationId xmlns:a16="http://schemas.microsoft.com/office/drawing/2014/main" xmlns="" id="{FA396BB6-2053-4690-9672-BC528007D370}"/>
               </a:ext>
             </a:extLst>
           </p:cNvPr>
@@ -14445,7 +14445,7 @@
           <p:cNvPr id="3" name="Presentation Subtitle">
             <a:extLst>
               <a:ext uri="{FF2B5EF4-FFF2-40B4-BE49-F238E27FC236}">
-                <a16:creationId xmlns:a16="http://schemas.microsoft.com/office/drawing/2014/main" id="{A004DC04-DA2A-41C0-8578-4B8D2F08EA7D}"/>
+                <a16:creationId xmlns:a16="http://schemas.microsoft.com/office/drawing/2014/main" xmlns="" id="{A004DC04-DA2A-41C0-8578-4B8D2F08EA7D}"/>
               </a:ext>
             </a:extLst>
           </p:cNvPr>
@@ -14489,7 +14489,7 @@
           <p:cNvPr id="16" name="Title 15">
             <a:extLst>
               <a:ext uri="{FF2B5EF4-FFF2-40B4-BE49-F238E27FC236}">
-                <a16:creationId xmlns:a16="http://schemas.microsoft.com/office/drawing/2014/main" id="{09D526E5-16F9-CDC3-F025-1D308EB5C234}"/>
+                <a16:creationId xmlns:a16="http://schemas.microsoft.com/office/drawing/2014/main" xmlns="" id="{09D526E5-16F9-CDC3-F025-1D308EB5C234}"/>
               </a:ext>
             </a:extLst>
           </p:cNvPr>
@@ -14524,7 +14524,7 @@
           <p:cNvPr id="8" name="Picture 2" descr="Ð¡Ð²ÑÑÐ·Ð°Ð½Ð¾ Ð¸Ð·Ð¾Ð±ÑÐ°Ð¶ÐµÐ½Ð¸Ðµ">
             <a:extLst>
               <a:ext uri="{FF2B5EF4-FFF2-40B4-BE49-F238E27FC236}">
-                <a16:creationId xmlns:a16="http://schemas.microsoft.com/office/drawing/2014/main" id="{46988513-1D55-4D43-8BD2-8B974E29494B}"/>
+                <a16:creationId xmlns:a16="http://schemas.microsoft.com/office/drawing/2014/main" xmlns="" id="{46988513-1D55-4D43-8BD2-8B974E29494B}"/>
               </a:ext>
             </a:extLst>
           </p:cNvPr>
@@ -14537,7 +14537,7 @@
           <a:blip r:embed="rId4" cstate="print">
             <a:extLst>
               <a:ext uri="{28A0092B-C50C-407E-A947-70E740481C1C}">
-                <a14:useLocalDpi xmlns:a14="http://schemas.microsoft.com/office/drawing/2010/main" val="0"/>
+                <a14:useLocalDpi xmlns:a14="http://schemas.microsoft.com/office/drawing/2010/main" xmlns="" val="0"/>
               </a:ext>
             </a:extLst>
           </a:blip>
@@ -14557,7 +14557,7 @@
           <a:noFill/>
           <a:extLst>
             <a:ext uri="{909E8E84-426E-40DD-AFC4-6F175D3DCCD1}">
-              <a14:hiddenFill xmlns:a14="http://schemas.microsoft.com/office/drawing/2010/main">
+              <a14:hiddenFill xmlns:a14="http://schemas.microsoft.com/office/drawing/2010/main" xmlns="">
                 <a:solidFill>
                   <a:srgbClr val="FFFFFF"/>
                 </a:solidFill>
@@ -14569,18 +14569,18 @@
     </p:spTree>
     <p:extLst>
       <p:ext uri="{BB962C8B-B14F-4D97-AF65-F5344CB8AC3E}">
-        <p14:creationId xmlns:p14="http://schemas.microsoft.com/office/powerpoint/2010/main" val="3666405375"/>
+        <p14:creationId xmlns:p14="http://schemas.microsoft.com/office/powerpoint/2010/main" xmlns="" val="3666405375"/>
       </p:ext>
     </p:extLst>
   </p:cSld>
   <p:clrMapOvr>
     <a:masterClrMapping/>
   </p:clrMapOvr>
-  <mc:AlternateContent xmlns:mc="http://schemas.openxmlformats.org/markup-compatibility/2006" xmlns:p14="http://schemas.microsoft.com/office/powerpoint/2010/main">
-    <mc:Choice Requires="p14">
+  <mc:AlternateContent xmlns:mc="http://schemas.openxmlformats.org/markup-compatibility/2006">
+    <mc:Choice xmlns:p14="http://schemas.microsoft.com/office/powerpoint/2010/main" xmlns="" Requires="p14">
       <p:transition spd="slow" p14:dur="2000" advClick="0" advTm="5000"/>
     </mc:Choice>
-    <mc:Fallback xmlns="">
+    <mc:Fallback>
       <p:transition spd="slow" advClick="0" advTm="5000"/>
     </mc:Fallback>
   </mc:AlternateContent>
@@ -14609,7 +14609,7 @@
           <p:cNvPr id="3" name="Subtitle 2">
             <a:extLst>
               <a:ext uri="{FF2B5EF4-FFF2-40B4-BE49-F238E27FC236}">
-                <a16:creationId xmlns:a16="http://schemas.microsoft.com/office/drawing/2014/main" id="{6CCA27B5-B562-21BE-E9D7-D383EA0CFFEE}"/>
+                <a16:creationId xmlns:a16="http://schemas.microsoft.com/office/drawing/2014/main" xmlns="" id="{6CCA27B5-B562-21BE-E9D7-D383EA0CFFEE}"/>
               </a:ext>
             </a:extLst>
           </p:cNvPr>
@@ -14641,7 +14641,7 @@
           <p:cNvPr id="6" name="Slide Title">
             <a:extLst>
               <a:ext uri="{FF2B5EF4-FFF2-40B4-BE49-F238E27FC236}">
-                <a16:creationId xmlns:a16="http://schemas.microsoft.com/office/drawing/2014/main" id="{028D9EA3-B5E0-4F17-9467-4BE3C280DA68}"/>
+                <a16:creationId xmlns:a16="http://schemas.microsoft.com/office/drawing/2014/main" xmlns="" id="{028D9EA3-B5E0-4F17-9467-4BE3C280DA68}"/>
               </a:ext>
             </a:extLst>
           </p:cNvPr>
@@ -14677,7 +14677,7 @@
           <a:blip r:embed="rId3" cstate="print">
             <a:extLst>
               <a:ext uri="{28A0092B-C50C-407E-A947-70E740481C1C}">
-                <a14:useLocalDpi xmlns:a14="http://schemas.microsoft.com/office/drawing/2010/main" val="0"/>
+                <a14:useLocalDpi xmlns:a14="http://schemas.microsoft.com/office/drawing/2010/main" xmlns="" val="0"/>
               </a:ext>
             </a:extLst>
           </a:blip>
@@ -14698,18 +14698,18 @@
     </p:spTree>
     <p:extLst>
       <p:ext uri="{BB962C8B-B14F-4D97-AF65-F5344CB8AC3E}">
-        <p14:creationId xmlns:p14="http://schemas.microsoft.com/office/powerpoint/2010/main" val="4156281943"/>
+        <p14:creationId xmlns:p14="http://schemas.microsoft.com/office/powerpoint/2010/main" xmlns="" val="4156281943"/>
       </p:ext>
     </p:extLst>
   </p:cSld>
   <p:clrMapOvr>
     <a:masterClrMapping/>
   </p:clrMapOvr>
-  <mc:AlternateContent xmlns:mc="http://schemas.openxmlformats.org/markup-compatibility/2006" xmlns:p14="http://schemas.microsoft.com/office/powerpoint/2010/main">
-    <mc:Choice Requires="p14">
+  <mc:AlternateContent xmlns:mc="http://schemas.openxmlformats.org/markup-compatibility/2006">
+    <mc:Choice xmlns:p14="http://schemas.microsoft.com/office/powerpoint/2010/main" xmlns="" Requires="p14">
       <p:transition spd="slow" p14:dur="2000" advClick="0" advTm="5000"/>
     </mc:Choice>
-    <mc:Fallback xmlns="">
+    <mc:Fallback>
       <p:transition spd="slow" advClick="0" advTm="5000"/>
     </mc:Fallback>
   </mc:AlternateContent>
@@ -14807,7 +14807,7 @@
         <p:spPr>
           <a:xfrm>
             <a:off x="1828800" y="990600"/>
-            <a:ext cx="10105900" cy="3174780"/>
+            <a:ext cx="10105900" cy="3261662"/>
           </a:xfrm>
           <a:prstGeom prst="rect">
             <a:avLst/>
@@ -14833,7 +14833,7 @@
               </a:tabLst>
             </a:pPr>
             <a:r>
-              <a:rPr lang="bg-BG" sz="3400" spc="-10" dirty="0">
+              <a:rPr lang="bg-BG" sz="3600" spc="-10" dirty="0">
                 <a:solidFill>
                   <a:srgbClr val="224464"/>
                 </a:solidFill>
@@ -14843,7 +14843,7 @@
               <a:t>Релационните </a:t>
             </a:r>
             <a:r>
-              <a:rPr sz="3400" dirty="0">
+              <a:rPr sz="3600" dirty="0">
                 <a:solidFill>
                   <a:srgbClr val="224464"/>
                 </a:solidFill>
@@ -14853,7 +14853,7 @@
               <a:t>(</a:t>
             </a:r>
             <a:r>
-              <a:rPr sz="3400" b="1" dirty="0">
+              <a:rPr sz="3600" b="1" dirty="0">
                 <a:solidFill>
                   <a:srgbClr val="FF9F00"/>
                 </a:solidFill>
@@ -14863,7 +14863,7 @@
               <a:t>SQL</a:t>
             </a:r>
             <a:r>
-              <a:rPr sz="3400" dirty="0">
+              <a:rPr sz="3600" dirty="0">
                 <a:solidFill>
                   <a:srgbClr val="224464"/>
                 </a:solidFill>
@@ -14873,7 +14873,7 @@
               <a:t>)</a:t>
             </a:r>
             <a:r>
-              <a:rPr sz="3400" spc="10" dirty="0">
+              <a:rPr sz="3600" spc="10" dirty="0">
                 <a:solidFill>
                   <a:srgbClr val="224464"/>
                 </a:solidFill>
@@ -14883,7 +14883,7 @@
               <a:t> </a:t>
             </a:r>
             <a:r>
-              <a:rPr lang="bg-BG" sz="3400" spc="-5" dirty="0">
+              <a:rPr lang="bg-BG" sz="3600" spc="-5" dirty="0">
                 <a:solidFill>
                   <a:srgbClr val="224464"/>
                 </a:solidFill>
@@ -14893,7 +14893,7 @@
               <a:t>бази данни </a:t>
             </a:r>
             <a:r>
-              <a:rPr lang="bg-BG" sz="3400" spc="-20" dirty="0">
+              <a:rPr lang="bg-BG" sz="3600" spc="-20" dirty="0">
                 <a:solidFill>
                   <a:srgbClr val="224464"/>
                 </a:solidFill>
@@ -14903,7 +14903,7 @@
               <a:t>организират данните в</a:t>
             </a:r>
             <a:r>
-              <a:rPr sz="3400" spc="-50" dirty="0">
+              <a:rPr sz="3600" spc="-50" dirty="0">
                 <a:solidFill>
                   <a:srgbClr val="224464"/>
                 </a:solidFill>
@@ -14913,7 +14913,7 @@
               <a:t> </a:t>
             </a:r>
             <a:r>
-              <a:rPr lang="bg-BG" sz="3400" b="1" spc="-5" dirty="0">
+              <a:rPr lang="bg-BG" sz="3600" b="1" spc="-5" dirty="0">
                 <a:solidFill>
                   <a:srgbClr val="FF9F00"/>
                 </a:solidFill>
@@ -15214,18 +15214,18 @@
     </p:spTree>
     <p:extLst>
       <p:ext uri="{BB962C8B-B14F-4D97-AF65-F5344CB8AC3E}">
-        <p14:creationId xmlns:p14="http://schemas.microsoft.com/office/powerpoint/2010/main" val="2855961156"/>
+        <p14:creationId xmlns:p14="http://schemas.microsoft.com/office/powerpoint/2010/main" xmlns="" val="2855961156"/>
       </p:ext>
     </p:extLst>
   </p:cSld>
   <p:clrMapOvr>
     <a:masterClrMapping/>
   </p:clrMapOvr>
-  <mc:AlternateContent xmlns:mc="http://schemas.openxmlformats.org/markup-compatibility/2006" xmlns:p14="http://schemas.microsoft.com/office/powerpoint/2010/main">
-    <mc:Choice Requires="p14">
+  <mc:AlternateContent xmlns:mc="http://schemas.openxmlformats.org/markup-compatibility/2006">
+    <mc:Choice xmlns:p14="http://schemas.microsoft.com/office/powerpoint/2010/main" xmlns="" Requires="p14">
       <p:transition spd="slow" p14:dur="2000" advClick="0" advTm="5000"/>
     </mc:Choice>
-    <mc:Fallback xmlns="">
+    <mc:Fallback>
       <p:transition spd="slow" advClick="0" advTm="5000"/>
     </mc:Fallback>
   </mc:AlternateContent>
@@ -15528,11 +15528,11 @@
   <p:clrMapOvr>
     <a:masterClrMapping/>
   </p:clrMapOvr>
-  <mc:AlternateContent xmlns:mc="http://schemas.openxmlformats.org/markup-compatibility/2006" xmlns:p14="http://schemas.microsoft.com/office/powerpoint/2010/main">
-    <mc:Choice Requires="p14">
+  <mc:AlternateContent xmlns:mc="http://schemas.openxmlformats.org/markup-compatibility/2006">
+    <mc:Choice xmlns:p14="http://schemas.microsoft.com/office/powerpoint/2010/main" xmlns="" Requires="p14">
       <p:transition spd="slow" p14:dur="2000" advClick="0" advTm="5000"/>
     </mc:Choice>
-    <mc:Fallback xmlns="">
+    <mc:Fallback>
       <p:transition spd="slow" advClick="0" advTm="5000"/>
     </mc:Fallback>
   </mc:AlternateContent>
@@ -15855,7 +15855,7 @@
           <p:nvPr>
             <p:extLst>
               <p:ext uri="{D42A27DB-BD31-4B8C-83A1-F6EECF244321}">
-                <p14:modId xmlns:p14="http://schemas.microsoft.com/office/powerpoint/2010/main" val="3040486569"/>
+                <p14:modId xmlns:p14="http://schemas.microsoft.com/office/powerpoint/2010/main" xmlns="" val="3040486569"/>
               </p:ext>
             </p:extLst>
           </p:nvPr>
@@ -15872,28 +15872,28 @@
                 <a:gridCol w="2141554">
                   <a:extLst>
                     <a:ext uri="{9D8B030D-6E8A-4147-A177-3AD203B41FA5}">
-                      <a16:colId xmlns:a16="http://schemas.microsoft.com/office/drawing/2014/main" val="20000"/>
+                      <a16:colId xmlns:a16="http://schemas.microsoft.com/office/drawing/2014/main" xmlns="" val="20000"/>
                     </a:ext>
                   </a:extLst>
                 </a:gridCol>
                 <a:gridCol w="2590125">
                   <a:extLst>
                     <a:ext uri="{9D8B030D-6E8A-4147-A177-3AD203B41FA5}">
-                      <a16:colId xmlns:a16="http://schemas.microsoft.com/office/drawing/2014/main" val="20001"/>
+                      <a16:colId xmlns:a16="http://schemas.microsoft.com/office/drawing/2014/main" xmlns="" val="20001"/>
                     </a:ext>
                   </a:extLst>
                 </a:gridCol>
                 <a:gridCol w="2513945">
                   <a:extLst>
                     <a:ext uri="{9D8B030D-6E8A-4147-A177-3AD203B41FA5}">
-                      <a16:colId xmlns:a16="http://schemas.microsoft.com/office/drawing/2014/main" val="1808587013"/>
+                      <a16:colId xmlns:a16="http://schemas.microsoft.com/office/drawing/2014/main" xmlns="" val="1808587013"/>
                     </a:ext>
                   </a:extLst>
                 </a:gridCol>
                 <a:gridCol w="1675962">
                   <a:extLst>
                     <a:ext uri="{9D8B030D-6E8A-4147-A177-3AD203B41FA5}">
-                      <a16:colId xmlns:a16="http://schemas.microsoft.com/office/drawing/2014/main" val="1545185628"/>
+                      <a16:colId xmlns:a16="http://schemas.microsoft.com/office/drawing/2014/main" xmlns="" val="1545185628"/>
                     </a:ext>
                   </a:extLst>
                 </a:gridCol>
@@ -16329,7 +16329,7 @@
                 </a:tc>
                 <a:extLst>
                   <a:ext uri="{0D108BD9-81ED-4DB2-BD59-A6C34878D82A}">
-                    <a16:rowId xmlns:a16="http://schemas.microsoft.com/office/drawing/2014/main" val="10000"/>
+                    <a16:rowId xmlns:a16="http://schemas.microsoft.com/office/drawing/2014/main" xmlns="" val="10000"/>
                   </a:ext>
                 </a:extLst>
               </a:tr>
@@ -16644,7 +16644,7 @@
                 </a:tc>
                 <a:extLst>
                   <a:ext uri="{0D108BD9-81ED-4DB2-BD59-A6C34878D82A}">
-                    <a16:rowId xmlns:a16="http://schemas.microsoft.com/office/drawing/2014/main" val="10001"/>
+                    <a16:rowId xmlns:a16="http://schemas.microsoft.com/office/drawing/2014/main" xmlns="" val="10001"/>
                   </a:ext>
                 </a:extLst>
               </a:tr>
@@ -16959,7 +16959,7 @@
                 </a:tc>
                 <a:extLst>
                   <a:ext uri="{0D108BD9-81ED-4DB2-BD59-A6C34878D82A}">
-                    <a16:rowId xmlns:a16="http://schemas.microsoft.com/office/drawing/2014/main" val="10002"/>
+                    <a16:rowId xmlns:a16="http://schemas.microsoft.com/office/drawing/2014/main" xmlns="" val="10002"/>
                   </a:ext>
                 </a:extLst>
               </a:tr>
@@ -17274,7 +17274,7 @@
                 </a:tc>
                 <a:extLst>
                   <a:ext uri="{0D108BD9-81ED-4DB2-BD59-A6C34878D82A}">
-                    <a16:rowId xmlns:a16="http://schemas.microsoft.com/office/drawing/2014/main" val="10003"/>
+                    <a16:rowId xmlns:a16="http://schemas.microsoft.com/office/drawing/2014/main" xmlns="" val="10003"/>
                   </a:ext>
                 </a:extLst>
               </a:tr>
@@ -17585,7 +17585,7 @@
                 </a:tc>
                 <a:extLst>
                   <a:ext uri="{0D108BD9-81ED-4DB2-BD59-A6C34878D82A}">
-                    <a16:rowId xmlns:a16="http://schemas.microsoft.com/office/drawing/2014/main" val="10004"/>
+                    <a16:rowId xmlns:a16="http://schemas.microsoft.com/office/drawing/2014/main" xmlns="" val="10004"/>
                   </a:ext>
                 </a:extLst>
               </a:tr>
@@ -18020,7 +18020,7 @@
           <p:cNvPr id="13" name="Slide Number">
             <a:extLst>
               <a:ext uri="{FF2B5EF4-FFF2-40B4-BE49-F238E27FC236}">
-                <a16:creationId xmlns:a16="http://schemas.microsoft.com/office/drawing/2014/main" id="{F80F709C-BB43-4A83-9529-1E089194DC9E}"/>
+                <a16:creationId xmlns:a16="http://schemas.microsoft.com/office/drawing/2014/main" xmlns="" id="{F80F709C-BB43-4A83-9529-1E089194DC9E}"/>
               </a:ext>
             </a:extLst>
           </p:cNvPr>
@@ -18060,7 +18060,7 @@
     </p:spTree>
     <p:extLst>
       <p:ext uri="{BB962C8B-B14F-4D97-AF65-F5344CB8AC3E}">
-        <p14:creationId xmlns:p14="http://schemas.microsoft.com/office/powerpoint/2010/main" val="174766927"/>
+        <p14:creationId xmlns:p14="http://schemas.microsoft.com/office/powerpoint/2010/main" xmlns="" val="174766927"/>
       </p:ext>
     </p:extLst>
   </p:cSld>
@@ -18409,7 +18409,7 @@
           <p:cNvPr id="10" name="Text Placeholder 9">
             <a:extLst>
               <a:ext uri="{FF2B5EF4-FFF2-40B4-BE49-F238E27FC236}">
-                <a16:creationId xmlns:a16="http://schemas.microsoft.com/office/drawing/2014/main" id="{33C59CE8-AB90-2B71-C014-64805AC3BBE4}"/>
+                <a16:creationId xmlns:a16="http://schemas.microsoft.com/office/drawing/2014/main" xmlns="" id="{33C59CE8-AB90-2B71-C014-64805AC3BBE4}"/>
               </a:ext>
             </a:extLst>
           </p:cNvPr>
@@ -18576,7 +18576,7 @@
           <p:cNvPr id="4" name="Title 3">
             <a:extLst>
               <a:ext uri="{FF2B5EF4-FFF2-40B4-BE49-F238E27FC236}">
-                <a16:creationId xmlns:a16="http://schemas.microsoft.com/office/drawing/2014/main" id="{46D35260-D1B5-F234-70D0-D70694BD38A8}"/>
+                <a16:creationId xmlns:a16="http://schemas.microsoft.com/office/drawing/2014/main" xmlns="" id="{46D35260-D1B5-F234-70D0-D70694BD38A8}"/>
               </a:ext>
             </a:extLst>
           </p:cNvPr>
@@ -18680,18 +18680,18 @@
     </p:spTree>
     <p:extLst>
       <p:ext uri="{BB962C8B-B14F-4D97-AF65-F5344CB8AC3E}">
-        <p14:creationId xmlns:p14="http://schemas.microsoft.com/office/powerpoint/2010/main" val="2979227127"/>
+        <p14:creationId xmlns:p14="http://schemas.microsoft.com/office/powerpoint/2010/main" xmlns="" val="2979227127"/>
       </p:ext>
     </p:extLst>
   </p:cSld>
   <p:clrMapOvr>
     <a:masterClrMapping/>
   </p:clrMapOvr>
-  <mc:AlternateContent xmlns:mc="http://schemas.openxmlformats.org/markup-compatibility/2006" xmlns:p14="http://schemas.microsoft.com/office/powerpoint/2010/main">
-    <mc:Choice Requires="p14">
+  <mc:AlternateContent xmlns:mc="http://schemas.openxmlformats.org/markup-compatibility/2006">
+    <mc:Choice xmlns:p14="http://schemas.microsoft.com/office/powerpoint/2010/main" xmlns="" Requires="p14">
       <p:transition spd="slow" p14:dur="2000" advClick="0" advTm="5000"/>
     </mc:Choice>
-    <mc:Fallback xmlns="">
+    <mc:Fallback>
       <p:transition spd="slow" advClick="0" advTm="5000"/>
     </mc:Fallback>
   </mc:AlternateContent>
@@ -18844,7 +18844,7 @@
           <p:cNvPr id="4" name="Title 3">
             <a:extLst>
               <a:ext uri="{FF2B5EF4-FFF2-40B4-BE49-F238E27FC236}">
-                <a16:creationId xmlns:a16="http://schemas.microsoft.com/office/drawing/2014/main" id="{46D35260-D1B5-F234-70D0-D70694BD38A8}"/>
+                <a16:creationId xmlns:a16="http://schemas.microsoft.com/office/drawing/2014/main" xmlns="" id="{46D35260-D1B5-F234-70D0-D70694BD38A8}"/>
               </a:ext>
             </a:extLst>
           </p:cNvPr>
@@ -18896,7 +18896,7 @@
           <p:nvPr>
             <p:extLst>
               <p:ext uri="{D42A27DB-BD31-4B8C-83A1-F6EECF244321}">
-                <p14:modId xmlns:p14="http://schemas.microsoft.com/office/powerpoint/2010/main" val="2863559516"/>
+                <p14:modId xmlns:p14="http://schemas.microsoft.com/office/powerpoint/2010/main" xmlns="" val="2863559516"/>
               </p:ext>
             </p:extLst>
           </p:nvPr>
@@ -18915,35 +18915,35 @@
                 <a:gridCol w="586386">
                   <a:extLst>
                     <a:ext uri="{9D8B030D-6E8A-4147-A177-3AD203B41FA5}">
-                      <a16:colId xmlns:a16="http://schemas.microsoft.com/office/drawing/2014/main" val="20000"/>
+                      <a16:colId xmlns:a16="http://schemas.microsoft.com/office/drawing/2014/main" xmlns="" val="20000"/>
                     </a:ext>
                   </a:extLst>
                 </a:gridCol>
                 <a:gridCol w="1236555">
                   <a:extLst>
                     <a:ext uri="{9D8B030D-6E8A-4147-A177-3AD203B41FA5}">
-                      <a16:colId xmlns:a16="http://schemas.microsoft.com/office/drawing/2014/main" val="20001"/>
+                      <a16:colId xmlns:a16="http://schemas.microsoft.com/office/drawing/2014/main" xmlns="" val="20001"/>
                     </a:ext>
                   </a:extLst>
                 </a:gridCol>
                 <a:gridCol w="973881">
                   <a:extLst>
                     <a:ext uri="{9D8B030D-6E8A-4147-A177-3AD203B41FA5}">
-                      <a16:colId xmlns:a16="http://schemas.microsoft.com/office/drawing/2014/main" val="20002"/>
+                      <a16:colId xmlns:a16="http://schemas.microsoft.com/office/drawing/2014/main" xmlns="" val="20002"/>
                     </a:ext>
                   </a:extLst>
                 </a:gridCol>
                 <a:gridCol w="1266732">
                   <a:extLst>
                     <a:ext uri="{9D8B030D-6E8A-4147-A177-3AD203B41FA5}">
-                      <a16:colId xmlns:a16="http://schemas.microsoft.com/office/drawing/2014/main" val="20003"/>
+                      <a16:colId xmlns:a16="http://schemas.microsoft.com/office/drawing/2014/main" xmlns="" val="20003"/>
                     </a:ext>
                   </a:extLst>
                 </a:gridCol>
                 <a:gridCol w="1181003">
                   <a:extLst>
                     <a:ext uri="{9D8B030D-6E8A-4147-A177-3AD203B41FA5}">
-                      <a16:colId xmlns:a16="http://schemas.microsoft.com/office/drawing/2014/main" val="20004"/>
+                      <a16:colId xmlns:a16="http://schemas.microsoft.com/office/drawing/2014/main" xmlns="" val="20004"/>
                     </a:ext>
                   </a:extLst>
                 </a:gridCol>
@@ -19016,7 +19016,7 @@
                 </a:tc>
                 <a:extLst>
                   <a:ext uri="{0D108BD9-81ED-4DB2-BD59-A6C34878D82A}">
-                    <a16:rowId xmlns:a16="http://schemas.microsoft.com/office/drawing/2014/main" val="10000"/>
+                    <a16:rowId xmlns:a16="http://schemas.microsoft.com/office/drawing/2014/main" xmlns="" val="10000"/>
                   </a:ext>
                 </a:extLst>
               </a:tr>
@@ -19338,7 +19338,7 @@
                 </a:tc>
                 <a:extLst>
                   <a:ext uri="{0D108BD9-81ED-4DB2-BD59-A6C34878D82A}">
-                    <a16:rowId xmlns:a16="http://schemas.microsoft.com/office/drawing/2014/main" val="10001"/>
+                    <a16:rowId xmlns:a16="http://schemas.microsoft.com/office/drawing/2014/main" xmlns="" val="10001"/>
                   </a:ext>
                 </a:extLst>
               </a:tr>
@@ -19625,7 +19625,7 @@
                 </a:tc>
                 <a:extLst>
                   <a:ext uri="{0D108BD9-81ED-4DB2-BD59-A6C34878D82A}">
-                    <a16:rowId xmlns:a16="http://schemas.microsoft.com/office/drawing/2014/main" val="10002"/>
+                    <a16:rowId xmlns:a16="http://schemas.microsoft.com/office/drawing/2014/main" xmlns="" val="10002"/>
                   </a:ext>
                 </a:extLst>
               </a:tr>
@@ -19912,7 +19912,7 @@
                 </a:tc>
                 <a:extLst>
                   <a:ext uri="{0D108BD9-81ED-4DB2-BD59-A6C34878D82A}">
-                    <a16:rowId xmlns:a16="http://schemas.microsoft.com/office/drawing/2014/main" val="10003"/>
+                    <a16:rowId xmlns:a16="http://schemas.microsoft.com/office/drawing/2014/main" xmlns="" val="10003"/>
                   </a:ext>
                 </a:extLst>
               </a:tr>
@@ -19929,7 +19929,7 @@
           <p:nvPr>
             <p:extLst>
               <p:ext uri="{D42A27DB-BD31-4B8C-83A1-F6EECF244321}">
-                <p14:modId xmlns:p14="http://schemas.microsoft.com/office/powerpoint/2010/main" val="1152961855"/>
+                <p14:modId xmlns:p14="http://schemas.microsoft.com/office/powerpoint/2010/main" xmlns="" val="1152961855"/>
               </p:ext>
             </p:extLst>
           </p:nvPr>
@@ -19948,21 +19948,21 @@
                 <a:gridCol w="840113">
                   <a:extLst>
                     <a:ext uri="{9D8B030D-6E8A-4147-A177-3AD203B41FA5}">
-                      <a16:colId xmlns:a16="http://schemas.microsoft.com/office/drawing/2014/main" val="20000"/>
+                      <a16:colId xmlns:a16="http://schemas.microsoft.com/office/drawing/2014/main" xmlns="" val="20000"/>
                     </a:ext>
                   </a:extLst>
                 </a:gridCol>
                 <a:gridCol w="1073185">
                   <a:extLst>
                     <a:ext uri="{9D8B030D-6E8A-4147-A177-3AD203B41FA5}">
-                      <a16:colId xmlns:a16="http://schemas.microsoft.com/office/drawing/2014/main" val="20001"/>
+                      <a16:colId xmlns:a16="http://schemas.microsoft.com/office/drawing/2014/main" xmlns="" val="20001"/>
                     </a:ext>
                   </a:extLst>
                 </a:gridCol>
                 <a:gridCol w="2125302">
                   <a:extLst>
                     <a:ext uri="{9D8B030D-6E8A-4147-A177-3AD203B41FA5}">
-                      <a16:colId xmlns:a16="http://schemas.microsoft.com/office/drawing/2014/main" val="20002"/>
+                      <a16:colId xmlns:a16="http://schemas.microsoft.com/office/drawing/2014/main" xmlns="" val="20002"/>
                     </a:ext>
                   </a:extLst>
                 </a:gridCol>
@@ -20147,7 +20147,7 @@
                 </a:tc>
                 <a:extLst>
                   <a:ext uri="{0D108BD9-81ED-4DB2-BD59-A6C34878D82A}">
-                    <a16:rowId xmlns:a16="http://schemas.microsoft.com/office/drawing/2014/main" val="10000"/>
+                    <a16:rowId xmlns:a16="http://schemas.microsoft.com/office/drawing/2014/main" xmlns="" val="10000"/>
                   </a:ext>
                 </a:extLst>
               </a:tr>
@@ -20323,7 +20323,7 @@
                 </a:tc>
                 <a:extLst>
                   <a:ext uri="{0D108BD9-81ED-4DB2-BD59-A6C34878D82A}">
-                    <a16:rowId xmlns:a16="http://schemas.microsoft.com/office/drawing/2014/main" val="10001"/>
+                    <a16:rowId xmlns:a16="http://schemas.microsoft.com/office/drawing/2014/main" xmlns="" val="10001"/>
                   </a:ext>
                 </a:extLst>
               </a:tr>
@@ -20499,7 +20499,7 @@
                 </a:tc>
                 <a:extLst>
                   <a:ext uri="{0D108BD9-81ED-4DB2-BD59-A6C34878D82A}">
-                    <a16:rowId xmlns:a16="http://schemas.microsoft.com/office/drawing/2014/main" val="10002"/>
+                    <a16:rowId xmlns:a16="http://schemas.microsoft.com/office/drawing/2014/main" xmlns="" val="10002"/>
                   </a:ext>
                 </a:extLst>
               </a:tr>
@@ -20516,7 +20516,7 @@
           <p:nvPr>
             <p:extLst>
               <p:ext uri="{D42A27DB-BD31-4B8C-83A1-F6EECF244321}">
-                <p14:modId xmlns:p14="http://schemas.microsoft.com/office/powerpoint/2010/main" val="2948368588"/>
+                <p14:modId xmlns:p14="http://schemas.microsoft.com/office/powerpoint/2010/main" xmlns="" val="2948368588"/>
               </p:ext>
             </p:extLst>
           </p:nvPr>
@@ -20535,28 +20535,28 @@
                 <a:gridCol w="807467">
                   <a:extLst>
                     <a:ext uri="{9D8B030D-6E8A-4147-A177-3AD203B41FA5}">
-                      <a16:colId xmlns:a16="http://schemas.microsoft.com/office/drawing/2014/main" val="20000"/>
+                      <a16:colId xmlns:a16="http://schemas.microsoft.com/office/drawing/2014/main" xmlns="" val="20000"/>
                     </a:ext>
                   </a:extLst>
                 </a:gridCol>
                 <a:gridCol w="1532249">
                   <a:extLst>
                     <a:ext uri="{9D8B030D-6E8A-4147-A177-3AD203B41FA5}">
-                      <a16:colId xmlns:a16="http://schemas.microsoft.com/office/drawing/2014/main" val="20001"/>
+                      <a16:colId xmlns:a16="http://schemas.microsoft.com/office/drawing/2014/main" xmlns="" val="20001"/>
                     </a:ext>
                   </a:extLst>
                 </a:gridCol>
                 <a:gridCol w="1310680">
                   <a:extLst>
                     <a:ext uri="{9D8B030D-6E8A-4147-A177-3AD203B41FA5}">
-                      <a16:colId xmlns:a16="http://schemas.microsoft.com/office/drawing/2014/main" val="20002"/>
+                      <a16:colId xmlns:a16="http://schemas.microsoft.com/office/drawing/2014/main" xmlns="" val="20002"/>
                     </a:ext>
                   </a:extLst>
                 </a:gridCol>
                 <a:gridCol w="1623331">
                   <a:extLst>
                     <a:ext uri="{9D8B030D-6E8A-4147-A177-3AD203B41FA5}">
-                      <a16:colId xmlns:a16="http://schemas.microsoft.com/office/drawing/2014/main" val="20003"/>
+                      <a16:colId xmlns:a16="http://schemas.microsoft.com/office/drawing/2014/main" xmlns="" val="20003"/>
                     </a:ext>
                   </a:extLst>
                 </a:gridCol>
@@ -20840,7 +20840,7 @@
                 </a:tc>
                 <a:extLst>
                   <a:ext uri="{0D108BD9-81ED-4DB2-BD59-A6C34878D82A}">
-                    <a16:rowId xmlns:a16="http://schemas.microsoft.com/office/drawing/2014/main" val="10000"/>
+                    <a16:rowId xmlns:a16="http://schemas.microsoft.com/office/drawing/2014/main" xmlns="" val="10000"/>
                   </a:ext>
                 </a:extLst>
               </a:tr>
@@ -21071,7 +21071,7 @@
                 </a:tc>
                 <a:extLst>
                   <a:ext uri="{0D108BD9-81ED-4DB2-BD59-A6C34878D82A}">
-                    <a16:rowId xmlns:a16="http://schemas.microsoft.com/office/drawing/2014/main" val="10001"/>
+                    <a16:rowId xmlns:a16="http://schemas.microsoft.com/office/drawing/2014/main" xmlns="" val="10001"/>
                   </a:ext>
                 </a:extLst>
               </a:tr>
@@ -21302,7 +21302,7 @@
                 </a:tc>
                 <a:extLst>
                   <a:ext uri="{0D108BD9-81ED-4DB2-BD59-A6C34878D82A}">
-                    <a16:rowId xmlns:a16="http://schemas.microsoft.com/office/drawing/2014/main" val="10002"/>
+                    <a16:rowId xmlns:a16="http://schemas.microsoft.com/office/drawing/2014/main" xmlns="" val="10002"/>
                   </a:ext>
                 </a:extLst>
               </a:tr>
@@ -21583,7 +21583,7 @@
           <p:cNvPr id="3" name="Group 10">
             <a:extLst>
               <a:ext uri="{FF2B5EF4-FFF2-40B4-BE49-F238E27FC236}">
-                <a16:creationId xmlns:a16="http://schemas.microsoft.com/office/drawing/2014/main" id="{6F0BBA8E-5AC4-569C-BA68-2DE67DD0DBF7}"/>
+                <a16:creationId xmlns:a16="http://schemas.microsoft.com/office/drawing/2014/main" xmlns="" id="{6F0BBA8E-5AC4-569C-BA68-2DE67DD0DBF7}"/>
               </a:ext>
             </a:extLst>
           </p:cNvPr>
@@ -21859,7 +21859,7 @@
           <p:cNvPr id="6" name="object 17">
             <a:extLst>
               <a:ext uri="{FF2B5EF4-FFF2-40B4-BE49-F238E27FC236}">
-                <a16:creationId xmlns:a16="http://schemas.microsoft.com/office/drawing/2014/main" id="{0AD4EF84-B60E-BEFD-FF77-6250B203BA3E}"/>
+                <a16:creationId xmlns:a16="http://schemas.microsoft.com/office/drawing/2014/main" xmlns="" id="{0AD4EF84-B60E-BEFD-FF77-6250B203BA3E}"/>
               </a:ext>
             </a:extLst>
           </p:cNvPr>
@@ -21911,7 +21911,7 @@
           <p:cNvPr id="7" name="object 17">
             <a:extLst>
               <a:ext uri="{FF2B5EF4-FFF2-40B4-BE49-F238E27FC236}">
-                <a16:creationId xmlns:a16="http://schemas.microsoft.com/office/drawing/2014/main" id="{7B1AA02D-C164-044C-53A2-AFB8D96F22B8}"/>
+                <a16:creationId xmlns:a16="http://schemas.microsoft.com/office/drawing/2014/main" xmlns="" id="{7B1AA02D-C164-044C-53A2-AFB8D96F22B8}"/>
               </a:ext>
             </a:extLst>
           </p:cNvPr>
@@ -21961,18 +21961,18 @@
     </p:spTree>
     <p:extLst>
       <p:ext uri="{BB962C8B-B14F-4D97-AF65-F5344CB8AC3E}">
-        <p14:creationId xmlns:p14="http://schemas.microsoft.com/office/powerpoint/2010/main" val="1939198782"/>
+        <p14:creationId xmlns:p14="http://schemas.microsoft.com/office/powerpoint/2010/main" xmlns="" val="1939198782"/>
       </p:ext>
     </p:extLst>
   </p:cSld>
   <p:clrMapOvr>
     <a:masterClrMapping/>
   </p:clrMapOvr>
-  <mc:AlternateContent xmlns:mc="http://schemas.openxmlformats.org/markup-compatibility/2006" xmlns:p14="http://schemas.microsoft.com/office/powerpoint/2010/main">
-    <mc:Choice Requires="p14">
+  <mc:AlternateContent xmlns:mc="http://schemas.openxmlformats.org/markup-compatibility/2006">
+    <mc:Choice xmlns:p14="http://schemas.microsoft.com/office/powerpoint/2010/main" xmlns="" Requires="p14">
       <p:transition spd="slow" p14:dur="2000" advClick="0" advTm="5000"/>
     </mc:Choice>
-    <mc:Fallback xmlns="">
+    <mc:Fallback>
       <p:transition spd="slow" advClick="0" advTm="5000"/>
     </mc:Fallback>
   </mc:AlternateContent>
@@ -22233,7 +22233,7 @@
           <p:cNvPr id="6" name="Slide Title">
             <a:extLst>
               <a:ext uri="{FF2B5EF4-FFF2-40B4-BE49-F238E27FC236}">
-                <a16:creationId xmlns:a16="http://schemas.microsoft.com/office/drawing/2014/main" id="{028D9EA3-B5E0-4F17-9467-4BE3C280DA68}"/>
+                <a16:creationId xmlns:a16="http://schemas.microsoft.com/office/drawing/2014/main" xmlns="" id="{028D9EA3-B5E0-4F17-9467-4BE3C280DA68}"/>
               </a:ext>
             </a:extLst>
           </p:cNvPr>
@@ -22263,7 +22263,7 @@
           <p:cNvPr id="4" name="Subtitle 5">
             <a:extLst>
               <a:ext uri="{FF2B5EF4-FFF2-40B4-BE49-F238E27FC236}">
-                <a16:creationId xmlns:a16="http://schemas.microsoft.com/office/drawing/2014/main" id="{F7C1310D-D05C-458F-8872-9A68F31E050D}"/>
+                <a16:creationId xmlns:a16="http://schemas.microsoft.com/office/drawing/2014/main" xmlns="" id="{F7C1310D-D05C-458F-8872-9A68F31E050D}"/>
               </a:ext>
             </a:extLst>
           </p:cNvPr>
@@ -22308,7 +22308,7 @@
           <p:cNvPr id="11" name="Picture 10">
             <a:extLst>
               <a:ext uri="{FF2B5EF4-FFF2-40B4-BE49-F238E27FC236}">
-                <a16:creationId xmlns:a16="http://schemas.microsoft.com/office/drawing/2014/main" id="{30A38F2C-25B4-0E49-6A6E-4C4B3752659D}"/>
+                <a16:creationId xmlns:a16="http://schemas.microsoft.com/office/drawing/2014/main" xmlns="" id="{30A38F2C-25B4-0E49-6A6E-4C4B3752659D}"/>
               </a:ext>
             </a:extLst>
           </p:cNvPr>
@@ -22344,18 +22344,18 @@
     </p:spTree>
     <p:extLst>
       <p:ext uri="{BB962C8B-B14F-4D97-AF65-F5344CB8AC3E}">
-        <p14:creationId xmlns:p14="http://schemas.microsoft.com/office/powerpoint/2010/main" val="4223754477"/>
+        <p14:creationId xmlns:p14="http://schemas.microsoft.com/office/powerpoint/2010/main" xmlns="" val="4223754477"/>
       </p:ext>
     </p:extLst>
   </p:cSld>
   <p:clrMapOvr>
     <a:masterClrMapping/>
   </p:clrMapOvr>
-  <mc:AlternateContent xmlns:mc="http://schemas.openxmlformats.org/markup-compatibility/2006" xmlns:p14="http://schemas.microsoft.com/office/powerpoint/2010/main">
-    <mc:Choice Requires="p14">
+  <mc:AlternateContent xmlns:mc="http://schemas.openxmlformats.org/markup-compatibility/2006">
+    <mc:Choice xmlns:p14="http://schemas.microsoft.com/office/powerpoint/2010/main" xmlns="" Requires="p14">
       <p:transition spd="slow" p14:dur="2000" advClick="0" advTm="5000"/>
     </mc:Choice>
-    <mc:Fallback xmlns="">
+    <mc:Fallback>
       <p:transition spd="slow" advClick="0" advTm="5000"/>
     </mc:Fallback>
   </mc:AlternateContent>
@@ -22384,7 +22384,7 @@
           <p:cNvPr id="71" name="Text Placeholder 70">
             <a:extLst>
               <a:ext uri="{FF2B5EF4-FFF2-40B4-BE49-F238E27FC236}">
-                <a16:creationId xmlns:a16="http://schemas.microsoft.com/office/drawing/2014/main" id="{37741B19-FC02-C310-C50E-63FD2D15B77C}"/>
+                <a16:creationId xmlns:a16="http://schemas.microsoft.com/office/drawing/2014/main" xmlns="" id="{37741B19-FC02-C310-C50E-63FD2D15B77C}"/>
               </a:ext>
             </a:extLst>
           </p:cNvPr>
@@ -22702,7 +22702,7 @@
           <p:cNvPr id="2" name="Group 3">
             <a:extLst>
               <a:ext uri="{FF2B5EF4-FFF2-40B4-BE49-F238E27FC236}">
-                <a16:creationId xmlns:a16="http://schemas.microsoft.com/office/drawing/2014/main" id="{848FC971-AEE1-DEEA-5BE0-370C63B03EA2}"/>
+                <a16:creationId xmlns:a16="http://schemas.microsoft.com/office/drawing/2014/main" xmlns="" id="{848FC971-AEE1-DEEA-5BE0-370C63B03EA2}"/>
               </a:ext>
             </a:extLst>
           </p:cNvPr>
@@ -22837,18 +22837,18 @@
     </p:spTree>
     <p:extLst>
       <p:ext uri="{BB962C8B-B14F-4D97-AF65-F5344CB8AC3E}">
-        <p14:creationId xmlns:p14="http://schemas.microsoft.com/office/powerpoint/2010/main" val="661554167"/>
+        <p14:creationId xmlns:p14="http://schemas.microsoft.com/office/powerpoint/2010/main" xmlns="" val="661554167"/>
       </p:ext>
     </p:extLst>
   </p:cSld>
   <p:clrMapOvr>
     <a:masterClrMapping/>
   </p:clrMapOvr>
-  <mc:AlternateContent xmlns:mc="http://schemas.openxmlformats.org/markup-compatibility/2006" xmlns:p14="http://schemas.microsoft.com/office/powerpoint/2010/main">
-    <mc:Choice Requires="p14">
+  <mc:AlternateContent xmlns:mc="http://schemas.openxmlformats.org/markup-compatibility/2006">
+    <mc:Choice xmlns:p14="http://schemas.microsoft.com/office/powerpoint/2010/main" xmlns="" Requires="p14">
       <p:transition spd="slow" p14:dur="2000" advClick="0" advTm="5000"/>
     </mc:Choice>
-    <mc:Fallback xmlns="">
+    <mc:Fallback>
       <p:transition spd="slow" advClick="0" advTm="5000"/>
     </mc:Fallback>
   </mc:AlternateContent>
@@ -23571,7 +23571,7 @@
           <p:cNvPr id="23" name="Rectangle 19">
             <a:extLst>
               <a:ext uri="{FF2B5EF4-FFF2-40B4-BE49-F238E27FC236}">
-                <a16:creationId xmlns:a16="http://schemas.microsoft.com/office/drawing/2014/main" id="{EF975B85-581B-A516-2BC0-D13E98F1E09B}"/>
+                <a16:creationId xmlns:a16="http://schemas.microsoft.com/office/drawing/2014/main" xmlns="" id="{EF975B85-581B-A516-2BC0-D13E98F1E09B}"/>
               </a:ext>
             </a:extLst>
           </p:cNvPr>
@@ -23753,7 +23753,7 @@
           <p:cNvPr id="19" name="AutoShape 7">
             <a:extLst>
               <a:ext uri="{FF2B5EF4-FFF2-40B4-BE49-F238E27FC236}">
-                <a16:creationId xmlns:a16="http://schemas.microsoft.com/office/drawing/2014/main" id="{C34A2E56-F2E7-AC46-5CE9-793C12729AC0}"/>
+                <a16:creationId xmlns:a16="http://schemas.microsoft.com/office/drawing/2014/main" xmlns="" id="{C34A2E56-F2E7-AC46-5CE9-793C12729AC0}"/>
               </a:ext>
             </a:extLst>
           </p:cNvPr>
@@ -23855,7 +23855,7 @@
           <p:cNvPr id="24" name="object 15">
             <a:extLst>
               <a:ext uri="{FF2B5EF4-FFF2-40B4-BE49-F238E27FC236}">
-                <a16:creationId xmlns:a16="http://schemas.microsoft.com/office/drawing/2014/main" id="{F23F4A49-E31B-C517-27D9-8A20DD1D6553}"/>
+                <a16:creationId xmlns:a16="http://schemas.microsoft.com/office/drawing/2014/main" xmlns="" id="{F23F4A49-E31B-C517-27D9-8A20DD1D6553}"/>
               </a:ext>
             </a:extLst>
           </p:cNvPr>
@@ -23907,18 +23907,18 @@
     </p:spTree>
     <p:extLst>
       <p:ext uri="{BB962C8B-B14F-4D97-AF65-F5344CB8AC3E}">
-        <p14:creationId xmlns:p14="http://schemas.microsoft.com/office/powerpoint/2010/main" val="442329948"/>
+        <p14:creationId xmlns:p14="http://schemas.microsoft.com/office/powerpoint/2010/main" xmlns="" val="442329948"/>
       </p:ext>
     </p:extLst>
   </p:cSld>
   <p:clrMapOvr>
     <a:masterClrMapping/>
   </p:clrMapOvr>
-  <mc:AlternateContent xmlns:mc="http://schemas.openxmlformats.org/markup-compatibility/2006" xmlns:p14="http://schemas.microsoft.com/office/powerpoint/2010/main">
-    <mc:Choice Requires="p14">
+  <mc:AlternateContent xmlns:mc="http://schemas.openxmlformats.org/markup-compatibility/2006">
+    <mc:Choice xmlns:p14="http://schemas.microsoft.com/office/powerpoint/2010/main" xmlns="" Requires="p14">
       <p:transition spd="slow" p14:dur="2000" advClick="0" advTm="5000"/>
     </mc:Choice>
-    <mc:Fallback xmlns="">
+    <mc:Fallback>
       <p:transition spd="slow" advClick="0" advTm="5000"/>
     </mc:Fallback>
   </mc:AlternateContent>
@@ -24151,7 +24151,7 @@
           <p:cNvPr id="3082" name="Picture 10" descr="Ð ÐµÐ·ÑÐ»ÑÐ°Ñ Ñ Ð¸Ð·Ð¾Ð±ÑÐ°Ð¶ÐµÐ½Ð¸Ðµ Ð·Ð° sql server png">
             <a:extLst>
               <a:ext uri="{FF2B5EF4-FFF2-40B4-BE49-F238E27FC236}">
-                <a16:creationId xmlns:a16="http://schemas.microsoft.com/office/drawing/2014/main" id="{D87D64C2-9B46-41DD-97B7-0B78DBF62D17}"/>
+                <a16:creationId xmlns:a16="http://schemas.microsoft.com/office/drawing/2014/main" xmlns="" id="{D87D64C2-9B46-41DD-97B7-0B78DBF62D17}"/>
               </a:ext>
             </a:extLst>
           </p:cNvPr>
@@ -24164,7 +24164,7 @@
           <a:blip r:embed="rId2" cstate="print">
             <a:extLst>
               <a:ext uri="{28A0092B-C50C-407E-A947-70E740481C1C}">
-                <a14:useLocalDpi xmlns:a14="http://schemas.microsoft.com/office/drawing/2010/main" val="0"/>
+                <a14:useLocalDpi xmlns:a14="http://schemas.microsoft.com/office/drawing/2010/main" xmlns="" val="0"/>
               </a:ext>
             </a:extLst>
           </a:blip>
@@ -24184,7 +24184,7 @@
           <a:noFill/>
           <a:extLst>
             <a:ext uri="{909E8E84-426E-40DD-AFC4-6F175D3DCCD1}">
-              <a14:hiddenFill xmlns:a14="http://schemas.microsoft.com/office/drawing/2010/main">
+              <a14:hiddenFill xmlns:a14="http://schemas.microsoft.com/office/drawing/2010/main" xmlns="">
                 <a:solidFill>
                   <a:srgbClr val="FFFFFF"/>
                 </a:solidFill>
@@ -24198,7 +24198,7 @@
           <p:cNvPr id="4" name="Title 3">
             <a:extLst>
               <a:ext uri="{FF2B5EF4-FFF2-40B4-BE49-F238E27FC236}">
-                <a16:creationId xmlns:a16="http://schemas.microsoft.com/office/drawing/2014/main" id="{7206A570-FE9E-46B1-8B07-FBF29BD9B1DC}"/>
+                <a16:creationId xmlns:a16="http://schemas.microsoft.com/office/drawing/2014/main" xmlns="" id="{7206A570-FE9E-46B1-8B07-FBF29BD9B1DC}"/>
               </a:ext>
             </a:extLst>
           </p:cNvPr>
@@ -24228,18 +24228,18 @@
     </p:spTree>
     <p:extLst>
       <p:ext uri="{BB962C8B-B14F-4D97-AF65-F5344CB8AC3E}">
-        <p14:creationId xmlns:p14="http://schemas.microsoft.com/office/powerpoint/2010/main" val="1937451100"/>
+        <p14:creationId xmlns:p14="http://schemas.microsoft.com/office/powerpoint/2010/main" xmlns="" val="1937451100"/>
       </p:ext>
     </p:extLst>
   </p:cSld>
   <p:clrMapOvr>
     <a:masterClrMapping/>
   </p:clrMapOvr>
-  <mc:AlternateContent xmlns:mc="http://schemas.openxmlformats.org/markup-compatibility/2006" xmlns:p14="http://schemas.microsoft.com/office/powerpoint/2010/main">
-    <mc:Choice Requires="p14">
+  <mc:AlternateContent xmlns:mc="http://schemas.openxmlformats.org/markup-compatibility/2006">
+    <mc:Choice xmlns:p14="http://schemas.microsoft.com/office/powerpoint/2010/main" xmlns="" Requires="p14">
       <p:transition spd="slow" p14:dur="2000" advClick="0" advTm="5000"/>
     </mc:Choice>
-    <mc:Fallback xmlns="">
+    <mc:Fallback>
       <p:transition spd="slow" advClick="0" advTm="5000"/>
     </mc:Fallback>
   </mc:AlternateContent>
@@ -24268,7 +24268,7 @@
           <p:cNvPr id="5" name="Slide Number">
             <a:extLst>
               <a:ext uri="{FF2B5EF4-FFF2-40B4-BE49-F238E27FC236}">
-                <a16:creationId xmlns:a16="http://schemas.microsoft.com/office/drawing/2014/main" id="{6A760D59-0056-4F39-B077-DBDBE3D2927E}"/>
+                <a16:creationId xmlns:a16="http://schemas.microsoft.com/office/drawing/2014/main" xmlns="" id="{6A760D59-0056-4F39-B077-DBDBE3D2927E}"/>
               </a:ext>
             </a:extLst>
           </p:cNvPr>
@@ -24489,18 +24489,18 @@
     </p:spTree>
     <p:extLst>
       <p:ext uri="{BB962C8B-B14F-4D97-AF65-F5344CB8AC3E}">
-        <p14:creationId xmlns:p14="http://schemas.microsoft.com/office/powerpoint/2010/main" val="1646986932"/>
+        <p14:creationId xmlns:p14="http://schemas.microsoft.com/office/powerpoint/2010/main" xmlns="" val="1646986932"/>
       </p:ext>
     </p:extLst>
   </p:cSld>
   <p:clrMapOvr>
     <a:masterClrMapping/>
   </p:clrMapOvr>
-  <mc:AlternateContent xmlns:mc="http://schemas.openxmlformats.org/markup-compatibility/2006" xmlns:p14="http://schemas.microsoft.com/office/powerpoint/2010/main">
-    <mc:Choice Requires="p14">
+  <mc:AlternateContent xmlns:mc="http://schemas.openxmlformats.org/markup-compatibility/2006">
+    <mc:Choice xmlns:p14="http://schemas.microsoft.com/office/powerpoint/2010/main" xmlns="" Requires="p14">
       <p:transition spd="slow" p14:dur="2000" advClick="0" advTm="5000"/>
     </mc:Choice>
-    <mc:Fallback xmlns="">
+    <mc:Fallback>
       <p:transition spd="slow" advClick="0" advTm="5000"/>
     </mc:Fallback>
   </mc:AlternateContent>
@@ -25325,7 +25325,7 @@
           <p:cNvPr id="7" name="Slide Number">
             <a:extLst>
               <a:ext uri="{FF2B5EF4-FFF2-40B4-BE49-F238E27FC236}">
-                <a16:creationId xmlns:a16="http://schemas.microsoft.com/office/drawing/2014/main" id="{86361731-2FFC-4DBF-A3FB-C41A0C5973ED}"/>
+                <a16:creationId xmlns:a16="http://schemas.microsoft.com/office/drawing/2014/main" xmlns="" id="{86361731-2FFC-4DBF-A3FB-C41A0C5973ED}"/>
               </a:ext>
             </a:extLst>
           </p:cNvPr>
@@ -25365,18 +25365,18 @@
     </p:spTree>
     <p:extLst>
       <p:ext uri="{BB962C8B-B14F-4D97-AF65-F5344CB8AC3E}">
-        <p14:creationId xmlns:p14="http://schemas.microsoft.com/office/powerpoint/2010/main" val="2109304196"/>
+        <p14:creationId xmlns:p14="http://schemas.microsoft.com/office/powerpoint/2010/main" xmlns="" val="2109304196"/>
       </p:ext>
     </p:extLst>
   </p:cSld>
   <p:clrMapOvr>
     <a:masterClrMapping/>
   </p:clrMapOvr>
-  <mc:AlternateContent xmlns:mc="http://schemas.openxmlformats.org/markup-compatibility/2006" xmlns:p14="http://schemas.microsoft.com/office/powerpoint/2010/main">
-    <mc:Choice Requires="p14">
+  <mc:AlternateContent xmlns:mc="http://schemas.openxmlformats.org/markup-compatibility/2006">
+    <mc:Choice xmlns:p14="http://schemas.microsoft.com/office/powerpoint/2010/main" xmlns="" Requires="p14">
       <p:transition spd="slow" p14:dur="2000" advClick="0" advTm="5000"/>
     </mc:Choice>
-    <mc:Fallback xmlns="">
+    <mc:Fallback>
       <p:transition spd="slow" advClick="0" advTm="5000"/>
     </mc:Fallback>
   </mc:AlternateContent>
@@ -26155,7 +26155,7 @@
           <p:cNvPr id="7" name="Slide Number">
             <a:extLst>
               <a:ext uri="{FF2B5EF4-FFF2-40B4-BE49-F238E27FC236}">
-                <a16:creationId xmlns:a16="http://schemas.microsoft.com/office/drawing/2014/main" id="{6FA6F8DB-6E90-4EAB-A65D-AEA9E11DB260}"/>
+                <a16:creationId xmlns:a16="http://schemas.microsoft.com/office/drawing/2014/main" xmlns="" id="{6FA6F8DB-6E90-4EAB-A65D-AEA9E11DB260}"/>
               </a:ext>
             </a:extLst>
           </p:cNvPr>
@@ -26195,18 +26195,18 @@
     </p:spTree>
     <p:extLst>
       <p:ext uri="{BB962C8B-B14F-4D97-AF65-F5344CB8AC3E}">
-        <p14:creationId xmlns:p14="http://schemas.microsoft.com/office/powerpoint/2010/main" val="1024703741"/>
+        <p14:creationId xmlns:p14="http://schemas.microsoft.com/office/powerpoint/2010/main" xmlns="" val="1024703741"/>
       </p:ext>
     </p:extLst>
   </p:cSld>
   <p:clrMapOvr>
     <a:masterClrMapping/>
   </p:clrMapOvr>
-  <mc:AlternateContent xmlns:mc="http://schemas.openxmlformats.org/markup-compatibility/2006" xmlns:p14="http://schemas.microsoft.com/office/powerpoint/2010/main">
-    <mc:Choice Requires="p14">
+  <mc:AlternateContent xmlns:mc="http://schemas.openxmlformats.org/markup-compatibility/2006">
+    <mc:Choice xmlns:p14="http://schemas.microsoft.com/office/powerpoint/2010/main" xmlns="" Requires="p14">
       <p:transition spd="slow" p14:dur="2000" advClick="0" advTm="5000"/>
     </mc:Choice>
-    <mc:Fallback xmlns="">
+    <mc:Fallback>
       <p:transition spd="slow" advClick="0" advTm="5000"/>
     </mc:Fallback>
   </mc:AlternateContent>
@@ -26240,7 +26240,12 @@
             <p:ph type="body" sz="quarter" idx="10"/>
           </p:nvPr>
         </p:nvSpPr>
-        <p:spPr/>
+        <p:spPr>
+          <a:xfrm>
+            <a:off x="190402" y="1196125"/>
+            <a:ext cx="11818096" cy="5585676"/>
+          </a:xfrm>
+        </p:spPr>
         <p:txBody>
           <a:bodyPr>
             <a:normAutofit fontScale="85000" lnSpcReduction="10000"/>
@@ -26260,7 +26265,7 @@
               </a:buClr>
             </a:pPr>
             <a:r>
-              <a:rPr lang="en-US" sz="3200" b="1" noProof="1">
+              <a:rPr lang="en-US" sz="3300" b="1" noProof="1">
                 <a:solidFill>
                   <a:schemeClr val="bg1"/>
                 </a:solidFill>
@@ -26270,7 +26275,7 @@
               <a:t>BINARY</a:t>
             </a:r>
             <a:r>
-              <a:rPr lang="en-US" sz="3200" b="1" noProof="1">
+              <a:rPr lang="en-US" sz="3300" b="1" noProof="1">
                 <a:solidFill>
                   <a:schemeClr val="tx2">
                     <a:lumMod val="75000"/>
@@ -26282,7 +26287,7 @@
               <a:t>(</a:t>
             </a:r>
             <a:r>
-              <a:rPr lang="en-US" sz="3200" b="1" noProof="1">
+              <a:rPr lang="en-US" sz="3300" b="1" noProof="1">
                 <a:solidFill>
                   <a:schemeClr val="bg1"/>
                 </a:solidFill>
@@ -26292,7 +26297,7 @@
               <a:t>size</a:t>
             </a:r>
             <a:r>
-              <a:rPr lang="en-US" sz="3200" b="1" noProof="1">
+              <a:rPr lang="en-US" sz="3300" b="1" noProof="1">
                 <a:solidFill>
                   <a:schemeClr val="tx2">
                     <a:lumMod val="75000"/>
@@ -26304,14 +26309,14 @@
               <a:t>)</a:t>
             </a:r>
             <a:r>
-              <a:rPr lang="bg-BG" sz="3200" dirty="0"/>
+              <a:rPr lang="bg-BG" sz="3300" dirty="0"/>
               <a:t> – </a:t>
             </a:r>
             <a:r>
-              <a:rPr lang="ru-RU" sz="3200" dirty="0"/>
+              <a:rPr lang="ru-RU" sz="3300" dirty="0"/>
               <a:t>поредица от битове с фиксирана дължина</a:t>
             </a:r>
-            <a:endParaRPr lang="bg-BG" sz="3200" dirty="0"/>
+            <a:endParaRPr lang="bg-BG" sz="3300" dirty="0"/>
           </a:p>
           <a:p>
             <a:pPr lvl="1">
@@ -26320,7 +26325,7 @@
               </a:buClr>
             </a:pPr>
             <a:r>
-              <a:rPr lang="en-US" sz="3200" b="1" noProof="1">
+              <a:rPr lang="en-US" sz="3300" b="1" noProof="1">
                 <a:solidFill>
                   <a:schemeClr val="bg1"/>
                 </a:solidFill>
@@ -26330,7 +26335,7 @@
               <a:t>VARBINARY</a:t>
             </a:r>
             <a:r>
-              <a:rPr lang="en-US" sz="3200" b="1" noProof="1">
+              <a:rPr lang="en-US" sz="3300" b="1" noProof="1">
                 <a:solidFill>
                   <a:schemeClr val="tx2">
                     <a:lumMod val="75000"/>
@@ -26342,7 +26347,7 @@
               <a:t>(</a:t>
             </a:r>
             <a:r>
-              <a:rPr lang="en-US" sz="3200" b="1" noProof="1">
+              <a:rPr lang="en-US" sz="3300" b="1" noProof="1">
                 <a:solidFill>
                   <a:schemeClr val="bg1"/>
                 </a:solidFill>
@@ -26352,7 +26357,7 @@
               <a:t>size</a:t>
             </a:r>
             <a:r>
-              <a:rPr lang="en-US" sz="3200" b="1" noProof="1">
+              <a:rPr lang="en-US" sz="3300" b="1" noProof="1">
                 <a:solidFill>
                   <a:schemeClr val="tx2">
                     <a:lumMod val="75000"/>
@@ -26364,15 +26369,15 @@
               <a:t>)</a:t>
             </a:r>
             <a:r>
-              <a:rPr lang="bg-BG" sz="3200" dirty="0"/>
+              <a:rPr lang="bg-BG" sz="3300" dirty="0"/>
               <a:t> – </a:t>
             </a:r>
             <a:r>
-              <a:rPr lang="ru-RU" sz="3200" dirty="0"/>
+              <a:rPr lang="ru-RU" sz="3300" dirty="0"/>
               <a:t>поредица от битове, 1-8000 байта или </a:t>
             </a:r>
             <a:r>
-              <a:rPr lang="en-US" sz="3200" b="1" dirty="0">
+              <a:rPr lang="en-US" sz="3300" b="1" dirty="0">
                 <a:solidFill>
                   <a:schemeClr val="bg1"/>
                 </a:solidFill>
@@ -26381,7 +26386,7 @@
               <a:t>MAX</a:t>
             </a:r>
             <a:r>
-              <a:rPr lang="en-US" sz="3200" dirty="0"/>
+              <a:rPr lang="en-US" sz="3300" dirty="0"/>
               <a:t> (2GB)</a:t>
             </a:r>
           </a:p>
@@ -26404,7 +26409,7 @@
               </a:buClr>
             </a:pPr>
             <a:r>
-              <a:rPr lang="en-US" sz="3200" b="1" dirty="0">
+              <a:rPr lang="en-US" sz="3300" b="1" dirty="0">
                 <a:solidFill>
                   <a:schemeClr val="bg1"/>
                 </a:solidFill>
@@ -26413,14 +26418,14 @@
               <a:t>DATE</a:t>
             </a:r>
             <a:r>
-              <a:rPr lang="en-US" sz="3200" dirty="0"/>
+              <a:rPr lang="en-US" sz="3300" dirty="0"/>
               <a:t> – </a:t>
             </a:r>
             <a:r>
-              <a:rPr lang="ru-RU" sz="3200" dirty="0"/>
+              <a:rPr lang="ru-RU" sz="3300" dirty="0"/>
               <a:t>дата в диапазона от 0001-01-01 до 9999-12-31</a:t>
             </a:r>
-            <a:endParaRPr lang="en-US" sz="3200" dirty="0"/>
+            <a:endParaRPr lang="en-US" sz="3300" dirty="0"/>
           </a:p>
           <a:p>
             <a:pPr lvl="1">
@@ -26429,7 +26434,7 @@
               </a:buClr>
             </a:pPr>
             <a:r>
-              <a:rPr lang="en-US" sz="3200" b="1" noProof="1">
+              <a:rPr lang="en-US" sz="3300" b="1" noProof="1">
                 <a:solidFill>
                   <a:schemeClr val="bg1"/>
                 </a:solidFill>
@@ -26439,7 +26444,7 @@
               <a:t>DATETIME</a:t>
             </a:r>
             <a:r>
-              <a:rPr lang="bg-BG" sz="3200" noProof="1">
+              <a:rPr lang="bg-BG" sz="3300" noProof="1">
                 <a:solidFill>
                   <a:schemeClr val="tx2">
                     <a:lumMod val="75000"/>
@@ -26450,14 +26455,14 @@
               <a:t> </a:t>
             </a:r>
             <a:r>
-              <a:rPr lang="bg-BG" sz="3200" dirty="0"/>
+              <a:rPr lang="bg-BG" sz="3300" dirty="0"/>
               <a:t>– </a:t>
             </a:r>
             <a:r>
-              <a:rPr lang="ru-RU" sz="3200" dirty="0"/>
+              <a:rPr lang="ru-RU" sz="3300" dirty="0"/>
               <a:t>дата и час с точност 1/300 сек</a:t>
             </a:r>
-            <a:endParaRPr lang="bg-BG" sz="3200" dirty="0"/>
+            <a:endParaRPr lang="bg-BG" sz="3300" dirty="0"/>
           </a:p>
           <a:p>
             <a:pPr lvl="1">
@@ -26466,7 +26471,7 @@
               </a:buClr>
             </a:pPr>
             <a:r>
-              <a:rPr lang="en-US" sz="3200" b="1" dirty="0">
+              <a:rPr lang="en-US" sz="3300" b="1" dirty="0">
                 <a:solidFill>
                   <a:schemeClr val="bg1"/>
                 </a:solidFill>
@@ -26476,22 +26481,22 @@
               <a:t>DATETIME2</a:t>
             </a:r>
             <a:r>
-              <a:rPr lang="en-US" sz="3200" dirty="0"/>
+              <a:rPr lang="en-US" sz="3300" dirty="0"/>
               <a:t> </a:t>
             </a:r>
             <a:r>
-              <a:rPr lang="bg-BG" sz="3200" dirty="0"/>
+              <a:rPr lang="bg-BG" sz="3300" dirty="0"/>
               <a:t>– </a:t>
             </a:r>
             <a:r>
-              <a:rPr lang="en-US" sz="3200" dirty="0"/>
+              <a:rPr lang="en-US" sz="3300" dirty="0"/>
               <a:t> </a:t>
             </a:r>
             <a:r>
-              <a:rPr lang="ru-RU" sz="3200" dirty="0"/>
+              <a:rPr lang="ru-RU" sz="3300" dirty="0"/>
               <a:t> тип, който има по-голям период от време</a:t>
             </a:r>
-            <a:endParaRPr lang="en-US" sz="3200" b="1" dirty="0">
+            <a:endParaRPr lang="en-US" sz="3300" b="1" dirty="0">
               <a:latin typeface="Consolas" pitchFamily="49" charset="0"/>
               <a:cs typeface="Consolas" pitchFamily="49" charset="0"/>
             </a:endParaRPr>
@@ -26503,7 +26508,7 @@
               </a:buClr>
             </a:pPr>
             <a:r>
-              <a:rPr lang="en-US" sz="3200" b="1" noProof="1">
+              <a:rPr lang="en-US" sz="3300" b="1" noProof="1">
                 <a:solidFill>
                   <a:schemeClr val="bg1"/>
                 </a:solidFill>
@@ -26513,14 +26518,14 @@
               <a:t>SMALLDATETIME</a:t>
             </a:r>
             <a:r>
-              <a:rPr lang="en-US" sz="3200" dirty="0"/>
+              <a:rPr lang="en-US" sz="3300" dirty="0"/>
               <a:t> – </a:t>
             </a:r>
             <a:r>
-              <a:rPr lang="ru-RU" sz="3200" dirty="0"/>
+              <a:rPr lang="ru-RU" sz="3300" dirty="0"/>
               <a:t>дата и час (с точност до 1 минута)</a:t>
             </a:r>
-            <a:endParaRPr lang="en-US" sz="3200" dirty="0"/>
+            <a:endParaRPr lang="en-US" sz="3300" dirty="0"/>
           </a:p>
           <a:p>
             <a:pPr lvl="1">
@@ -26529,7 +26534,7 @@
               </a:buClr>
             </a:pPr>
             <a:r>
-              <a:rPr lang="en-US" sz="3200" b="1" dirty="0">
+              <a:rPr lang="en-US" sz="3300" b="1" dirty="0">
                 <a:solidFill>
                   <a:schemeClr val="bg1"/>
                 </a:solidFill>
@@ -26539,22 +26544,22 @@
               <a:t>TIME</a:t>
             </a:r>
             <a:r>
-              <a:rPr lang="en-US" sz="3200" dirty="0"/>
+              <a:rPr lang="en-US" sz="3300" dirty="0"/>
               <a:t> </a:t>
             </a:r>
             <a:r>
-              <a:rPr lang="bg-BG" sz="3200" dirty="0"/>
+              <a:rPr lang="bg-BG" sz="3300" dirty="0"/>
               <a:t>–</a:t>
             </a:r>
             <a:r>
-              <a:rPr lang="en-US" sz="3200" dirty="0"/>
+              <a:rPr lang="en-US" sz="3300" dirty="0"/>
               <a:t> </a:t>
             </a:r>
             <a:r>
-              <a:rPr lang="ru-RU" sz="3200" dirty="0"/>
+              <a:rPr lang="ru-RU" sz="3300" dirty="0"/>
               <a:t>определя час от деня (без часова зона)</a:t>
             </a:r>
-            <a:endParaRPr lang="en-US" sz="3200" dirty="0"/>
+            <a:endParaRPr lang="en-US" sz="3300" dirty="0"/>
           </a:p>
           <a:p>
             <a:pPr lvl="1">
@@ -26563,7 +26568,7 @@
               </a:buClr>
             </a:pPr>
             <a:r>
-              <a:rPr lang="en-US" sz="3200" b="1" dirty="0">
+              <a:rPr lang="en-US" sz="3300" b="1" dirty="0">
                 <a:solidFill>
                   <a:schemeClr val="bg1"/>
                 </a:solidFill>
@@ -26573,18 +26578,18 @@
               <a:t>DATETIMEOFFSET</a:t>
             </a:r>
             <a:r>
-              <a:rPr lang="bg-BG" sz="3200" dirty="0"/>
+              <a:rPr lang="bg-BG" sz="3300" dirty="0"/>
               <a:t> –</a:t>
             </a:r>
             <a:r>
-              <a:rPr lang="en-US" sz="3200" dirty="0"/>
+              <a:rPr lang="en-US" sz="3300" dirty="0"/>
               <a:t> </a:t>
             </a:r>
             <a:r>
-              <a:rPr lang="ru-RU" dirty="0"/>
+              <a:rPr lang="ru-RU" sz="3300" dirty="0"/>
               <a:t>дата и час, които имат часова зона</a:t>
             </a:r>
-            <a:endParaRPr lang="bg-BG" dirty="0"/>
+            <a:endParaRPr lang="bg-BG" sz="3300" dirty="0"/>
           </a:p>
         </p:txBody>
       </p:sp>
@@ -26620,7 +26625,7 @@
           <p:cNvPr id="7" name="Slide Number">
             <a:extLst>
               <a:ext uri="{FF2B5EF4-FFF2-40B4-BE49-F238E27FC236}">
-                <a16:creationId xmlns:a16="http://schemas.microsoft.com/office/drawing/2014/main" id="{FC4C3572-2DC4-4AD2-95A8-7FA17B333606}"/>
+                <a16:creationId xmlns:a16="http://schemas.microsoft.com/office/drawing/2014/main" xmlns="" id="{FC4C3572-2DC4-4AD2-95A8-7FA17B333606}"/>
               </a:ext>
             </a:extLst>
           </p:cNvPr>
@@ -26660,18 +26665,18 @@
     </p:spTree>
     <p:extLst>
       <p:ext uri="{BB962C8B-B14F-4D97-AF65-F5344CB8AC3E}">
-        <p14:creationId xmlns:p14="http://schemas.microsoft.com/office/powerpoint/2010/main" val="2780741688"/>
+        <p14:creationId xmlns:p14="http://schemas.microsoft.com/office/powerpoint/2010/main" xmlns="" val="2780741688"/>
       </p:ext>
     </p:extLst>
   </p:cSld>
   <p:clrMapOvr>
     <a:masterClrMapping/>
   </p:clrMapOvr>
-  <mc:AlternateContent xmlns:mc="http://schemas.openxmlformats.org/markup-compatibility/2006" xmlns:p14="http://schemas.microsoft.com/office/powerpoint/2010/main">
-    <mc:Choice Requires="p14">
+  <mc:AlternateContent xmlns:mc="http://schemas.openxmlformats.org/markup-compatibility/2006">
+    <mc:Choice xmlns:p14="http://schemas.microsoft.com/office/powerpoint/2010/main" xmlns="" Requires="p14">
       <p:transition spd="slow" p14:dur="2000" advClick="0" advTm="5000"/>
     </mc:Choice>
-    <mc:Fallback xmlns="">
+    <mc:Fallback>
       <p:transition spd="slow" advClick="0" advTm="5000"/>
     </mc:Fallback>
   </mc:AlternateContent>
@@ -27104,7 +27109,7 @@
           <p:cNvPr id="4" name="Title 3">
             <a:extLst>
               <a:ext uri="{FF2B5EF4-FFF2-40B4-BE49-F238E27FC236}">
-                <a16:creationId xmlns:a16="http://schemas.microsoft.com/office/drawing/2014/main" id="{E47AB66D-8387-47EA-B4A8-CBEBFD064A38}"/>
+                <a16:creationId xmlns:a16="http://schemas.microsoft.com/office/drawing/2014/main" xmlns="" id="{E47AB66D-8387-47EA-B4A8-CBEBFD064A38}"/>
               </a:ext>
             </a:extLst>
           </p:cNvPr>
@@ -27151,7 +27156,7 @@
           <p:cNvPr id="1026" name="Picture 2" descr="SQL Date and time data types compare - datetime,datetime2,date,TIME">
             <a:extLst>
               <a:ext uri="{FF2B5EF4-FFF2-40B4-BE49-F238E27FC236}">
-                <a16:creationId xmlns:a16="http://schemas.microsoft.com/office/drawing/2014/main" id="{637EEC48-3134-4A59-88F1-C61BF97AE008}"/>
+                <a16:creationId xmlns:a16="http://schemas.microsoft.com/office/drawing/2014/main" xmlns="" id="{637EEC48-3134-4A59-88F1-C61BF97AE008}"/>
               </a:ext>
             </a:extLst>
           </p:cNvPr>
@@ -27164,7 +27169,7 @@
           <a:blip r:embed="rId2" cstate="print">
             <a:extLst>
               <a:ext uri="{28A0092B-C50C-407E-A947-70E740481C1C}">
-                <a14:useLocalDpi xmlns:a14="http://schemas.microsoft.com/office/drawing/2010/main" val="0"/>
+                <a14:useLocalDpi xmlns:a14="http://schemas.microsoft.com/office/drawing/2010/main" xmlns="" val="0"/>
               </a:ext>
             </a:extLst>
           </a:blip>
@@ -27191,7 +27196,7 @@
           </a:effectLst>
           <a:extLst>
             <a:ext uri="{909E8E84-426E-40DD-AFC4-6F175D3DCCD1}">
-              <a14:hiddenFill xmlns:a14="http://schemas.microsoft.com/office/drawing/2010/main">
+              <a14:hiddenFill xmlns:a14="http://schemas.microsoft.com/office/drawing/2010/main" xmlns="">
                 <a:solidFill>
                   <a:srgbClr val="FFFFFF"/>
                 </a:solidFill>
@@ -27205,7 +27210,7 @@
           <p:cNvPr id="5" name="Slide Number">
             <a:extLst>
               <a:ext uri="{FF2B5EF4-FFF2-40B4-BE49-F238E27FC236}">
-                <a16:creationId xmlns:a16="http://schemas.microsoft.com/office/drawing/2014/main" id="{E77B1823-714D-4A90-9F63-8D71057F15B5}"/>
+                <a16:creationId xmlns:a16="http://schemas.microsoft.com/office/drawing/2014/main" xmlns="" id="{E77B1823-714D-4A90-9F63-8D71057F15B5}"/>
               </a:ext>
             </a:extLst>
           </p:cNvPr>
@@ -27245,21 +27250,28 @@
     </p:spTree>
     <p:extLst>
       <p:ext uri="{BB962C8B-B14F-4D97-AF65-F5344CB8AC3E}">
-        <p14:creationId xmlns:p14="http://schemas.microsoft.com/office/powerpoint/2010/main" val="81810538"/>
+        <p14:creationId xmlns:p14="http://schemas.microsoft.com/office/powerpoint/2010/main" xmlns="" val="81810538"/>
       </p:ext>
     </p:extLst>
   </p:cSld>
   <p:clrMapOvr>
     <a:masterClrMapping/>
   </p:clrMapOvr>
-  <mc:AlternateContent xmlns:mc="http://schemas.openxmlformats.org/markup-compatibility/2006" xmlns:p14="http://schemas.microsoft.com/office/powerpoint/2010/main">
-    <mc:Choice Requires="p14">
+  <mc:AlternateContent xmlns:mc="http://schemas.openxmlformats.org/markup-compatibility/2006">
+    <mc:Choice xmlns:p14="http://schemas.microsoft.com/office/powerpoint/2010/main" xmlns="" Requires="p14">
       <p:transition spd="slow" p14:dur="2000" advClick="0" advTm="5000"/>
     </mc:Choice>
-    <mc:Fallback xmlns="">
+    <mc:Fallback>
       <p:transition spd="slow" advClick="0" advTm="5000"/>
     </mc:Fallback>
   </mc:AlternateContent>
+  <p:timing>
+    <p:tnLst>
+      <p:par>
+        <p:cTn id="1" dur="indefinite" restart="never" nodeType="tmRoot"/>
+      </p:par>
+    </p:tnLst>
+  </p:timing>
 </p:sld>
 </file>
 
@@ -27431,11 +27443,11 @@
   <p:clrMapOvr>
     <a:masterClrMapping/>
   </p:clrMapOvr>
-  <mc:AlternateContent xmlns:mc="http://schemas.openxmlformats.org/markup-compatibility/2006" xmlns:p14="http://schemas.microsoft.com/office/powerpoint/2010/main">
-    <mc:Choice Requires="p14">
+  <mc:AlternateContent xmlns:mc="http://schemas.openxmlformats.org/markup-compatibility/2006">
+    <mc:Choice xmlns:p14="http://schemas.microsoft.com/office/powerpoint/2010/main" xmlns="" Requires="p14">
       <p:transition spd="slow" p14:dur="2000" advClick="0" advTm="5000"/>
     </mc:Choice>
-    <mc:Fallback xmlns="">
+    <mc:Fallback>
       <p:transition spd="slow" advClick="0" advTm="5000"/>
     </mc:Fallback>
   </mc:AlternateContent>
@@ -27543,7 +27555,7 @@
           <p:cNvPr id="9" name="Summary Box Group">
             <a:extLst>
               <a:ext uri="{FF2B5EF4-FFF2-40B4-BE49-F238E27FC236}">
-                <a16:creationId xmlns:a16="http://schemas.microsoft.com/office/drawing/2014/main" id="{EBAFE522-EB7D-4931-A015-9A7E8A98517D}"/>
+                <a16:creationId xmlns:a16="http://schemas.microsoft.com/office/drawing/2014/main" xmlns="" id="{EBAFE522-EB7D-4931-A015-9A7E8A98517D}"/>
               </a:ext>
             </a:extLst>
           </p:cNvPr>
@@ -27563,7 +27575,7 @@
             <p:cNvPr id="10" name="Rounded Rectangle Blue">
               <a:extLst>
                 <a:ext uri="{FF2B5EF4-FFF2-40B4-BE49-F238E27FC236}">
-                  <a16:creationId xmlns:a16="http://schemas.microsoft.com/office/drawing/2014/main" id="{18F78F23-3D09-4B63-8DF9-D49CFBB145EE}"/>
+                  <a16:creationId xmlns:a16="http://schemas.microsoft.com/office/drawing/2014/main" xmlns="" id="{18F78F23-3D09-4B63-8DF9-D49CFBB145EE}"/>
                 </a:ext>
               </a:extLst>
             </p:cNvPr>
@@ -27617,7 +27629,7 @@
             <p:cNvPr id="11" name="Rounded Rectangle Left">
               <a:extLst>
                 <a:ext uri="{FF2B5EF4-FFF2-40B4-BE49-F238E27FC236}">
-                  <a16:creationId xmlns:a16="http://schemas.microsoft.com/office/drawing/2014/main" id="{F12C06CE-2BBE-46C2-B718-813794C58DF9}"/>
+                  <a16:creationId xmlns:a16="http://schemas.microsoft.com/office/drawing/2014/main" xmlns="" id="{F12C06CE-2BBE-46C2-B718-813794C58DF9}"/>
                 </a:ext>
               </a:extLst>
             </p:cNvPr>
@@ -27677,7 +27689,7 @@
             <p:cNvPr id="12" name="Half Frame Top Right">
               <a:extLst>
                 <a:ext uri="{FF2B5EF4-FFF2-40B4-BE49-F238E27FC236}">
-                  <a16:creationId xmlns:a16="http://schemas.microsoft.com/office/drawing/2014/main" id="{66CDBB1E-AF3C-43FC-9F34-2DD691F81726}"/>
+                  <a16:creationId xmlns:a16="http://schemas.microsoft.com/office/drawing/2014/main" xmlns="" id="{66CDBB1E-AF3C-43FC-9F34-2DD691F81726}"/>
                 </a:ext>
               </a:extLst>
             </p:cNvPr>
@@ -27739,7 +27751,7 @@
           <p:cNvPr id="14" name="Text Placeholder Body">
             <a:extLst>
               <a:ext uri="{FF2B5EF4-FFF2-40B4-BE49-F238E27FC236}">
-                <a16:creationId xmlns:a16="http://schemas.microsoft.com/office/drawing/2014/main" id="{0E49D336-45B6-44D3-97C4-E28F8DEA2022}"/>
+                <a16:creationId xmlns:a16="http://schemas.microsoft.com/office/drawing/2014/main" xmlns="" id="{0E49D336-45B6-44D3-97C4-E28F8DEA2022}"/>
               </a:ext>
             </a:extLst>
           </p:cNvPr>
@@ -27952,7 +27964,7 @@
           <p:cNvPr id="17" name="Slide Number">
             <a:extLst>
               <a:ext uri="{FF2B5EF4-FFF2-40B4-BE49-F238E27FC236}">
-                <a16:creationId xmlns:a16="http://schemas.microsoft.com/office/drawing/2014/main" id="{9DE5559F-55C2-47F1-A321-B593B1EC63C1}"/>
+                <a16:creationId xmlns:a16="http://schemas.microsoft.com/office/drawing/2014/main" xmlns="" id="{9DE5559F-55C2-47F1-A321-B593B1EC63C1}"/>
               </a:ext>
             </a:extLst>
           </p:cNvPr>
@@ -27994,7 +28006,7 @@
           <p:cNvPr id="13" name="Picture SoftUni Mascot">
             <a:extLst>
               <a:ext uri="{FF2B5EF4-FFF2-40B4-BE49-F238E27FC236}">
-                <a16:creationId xmlns:a16="http://schemas.microsoft.com/office/drawing/2014/main" id="{CCC3A316-993C-4741-8826-E104F27650A3}"/>
+                <a16:creationId xmlns:a16="http://schemas.microsoft.com/office/drawing/2014/main" xmlns="" id="{CCC3A316-993C-4741-8826-E104F27650A3}"/>
               </a:ext>
             </a:extLst>
           </p:cNvPr>
@@ -28007,7 +28019,7 @@
           <a:blip r:embed="rId3" cstate="print">
             <a:extLst>
               <a:ext uri="{28A0092B-C50C-407E-A947-70E740481C1C}">
-                <a14:useLocalDpi xmlns:a14="http://schemas.microsoft.com/office/drawing/2010/main" val="0"/>
+                <a14:useLocalDpi xmlns:a14="http://schemas.microsoft.com/office/drawing/2010/main" xmlns="" val="0"/>
               </a:ext>
             </a:extLst>
           </a:blip>
@@ -28054,7 +28066,7 @@
           <p:cNvPr id="2" name="TextBox 1">
             <a:extLst>
               <a:ext uri="{FF2B5EF4-FFF2-40B4-BE49-F238E27FC236}">
-                <a16:creationId xmlns:a16="http://schemas.microsoft.com/office/drawing/2014/main" id="{A4561436-9EB1-5473-BBDF-7E7954EE8F7E}"/>
+                <a16:creationId xmlns:a16="http://schemas.microsoft.com/office/drawing/2014/main" xmlns="" id="{A4561436-9EB1-5473-BBDF-7E7954EE8F7E}"/>
               </a:ext>
             </a:extLst>
           </p:cNvPr>
@@ -28143,18 +28155,18 @@
     </p:spTree>
     <p:extLst>
       <p:ext uri="{BB962C8B-B14F-4D97-AF65-F5344CB8AC3E}">
-        <p14:creationId xmlns:p14="http://schemas.microsoft.com/office/powerpoint/2010/main" val="2087190546"/>
+        <p14:creationId xmlns:p14="http://schemas.microsoft.com/office/powerpoint/2010/main" xmlns="" val="2087190546"/>
       </p:ext>
     </p:extLst>
   </p:cSld>
   <p:clrMapOvr>
     <a:masterClrMapping/>
   </p:clrMapOvr>
-  <mc:AlternateContent xmlns:mc="http://schemas.openxmlformats.org/markup-compatibility/2006" xmlns:p14="http://schemas.microsoft.com/office/powerpoint/2010/main">
-    <mc:Choice Requires="p14">
+  <mc:AlternateContent xmlns:mc="http://schemas.openxmlformats.org/markup-compatibility/2006">
+    <mc:Choice xmlns:p14="http://schemas.microsoft.com/office/powerpoint/2010/main" xmlns="" Requires="p14">
       <p:transition spd="slow" p14:dur="2000" advClick="0" advTm="5000"/>
     </mc:Choice>
-    <mc:Fallback xmlns="">
+    <mc:Fallback>
       <p:transition spd="slow" advClick="0" advTm="5000"/>
     </mc:Fallback>
   </mc:AlternateContent>
@@ -28538,7 +28550,7 @@
           <p:cNvPr id="5" name="Group 4">
             <a:extLst>
               <a:ext uri="{FF2B5EF4-FFF2-40B4-BE49-F238E27FC236}">
-                <a16:creationId xmlns:a16="http://schemas.microsoft.com/office/drawing/2014/main" id="{1A67F800-7980-E3CA-7188-3C478C8E98B8}"/>
+                <a16:creationId xmlns:a16="http://schemas.microsoft.com/office/drawing/2014/main" xmlns="" id="{1A67F800-7980-E3CA-7188-3C478C8E98B8}"/>
               </a:ext>
             </a:extLst>
           </p:cNvPr>
@@ -28558,7 +28570,7 @@
             <p:cNvPr id="7" name="Picture 6" descr="A picture containing text, sign, vector graphics&#10;&#10;Description automatically generated">
               <a:extLst>
                 <a:ext uri="{FF2B5EF4-FFF2-40B4-BE49-F238E27FC236}">
-                  <a16:creationId xmlns:a16="http://schemas.microsoft.com/office/drawing/2014/main" id="{15CE28B1-02BA-4014-E149-BF1EE09447ED}"/>
+                  <a16:creationId xmlns:a16="http://schemas.microsoft.com/office/drawing/2014/main" xmlns="" id="{15CE28B1-02BA-4014-E149-BF1EE09447ED}"/>
                 </a:ext>
               </a:extLst>
             </p:cNvPr>
@@ -28588,7 +28600,7 @@
             <p:cNvPr id="9" name="Picture 8" descr="Logo&#10;&#10;Description automatically generated">
               <a:extLst>
                 <a:ext uri="{FF2B5EF4-FFF2-40B4-BE49-F238E27FC236}">
-                  <a16:creationId xmlns:a16="http://schemas.microsoft.com/office/drawing/2014/main" id="{5F82FF4F-4AD2-4B3B-1445-F3C6BA268522}"/>
+                  <a16:creationId xmlns:a16="http://schemas.microsoft.com/office/drawing/2014/main" xmlns="" id="{5F82FF4F-4AD2-4B3B-1445-F3C6BA268522}"/>
                 </a:ext>
               </a:extLst>
             </p:cNvPr>
@@ -28618,7 +28630,7 @@
             <p:cNvPr id="11" name="Picture 10" descr="Logo&#10;&#10;Description automatically generated">
               <a:extLst>
                 <a:ext uri="{FF2B5EF4-FFF2-40B4-BE49-F238E27FC236}">
-                  <a16:creationId xmlns:a16="http://schemas.microsoft.com/office/drawing/2014/main" id="{68CCA8DB-9EFC-F9BC-57AE-81E4F843E863}"/>
+                  <a16:creationId xmlns:a16="http://schemas.microsoft.com/office/drawing/2014/main" xmlns="" id="{68CCA8DB-9EFC-F9BC-57AE-81E4F843E863}"/>
                 </a:ext>
               </a:extLst>
             </p:cNvPr>
@@ -28648,7 +28660,7 @@
             <p:cNvPr id="13" name="Picture 12" descr="Logo&#10;&#10;Description automatically generated">
               <a:extLst>
                 <a:ext uri="{FF2B5EF4-FFF2-40B4-BE49-F238E27FC236}">
-                  <a16:creationId xmlns:a16="http://schemas.microsoft.com/office/drawing/2014/main" id="{3FDF9297-50FA-E866-B6CE-9D64B1E892BF}"/>
+                  <a16:creationId xmlns:a16="http://schemas.microsoft.com/office/drawing/2014/main" xmlns="" id="{3FDF9297-50FA-E866-B6CE-9D64B1E892BF}"/>
                 </a:ext>
               </a:extLst>
             </p:cNvPr>
@@ -28678,7 +28690,7 @@
             <p:cNvPr id="18" name="Graphic 17">
               <a:extLst>
                 <a:ext uri="{FF2B5EF4-FFF2-40B4-BE49-F238E27FC236}">
-                  <a16:creationId xmlns:a16="http://schemas.microsoft.com/office/drawing/2014/main" id="{2A1BC0C9-7A7B-9C5B-B457-3E86E59EF29E}"/>
+                  <a16:creationId xmlns:a16="http://schemas.microsoft.com/office/drawing/2014/main" xmlns="" id="{2A1BC0C9-7A7B-9C5B-B457-3E86E59EF29E}"/>
                 </a:ext>
               </a:extLst>
             </p:cNvPr>
@@ -28691,7 +28703,7 @@
             <a:blip r:embed="rId7" cstate="print">
               <a:extLst>
                 <a:ext uri="{96DAC541-7B7A-43D3-8B79-37D633B846F1}">
-                  <asvg:svgBlip xmlns:asvg="http://schemas.microsoft.com/office/drawing/2016/SVG/main" r:embed="rId8"/>
+                  <asvg:svgBlip xmlns:asvg="http://schemas.microsoft.com/office/drawing/2016/SVG/main" xmlns="" r:embed="rId8"/>
                 </a:ext>
               </a:extLst>
             </a:blip>
@@ -28714,7 +28726,7 @@
             <p:cNvPr id="20" name="Graphic 19">
               <a:extLst>
                 <a:ext uri="{FF2B5EF4-FFF2-40B4-BE49-F238E27FC236}">
-                  <a16:creationId xmlns:a16="http://schemas.microsoft.com/office/drawing/2014/main" id="{DBE174DA-A182-7E57-06D4-86AFA26D484D}"/>
+                  <a16:creationId xmlns:a16="http://schemas.microsoft.com/office/drawing/2014/main" xmlns="" id="{DBE174DA-A182-7E57-06D4-86AFA26D484D}"/>
                 </a:ext>
               </a:extLst>
             </p:cNvPr>
@@ -28727,7 +28739,7 @@
             <a:blip r:embed="rId9" cstate="print">
               <a:extLst>
                 <a:ext uri="{96DAC541-7B7A-43D3-8B79-37D633B846F1}">
-                  <asvg:svgBlip xmlns:asvg="http://schemas.microsoft.com/office/drawing/2016/SVG/main" r:embed="rId10"/>
+                  <asvg:svgBlip xmlns:asvg="http://schemas.microsoft.com/office/drawing/2016/SVG/main" xmlns="" r:embed="rId10"/>
                 </a:ext>
               </a:extLst>
             </a:blip>
@@ -28750,7 +28762,7 @@
             <p:cNvPr id="22" name="Picture 21" descr="Logo&#10;&#10;Description automatically generated">
               <a:extLst>
                 <a:ext uri="{FF2B5EF4-FFF2-40B4-BE49-F238E27FC236}">
-                  <a16:creationId xmlns:a16="http://schemas.microsoft.com/office/drawing/2014/main" id="{9B7FFC36-A4BC-7A53-AB82-82C398A47538}"/>
+                  <a16:creationId xmlns:a16="http://schemas.microsoft.com/office/drawing/2014/main" xmlns="" id="{9B7FFC36-A4BC-7A53-AB82-82C398A47538}"/>
                 </a:ext>
               </a:extLst>
             </p:cNvPr>
@@ -28780,7 +28792,7 @@
             <p:cNvPr id="36" name="Group 35">
               <a:extLst>
                 <a:ext uri="{FF2B5EF4-FFF2-40B4-BE49-F238E27FC236}">
-                  <a16:creationId xmlns:a16="http://schemas.microsoft.com/office/drawing/2014/main" id="{3FB2AEAC-BDEE-9D5F-67A3-17CEDA699052}"/>
+                  <a16:creationId xmlns:a16="http://schemas.microsoft.com/office/drawing/2014/main" xmlns="" id="{3FB2AEAC-BDEE-9D5F-67A3-17CEDA699052}"/>
                 </a:ext>
               </a:extLst>
             </p:cNvPr>
@@ -28800,7 +28812,7 @@
               <p:cNvPr id="31" name="Straight Connector 30">
                 <a:extLst>
                   <a:ext uri="{FF2B5EF4-FFF2-40B4-BE49-F238E27FC236}">
-                    <a16:creationId xmlns:a16="http://schemas.microsoft.com/office/drawing/2014/main" id="{AA38ABD5-1637-DC80-A922-DF10E4F75CDE}"/>
+                    <a16:creationId xmlns:a16="http://schemas.microsoft.com/office/drawing/2014/main" xmlns="" id="{AA38ABD5-1637-DC80-A922-DF10E4F75CDE}"/>
                   </a:ext>
                 </a:extLst>
               </p:cNvPr>
@@ -28843,7 +28855,7 @@
               <p:cNvPr id="33" name="Picture 32">
                 <a:extLst>
                   <a:ext uri="{FF2B5EF4-FFF2-40B4-BE49-F238E27FC236}">
-                    <a16:creationId xmlns:a16="http://schemas.microsoft.com/office/drawing/2014/main" id="{617B586A-0BC5-5E32-7E67-FD277547ED69}"/>
+                    <a16:creationId xmlns:a16="http://schemas.microsoft.com/office/drawing/2014/main" xmlns="" id="{617B586A-0BC5-5E32-7E67-FD277547ED69}"/>
                   </a:ext>
                 </a:extLst>
               </p:cNvPr>
@@ -28875,7 +28887,7 @@
           <p:cNvPr id="40" name="Picture 39" descr="Logo&#10;&#10;Description automatically generated">
             <a:extLst>
               <a:ext uri="{FF2B5EF4-FFF2-40B4-BE49-F238E27FC236}">
-                <a16:creationId xmlns:a16="http://schemas.microsoft.com/office/drawing/2014/main" id="{9C30DD70-D438-6D27-35D3-8BB874966D84}"/>
+                <a16:creationId xmlns:a16="http://schemas.microsoft.com/office/drawing/2014/main" xmlns="" id="{9C30DD70-D438-6D27-35D3-8BB874966D84}"/>
               </a:ext>
             </a:extLst>
           </p:cNvPr>
@@ -28905,7 +28917,7 @@
           <p:cNvPr id="2" name="Google Shape;441;p37">
             <a:extLst>
               <a:ext uri="{FF2B5EF4-FFF2-40B4-BE49-F238E27FC236}">
-                <a16:creationId xmlns:a16="http://schemas.microsoft.com/office/drawing/2014/main" id="{2AFB472C-93C2-241B-75FA-457782840F92}"/>
+                <a16:creationId xmlns:a16="http://schemas.microsoft.com/office/drawing/2014/main" xmlns="" id="{2AFB472C-93C2-241B-75FA-457782840F92}"/>
               </a:ext>
             </a:extLst>
           </p:cNvPr>
@@ -29210,7 +29222,7 @@
           <p:cNvPr id="14" name="Картина 13">
             <a:extLst>
               <a:ext uri="{FF2B5EF4-FFF2-40B4-BE49-F238E27FC236}">
-                <a16:creationId xmlns:a16="http://schemas.microsoft.com/office/drawing/2014/main" id="{54B365E9-8FD0-6D5B-2DFC-723EE5DDD555}"/>
+                <a16:creationId xmlns:a16="http://schemas.microsoft.com/office/drawing/2014/main" xmlns="" id="{54B365E9-8FD0-6D5B-2DFC-723EE5DDD555}"/>
               </a:ext>
             </a:extLst>
           </p:cNvPr>
@@ -29240,7 +29252,7 @@
           <p:cNvPr id="16" name="Картина 15">
             <a:extLst>
               <a:ext uri="{FF2B5EF4-FFF2-40B4-BE49-F238E27FC236}">
-                <a16:creationId xmlns:a16="http://schemas.microsoft.com/office/drawing/2014/main" id="{3BD6ABFC-02BF-2D42-B42B-6929222F37B6}"/>
+                <a16:creationId xmlns:a16="http://schemas.microsoft.com/office/drawing/2014/main" xmlns="" id="{3BD6ABFC-02BF-2D42-B42B-6929222F37B6}"/>
               </a:ext>
             </a:extLst>
           </p:cNvPr>
@@ -29268,7 +29280,7 @@
     </p:spTree>
     <p:extLst>
       <p:ext uri="{BB962C8B-B14F-4D97-AF65-F5344CB8AC3E}">
-        <p14:creationId xmlns:p14="http://schemas.microsoft.com/office/powerpoint/2010/main" val="2144060659"/>
+        <p14:creationId xmlns:p14="http://schemas.microsoft.com/office/powerpoint/2010/main" xmlns="" val="2144060659"/>
       </p:ext>
     </p:extLst>
   </p:cSld>
@@ -29300,7 +29312,7 @@
           <p:cNvPr id="5" name="Slide Number">
             <a:extLst>
               <a:ext uri="{FF2B5EF4-FFF2-40B4-BE49-F238E27FC236}">
-                <a16:creationId xmlns:a16="http://schemas.microsoft.com/office/drawing/2014/main" id="{F48C3C93-90A1-4D31-BEA6-B54D1106CE31}"/>
+                <a16:creationId xmlns:a16="http://schemas.microsoft.com/office/drawing/2014/main" xmlns="" id="{F48C3C93-90A1-4D31-BEA6-B54D1106CE31}"/>
               </a:ext>
             </a:extLst>
           </p:cNvPr>
@@ -29342,7 +29354,7 @@
           <p:cNvPr id="2" name="Slide Body">
             <a:extLst>
               <a:ext uri="{FF2B5EF4-FFF2-40B4-BE49-F238E27FC236}">
-                <a16:creationId xmlns:a16="http://schemas.microsoft.com/office/drawing/2014/main" id="{980F49B1-E4BE-4389-A747-7AB9B71AD920}"/>
+                <a16:creationId xmlns:a16="http://schemas.microsoft.com/office/drawing/2014/main" xmlns="" id="{980F49B1-E4BE-4389-A747-7AB9B71AD920}"/>
               </a:ext>
             </a:extLst>
           </p:cNvPr>
@@ -29476,7 +29488,7 @@
           <p:cNvPr id="6" name="Picture License" descr="License">
             <a:extLst>
               <a:ext uri="{FF2B5EF4-FFF2-40B4-BE49-F238E27FC236}">
-                <a16:creationId xmlns:a16="http://schemas.microsoft.com/office/drawing/2014/main" id="{A10A2585-858C-4B1E-8846-27CF1C15729E}"/>
+                <a16:creationId xmlns:a16="http://schemas.microsoft.com/office/drawing/2014/main" xmlns="" id="{A10A2585-858C-4B1E-8846-27CF1C15729E}"/>
               </a:ext>
             </a:extLst>
           </p:cNvPr>
@@ -29517,7 +29529,7 @@
           <p:cNvPr id="3" name="Slide Title">
             <a:extLst>
               <a:ext uri="{FF2B5EF4-FFF2-40B4-BE49-F238E27FC236}">
-                <a16:creationId xmlns:a16="http://schemas.microsoft.com/office/drawing/2014/main" id="{E5F1FB41-80C3-4816-BC47-CCC50632E6E8}"/>
+                <a16:creationId xmlns:a16="http://schemas.microsoft.com/office/drawing/2014/main" xmlns="" id="{E5F1FB41-80C3-4816-BC47-CCC50632E6E8}"/>
               </a:ext>
             </a:extLst>
           </p:cNvPr>
@@ -29543,18 +29555,18 @@
     </p:spTree>
     <p:extLst>
       <p:ext uri="{BB962C8B-B14F-4D97-AF65-F5344CB8AC3E}">
-        <p14:creationId xmlns:p14="http://schemas.microsoft.com/office/powerpoint/2010/main" val="3506533871"/>
+        <p14:creationId xmlns:p14="http://schemas.microsoft.com/office/powerpoint/2010/main" xmlns="" val="3506533871"/>
       </p:ext>
     </p:extLst>
   </p:cSld>
   <p:clrMapOvr>
     <a:masterClrMapping/>
   </p:clrMapOvr>
-  <mc:AlternateContent xmlns:mc="http://schemas.openxmlformats.org/markup-compatibility/2006" xmlns:p14="http://schemas.microsoft.com/office/powerpoint/2010/main">
-    <mc:Choice Requires="p14">
+  <mc:AlternateContent xmlns:mc="http://schemas.openxmlformats.org/markup-compatibility/2006">
+    <mc:Choice xmlns:p14="http://schemas.microsoft.com/office/powerpoint/2010/main" xmlns="" Requires="p14">
       <p:transition spd="slow" p14:dur="2000" advClick="0" advTm="5000"/>
     </mc:Choice>
-    <mc:Fallback xmlns="">
+    <mc:Fallback>
       <p:transition spd="slow" advClick="0" advTm="5000"/>
     </mc:Fallback>
   </mc:AlternateContent>
@@ -29583,7 +29595,7 @@
           <p:cNvPr id="3" name="Subtitle 2">
             <a:extLst>
               <a:ext uri="{FF2B5EF4-FFF2-40B4-BE49-F238E27FC236}">
-                <a16:creationId xmlns:a16="http://schemas.microsoft.com/office/drawing/2014/main" id="{20577AA9-D94A-3E19-286E-C12AB1F7C607}"/>
+                <a16:creationId xmlns:a16="http://schemas.microsoft.com/office/drawing/2014/main" xmlns="" id="{20577AA9-D94A-3E19-286E-C12AB1F7C607}"/>
               </a:ext>
             </a:extLst>
           </p:cNvPr>
@@ -29612,7 +29624,7 @@
           <p:cNvPr id="6" name="Slide Title">
             <a:extLst>
               <a:ext uri="{FF2B5EF4-FFF2-40B4-BE49-F238E27FC236}">
-                <a16:creationId xmlns:a16="http://schemas.microsoft.com/office/drawing/2014/main" id="{028D9EA3-B5E0-4F17-9467-4BE3C280DA68}"/>
+                <a16:creationId xmlns:a16="http://schemas.microsoft.com/office/drawing/2014/main" xmlns="" id="{028D9EA3-B5E0-4F17-9467-4BE3C280DA68}"/>
               </a:ext>
             </a:extLst>
           </p:cNvPr>
@@ -29667,7 +29679,7 @@
             <a:blip r:embed="rId3" cstate="print">
               <a:extLst>
                 <a:ext uri="{28A0092B-C50C-407E-A947-70E740481C1C}">
-                  <a14:useLocalDpi xmlns:a14="http://schemas.microsoft.com/office/drawing/2010/main" val="0"/>
+                  <a14:useLocalDpi xmlns:a14="http://schemas.microsoft.com/office/drawing/2010/main" xmlns="" val="0"/>
                 </a:ext>
               </a:extLst>
             </a:blip>
@@ -29697,7 +29709,7 @@
             <a:blip r:embed="rId4" cstate="print">
               <a:extLst>
                 <a:ext uri="{28A0092B-C50C-407E-A947-70E740481C1C}">
-                  <a14:useLocalDpi xmlns:a14="http://schemas.microsoft.com/office/drawing/2010/main" val="0"/>
+                  <a14:useLocalDpi xmlns:a14="http://schemas.microsoft.com/office/drawing/2010/main" xmlns="" val="0"/>
                 </a:ext>
               </a:extLst>
             </a:blip>
@@ -29719,18 +29731,18 @@
     </p:spTree>
     <p:extLst>
       <p:ext uri="{BB962C8B-B14F-4D97-AF65-F5344CB8AC3E}">
-        <p14:creationId xmlns:p14="http://schemas.microsoft.com/office/powerpoint/2010/main" val="1529848897"/>
+        <p14:creationId xmlns:p14="http://schemas.microsoft.com/office/powerpoint/2010/main" xmlns="" val="1529848897"/>
       </p:ext>
     </p:extLst>
   </p:cSld>
   <p:clrMapOvr>
     <a:masterClrMapping/>
   </p:clrMapOvr>
-  <mc:AlternateContent xmlns:mc="http://schemas.openxmlformats.org/markup-compatibility/2006" xmlns:p14="http://schemas.microsoft.com/office/powerpoint/2010/main">
-    <mc:Choice Requires="p14">
+  <mc:AlternateContent xmlns:mc="http://schemas.openxmlformats.org/markup-compatibility/2006">
+    <mc:Choice xmlns:p14="http://schemas.microsoft.com/office/powerpoint/2010/main" xmlns="" Requires="p14">
       <p:transition spd="slow" p14:dur="2000" advClick="0" advTm="5000"/>
     </mc:Choice>
-    <mc:Fallback xmlns="">
+    <mc:Fallback>
       <p:transition spd="slow" advClick="0" advTm="5000"/>
     </mc:Fallback>
   </mc:AlternateContent>
@@ -29759,7 +29771,7 @@
           <p:cNvPr id="2" name="Slide Number Placeholder 1">
             <a:extLst>
               <a:ext uri="{FF2B5EF4-FFF2-40B4-BE49-F238E27FC236}">
-                <a16:creationId xmlns:a16="http://schemas.microsoft.com/office/drawing/2014/main" id="{FDEC509F-4384-4ACF-BA7E-0BAC8EE0AB20}"/>
+                <a16:creationId xmlns:a16="http://schemas.microsoft.com/office/drawing/2014/main" xmlns="" id="{FDEC509F-4384-4ACF-BA7E-0BAC8EE0AB20}"/>
               </a:ext>
             </a:extLst>
           </p:cNvPr>
@@ -29789,7 +29801,7 @@
           <p:cNvPr id="3" name="Text Placeholder 2">
             <a:extLst>
               <a:ext uri="{FF2B5EF4-FFF2-40B4-BE49-F238E27FC236}">
-                <a16:creationId xmlns:a16="http://schemas.microsoft.com/office/drawing/2014/main" id="{556288C9-C2D8-D872-8574-1AC1BA3E97DE}"/>
+                <a16:creationId xmlns:a16="http://schemas.microsoft.com/office/drawing/2014/main" xmlns="" id="{556288C9-C2D8-D872-8574-1AC1BA3E97DE}"/>
               </a:ext>
             </a:extLst>
           </p:cNvPr>
@@ -29821,7 +29833,7 @@
               </a:tabLst>
             </a:pPr>
             <a:r>
-              <a:rPr lang="bg-BG" sz="3400" spc="5" dirty="0">
+              <a:rPr lang="bg-BG" sz="3600" spc="5" dirty="0">
                 <a:solidFill>
                   <a:srgbClr val="224464"/>
                 </a:solidFill>
@@ -29831,7 +29843,7 @@
               <a:t>Система за управление на бази данни </a:t>
             </a:r>
             <a:r>
-              <a:rPr lang="bg-BG" sz="3400" dirty="0">
+              <a:rPr lang="bg-BG" sz="3600" dirty="0">
                 <a:solidFill>
                   <a:srgbClr val="224464"/>
                 </a:solidFill>
@@ -29841,7 +29853,7 @@
               <a:t>(</a:t>
             </a:r>
             <a:r>
-              <a:rPr lang="bg-BG" sz="3400" b="1" dirty="0">
+              <a:rPr lang="bg-BG" sz="3600" b="1" dirty="0">
                 <a:solidFill>
                   <a:srgbClr val="FF9F00"/>
                 </a:solidFill>
@@ -29851,7 +29863,7 @@
               <a:t>СУБД</a:t>
             </a:r>
             <a:r>
-              <a:rPr lang="bg-BG" sz="3400" dirty="0">
+              <a:rPr lang="bg-BG" sz="3600" dirty="0">
                 <a:solidFill>
                   <a:srgbClr val="224464"/>
                 </a:solidFill>
@@ -29861,7 +29873,7 @@
               <a:t>)</a:t>
             </a:r>
             <a:r>
-              <a:rPr lang="bg-BG" sz="3400" spc="-55" dirty="0">
+              <a:rPr lang="bg-BG" sz="3600" spc="-55" dirty="0">
                 <a:solidFill>
                   <a:srgbClr val="224464"/>
                 </a:solidFill>
@@ -29871,7 +29883,7 @@
               <a:t> </a:t>
             </a:r>
             <a:r>
-              <a:rPr lang="bg-BG" sz="3400" dirty="0">
+              <a:rPr lang="bg-BG" sz="3600" dirty="0">
                 <a:solidFill>
                   <a:srgbClr val="224464"/>
                 </a:solidFill>
@@ -29881,7 +29893,7 @@
               <a:t>е софтуер</a:t>
             </a:r>
             <a:r>
-              <a:rPr lang="bg-BG" sz="3400" spc="-10" dirty="0">
+              <a:rPr lang="bg-BG" sz="3600" spc="-10" dirty="0">
                 <a:solidFill>
                   <a:srgbClr val="224464"/>
                 </a:solidFill>
@@ -29891,7 +29903,7 @@
               <a:t>,</a:t>
             </a:r>
             <a:r>
-              <a:rPr lang="bg-BG" sz="3400" spc="-80" dirty="0">
+              <a:rPr lang="bg-BG" sz="3600" spc="-80" dirty="0">
                 <a:solidFill>
                   <a:srgbClr val="224464"/>
                 </a:solidFill>
@@ -29901,7 +29913,7 @@
               <a:t> </a:t>
             </a:r>
             <a:r>
-              <a:rPr lang="bg-BG" sz="3400" spc="5" dirty="0">
+              <a:rPr lang="bg-BG" sz="3600" spc="5" dirty="0">
                 <a:solidFill>
                   <a:srgbClr val="224464"/>
                 </a:solidFill>
@@ -29911,7 +29923,7 @@
               <a:t>използван за </a:t>
             </a:r>
             <a:r>
-              <a:rPr lang="bg-BG" sz="3400" b="1" spc="-10" dirty="0">
+              <a:rPr lang="bg-BG" sz="3600" b="1" spc="-10" dirty="0">
                 <a:solidFill>
                   <a:srgbClr val="FF9F00"/>
                 </a:solidFill>
@@ -29921,7 +29933,7 @@
               <a:t>дефиниране</a:t>
             </a:r>
             <a:r>
-              <a:rPr lang="bg-BG" sz="3400" spc="-10" dirty="0">
+              <a:rPr lang="bg-BG" sz="3600" spc="-10" dirty="0">
                 <a:solidFill>
                   <a:srgbClr val="224464"/>
                 </a:solidFill>
@@ -29931,7 +29943,7 @@
               <a:t>,</a:t>
             </a:r>
             <a:r>
-              <a:rPr lang="bg-BG" sz="3400" spc="20" dirty="0">
+              <a:rPr lang="bg-BG" sz="3600" spc="20" dirty="0">
                 <a:solidFill>
                   <a:srgbClr val="224464"/>
                 </a:solidFill>
@@ -29941,7 +29953,7 @@
               <a:t> </a:t>
             </a:r>
             <a:r>
-              <a:rPr lang="bg-BG" sz="3400" b="1" spc="-10" dirty="0">
+              <a:rPr lang="bg-BG" sz="3600" b="1" spc="-10" dirty="0">
                 <a:solidFill>
                   <a:srgbClr val="FF9F00"/>
                 </a:solidFill>
@@ -29951,7 +29963,7 @@
               <a:t>манипулиране</a:t>
             </a:r>
             <a:r>
-              <a:rPr lang="bg-BG" sz="3400" spc="-10" dirty="0">
+              <a:rPr lang="bg-BG" sz="3600" spc="-10" dirty="0">
                 <a:solidFill>
                   <a:srgbClr val="224464"/>
                 </a:solidFill>
@@ -29961,7 +29973,7 @@
               <a:t>,</a:t>
             </a:r>
             <a:r>
-              <a:rPr lang="bg-BG" sz="3400" spc="-25" dirty="0">
+              <a:rPr lang="bg-BG" sz="3600" spc="-25" dirty="0">
                 <a:solidFill>
                   <a:srgbClr val="224464"/>
                 </a:solidFill>
@@ -29971,7 +29983,7 @@
               <a:t> </a:t>
             </a:r>
             <a:r>
-              <a:rPr lang="bg-BG" sz="3400" b="1" spc="-20" dirty="0">
+              <a:rPr lang="bg-BG" sz="3600" b="1" spc="-20" dirty="0">
                 <a:solidFill>
                   <a:srgbClr val="FF9F00"/>
                 </a:solidFill>
@@ -29981,7 +29993,7 @@
               <a:t>извличане </a:t>
             </a:r>
             <a:r>
-              <a:rPr lang="bg-BG" sz="3400" spc="5" dirty="0">
+              <a:rPr lang="bg-BG" sz="3600" spc="5" dirty="0">
                 <a:solidFill>
                   <a:srgbClr val="224464"/>
                 </a:solidFill>
@@ -29991,7 +30003,7 @@
               <a:t>и </a:t>
             </a:r>
             <a:r>
-              <a:rPr lang="bg-BG" sz="3400" b="1" spc="-10" dirty="0">
+              <a:rPr lang="bg-BG" sz="3600" b="1" spc="-10" dirty="0">
                 <a:solidFill>
                   <a:srgbClr val="FF9F00"/>
                 </a:solidFill>
@@ -30001,7 +30013,7 @@
               <a:t>управление </a:t>
             </a:r>
             <a:r>
-              <a:rPr lang="bg-BG" sz="3400" spc="-15" dirty="0">
+              <a:rPr lang="bg-BG" sz="3600" spc="-15" dirty="0">
                 <a:solidFill>
                   <a:srgbClr val="224464"/>
                 </a:solidFill>
@@ -30010,7 +30022,7 @@
               </a:rPr>
               <a:t>на данни в база данни</a:t>
             </a:r>
-            <a:endParaRPr lang="bg-BG" sz="3400" dirty="0">
+            <a:endParaRPr lang="bg-BG" sz="3600" dirty="0">
               <a:latin typeface="Calibri"/>
               <a:cs typeface="Calibri"/>
             </a:endParaRPr>
@@ -30127,7 +30139,7 @@
           <p:cNvPr id="4" name="Title 3">
             <a:extLst>
               <a:ext uri="{FF2B5EF4-FFF2-40B4-BE49-F238E27FC236}">
-                <a16:creationId xmlns:a16="http://schemas.microsoft.com/office/drawing/2014/main" id="{5C895C86-6632-D164-88D3-A76FF6ED4D97}"/>
+                <a16:creationId xmlns:a16="http://schemas.microsoft.com/office/drawing/2014/main" xmlns="" id="{5C895C86-6632-D164-88D3-A76FF6ED4D97}"/>
               </a:ext>
             </a:extLst>
           </p:cNvPr>
@@ -30163,7 +30175,7 @@
           <p:cNvPr id="5" name="Group 4">
             <a:extLst>
               <a:ext uri="{FF2B5EF4-FFF2-40B4-BE49-F238E27FC236}">
-                <a16:creationId xmlns:a16="http://schemas.microsoft.com/office/drawing/2014/main" id="{204AC10A-6E24-E5D6-5F52-AC3C99F8ED75}"/>
+                <a16:creationId xmlns:a16="http://schemas.microsoft.com/office/drawing/2014/main" xmlns="" id="{204AC10A-6E24-E5D6-5F52-AC3C99F8ED75}"/>
               </a:ext>
             </a:extLst>
           </p:cNvPr>
@@ -30183,7 +30195,7 @@
             <p:cNvPr id="6" name="Picture 5">
               <a:extLst>
                 <a:ext uri="{FF2B5EF4-FFF2-40B4-BE49-F238E27FC236}">
-                  <a16:creationId xmlns:a16="http://schemas.microsoft.com/office/drawing/2014/main" id="{BAA0A89E-53DE-CE05-24C5-24C8DAC91572}"/>
+                  <a16:creationId xmlns:a16="http://schemas.microsoft.com/office/drawing/2014/main" xmlns="" id="{BAA0A89E-53DE-CE05-24C5-24C8DAC91572}"/>
                 </a:ext>
               </a:extLst>
             </p:cNvPr>
@@ -30196,7 +30208,7 @@
             <a:blip r:embed="rId2" cstate="print">
               <a:extLst>
                 <a:ext uri="{28A0092B-C50C-407E-A947-70E740481C1C}">
-                  <a14:useLocalDpi xmlns:a14="http://schemas.microsoft.com/office/drawing/2010/main" val="0"/>
+                  <a14:useLocalDpi xmlns:a14="http://schemas.microsoft.com/office/drawing/2010/main" xmlns="" val="0"/>
                 </a:ext>
               </a:extLst>
             </a:blip>
@@ -30219,7 +30231,7 @@
             <p:cNvPr id="7" name="Picture 6">
               <a:extLst>
                 <a:ext uri="{FF2B5EF4-FFF2-40B4-BE49-F238E27FC236}">
-                  <a16:creationId xmlns:a16="http://schemas.microsoft.com/office/drawing/2014/main" id="{01E7FF15-0993-B027-0C59-34E77ED75F4D}"/>
+                  <a16:creationId xmlns:a16="http://schemas.microsoft.com/office/drawing/2014/main" xmlns="" id="{01E7FF15-0993-B027-0C59-34E77ED75F4D}"/>
                 </a:ext>
               </a:extLst>
             </p:cNvPr>
@@ -30232,7 +30244,7 @@
             <a:blip r:embed="rId3" cstate="print">
               <a:extLst>
                 <a:ext uri="{28A0092B-C50C-407E-A947-70E740481C1C}">
-                  <a14:useLocalDpi xmlns:a14="http://schemas.microsoft.com/office/drawing/2010/main" val="0"/>
+                  <a14:useLocalDpi xmlns:a14="http://schemas.microsoft.com/office/drawing/2010/main" xmlns="" val="0"/>
                 </a:ext>
               </a:extLst>
             </a:blip>
@@ -30254,18 +30266,18 @@
     </p:spTree>
     <p:extLst>
       <p:ext uri="{BB962C8B-B14F-4D97-AF65-F5344CB8AC3E}">
-        <p14:creationId xmlns:p14="http://schemas.microsoft.com/office/powerpoint/2010/main" val="2780387357"/>
+        <p14:creationId xmlns:p14="http://schemas.microsoft.com/office/powerpoint/2010/main" xmlns="" val="2780387357"/>
       </p:ext>
     </p:extLst>
   </p:cSld>
   <p:clrMapOvr>
     <a:masterClrMapping/>
   </p:clrMapOvr>
-  <mc:AlternateContent xmlns:mc="http://schemas.openxmlformats.org/markup-compatibility/2006" xmlns:p14="http://schemas.microsoft.com/office/powerpoint/2010/main">
-    <mc:Choice Requires="p14">
+  <mc:AlternateContent xmlns:mc="http://schemas.openxmlformats.org/markup-compatibility/2006">
+    <mc:Choice xmlns:p14="http://schemas.microsoft.com/office/powerpoint/2010/main" xmlns="" Requires="p14">
       <p:transition spd="slow" p14:dur="2000" advClick="0" advTm="5000"/>
     </mc:Choice>
-    <mc:Fallback xmlns="">
+    <mc:Fallback>
       <p:transition spd="slow" advClick="0" advTm="5000"/>
     </mc:Fallback>
   </mc:AlternateContent>
@@ -30373,7 +30385,7 @@
           <p:cNvPr id="15" name="Text Placeholder 14">
             <a:extLst>
               <a:ext uri="{FF2B5EF4-FFF2-40B4-BE49-F238E27FC236}">
-                <a16:creationId xmlns:a16="http://schemas.microsoft.com/office/drawing/2014/main" id="{D6F3FDB3-B795-A1E4-0481-1FAAAB257F91}"/>
+                <a16:creationId xmlns:a16="http://schemas.microsoft.com/office/drawing/2014/main" xmlns="" id="{D6F3FDB3-B795-A1E4-0481-1FAAAB257F91}"/>
               </a:ext>
             </a:extLst>
           </p:cNvPr>
@@ -30410,7 +30422,7 @@
               </a:tabLst>
             </a:pPr>
             <a:r>
-              <a:rPr lang="bg-BG" sz="3400" b="1" spc="-5" dirty="0">
+              <a:rPr lang="bg-BG" sz="3600" b="1" spc="-5" dirty="0">
                 <a:solidFill>
                   <a:srgbClr val="224464"/>
                 </a:solidFill>
@@ -30420,27 +30432,11 @@
               <a:t>Базите данни (БД)</a:t>
             </a:r>
             <a:r>
-              <a:rPr lang="bg-BG" sz="3400" dirty="0"/>
-              <a:t> </a:t>
-            </a:r>
-            <a:r>
-              <a:rPr lang="bg-BG" dirty="0"/>
-              <a:t>съхраняват </a:t>
-            </a:r>
-            <a:r>
-              <a:rPr lang="bg-BG" sz="3400" dirty="0"/>
-              <a:t>и </a:t>
-            </a:r>
-            <a:r>
-              <a:rPr lang="bg-BG" dirty="0"/>
-              <a:t>регулират </a:t>
-            </a:r>
-            <a:r>
-              <a:rPr lang="bg-BG" sz="3400" dirty="0"/>
-              <a:t>данни в</a:t>
-            </a:r>
-            <a:r>
-              <a:rPr lang="en-US" sz="3400" spc="-45" dirty="0">
+              <a:rPr lang="bg-BG" sz="3600" dirty="0"/>
+              <a:t> съхраняват и регулират данни в</a:t>
+            </a:r>
+            <a:r>
+              <a:rPr lang="en-US" sz="3600" spc="-45" dirty="0">
                 <a:solidFill>
                   <a:srgbClr val="224464"/>
                 </a:solidFill>
@@ -30450,7 +30446,7 @@
               <a:t> </a:t>
             </a:r>
             <a:r>
-              <a:rPr lang="en-US" sz="3400" spc="10" dirty="0">
+              <a:rPr lang="en-US" sz="3600" spc="10" dirty="0">
                 <a:solidFill>
                   <a:srgbClr val="224464"/>
                 </a:solidFill>
@@ -30460,7 +30456,7 @@
               <a:t>back-end</a:t>
             </a:r>
             <a:r>
-              <a:rPr lang="en-US" sz="3400" spc="-65" dirty="0">
+              <a:rPr lang="en-US" sz="3600" spc="-65" dirty="0">
                 <a:solidFill>
                   <a:srgbClr val="224464"/>
                 </a:solidFill>
@@ -30470,7 +30466,7 @@
               <a:t> </a:t>
             </a:r>
             <a:r>
-              <a:rPr lang="bg-BG" sz="3400" spc="-25" dirty="0">
+              <a:rPr lang="bg-BG" sz="3600" spc="-25" dirty="0">
                 <a:solidFill>
                   <a:srgbClr val="224464"/>
                 </a:solidFill>
@@ -30479,7 +30475,7 @@
               </a:rPr>
               <a:t>системи</a:t>
             </a:r>
-            <a:endParaRPr lang="en-US" sz="3400" dirty="0">
+            <a:endParaRPr lang="en-US" sz="3600" dirty="0">
               <a:latin typeface="Calibri"/>
               <a:cs typeface="Calibri"/>
             </a:endParaRPr>
@@ -30499,7 +30495,7 @@
               </a:tabLst>
             </a:pPr>
             <a:r>
-              <a:rPr lang="bg-BG" sz="3400" b="1" spc="-10" dirty="0">
+              <a:rPr lang="bg-BG" sz="3600" b="1" spc="-10" dirty="0">
                 <a:solidFill>
                   <a:srgbClr val="224464"/>
                 </a:solidFill>
@@ -30509,7 +30505,7 @@
               <a:t>Релационни БД </a:t>
             </a:r>
             <a:r>
-              <a:rPr lang="en-US" sz="3400" spc="5" dirty="0">
+              <a:rPr lang="en-US" sz="3600" spc="5" dirty="0">
                 <a:solidFill>
                   <a:srgbClr val="224464"/>
                 </a:solidFill>
@@ -30519,7 +30515,7 @@
               <a:t>(</a:t>
             </a:r>
             <a:r>
-              <a:rPr lang="en-US" sz="3400" b="1" spc="5" dirty="0">
+              <a:rPr lang="en-US" sz="3600" b="1" spc="5" dirty="0">
                 <a:solidFill>
                   <a:srgbClr val="224464"/>
                 </a:solidFill>
@@ -30529,7 +30525,7 @@
               <a:t>RDBMS</a:t>
             </a:r>
             <a:r>
-              <a:rPr lang="en-US" sz="3400" spc="5" dirty="0">
+              <a:rPr lang="en-US" sz="3600" spc="5" dirty="0">
                 <a:solidFill>
                   <a:srgbClr val="224464"/>
                 </a:solidFill>
@@ -30538,7 +30534,7 @@
               </a:rPr>
               <a:t>)</a:t>
             </a:r>
-            <a:endParaRPr lang="en-US" sz="3400" dirty="0">
+            <a:endParaRPr lang="en-US" sz="3600" dirty="0">
               <a:latin typeface="Calibri"/>
               <a:cs typeface="Calibri"/>
             </a:endParaRPr>
@@ -30775,7 +30771,7 @@
               </a:tabLst>
             </a:pPr>
             <a:r>
-              <a:rPr lang="bg-BG" sz="3600" dirty="0"/>
+              <a:rPr lang="bg-BG" sz="3400" dirty="0"/>
               <a:t>Имат </a:t>
             </a:r>
             <a:r>
@@ -30789,7 +30785,7 @@
               <a:t>колекции </a:t>
             </a:r>
             <a:r>
-              <a:rPr lang="bg-BG" sz="3600" dirty="0"/>
+              <a:rPr lang="bg-BG" sz="3400" dirty="0"/>
               <a:t>от документи или двойки ключ-стойност</a:t>
             </a:r>
             <a:endParaRPr lang="en-US" sz="3400" dirty="0">
@@ -30844,7 +30840,7 @@
         </p:blipFill>
         <p:spPr>
           <a:xfrm>
-            <a:off x="10533824" y="1987297"/>
+            <a:off x="10210800" y="1905000"/>
             <a:ext cx="1588007" cy="1588007"/>
           </a:xfrm>
           <a:prstGeom prst="rect">
@@ -30866,7 +30862,7 @@
         </p:blipFill>
         <p:spPr>
           <a:xfrm>
-            <a:off x="10463656" y="4343400"/>
+            <a:off x="10134600" y="3810000"/>
             <a:ext cx="1728344" cy="1731264"/>
           </a:xfrm>
           <a:prstGeom prst="rect">
@@ -30925,18 +30921,18 @@
     </p:spTree>
     <p:extLst>
       <p:ext uri="{BB962C8B-B14F-4D97-AF65-F5344CB8AC3E}">
-        <p14:creationId xmlns:p14="http://schemas.microsoft.com/office/powerpoint/2010/main" val="4026645546"/>
+        <p14:creationId xmlns:p14="http://schemas.microsoft.com/office/powerpoint/2010/main" xmlns="" val="4026645546"/>
       </p:ext>
     </p:extLst>
   </p:cSld>
   <p:clrMapOvr>
     <a:masterClrMapping/>
   </p:clrMapOvr>
-  <mc:AlternateContent xmlns:mc="http://schemas.openxmlformats.org/markup-compatibility/2006" xmlns:p14="http://schemas.microsoft.com/office/powerpoint/2010/main">
-    <mc:Choice Requires="p14">
+  <mc:AlternateContent xmlns:mc="http://schemas.openxmlformats.org/markup-compatibility/2006">
+    <mc:Choice xmlns:p14="http://schemas.microsoft.com/office/powerpoint/2010/main" xmlns="" Requires="p14">
       <p:transition spd="slow" p14:dur="2000" advClick="0" advTm="5000"/>
     </mc:Choice>
-    <mc:Fallback xmlns="">
+    <mc:Fallback>
       <p:transition spd="slow" advClick="0" advTm="5000"/>
     </mc:Fallback>
   </mc:AlternateContent>
@@ -31204,7 +31200,7 @@
           <p:cNvPr id="13" name="Text Placeholder 12">
             <a:extLst>
               <a:ext uri="{FF2B5EF4-FFF2-40B4-BE49-F238E27FC236}">
-                <a16:creationId xmlns:a16="http://schemas.microsoft.com/office/drawing/2014/main" id="{72C21640-FD6E-1A3E-EA2F-882670CC4F1F}"/>
+                <a16:creationId xmlns:a16="http://schemas.microsoft.com/office/drawing/2014/main" xmlns="" id="{72C21640-FD6E-1A3E-EA2F-882670CC4F1F}"/>
               </a:ext>
             </a:extLst>
           </p:cNvPr>
@@ -31292,7 +31288,7 @@
           <p:cNvPr id="9" name="Text Placeholder 8">
             <a:extLst>
               <a:ext uri="{FF2B5EF4-FFF2-40B4-BE49-F238E27FC236}">
-                <a16:creationId xmlns:a16="http://schemas.microsoft.com/office/drawing/2014/main" id="{AB9D2C9D-41B8-D9FE-0CD6-6B85E74C3086}"/>
+                <a16:creationId xmlns:a16="http://schemas.microsoft.com/office/drawing/2014/main" xmlns="" id="{AB9D2C9D-41B8-D9FE-0CD6-6B85E74C3086}"/>
               </a:ext>
             </a:extLst>
           </p:cNvPr>
@@ -31413,18 +31409,18 @@
     </p:spTree>
     <p:extLst>
       <p:ext uri="{BB962C8B-B14F-4D97-AF65-F5344CB8AC3E}">
-        <p14:creationId xmlns:p14="http://schemas.microsoft.com/office/powerpoint/2010/main" val="2696524058"/>
+        <p14:creationId xmlns:p14="http://schemas.microsoft.com/office/powerpoint/2010/main" xmlns="" val="2696524058"/>
       </p:ext>
     </p:extLst>
   </p:cSld>
   <p:clrMapOvr>
     <a:masterClrMapping/>
   </p:clrMapOvr>
-  <mc:AlternateContent xmlns:mc="http://schemas.openxmlformats.org/markup-compatibility/2006" xmlns:p14="http://schemas.microsoft.com/office/powerpoint/2010/main">
-    <mc:Choice Requires="p14">
+  <mc:AlternateContent xmlns:mc="http://schemas.openxmlformats.org/markup-compatibility/2006">
+    <mc:Choice xmlns:p14="http://schemas.microsoft.com/office/powerpoint/2010/main" xmlns="" Requires="p14">
       <p:transition spd="slow" p14:dur="2000" advClick="0" advTm="5000"/>
     </mc:Choice>
-    <mc:Fallback xmlns="">
+    <mc:Fallback>
       <p:transition spd="slow" advClick="0" advTm="5000"/>
     </mc:Fallback>
   </mc:AlternateContent>
@@ -31973,7 +31969,7 @@
           <p:cNvPr id="39" name="Text Placeholder 38">
             <a:extLst>
               <a:ext uri="{FF2B5EF4-FFF2-40B4-BE49-F238E27FC236}">
-                <a16:creationId xmlns:a16="http://schemas.microsoft.com/office/drawing/2014/main" id="{8545AD69-40F4-DBAA-9062-39348258CE90}"/>
+                <a16:creationId xmlns:a16="http://schemas.microsoft.com/office/drawing/2014/main" xmlns="" id="{8545AD69-40F4-DBAA-9062-39348258CE90}"/>
               </a:ext>
             </a:extLst>
           </p:cNvPr>
@@ -32114,7 +32110,7 @@
           <p:cNvPr id="2" name="Group 40">
             <a:extLst>
               <a:ext uri="{FF2B5EF4-FFF2-40B4-BE49-F238E27FC236}">
-                <a16:creationId xmlns:a16="http://schemas.microsoft.com/office/drawing/2014/main" id="{9B4A3C3F-1EC3-30CA-2E9D-AC984FA993E6}"/>
+                <a16:creationId xmlns:a16="http://schemas.microsoft.com/office/drawing/2014/main" xmlns="" id="{9B4A3C3F-1EC3-30CA-2E9D-AC984FA993E6}"/>
               </a:ext>
             </a:extLst>
           </p:cNvPr>
@@ -32321,7 +32317,7 @@
           <p:cNvPr id="5" name="Group 41">
             <a:extLst>
               <a:ext uri="{FF2B5EF4-FFF2-40B4-BE49-F238E27FC236}">
-                <a16:creationId xmlns:a16="http://schemas.microsoft.com/office/drawing/2014/main" id="{73B5DB36-73A6-6D9A-AB8F-8B862A6ED4CD}"/>
+                <a16:creationId xmlns:a16="http://schemas.microsoft.com/office/drawing/2014/main" xmlns="" id="{73B5DB36-73A6-6D9A-AB8F-8B862A6ED4CD}"/>
               </a:ext>
             </a:extLst>
           </p:cNvPr>
@@ -32523,7 +32519,7 @@
           <p:cNvPr id="13" name="Group 57">
             <a:extLst>
               <a:ext uri="{FF2B5EF4-FFF2-40B4-BE49-F238E27FC236}">
-                <a16:creationId xmlns:a16="http://schemas.microsoft.com/office/drawing/2014/main" id="{657C13D9-A143-86FD-894E-C7CD4C8419EE}"/>
+                <a16:creationId xmlns:a16="http://schemas.microsoft.com/office/drawing/2014/main" xmlns="" id="{657C13D9-A143-86FD-894E-C7CD4C8419EE}"/>
               </a:ext>
             </a:extLst>
           </p:cNvPr>
@@ -32543,7 +32539,7 @@
             <p:cNvPr id="15" name="Group 55">
               <a:extLst>
                 <a:ext uri="{FF2B5EF4-FFF2-40B4-BE49-F238E27FC236}">
-                  <a16:creationId xmlns:a16="http://schemas.microsoft.com/office/drawing/2014/main" id="{1686E818-E5E8-5BB0-D0C2-1187CB500E9B}"/>
+                  <a16:creationId xmlns:a16="http://schemas.microsoft.com/office/drawing/2014/main" xmlns="" id="{1686E818-E5E8-5BB0-D0C2-1187CB500E9B}"/>
                 </a:ext>
               </a:extLst>
             </p:cNvPr>
@@ -32669,7 +32665,7 @@
             <p:cNvPr id="17" name="Group 56">
               <a:extLst>
                 <a:ext uri="{FF2B5EF4-FFF2-40B4-BE49-F238E27FC236}">
-                  <a16:creationId xmlns:a16="http://schemas.microsoft.com/office/drawing/2014/main" id="{FC6B4076-1B31-AF6D-0256-8447E1B07914}"/>
+                  <a16:creationId xmlns:a16="http://schemas.microsoft.com/office/drawing/2014/main" xmlns="" id="{FC6B4076-1B31-AF6D-0256-8447E1B07914}"/>
                 </a:ext>
               </a:extLst>
             </p:cNvPr>
@@ -32966,7 +32962,7 @@
             <p:cNvPr id="19" name="Group 54">
               <a:extLst>
                 <a:ext uri="{FF2B5EF4-FFF2-40B4-BE49-F238E27FC236}">
-                  <a16:creationId xmlns:a16="http://schemas.microsoft.com/office/drawing/2014/main" id="{D6649D1D-6B7D-8F0F-09F4-53473C697CAF}"/>
+                  <a16:creationId xmlns:a16="http://schemas.microsoft.com/office/drawing/2014/main" xmlns="" id="{D6649D1D-6B7D-8F0F-09F4-53473C697CAF}"/>
                 </a:ext>
               </a:extLst>
             </p:cNvPr>
@@ -33133,7 +33129,7 @@
               <p:cNvPr id="51" name="Picture 50">
                 <a:extLst>
                   <a:ext uri="{FF2B5EF4-FFF2-40B4-BE49-F238E27FC236}">
-                    <a16:creationId xmlns:a16="http://schemas.microsoft.com/office/drawing/2014/main" id="{3E79E643-F7C6-CB7A-9DE4-3F04D889CFA7}"/>
+                    <a16:creationId xmlns:a16="http://schemas.microsoft.com/office/drawing/2014/main" xmlns="" id="{3E79E643-F7C6-CB7A-9DE4-3F04D889CFA7}"/>
                   </a:ext>
                 </a:extLst>
               </p:cNvPr>
@@ -33164,7 +33160,7 @@
             <p:cNvPr id="30" name="Group 53">
               <a:extLst>
                 <a:ext uri="{FF2B5EF4-FFF2-40B4-BE49-F238E27FC236}">
-                  <a16:creationId xmlns:a16="http://schemas.microsoft.com/office/drawing/2014/main" id="{60568839-58BF-57EF-B236-E28D35F63BD9}"/>
+                  <a16:creationId xmlns:a16="http://schemas.microsoft.com/office/drawing/2014/main" xmlns="" id="{60568839-58BF-57EF-B236-E28D35F63BD9}"/>
                 </a:ext>
               </a:extLst>
             </p:cNvPr>
@@ -33331,7 +33327,7 @@
               <p:cNvPr id="53" name="Picture 52">
                 <a:extLst>
                   <a:ext uri="{FF2B5EF4-FFF2-40B4-BE49-F238E27FC236}">
-                    <a16:creationId xmlns:a16="http://schemas.microsoft.com/office/drawing/2014/main" id="{9F07F3F3-AF00-E37D-4AE4-57A54562CBF4}"/>
+                    <a16:creationId xmlns:a16="http://schemas.microsoft.com/office/drawing/2014/main" xmlns="" id="{9F07F3F3-AF00-E37D-4AE4-57A54562CBF4}"/>
                   </a:ext>
                 </a:extLst>
               </p:cNvPr>
@@ -33363,7 +33359,7 @@
           <p:cNvPr id="32" name="Group 4">
             <a:extLst>
               <a:ext uri="{FF2B5EF4-FFF2-40B4-BE49-F238E27FC236}">
-                <a16:creationId xmlns:a16="http://schemas.microsoft.com/office/drawing/2014/main" id="{02C1B10B-C44F-6608-A7D7-A91EE33C0936}"/>
+                <a16:creationId xmlns:a16="http://schemas.microsoft.com/office/drawing/2014/main" xmlns="" id="{02C1B10B-C44F-6608-A7D7-A91EE33C0936}"/>
               </a:ext>
             </a:extLst>
           </p:cNvPr>
@@ -33383,7 +33379,7 @@
             <p:cNvPr id="33" name="Group 39">
               <a:extLst>
                 <a:ext uri="{FF2B5EF4-FFF2-40B4-BE49-F238E27FC236}">
-                  <a16:creationId xmlns:a16="http://schemas.microsoft.com/office/drawing/2014/main" id="{C915242A-538F-876F-0A54-4CCC0CD570D9}"/>
+                  <a16:creationId xmlns:a16="http://schemas.microsoft.com/office/drawing/2014/main" xmlns="" id="{C915242A-538F-876F-0A54-4CCC0CD570D9}"/>
                 </a:ext>
               </a:extLst>
             </p:cNvPr>
@@ -34097,7 +34093,7 @@
             <p:cNvPr id="4" name="Picture 3">
               <a:extLst>
                 <a:ext uri="{FF2B5EF4-FFF2-40B4-BE49-F238E27FC236}">
-                  <a16:creationId xmlns:a16="http://schemas.microsoft.com/office/drawing/2014/main" id="{EE65508A-1CE4-FB48-8C08-44D18FD7E919}"/>
+                  <a16:creationId xmlns:a16="http://schemas.microsoft.com/office/drawing/2014/main" xmlns="" id="{EE65508A-1CE4-FB48-8C08-44D18FD7E919}"/>
                 </a:ext>
               </a:extLst>
             </p:cNvPr>
@@ -34126,18 +34122,18 @@
     </p:spTree>
     <p:extLst>
       <p:ext uri="{BB962C8B-B14F-4D97-AF65-F5344CB8AC3E}">
-        <p14:creationId xmlns:p14="http://schemas.microsoft.com/office/powerpoint/2010/main" val="2062666309"/>
+        <p14:creationId xmlns:p14="http://schemas.microsoft.com/office/powerpoint/2010/main" xmlns="" val="2062666309"/>
       </p:ext>
     </p:extLst>
   </p:cSld>
   <p:clrMapOvr>
     <a:masterClrMapping/>
   </p:clrMapOvr>
-  <mc:AlternateContent xmlns:mc="http://schemas.openxmlformats.org/markup-compatibility/2006" xmlns:p14="http://schemas.microsoft.com/office/powerpoint/2010/main">
-    <mc:Choice Requires="p14">
+  <mc:AlternateContent xmlns:mc="http://schemas.openxmlformats.org/markup-compatibility/2006">
+    <mc:Choice xmlns:p14="http://schemas.microsoft.com/office/powerpoint/2010/main" xmlns="" Requires="p14">
       <p:transition spd="slow" p14:dur="2000" advClick="0" advTm="5000"/>
     </mc:Choice>
-    <mc:Fallback xmlns="">
+    <mc:Fallback>
       <p:transition spd="slow" advClick="0" advTm="5000"/>
     </mc:Fallback>
   </mc:AlternateContent>
@@ -34818,11 +34814,11 @@
   <p:clrMapOvr>
     <a:masterClrMapping/>
   </p:clrMapOvr>
-  <mc:AlternateContent xmlns:mc="http://schemas.openxmlformats.org/markup-compatibility/2006" xmlns:p14="http://schemas.microsoft.com/office/powerpoint/2010/main">
-    <mc:Choice Requires="p14">
+  <mc:AlternateContent xmlns:mc="http://schemas.openxmlformats.org/markup-compatibility/2006">
+    <mc:Choice xmlns:p14="http://schemas.microsoft.com/office/powerpoint/2010/main" xmlns="" Requires="p14">
       <p:transition spd="slow" p14:dur="2000" advClick="0" advTm="5000"/>
     </mc:Choice>
-    <mc:Fallback xmlns="">
+    <mc:Fallback>
       <p:transition spd="slow" advClick="0" advTm="5000"/>
     </mc:Fallback>
   </mc:AlternateContent>
@@ -35033,7 +35029,7 @@
           <p:cNvPr id="3" name="Group 77">
             <a:extLst>
               <a:ext uri="{FF2B5EF4-FFF2-40B4-BE49-F238E27FC236}">
-                <a16:creationId xmlns:a16="http://schemas.microsoft.com/office/drawing/2014/main" id="{5B51452E-2D8F-D773-A9C5-D8D09B0036B9}"/>
+                <a16:creationId xmlns:a16="http://schemas.microsoft.com/office/drawing/2014/main" xmlns="" id="{5B51452E-2D8F-D773-A9C5-D8D09B0036B9}"/>
               </a:ext>
             </a:extLst>
           </p:cNvPr>
@@ -35053,7 +35049,7 @@
             <p:cNvPr id="79" name="object 6">
               <a:extLst>
                 <a:ext uri="{FF2B5EF4-FFF2-40B4-BE49-F238E27FC236}">
-                  <a16:creationId xmlns:a16="http://schemas.microsoft.com/office/drawing/2014/main" id="{28B03FF2-C0B8-7272-44AC-76D0E7ECF6F9}"/>
+                  <a16:creationId xmlns:a16="http://schemas.microsoft.com/office/drawing/2014/main" xmlns="" id="{28B03FF2-C0B8-7272-44AC-76D0E7ECF6F9}"/>
                 </a:ext>
               </a:extLst>
             </p:cNvPr>
@@ -35109,7 +35105,7 @@
             <p:cNvPr id="80" name="object 16">
               <a:extLst>
                 <a:ext uri="{FF2B5EF4-FFF2-40B4-BE49-F238E27FC236}">
-                  <a16:creationId xmlns:a16="http://schemas.microsoft.com/office/drawing/2014/main" id="{2558EB3A-9110-F1C5-05FC-30C5C53E0A00}"/>
+                  <a16:creationId xmlns:a16="http://schemas.microsoft.com/office/drawing/2014/main" xmlns="" id="{2558EB3A-9110-F1C5-05FC-30C5C53E0A00}"/>
                 </a:ext>
               </a:extLst>
             </p:cNvPr>
@@ -35165,7 +35161,7 @@
             <p:cNvPr id="5" name="object 70">
               <a:extLst>
                 <a:ext uri="{FF2B5EF4-FFF2-40B4-BE49-F238E27FC236}">
-                  <a16:creationId xmlns:a16="http://schemas.microsoft.com/office/drawing/2014/main" id="{22AF3A89-1261-A637-7262-77BAE5EB2F0E}"/>
+                  <a16:creationId xmlns:a16="http://schemas.microsoft.com/office/drawing/2014/main" xmlns="" id="{22AF3A89-1261-A637-7262-77BAE5EB2F0E}"/>
                 </a:ext>
               </a:extLst>
             </p:cNvPr>
@@ -35185,7 +35181,7 @@
               <p:cNvPr id="102" name="object 71">
                 <a:extLst>
                   <a:ext uri="{FF2B5EF4-FFF2-40B4-BE49-F238E27FC236}">
-                    <a16:creationId xmlns:a16="http://schemas.microsoft.com/office/drawing/2014/main" id="{9FDBC78A-4222-8C3D-55F2-2156A81E6E4E}"/>
+                    <a16:creationId xmlns:a16="http://schemas.microsoft.com/office/drawing/2014/main" xmlns="" id="{9FDBC78A-4222-8C3D-55F2-2156A81E6E4E}"/>
                   </a:ext>
                 </a:extLst>
               </p:cNvPr>
@@ -35391,7 +35387,7 @@
               <p:cNvPr id="103" name="object 72">
                 <a:extLst>
                   <a:ext uri="{FF2B5EF4-FFF2-40B4-BE49-F238E27FC236}">
-                    <a16:creationId xmlns:a16="http://schemas.microsoft.com/office/drawing/2014/main" id="{59CB47C7-7A95-FF36-7498-3EE740F58690}"/>
+                    <a16:creationId xmlns:a16="http://schemas.microsoft.com/office/drawing/2014/main" xmlns="" id="{59CB47C7-7A95-FF36-7498-3EE740F58690}"/>
                   </a:ext>
                 </a:extLst>
               </p:cNvPr>
@@ -35525,7 +35521,7 @@
               <p:cNvPr id="104" name="object 73">
                 <a:extLst>
                   <a:ext uri="{FF2B5EF4-FFF2-40B4-BE49-F238E27FC236}">
-                    <a16:creationId xmlns:a16="http://schemas.microsoft.com/office/drawing/2014/main" id="{E2E5F603-D75A-1DE0-9EDB-78160E1E375B}"/>
+                    <a16:creationId xmlns:a16="http://schemas.microsoft.com/office/drawing/2014/main" xmlns="" id="{E2E5F603-D75A-1DE0-9EDB-78160E1E375B}"/>
                   </a:ext>
                 </a:extLst>
               </p:cNvPr>
@@ -35581,7 +35577,7 @@
               <p:cNvPr id="105" name="object 74">
                 <a:extLst>
                   <a:ext uri="{FF2B5EF4-FFF2-40B4-BE49-F238E27FC236}">
-                    <a16:creationId xmlns:a16="http://schemas.microsoft.com/office/drawing/2014/main" id="{3E30B59C-87B6-7D89-00E5-CA7F69B5098C}"/>
+                    <a16:creationId xmlns:a16="http://schemas.microsoft.com/office/drawing/2014/main" xmlns="" id="{3E30B59C-87B6-7D89-00E5-CA7F69B5098C}"/>
                   </a:ext>
                 </a:extLst>
               </p:cNvPr>
@@ -35749,7 +35745,7 @@
             <p:cNvPr id="6" name="object 83">
               <a:extLst>
                 <a:ext uri="{FF2B5EF4-FFF2-40B4-BE49-F238E27FC236}">
-                  <a16:creationId xmlns:a16="http://schemas.microsoft.com/office/drawing/2014/main" id="{22F811BB-C353-AE52-C9D7-B9C88DE6C30E}"/>
+                  <a16:creationId xmlns:a16="http://schemas.microsoft.com/office/drawing/2014/main" xmlns="" id="{22F811BB-C353-AE52-C9D7-B9C88DE6C30E}"/>
                 </a:ext>
               </a:extLst>
             </p:cNvPr>
@@ -35769,7 +35765,7 @@
               <p:cNvPr id="95" name="object 84">
                 <a:extLst>
                   <a:ext uri="{FF2B5EF4-FFF2-40B4-BE49-F238E27FC236}">
-                    <a16:creationId xmlns:a16="http://schemas.microsoft.com/office/drawing/2014/main" id="{D2C3D734-705A-4440-306B-A1017BF10C3F}"/>
+                    <a16:creationId xmlns:a16="http://schemas.microsoft.com/office/drawing/2014/main" xmlns="" id="{D2C3D734-705A-4440-306B-A1017BF10C3F}"/>
                   </a:ext>
                 </a:extLst>
               </p:cNvPr>
@@ -35984,7 +35980,7 @@
               <p:cNvPr id="96" name="object 85">
                 <a:extLst>
                   <a:ext uri="{FF2B5EF4-FFF2-40B4-BE49-F238E27FC236}">
-                    <a16:creationId xmlns:a16="http://schemas.microsoft.com/office/drawing/2014/main" id="{22D3347A-315F-8C81-03DF-E88EA7BB3989}"/>
+                    <a16:creationId xmlns:a16="http://schemas.microsoft.com/office/drawing/2014/main" xmlns="" id="{22D3347A-315F-8C81-03DF-E88EA7BB3989}"/>
                   </a:ext>
                 </a:extLst>
               </p:cNvPr>
@@ -36085,7 +36081,7 @@
               <p:cNvPr id="97" name="object 86">
                 <a:extLst>
                   <a:ext uri="{FF2B5EF4-FFF2-40B4-BE49-F238E27FC236}">
-                    <a16:creationId xmlns:a16="http://schemas.microsoft.com/office/drawing/2014/main" id="{8087D7C3-0FC4-6C4E-A354-62E48E0E9F6A}"/>
+                    <a16:creationId xmlns:a16="http://schemas.microsoft.com/office/drawing/2014/main" xmlns="" id="{8087D7C3-0FC4-6C4E-A354-62E48E0E9F6A}"/>
                   </a:ext>
                 </a:extLst>
               </p:cNvPr>
@@ -36113,7 +36109,7 @@
               <p:cNvPr id="98" name="object 87">
                 <a:extLst>
                   <a:ext uri="{FF2B5EF4-FFF2-40B4-BE49-F238E27FC236}">
-                    <a16:creationId xmlns:a16="http://schemas.microsoft.com/office/drawing/2014/main" id="{99E07667-C64B-14A7-2728-9B9ADE04BCC8}"/>
+                    <a16:creationId xmlns:a16="http://schemas.microsoft.com/office/drawing/2014/main" xmlns="" id="{99E07667-C64B-14A7-2728-9B9ADE04BCC8}"/>
                   </a:ext>
                 </a:extLst>
               </p:cNvPr>
@@ -36169,7 +36165,7 @@
               <p:cNvPr id="99" name="object 88">
                 <a:extLst>
                   <a:ext uri="{FF2B5EF4-FFF2-40B4-BE49-F238E27FC236}">
-                    <a16:creationId xmlns:a16="http://schemas.microsoft.com/office/drawing/2014/main" id="{7F9B987C-2590-F617-3E16-5731BCF45FB2}"/>
+                    <a16:creationId xmlns:a16="http://schemas.microsoft.com/office/drawing/2014/main" xmlns="" id="{7F9B987C-2590-F617-3E16-5731BCF45FB2}"/>
                   </a:ext>
                 </a:extLst>
               </p:cNvPr>
@@ -36231,7 +36227,7 @@
               <p:cNvPr id="100" name="object 89">
                 <a:extLst>
                   <a:ext uri="{FF2B5EF4-FFF2-40B4-BE49-F238E27FC236}">
-                    <a16:creationId xmlns:a16="http://schemas.microsoft.com/office/drawing/2014/main" id="{3EA309BC-6B3D-27EC-E7CA-A32D7DCE65CC}"/>
+                    <a16:creationId xmlns:a16="http://schemas.microsoft.com/office/drawing/2014/main" xmlns="" id="{3EA309BC-6B3D-27EC-E7CA-A32D7DCE65CC}"/>
                   </a:ext>
                 </a:extLst>
               </p:cNvPr>
@@ -36287,7 +36283,7 @@
               <p:cNvPr id="101" name="object 90">
                 <a:extLst>
                   <a:ext uri="{FF2B5EF4-FFF2-40B4-BE49-F238E27FC236}">
-                    <a16:creationId xmlns:a16="http://schemas.microsoft.com/office/drawing/2014/main" id="{090ECBBB-50E9-71E6-CF39-43719AC7DBAA}"/>
+                    <a16:creationId xmlns:a16="http://schemas.microsoft.com/office/drawing/2014/main" xmlns="" id="{090ECBBB-50E9-71E6-CF39-43719AC7DBAA}"/>
                   </a:ext>
                 </a:extLst>
               </p:cNvPr>
@@ -36455,7 +36451,7 @@
             <p:cNvPr id="83" name="object 112">
               <a:extLst>
                 <a:ext uri="{FF2B5EF4-FFF2-40B4-BE49-F238E27FC236}">
-                  <a16:creationId xmlns:a16="http://schemas.microsoft.com/office/drawing/2014/main" id="{881BB956-0174-91BA-DEC9-BE87E5340630}"/>
+                  <a16:creationId xmlns:a16="http://schemas.microsoft.com/office/drawing/2014/main" xmlns="" id="{881BB956-0174-91BA-DEC9-BE87E5340630}"/>
                 </a:ext>
               </a:extLst>
             </p:cNvPr>
@@ -36561,7 +36557,7 @@
             <p:cNvPr id="84" name="object 113">
               <a:extLst>
                 <a:ext uri="{FF2B5EF4-FFF2-40B4-BE49-F238E27FC236}">
-                  <a16:creationId xmlns:a16="http://schemas.microsoft.com/office/drawing/2014/main" id="{D4F502D6-BEF2-1D32-1D10-D08585EE31AD}"/>
+                  <a16:creationId xmlns:a16="http://schemas.microsoft.com/office/drawing/2014/main" xmlns="" id="{D4F502D6-BEF2-1D32-1D10-D08585EE31AD}"/>
                 </a:ext>
               </a:extLst>
             </p:cNvPr>
@@ -36667,7 +36663,7 @@
             <p:cNvPr id="85" name="object 114">
               <a:extLst>
                 <a:ext uri="{FF2B5EF4-FFF2-40B4-BE49-F238E27FC236}">
-                  <a16:creationId xmlns:a16="http://schemas.microsoft.com/office/drawing/2014/main" id="{716E2825-5A79-AABB-7FC3-F7B7225C6B09}"/>
+                  <a16:creationId xmlns:a16="http://schemas.microsoft.com/office/drawing/2014/main" xmlns="" id="{716E2825-5A79-AABB-7FC3-F7B7225C6B09}"/>
                 </a:ext>
               </a:extLst>
             </p:cNvPr>
@@ -36773,7 +36769,7 @@
             <p:cNvPr id="86" name="object 115">
               <a:extLst>
                 <a:ext uri="{FF2B5EF4-FFF2-40B4-BE49-F238E27FC236}">
-                  <a16:creationId xmlns:a16="http://schemas.microsoft.com/office/drawing/2014/main" id="{F5059C22-6699-1A19-AF76-EF709174C153}"/>
+                  <a16:creationId xmlns:a16="http://schemas.microsoft.com/office/drawing/2014/main" xmlns="" id="{F5059C22-6699-1A19-AF76-EF709174C153}"/>
                 </a:ext>
               </a:extLst>
             </p:cNvPr>
@@ -36879,7 +36875,7 @@
             <p:cNvPr id="87" name="object 116">
               <a:extLst>
                 <a:ext uri="{FF2B5EF4-FFF2-40B4-BE49-F238E27FC236}">
-                  <a16:creationId xmlns:a16="http://schemas.microsoft.com/office/drawing/2014/main" id="{763D4CB5-0ED0-30B7-4FD6-95138F8BF93B}"/>
+                  <a16:creationId xmlns:a16="http://schemas.microsoft.com/office/drawing/2014/main" xmlns="" id="{763D4CB5-0ED0-30B7-4FD6-95138F8BF93B}"/>
                 </a:ext>
               </a:extLst>
             </p:cNvPr>
@@ -36985,7 +36981,7 @@
             <p:cNvPr id="88" name="object 117">
               <a:extLst>
                 <a:ext uri="{FF2B5EF4-FFF2-40B4-BE49-F238E27FC236}">
-                  <a16:creationId xmlns:a16="http://schemas.microsoft.com/office/drawing/2014/main" id="{9A69FB0C-45ED-09CE-97D2-C5B0432F8A45}"/>
+                  <a16:creationId xmlns:a16="http://schemas.microsoft.com/office/drawing/2014/main" xmlns="" id="{9A69FB0C-45ED-09CE-97D2-C5B0432F8A45}"/>
                 </a:ext>
               </a:extLst>
             </p:cNvPr>
@@ -37091,7 +37087,7 @@
             <p:cNvPr id="89" name="object 118">
               <a:extLst>
                 <a:ext uri="{FF2B5EF4-FFF2-40B4-BE49-F238E27FC236}">
-                  <a16:creationId xmlns:a16="http://schemas.microsoft.com/office/drawing/2014/main" id="{5BFEDDA4-D95D-2BAC-1701-2BBEBD2B5FF7}"/>
+                  <a16:creationId xmlns:a16="http://schemas.microsoft.com/office/drawing/2014/main" xmlns="" id="{5BFEDDA4-D95D-2BAC-1701-2BBEBD2B5FF7}"/>
                 </a:ext>
               </a:extLst>
             </p:cNvPr>
@@ -37197,7 +37193,7 @@
             <p:cNvPr id="90" name="object 119">
               <a:extLst>
                 <a:ext uri="{FF2B5EF4-FFF2-40B4-BE49-F238E27FC236}">
-                  <a16:creationId xmlns:a16="http://schemas.microsoft.com/office/drawing/2014/main" id="{43A3C036-33C6-CCA6-BC5D-E33ADE44C3A6}"/>
+                  <a16:creationId xmlns:a16="http://schemas.microsoft.com/office/drawing/2014/main" xmlns="" id="{43A3C036-33C6-CCA6-BC5D-E33ADE44C3A6}"/>
                 </a:ext>
               </a:extLst>
             </p:cNvPr>
@@ -37303,7 +37299,7 @@
             <p:cNvPr id="7" name="object 148">
               <a:extLst>
                 <a:ext uri="{FF2B5EF4-FFF2-40B4-BE49-F238E27FC236}">
-                  <a16:creationId xmlns:a16="http://schemas.microsoft.com/office/drawing/2014/main" id="{80738C35-12FA-0A7C-08EA-71FF49648269}"/>
+                  <a16:creationId xmlns:a16="http://schemas.microsoft.com/office/drawing/2014/main" xmlns="" id="{80738C35-12FA-0A7C-08EA-71FF49648269}"/>
                 </a:ext>
               </a:extLst>
             </p:cNvPr>
@@ -37323,7 +37319,7 @@
               <p:cNvPr id="93" name="object 149">
                 <a:extLst>
                   <a:ext uri="{FF2B5EF4-FFF2-40B4-BE49-F238E27FC236}">
-                    <a16:creationId xmlns:a16="http://schemas.microsoft.com/office/drawing/2014/main" id="{808CB2CF-E537-6501-4D48-55973B75A6E9}"/>
+                    <a16:creationId xmlns:a16="http://schemas.microsoft.com/office/drawing/2014/main" xmlns="" id="{808CB2CF-E537-6501-4D48-55973B75A6E9}"/>
                   </a:ext>
                 </a:extLst>
               </p:cNvPr>
@@ -37429,7 +37425,7 @@
               <p:cNvPr id="94" name="object 150">
                 <a:extLst>
                   <a:ext uri="{FF2B5EF4-FFF2-40B4-BE49-F238E27FC236}">
-                    <a16:creationId xmlns:a16="http://schemas.microsoft.com/office/drawing/2014/main" id="{549D2A2A-791F-3F14-8414-70278BB7146F}"/>
+                    <a16:creationId xmlns:a16="http://schemas.microsoft.com/office/drawing/2014/main" xmlns="" id="{549D2A2A-791F-3F14-8414-70278BB7146F}"/>
                   </a:ext>
                 </a:extLst>
               </p:cNvPr>
@@ -37536,7 +37532,7 @@
             <p:cNvPr id="92" name="object 151">
               <a:extLst>
                 <a:ext uri="{FF2B5EF4-FFF2-40B4-BE49-F238E27FC236}">
-                  <a16:creationId xmlns:a16="http://schemas.microsoft.com/office/drawing/2014/main" id="{84C08DBC-B301-6451-3110-E48CC4B25E5D}"/>
+                  <a16:creationId xmlns:a16="http://schemas.microsoft.com/office/drawing/2014/main" xmlns="" id="{84C08DBC-B301-6451-3110-E48CC4B25E5D}"/>
                 </a:ext>
               </a:extLst>
             </p:cNvPr>
@@ -37724,7 +37720,7 @@
           <p:cNvPr id="49" name="object 109">
             <a:extLst>
               <a:ext uri="{FF2B5EF4-FFF2-40B4-BE49-F238E27FC236}">
-                <a16:creationId xmlns:a16="http://schemas.microsoft.com/office/drawing/2014/main" id="{DD171912-AD40-081A-D8EB-730C4B390647}"/>
+                <a16:creationId xmlns:a16="http://schemas.microsoft.com/office/drawing/2014/main" xmlns="" id="{DD171912-AD40-081A-D8EB-730C4B390647}"/>
               </a:ext>
             </a:extLst>
           </p:cNvPr>
@@ -37843,7 +37839,7 @@
           <p:cNvPr id="2" name="Slide Number Placeholder 1">
             <a:extLst>
               <a:ext uri="{FF2B5EF4-FFF2-40B4-BE49-F238E27FC236}">
-                <a16:creationId xmlns:a16="http://schemas.microsoft.com/office/drawing/2014/main" id="{A2A6FC6C-A0CF-BA56-CEDF-31A999916AE7}"/>
+                <a16:creationId xmlns:a16="http://schemas.microsoft.com/office/drawing/2014/main" xmlns="" id="{A2A6FC6C-A0CF-BA56-CEDF-31A999916AE7}"/>
               </a:ext>
             </a:extLst>
           </p:cNvPr>
@@ -37873,7 +37869,7 @@
           <p:cNvPr id="4" name="Title 3">
             <a:extLst>
               <a:ext uri="{FF2B5EF4-FFF2-40B4-BE49-F238E27FC236}">
-                <a16:creationId xmlns:a16="http://schemas.microsoft.com/office/drawing/2014/main" id="{C6B52E12-FB86-9F12-3049-D31914832BCB}"/>
+                <a16:creationId xmlns:a16="http://schemas.microsoft.com/office/drawing/2014/main" xmlns="" id="{C6B52E12-FB86-9F12-3049-D31914832BCB}"/>
               </a:ext>
             </a:extLst>
           </p:cNvPr>
@@ -37930,7 +37926,7 @@
           <p:cNvPr id="10" name="object 14">
             <a:extLst>
               <a:ext uri="{FF2B5EF4-FFF2-40B4-BE49-F238E27FC236}">
-                <a16:creationId xmlns:a16="http://schemas.microsoft.com/office/drawing/2014/main" id="{EE31EBF9-2DB1-F8D3-627B-8AB2275A3E64}"/>
+                <a16:creationId xmlns:a16="http://schemas.microsoft.com/office/drawing/2014/main" xmlns="" id="{EE31EBF9-2DB1-F8D3-627B-8AB2275A3E64}"/>
               </a:ext>
             </a:extLst>
           </p:cNvPr>
@@ -37986,7 +37982,7 @@
           <p:cNvPr id="12" name="object 18">
             <a:extLst>
               <a:ext uri="{FF2B5EF4-FFF2-40B4-BE49-F238E27FC236}">
-                <a16:creationId xmlns:a16="http://schemas.microsoft.com/office/drawing/2014/main" id="{A88D1E1F-D061-204C-BA22-AD4D342052FF}"/>
+                <a16:creationId xmlns:a16="http://schemas.microsoft.com/office/drawing/2014/main" xmlns="" id="{A88D1E1F-D061-204C-BA22-AD4D342052FF}"/>
               </a:ext>
             </a:extLst>
           </p:cNvPr>
@@ -38042,7 +38038,7 @@
           <p:cNvPr id="50" name="object 110">
             <a:extLst>
               <a:ext uri="{FF2B5EF4-FFF2-40B4-BE49-F238E27FC236}">
-                <a16:creationId xmlns:a16="http://schemas.microsoft.com/office/drawing/2014/main" id="{C23F5FA3-7738-E20A-6375-AA43EBA9A105}"/>
+                <a16:creationId xmlns:a16="http://schemas.microsoft.com/office/drawing/2014/main" xmlns="" id="{C23F5FA3-7738-E20A-6375-AA43EBA9A105}"/>
               </a:ext>
             </a:extLst>
           </p:cNvPr>
@@ -38094,7 +38090,7 @@
           <p:cNvPr id="51" name="object 120">
             <a:extLst>
               <a:ext uri="{FF2B5EF4-FFF2-40B4-BE49-F238E27FC236}">
-                <a16:creationId xmlns:a16="http://schemas.microsoft.com/office/drawing/2014/main" id="{FD3F73B9-BD5F-86A0-748E-03C22E015621}"/>
+                <a16:creationId xmlns:a16="http://schemas.microsoft.com/office/drawing/2014/main" xmlns="" id="{FD3F73B9-BD5F-86A0-748E-03C22E015621}"/>
               </a:ext>
             </a:extLst>
           </p:cNvPr>
@@ -38200,7 +38196,7 @@
           <p:cNvPr id="16" name="Group 117">
             <a:extLst>
               <a:ext uri="{FF2B5EF4-FFF2-40B4-BE49-F238E27FC236}">
-                <a16:creationId xmlns:a16="http://schemas.microsoft.com/office/drawing/2014/main" id="{17319112-4A3A-B1E5-C73B-30AC864E63BC}"/>
+                <a16:creationId xmlns:a16="http://schemas.microsoft.com/office/drawing/2014/main" xmlns="" id="{17319112-4A3A-B1E5-C73B-30AC864E63BC}"/>
               </a:ext>
             </a:extLst>
           </p:cNvPr>
@@ -38220,7 +38216,7 @@
             <p:cNvPr id="52" name="object 121">
               <a:extLst>
                 <a:ext uri="{FF2B5EF4-FFF2-40B4-BE49-F238E27FC236}">
-                  <a16:creationId xmlns:a16="http://schemas.microsoft.com/office/drawing/2014/main" id="{1929066A-CC16-B747-DCA1-7941621D1047}"/>
+                  <a16:creationId xmlns:a16="http://schemas.microsoft.com/office/drawing/2014/main" xmlns="" id="{1929066A-CC16-B747-DCA1-7941621D1047}"/>
                 </a:ext>
               </a:extLst>
             </p:cNvPr>
@@ -38326,7 +38322,7 @@
             <p:cNvPr id="53" name="object 122">
               <a:extLst>
                 <a:ext uri="{FF2B5EF4-FFF2-40B4-BE49-F238E27FC236}">
-                  <a16:creationId xmlns:a16="http://schemas.microsoft.com/office/drawing/2014/main" id="{88C4845E-15E9-ACCC-E881-E0C90E71C743}"/>
+                  <a16:creationId xmlns:a16="http://schemas.microsoft.com/office/drawing/2014/main" xmlns="" id="{88C4845E-15E9-ACCC-E881-E0C90E71C743}"/>
                 </a:ext>
               </a:extLst>
             </p:cNvPr>
@@ -38378,7 +38374,7 @@
             <p:cNvPr id="54" name="object 123">
               <a:extLst>
                 <a:ext uri="{FF2B5EF4-FFF2-40B4-BE49-F238E27FC236}">
-                  <a16:creationId xmlns:a16="http://schemas.microsoft.com/office/drawing/2014/main" id="{B9A6D9AB-C941-C3B7-DFC0-4E9BB9A3D036}"/>
+                  <a16:creationId xmlns:a16="http://schemas.microsoft.com/office/drawing/2014/main" xmlns="" id="{B9A6D9AB-C941-C3B7-DFC0-4E9BB9A3D036}"/>
                 </a:ext>
               </a:extLst>
             </p:cNvPr>
@@ -38451,7 +38447,7 @@
           <p:cNvPr id="17" name="Group 118">
             <a:extLst>
               <a:ext uri="{FF2B5EF4-FFF2-40B4-BE49-F238E27FC236}">
-                <a16:creationId xmlns:a16="http://schemas.microsoft.com/office/drawing/2014/main" id="{299D0A6F-72FD-2853-28E0-5D0282D50219}"/>
+                <a16:creationId xmlns:a16="http://schemas.microsoft.com/office/drawing/2014/main" xmlns="" id="{299D0A6F-72FD-2853-28E0-5D0282D50219}"/>
               </a:ext>
             </a:extLst>
           </p:cNvPr>
@@ -38471,7 +38467,7 @@
             <p:cNvPr id="18" name="object 124">
               <a:extLst>
                 <a:ext uri="{FF2B5EF4-FFF2-40B4-BE49-F238E27FC236}">
-                  <a16:creationId xmlns:a16="http://schemas.microsoft.com/office/drawing/2014/main" id="{1A59CBF0-6076-6FBB-22E1-DA85939BFB84}"/>
+                  <a16:creationId xmlns:a16="http://schemas.microsoft.com/office/drawing/2014/main" xmlns="" id="{1A59CBF0-6076-6FBB-22E1-DA85939BFB84}"/>
                 </a:ext>
               </a:extLst>
             </p:cNvPr>
@@ -38491,7 +38487,7 @@
               <p:cNvPr id="56" name="object 125">
                 <a:extLst>
                   <a:ext uri="{FF2B5EF4-FFF2-40B4-BE49-F238E27FC236}">
-                    <a16:creationId xmlns:a16="http://schemas.microsoft.com/office/drawing/2014/main" id="{0B930372-A21B-644F-AEAA-C4B0C6ABB27D}"/>
+                    <a16:creationId xmlns:a16="http://schemas.microsoft.com/office/drawing/2014/main" xmlns="" id="{0B930372-A21B-644F-AEAA-C4B0C6ABB27D}"/>
                   </a:ext>
                 </a:extLst>
               </p:cNvPr>
@@ -38597,7 +38593,7 @@
               <p:cNvPr id="57" name="object 126">
                 <a:extLst>
                   <a:ext uri="{FF2B5EF4-FFF2-40B4-BE49-F238E27FC236}">
-                    <a16:creationId xmlns:a16="http://schemas.microsoft.com/office/drawing/2014/main" id="{6B1F1211-4839-FFA6-D237-66C4180006E2}"/>
+                    <a16:creationId xmlns:a16="http://schemas.microsoft.com/office/drawing/2014/main" xmlns="" id="{6B1F1211-4839-FFA6-D237-66C4180006E2}"/>
                   </a:ext>
                 </a:extLst>
               </p:cNvPr>
@@ -38704,7 +38700,7 @@
             <p:cNvPr id="58" name="object 127">
               <a:extLst>
                 <a:ext uri="{FF2B5EF4-FFF2-40B4-BE49-F238E27FC236}">
-                  <a16:creationId xmlns:a16="http://schemas.microsoft.com/office/drawing/2014/main" id="{9C4CC2DA-F897-AA93-32EA-923767AD48A6}"/>
+                  <a16:creationId xmlns:a16="http://schemas.microsoft.com/office/drawing/2014/main" xmlns="" id="{9C4CC2DA-F897-AA93-32EA-923767AD48A6}"/>
                 </a:ext>
               </a:extLst>
             </p:cNvPr>
@@ -38798,7 +38794,7 @@
           <p:cNvPr id="19" name="Group 119">
             <a:extLst>
               <a:ext uri="{FF2B5EF4-FFF2-40B4-BE49-F238E27FC236}">
-                <a16:creationId xmlns:a16="http://schemas.microsoft.com/office/drawing/2014/main" id="{C9D75304-ADF3-F931-FCE4-9289B256C68A}"/>
+                <a16:creationId xmlns:a16="http://schemas.microsoft.com/office/drawing/2014/main" xmlns="" id="{C9D75304-ADF3-F931-FCE4-9289B256C68A}"/>
               </a:ext>
             </a:extLst>
           </p:cNvPr>
@@ -38818,7 +38814,7 @@
             <p:cNvPr id="59" name="object 129">
               <a:extLst>
                 <a:ext uri="{FF2B5EF4-FFF2-40B4-BE49-F238E27FC236}">
-                  <a16:creationId xmlns:a16="http://schemas.microsoft.com/office/drawing/2014/main" id="{73782A47-7931-621A-15C3-5BD02C0C9B0D}"/>
+                  <a16:creationId xmlns:a16="http://schemas.microsoft.com/office/drawing/2014/main" xmlns="" id="{73782A47-7931-621A-15C3-5BD02C0C9B0D}"/>
                 </a:ext>
               </a:extLst>
             </p:cNvPr>
@@ -38829,7 +38825,7 @@
             <a:blip r:embed="rId3" cstate="print">
               <a:extLst>
                 <a:ext uri="{BEBA8EAE-BF5A-486C-A8C5-ECC9F3942E4B}">
-                  <a14:imgProps xmlns:a14="http://schemas.microsoft.com/office/drawing/2010/main">
+                  <a14:imgProps xmlns:a14="http://schemas.microsoft.com/office/drawing/2010/main" xmlns="">
                     <a14:imgLayer r:embed="rId4">
                       <a14:imgEffect>
                         <a14:saturation sat="300000"/>
@@ -38858,7 +38854,7 @@
             <p:cNvPr id="60" name="object 130">
               <a:extLst>
                 <a:ext uri="{FF2B5EF4-FFF2-40B4-BE49-F238E27FC236}">
-                  <a16:creationId xmlns:a16="http://schemas.microsoft.com/office/drawing/2014/main" id="{7A3D6B9D-498F-5247-4DD9-E3DAB7D203C8}"/>
+                  <a16:creationId xmlns:a16="http://schemas.microsoft.com/office/drawing/2014/main" xmlns="" id="{7A3D6B9D-498F-5247-4DD9-E3DAB7D203C8}"/>
                 </a:ext>
               </a:extLst>
             </p:cNvPr>
@@ -38966,7 +38962,7 @@
           <p:cNvPr id="61" name="object 131">
             <a:extLst>
               <a:ext uri="{FF2B5EF4-FFF2-40B4-BE49-F238E27FC236}">
-                <a16:creationId xmlns:a16="http://schemas.microsoft.com/office/drawing/2014/main" id="{8F2654DB-FD9B-EE57-D161-8A7987B94E03}"/>
+                <a16:creationId xmlns:a16="http://schemas.microsoft.com/office/drawing/2014/main" xmlns="" id="{8F2654DB-FD9B-EE57-D161-8A7987B94E03}"/>
               </a:ext>
             </a:extLst>
           </p:cNvPr>
@@ -39072,7 +39068,7 @@
           <p:cNvPr id="20" name="object 134">
             <a:extLst>
               <a:ext uri="{FF2B5EF4-FFF2-40B4-BE49-F238E27FC236}">
-                <a16:creationId xmlns:a16="http://schemas.microsoft.com/office/drawing/2014/main" id="{EC1BFB5E-8833-0CC9-C9A5-F078022EC664}"/>
+                <a16:creationId xmlns:a16="http://schemas.microsoft.com/office/drawing/2014/main" xmlns="" id="{EC1BFB5E-8833-0CC9-C9A5-F078022EC664}"/>
               </a:ext>
             </a:extLst>
           </p:cNvPr>
@@ -39092,7 +39088,7 @@
             <p:cNvPr id="65" name="object 135">
               <a:extLst>
                 <a:ext uri="{FF2B5EF4-FFF2-40B4-BE49-F238E27FC236}">
-                  <a16:creationId xmlns:a16="http://schemas.microsoft.com/office/drawing/2014/main" id="{78BD68E8-51D7-DFBC-15D4-D55A24607F38}"/>
+                  <a16:creationId xmlns:a16="http://schemas.microsoft.com/office/drawing/2014/main" xmlns="" id="{78BD68E8-51D7-DFBC-15D4-D55A24607F38}"/>
                 </a:ext>
               </a:extLst>
             </p:cNvPr>
@@ -39157,7 +39153,7 @@
             <p:cNvPr id="66" name="object 136">
               <a:extLst>
                 <a:ext uri="{FF2B5EF4-FFF2-40B4-BE49-F238E27FC236}">
-                  <a16:creationId xmlns:a16="http://schemas.microsoft.com/office/drawing/2014/main" id="{E71D967A-08D5-4992-9C1A-8EBA8B41266C}"/>
+                  <a16:creationId xmlns:a16="http://schemas.microsoft.com/office/drawing/2014/main" xmlns="" id="{E71D967A-08D5-4992-9C1A-8EBA8B41266C}"/>
                 </a:ext>
               </a:extLst>
             </p:cNvPr>
@@ -39225,7 +39221,7 @@
           <p:cNvPr id="107" name="object 153">
             <a:extLst>
               <a:ext uri="{FF2B5EF4-FFF2-40B4-BE49-F238E27FC236}">
-                <a16:creationId xmlns:a16="http://schemas.microsoft.com/office/drawing/2014/main" id="{94BC307B-E855-713A-26B8-5FC4508505D2}"/>
+                <a16:creationId xmlns:a16="http://schemas.microsoft.com/office/drawing/2014/main" xmlns="" id="{94BC307B-E855-713A-26B8-5FC4508505D2}"/>
               </a:ext>
             </a:extLst>
           </p:cNvPr>
@@ -39277,7 +39273,7 @@
           <p:cNvPr id="113" name="object 159">
             <a:extLst>
               <a:ext uri="{FF2B5EF4-FFF2-40B4-BE49-F238E27FC236}">
-                <a16:creationId xmlns:a16="http://schemas.microsoft.com/office/drawing/2014/main" id="{A90ADED9-FB90-96EF-7A4F-2A9EBDE34947}"/>
+                <a16:creationId xmlns:a16="http://schemas.microsoft.com/office/drawing/2014/main" xmlns="" id="{A90ADED9-FB90-96EF-7A4F-2A9EBDE34947}"/>
               </a:ext>
             </a:extLst>
           </p:cNvPr>
@@ -39329,7 +39325,7 @@
           <p:cNvPr id="23" name="Group 16">
             <a:extLst>
               <a:ext uri="{FF2B5EF4-FFF2-40B4-BE49-F238E27FC236}">
-                <a16:creationId xmlns:a16="http://schemas.microsoft.com/office/drawing/2014/main" id="{A2EBDC8B-D43D-CC80-D191-40735D153B09}"/>
+                <a16:creationId xmlns:a16="http://schemas.microsoft.com/office/drawing/2014/main" xmlns="" id="{A2EBDC8B-D43D-CC80-D191-40735D153B09}"/>
               </a:ext>
             </a:extLst>
           </p:cNvPr>
@@ -39349,7 +39345,7 @@
             <p:cNvPr id="24" name="Group 140">
               <a:extLst>
                 <a:ext uri="{FF2B5EF4-FFF2-40B4-BE49-F238E27FC236}">
-                  <a16:creationId xmlns:a16="http://schemas.microsoft.com/office/drawing/2014/main" id="{BDCBB1ED-C6CF-2DEC-7386-E0B087643A90}"/>
+                  <a16:creationId xmlns:a16="http://schemas.microsoft.com/office/drawing/2014/main" xmlns="" id="{BDCBB1ED-C6CF-2DEC-7386-E0B087643A90}"/>
                 </a:ext>
               </a:extLst>
             </p:cNvPr>
@@ -39369,7 +39365,7 @@
               <p:cNvPr id="121" name="object 132">
                 <a:extLst>
                   <a:ext uri="{FF2B5EF4-FFF2-40B4-BE49-F238E27FC236}">
-                    <a16:creationId xmlns:a16="http://schemas.microsoft.com/office/drawing/2014/main" id="{2DA7E3C9-8F37-BE45-B418-F70844F1DDB4}"/>
+                    <a16:creationId xmlns:a16="http://schemas.microsoft.com/office/drawing/2014/main" xmlns="" id="{2DA7E3C9-8F37-BE45-B418-F70844F1DDB4}"/>
                   </a:ext>
                 </a:extLst>
               </p:cNvPr>
@@ -39475,7 +39471,7 @@
               <p:cNvPr id="122" name="object 133">
                 <a:extLst>
                   <a:ext uri="{FF2B5EF4-FFF2-40B4-BE49-F238E27FC236}">
-                    <a16:creationId xmlns:a16="http://schemas.microsoft.com/office/drawing/2014/main" id="{CAD0128F-9F22-F14A-4980-D8C36D803286}"/>
+                    <a16:creationId xmlns:a16="http://schemas.microsoft.com/office/drawing/2014/main" xmlns="" id="{CAD0128F-9F22-F14A-4980-D8C36D803286}"/>
                   </a:ext>
                 </a:extLst>
               </p:cNvPr>
@@ -39528,7 +39524,7 @@
             <p:cNvPr id="25" name="Group 15">
               <a:extLst>
                 <a:ext uri="{FF2B5EF4-FFF2-40B4-BE49-F238E27FC236}">
-                  <a16:creationId xmlns:a16="http://schemas.microsoft.com/office/drawing/2014/main" id="{A48DDADD-17CD-5777-71F4-ABC5393FC2AF}"/>
+                  <a16:creationId xmlns:a16="http://schemas.microsoft.com/office/drawing/2014/main" xmlns="" id="{A48DDADD-17CD-5777-71F4-ABC5393FC2AF}"/>
                 </a:ext>
               </a:extLst>
             </p:cNvPr>
@@ -39548,7 +39544,7 @@
               <p:cNvPr id="8" name="Picture 7">
                 <a:extLst>
                   <a:ext uri="{FF2B5EF4-FFF2-40B4-BE49-F238E27FC236}">
-                    <a16:creationId xmlns:a16="http://schemas.microsoft.com/office/drawing/2014/main" id="{2FB1D70C-5EA3-A684-550B-A9FB2E3318F3}"/>
+                    <a16:creationId xmlns:a16="http://schemas.microsoft.com/office/drawing/2014/main" xmlns="" id="{2FB1D70C-5EA3-A684-550B-A9FB2E3318F3}"/>
                   </a:ext>
                 </a:extLst>
               </p:cNvPr>
@@ -39578,7 +39574,7 @@
               <p:cNvPr id="9" name="Picture 8">
                 <a:extLst>
                   <a:ext uri="{FF2B5EF4-FFF2-40B4-BE49-F238E27FC236}">
-                    <a16:creationId xmlns:a16="http://schemas.microsoft.com/office/drawing/2014/main" id="{93D13212-F989-86D3-49BA-32A265C6FC54}"/>
+                    <a16:creationId xmlns:a16="http://schemas.microsoft.com/office/drawing/2014/main" xmlns="" id="{93D13212-F989-86D3-49BA-32A265C6FC54}"/>
                   </a:ext>
                 </a:extLst>
               </p:cNvPr>
@@ -39608,7 +39604,7 @@
               <p:cNvPr id="11" name="Picture 10">
                 <a:extLst>
                   <a:ext uri="{FF2B5EF4-FFF2-40B4-BE49-F238E27FC236}">
-                    <a16:creationId xmlns:a16="http://schemas.microsoft.com/office/drawing/2014/main" id="{0F0D22B0-F422-0DC7-5CF4-2196FE814638}"/>
+                    <a16:creationId xmlns:a16="http://schemas.microsoft.com/office/drawing/2014/main" xmlns="" id="{0F0D22B0-F422-0DC7-5CF4-2196FE814638}"/>
                   </a:ext>
                 </a:extLst>
               </p:cNvPr>
@@ -39640,7 +39636,7 @@
           <p:cNvPr id="26" name="Group 18">
             <a:extLst>
               <a:ext uri="{FF2B5EF4-FFF2-40B4-BE49-F238E27FC236}">
-                <a16:creationId xmlns:a16="http://schemas.microsoft.com/office/drawing/2014/main" id="{F2CED962-35F1-36EF-E1E2-D62A531DF7A6}"/>
+                <a16:creationId xmlns:a16="http://schemas.microsoft.com/office/drawing/2014/main" xmlns="" id="{F2CED962-35F1-36EF-E1E2-D62A531DF7A6}"/>
               </a:ext>
             </a:extLst>
           </p:cNvPr>
@@ -39660,7 +39656,7 @@
             <p:cNvPr id="27" name="Group 141">
               <a:extLst>
                 <a:ext uri="{FF2B5EF4-FFF2-40B4-BE49-F238E27FC236}">
-                  <a16:creationId xmlns:a16="http://schemas.microsoft.com/office/drawing/2014/main" id="{40C81AE4-95D4-D7D4-0338-CA66A3D19E27}"/>
+                  <a16:creationId xmlns:a16="http://schemas.microsoft.com/office/drawing/2014/main" xmlns="" id="{40C81AE4-95D4-D7D4-0338-CA66A3D19E27}"/>
                 </a:ext>
               </a:extLst>
             </p:cNvPr>
@@ -39680,7 +39676,7 @@
               <p:cNvPr id="28" name="object 137">
                 <a:extLst>
                   <a:ext uri="{FF2B5EF4-FFF2-40B4-BE49-F238E27FC236}">
-                    <a16:creationId xmlns:a16="http://schemas.microsoft.com/office/drawing/2014/main" id="{21B4EB0C-79E9-171F-6593-AA969A5D9F05}"/>
+                    <a16:creationId xmlns:a16="http://schemas.microsoft.com/office/drawing/2014/main" xmlns="" id="{21B4EB0C-79E9-171F-6593-AA969A5D9F05}"/>
                   </a:ext>
                 </a:extLst>
               </p:cNvPr>
@@ -39700,7 +39696,7 @@
                 <p:cNvPr id="124" name="object 138">
                   <a:extLst>
                     <a:ext uri="{FF2B5EF4-FFF2-40B4-BE49-F238E27FC236}">
-                      <a16:creationId xmlns:a16="http://schemas.microsoft.com/office/drawing/2014/main" id="{E2AAEA8E-5364-817E-A5BE-3BD17E494EAD}"/>
+                      <a16:creationId xmlns:a16="http://schemas.microsoft.com/office/drawing/2014/main" xmlns="" id="{E2AAEA8E-5364-817E-A5BE-3BD17E494EAD}"/>
                     </a:ext>
                   </a:extLst>
                 </p:cNvPr>
@@ -39806,7 +39802,7 @@
                 <p:cNvPr id="125" name="object 139">
                   <a:extLst>
                     <a:ext uri="{FF2B5EF4-FFF2-40B4-BE49-F238E27FC236}">
-                      <a16:creationId xmlns:a16="http://schemas.microsoft.com/office/drawing/2014/main" id="{FFB5DF30-E01D-9676-E287-0845BC0DE9F9}"/>
+                      <a16:creationId xmlns:a16="http://schemas.microsoft.com/office/drawing/2014/main" xmlns="" id="{FFB5DF30-E01D-9676-E287-0845BC0DE9F9}"/>
                     </a:ext>
                   </a:extLst>
                 </p:cNvPr>
@@ -39913,7 +39909,7 @@
               <p:cNvPr id="126" name="object 140">
                 <a:extLst>
                   <a:ext uri="{FF2B5EF4-FFF2-40B4-BE49-F238E27FC236}">
-                    <a16:creationId xmlns:a16="http://schemas.microsoft.com/office/drawing/2014/main" id="{D53DF93E-517A-3F90-2062-0D0E5467D86A}"/>
+                    <a16:creationId xmlns:a16="http://schemas.microsoft.com/office/drawing/2014/main" xmlns="" id="{D53DF93E-517A-3F90-2062-0D0E5467D86A}"/>
                   </a:ext>
                 </a:extLst>
               </p:cNvPr>
@@ -39966,7 +39962,7 @@
             <p:cNvPr id="29" name="Group 17">
               <a:extLst>
                 <a:ext uri="{FF2B5EF4-FFF2-40B4-BE49-F238E27FC236}">
-                  <a16:creationId xmlns:a16="http://schemas.microsoft.com/office/drawing/2014/main" id="{DA56B88E-FCB6-BCCF-58CA-544194B88F1A}"/>
+                  <a16:creationId xmlns:a16="http://schemas.microsoft.com/office/drawing/2014/main" xmlns="" id="{DA56B88E-FCB6-BCCF-58CA-544194B88F1A}"/>
                 </a:ext>
               </a:extLst>
             </p:cNvPr>
@@ -39986,7 +39982,7 @@
               <p:cNvPr id="13" name="Picture 12">
                 <a:extLst>
                   <a:ext uri="{FF2B5EF4-FFF2-40B4-BE49-F238E27FC236}">
-                    <a16:creationId xmlns:a16="http://schemas.microsoft.com/office/drawing/2014/main" id="{DC004B28-3024-0340-3DFA-685DB3B4F98F}"/>
+                    <a16:creationId xmlns:a16="http://schemas.microsoft.com/office/drawing/2014/main" xmlns="" id="{DC004B28-3024-0340-3DFA-685DB3B4F98F}"/>
                   </a:ext>
                 </a:extLst>
               </p:cNvPr>
@@ -40016,7 +40012,7 @@
               <p:cNvPr id="14" name="Picture 13">
                 <a:extLst>
                   <a:ext uri="{FF2B5EF4-FFF2-40B4-BE49-F238E27FC236}">
-                    <a16:creationId xmlns:a16="http://schemas.microsoft.com/office/drawing/2014/main" id="{C07B3FD4-21AB-E1FF-287B-E7CF8EE553F3}"/>
+                    <a16:creationId xmlns:a16="http://schemas.microsoft.com/office/drawing/2014/main" xmlns="" id="{C07B3FD4-21AB-E1FF-287B-E7CF8EE553F3}"/>
                   </a:ext>
                 </a:extLst>
               </p:cNvPr>
@@ -40046,7 +40042,7 @@
               <p:cNvPr id="15" name="Picture 14">
                 <a:extLst>
                   <a:ext uri="{FF2B5EF4-FFF2-40B4-BE49-F238E27FC236}">
-                    <a16:creationId xmlns:a16="http://schemas.microsoft.com/office/drawing/2014/main" id="{29AAE51D-A720-4577-F2E6-606B019716FF}"/>
+                    <a16:creationId xmlns:a16="http://schemas.microsoft.com/office/drawing/2014/main" xmlns="" id="{29AAE51D-A720-4577-F2E6-606B019716FF}"/>
                   </a:ext>
                 </a:extLst>
               </p:cNvPr>
@@ -40076,18 +40072,18 @@
     </p:spTree>
     <p:extLst>
       <p:ext uri="{BB962C8B-B14F-4D97-AF65-F5344CB8AC3E}">
-        <p14:creationId xmlns:p14="http://schemas.microsoft.com/office/powerpoint/2010/main" val="352797082"/>
+        <p14:creationId xmlns:p14="http://schemas.microsoft.com/office/powerpoint/2010/main" xmlns="" val="352797082"/>
       </p:ext>
     </p:extLst>
   </p:cSld>
   <p:clrMapOvr>
     <a:masterClrMapping/>
   </p:clrMapOvr>
-  <mc:AlternateContent xmlns:mc="http://schemas.openxmlformats.org/markup-compatibility/2006" xmlns:p14="http://schemas.microsoft.com/office/powerpoint/2010/main">
-    <mc:Choice Requires="p14">
+  <mc:AlternateContent xmlns:mc="http://schemas.openxmlformats.org/markup-compatibility/2006">
+    <mc:Choice xmlns:p14="http://schemas.microsoft.com/office/powerpoint/2010/main" xmlns="" Requires="p14">
       <p:transition spd="slow" p14:dur="2000" advClick="0" advTm="5000"/>
     </mc:Choice>
-    <mc:Fallback xmlns="">
+    <mc:Fallback>
       <p:transition spd="slow" advClick="0" advTm="5000"/>
     </mc:Fallback>
   </mc:AlternateContent>
@@ -40831,7 +40827,7 @@
   <a:extraClrSchemeLst/>
   <a:extLst>
     <a:ext uri="{05A4C25C-085E-4340-85A3-A5531E510DB2}">
-      <thm15:themeFamily xmlns:thm15="http://schemas.microsoft.com/office/thememl/2012/main" name="SoftUni" id="{D61FAD9B-6E74-4E03-BFE4-B363D484F1DA}" vid="{7089C1A3-635B-4B03-A017-DAF10A3A396B}"/>
+      <thm15:themeFamily xmlns:thm15="http://schemas.microsoft.com/office/thememl/2012/main" xmlns="" name="SoftUni" id="{D61FAD9B-6E74-4E03-BFE4-B363D484F1DA}" vid="{7089C1A3-635B-4B03-A017-DAF10A3A396B}"/>
     </a:ext>
   </a:extLst>
 </a:theme>
@@ -41126,7 +41122,7 @@
   <a:extraClrSchemeLst/>
   <a:extLst>
     <a:ext uri="{05A4C25C-085E-4340-85A3-A5531E510DB2}">
-      <thm15:themeFamily xmlns:thm15="http://schemas.microsoft.com/office/thememl/2012/main" name="Office Theme" id="{62F939B6-93AF-4DB8-9C6B-D6C7DFDC589F}" vid="{4A3C46E8-61CC-4603-A589-7422A47A8E4A}"/>
+      <thm15:themeFamily xmlns:thm15="http://schemas.microsoft.com/office/thememl/2012/main" xmlns="" name="Office Theme" id="{62F939B6-93AF-4DB8-9C6B-D6C7DFDC589F}" vid="{4A3C46E8-61CC-4603-A589-7422A47A8E4A}"/>
     </a:ext>
   </a:extLst>
 </a:theme>
@@ -41421,19 +41417,16 @@
   <a:extraClrSchemeLst/>
   <a:extLst>
     <a:ext uri="{05A4C25C-085E-4340-85A3-A5531E510DB2}">
-      <thm15:themeFamily xmlns:thm15="http://schemas.microsoft.com/office/thememl/2012/main" name="Office Theme" id="{62F939B6-93AF-4DB8-9C6B-D6C7DFDC589F}" vid="{4A3C46E8-61CC-4603-A589-7422A47A8E4A}"/>
+      <thm15:themeFamily xmlns:thm15="http://schemas.microsoft.com/office/thememl/2012/main" xmlns="" name="Office Theme" id="{62F939B6-93AF-4DB8-9C6B-D6C7DFDC589F}" vid="{4A3C46E8-61CC-4603-A589-7422A47A8E4A}"/>
     </a:ext>
   </a:extLst>
 </a:theme>
 </file>
 
 <file path=customXml/item1.xml><?xml version="1.0" encoding="utf-8"?>
-<?mso-contentType ?>
-<FormTemplates xmlns="http://schemas.microsoft.com/sharepoint/v3/contenttype/forms">
-  <Display>DocumentLibraryForm</Display>
-  <Edit>DocumentLibraryForm</Edit>
-  <New>DocumentLibraryForm</New>
-</FormTemplates>
+<p:properties xmlns:p="http://schemas.microsoft.com/office/2006/metadata/properties" xmlns:xsi="http://www.w3.org/2001/XMLSchema-instance" xmlns:pc="http://schemas.microsoft.com/office/infopath/2007/PartnerControls">
+  <documentManagement/>
+</p:properties>
 </file>
 
 <file path=customXml/item2.xml><?xml version="1.0" encoding="utf-8"?>
@@ -41609,15 +41602,26 @@
 </file>
 
 <file path=customXml/item3.xml><?xml version="1.0" encoding="utf-8"?>
-<p:properties xmlns:p="http://schemas.microsoft.com/office/2006/metadata/properties" xmlns:xsi="http://www.w3.org/2001/XMLSchema-instance" xmlns:pc="http://schemas.microsoft.com/office/infopath/2007/PartnerControls">
-  <documentManagement/>
-</p:properties>
+<?mso-contentType ?>
+<FormTemplates xmlns="http://schemas.microsoft.com/sharepoint/v3/contenttype/forms">
+  <Display>DocumentLibraryForm</Display>
+  <Edit>DocumentLibraryForm</Edit>
+  <New>DocumentLibraryForm</New>
+</FormTemplates>
 </file>
 
 <file path=customXml/itemProps1.xml><?xml version="1.0" encoding="utf-8"?>
-<ds:datastoreItem xmlns:ds="http://schemas.openxmlformats.org/officeDocument/2006/customXml" ds:itemID="{68A20BEC-F81B-49CD-951D-E62C4BAE7796}">
+<ds:datastoreItem xmlns:ds="http://schemas.openxmlformats.org/officeDocument/2006/customXml" ds:itemID="{5E2F4A33-1866-4BB8-8A35-8D6BDFE8D9F5}">
   <ds:schemaRefs>
-    <ds:schemaRef ds:uri="http://schemas.microsoft.com/sharepoint/v3/contenttype/forms"/>
+    <ds:schemaRef ds:uri="http://schemas.microsoft.com/office/infopath/2007/PartnerControls"/>
+    <ds:schemaRef ds:uri="http://purl.org/dc/dcmitype/"/>
+    <ds:schemaRef ds:uri="http://schemas.microsoft.com/office/2006/documentManagement/types"/>
+    <ds:schemaRef ds:uri="http://schemas.microsoft.com/office/2006/metadata/properties"/>
+    <ds:schemaRef ds:uri="http://www.w3.org/XML/1998/namespace"/>
+    <ds:schemaRef ds:uri="4f985cec-e092-4bcf-a1e1-b816bd0221d8"/>
+    <ds:schemaRef ds:uri="http://schemas.openxmlformats.org/package/2006/metadata/core-properties"/>
+    <ds:schemaRef ds:uri="http://purl.org/dc/terms/"/>
+    <ds:schemaRef ds:uri="http://purl.org/dc/elements/1.1/"/>
   </ds:schemaRefs>
 </ds:datastoreItem>
 </file>
@@ -41641,17 +41645,9 @@
 </file>
 
 <file path=customXml/itemProps3.xml><?xml version="1.0" encoding="utf-8"?>
-<ds:datastoreItem xmlns:ds="http://schemas.openxmlformats.org/officeDocument/2006/customXml" ds:itemID="{5E2F4A33-1866-4BB8-8A35-8D6BDFE8D9F5}">
+<ds:datastoreItem xmlns:ds="http://schemas.openxmlformats.org/officeDocument/2006/customXml" ds:itemID="{68A20BEC-F81B-49CD-951D-E62C4BAE7796}">
   <ds:schemaRefs>
-    <ds:schemaRef ds:uri="http://schemas.microsoft.com/office/infopath/2007/PartnerControls"/>
-    <ds:schemaRef ds:uri="http://purl.org/dc/dcmitype/"/>
-    <ds:schemaRef ds:uri="http://schemas.microsoft.com/office/2006/documentManagement/types"/>
-    <ds:schemaRef ds:uri="http://schemas.microsoft.com/office/2006/metadata/properties"/>
-    <ds:schemaRef ds:uri="http://www.w3.org/XML/1998/namespace"/>
-    <ds:schemaRef ds:uri="4f985cec-e092-4bcf-a1e1-b816bd0221d8"/>
-    <ds:schemaRef ds:uri="http://schemas.openxmlformats.org/package/2006/metadata/core-properties"/>
-    <ds:schemaRef ds:uri="http://purl.org/dc/terms/"/>
-    <ds:schemaRef ds:uri="http://purl.org/dc/elements/1.1/"/>
+    <ds:schemaRef ds:uri="http://schemas.microsoft.com/sharepoint/v3/contenttype/forms"/>
   </ds:schemaRefs>
 </ds:datastoreItem>
 </file>
--- a/Courses/Software-Sciences/Module-3-Databases-New/02-DBMS/02-DBMS.pptx
+++ b/Courses/Software-Sciences/Module-3-Databases-New/02-DBMS/02-DBMS.pptx
@@ -500,7 +500,7 @@
           <a:p>
             <a:fld id="{4E087215-0C8F-4762-A664-737A353EC9A4}" type="datetimeFigureOut">
               <a:rPr lang="bg-BG" smtClean="0"/>
-              <a:t>5.10.2023 г.</a:t>
+              <a:t>19.10.2023 г.</a:t>
             </a:fld>
             <a:endParaRPr lang="bg-BG"/>
           </a:p>
@@ -696,7 +696,7 @@
           <a:p>
             <a:fld id="{72D84649-876A-46C9-8472-14CB09C070D8}" type="datetimeFigureOut">
               <a:rPr lang="en-US" smtClean="0"/>
-              <a:t>10/5/2023</a:t>
+              <a:t>10/19/2023</a:t>
             </a:fld>
             <a:endParaRPr lang="en-US"/>
           </a:p>
@@ -1312,6 +1312,127 @@
           <a:bodyPr/>
           <a:lstStyle/>
           <a:p>
+            <a:endParaRPr lang="en-US"/>
+          </a:p>
+        </p:txBody>
+      </p:sp>
+      <p:sp>
+        <p:nvSpPr>
+          <p:cNvPr id="4" name="Slide Number Placeholder 3"/>
+          <p:cNvSpPr>
+            <a:spLocks noGrp="1"/>
+          </p:cNvSpPr>
+          <p:nvPr>
+            <p:ph type="sldNum" sz="quarter" idx="5"/>
+          </p:nvPr>
+        </p:nvSpPr>
+        <p:spPr/>
+        <p:txBody>
+          <a:bodyPr/>
+          <a:lstStyle/>
+          <a:p>
+            <a:fld id="{2BF067CD-8E6B-4360-9AA8-C5DF2A48A6D1}" type="slidenum">
+              <a:rPr lang="en-US" smtClean="0"/>
+              <a:t>24</a:t>
+            </a:fld>
+            <a:endParaRPr lang="en-US" dirty="0"/>
+          </a:p>
+        </p:txBody>
+      </p:sp>
+      <p:sp>
+        <p:nvSpPr>
+          <p:cNvPr id="5" name="Footer Placeholder 4"/>
+          <p:cNvSpPr>
+            <a:spLocks noGrp="1"/>
+          </p:cNvSpPr>
+          <p:nvPr>
+            <p:ph type="ftr" sz="quarter" idx="4"/>
+          </p:nvPr>
+        </p:nvSpPr>
+        <p:spPr/>
+        <p:txBody>
+          <a:bodyPr/>
+          <a:lstStyle/>
+          <a:p>
+            <a:r>
+              <a:rPr lang="bg-BG" sz="1100"/>
+              <a:t>Работна група </a:t>
+            </a:r>
+            <a:r>
+              <a:rPr lang="bg-BG"/>
+              <a:t>"Образование по програмиране и ИТ"</a:t>
+            </a:r>
+            <a:r>
+              <a:rPr lang="bg-BG" sz="1100"/>
+              <a:t>, с подкрепата на </a:t>
+            </a:r>
+            <a:r>
+              <a:rPr lang="en-US" sz="1100">
+                <a:hlinkClick r:id="rId3"/>
+              </a:rPr>
+              <a:t>SoftUni</a:t>
+            </a:r>
+            <a:endParaRPr lang="en-US" sz="1100" dirty="0"/>
+          </a:p>
+        </p:txBody>
+      </p:sp>
+    </p:spTree>
+    <p:extLst>
+      <p:ext uri="{BB962C8B-B14F-4D97-AF65-F5344CB8AC3E}">
+        <p14:creationId xmlns:p14="http://schemas.microsoft.com/office/powerpoint/2010/main" val="2526416516"/>
+      </p:ext>
+    </p:extLst>
+  </p:cSld>
+  <p:clrMapOvr>
+    <a:masterClrMapping/>
+  </p:clrMapOvr>
+</p:notes>
+</file>
+
+<file path=ppt/notesSlides/notesSlide12.xml><?xml version="1.0" encoding="utf-8"?>
+<p:notes xmlns:a="http://schemas.openxmlformats.org/drawingml/2006/main" xmlns:r="http://schemas.openxmlformats.org/officeDocument/2006/relationships" xmlns:p="http://schemas.openxmlformats.org/presentationml/2006/main">
+  <p:cSld>
+    <p:spTree>
+      <p:nvGrpSpPr>
+        <p:cNvPr id="1" name=""/>
+        <p:cNvGrpSpPr/>
+        <p:nvPr/>
+      </p:nvGrpSpPr>
+      <p:grpSpPr>
+        <a:xfrm>
+          <a:off x="0" y="0"/>
+          <a:ext cx="0" cy="0"/>
+          <a:chOff x="0" y="0"/>
+          <a:chExt cx="0" cy="0"/>
+        </a:xfrm>
+      </p:grpSpPr>
+      <p:sp>
+        <p:nvSpPr>
+          <p:cNvPr id="2" name="Slide Image Placeholder 1"/>
+          <p:cNvSpPr>
+            <a:spLocks noGrp="1" noRot="1" noChangeAspect="1"/>
+          </p:cNvSpPr>
+          <p:nvPr>
+            <p:ph type="sldImg"/>
+          </p:nvPr>
+        </p:nvSpPr>
+        <p:spPr/>
+      </p:sp>
+      <p:sp>
+        <p:nvSpPr>
+          <p:cNvPr id="3" name="Notes Placeholder 2"/>
+          <p:cNvSpPr>
+            <a:spLocks noGrp="1"/>
+          </p:cNvSpPr>
+          <p:nvPr>
+            <p:ph type="body" idx="1"/>
+          </p:nvPr>
+        </p:nvSpPr>
+        <p:spPr/>
+        <p:txBody>
+          <a:bodyPr/>
+          <a:lstStyle/>
+          <a:p>
             <a:endParaRPr lang="en-US" dirty="0"/>
           </a:p>
         </p:txBody>
@@ -1514,7 +1635,7 @@
 </p:notes>
 </file>
 
-<file path=ppt/notesSlides/notesSlide12.xml><?xml version="1.0" encoding="utf-8"?>
+<file path=ppt/notesSlides/notesSlide13.xml><?xml version="1.0" encoding="utf-8"?>
 <p:notes xmlns:a="http://schemas.openxmlformats.org/drawingml/2006/main" xmlns:r="http://schemas.openxmlformats.org/officeDocument/2006/relationships" xmlns:p="http://schemas.openxmlformats.org/presentationml/2006/main">
   <p:cSld>
     <p:spTree>
@@ -1760,7 +1881,7 @@
 </p:notes>
 </file>
 
-<file path=ppt/notesSlides/notesSlide13.xml><?xml version="1.0" encoding="utf-8"?>
+<file path=ppt/notesSlides/notesSlide14.xml><?xml version="1.0" encoding="utf-8"?>
 <p:notes xmlns:a="http://schemas.openxmlformats.org/drawingml/2006/main" xmlns:r="http://schemas.openxmlformats.org/officeDocument/2006/relationships" xmlns:p="http://schemas.openxmlformats.org/presentationml/2006/main">
   <p:cSld>
     <p:spTree>
@@ -22287,7 +22408,7 @@
             </a:r>
             <a:r>
               <a:rPr lang="en-US" sz="3600" dirty="0">
-                <a:hlinkClick r:id="rId2"/>
+                <a:hlinkClick r:id="rId3"/>
               </a:rPr>
               <a:t>https://www.w3schools.com/sql/</a:t>
             </a:r>
@@ -22323,8 +22444,16 @@
               </a:buClr>
             </a:pPr>
             <a:r>
+              <a:rPr lang="bg-BG" sz="3400" b="1" dirty="0">
+                <a:solidFill>
+                  <a:schemeClr val="bg1"/>
+                </a:solidFill>
+              </a:rPr>
+              <a:t>...</a:t>
+            </a:r>
+            <a:r>
               <a:rPr lang="bg-BG" sz="3400" dirty="0"/>
-              <a:t>... </a:t>
+              <a:t> </a:t>
             </a:r>
             <a:r>
               <a:rPr lang="en-US" sz="3400" dirty="0"/>
@@ -22370,7 +22499,7 @@
           <p:nvPr/>
         </p:nvPicPr>
         <p:blipFill>
-          <a:blip r:embed="rId3" cstate="print"/>
+          <a:blip r:embed="rId4" cstate="print"/>
           <a:srcRect/>
           <a:stretch>
             <a:fillRect/>

--- a/Courses/Software-Sciences/Module-3-Databases-New/02-DBMS/02-DBMS.pptx
+++ b/Courses/Software-Sciences/Module-3-Databases-New/02-DBMS/02-DBMS.pptx
@@ -5,10 +5,10 @@
     <p:sldMasterId id="2147483675" r:id="rId1"/>
   </p:sldMasterIdLst>
   <p:notesMasterIdLst>
-    <p:notesMasterId r:id="rId29"/>
+    <p:notesMasterId r:id="rId30"/>
   </p:notesMasterIdLst>
   <p:handoutMasterIdLst>
-    <p:handoutMasterId r:id="rId30"/>
+    <p:handoutMasterId r:id="rId31"/>
   </p:handoutMasterIdLst>
   <p:sldIdLst>
     <p:sldId id="627" r:id="rId2"/>
@@ -20,24 +20,25 @@
     <p:sldId id="1196" r:id="rId8"/>
     <p:sldId id="1228" r:id="rId9"/>
     <p:sldId id="1197" r:id="rId10"/>
-    <p:sldId id="1187" r:id="rId11"/>
-    <p:sldId id="1188" r:id="rId12"/>
-    <p:sldId id="1200" r:id="rId13"/>
-    <p:sldId id="1189" r:id="rId14"/>
-    <p:sldId id="1190" r:id="rId15"/>
-    <p:sldId id="1239" r:id="rId16"/>
-    <p:sldId id="1236" r:id="rId17"/>
-    <p:sldId id="1237" r:id="rId18"/>
-    <p:sldId id="1238" r:id="rId19"/>
-    <p:sldId id="1229" r:id="rId20"/>
-    <p:sldId id="1230" r:id="rId21"/>
-    <p:sldId id="1231" r:id="rId22"/>
-    <p:sldId id="1232" r:id="rId23"/>
-    <p:sldId id="1233" r:id="rId24"/>
-    <p:sldId id="1234" r:id="rId25"/>
-    <p:sldId id="349" r:id="rId26"/>
-    <p:sldId id="504" r:id="rId27"/>
-    <p:sldId id="505" r:id="rId28"/>
+    <p:sldId id="1240" r:id="rId11"/>
+    <p:sldId id="1187" r:id="rId12"/>
+    <p:sldId id="1188" r:id="rId13"/>
+    <p:sldId id="1200" r:id="rId14"/>
+    <p:sldId id="1189" r:id="rId15"/>
+    <p:sldId id="1190" r:id="rId16"/>
+    <p:sldId id="1239" r:id="rId17"/>
+    <p:sldId id="1236" r:id="rId18"/>
+    <p:sldId id="1237" r:id="rId19"/>
+    <p:sldId id="1238" r:id="rId20"/>
+    <p:sldId id="1229" r:id="rId21"/>
+    <p:sldId id="1230" r:id="rId22"/>
+    <p:sldId id="1231" r:id="rId23"/>
+    <p:sldId id="1232" r:id="rId24"/>
+    <p:sldId id="1233" r:id="rId25"/>
+    <p:sldId id="1234" r:id="rId26"/>
+    <p:sldId id="349" r:id="rId27"/>
+    <p:sldId id="504" r:id="rId28"/>
+    <p:sldId id="505" r:id="rId29"/>
   </p:sldIdLst>
   <p:sldSz cx="12192000" cy="6858000"/>
   <p:notesSz cx="6858000" cy="9144000"/>
@@ -154,6 +155,7 @@
             <p14:sldId id="1196"/>
             <p14:sldId id="1228"/>
             <p14:sldId id="1197"/>
+            <p14:sldId id="1240"/>
           </p14:sldIdLst>
         </p14:section>
         <p14:section name="Релационни БД" id="{3745F6D7-2AC2-4357-A966-2B713D2F393F}">
@@ -500,7 +502,7 @@
           <a:p>
             <a:fld id="{4E087215-0C8F-4762-A664-737A353EC9A4}" type="datetimeFigureOut">
               <a:rPr lang="bg-BG" smtClean="0"/>
-              <a:t>19.10.2023 г.</a:t>
+              <a:t>18.2.2024 г.</a:t>
             </a:fld>
             <a:endParaRPr lang="bg-BG"/>
           </a:p>
@@ -696,7 +698,7 @@
           <a:p>
             <a:fld id="{72D84649-876A-46C9-8472-14CB09C070D8}" type="datetimeFigureOut">
               <a:rPr lang="en-US" smtClean="0"/>
-              <a:t>10/19/2023</a:t>
+              <a:t>2/18/2024</a:t>
             </a:fld>
             <a:endParaRPr lang="en-US"/>
           </a:p>
@@ -1172,6 +1174,66 @@
           <a:bodyPr/>
           <a:lstStyle/>
           <a:p>
+            <a:r>
+              <a:rPr lang="en-US" sz="1200" kern="1200" dirty="0">
+                <a:solidFill>
+                  <a:schemeClr val="tx1"/>
+                </a:solidFill>
+                <a:latin typeface="+mn-lt"/>
+                <a:ea typeface="+mn-ea"/>
+                <a:cs typeface="+mn-cs"/>
+              </a:rPr>
+              <a:t>DECLARE @VarcharVar VARCHAR(5) = 'Test';</a:t>
+            </a:r>
+          </a:p>
+          <a:p>
+            <a:r>
+              <a:rPr lang="en-US" sz="1200" kern="1200" dirty="0">
+                <a:solidFill>
+                  <a:schemeClr val="tx1"/>
+                </a:solidFill>
+                <a:latin typeface="+mn-lt"/>
+                <a:ea typeface="+mn-ea"/>
+                <a:cs typeface="+mn-cs"/>
+              </a:rPr>
+              <a:t>DECLARE @NVarcharVar NVARCHAR(5) = 'Test';</a:t>
+            </a:r>
+          </a:p>
+          <a:p>
+            <a:r>
+              <a:rPr lang="en-US" sz="1200" kern="1200" dirty="0">
+                <a:solidFill>
+                  <a:schemeClr val="tx1"/>
+                </a:solidFill>
+                <a:latin typeface="+mn-lt"/>
+                <a:ea typeface="+mn-ea"/>
+                <a:cs typeface="+mn-cs"/>
+              </a:rPr>
+              <a:t>DECLARE @Char CHAR(5) = 'Test';</a:t>
+            </a:r>
+          </a:p>
+          <a:p>
+            <a:endParaRPr lang="en-US" sz="1200" kern="1200" dirty="0">
+              <a:solidFill>
+                <a:schemeClr val="tx1"/>
+              </a:solidFill>
+              <a:latin typeface="+mn-lt"/>
+              <a:ea typeface="+mn-ea"/>
+              <a:cs typeface="+mn-cs"/>
+            </a:endParaRPr>
+          </a:p>
+          <a:p>
+            <a:r>
+              <a:rPr lang="en-US" sz="1200" kern="1200" dirty="0">
+                <a:solidFill>
+                  <a:schemeClr val="tx1"/>
+                </a:solidFill>
+                <a:latin typeface="+mn-lt"/>
+                <a:ea typeface="+mn-ea"/>
+                <a:cs typeface="+mn-cs"/>
+              </a:rPr>
+              <a:t>SELECT DATALENGTH(@VarcharVar), DATALENGTH(@NVarcharVar), DATALENGTH(@Char)</a:t>
+            </a:r>
             <a:endParaRPr lang="en-US" dirty="0"/>
           </a:p>
         </p:txBody>
@@ -1194,7 +1256,147 @@
             <a:fld id="{2BF067CD-8E6B-4360-9AA8-C5DF2A48A6D1}" type="slidenum">
               <a:rPr lang="en-US" smtClean="0"/>
               <a:pPr/>
-              <a:t>22</a:t>
+              <a:t>21</a:t>
+            </a:fld>
+            <a:endParaRPr lang="en-US" dirty="0"/>
+          </a:p>
+        </p:txBody>
+      </p:sp>
+      <p:sp>
+        <p:nvSpPr>
+          <p:cNvPr id="5" name="Footer Placeholder 7">
+            <a:extLst>
+              <a:ext uri="{FF2B5EF4-FFF2-40B4-BE49-F238E27FC236}">
+                <a16:creationId xmlns:a16="http://schemas.microsoft.com/office/drawing/2014/main" id="{7DFA047E-DE5C-0BC9-D80D-44995B117383}"/>
+              </a:ext>
+            </a:extLst>
+          </p:cNvPr>
+          <p:cNvSpPr>
+            <a:spLocks noGrp="1"/>
+          </p:cNvSpPr>
+          <p:nvPr>
+            <p:ph type="ftr" sz="quarter" idx="4"/>
+          </p:nvPr>
+        </p:nvSpPr>
+        <p:spPr>
+          <a:xfrm>
+            <a:off x="-1" y="8892000"/>
+            <a:ext cx="6488999" cy="252000"/>
+          </a:xfrm>
+          <a:prstGeom prst="rect">
+            <a:avLst/>
+          </a:prstGeom>
+        </p:spPr>
+        <p:txBody>
+          <a:bodyPr vert="horz" lIns="91440" tIns="45720" rIns="91440" bIns="45720" rtlCol="0" anchor="b"/>
+          <a:lstStyle>
+            <a:lvl1pPr algn="l">
+              <a:defRPr sz="1100"/>
+            </a:lvl1pPr>
+          </a:lstStyle>
+          <a:p>
+            <a:r>
+              <a:rPr lang="bg-BG" sz="1100" dirty="0"/>
+              <a:t>Работна група </a:t>
+            </a:r>
+            <a:r>
+              <a:rPr lang="bg-BG" dirty="0"/>
+              <a:t>"Образование по програмиране и ИТ"</a:t>
+            </a:r>
+            <a:r>
+              <a:rPr lang="bg-BG" sz="1100" dirty="0"/>
+              <a:t>, с подкрепата на </a:t>
+            </a:r>
+            <a:r>
+              <a:rPr lang="en-US" sz="1100" dirty="0">
+                <a:hlinkClick r:id="rId3"/>
+              </a:rPr>
+              <a:t>SoftUni</a:t>
+            </a:r>
+            <a:endParaRPr lang="en-US" sz="1100" dirty="0"/>
+          </a:p>
+        </p:txBody>
+      </p:sp>
+    </p:spTree>
+    <p:extLst>
+      <p:ext uri="{BB962C8B-B14F-4D97-AF65-F5344CB8AC3E}">
+        <p14:creationId xmlns:p14="http://schemas.microsoft.com/office/powerpoint/2010/main" val="2046401278"/>
+      </p:ext>
+    </p:extLst>
+  </p:cSld>
+  <p:clrMapOvr>
+    <a:masterClrMapping/>
+  </p:clrMapOvr>
+</p:notes>
+</file>
+
+<file path=ppt/notesSlides/notesSlide11.xml><?xml version="1.0" encoding="utf-8"?>
+<p:notes xmlns:a="http://schemas.openxmlformats.org/drawingml/2006/main" xmlns:r="http://schemas.openxmlformats.org/officeDocument/2006/relationships" xmlns:p="http://schemas.openxmlformats.org/presentationml/2006/main">
+  <p:cSld>
+    <p:spTree>
+      <p:nvGrpSpPr>
+        <p:cNvPr id="1" name=""/>
+        <p:cNvGrpSpPr/>
+        <p:nvPr/>
+      </p:nvGrpSpPr>
+      <p:grpSpPr>
+        <a:xfrm>
+          <a:off x="0" y="0"/>
+          <a:ext cx="0" cy="0"/>
+          <a:chOff x="0" y="0"/>
+          <a:chExt cx="0" cy="0"/>
+        </a:xfrm>
+      </p:grpSpPr>
+      <p:sp>
+        <p:nvSpPr>
+          <p:cNvPr id="2" name="Slide Image Placeholder 1"/>
+          <p:cNvSpPr>
+            <a:spLocks noGrp="1" noRot="1" noChangeAspect="1"/>
+          </p:cNvSpPr>
+          <p:nvPr>
+            <p:ph type="sldImg"/>
+          </p:nvPr>
+        </p:nvSpPr>
+        <p:spPr/>
+      </p:sp>
+      <p:sp>
+        <p:nvSpPr>
+          <p:cNvPr id="3" name="Notes Placeholder 2"/>
+          <p:cNvSpPr>
+            <a:spLocks noGrp="1"/>
+          </p:cNvSpPr>
+          <p:nvPr>
+            <p:ph type="body" idx="1"/>
+          </p:nvPr>
+        </p:nvSpPr>
+        <p:spPr/>
+        <p:txBody>
+          <a:bodyPr/>
+          <a:lstStyle/>
+          <a:p>
+            <a:endParaRPr lang="en-US" dirty="0"/>
+          </a:p>
+        </p:txBody>
+      </p:sp>
+      <p:sp>
+        <p:nvSpPr>
+          <p:cNvPr id="4" name="Slide Number Placeholder 3"/>
+          <p:cNvSpPr>
+            <a:spLocks noGrp="1"/>
+          </p:cNvSpPr>
+          <p:nvPr>
+            <p:ph type="sldNum" sz="quarter" idx="10"/>
+          </p:nvPr>
+        </p:nvSpPr>
+        <p:spPr/>
+        <p:txBody>
+          <a:bodyPr/>
+          <a:lstStyle/>
+          <a:p>
+            <a:fld id="{2BF067CD-8E6B-4360-9AA8-C5DF2A48A6D1}" type="slidenum">
+              <a:rPr lang="en-US" smtClean="0"/>
+              <a:pPr/>
+              <a:t>23</a:t>
             </a:fld>
             <a:endParaRPr lang="en-US" dirty="0"/>
           </a:p>
@@ -1268,7 +1470,7 @@
 </p:notes>
 </file>
 
-<file path=ppt/notesSlides/notesSlide11.xml><?xml version="1.0" encoding="utf-8"?>
+<file path=ppt/notesSlides/notesSlide12.xml><?xml version="1.0" encoding="utf-8"?>
 <p:notes xmlns:a="http://schemas.openxmlformats.org/drawingml/2006/main" xmlns:r="http://schemas.openxmlformats.org/officeDocument/2006/relationships" xmlns:p="http://schemas.openxmlformats.org/presentationml/2006/main">
   <p:cSld>
     <p:spTree>
@@ -1333,7 +1535,7 @@
           <a:p>
             <a:fld id="{2BF067CD-8E6B-4360-9AA8-C5DF2A48A6D1}" type="slidenum">
               <a:rPr lang="en-US" smtClean="0"/>
-              <a:t>24</a:t>
+              <a:t>25</a:t>
             </a:fld>
             <a:endParaRPr lang="en-US" dirty="0"/>
           </a:p>
@@ -1389,7 +1591,7 @@
 </p:notes>
 </file>
 
-<file path=ppt/notesSlides/notesSlide12.xml><?xml version="1.0" encoding="utf-8"?>
+<file path=ppt/notesSlides/notesSlide13.xml><?xml version="1.0" encoding="utf-8"?>
 <p:notes xmlns:a="http://schemas.openxmlformats.org/drawingml/2006/main" xmlns:r="http://schemas.openxmlformats.org/officeDocument/2006/relationships" xmlns:p="http://schemas.openxmlformats.org/presentationml/2006/main">
   <p:cSld>
     <p:spTree>
@@ -1561,7 +1763,7 @@
             <a:fld id="{3EBA5BD7-F043-4D1B-AA17-CD412FC534DE}" type="slidenum">
               <a:rPr lang="en-US" smtClean="0"/>
               <a:pPr/>
-              <a:t>25</a:t>
+              <a:t>26</a:t>
             </a:fld>
             <a:endParaRPr lang="en-US" dirty="0"/>
           </a:p>
@@ -1635,7 +1837,7 @@
 </p:notes>
 </file>
 
-<file path=ppt/notesSlides/notesSlide13.xml><?xml version="1.0" encoding="utf-8"?>
+<file path=ppt/notesSlides/notesSlide14.xml><?xml version="1.0" encoding="utf-8"?>
 <p:notes xmlns:a="http://schemas.openxmlformats.org/drawingml/2006/main" xmlns:r="http://schemas.openxmlformats.org/officeDocument/2006/relationships" xmlns:p="http://schemas.openxmlformats.org/presentationml/2006/main">
   <p:cSld>
     <p:spTree>
@@ -1807,7 +2009,7 @@
             <a:fld id="{3EBA5BD7-F043-4D1B-AA17-CD412FC534DE}" type="slidenum">
               <a:rPr lang="en-US" smtClean="0"/>
               <a:pPr/>
-              <a:t>26</a:t>
+              <a:t>27</a:t>
             </a:fld>
             <a:endParaRPr lang="en-US" dirty="0"/>
           </a:p>
@@ -1881,7 +2083,7 @@
 </p:notes>
 </file>
 
-<file path=ppt/notesSlides/notesSlide14.xml><?xml version="1.0" encoding="utf-8"?>
+<file path=ppt/notesSlides/notesSlide15.xml><?xml version="1.0" encoding="utf-8"?>
 <p:notes xmlns:a="http://schemas.openxmlformats.org/drawingml/2006/main" xmlns:r="http://schemas.openxmlformats.org/officeDocument/2006/relationships" xmlns:p="http://schemas.openxmlformats.org/presentationml/2006/main">
   <p:cSld>
     <p:spTree>
@@ -2053,7 +2255,7 @@
             <a:fld id="{3EBA5BD7-F043-4D1B-AA17-CD412FC534DE}" type="slidenum">
               <a:rPr lang="en-US" smtClean="0"/>
               <a:pPr/>
-              <a:t>27</a:t>
+              <a:t>28</a:t>
             </a:fld>
             <a:endParaRPr lang="en-US" dirty="0"/>
           </a:p>
@@ -2823,128 +3025,21 @@
       </p:sp>
       <p:sp>
         <p:nvSpPr>
-          <p:cNvPr id="7" name="Slide Number Placeholder 5">
-            <a:extLst>
-              <a:ext uri="{FF2B5EF4-FFF2-40B4-BE49-F238E27FC236}">
-                <a16:creationId xmlns:a16="http://schemas.microsoft.com/office/drawing/2014/main" id="{BD88B0D8-949C-482D-990A-2DAB14AD4AD1}"/>
-              </a:ext>
-            </a:extLst>
-          </p:cNvPr>
-          <p:cNvSpPr txBox="1">
-            <a:spLocks/>
+          <p:cNvPr id="4" name="Slide Number Placeholder 3"/>
+          <p:cNvSpPr>
+            <a:spLocks noGrp="1"/>
           </p:cNvSpPr>
-          <p:nvPr/>
+          <p:nvPr>
+            <p:ph type="sldNum" sz="quarter" idx="5"/>
+          </p:nvPr>
         </p:nvSpPr>
-        <p:spPr>
-          <a:xfrm>
-            <a:off x="6488999" y="8847000"/>
-            <a:ext cx="367414" cy="297000"/>
-          </a:xfrm>
-          <a:prstGeom prst="rect">
-            <a:avLst/>
-          </a:prstGeom>
-        </p:spPr>
+        <p:spPr/>
         <p:txBody>
-          <a:bodyPr vert="horz" lIns="91440" tIns="45720" rIns="91440" bIns="45720" rtlCol="0" anchor="b"/>
-          <a:lstStyle>
-            <a:defPPr>
-              <a:defRPr lang="en-US"/>
-            </a:defPPr>
-            <a:lvl1pPr marL="0" algn="r" defTabSz="914400" rtl="0" eaLnBrk="1" latinLnBrk="0" hangingPunct="1">
-              <a:defRPr sz="1200" kern="1200">
-                <a:solidFill>
-                  <a:schemeClr val="tx1"/>
-                </a:solidFill>
-                <a:latin typeface="+mn-lt"/>
-                <a:ea typeface="+mn-ea"/>
-                <a:cs typeface="+mn-cs"/>
-              </a:defRPr>
-            </a:lvl1pPr>
-            <a:lvl2pPr marL="457200" algn="l" defTabSz="914400" rtl="0" eaLnBrk="1" latinLnBrk="0" hangingPunct="1">
-              <a:defRPr sz="1800" kern="1200">
-                <a:solidFill>
-                  <a:schemeClr val="tx1"/>
-                </a:solidFill>
-                <a:latin typeface="+mn-lt"/>
-                <a:ea typeface="+mn-ea"/>
-                <a:cs typeface="+mn-cs"/>
-              </a:defRPr>
-            </a:lvl2pPr>
-            <a:lvl3pPr marL="914400" algn="l" defTabSz="914400" rtl="0" eaLnBrk="1" latinLnBrk="0" hangingPunct="1">
-              <a:defRPr sz="1800" kern="1200">
-                <a:solidFill>
-                  <a:schemeClr val="tx1"/>
-                </a:solidFill>
-                <a:latin typeface="+mn-lt"/>
-                <a:ea typeface="+mn-ea"/>
-                <a:cs typeface="+mn-cs"/>
-              </a:defRPr>
-            </a:lvl3pPr>
-            <a:lvl4pPr marL="1371600" algn="l" defTabSz="914400" rtl="0" eaLnBrk="1" latinLnBrk="0" hangingPunct="1">
-              <a:defRPr sz="1800" kern="1200">
-                <a:solidFill>
-                  <a:schemeClr val="tx1"/>
-                </a:solidFill>
-                <a:latin typeface="+mn-lt"/>
-                <a:ea typeface="+mn-ea"/>
-                <a:cs typeface="+mn-cs"/>
-              </a:defRPr>
-            </a:lvl4pPr>
-            <a:lvl5pPr marL="1828800" algn="l" defTabSz="914400" rtl="0" eaLnBrk="1" latinLnBrk="0" hangingPunct="1">
-              <a:defRPr sz="1800" kern="1200">
-                <a:solidFill>
-                  <a:schemeClr val="tx1"/>
-                </a:solidFill>
-                <a:latin typeface="+mn-lt"/>
-                <a:ea typeface="+mn-ea"/>
-                <a:cs typeface="+mn-cs"/>
-              </a:defRPr>
-            </a:lvl5pPr>
-            <a:lvl6pPr marL="2286000" algn="l" defTabSz="914400" rtl="0" eaLnBrk="1" latinLnBrk="0" hangingPunct="1">
-              <a:defRPr sz="1800" kern="1200">
-                <a:solidFill>
-                  <a:schemeClr val="tx1"/>
-                </a:solidFill>
-                <a:latin typeface="+mn-lt"/>
-                <a:ea typeface="+mn-ea"/>
-                <a:cs typeface="+mn-cs"/>
-              </a:defRPr>
-            </a:lvl6pPr>
-            <a:lvl7pPr marL="2743200" algn="l" defTabSz="914400" rtl="0" eaLnBrk="1" latinLnBrk="0" hangingPunct="1">
-              <a:defRPr sz="1800" kern="1200">
-                <a:solidFill>
-                  <a:schemeClr val="tx1"/>
-                </a:solidFill>
-                <a:latin typeface="+mn-lt"/>
-                <a:ea typeface="+mn-ea"/>
-                <a:cs typeface="+mn-cs"/>
-              </a:defRPr>
-            </a:lvl7pPr>
-            <a:lvl8pPr marL="3200400" algn="l" defTabSz="914400" rtl="0" eaLnBrk="1" latinLnBrk="0" hangingPunct="1">
-              <a:defRPr sz="1800" kern="1200">
-                <a:solidFill>
-                  <a:schemeClr val="tx1"/>
-                </a:solidFill>
-                <a:latin typeface="+mn-lt"/>
-                <a:ea typeface="+mn-ea"/>
-                <a:cs typeface="+mn-cs"/>
-              </a:defRPr>
-            </a:lvl8pPr>
-            <a:lvl9pPr marL="3657600" algn="l" defTabSz="914400" rtl="0" eaLnBrk="1" latinLnBrk="0" hangingPunct="1">
-              <a:defRPr sz="1800" kern="1200">
-                <a:solidFill>
-                  <a:schemeClr val="tx1"/>
-                </a:solidFill>
-                <a:latin typeface="+mn-lt"/>
-                <a:ea typeface="+mn-ea"/>
-                <a:cs typeface="+mn-cs"/>
-              </a:defRPr>
-            </a:lvl9pPr>
-          </a:lstStyle>
+          <a:bodyPr/>
+          <a:lstStyle/>
           <a:p>
-            <a:fld id="{3EBA5BD7-F043-4D1B-AA17-CD412FC534DE}" type="slidenum">
+            <a:fld id="{2BF067CD-8E6B-4360-9AA8-C5DF2A48A6D1}" type="slidenum">
               <a:rPr lang="en-US" smtClean="0"/>
-              <a:pPr/>
               <a:t>10</a:t>
             </a:fld>
             <a:endParaRPr lang="en-US" dirty="0"/>
@@ -2953,13 +3048,7 @@
       </p:sp>
       <p:sp>
         <p:nvSpPr>
-          <p:cNvPr id="5" name="Footer Placeholder 7">
-            <a:extLst>
-              <a:ext uri="{FF2B5EF4-FFF2-40B4-BE49-F238E27FC236}">
-                <a16:creationId xmlns:a16="http://schemas.microsoft.com/office/drawing/2014/main" id="{0A4D3A2C-3BFC-6602-1212-E998CC7D4739}"/>
-              </a:ext>
-            </a:extLst>
-          </p:cNvPr>
+          <p:cNvPr id="5" name="Footer Placeholder 4"/>
           <p:cNvSpPr>
             <a:spLocks noGrp="1"/>
           </p:cNvSpPr>
@@ -2967,37 +3056,25 @@
             <p:ph type="ftr" sz="quarter" idx="4"/>
           </p:nvPr>
         </p:nvSpPr>
-        <p:spPr>
-          <a:xfrm>
-            <a:off x="-1" y="8892000"/>
-            <a:ext cx="6488999" cy="252000"/>
-          </a:xfrm>
-          <a:prstGeom prst="rect">
-            <a:avLst/>
-          </a:prstGeom>
-        </p:spPr>
+        <p:spPr/>
         <p:txBody>
-          <a:bodyPr vert="horz" lIns="91440" tIns="45720" rIns="91440" bIns="45720" rtlCol="0" anchor="b"/>
-          <a:lstStyle>
-            <a:lvl1pPr algn="l">
-              <a:defRPr sz="1100"/>
-            </a:lvl1pPr>
-          </a:lstStyle>
+          <a:bodyPr/>
+          <a:lstStyle/>
           <a:p>
             <a:r>
-              <a:rPr lang="bg-BG" sz="1100" dirty="0"/>
+              <a:rPr lang="bg-BG" sz="1100"/>
               <a:t>Работна група </a:t>
             </a:r>
             <a:r>
-              <a:rPr lang="bg-BG" dirty="0"/>
+              <a:rPr lang="bg-BG"/>
               <a:t>"Образование по програмиране и ИТ"</a:t>
             </a:r>
             <a:r>
-              <a:rPr lang="bg-BG" sz="1100" dirty="0"/>
+              <a:rPr lang="bg-BG" sz="1100"/>
               <a:t>, с подкрепата на </a:t>
             </a:r>
             <a:r>
-              <a:rPr lang="en-US" sz="1100" dirty="0">
+              <a:rPr lang="en-US" sz="1100">
                 <a:hlinkClick r:id="rId3"/>
               </a:rPr>
               <a:t>SoftUni</a:t>
@@ -3009,7 +3086,7 @@
     </p:spTree>
     <p:extLst>
       <p:ext uri="{BB962C8B-B14F-4D97-AF65-F5344CB8AC3E}">
-        <p14:creationId xmlns:p14="http://schemas.microsoft.com/office/powerpoint/2010/main" val="1590414964"/>
+        <p14:creationId xmlns:p14="http://schemas.microsoft.com/office/powerpoint/2010/main" val="823065312"/>
       </p:ext>
     </p:extLst>
   </p:cSld>
@@ -3020,154 +3097,6 @@
 </file>
 
 <file path=ppt/notesSlides/notesSlide6.xml><?xml version="1.0" encoding="utf-8"?>
-<p:notes xmlns:a="http://schemas.openxmlformats.org/drawingml/2006/main" xmlns:r="http://schemas.openxmlformats.org/officeDocument/2006/relationships" xmlns:p="http://schemas.openxmlformats.org/presentationml/2006/main">
-  <p:cSld>
-    <p:spTree>
-      <p:nvGrpSpPr>
-        <p:cNvPr id="1" name=""/>
-        <p:cNvGrpSpPr/>
-        <p:nvPr/>
-      </p:nvGrpSpPr>
-      <p:grpSpPr>
-        <a:xfrm>
-          <a:off x="0" y="0"/>
-          <a:ext cx="0" cy="0"/>
-          <a:chOff x="0" y="0"/>
-          <a:chExt cx="0" cy="0"/>
-        </a:xfrm>
-      </p:grpSpPr>
-      <p:sp>
-        <p:nvSpPr>
-          <p:cNvPr id="2" name="Slide Image Placeholder 1"/>
-          <p:cNvSpPr>
-            <a:spLocks noGrp="1" noRot="1" noChangeAspect="1"/>
-          </p:cNvSpPr>
-          <p:nvPr>
-            <p:ph type="sldImg"/>
-          </p:nvPr>
-        </p:nvSpPr>
-        <p:spPr/>
-      </p:sp>
-      <p:sp>
-        <p:nvSpPr>
-          <p:cNvPr id="3" name="Notes Placeholder 2"/>
-          <p:cNvSpPr>
-            <a:spLocks noGrp="1"/>
-          </p:cNvSpPr>
-          <p:nvPr>
-            <p:ph type="body" idx="1"/>
-          </p:nvPr>
-        </p:nvSpPr>
-        <p:spPr/>
-        <p:txBody>
-          <a:bodyPr/>
-          <a:lstStyle/>
-          <a:p>
-            <a:r>
-              <a:rPr lang="en-US" dirty="0"/>
-              <a:t>The table is the</a:t>
-            </a:r>
-            <a:r>
-              <a:rPr lang="en-US" baseline="0" dirty="0"/>
-              <a:t> main unit of data storage. It has rows, columns and cells. Cells contain stored data. Each column has a data type. Types can be VARCHAR(String), INT, DATE etc.</a:t>
-            </a:r>
-            <a:endParaRPr lang="en-US" dirty="0"/>
-          </a:p>
-        </p:txBody>
-      </p:sp>
-      <p:sp>
-        <p:nvSpPr>
-          <p:cNvPr id="5" name="Slide Number Placeholder 4"/>
-          <p:cNvSpPr>
-            <a:spLocks noGrp="1"/>
-          </p:cNvSpPr>
-          <p:nvPr>
-            <p:ph type="sldNum" sz="quarter" idx="11"/>
-          </p:nvPr>
-        </p:nvSpPr>
-        <p:spPr/>
-        <p:txBody>
-          <a:bodyPr/>
-          <a:lstStyle/>
-          <a:p>
-            <a:fld id="{3EBA5BD7-F043-4D1B-AA17-CD412FC534DE}" type="slidenum">
-              <a:rPr lang="en-US" smtClean="0"/>
-              <a:pPr/>
-              <a:t>13</a:t>
-            </a:fld>
-            <a:endParaRPr lang="en-US" dirty="0"/>
-          </a:p>
-        </p:txBody>
-      </p:sp>
-      <p:sp>
-        <p:nvSpPr>
-          <p:cNvPr id="4" name="Footer Placeholder 7">
-            <a:extLst>
-              <a:ext uri="{FF2B5EF4-FFF2-40B4-BE49-F238E27FC236}">
-                <a16:creationId xmlns:a16="http://schemas.microsoft.com/office/drawing/2014/main" id="{3C6E4365-C2C6-EADC-E2EB-76A5CDFDE20C}"/>
-              </a:ext>
-            </a:extLst>
-          </p:cNvPr>
-          <p:cNvSpPr>
-            <a:spLocks noGrp="1"/>
-          </p:cNvSpPr>
-          <p:nvPr>
-            <p:ph type="ftr" sz="quarter" idx="4"/>
-          </p:nvPr>
-        </p:nvSpPr>
-        <p:spPr>
-          <a:xfrm>
-            <a:off x="-1" y="8892000"/>
-            <a:ext cx="6488999" cy="252000"/>
-          </a:xfrm>
-          <a:prstGeom prst="rect">
-            <a:avLst/>
-          </a:prstGeom>
-        </p:spPr>
-        <p:txBody>
-          <a:bodyPr vert="horz" lIns="91440" tIns="45720" rIns="91440" bIns="45720" rtlCol="0" anchor="b"/>
-          <a:lstStyle>
-            <a:lvl1pPr algn="l">
-              <a:defRPr sz="1100"/>
-            </a:lvl1pPr>
-          </a:lstStyle>
-          <a:p>
-            <a:r>
-              <a:rPr lang="bg-BG" sz="1100" dirty="0"/>
-              <a:t>Работна група </a:t>
-            </a:r>
-            <a:r>
-              <a:rPr lang="bg-BG" dirty="0"/>
-              <a:t>"Образование по програмиране и ИТ"</a:t>
-            </a:r>
-            <a:r>
-              <a:rPr lang="bg-BG" sz="1100" dirty="0"/>
-              <a:t>, с подкрепата на </a:t>
-            </a:r>
-            <a:r>
-              <a:rPr lang="en-US" sz="1100" dirty="0">
-                <a:hlinkClick r:id="rId3"/>
-              </a:rPr>
-              <a:t>SoftUni</a:t>
-            </a:r>
-            <a:endParaRPr lang="en-US" sz="1100" dirty="0"/>
-          </a:p>
-        </p:txBody>
-      </p:sp>
-    </p:spTree>
-    <p:extLst>
-      <p:ext uri="{BB962C8B-B14F-4D97-AF65-F5344CB8AC3E}">
-        <p14:creationId xmlns:p14="http://schemas.microsoft.com/office/powerpoint/2010/main" val="2324145607"/>
-      </p:ext>
-    </p:extLst>
-  </p:cSld>
-  <p:clrMapOvr>
-    <a:masterClrMapping/>
-  </p:clrMapOvr>
-</p:notes>
-</file>
-
-<file path=ppt/notesSlides/notesSlide7.xml><?xml version="1.0" encoding="utf-8"?>
 <p:notes xmlns:a="http://schemas.openxmlformats.org/drawingml/2006/main" xmlns:r="http://schemas.openxmlformats.org/officeDocument/2006/relationships" xmlns:p="http://schemas.openxmlformats.org/presentationml/2006/main">
   <p:cSld>
     <p:spTree>
@@ -3339,7 +3268,401 @@
             <a:fld id="{3EBA5BD7-F043-4D1B-AA17-CD412FC534DE}" type="slidenum">
               <a:rPr lang="en-US" smtClean="0"/>
               <a:pPr/>
-              <a:t>16</a:t>
+              <a:t>11</a:t>
+            </a:fld>
+            <a:endParaRPr lang="en-US" dirty="0"/>
+          </a:p>
+        </p:txBody>
+      </p:sp>
+      <p:sp>
+        <p:nvSpPr>
+          <p:cNvPr id="5" name="Footer Placeholder 7">
+            <a:extLst>
+              <a:ext uri="{FF2B5EF4-FFF2-40B4-BE49-F238E27FC236}">
+                <a16:creationId xmlns:a16="http://schemas.microsoft.com/office/drawing/2014/main" id="{0A4D3A2C-3BFC-6602-1212-E998CC7D4739}"/>
+              </a:ext>
+            </a:extLst>
+          </p:cNvPr>
+          <p:cNvSpPr>
+            <a:spLocks noGrp="1"/>
+          </p:cNvSpPr>
+          <p:nvPr>
+            <p:ph type="ftr" sz="quarter" idx="4"/>
+          </p:nvPr>
+        </p:nvSpPr>
+        <p:spPr>
+          <a:xfrm>
+            <a:off x="-1" y="8892000"/>
+            <a:ext cx="6488999" cy="252000"/>
+          </a:xfrm>
+          <a:prstGeom prst="rect">
+            <a:avLst/>
+          </a:prstGeom>
+        </p:spPr>
+        <p:txBody>
+          <a:bodyPr vert="horz" lIns="91440" tIns="45720" rIns="91440" bIns="45720" rtlCol="0" anchor="b"/>
+          <a:lstStyle>
+            <a:lvl1pPr algn="l">
+              <a:defRPr sz="1100"/>
+            </a:lvl1pPr>
+          </a:lstStyle>
+          <a:p>
+            <a:r>
+              <a:rPr lang="bg-BG" sz="1100" dirty="0"/>
+              <a:t>Работна група </a:t>
+            </a:r>
+            <a:r>
+              <a:rPr lang="bg-BG" dirty="0"/>
+              <a:t>"Образование по програмиране и ИТ"</a:t>
+            </a:r>
+            <a:r>
+              <a:rPr lang="bg-BG" sz="1100" dirty="0"/>
+              <a:t>, с подкрепата на </a:t>
+            </a:r>
+            <a:r>
+              <a:rPr lang="en-US" sz="1100" dirty="0">
+                <a:hlinkClick r:id="rId3"/>
+              </a:rPr>
+              <a:t>SoftUni</a:t>
+            </a:r>
+            <a:endParaRPr lang="en-US" sz="1100" dirty="0"/>
+          </a:p>
+        </p:txBody>
+      </p:sp>
+    </p:spTree>
+    <p:extLst>
+      <p:ext uri="{BB962C8B-B14F-4D97-AF65-F5344CB8AC3E}">
+        <p14:creationId xmlns:p14="http://schemas.microsoft.com/office/powerpoint/2010/main" val="1590414964"/>
+      </p:ext>
+    </p:extLst>
+  </p:cSld>
+  <p:clrMapOvr>
+    <a:masterClrMapping/>
+  </p:clrMapOvr>
+</p:notes>
+</file>
+
+<file path=ppt/notesSlides/notesSlide7.xml><?xml version="1.0" encoding="utf-8"?>
+<p:notes xmlns:a="http://schemas.openxmlformats.org/drawingml/2006/main" xmlns:r="http://schemas.openxmlformats.org/officeDocument/2006/relationships" xmlns:p="http://schemas.openxmlformats.org/presentationml/2006/main">
+  <p:cSld>
+    <p:spTree>
+      <p:nvGrpSpPr>
+        <p:cNvPr id="1" name=""/>
+        <p:cNvGrpSpPr/>
+        <p:nvPr/>
+      </p:nvGrpSpPr>
+      <p:grpSpPr>
+        <a:xfrm>
+          <a:off x="0" y="0"/>
+          <a:ext cx="0" cy="0"/>
+          <a:chOff x="0" y="0"/>
+          <a:chExt cx="0" cy="0"/>
+        </a:xfrm>
+      </p:grpSpPr>
+      <p:sp>
+        <p:nvSpPr>
+          <p:cNvPr id="2" name="Slide Image Placeholder 1"/>
+          <p:cNvSpPr>
+            <a:spLocks noGrp="1" noRot="1" noChangeAspect="1"/>
+          </p:cNvSpPr>
+          <p:nvPr>
+            <p:ph type="sldImg"/>
+          </p:nvPr>
+        </p:nvSpPr>
+        <p:spPr/>
+      </p:sp>
+      <p:sp>
+        <p:nvSpPr>
+          <p:cNvPr id="3" name="Notes Placeholder 2"/>
+          <p:cNvSpPr>
+            <a:spLocks noGrp="1"/>
+          </p:cNvSpPr>
+          <p:nvPr>
+            <p:ph type="body" idx="1"/>
+          </p:nvPr>
+        </p:nvSpPr>
+        <p:spPr/>
+        <p:txBody>
+          <a:bodyPr/>
+          <a:lstStyle/>
+          <a:p>
+            <a:r>
+              <a:rPr lang="en-US" dirty="0"/>
+              <a:t>The table is the</a:t>
+            </a:r>
+            <a:r>
+              <a:rPr lang="en-US" baseline="0" dirty="0"/>
+              <a:t> main unit of data storage. It has rows, columns and cells. Cells contain stored data. Each column has a data type. Types can be VARCHAR(String), INT, DATE etc.</a:t>
+            </a:r>
+            <a:endParaRPr lang="en-US" dirty="0"/>
+          </a:p>
+        </p:txBody>
+      </p:sp>
+      <p:sp>
+        <p:nvSpPr>
+          <p:cNvPr id="5" name="Slide Number Placeholder 4"/>
+          <p:cNvSpPr>
+            <a:spLocks noGrp="1"/>
+          </p:cNvSpPr>
+          <p:nvPr>
+            <p:ph type="sldNum" sz="quarter" idx="11"/>
+          </p:nvPr>
+        </p:nvSpPr>
+        <p:spPr/>
+        <p:txBody>
+          <a:bodyPr/>
+          <a:lstStyle/>
+          <a:p>
+            <a:fld id="{3EBA5BD7-F043-4D1B-AA17-CD412FC534DE}" type="slidenum">
+              <a:rPr lang="en-US" smtClean="0"/>
+              <a:pPr/>
+              <a:t>14</a:t>
+            </a:fld>
+            <a:endParaRPr lang="en-US" dirty="0"/>
+          </a:p>
+        </p:txBody>
+      </p:sp>
+      <p:sp>
+        <p:nvSpPr>
+          <p:cNvPr id="4" name="Footer Placeholder 7">
+            <a:extLst>
+              <a:ext uri="{FF2B5EF4-FFF2-40B4-BE49-F238E27FC236}">
+                <a16:creationId xmlns:a16="http://schemas.microsoft.com/office/drawing/2014/main" id="{3C6E4365-C2C6-EADC-E2EB-76A5CDFDE20C}"/>
+              </a:ext>
+            </a:extLst>
+          </p:cNvPr>
+          <p:cNvSpPr>
+            <a:spLocks noGrp="1"/>
+          </p:cNvSpPr>
+          <p:nvPr>
+            <p:ph type="ftr" sz="quarter" idx="4"/>
+          </p:nvPr>
+        </p:nvSpPr>
+        <p:spPr>
+          <a:xfrm>
+            <a:off x="-1" y="8892000"/>
+            <a:ext cx="6488999" cy="252000"/>
+          </a:xfrm>
+          <a:prstGeom prst="rect">
+            <a:avLst/>
+          </a:prstGeom>
+        </p:spPr>
+        <p:txBody>
+          <a:bodyPr vert="horz" lIns="91440" tIns="45720" rIns="91440" bIns="45720" rtlCol="0" anchor="b"/>
+          <a:lstStyle>
+            <a:lvl1pPr algn="l">
+              <a:defRPr sz="1100"/>
+            </a:lvl1pPr>
+          </a:lstStyle>
+          <a:p>
+            <a:r>
+              <a:rPr lang="bg-BG" sz="1100" dirty="0"/>
+              <a:t>Работна група </a:t>
+            </a:r>
+            <a:r>
+              <a:rPr lang="bg-BG" dirty="0"/>
+              <a:t>"Образование по програмиране и ИТ"</a:t>
+            </a:r>
+            <a:r>
+              <a:rPr lang="bg-BG" sz="1100" dirty="0"/>
+              <a:t>, с подкрепата на </a:t>
+            </a:r>
+            <a:r>
+              <a:rPr lang="en-US" sz="1100" dirty="0">
+                <a:hlinkClick r:id="rId3"/>
+              </a:rPr>
+              <a:t>SoftUni</a:t>
+            </a:r>
+            <a:endParaRPr lang="en-US" sz="1100" dirty="0"/>
+          </a:p>
+        </p:txBody>
+      </p:sp>
+    </p:spTree>
+    <p:extLst>
+      <p:ext uri="{BB962C8B-B14F-4D97-AF65-F5344CB8AC3E}">
+        <p14:creationId xmlns:p14="http://schemas.microsoft.com/office/powerpoint/2010/main" val="2324145607"/>
+      </p:ext>
+    </p:extLst>
+  </p:cSld>
+  <p:clrMapOvr>
+    <a:masterClrMapping/>
+  </p:clrMapOvr>
+</p:notes>
+</file>
+
+<file path=ppt/notesSlides/notesSlide8.xml><?xml version="1.0" encoding="utf-8"?>
+<p:notes xmlns:a="http://schemas.openxmlformats.org/drawingml/2006/main" xmlns:r="http://schemas.openxmlformats.org/officeDocument/2006/relationships" xmlns:p="http://schemas.openxmlformats.org/presentationml/2006/main">
+  <p:cSld>
+    <p:spTree>
+      <p:nvGrpSpPr>
+        <p:cNvPr id="1" name=""/>
+        <p:cNvGrpSpPr/>
+        <p:nvPr/>
+      </p:nvGrpSpPr>
+      <p:grpSpPr>
+        <a:xfrm>
+          <a:off x="0" y="0"/>
+          <a:ext cx="0" cy="0"/>
+          <a:chOff x="0" y="0"/>
+          <a:chExt cx="0" cy="0"/>
+        </a:xfrm>
+      </p:grpSpPr>
+      <p:sp>
+        <p:nvSpPr>
+          <p:cNvPr id="2" name="Slide Image Placeholder 1"/>
+          <p:cNvSpPr>
+            <a:spLocks noGrp="1" noRot="1" noChangeAspect="1"/>
+          </p:cNvSpPr>
+          <p:nvPr>
+            <p:ph type="sldImg"/>
+          </p:nvPr>
+        </p:nvSpPr>
+        <p:spPr/>
+      </p:sp>
+      <p:sp>
+        <p:nvSpPr>
+          <p:cNvPr id="3" name="Notes Placeholder 2"/>
+          <p:cNvSpPr>
+            <a:spLocks noGrp="1"/>
+          </p:cNvSpPr>
+          <p:nvPr>
+            <p:ph type="body" idx="1"/>
+          </p:nvPr>
+        </p:nvSpPr>
+        <p:spPr/>
+        <p:txBody>
+          <a:bodyPr/>
+          <a:lstStyle/>
+          <a:p>
+            <a:endParaRPr lang="en-US" dirty="0"/>
+          </a:p>
+        </p:txBody>
+      </p:sp>
+      <p:sp>
+        <p:nvSpPr>
+          <p:cNvPr id="7" name="Slide Number Placeholder 5">
+            <a:extLst>
+              <a:ext uri="{FF2B5EF4-FFF2-40B4-BE49-F238E27FC236}">
+                <a16:creationId xmlns:a16="http://schemas.microsoft.com/office/drawing/2014/main" id="{BD88B0D8-949C-482D-990A-2DAB14AD4AD1}"/>
+              </a:ext>
+            </a:extLst>
+          </p:cNvPr>
+          <p:cNvSpPr txBox="1">
+            <a:spLocks/>
+          </p:cNvSpPr>
+          <p:nvPr/>
+        </p:nvSpPr>
+        <p:spPr>
+          <a:xfrm>
+            <a:off x="6488999" y="8847000"/>
+            <a:ext cx="367414" cy="297000"/>
+          </a:xfrm>
+          <a:prstGeom prst="rect">
+            <a:avLst/>
+          </a:prstGeom>
+        </p:spPr>
+        <p:txBody>
+          <a:bodyPr vert="horz" lIns="91440" tIns="45720" rIns="91440" bIns="45720" rtlCol="0" anchor="b"/>
+          <a:lstStyle>
+            <a:defPPr>
+              <a:defRPr lang="en-US"/>
+            </a:defPPr>
+            <a:lvl1pPr marL="0" algn="r" defTabSz="914400" rtl="0" eaLnBrk="1" latinLnBrk="0" hangingPunct="1">
+              <a:defRPr sz="1200" kern="1200">
+                <a:solidFill>
+                  <a:schemeClr val="tx1"/>
+                </a:solidFill>
+                <a:latin typeface="+mn-lt"/>
+                <a:ea typeface="+mn-ea"/>
+                <a:cs typeface="+mn-cs"/>
+              </a:defRPr>
+            </a:lvl1pPr>
+            <a:lvl2pPr marL="457200" algn="l" defTabSz="914400" rtl="0" eaLnBrk="1" latinLnBrk="0" hangingPunct="1">
+              <a:defRPr sz="1800" kern="1200">
+                <a:solidFill>
+                  <a:schemeClr val="tx1"/>
+                </a:solidFill>
+                <a:latin typeface="+mn-lt"/>
+                <a:ea typeface="+mn-ea"/>
+                <a:cs typeface="+mn-cs"/>
+              </a:defRPr>
+            </a:lvl2pPr>
+            <a:lvl3pPr marL="914400" algn="l" defTabSz="914400" rtl="0" eaLnBrk="1" latinLnBrk="0" hangingPunct="1">
+              <a:defRPr sz="1800" kern="1200">
+                <a:solidFill>
+                  <a:schemeClr val="tx1"/>
+                </a:solidFill>
+                <a:latin typeface="+mn-lt"/>
+                <a:ea typeface="+mn-ea"/>
+                <a:cs typeface="+mn-cs"/>
+              </a:defRPr>
+            </a:lvl3pPr>
+            <a:lvl4pPr marL="1371600" algn="l" defTabSz="914400" rtl="0" eaLnBrk="1" latinLnBrk="0" hangingPunct="1">
+              <a:defRPr sz="1800" kern="1200">
+                <a:solidFill>
+                  <a:schemeClr val="tx1"/>
+                </a:solidFill>
+                <a:latin typeface="+mn-lt"/>
+                <a:ea typeface="+mn-ea"/>
+                <a:cs typeface="+mn-cs"/>
+              </a:defRPr>
+            </a:lvl4pPr>
+            <a:lvl5pPr marL="1828800" algn="l" defTabSz="914400" rtl="0" eaLnBrk="1" latinLnBrk="0" hangingPunct="1">
+              <a:defRPr sz="1800" kern="1200">
+                <a:solidFill>
+                  <a:schemeClr val="tx1"/>
+                </a:solidFill>
+                <a:latin typeface="+mn-lt"/>
+                <a:ea typeface="+mn-ea"/>
+                <a:cs typeface="+mn-cs"/>
+              </a:defRPr>
+            </a:lvl5pPr>
+            <a:lvl6pPr marL="2286000" algn="l" defTabSz="914400" rtl="0" eaLnBrk="1" latinLnBrk="0" hangingPunct="1">
+              <a:defRPr sz="1800" kern="1200">
+                <a:solidFill>
+                  <a:schemeClr val="tx1"/>
+                </a:solidFill>
+                <a:latin typeface="+mn-lt"/>
+                <a:ea typeface="+mn-ea"/>
+                <a:cs typeface="+mn-cs"/>
+              </a:defRPr>
+            </a:lvl6pPr>
+            <a:lvl7pPr marL="2743200" algn="l" defTabSz="914400" rtl="0" eaLnBrk="1" latinLnBrk="0" hangingPunct="1">
+              <a:defRPr sz="1800" kern="1200">
+                <a:solidFill>
+                  <a:schemeClr val="tx1"/>
+                </a:solidFill>
+                <a:latin typeface="+mn-lt"/>
+                <a:ea typeface="+mn-ea"/>
+                <a:cs typeface="+mn-cs"/>
+              </a:defRPr>
+            </a:lvl7pPr>
+            <a:lvl8pPr marL="3200400" algn="l" defTabSz="914400" rtl="0" eaLnBrk="1" latinLnBrk="0" hangingPunct="1">
+              <a:defRPr sz="1800" kern="1200">
+                <a:solidFill>
+                  <a:schemeClr val="tx1"/>
+                </a:solidFill>
+                <a:latin typeface="+mn-lt"/>
+                <a:ea typeface="+mn-ea"/>
+                <a:cs typeface="+mn-cs"/>
+              </a:defRPr>
+            </a:lvl8pPr>
+            <a:lvl9pPr marL="3657600" algn="l" defTabSz="914400" rtl="0" eaLnBrk="1" latinLnBrk="0" hangingPunct="1">
+              <a:defRPr sz="1800" kern="1200">
+                <a:solidFill>
+                  <a:schemeClr val="tx1"/>
+                </a:solidFill>
+                <a:latin typeface="+mn-lt"/>
+                <a:ea typeface="+mn-ea"/>
+                <a:cs typeface="+mn-cs"/>
+              </a:defRPr>
+            </a:lvl9pPr>
+          </a:lstStyle>
+          <a:p>
+            <a:fld id="{3EBA5BD7-F043-4D1B-AA17-CD412FC534DE}" type="slidenum">
+              <a:rPr lang="en-US" smtClean="0"/>
+              <a:pPr/>
+              <a:t>17</a:t>
             </a:fld>
             <a:endParaRPr lang="en-US" dirty="0"/>
           </a:p>
@@ -3413,7 +3736,7 @@
 </p:notes>
 </file>
 
-<file path=ppt/notesSlides/notesSlide8.xml><?xml version="1.0" encoding="utf-8"?>
+<file path=ppt/notesSlides/notesSlide9.xml><?xml version="1.0" encoding="utf-8"?>
 <p:notes xmlns:a="http://schemas.openxmlformats.org/drawingml/2006/main" xmlns:r="http://schemas.openxmlformats.org/officeDocument/2006/relationships" xmlns:p="http://schemas.openxmlformats.org/presentationml/2006/main">
   <p:cSld>
     <p:spTree>
@@ -3479,7 +3802,7 @@
             <a:fld id="{2BF067CD-8E6B-4360-9AA8-C5DF2A48A6D1}" type="slidenum">
               <a:rPr lang="en-US" smtClean="0"/>
               <a:pPr/>
-              <a:t>18</a:t>
+              <a:t>19</a:t>
             </a:fld>
             <a:endParaRPr lang="en-US" dirty="0"/>
           </a:p>
@@ -3544,206 +3867,6 @@
     <p:extLst>
       <p:ext uri="{BB962C8B-B14F-4D97-AF65-F5344CB8AC3E}">
         <p14:creationId xmlns:p14="http://schemas.microsoft.com/office/powerpoint/2010/main" val="4004706591"/>
-      </p:ext>
-    </p:extLst>
-  </p:cSld>
-  <p:clrMapOvr>
-    <a:masterClrMapping/>
-  </p:clrMapOvr>
-</p:notes>
-</file>
-
-<file path=ppt/notesSlides/notesSlide9.xml><?xml version="1.0" encoding="utf-8"?>
-<p:notes xmlns:a="http://schemas.openxmlformats.org/drawingml/2006/main" xmlns:r="http://schemas.openxmlformats.org/officeDocument/2006/relationships" xmlns:p="http://schemas.openxmlformats.org/presentationml/2006/main">
-  <p:cSld>
-    <p:spTree>
-      <p:nvGrpSpPr>
-        <p:cNvPr id="1" name=""/>
-        <p:cNvGrpSpPr/>
-        <p:nvPr/>
-      </p:nvGrpSpPr>
-      <p:grpSpPr>
-        <a:xfrm>
-          <a:off x="0" y="0"/>
-          <a:ext cx="0" cy="0"/>
-          <a:chOff x="0" y="0"/>
-          <a:chExt cx="0" cy="0"/>
-        </a:xfrm>
-      </p:grpSpPr>
-      <p:sp>
-        <p:nvSpPr>
-          <p:cNvPr id="2" name="Slide Image Placeholder 1"/>
-          <p:cNvSpPr>
-            <a:spLocks noGrp="1" noRot="1" noChangeAspect="1"/>
-          </p:cNvSpPr>
-          <p:nvPr>
-            <p:ph type="sldImg"/>
-          </p:nvPr>
-        </p:nvSpPr>
-        <p:spPr/>
-      </p:sp>
-      <p:sp>
-        <p:nvSpPr>
-          <p:cNvPr id="3" name="Notes Placeholder 2"/>
-          <p:cNvSpPr>
-            <a:spLocks noGrp="1"/>
-          </p:cNvSpPr>
-          <p:nvPr>
-            <p:ph type="body" idx="1"/>
-          </p:nvPr>
-        </p:nvSpPr>
-        <p:spPr/>
-        <p:txBody>
-          <a:bodyPr/>
-          <a:lstStyle/>
-          <a:p>
-            <a:r>
-              <a:rPr lang="en-US" sz="1200" kern="1200" dirty="0">
-                <a:solidFill>
-                  <a:schemeClr val="tx1"/>
-                </a:solidFill>
-                <a:latin typeface="+mn-lt"/>
-                <a:ea typeface="+mn-ea"/>
-                <a:cs typeface="+mn-cs"/>
-              </a:rPr>
-              <a:t>DECLARE @VarcharVar VARCHAR(5) = 'Test';</a:t>
-            </a:r>
-          </a:p>
-          <a:p>
-            <a:r>
-              <a:rPr lang="en-US" sz="1200" kern="1200" dirty="0">
-                <a:solidFill>
-                  <a:schemeClr val="tx1"/>
-                </a:solidFill>
-                <a:latin typeface="+mn-lt"/>
-                <a:ea typeface="+mn-ea"/>
-                <a:cs typeface="+mn-cs"/>
-              </a:rPr>
-              <a:t>DECLARE @NVarcharVar NVARCHAR(5) = 'Test';</a:t>
-            </a:r>
-          </a:p>
-          <a:p>
-            <a:r>
-              <a:rPr lang="en-US" sz="1200" kern="1200" dirty="0">
-                <a:solidFill>
-                  <a:schemeClr val="tx1"/>
-                </a:solidFill>
-                <a:latin typeface="+mn-lt"/>
-                <a:ea typeface="+mn-ea"/>
-                <a:cs typeface="+mn-cs"/>
-              </a:rPr>
-              <a:t>DECLARE @Char CHAR(5) = 'Test';</a:t>
-            </a:r>
-          </a:p>
-          <a:p>
-            <a:endParaRPr lang="en-US" sz="1200" kern="1200" dirty="0">
-              <a:solidFill>
-                <a:schemeClr val="tx1"/>
-              </a:solidFill>
-              <a:latin typeface="+mn-lt"/>
-              <a:ea typeface="+mn-ea"/>
-              <a:cs typeface="+mn-cs"/>
-            </a:endParaRPr>
-          </a:p>
-          <a:p>
-            <a:r>
-              <a:rPr lang="en-US" sz="1200" kern="1200" dirty="0">
-                <a:solidFill>
-                  <a:schemeClr val="tx1"/>
-                </a:solidFill>
-                <a:latin typeface="+mn-lt"/>
-                <a:ea typeface="+mn-ea"/>
-                <a:cs typeface="+mn-cs"/>
-              </a:rPr>
-              <a:t>SELECT DATALENGTH(@VarcharVar), DATALENGTH(@NVarcharVar), DATALENGTH(@Char)</a:t>
-            </a:r>
-            <a:endParaRPr lang="en-US" dirty="0"/>
-          </a:p>
-        </p:txBody>
-      </p:sp>
-      <p:sp>
-        <p:nvSpPr>
-          <p:cNvPr id="4" name="Slide Number Placeholder 3"/>
-          <p:cNvSpPr>
-            <a:spLocks noGrp="1"/>
-          </p:cNvSpPr>
-          <p:nvPr>
-            <p:ph type="sldNum" sz="quarter" idx="10"/>
-          </p:nvPr>
-        </p:nvSpPr>
-        <p:spPr/>
-        <p:txBody>
-          <a:bodyPr/>
-          <a:lstStyle/>
-          <a:p>
-            <a:fld id="{2BF067CD-8E6B-4360-9AA8-C5DF2A48A6D1}" type="slidenum">
-              <a:rPr lang="en-US" smtClean="0"/>
-              <a:pPr/>
-              <a:t>20</a:t>
-            </a:fld>
-            <a:endParaRPr lang="en-US" dirty="0"/>
-          </a:p>
-        </p:txBody>
-      </p:sp>
-      <p:sp>
-        <p:nvSpPr>
-          <p:cNvPr id="5" name="Footer Placeholder 7">
-            <a:extLst>
-              <a:ext uri="{FF2B5EF4-FFF2-40B4-BE49-F238E27FC236}">
-                <a16:creationId xmlns:a16="http://schemas.microsoft.com/office/drawing/2014/main" id="{7DFA047E-DE5C-0BC9-D80D-44995B117383}"/>
-              </a:ext>
-            </a:extLst>
-          </p:cNvPr>
-          <p:cNvSpPr>
-            <a:spLocks noGrp="1"/>
-          </p:cNvSpPr>
-          <p:nvPr>
-            <p:ph type="ftr" sz="quarter" idx="4"/>
-          </p:nvPr>
-        </p:nvSpPr>
-        <p:spPr>
-          <a:xfrm>
-            <a:off x="-1" y="8892000"/>
-            <a:ext cx="6488999" cy="252000"/>
-          </a:xfrm>
-          <a:prstGeom prst="rect">
-            <a:avLst/>
-          </a:prstGeom>
-        </p:spPr>
-        <p:txBody>
-          <a:bodyPr vert="horz" lIns="91440" tIns="45720" rIns="91440" bIns="45720" rtlCol="0" anchor="b"/>
-          <a:lstStyle>
-            <a:lvl1pPr algn="l">
-              <a:defRPr sz="1100"/>
-            </a:lvl1pPr>
-          </a:lstStyle>
-          <a:p>
-            <a:r>
-              <a:rPr lang="bg-BG" sz="1100" dirty="0"/>
-              <a:t>Работна група </a:t>
-            </a:r>
-            <a:r>
-              <a:rPr lang="bg-BG" dirty="0"/>
-              <a:t>"Образование по програмиране и ИТ"</a:t>
-            </a:r>
-            <a:r>
-              <a:rPr lang="bg-BG" sz="1100" dirty="0"/>
-              <a:t>, с подкрепата на </a:t>
-            </a:r>
-            <a:r>
-              <a:rPr lang="en-US" sz="1100" dirty="0">
-                <a:hlinkClick r:id="rId3"/>
-              </a:rPr>
-              <a:t>SoftUni</a:t>
-            </a:r>
-            <a:endParaRPr lang="en-US" sz="1100" dirty="0"/>
-          </a:p>
-        </p:txBody>
-      </p:sp>
-    </p:spTree>
-    <p:extLst>
-      <p:ext uri="{BB962C8B-B14F-4D97-AF65-F5344CB8AC3E}">
-        <p14:creationId xmlns:p14="http://schemas.microsoft.com/office/powerpoint/2010/main" val="2046401278"/>
       </p:ext>
     </p:extLst>
   </p:cSld>
@@ -9105,6 +9228,672 @@
           <a:chExt cx="0" cy="0"/>
         </a:xfrm>
       </p:grpSpPr>
+      <p:sp>
+        <p:nvSpPr>
+          <p:cNvPr id="2" name="Slide Number Placeholder 1">
+            <a:extLst>
+              <a:ext uri="{FF2B5EF4-FFF2-40B4-BE49-F238E27FC236}">
+                <a16:creationId xmlns:a16="http://schemas.microsoft.com/office/drawing/2014/main" id="{3E8F03B4-0724-EDF0-7228-589D87072439}"/>
+              </a:ext>
+            </a:extLst>
+          </p:cNvPr>
+          <p:cNvSpPr>
+            <a:spLocks noGrp="1"/>
+          </p:cNvSpPr>
+          <p:nvPr>
+            <p:ph type="sldNum" sz="quarter" idx="5"/>
+          </p:nvPr>
+        </p:nvSpPr>
+        <p:spPr/>
+        <p:txBody>
+          <a:bodyPr/>
+          <a:lstStyle/>
+          <a:p>
+            <a:fld id="{2BF067CD-8E6B-4360-9AA8-C5DF2A48A6D1}" type="slidenum">
+              <a:rPr lang="en-US" noProof="0" smtClean="0"/>
+              <a:pPr/>
+              <a:t>10</a:t>
+            </a:fld>
+            <a:endParaRPr lang="en-US" noProof="0" dirty="0"/>
+          </a:p>
+        </p:txBody>
+      </p:sp>
+      <p:sp>
+        <p:nvSpPr>
+          <p:cNvPr id="3" name="Text Placeholder 2">
+            <a:extLst>
+              <a:ext uri="{FF2B5EF4-FFF2-40B4-BE49-F238E27FC236}">
+                <a16:creationId xmlns:a16="http://schemas.microsoft.com/office/drawing/2014/main" id="{B8029E82-797E-D148-F18B-76C204749C80}"/>
+              </a:ext>
+            </a:extLst>
+          </p:cNvPr>
+          <p:cNvSpPr>
+            <a:spLocks noGrp="1"/>
+          </p:cNvSpPr>
+          <p:nvPr>
+            <p:ph type="body" sz="quarter" idx="10"/>
+          </p:nvPr>
+        </p:nvSpPr>
+        <p:spPr/>
+        <p:txBody>
+          <a:bodyPr/>
+          <a:lstStyle/>
+          <a:p>
+            <a:r>
+              <a:rPr lang="bg-BG" sz="3400" spc="-5" dirty="0">
+                <a:solidFill>
+                  <a:srgbClr val="224464"/>
+                </a:solidFill>
+                <a:cs typeface="Calibri"/>
+              </a:rPr>
+              <a:t>У</a:t>
+            </a:r>
+            <a:r>
+              <a:rPr lang="ru-RU" sz="3400" spc="-5" dirty="0">
+                <a:solidFill>
+                  <a:srgbClr val="224464"/>
+                </a:solidFill>
+                <a:cs typeface="Calibri"/>
+              </a:rPr>
+              <a:t>правлява </a:t>
+            </a:r>
+            <a:r>
+              <a:rPr lang="ru-RU" sz="3400" b="1" spc="-5" dirty="0">
+                <a:solidFill>
+                  <a:schemeClr val="bg1"/>
+                </a:solidFill>
+                <a:cs typeface="Calibri"/>
+              </a:rPr>
+              <a:t>съхранението</a:t>
+            </a:r>
+            <a:r>
+              <a:rPr lang="ru-RU" sz="3400" spc="-5" dirty="0">
+                <a:solidFill>
+                  <a:srgbClr val="224464"/>
+                </a:solidFill>
+                <a:cs typeface="Calibri"/>
+              </a:rPr>
+              <a:t> и </a:t>
+            </a:r>
+            <a:r>
+              <a:rPr lang="ru-RU" sz="3400" b="1" spc="-5" dirty="0">
+                <a:solidFill>
+                  <a:schemeClr val="bg1"/>
+                </a:solidFill>
+                <a:cs typeface="Calibri"/>
+              </a:rPr>
+              <a:t>достъпа</a:t>
+            </a:r>
+            <a:r>
+              <a:rPr lang="ru-RU" sz="3400" spc="-5" dirty="0">
+                <a:solidFill>
+                  <a:srgbClr val="224464"/>
+                </a:solidFill>
+                <a:cs typeface="Calibri"/>
+              </a:rPr>
+              <a:t> до </a:t>
+            </a:r>
+            <a:r>
+              <a:rPr lang="ru-RU" sz="3400" b="1" spc="-5" dirty="0">
+                <a:solidFill>
+                  <a:schemeClr val="bg1"/>
+                </a:solidFill>
+                <a:cs typeface="Calibri"/>
+              </a:rPr>
+              <a:t>файлове</a:t>
+            </a:r>
+            <a:r>
+              <a:rPr lang="ru-RU" sz="3400" spc="-5" dirty="0">
+                <a:solidFill>
+                  <a:srgbClr val="224464"/>
+                </a:solidFill>
+                <a:cs typeface="Calibri"/>
+              </a:rPr>
+              <a:t>, които</a:t>
+            </a:r>
+            <a:r>
+              <a:rPr lang="en-US" sz="3400" spc="-5" dirty="0">
+                <a:solidFill>
+                  <a:srgbClr val="224464"/>
+                </a:solidFill>
+                <a:cs typeface="Calibri"/>
+              </a:rPr>
+              <a:t> </a:t>
+            </a:r>
+            <a:r>
+              <a:rPr lang="ru-RU" sz="3400" spc="-5" dirty="0">
+                <a:solidFill>
+                  <a:srgbClr val="224464"/>
+                </a:solidFill>
+                <a:cs typeface="Calibri"/>
+              </a:rPr>
+              <a:t>съдържат </a:t>
+            </a:r>
+            <a:r>
+              <a:rPr lang="ru-RU" sz="3400" b="1" spc="-5" dirty="0">
+                <a:solidFill>
+                  <a:schemeClr val="bg1"/>
+                </a:solidFill>
+                <a:cs typeface="Calibri"/>
+              </a:rPr>
+              <a:t>бази данни</a:t>
+            </a:r>
+            <a:r>
+              <a:rPr lang="ru-RU" sz="3400" spc="-5" dirty="0">
+                <a:solidFill>
+                  <a:srgbClr val="224464"/>
+                </a:solidFill>
+                <a:cs typeface="Calibri"/>
+              </a:rPr>
+              <a:t> и свързаната с тях </a:t>
+            </a:r>
+            <a:r>
+              <a:rPr lang="ru-RU" sz="3400" b="1" spc="-5" dirty="0">
+                <a:solidFill>
+                  <a:schemeClr val="bg1"/>
+                </a:solidFill>
+                <a:cs typeface="Calibri"/>
+              </a:rPr>
+              <a:t>информация</a:t>
+            </a:r>
+            <a:endParaRPr lang="en-US" sz="3400" b="1" spc="-5" dirty="0">
+              <a:solidFill>
+                <a:schemeClr val="bg1"/>
+              </a:solidFill>
+              <a:cs typeface="Calibri"/>
+            </a:endParaRPr>
+          </a:p>
+          <a:p>
+            <a:r>
+              <a:rPr lang="ru-RU" sz="3400" spc="-5" dirty="0">
+                <a:solidFill>
+                  <a:srgbClr val="224464"/>
+                </a:solidFill>
+                <a:cs typeface="Calibri"/>
+              </a:rPr>
+              <a:t>Централизиран ресурс, който осигурява:</a:t>
+            </a:r>
+          </a:p>
+          <a:p>
+            <a:pPr lvl="1"/>
+            <a:r>
+              <a:rPr lang="ru-RU" sz="3200" spc="-5" dirty="0">
+                <a:solidFill>
+                  <a:srgbClr val="224464"/>
+                </a:solidFill>
+                <a:cs typeface="Calibri"/>
+              </a:rPr>
+              <a:t>Централизирано съхранение</a:t>
+            </a:r>
+          </a:p>
+          <a:p>
+            <a:pPr lvl="1"/>
+            <a:r>
+              <a:rPr lang="ru-RU" sz="3200" spc="-5" dirty="0">
+                <a:solidFill>
+                  <a:srgbClr val="224464"/>
+                </a:solidFill>
+                <a:cs typeface="Calibri"/>
+              </a:rPr>
+              <a:t>Контрол на достъпа</a:t>
+            </a:r>
+          </a:p>
+          <a:p>
+            <a:pPr lvl="1"/>
+            <a:r>
+              <a:rPr lang="ru-RU" sz="3200" spc="-5" dirty="0">
+                <a:solidFill>
+                  <a:srgbClr val="224464"/>
+                </a:solidFill>
+                <a:cs typeface="Calibri"/>
+              </a:rPr>
+              <a:t>Ефективност и производителност</a:t>
+            </a:r>
+          </a:p>
+          <a:p>
+            <a:pPr lvl="1"/>
+            <a:r>
+              <a:rPr lang="ru-RU" sz="3200" spc="-5" dirty="0">
+                <a:solidFill>
+                  <a:srgbClr val="224464"/>
+                </a:solidFill>
+                <a:cs typeface="Calibri"/>
+              </a:rPr>
+              <a:t>Споделяне на данни</a:t>
+            </a:r>
+          </a:p>
+          <a:p>
+            <a:pPr lvl="1"/>
+            <a:r>
+              <a:rPr lang="ru-RU" sz="3200" spc="-5" dirty="0">
+                <a:solidFill>
+                  <a:srgbClr val="224464"/>
+                </a:solidFill>
+                <a:cs typeface="Calibri"/>
+              </a:rPr>
+              <a:t>Мащабируемост</a:t>
+            </a:r>
+          </a:p>
+          <a:p>
+            <a:pPr lvl="1"/>
+            <a:endParaRPr lang="en-US" sz="3200" spc="-5" dirty="0">
+              <a:solidFill>
+                <a:srgbClr val="224464"/>
+              </a:solidFill>
+              <a:cs typeface="Calibri"/>
+            </a:endParaRPr>
+          </a:p>
+        </p:txBody>
+      </p:sp>
+      <p:sp>
+        <p:nvSpPr>
+          <p:cNvPr id="4" name="Title 3">
+            <a:extLst>
+              <a:ext uri="{FF2B5EF4-FFF2-40B4-BE49-F238E27FC236}">
+                <a16:creationId xmlns:a16="http://schemas.microsoft.com/office/drawing/2014/main" id="{713A91E9-E451-1879-19F5-1CA03F3B9495}"/>
+              </a:ext>
+            </a:extLst>
+          </p:cNvPr>
+          <p:cNvSpPr>
+            <a:spLocks noGrp="1"/>
+          </p:cNvSpPr>
+          <p:nvPr>
+            <p:ph type="title"/>
+          </p:nvPr>
+        </p:nvSpPr>
+        <p:spPr/>
+        <p:txBody>
+          <a:bodyPr/>
+          <a:lstStyle/>
+          <a:p>
+            <a:r>
+              <a:rPr lang="bg-BG" dirty="0"/>
+              <a:t>Файлов сървър</a:t>
+            </a:r>
+            <a:endParaRPr lang="en-US" dirty="0"/>
+          </a:p>
+        </p:txBody>
+      </p:sp>
+      <p:pic>
+        <p:nvPicPr>
+          <p:cNvPr id="7" name="Picture 6" descr="A logo of a computer server&#10;&#10;Description automatically generated">
+            <a:extLst>
+              <a:ext uri="{FF2B5EF4-FFF2-40B4-BE49-F238E27FC236}">
+                <a16:creationId xmlns:a16="http://schemas.microsoft.com/office/drawing/2014/main" id="{CBBB6DF4-ED9F-39C9-CCB9-6A68B10EC040}"/>
+              </a:ext>
+            </a:extLst>
+          </p:cNvPr>
+          <p:cNvPicPr>
+            <a:picLocks noChangeAspect="1"/>
+          </p:cNvPicPr>
+          <p:nvPr/>
+        </p:nvPicPr>
+        <p:blipFill>
+          <a:blip r:embed="rId3">
+            <a:extLst>
+              <a:ext uri="{28A0092B-C50C-407E-A947-70E740481C1C}">
+                <a14:useLocalDpi xmlns:a14="http://schemas.microsoft.com/office/drawing/2010/main" val="0"/>
+              </a:ext>
+            </a:extLst>
+          </a:blip>
+          <a:stretch>
+            <a:fillRect/>
+          </a:stretch>
+        </p:blipFill>
+        <p:spPr>
+          <a:xfrm>
+            <a:off x="7986000" y="3435552"/>
+            <a:ext cx="3114000" cy="3114000"/>
+          </a:xfrm>
+          <a:prstGeom prst="rect">
+            <a:avLst/>
+          </a:prstGeom>
+        </p:spPr>
+      </p:pic>
+    </p:spTree>
+    <p:extLst>
+      <p:ext uri="{BB962C8B-B14F-4D97-AF65-F5344CB8AC3E}">
+        <p14:creationId xmlns:p14="http://schemas.microsoft.com/office/powerpoint/2010/main" val="2955863129"/>
+      </p:ext>
+    </p:extLst>
+  </p:cSld>
+  <p:clrMapOvr>
+    <a:masterClrMapping/>
+  </p:clrMapOvr>
+  <mc:AlternateContent xmlns:mc="http://schemas.openxmlformats.org/markup-compatibility/2006" xmlns:p14="http://schemas.microsoft.com/office/powerpoint/2010/main">
+    <mc:Choice Requires="p14">
+      <p:transition spd="slow" p14:dur="2000" advClick="0" advTm="5000"/>
+    </mc:Choice>
+    <mc:Fallback xmlns="">
+      <p:transition spd="slow" advClick="0" advTm="5000"/>
+    </mc:Fallback>
+  </mc:AlternateContent>
+  <p:timing>
+    <p:tnLst>
+      <p:par>
+        <p:cTn id="1" dur="indefinite" restart="never" nodeType="tmRoot">
+          <p:childTnLst>
+            <p:seq concurrent="1" nextAc="seek">
+              <p:cTn id="2" dur="indefinite" nodeType="mainSeq">
+                <p:childTnLst>
+                  <p:par>
+                    <p:cTn id="3" fill="hold">
+                      <p:stCondLst>
+                        <p:cond delay="indefinite"/>
+                      </p:stCondLst>
+                      <p:childTnLst>
+                        <p:par>
+                          <p:cTn id="4" fill="hold">
+                            <p:stCondLst>
+                              <p:cond delay="0"/>
+                            </p:stCondLst>
+                            <p:childTnLst>
+                              <p:par>
+                                <p:cTn id="5" presetID="1" presetClass="entr" presetSubtype="0" fill="hold" nodeType="clickEffect">
+                                  <p:stCondLst>
+                                    <p:cond delay="0"/>
+                                  </p:stCondLst>
+                                  <p:childTnLst>
+                                    <p:set>
+                                      <p:cBhvr>
+                                        <p:cTn id="6" dur="1" fill="hold">
+                                          <p:stCondLst>
+                                            <p:cond delay="0"/>
+                                          </p:stCondLst>
+                                        </p:cTn>
+                                        <p:tgtEl>
+                                          <p:spTgt spid="3">
+                                            <p:txEl>
+                                              <p:pRg st="1" end="1"/>
+                                            </p:txEl>
+                                          </p:spTgt>
+                                        </p:tgtEl>
+                                        <p:attrNameLst>
+                                          <p:attrName>style.visibility</p:attrName>
+                                        </p:attrNameLst>
+                                      </p:cBhvr>
+                                      <p:to>
+                                        <p:strVal val="visible"/>
+                                      </p:to>
+                                    </p:set>
+                                  </p:childTnLst>
+                                </p:cTn>
+                              </p:par>
+                              <p:par>
+                                <p:cTn id="7" presetID="1" presetClass="entr" presetSubtype="0" fill="hold" nodeType="withEffect">
+                                  <p:stCondLst>
+                                    <p:cond delay="0"/>
+                                  </p:stCondLst>
+                                  <p:childTnLst>
+                                    <p:set>
+                                      <p:cBhvr>
+                                        <p:cTn id="8" dur="1" fill="hold">
+                                          <p:stCondLst>
+                                            <p:cond delay="0"/>
+                                          </p:stCondLst>
+                                        </p:cTn>
+                                        <p:tgtEl>
+                                          <p:spTgt spid="3">
+                                            <p:txEl>
+                                              <p:pRg st="2" end="2"/>
+                                            </p:txEl>
+                                          </p:spTgt>
+                                        </p:tgtEl>
+                                        <p:attrNameLst>
+                                          <p:attrName>style.visibility</p:attrName>
+                                        </p:attrNameLst>
+                                      </p:cBhvr>
+                                      <p:to>
+                                        <p:strVal val="visible"/>
+                                      </p:to>
+                                    </p:set>
+                                  </p:childTnLst>
+                                </p:cTn>
+                              </p:par>
+                            </p:childTnLst>
+                          </p:cTn>
+                        </p:par>
+                      </p:childTnLst>
+                    </p:cTn>
+                  </p:par>
+                  <p:par>
+                    <p:cTn id="9" fill="hold">
+                      <p:stCondLst>
+                        <p:cond delay="indefinite"/>
+                      </p:stCondLst>
+                      <p:childTnLst>
+                        <p:par>
+                          <p:cTn id="10" fill="hold">
+                            <p:stCondLst>
+                              <p:cond delay="0"/>
+                            </p:stCondLst>
+                            <p:childTnLst>
+                              <p:par>
+                                <p:cTn id="11" presetID="1" presetClass="entr" presetSubtype="0" fill="hold" nodeType="clickEffect">
+                                  <p:stCondLst>
+                                    <p:cond delay="0"/>
+                                  </p:stCondLst>
+                                  <p:childTnLst>
+                                    <p:set>
+                                      <p:cBhvr>
+                                        <p:cTn id="12" dur="1" fill="hold">
+                                          <p:stCondLst>
+                                            <p:cond delay="0"/>
+                                          </p:stCondLst>
+                                        </p:cTn>
+                                        <p:tgtEl>
+                                          <p:spTgt spid="3">
+                                            <p:txEl>
+                                              <p:pRg st="3" end="3"/>
+                                            </p:txEl>
+                                          </p:spTgt>
+                                        </p:tgtEl>
+                                        <p:attrNameLst>
+                                          <p:attrName>style.visibility</p:attrName>
+                                        </p:attrNameLst>
+                                      </p:cBhvr>
+                                      <p:to>
+                                        <p:strVal val="visible"/>
+                                      </p:to>
+                                    </p:set>
+                                  </p:childTnLst>
+                                </p:cTn>
+                              </p:par>
+                            </p:childTnLst>
+                          </p:cTn>
+                        </p:par>
+                      </p:childTnLst>
+                    </p:cTn>
+                  </p:par>
+                  <p:par>
+                    <p:cTn id="13" fill="hold">
+                      <p:stCondLst>
+                        <p:cond delay="indefinite"/>
+                      </p:stCondLst>
+                      <p:childTnLst>
+                        <p:par>
+                          <p:cTn id="14" fill="hold">
+                            <p:stCondLst>
+                              <p:cond delay="0"/>
+                            </p:stCondLst>
+                            <p:childTnLst>
+                              <p:par>
+                                <p:cTn id="15" presetID="1" presetClass="entr" presetSubtype="0" fill="hold" nodeType="clickEffect">
+                                  <p:stCondLst>
+                                    <p:cond delay="0"/>
+                                  </p:stCondLst>
+                                  <p:childTnLst>
+                                    <p:set>
+                                      <p:cBhvr>
+                                        <p:cTn id="16" dur="1" fill="hold">
+                                          <p:stCondLst>
+                                            <p:cond delay="0"/>
+                                          </p:stCondLst>
+                                        </p:cTn>
+                                        <p:tgtEl>
+                                          <p:spTgt spid="3">
+                                            <p:txEl>
+                                              <p:pRg st="4" end="4"/>
+                                            </p:txEl>
+                                          </p:spTgt>
+                                        </p:tgtEl>
+                                        <p:attrNameLst>
+                                          <p:attrName>style.visibility</p:attrName>
+                                        </p:attrNameLst>
+                                      </p:cBhvr>
+                                      <p:to>
+                                        <p:strVal val="visible"/>
+                                      </p:to>
+                                    </p:set>
+                                  </p:childTnLst>
+                                </p:cTn>
+                              </p:par>
+                            </p:childTnLst>
+                          </p:cTn>
+                        </p:par>
+                      </p:childTnLst>
+                    </p:cTn>
+                  </p:par>
+                  <p:par>
+                    <p:cTn id="17" fill="hold">
+                      <p:stCondLst>
+                        <p:cond delay="indefinite"/>
+                      </p:stCondLst>
+                      <p:childTnLst>
+                        <p:par>
+                          <p:cTn id="18" fill="hold">
+                            <p:stCondLst>
+                              <p:cond delay="0"/>
+                            </p:stCondLst>
+                            <p:childTnLst>
+                              <p:par>
+                                <p:cTn id="19" presetID="1" presetClass="entr" presetSubtype="0" fill="hold" nodeType="clickEffect">
+                                  <p:stCondLst>
+                                    <p:cond delay="0"/>
+                                  </p:stCondLst>
+                                  <p:childTnLst>
+                                    <p:set>
+                                      <p:cBhvr>
+                                        <p:cTn id="20" dur="1" fill="hold">
+                                          <p:stCondLst>
+                                            <p:cond delay="0"/>
+                                          </p:stCondLst>
+                                        </p:cTn>
+                                        <p:tgtEl>
+                                          <p:spTgt spid="3">
+                                            <p:txEl>
+                                              <p:pRg st="5" end="5"/>
+                                            </p:txEl>
+                                          </p:spTgt>
+                                        </p:tgtEl>
+                                        <p:attrNameLst>
+                                          <p:attrName>style.visibility</p:attrName>
+                                        </p:attrNameLst>
+                                      </p:cBhvr>
+                                      <p:to>
+                                        <p:strVal val="visible"/>
+                                      </p:to>
+                                    </p:set>
+                                  </p:childTnLst>
+                                </p:cTn>
+                              </p:par>
+                            </p:childTnLst>
+                          </p:cTn>
+                        </p:par>
+                      </p:childTnLst>
+                    </p:cTn>
+                  </p:par>
+                  <p:par>
+                    <p:cTn id="21" fill="hold">
+                      <p:stCondLst>
+                        <p:cond delay="indefinite"/>
+                      </p:stCondLst>
+                      <p:childTnLst>
+                        <p:par>
+                          <p:cTn id="22" fill="hold">
+                            <p:stCondLst>
+                              <p:cond delay="0"/>
+                            </p:stCondLst>
+                            <p:childTnLst>
+                              <p:par>
+                                <p:cTn id="23" presetID="1" presetClass="entr" presetSubtype="0" fill="hold" nodeType="clickEffect">
+                                  <p:stCondLst>
+                                    <p:cond delay="0"/>
+                                  </p:stCondLst>
+                                  <p:childTnLst>
+                                    <p:set>
+                                      <p:cBhvr>
+                                        <p:cTn id="24" dur="1" fill="hold">
+                                          <p:stCondLst>
+                                            <p:cond delay="0"/>
+                                          </p:stCondLst>
+                                        </p:cTn>
+                                        <p:tgtEl>
+                                          <p:spTgt spid="3">
+                                            <p:txEl>
+                                              <p:pRg st="6" end="6"/>
+                                            </p:txEl>
+                                          </p:spTgt>
+                                        </p:tgtEl>
+                                        <p:attrNameLst>
+                                          <p:attrName>style.visibility</p:attrName>
+                                        </p:attrNameLst>
+                                      </p:cBhvr>
+                                      <p:to>
+                                        <p:strVal val="visible"/>
+                                      </p:to>
+                                    </p:set>
+                                  </p:childTnLst>
+                                </p:cTn>
+                              </p:par>
+                            </p:childTnLst>
+                          </p:cTn>
+                        </p:par>
+                      </p:childTnLst>
+                    </p:cTn>
+                  </p:par>
+                </p:childTnLst>
+              </p:cTn>
+              <p:prevCondLst>
+                <p:cond evt="onPrev" delay="0">
+                  <p:tgtEl>
+                    <p:sldTgt/>
+                  </p:tgtEl>
+                </p:cond>
+              </p:prevCondLst>
+              <p:nextCondLst>
+                <p:cond evt="onNext" delay="0">
+                  <p:tgtEl>
+                    <p:sldTgt/>
+                  </p:tgtEl>
+                </p:cond>
+              </p:nextCondLst>
+            </p:seq>
+          </p:childTnLst>
+        </p:cTn>
+      </p:par>
+    </p:tnLst>
+  </p:timing>
+</p:sld>
+</file>
+
+<file path=ppt/slides/slide11.xml><?xml version="1.0" encoding="utf-8"?>
+<p:sld xmlns:a="http://schemas.openxmlformats.org/drawingml/2006/main" xmlns:r="http://schemas.openxmlformats.org/officeDocument/2006/relationships" xmlns:p="http://schemas.openxmlformats.org/presentationml/2006/main">
+  <p:cSld>
+    <p:spTree>
+      <p:nvGrpSpPr>
+        <p:cNvPr id="1" name=""/>
+        <p:cNvGrpSpPr/>
+        <p:nvPr/>
+      </p:nvGrpSpPr>
+      <p:grpSpPr>
+        <a:xfrm>
+          <a:off x="0" y="0"/>
+          <a:ext cx="0" cy="0"/>
+          <a:chOff x="0" y="0"/>
+          <a:chExt cx="0" cy="0"/>
+        </a:xfrm>
+      </p:grpSpPr>
       <p:pic>
         <p:nvPicPr>
           <p:cNvPr id="5" name="Picture 4"/>
@@ -9217,7 +10006,7 @@
 </p:sld>
 </file>
 
-<file path=ppt/slides/slide11.xml><?xml version="1.0" encoding="utf-8"?>
+<file path=ppt/slides/slide12.xml><?xml version="1.0" encoding="utf-8"?>
 <p:sld xmlns:a="http://schemas.openxmlformats.org/drawingml/2006/main" xmlns:r="http://schemas.openxmlformats.org/officeDocument/2006/relationships" xmlns:p="http://schemas.openxmlformats.org/presentationml/2006/main">
   <p:cSld>
     <p:spTree>
@@ -9703,7 +10492,7 @@
                   <a:spcPts val="1055"/>
                 </a:lnSpc>
               </a:pPr>
-              <a:t>11</a:t>
+              <a:t>12</a:t>
             </a:fld>
             <a:endParaRPr sz="1000" dirty="0">
               <a:latin typeface="Calibri"/>
@@ -9836,7 +10625,7 @@
             <a:fld id="{2BF067CD-8E6B-4360-9AA8-C5DF2A48A6D1}" type="slidenum">
               <a:rPr lang="en-US" smtClean="0"/>
               <a:pPr/>
-              <a:t>11</a:t>
+              <a:t>12</a:t>
             </a:fld>
             <a:endParaRPr lang="en-US" dirty="0"/>
           </a:p>
@@ -9942,7 +10731,7 @@
 </p:sld>
 </file>
 
-<file path=ppt/slides/slide12.xml><?xml version="1.0" encoding="utf-8"?>
+<file path=ppt/slides/slide13.xml><?xml version="1.0" encoding="utf-8"?>
 <p:sld xmlns:a="http://schemas.openxmlformats.org/drawingml/2006/main" xmlns:r="http://schemas.openxmlformats.org/officeDocument/2006/relationships" xmlns:p="http://schemas.openxmlformats.org/presentationml/2006/main">
   <p:cSld>
     <p:spTree>
@@ -10254,7 +11043,7 @@
             <a:fld id="{2BF067CD-8E6B-4360-9AA8-C5DF2A48A6D1}" type="slidenum">
               <a:rPr lang="en-US" smtClean="0"/>
               <a:pPr/>
-              <a:t>12</a:t>
+              <a:t>13</a:t>
             </a:fld>
             <a:endParaRPr lang="en-US" dirty="0"/>
           </a:p>
@@ -10360,7 +11149,7 @@
 </p:sld>
 </file>
 
-<file path=ppt/slides/slide13.xml><?xml version="1.0" encoding="utf-8"?>
+<file path=ppt/slides/slide14.xml><?xml version="1.0" encoding="utf-8"?>
 <p:sld xmlns:a="http://schemas.openxmlformats.org/drawingml/2006/main" xmlns:r="http://schemas.openxmlformats.org/officeDocument/2006/relationships" xmlns:p="http://schemas.openxmlformats.org/presentationml/2006/main">
   <p:cSld>
     <p:spTree>
@@ -12793,7 +13582,7 @@
             <a:fld id="{2BF067CD-8E6B-4360-9AA8-C5DF2A48A6D1}" type="slidenum">
               <a:rPr lang="en-US" noProof="0" smtClean="0"/>
               <a:pPr/>
-              <a:t>13</a:t>
+              <a:t>14</a:t>
             </a:fld>
             <a:endParaRPr lang="en-US" noProof="0" dirty="0"/>
           </a:p>
@@ -13129,7 +13918,7 @@
 </p:sld>
 </file>
 
-<file path=ppt/slides/slide14.xml><?xml version="1.0" encoding="utf-8"?>
+<file path=ppt/slides/slide15.xml><?xml version="1.0" encoding="utf-8"?>
 <p:sld xmlns:a="http://schemas.openxmlformats.org/drawingml/2006/main" xmlns:r="http://schemas.openxmlformats.org/officeDocument/2006/relationships" xmlns:p="http://schemas.openxmlformats.org/presentationml/2006/main">
   <p:cSld>
     <p:spTree>
@@ -13428,7 +14217,7 @@
                   <a:spcPts val="1055"/>
                 </a:lnSpc>
               </a:pPr>
-              <a:t>14</a:t>
+              <a:t>15</a:t>
             </a:fld>
             <a:endParaRPr sz="1000" dirty="0">
               <a:latin typeface="Calibri"/>
@@ -13499,7 +14288,7 @@
             <a:fld id="{2BF067CD-8E6B-4360-9AA8-C5DF2A48A6D1}" type="slidenum">
               <a:rPr lang="en-US" noProof="0" smtClean="0"/>
               <a:pPr/>
-              <a:t>14</a:t>
+              <a:t>15</a:t>
             </a:fld>
             <a:endParaRPr lang="en-US" noProof="0" dirty="0"/>
           </a:p>
@@ -13650,7 +14439,7 @@
 </p:sld>
 </file>
 
-<file path=ppt/slides/slide15.xml><?xml version="1.0" encoding="utf-8"?>
+<file path=ppt/slides/slide16.xml><?xml version="1.0" encoding="utf-8"?>
 <p:sld xmlns:a="http://schemas.openxmlformats.org/drawingml/2006/main" xmlns:r="http://schemas.openxmlformats.org/officeDocument/2006/relationships" xmlns:p="http://schemas.openxmlformats.org/presentationml/2006/main">
   <p:cSld>
     <p:spTree>
@@ -16673,7 +17462,7 @@
                   <a:spcPts val="1055"/>
                 </a:lnSpc>
               </a:pPr>
-              <a:t>15</a:t>
+              <a:t>16</a:t>
             </a:fld>
             <a:endParaRPr sz="1000" dirty="0">
               <a:latin typeface="Calibri"/>
@@ -16822,7 +17611,7 @@
             <a:fld id="{2BF067CD-8E6B-4360-9AA8-C5DF2A48A6D1}" type="slidenum">
               <a:rPr lang="en-US" noProof="0" smtClean="0"/>
               <a:pPr/>
-              <a:t>15</a:t>
+              <a:t>16</a:t>
             </a:fld>
             <a:endParaRPr lang="en-US" noProof="0" dirty="0"/>
           </a:p>
@@ -17081,7 +17870,7 @@
 </p:sld>
 </file>
 
-<file path=ppt/slides/slide16.xml><?xml version="1.0" encoding="utf-8"?>
+<file path=ppt/slides/slide17.xml><?xml version="1.0" encoding="utf-8"?>
 <p:sld xmlns:a="http://schemas.openxmlformats.org/drawingml/2006/main" xmlns:r="http://schemas.openxmlformats.org/officeDocument/2006/relationships" xmlns:p="http://schemas.openxmlformats.org/presentationml/2006/main">
   <p:cSld>
     <p:spTree>
@@ -17219,7 +18008,7 @@
 </p:sld>
 </file>
 
-<file path=ppt/slides/slide17.xml><?xml version="1.0" encoding="utf-8"?>
+<file path=ppt/slides/slide18.xml><?xml version="1.0" encoding="utf-8"?>
 <p:sld xmlns:a="http://schemas.openxmlformats.org/drawingml/2006/main" xmlns:r="http://schemas.openxmlformats.org/officeDocument/2006/relationships" xmlns:p="http://schemas.openxmlformats.org/presentationml/2006/main">
   <p:cSld>
     <p:spTree>
@@ -17692,7 +18481,7 @@
                   <a:spcPts val="1055"/>
                 </a:lnSpc>
               </a:pPr>
-              <a:t>17</a:t>
+              <a:t>18</a:t>
             </a:fld>
             <a:endParaRPr sz="1000" dirty="0">
               <a:latin typeface="Calibri"/>
@@ -17825,7 +18614,7 @@
             <a:fld id="{2BF067CD-8E6B-4360-9AA8-C5DF2A48A6D1}" type="slidenum">
               <a:rPr lang="en-US" smtClean="0"/>
               <a:pPr/>
-              <a:t>17</a:t>
+              <a:t>18</a:t>
             </a:fld>
             <a:endParaRPr lang="en-US" dirty="0"/>
           </a:p>
@@ -18109,7 +18898,7 @@
 </p:sld>
 </file>
 
-<file path=ppt/slides/slide18.xml><?xml version="1.0" encoding="utf-8"?>
+<file path=ppt/slides/slide19.xml><?xml version="1.0" encoding="utf-8"?>
 <p:sld xmlns:a="http://schemas.openxmlformats.org/drawingml/2006/main" xmlns:r="http://schemas.openxmlformats.org/officeDocument/2006/relationships" xmlns:p="http://schemas.openxmlformats.org/presentationml/2006/main">
   <p:cSld>
     <p:spTree>
@@ -18952,7 +19741,7 @@
                   <a:spcPts val="1065"/>
                 </a:lnSpc>
               </a:pPr>
-              <a:t>18</a:t>
+              <a:t>19</a:t>
             </a:fld>
             <a:endParaRPr sz="1000" dirty="0">
               <a:latin typeface="Calibri"/>
@@ -18997,7 +19786,7 @@
             <a:fld id="{2BF067CD-8E6B-4360-9AA8-C5DF2A48A6D1}" type="slidenum">
               <a:rPr lang="en-US" noProof="0" smtClean="0"/>
               <a:pPr/>
-              <a:t>18</a:t>
+              <a:t>19</a:t>
             </a:fld>
             <a:endParaRPr lang="en-US" noProof="0" dirty="0"/>
           </a:p>
@@ -19225,120 +20014,6 @@
       <p:bldP spid="19" grpId="0" animBg="1"/>
     </p:bldLst>
   </p:timing>
-</p:sld>
-</file>
-
-<file path=ppt/slides/slide19.xml><?xml version="1.0" encoding="utf-8"?>
-<p:sld xmlns:a="http://schemas.openxmlformats.org/drawingml/2006/main" xmlns:r="http://schemas.openxmlformats.org/officeDocument/2006/relationships" xmlns:p="http://schemas.openxmlformats.org/presentationml/2006/main">
-  <p:cSld>
-    <p:spTree>
-      <p:nvGrpSpPr>
-        <p:cNvPr id="1" name=""/>
-        <p:cNvGrpSpPr/>
-        <p:nvPr/>
-      </p:nvGrpSpPr>
-      <p:grpSpPr>
-        <a:xfrm>
-          <a:off x="0" y="0"/>
-          <a:ext cx="0" cy="0"/>
-          <a:chOff x="0" y="0"/>
-          <a:chExt cx="0" cy="0"/>
-        </a:xfrm>
-      </p:grpSpPr>
-      <p:pic>
-        <p:nvPicPr>
-          <p:cNvPr id="3082" name="Picture 10" descr="Ð ÐµÐ·ÑÐ»ÑÐ°Ñ Ñ Ð¸Ð·Ð¾Ð±ÑÐ°Ð¶ÐµÐ½Ð¸Ðµ Ð·Ð° sql server png">
-            <a:extLst>
-              <a:ext uri="{FF2B5EF4-FFF2-40B4-BE49-F238E27FC236}">
-                <a16:creationId xmlns:a16="http://schemas.microsoft.com/office/drawing/2014/main" id="{D87D64C2-9B46-41DD-97B7-0B78DBF62D17}"/>
-              </a:ext>
-            </a:extLst>
-          </p:cNvPr>
-          <p:cNvPicPr>
-            <a:picLocks noChangeAspect="1" noChangeArrowheads="1"/>
-          </p:cNvPicPr>
-          <p:nvPr/>
-        </p:nvPicPr>
-        <p:blipFill>
-          <a:blip r:embed="rId2" cstate="print">
-            <a:extLst>
-              <a:ext uri="{28A0092B-C50C-407E-A947-70E740481C1C}">
-                <a14:useLocalDpi xmlns:a14="http://schemas.microsoft.com/office/drawing/2010/main" val="0"/>
-              </a:ext>
-            </a:extLst>
-          </a:blip>
-          <a:srcRect/>
-          <a:stretch>
-            <a:fillRect/>
-          </a:stretch>
-        </p:blipFill>
-        <p:spPr bwMode="auto">
-          <a:xfrm>
-            <a:off x="4647372" y="1237422"/>
-            <a:ext cx="2897256" cy="2897256"/>
-          </a:xfrm>
-          <a:prstGeom prst="rect">
-            <a:avLst/>
-          </a:prstGeom>
-          <a:noFill/>
-          <a:extLst>
-            <a:ext uri="{909E8E84-426E-40DD-AFC4-6F175D3DCCD1}">
-              <a14:hiddenFill xmlns:a14="http://schemas.microsoft.com/office/drawing/2010/main">
-                <a:solidFill>
-                  <a:srgbClr val="FFFFFF"/>
-                </a:solidFill>
-              </a14:hiddenFill>
-            </a:ext>
-          </a:extLst>
-        </p:spPr>
-      </p:pic>
-      <p:sp>
-        <p:nvSpPr>
-          <p:cNvPr id="3" name="Заглавие 2">
-            <a:extLst>
-              <a:ext uri="{FF2B5EF4-FFF2-40B4-BE49-F238E27FC236}">
-                <a16:creationId xmlns:a16="http://schemas.microsoft.com/office/drawing/2014/main" id="{B98B7A04-1639-8689-56C2-5FDF05584EDF}"/>
-              </a:ext>
-            </a:extLst>
-          </p:cNvPr>
-          <p:cNvSpPr>
-            <a:spLocks noGrp="1"/>
-          </p:cNvSpPr>
-          <p:nvPr>
-            <p:ph type="title" sz="quarter" idx="10"/>
-          </p:nvPr>
-        </p:nvSpPr>
-        <p:spPr/>
-        <p:txBody>
-          <a:bodyPr/>
-          <a:lstStyle/>
-          <a:p>
-            <a:r>
-              <a:rPr lang="ru-RU"/>
-              <a:t>Типове данни в SQL Server</a:t>
-            </a:r>
-            <a:endParaRPr lang="bg-BG"/>
-          </a:p>
-        </p:txBody>
-      </p:sp>
-    </p:spTree>
-    <p:extLst>
-      <p:ext uri="{BB962C8B-B14F-4D97-AF65-F5344CB8AC3E}">
-        <p14:creationId xmlns:p14="http://schemas.microsoft.com/office/powerpoint/2010/main" val="265026508"/>
-      </p:ext>
-    </p:extLst>
-  </p:cSld>
-  <p:clrMapOvr>
-    <a:masterClrMapping/>
-  </p:clrMapOvr>
-  <mc:AlternateContent xmlns:mc="http://schemas.openxmlformats.org/markup-compatibility/2006" xmlns:p14="http://schemas.microsoft.com/office/powerpoint/2010/main">
-    <mc:Choice Requires="p14">
-      <p:transition spd="slow" p14:dur="2000" advClick="0" advTm="5000"/>
-    </mc:Choice>
-    <mc:Fallback xmlns="">
-      <p:transition spd="slow" advClick="0" advTm="5000"/>
-    </mc:Fallback>
-  </mc:AlternateContent>
 </p:sld>
 </file>
 
@@ -19851,6 +20526,120 @@
           <a:chExt cx="0" cy="0"/>
         </a:xfrm>
       </p:grpSpPr>
+      <p:pic>
+        <p:nvPicPr>
+          <p:cNvPr id="3082" name="Picture 10" descr="Ð ÐµÐ·ÑÐ»ÑÐ°Ñ Ñ Ð¸Ð·Ð¾Ð±ÑÐ°Ð¶ÐµÐ½Ð¸Ðµ Ð·Ð° sql server png">
+            <a:extLst>
+              <a:ext uri="{FF2B5EF4-FFF2-40B4-BE49-F238E27FC236}">
+                <a16:creationId xmlns:a16="http://schemas.microsoft.com/office/drawing/2014/main" id="{D87D64C2-9B46-41DD-97B7-0B78DBF62D17}"/>
+              </a:ext>
+            </a:extLst>
+          </p:cNvPr>
+          <p:cNvPicPr>
+            <a:picLocks noChangeAspect="1" noChangeArrowheads="1"/>
+          </p:cNvPicPr>
+          <p:nvPr/>
+        </p:nvPicPr>
+        <p:blipFill>
+          <a:blip r:embed="rId2" cstate="print">
+            <a:extLst>
+              <a:ext uri="{28A0092B-C50C-407E-A947-70E740481C1C}">
+                <a14:useLocalDpi xmlns:a14="http://schemas.microsoft.com/office/drawing/2010/main" val="0"/>
+              </a:ext>
+            </a:extLst>
+          </a:blip>
+          <a:srcRect/>
+          <a:stretch>
+            <a:fillRect/>
+          </a:stretch>
+        </p:blipFill>
+        <p:spPr bwMode="auto">
+          <a:xfrm>
+            <a:off x="4647372" y="1237422"/>
+            <a:ext cx="2897256" cy="2897256"/>
+          </a:xfrm>
+          <a:prstGeom prst="rect">
+            <a:avLst/>
+          </a:prstGeom>
+          <a:noFill/>
+          <a:extLst>
+            <a:ext uri="{909E8E84-426E-40DD-AFC4-6F175D3DCCD1}">
+              <a14:hiddenFill xmlns:a14="http://schemas.microsoft.com/office/drawing/2010/main">
+                <a:solidFill>
+                  <a:srgbClr val="FFFFFF"/>
+                </a:solidFill>
+              </a14:hiddenFill>
+            </a:ext>
+          </a:extLst>
+        </p:spPr>
+      </p:pic>
+      <p:sp>
+        <p:nvSpPr>
+          <p:cNvPr id="3" name="Заглавие 2">
+            <a:extLst>
+              <a:ext uri="{FF2B5EF4-FFF2-40B4-BE49-F238E27FC236}">
+                <a16:creationId xmlns:a16="http://schemas.microsoft.com/office/drawing/2014/main" id="{B98B7A04-1639-8689-56C2-5FDF05584EDF}"/>
+              </a:ext>
+            </a:extLst>
+          </p:cNvPr>
+          <p:cNvSpPr>
+            <a:spLocks noGrp="1"/>
+          </p:cNvSpPr>
+          <p:nvPr>
+            <p:ph type="title" sz="quarter" idx="10"/>
+          </p:nvPr>
+        </p:nvSpPr>
+        <p:spPr/>
+        <p:txBody>
+          <a:bodyPr/>
+          <a:lstStyle/>
+          <a:p>
+            <a:r>
+              <a:rPr lang="ru-RU"/>
+              <a:t>Типове данни в SQL Server</a:t>
+            </a:r>
+            <a:endParaRPr lang="bg-BG"/>
+          </a:p>
+        </p:txBody>
+      </p:sp>
+    </p:spTree>
+    <p:extLst>
+      <p:ext uri="{BB962C8B-B14F-4D97-AF65-F5344CB8AC3E}">
+        <p14:creationId xmlns:p14="http://schemas.microsoft.com/office/powerpoint/2010/main" val="265026508"/>
+      </p:ext>
+    </p:extLst>
+  </p:cSld>
+  <p:clrMapOvr>
+    <a:masterClrMapping/>
+  </p:clrMapOvr>
+  <mc:AlternateContent xmlns:mc="http://schemas.openxmlformats.org/markup-compatibility/2006" xmlns:p14="http://schemas.microsoft.com/office/powerpoint/2010/main">
+    <mc:Choice Requires="p14">
+      <p:transition spd="slow" p14:dur="2000" advClick="0" advTm="5000"/>
+    </mc:Choice>
+    <mc:Fallback xmlns="">
+      <p:transition spd="slow" advClick="0" advTm="5000"/>
+    </mc:Fallback>
+  </mc:AlternateContent>
+</p:sld>
+</file>
+
+<file path=ppt/slides/slide21.xml><?xml version="1.0" encoding="utf-8"?>
+<p:sld xmlns:a="http://schemas.openxmlformats.org/drawingml/2006/main" xmlns:r="http://schemas.openxmlformats.org/officeDocument/2006/relationships" xmlns:p="http://schemas.openxmlformats.org/presentationml/2006/main">
+  <p:cSld>
+    <p:spTree>
+      <p:nvGrpSpPr>
+        <p:cNvPr id="1" name=""/>
+        <p:cNvGrpSpPr/>
+        <p:nvPr/>
+      </p:nvGrpSpPr>
+      <p:grpSpPr>
+        <a:xfrm>
+          <a:off x="0" y="0"/>
+          <a:ext cx="0" cy="0"/>
+          <a:chOff x="0" y="0"/>
+          <a:chExt cx="0" cy="0"/>
+        </a:xfrm>
+      </p:grpSpPr>
       <p:sp>
         <p:nvSpPr>
           <p:cNvPr id="5" name="Text Placeholder 4"/>
@@ -20457,7 +21246,7 @@
             <a:fld id="{2BF067CD-8E6B-4360-9AA8-C5DF2A48A6D1}" type="slidenum">
               <a:rPr lang="en-US" noProof="0" smtClean="0"/>
               <a:pPr/>
-              <a:t>20</a:t>
+              <a:t>21</a:t>
             </a:fld>
             <a:endParaRPr lang="en-US" noProof="0" dirty="0"/>
           </a:p>
@@ -20839,7 +21628,7 @@
 </p:sld>
 </file>
 
-<file path=ppt/slides/slide21.xml><?xml version="1.0" encoding="utf-8"?>
+<file path=ppt/slides/slide22.xml><?xml version="1.0" encoding="utf-8"?>
 <p:sld xmlns:a="http://schemas.openxmlformats.org/drawingml/2006/main" xmlns:r="http://schemas.openxmlformats.org/officeDocument/2006/relationships" xmlns:p="http://schemas.openxmlformats.org/presentationml/2006/main">
   <p:cSld>
     <p:spTree>
@@ -21287,7 +22076,7 @@
             <a:fld id="{2BF067CD-8E6B-4360-9AA8-C5DF2A48A6D1}" type="slidenum">
               <a:rPr lang="en-US" noProof="0" smtClean="0"/>
               <a:pPr/>
-              <a:t>21</a:t>
+              <a:t>22</a:t>
             </a:fld>
             <a:endParaRPr lang="en-US" noProof="0" dirty="0"/>
           </a:p>
@@ -21314,7 +22103,7 @@
 </p:sld>
 </file>
 
-<file path=ppt/slides/slide22.xml><?xml version="1.0" encoding="utf-8"?>
+<file path=ppt/slides/slide23.xml><?xml version="1.0" encoding="utf-8"?>
 <p:sld xmlns:a="http://schemas.openxmlformats.org/drawingml/2006/main" xmlns:r="http://schemas.openxmlformats.org/officeDocument/2006/relationships" xmlns:p="http://schemas.openxmlformats.org/presentationml/2006/main">
   <p:cSld>
     <p:spTree>
@@ -21757,7 +22546,7 @@
             <a:fld id="{2BF067CD-8E6B-4360-9AA8-C5DF2A48A6D1}" type="slidenum">
               <a:rPr lang="en-US" noProof="0" smtClean="0"/>
               <a:pPr/>
-              <a:t>22</a:t>
+              <a:t>23</a:t>
             </a:fld>
             <a:endParaRPr lang="en-US" noProof="0" dirty="0"/>
           </a:p>
@@ -22188,7 +22977,7 @@
 </p:sld>
 </file>
 
-<file path=ppt/slides/slide23.xml><?xml version="1.0" encoding="utf-8"?>
+<file path=ppt/slides/slide24.xml><?xml version="1.0" encoding="utf-8"?>
 <p:sld xmlns:a="http://schemas.openxmlformats.org/drawingml/2006/main" xmlns:r="http://schemas.openxmlformats.org/officeDocument/2006/relationships" xmlns:p="http://schemas.openxmlformats.org/presentationml/2006/main">
   <p:cSld>
     <p:spTree>
@@ -22342,7 +23131,7 @@
             <a:fld id="{2BF067CD-8E6B-4360-9AA8-C5DF2A48A6D1}" type="slidenum">
               <a:rPr lang="en-US" noProof="0" smtClean="0"/>
               <a:pPr/>
-              <a:t>23</a:t>
+              <a:t>24</a:t>
             </a:fld>
             <a:endParaRPr lang="en-US" noProof="0" dirty="0"/>
           </a:p>
@@ -22369,7 +23158,7 @@
 </p:sld>
 </file>
 
-<file path=ppt/slides/slide24.xml><?xml version="1.0" encoding="utf-8"?>
+<file path=ppt/slides/slide25.xml><?xml version="1.0" encoding="utf-8"?>
 <p:sld xmlns:a="http://schemas.openxmlformats.org/drawingml/2006/main" xmlns:r="http://schemas.openxmlformats.org/officeDocument/2006/relationships" xmlns:p="http://schemas.openxmlformats.org/presentationml/2006/main">
   <p:cSld>
     <p:spTree>
@@ -22552,7 +23341,7 @@
             <a:fld id="{2BF067CD-8E6B-4360-9AA8-C5DF2A48A6D1}" type="slidenum">
               <a:rPr lang="en-US" noProof="0" smtClean="0"/>
               <a:pPr/>
-              <a:t>24</a:t>
+              <a:t>25</a:t>
             </a:fld>
             <a:endParaRPr lang="en-US" noProof="0" dirty="0"/>
           </a:p>
@@ -22658,7 +23447,7 @@
 </p:sld>
 </file>
 
-<file path=ppt/slides/slide25.xml><?xml version="1.0" encoding="utf-8"?>
+<file path=ppt/slides/slide26.xml><?xml version="1.0" encoding="utf-8"?>
 <p:sld xmlns:a="http://schemas.openxmlformats.org/drawingml/2006/main" xmlns:r="http://schemas.openxmlformats.org/officeDocument/2006/relationships" xmlns:p="http://schemas.openxmlformats.org/presentationml/2006/main">
   <p:cSld>
     <p:spTree>
@@ -23271,7 +24060,7 @@
             <a:fld id="{2BF067CD-8E6B-4360-9AA8-C5DF2A48A6D1}" type="slidenum">
               <a:rPr lang="en-US" noProof="0" smtClean="0"/>
               <a:pPr/>
-              <a:t>25</a:t>
+              <a:t>26</a:t>
             </a:fld>
             <a:endParaRPr lang="en-US" noProof="0" dirty="0"/>
           </a:p>
@@ -23653,7 +24442,7 @@
 </p:sld>
 </file>
 
-<file path=ppt/slides/slide26.xml><?xml version="1.0" encoding="utf-8"?>
+<file path=ppt/slides/slide27.xml><?xml version="1.0" encoding="utf-8"?>
 <p:sld xmlns:a="http://schemas.openxmlformats.org/drawingml/2006/main" xmlns:r="http://schemas.openxmlformats.org/officeDocument/2006/relationships" xmlns:p="http://schemas.openxmlformats.org/presentationml/2006/main">
   <p:cSld>
     <p:spTree>
@@ -23843,7 +24632,7 @@
 </p:sld>
 </file>
 
-<file path=ppt/slides/slide27.xml><?xml version="1.0" encoding="utf-8"?>
+<file path=ppt/slides/slide28.xml><?xml version="1.0" encoding="utf-8"?>
 <p:sld xmlns:a="http://schemas.openxmlformats.org/drawingml/2006/main" xmlns:r="http://schemas.openxmlformats.org/officeDocument/2006/relationships" xmlns:p="http://schemas.openxmlformats.org/presentationml/2006/main">
   <p:cSld>
     <p:spTree>
@@ -24199,7 +24988,7 @@
             <a:fld id="{2BF067CD-8E6B-4360-9AA8-C5DF2A48A6D1}" type="slidenum">
               <a:rPr lang="en-US" noProof="0" smtClean="0"/>
               <a:pPr/>
-              <a:t>27</a:t>
+              <a:t>28</a:t>
             </a:fld>
             <a:endParaRPr lang="en-US" noProof="0" dirty="0"/>
           </a:p>
@@ -27751,8 +28540,8 @@
           </p:nvSpPr>
           <p:spPr>
             <a:xfrm>
-              <a:off x="4873079" y="2394049"/>
-              <a:ext cx="2339505" cy="444352"/>
+              <a:off x="7195594" y="2433115"/>
+              <a:ext cx="1175453" cy="444352"/>
             </a:xfrm>
             <a:prstGeom prst="rect">
               <a:avLst/>
@@ -27780,7 +28569,7 @@
                   <a:latin typeface="Consolas"/>
                   <a:cs typeface="Consolas"/>
                 </a:rPr>
-                <a:t>СУБД сървър</a:t>
+                <a:t>Сървър</a:t>
               </a:r>
               <a:endParaRPr sz="2800" dirty="0">
                 <a:latin typeface="Consolas"/>
@@ -32517,12 +33306,11 @@
                 </a:tabLst>
               </a:pPr>
               <a:r>
-                <a:rPr lang="bg-BG" sz="3600" b="1" spc="-7" baseline="1157" dirty="0">
+                <a:rPr lang="bg-BG" sz="2400" b="1" dirty="0">
                   <a:solidFill>
-                    <a:schemeClr val="bg1"/>
+                    <a:srgbClr val="224464"/>
                   </a:solidFill>
                   <a:latin typeface="Consolas"/>
-                  <a:cs typeface="Consolas"/>
                 </a:rPr>
                 <a:t>Табл.</a:t>
               </a:r>

--- a/Courses/Software-Sciences/Module-3-Databases-New/02-DBMS/02-DBMS.pptx
+++ b/Courses/Software-Sciences/Module-3-Databases-New/02-DBMS/02-DBMS.pptx
@@ -5,10 +5,10 @@
     <p:sldMasterId id="2147483675" r:id="rId1"/>
   </p:sldMasterIdLst>
   <p:notesMasterIdLst>
-    <p:notesMasterId r:id="rId30"/>
+    <p:notesMasterId r:id="rId31"/>
   </p:notesMasterIdLst>
   <p:handoutMasterIdLst>
-    <p:handoutMasterId r:id="rId31"/>
+    <p:handoutMasterId r:id="rId32"/>
   </p:handoutMasterIdLst>
   <p:sldIdLst>
     <p:sldId id="627" r:id="rId2"/>
@@ -21,24 +21,25 @@
     <p:sldId id="1228" r:id="rId9"/>
     <p:sldId id="1197" r:id="rId10"/>
     <p:sldId id="1240" r:id="rId11"/>
-    <p:sldId id="1187" r:id="rId12"/>
-    <p:sldId id="1188" r:id="rId13"/>
-    <p:sldId id="1200" r:id="rId14"/>
-    <p:sldId id="1189" r:id="rId15"/>
-    <p:sldId id="1190" r:id="rId16"/>
-    <p:sldId id="1239" r:id="rId17"/>
-    <p:sldId id="1236" r:id="rId18"/>
-    <p:sldId id="1237" r:id="rId19"/>
-    <p:sldId id="1238" r:id="rId20"/>
-    <p:sldId id="1229" r:id="rId21"/>
-    <p:sldId id="1230" r:id="rId22"/>
-    <p:sldId id="1231" r:id="rId23"/>
-    <p:sldId id="1232" r:id="rId24"/>
-    <p:sldId id="1233" r:id="rId25"/>
-    <p:sldId id="1234" r:id="rId26"/>
-    <p:sldId id="349" r:id="rId27"/>
-    <p:sldId id="504" r:id="rId28"/>
-    <p:sldId id="505" r:id="rId29"/>
+    <p:sldId id="1241" r:id="rId12"/>
+    <p:sldId id="1187" r:id="rId13"/>
+    <p:sldId id="1188" r:id="rId14"/>
+    <p:sldId id="1200" r:id="rId15"/>
+    <p:sldId id="1189" r:id="rId16"/>
+    <p:sldId id="1190" r:id="rId17"/>
+    <p:sldId id="1239" r:id="rId18"/>
+    <p:sldId id="1236" r:id="rId19"/>
+    <p:sldId id="1237" r:id="rId20"/>
+    <p:sldId id="1238" r:id="rId21"/>
+    <p:sldId id="1229" r:id="rId22"/>
+    <p:sldId id="1230" r:id="rId23"/>
+    <p:sldId id="1231" r:id="rId24"/>
+    <p:sldId id="1232" r:id="rId25"/>
+    <p:sldId id="1233" r:id="rId26"/>
+    <p:sldId id="1234" r:id="rId27"/>
+    <p:sldId id="349" r:id="rId28"/>
+    <p:sldId id="504" r:id="rId29"/>
+    <p:sldId id="505" r:id="rId30"/>
   </p:sldIdLst>
   <p:sldSz cx="12192000" cy="6858000"/>
   <p:notesSz cx="6858000" cy="9144000"/>
@@ -156,6 +157,7 @@
             <p14:sldId id="1228"/>
             <p14:sldId id="1197"/>
             <p14:sldId id="1240"/>
+            <p14:sldId id="1241"/>
           </p14:sldIdLst>
         </p14:section>
         <p14:section name="Релационни БД" id="{3745F6D7-2AC2-4357-A966-2B713D2F393F}">
@@ -502,7 +504,7 @@
           <a:p>
             <a:fld id="{4E087215-0C8F-4762-A664-737A353EC9A4}" type="datetimeFigureOut">
               <a:rPr lang="bg-BG" smtClean="0"/>
-              <a:t>18.2.2024 г.</a:t>
+              <a:t>23.2.2024 г.</a:t>
             </a:fld>
             <a:endParaRPr lang="bg-BG"/>
           </a:p>
@@ -698,7 +700,7 @@
           <a:p>
             <a:fld id="{72D84649-876A-46C9-8472-14CB09C070D8}" type="datetimeFigureOut">
               <a:rPr lang="en-US" smtClean="0"/>
-              <a:t>2/18/2024</a:t>
+              <a:t>2/23/2024</a:t>
             </a:fld>
             <a:endParaRPr lang="en-US"/>
           </a:p>
@@ -1174,6 +1176,146 @@
           <a:bodyPr/>
           <a:lstStyle/>
           <a:p>
+            <a:endParaRPr lang="en-US" dirty="0"/>
+          </a:p>
+        </p:txBody>
+      </p:sp>
+      <p:sp>
+        <p:nvSpPr>
+          <p:cNvPr id="4" name="Slide Number Placeholder 3"/>
+          <p:cNvSpPr>
+            <a:spLocks noGrp="1"/>
+          </p:cNvSpPr>
+          <p:nvPr>
+            <p:ph type="sldNum" sz="quarter" idx="5"/>
+          </p:nvPr>
+        </p:nvSpPr>
+        <p:spPr/>
+        <p:txBody>
+          <a:bodyPr/>
+          <a:lstStyle/>
+          <a:p>
+            <a:fld id="{2BF067CD-8E6B-4360-9AA8-C5DF2A48A6D1}" type="slidenum">
+              <a:rPr lang="en-US" smtClean="0"/>
+              <a:pPr/>
+              <a:t>20</a:t>
+            </a:fld>
+            <a:endParaRPr lang="en-US" dirty="0"/>
+          </a:p>
+        </p:txBody>
+      </p:sp>
+      <p:sp>
+        <p:nvSpPr>
+          <p:cNvPr id="6" name="Footer Placeholder 7">
+            <a:extLst>
+              <a:ext uri="{FF2B5EF4-FFF2-40B4-BE49-F238E27FC236}">
+                <a16:creationId xmlns:a16="http://schemas.microsoft.com/office/drawing/2014/main" id="{5FD6BE1D-71A3-2260-39D0-05655C266869}"/>
+              </a:ext>
+            </a:extLst>
+          </p:cNvPr>
+          <p:cNvSpPr>
+            <a:spLocks noGrp="1"/>
+          </p:cNvSpPr>
+          <p:nvPr>
+            <p:ph type="ftr" sz="quarter" idx="4"/>
+          </p:nvPr>
+        </p:nvSpPr>
+        <p:spPr>
+          <a:xfrm>
+            <a:off x="-1" y="8892000"/>
+            <a:ext cx="6488999" cy="252000"/>
+          </a:xfrm>
+          <a:prstGeom prst="rect">
+            <a:avLst/>
+          </a:prstGeom>
+        </p:spPr>
+        <p:txBody>
+          <a:bodyPr vert="horz" lIns="91440" tIns="45720" rIns="91440" bIns="45720" rtlCol="0" anchor="b"/>
+          <a:lstStyle>
+            <a:lvl1pPr algn="l">
+              <a:defRPr sz="1100"/>
+            </a:lvl1pPr>
+          </a:lstStyle>
+          <a:p>
+            <a:r>
+              <a:rPr lang="bg-BG" sz="1100" dirty="0"/>
+              <a:t>Работна група </a:t>
+            </a:r>
+            <a:r>
+              <a:rPr lang="bg-BG" dirty="0"/>
+              <a:t>"Образование по програмиране и ИТ"</a:t>
+            </a:r>
+            <a:r>
+              <a:rPr lang="bg-BG" sz="1100" dirty="0"/>
+              <a:t>, с подкрепата на </a:t>
+            </a:r>
+            <a:r>
+              <a:rPr lang="en-US" sz="1100" dirty="0">
+                <a:hlinkClick r:id="rId3"/>
+              </a:rPr>
+              <a:t>SoftUni</a:t>
+            </a:r>
+            <a:endParaRPr lang="en-US" sz="1100" dirty="0"/>
+          </a:p>
+        </p:txBody>
+      </p:sp>
+    </p:spTree>
+    <p:extLst>
+      <p:ext uri="{BB962C8B-B14F-4D97-AF65-F5344CB8AC3E}">
+        <p14:creationId xmlns:p14="http://schemas.microsoft.com/office/powerpoint/2010/main" val="4004706591"/>
+      </p:ext>
+    </p:extLst>
+  </p:cSld>
+  <p:clrMapOvr>
+    <a:masterClrMapping/>
+  </p:clrMapOvr>
+</p:notes>
+</file>
+
+<file path=ppt/notesSlides/notesSlide11.xml><?xml version="1.0" encoding="utf-8"?>
+<p:notes xmlns:a="http://schemas.openxmlformats.org/drawingml/2006/main" xmlns:r="http://schemas.openxmlformats.org/officeDocument/2006/relationships" xmlns:p="http://schemas.openxmlformats.org/presentationml/2006/main">
+  <p:cSld>
+    <p:spTree>
+      <p:nvGrpSpPr>
+        <p:cNvPr id="1" name=""/>
+        <p:cNvGrpSpPr/>
+        <p:nvPr/>
+      </p:nvGrpSpPr>
+      <p:grpSpPr>
+        <a:xfrm>
+          <a:off x="0" y="0"/>
+          <a:ext cx="0" cy="0"/>
+          <a:chOff x="0" y="0"/>
+          <a:chExt cx="0" cy="0"/>
+        </a:xfrm>
+      </p:grpSpPr>
+      <p:sp>
+        <p:nvSpPr>
+          <p:cNvPr id="2" name="Slide Image Placeholder 1"/>
+          <p:cNvSpPr>
+            <a:spLocks noGrp="1" noRot="1" noChangeAspect="1"/>
+          </p:cNvSpPr>
+          <p:nvPr>
+            <p:ph type="sldImg"/>
+          </p:nvPr>
+        </p:nvSpPr>
+        <p:spPr/>
+      </p:sp>
+      <p:sp>
+        <p:nvSpPr>
+          <p:cNvPr id="3" name="Notes Placeholder 2"/>
+          <p:cNvSpPr>
+            <a:spLocks noGrp="1"/>
+          </p:cNvSpPr>
+          <p:nvPr>
+            <p:ph type="body" idx="1"/>
+          </p:nvPr>
+        </p:nvSpPr>
+        <p:spPr/>
+        <p:txBody>
+          <a:bodyPr/>
+          <a:lstStyle/>
+          <a:p>
             <a:r>
               <a:rPr lang="en-US" sz="1200" kern="1200" dirty="0">
                 <a:solidFill>
@@ -1256,7 +1398,7 @@
             <a:fld id="{2BF067CD-8E6B-4360-9AA8-C5DF2A48A6D1}" type="slidenum">
               <a:rPr lang="en-US" smtClean="0"/>
               <a:pPr/>
-              <a:t>21</a:t>
+              <a:t>22</a:t>
             </a:fld>
             <a:endParaRPr lang="en-US" dirty="0"/>
           </a:p>
@@ -1330,7 +1472,7 @@
 </p:notes>
 </file>
 
-<file path=ppt/notesSlides/notesSlide11.xml><?xml version="1.0" encoding="utf-8"?>
+<file path=ppt/notesSlides/notesSlide12.xml><?xml version="1.0" encoding="utf-8"?>
 <p:notes xmlns:a="http://schemas.openxmlformats.org/drawingml/2006/main" xmlns:r="http://schemas.openxmlformats.org/officeDocument/2006/relationships" xmlns:p="http://schemas.openxmlformats.org/presentationml/2006/main">
   <p:cSld>
     <p:spTree>
@@ -1396,7 +1538,7 @@
             <a:fld id="{2BF067CD-8E6B-4360-9AA8-C5DF2A48A6D1}" type="slidenum">
               <a:rPr lang="en-US" smtClean="0"/>
               <a:pPr/>
-              <a:t>23</a:t>
+              <a:t>24</a:t>
             </a:fld>
             <a:endParaRPr lang="en-US" dirty="0"/>
           </a:p>
@@ -1470,7 +1612,7 @@
 </p:notes>
 </file>
 
-<file path=ppt/notesSlides/notesSlide12.xml><?xml version="1.0" encoding="utf-8"?>
+<file path=ppt/notesSlides/notesSlide13.xml><?xml version="1.0" encoding="utf-8"?>
 <p:notes xmlns:a="http://schemas.openxmlformats.org/drawingml/2006/main" xmlns:r="http://schemas.openxmlformats.org/officeDocument/2006/relationships" xmlns:p="http://schemas.openxmlformats.org/presentationml/2006/main">
   <p:cSld>
     <p:spTree>
@@ -1535,7 +1677,7 @@
           <a:p>
             <a:fld id="{2BF067CD-8E6B-4360-9AA8-C5DF2A48A6D1}" type="slidenum">
               <a:rPr lang="en-US" smtClean="0"/>
-              <a:t>25</a:t>
+              <a:t>26</a:t>
             </a:fld>
             <a:endParaRPr lang="en-US" dirty="0"/>
           </a:p>
@@ -1591,7 +1733,7 @@
 </p:notes>
 </file>
 
-<file path=ppt/notesSlides/notesSlide13.xml><?xml version="1.0" encoding="utf-8"?>
+<file path=ppt/notesSlides/notesSlide14.xml><?xml version="1.0" encoding="utf-8"?>
 <p:notes xmlns:a="http://schemas.openxmlformats.org/drawingml/2006/main" xmlns:r="http://schemas.openxmlformats.org/officeDocument/2006/relationships" xmlns:p="http://schemas.openxmlformats.org/presentationml/2006/main">
   <p:cSld>
     <p:spTree>
@@ -1763,7 +1905,7 @@
             <a:fld id="{3EBA5BD7-F043-4D1B-AA17-CD412FC534DE}" type="slidenum">
               <a:rPr lang="en-US" smtClean="0"/>
               <a:pPr/>
-              <a:t>26</a:t>
+              <a:t>27</a:t>
             </a:fld>
             <a:endParaRPr lang="en-US" dirty="0"/>
           </a:p>
@@ -1837,7 +1979,7 @@
 </p:notes>
 </file>
 
-<file path=ppt/notesSlides/notesSlide14.xml><?xml version="1.0" encoding="utf-8"?>
+<file path=ppt/notesSlides/notesSlide15.xml><?xml version="1.0" encoding="utf-8"?>
 <p:notes xmlns:a="http://schemas.openxmlformats.org/drawingml/2006/main" xmlns:r="http://schemas.openxmlformats.org/officeDocument/2006/relationships" xmlns:p="http://schemas.openxmlformats.org/presentationml/2006/main">
   <p:cSld>
     <p:spTree>
@@ -2009,7 +2151,7 @@
             <a:fld id="{3EBA5BD7-F043-4D1B-AA17-CD412FC534DE}" type="slidenum">
               <a:rPr lang="en-US" smtClean="0"/>
               <a:pPr/>
-              <a:t>27</a:t>
+              <a:t>28</a:t>
             </a:fld>
             <a:endParaRPr lang="en-US" dirty="0"/>
           </a:p>
@@ -2083,7 +2225,7 @@
 </p:notes>
 </file>
 
-<file path=ppt/notesSlides/notesSlide15.xml><?xml version="1.0" encoding="utf-8"?>
+<file path=ppt/notesSlides/notesSlide16.xml><?xml version="1.0" encoding="utf-8"?>
 <p:notes xmlns:a="http://schemas.openxmlformats.org/drawingml/2006/main" xmlns:r="http://schemas.openxmlformats.org/officeDocument/2006/relationships" xmlns:p="http://schemas.openxmlformats.org/presentationml/2006/main">
   <p:cSld>
     <p:spTree>
@@ -2255,7 +2397,7 @@
             <a:fld id="{3EBA5BD7-F043-4D1B-AA17-CD412FC534DE}" type="slidenum">
               <a:rPr lang="en-US" smtClean="0"/>
               <a:pPr/>
-              <a:t>28</a:t>
+              <a:t>29</a:t>
             </a:fld>
             <a:endParaRPr lang="en-US" dirty="0"/>
           </a:p>
@@ -3146,128 +3288,21 @@
       </p:sp>
       <p:sp>
         <p:nvSpPr>
-          <p:cNvPr id="7" name="Slide Number Placeholder 5">
-            <a:extLst>
-              <a:ext uri="{FF2B5EF4-FFF2-40B4-BE49-F238E27FC236}">
-                <a16:creationId xmlns:a16="http://schemas.microsoft.com/office/drawing/2014/main" id="{BD88B0D8-949C-482D-990A-2DAB14AD4AD1}"/>
-              </a:ext>
-            </a:extLst>
-          </p:cNvPr>
-          <p:cNvSpPr txBox="1">
-            <a:spLocks/>
+          <p:cNvPr id="4" name="Slide Number Placeholder 3"/>
+          <p:cNvSpPr>
+            <a:spLocks noGrp="1"/>
           </p:cNvSpPr>
-          <p:nvPr/>
+          <p:nvPr>
+            <p:ph type="sldNum" sz="quarter" idx="5"/>
+          </p:nvPr>
         </p:nvSpPr>
-        <p:spPr>
-          <a:xfrm>
-            <a:off x="6488999" y="8847000"/>
-            <a:ext cx="367414" cy="297000"/>
-          </a:xfrm>
-          <a:prstGeom prst="rect">
-            <a:avLst/>
-          </a:prstGeom>
-        </p:spPr>
+        <p:spPr/>
         <p:txBody>
-          <a:bodyPr vert="horz" lIns="91440" tIns="45720" rIns="91440" bIns="45720" rtlCol="0" anchor="b"/>
-          <a:lstStyle>
-            <a:defPPr>
-              <a:defRPr lang="en-US"/>
-            </a:defPPr>
-            <a:lvl1pPr marL="0" algn="r" defTabSz="914400" rtl="0" eaLnBrk="1" latinLnBrk="0" hangingPunct="1">
-              <a:defRPr sz="1200" kern="1200">
-                <a:solidFill>
-                  <a:schemeClr val="tx1"/>
-                </a:solidFill>
-                <a:latin typeface="+mn-lt"/>
-                <a:ea typeface="+mn-ea"/>
-                <a:cs typeface="+mn-cs"/>
-              </a:defRPr>
-            </a:lvl1pPr>
-            <a:lvl2pPr marL="457200" algn="l" defTabSz="914400" rtl="0" eaLnBrk="1" latinLnBrk="0" hangingPunct="1">
-              <a:defRPr sz="1800" kern="1200">
-                <a:solidFill>
-                  <a:schemeClr val="tx1"/>
-                </a:solidFill>
-                <a:latin typeface="+mn-lt"/>
-                <a:ea typeface="+mn-ea"/>
-                <a:cs typeface="+mn-cs"/>
-              </a:defRPr>
-            </a:lvl2pPr>
-            <a:lvl3pPr marL="914400" algn="l" defTabSz="914400" rtl="0" eaLnBrk="1" latinLnBrk="0" hangingPunct="1">
-              <a:defRPr sz="1800" kern="1200">
-                <a:solidFill>
-                  <a:schemeClr val="tx1"/>
-                </a:solidFill>
-                <a:latin typeface="+mn-lt"/>
-                <a:ea typeface="+mn-ea"/>
-                <a:cs typeface="+mn-cs"/>
-              </a:defRPr>
-            </a:lvl3pPr>
-            <a:lvl4pPr marL="1371600" algn="l" defTabSz="914400" rtl="0" eaLnBrk="1" latinLnBrk="0" hangingPunct="1">
-              <a:defRPr sz="1800" kern="1200">
-                <a:solidFill>
-                  <a:schemeClr val="tx1"/>
-                </a:solidFill>
-                <a:latin typeface="+mn-lt"/>
-                <a:ea typeface="+mn-ea"/>
-                <a:cs typeface="+mn-cs"/>
-              </a:defRPr>
-            </a:lvl4pPr>
-            <a:lvl5pPr marL="1828800" algn="l" defTabSz="914400" rtl="0" eaLnBrk="1" latinLnBrk="0" hangingPunct="1">
-              <a:defRPr sz="1800" kern="1200">
-                <a:solidFill>
-                  <a:schemeClr val="tx1"/>
-                </a:solidFill>
-                <a:latin typeface="+mn-lt"/>
-                <a:ea typeface="+mn-ea"/>
-                <a:cs typeface="+mn-cs"/>
-              </a:defRPr>
-            </a:lvl5pPr>
-            <a:lvl6pPr marL="2286000" algn="l" defTabSz="914400" rtl="0" eaLnBrk="1" latinLnBrk="0" hangingPunct="1">
-              <a:defRPr sz="1800" kern="1200">
-                <a:solidFill>
-                  <a:schemeClr val="tx1"/>
-                </a:solidFill>
-                <a:latin typeface="+mn-lt"/>
-                <a:ea typeface="+mn-ea"/>
-                <a:cs typeface="+mn-cs"/>
-              </a:defRPr>
-            </a:lvl6pPr>
-            <a:lvl7pPr marL="2743200" algn="l" defTabSz="914400" rtl="0" eaLnBrk="1" latinLnBrk="0" hangingPunct="1">
-              <a:defRPr sz="1800" kern="1200">
-                <a:solidFill>
-                  <a:schemeClr val="tx1"/>
-                </a:solidFill>
-                <a:latin typeface="+mn-lt"/>
-                <a:ea typeface="+mn-ea"/>
-                <a:cs typeface="+mn-cs"/>
-              </a:defRPr>
-            </a:lvl7pPr>
-            <a:lvl8pPr marL="3200400" algn="l" defTabSz="914400" rtl="0" eaLnBrk="1" latinLnBrk="0" hangingPunct="1">
-              <a:defRPr sz="1800" kern="1200">
-                <a:solidFill>
-                  <a:schemeClr val="tx1"/>
-                </a:solidFill>
-                <a:latin typeface="+mn-lt"/>
-                <a:ea typeface="+mn-ea"/>
-                <a:cs typeface="+mn-cs"/>
-              </a:defRPr>
-            </a:lvl8pPr>
-            <a:lvl9pPr marL="3657600" algn="l" defTabSz="914400" rtl="0" eaLnBrk="1" latinLnBrk="0" hangingPunct="1">
-              <a:defRPr sz="1800" kern="1200">
-                <a:solidFill>
-                  <a:schemeClr val="tx1"/>
-                </a:solidFill>
-                <a:latin typeface="+mn-lt"/>
-                <a:ea typeface="+mn-ea"/>
-                <a:cs typeface="+mn-cs"/>
-              </a:defRPr>
-            </a:lvl9pPr>
-          </a:lstStyle>
+          <a:bodyPr/>
+          <a:lstStyle/>
           <a:p>
-            <a:fld id="{3EBA5BD7-F043-4D1B-AA17-CD412FC534DE}" type="slidenum">
+            <a:fld id="{2BF067CD-8E6B-4360-9AA8-C5DF2A48A6D1}" type="slidenum">
               <a:rPr lang="en-US" smtClean="0"/>
-              <a:pPr/>
               <a:t>11</a:t>
             </a:fld>
             <a:endParaRPr lang="en-US" dirty="0"/>
@@ -3276,13 +3311,7 @@
       </p:sp>
       <p:sp>
         <p:nvSpPr>
-          <p:cNvPr id="5" name="Footer Placeholder 7">
-            <a:extLst>
-              <a:ext uri="{FF2B5EF4-FFF2-40B4-BE49-F238E27FC236}">
-                <a16:creationId xmlns:a16="http://schemas.microsoft.com/office/drawing/2014/main" id="{0A4D3A2C-3BFC-6602-1212-E998CC7D4739}"/>
-              </a:ext>
-            </a:extLst>
-          </p:cNvPr>
+          <p:cNvPr id="5" name="Footer Placeholder 4"/>
           <p:cNvSpPr>
             <a:spLocks noGrp="1"/>
           </p:cNvSpPr>
@@ -3290,37 +3319,25 @@
             <p:ph type="ftr" sz="quarter" idx="4"/>
           </p:nvPr>
         </p:nvSpPr>
-        <p:spPr>
-          <a:xfrm>
-            <a:off x="-1" y="8892000"/>
-            <a:ext cx="6488999" cy="252000"/>
-          </a:xfrm>
-          <a:prstGeom prst="rect">
-            <a:avLst/>
-          </a:prstGeom>
-        </p:spPr>
+        <p:spPr/>
         <p:txBody>
-          <a:bodyPr vert="horz" lIns="91440" tIns="45720" rIns="91440" bIns="45720" rtlCol="0" anchor="b"/>
-          <a:lstStyle>
-            <a:lvl1pPr algn="l">
-              <a:defRPr sz="1100"/>
-            </a:lvl1pPr>
-          </a:lstStyle>
+          <a:bodyPr/>
+          <a:lstStyle/>
           <a:p>
             <a:r>
-              <a:rPr lang="bg-BG" sz="1100" dirty="0"/>
+              <a:rPr lang="bg-BG" sz="1100"/>
               <a:t>Работна група </a:t>
             </a:r>
             <a:r>
-              <a:rPr lang="bg-BG" dirty="0"/>
+              <a:rPr lang="bg-BG"/>
               <a:t>"Образование по програмиране и ИТ"</a:t>
             </a:r>
             <a:r>
-              <a:rPr lang="bg-BG" sz="1100" dirty="0"/>
+              <a:rPr lang="bg-BG" sz="1100"/>
               <a:t>, с подкрепата на </a:t>
             </a:r>
             <a:r>
-              <a:rPr lang="en-US" sz="1100" dirty="0">
+              <a:rPr lang="en-US" sz="1100">
                 <a:hlinkClick r:id="rId3"/>
               </a:rPr>
               <a:t>SoftUni</a:t>
@@ -3332,7 +3349,7 @@
     </p:spTree>
     <p:extLst>
       <p:ext uri="{BB962C8B-B14F-4D97-AF65-F5344CB8AC3E}">
-        <p14:creationId xmlns:p14="http://schemas.microsoft.com/office/powerpoint/2010/main" val="1590414964"/>
+        <p14:creationId xmlns:p14="http://schemas.microsoft.com/office/powerpoint/2010/main" val="1500821967"/>
       </p:ext>
     </p:extLst>
   </p:cSld>
@@ -3343,154 +3360,6 @@
 </file>
 
 <file path=ppt/notesSlides/notesSlide7.xml><?xml version="1.0" encoding="utf-8"?>
-<p:notes xmlns:a="http://schemas.openxmlformats.org/drawingml/2006/main" xmlns:r="http://schemas.openxmlformats.org/officeDocument/2006/relationships" xmlns:p="http://schemas.openxmlformats.org/presentationml/2006/main">
-  <p:cSld>
-    <p:spTree>
-      <p:nvGrpSpPr>
-        <p:cNvPr id="1" name=""/>
-        <p:cNvGrpSpPr/>
-        <p:nvPr/>
-      </p:nvGrpSpPr>
-      <p:grpSpPr>
-        <a:xfrm>
-          <a:off x="0" y="0"/>
-          <a:ext cx="0" cy="0"/>
-          <a:chOff x="0" y="0"/>
-          <a:chExt cx="0" cy="0"/>
-        </a:xfrm>
-      </p:grpSpPr>
-      <p:sp>
-        <p:nvSpPr>
-          <p:cNvPr id="2" name="Slide Image Placeholder 1"/>
-          <p:cNvSpPr>
-            <a:spLocks noGrp="1" noRot="1" noChangeAspect="1"/>
-          </p:cNvSpPr>
-          <p:nvPr>
-            <p:ph type="sldImg"/>
-          </p:nvPr>
-        </p:nvSpPr>
-        <p:spPr/>
-      </p:sp>
-      <p:sp>
-        <p:nvSpPr>
-          <p:cNvPr id="3" name="Notes Placeholder 2"/>
-          <p:cNvSpPr>
-            <a:spLocks noGrp="1"/>
-          </p:cNvSpPr>
-          <p:nvPr>
-            <p:ph type="body" idx="1"/>
-          </p:nvPr>
-        </p:nvSpPr>
-        <p:spPr/>
-        <p:txBody>
-          <a:bodyPr/>
-          <a:lstStyle/>
-          <a:p>
-            <a:r>
-              <a:rPr lang="en-US" dirty="0"/>
-              <a:t>The table is the</a:t>
-            </a:r>
-            <a:r>
-              <a:rPr lang="en-US" baseline="0" dirty="0"/>
-              <a:t> main unit of data storage. It has rows, columns and cells. Cells contain stored data. Each column has a data type. Types can be VARCHAR(String), INT, DATE etc.</a:t>
-            </a:r>
-            <a:endParaRPr lang="en-US" dirty="0"/>
-          </a:p>
-        </p:txBody>
-      </p:sp>
-      <p:sp>
-        <p:nvSpPr>
-          <p:cNvPr id="5" name="Slide Number Placeholder 4"/>
-          <p:cNvSpPr>
-            <a:spLocks noGrp="1"/>
-          </p:cNvSpPr>
-          <p:nvPr>
-            <p:ph type="sldNum" sz="quarter" idx="11"/>
-          </p:nvPr>
-        </p:nvSpPr>
-        <p:spPr/>
-        <p:txBody>
-          <a:bodyPr/>
-          <a:lstStyle/>
-          <a:p>
-            <a:fld id="{3EBA5BD7-F043-4D1B-AA17-CD412FC534DE}" type="slidenum">
-              <a:rPr lang="en-US" smtClean="0"/>
-              <a:pPr/>
-              <a:t>14</a:t>
-            </a:fld>
-            <a:endParaRPr lang="en-US" dirty="0"/>
-          </a:p>
-        </p:txBody>
-      </p:sp>
-      <p:sp>
-        <p:nvSpPr>
-          <p:cNvPr id="4" name="Footer Placeholder 7">
-            <a:extLst>
-              <a:ext uri="{FF2B5EF4-FFF2-40B4-BE49-F238E27FC236}">
-                <a16:creationId xmlns:a16="http://schemas.microsoft.com/office/drawing/2014/main" id="{3C6E4365-C2C6-EADC-E2EB-76A5CDFDE20C}"/>
-              </a:ext>
-            </a:extLst>
-          </p:cNvPr>
-          <p:cNvSpPr>
-            <a:spLocks noGrp="1"/>
-          </p:cNvSpPr>
-          <p:nvPr>
-            <p:ph type="ftr" sz="quarter" idx="4"/>
-          </p:nvPr>
-        </p:nvSpPr>
-        <p:spPr>
-          <a:xfrm>
-            <a:off x="-1" y="8892000"/>
-            <a:ext cx="6488999" cy="252000"/>
-          </a:xfrm>
-          <a:prstGeom prst="rect">
-            <a:avLst/>
-          </a:prstGeom>
-        </p:spPr>
-        <p:txBody>
-          <a:bodyPr vert="horz" lIns="91440" tIns="45720" rIns="91440" bIns="45720" rtlCol="0" anchor="b"/>
-          <a:lstStyle>
-            <a:lvl1pPr algn="l">
-              <a:defRPr sz="1100"/>
-            </a:lvl1pPr>
-          </a:lstStyle>
-          <a:p>
-            <a:r>
-              <a:rPr lang="bg-BG" sz="1100" dirty="0"/>
-              <a:t>Работна група </a:t>
-            </a:r>
-            <a:r>
-              <a:rPr lang="bg-BG" dirty="0"/>
-              <a:t>"Образование по програмиране и ИТ"</a:t>
-            </a:r>
-            <a:r>
-              <a:rPr lang="bg-BG" sz="1100" dirty="0"/>
-              <a:t>, с подкрепата на </a:t>
-            </a:r>
-            <a:r>
-              <a:rPr lang="en-US" sz="1100" dirty="0">
-                <a:hlinkClick r:id="rId3"/>
-              </a:rPr>
-              <a:t>SoftUni</a:t>
-            </a:r>
-            <a:endParaRPr lang="en-US" sz="1100" dirty="0"/>
-          </a:p>
-        </p:txBody>
-      </p:sp>
-    </p:spTree>
-    <p:extLst>
-      <p:ext uri="{BB962C8B-B14F-4D97-AF65-F5344CB8AC3E}">
-        <p14:creationId xmlns:p14="http://schemas.microsoft.com/office/powerpoint/2010/main" val="2324145607"/>
-      </p:ext>
-    </p:extLst>
-  </p:cSld>
-  <p:clrMapOvr>
-    <a:masterClrMapping/>
-  </p:clrMapOvr>
-</p:notes>
-</file>
-
-<file path=ppt/notesSlides/notesSlide8.xml><?xml version="1.0" encoding="utf-8"?>
 <p:notes xmlns:a="http://schemas.openxmlformats.org/drawingml/2006/main" xmlns:r="http://schemas.openxmlformats.org/officeDocument/2006/relationships" xmlns:p="http://schemas.openxmlformats.org/presentationml/2006/main">
   <p:cSld>
     <p:spTree>
@@ -3662,7 +3531,7 @@
             <a:fld id="{3EBA5BD7-F043-4D1B-AA17-CD412FC534DE}" type="slidenum">
               <a:rPr lang="en-US" smtClean="0"/>
               <a:pPr/>
-              <a:t>17</a:t>
+              <a:t>12</a:t>
             </a:fld>
             <a:endParaRPr lang="en-US" dirty="0"/>
           </a:p>
@@ -3673,7 +3542,7 @@
           <p:cNvPr id="5" name="Footer Placeholder 7">
             <a:extLst>
               <a:ext uri="{FF2B5EF4-FFF2-40B4-BE49-F238E27FC236}">
-                <a16:creationId xmlns:a16="http://schemas.microsoft.com/office/drawing/2014/main" id="{0595680F-3764-2EDC-1BBC-9E9756E08527}"/>
+                <a16:creationId xmlns:a16="http://schemas.microsoft.com/office/drawing/2014/main" id="{0A4D3A2C-3BFC-6602-1212-E998CC7D4739}"/>
               </a:ext>
             </a:extLst>
           </p:cNvPr>
@@ -3726,7 +3595,155 @@
     </p:spTree>
     <p:extLst>
       <p:ext uri="{BB962C8B-B14F-4D97-AF65-F5344CB8AC3E}">
-        <p14:creationId xmlns:p14="http://schemas.microsoft.com/office/powerpoint/2010/main" val="554297795"/>
+        <p14:creationId xmlns:p14="http://schemas.microsoft.com/office/powerpoint/2010/main" val="1590414964"/>
+      </p:ext>
+    </p:extLst>
+  </p:cSld>
+  <p:clrMapOvr>
+    <a:masterClrMapping/>
+  </p:clrMapOvr>
+</p:notes>
+</file>
+
+<file path=ppt/notesSlides/notesSlide8.xml><?xml version="1.0" encoding="utf-8"?>
+<p:notes xmlns:a="http://schemas.openxmlformats.org/drawingml/2006/main" xmlns:r="http://schemas.openxmlformats.org/officeDocument/2006/relationships" xmlns:p="http://schemas.openxmlformats.org/presentationml/2006/main">
+  <p:cSld>
+    <p:spTree>
+      <p:nvGrpSpPr>
+        <p:cNvPr id="1" name=""/>
+        <p:cNvGrpSpPr/>
+        <p:nvPr/>
+      </p:nvGrpSpPr>
+      <p:grpSpPr>
+        <a:xfrm>
+          <a:off x="0" y="0"/>
+          <a:ext cx="0" cy="0"/>
+          <a:chOff x="0" y="0"/>
+          <a:chExt cx="0" cy="0"/>
+        </a:xfrm>
+      </p:grpSpPr>
+      <p:sp>
+        <p:nvSpPr>
+          <p:cNvPr id="2" name="Slide Image Placeholder 1"/>
+          <p:cNvSpPr>
+            <a:spLocks noGrp="1" noRot="1" noChangeAspect="1"/>
+          </p:cNvSpPr>
+          <p:nvPr>
+            <p:ph type="sldImg"/>
+          </p:nvPr>
+        </p:nvSpPr>
+        <p:spPr/>
+      </p:sp>
+      <p:sp>
+        <p:nvSpPr>
+          <p:cNvPr id="3" name="Notes Placeholder 2"/>
+          <p:cNvSpPr>
+            <a:spLocks noGrp="1"/>
+          </p:cNvSpPr>
+          <p:nvPr>
+            <p:ph type="body" idx="1"/>
+          </p:nvPr>
+        </p:nvSpPr>
+        <p:spPr/>
+        <p:txBody>
+          <a:bodyPr/>
+          <a:lstStyle/>
+          <a:p>
+            <a:r>
+              <a:rPr lang="en-US" dirty="0"/>
+              <a:t>The table is the</a:t>
+            </a:r>
+            <a:r>
+              <a:rPr lang="en-US" baseline="0" dirty="0"/>
+              <a:t> main unit of data storage. It has rows, columns and cells. Cells contain stored data. Each column has a data type. Types can be VARCHAR(String), INT, DATE etc.</a:t>
+            </a:r>
+            <a:endParaRPr lang="en-US" dirty="0"/>
+          </a:p>
+        </p:txBody>
+      </p:sp>
+      <p:sp>
+        <p:nvSpPr>
+          <p:cNvPr id="5" name="Slide Number Placeholder 4"/>
+          <p:cNvSpPr>
+            <a:spLocks noGrp="1"/>
+          </p:cNvSpPr>
+          <p:nvPr>
+            <p:ph type="sldNum" sz="quarter" idx="11"/>
+          </p:nvPr>
+        </p:nvSpPr>
+        <p:spPr/>
+        <p:txBody>
+          <a:bodyPr/>
+          <a:lstStyle/>
+          <a:p>
+            <a:fld id="{3EBA5BD7-F043-4D1B-AA17-CD412FC534DE}" type="slidenum">
+              <a:rPr lang="en-US" smtClean="0"/>
+              <a:pPr/>
+              <a:t>15</a:t>
+            </a:fld>
+            <a:endParaRPr lang="en-US" dirty="0"/>
+          </a:p>
+        </p:txBody>
+      </p:sp>
+      <p:sp>
+        <p:nvSpPr>
+          <p:cNvPr id="4" name="Footer Placeholder 7">
+            <a:extLst>
+              <a:ext uri="{FF2B5EF4-FFF2-40B4-BE49-F238E27FC236}">
+                <a16:creationId xmlns:a16="http://schemas.microsoft.com/office/drawing/2014/main" id="{3C6E4365-C2C6-EADC-E2EB-76A5CDFDE20C}"/>
+              </a:ext>
+            </a:extLst>
+          </p:cNvPr>
+          <p:cNvSpPr>
+            <a:spLocks noGrp="1"/>
+          </p:cNvSpPr>
+          <p:nvPr>
+            <p:ph type="ftr" sz="quarter" idx="4"/>
+          </p:nvPr>
+        </p:nvSpPr>
+        <p:spPr>
+          <a:xfrm>
+            <a:off x="-1" y="8892000"/>
+            <a:ext cx="6488999" cy="252000"/>
+          </a:xfrm>
+          <a:prstGeom prst="rect">
+            <a:avLst/>
+          </a:prstGeom>
+        </p:spPr>
+        <p:txBody>
+          <a:bodyPr vert="horz" lIns="91440" tIns="45720" rIns="91440" bIns="45720" rtlCol="0" anchor="b"/>
+          <a:lstStyle>
+            <a:lvl1pPr algn="l">
+              <a:defRPr sz="1100"/>
+            </a:lvl1pPr>
+          </a:lstStyle>
+          <a:p>
+            <a:r>
+              <a:rPr lang="bg-BG" sz="1100" dirty="0"/>
+              <a:t>Работна група </a:t>
+            </a:r>
+            <a:r>
+              <a:rPr lang="bg-BG" dirty="0"/>
+              <a:t>"Образование по програмиране и ИТ"</a:t>
+            </a:r>
+            <a:r>
+              <a:rPr lang="bg-BG" sz="1100" dirty="0"/>
+              <a:t>, с подкрепата на </a:t>
+            </a:r>
+            <a:r>
+              <a:rPr lang="en-US" sz="1100" dirty="0">
+                <a:hlinkClick r:id="rId3"/>
+              </a:rPr>
+              <a:t>SoftUni</a:t>
+            </a:r>
+            <a:endParaRPr lang="en-US" sz="1100" dirty="0"/>
+          </a:p>
+        </p:txBody>
+      </p:sp>
+    </p:spTree>
+    <p:extLst>
+      <p:ext uri="{BB962C8B-B14F-4D97-AF65-F5344CB8AC3E}">
+        <p14:creationId xmlns:p14="http://schemas.microsoft.com/office/powerpoint/2010/main" val="2324145607"/>
       </p:ext>
     </p:extLst>
   </p:cSld>
@@ -3786,23 +3803,129 @@
       </p:sp>
       <p:sp>
         <p:nvSpPr>
-          <p:cNvPr id="4" name="Slide Number Placeholder 3"/>
-          <p:cNvSpPr>
-            <a:spLocks noGrp="1"/>
+          <p:cNvPr id="7" name="Slide Number Placeholder 5">
+            <a:extLst>
+              <a:ext uri="{FF2B5EF4-FFF2-40B4-BE49-F238E27FC236}">
+                <a16:creationId xmlns:a16="http://schemas.microsoft.com/office/drawing/2014/main" id="{BD88B0D8-949C-482D-990A-2DAB14AD4AD1}"/>
+              </a:ext>
+            </a:extLst>
+          </p:cNvPr>
+          <p:cNvSpPr txBox="1">
+            <a:spLocks/>
           </p:cNvSpPr>
-          <p:nvPr>
-            <p:ph type="sldNum" sz="quarter" idx="5"/>
-          </p:nvPr>
+          <p:nvPr/>
         </p:nvSpPr>
-        <p:spPr/>
+        <p:spPr>
+          <a:xfrm>
+            <a:off x="6488999" y="8847000"/>
+            <a:ext cx="367414" cy="297000"/>
+          </a:xfrm>
+          <a:prstGeom prst="rect">
+            <a:avLst/>
+          </a:prstGeom>
+        </p:spPr>
         <p:txBody>
-          <a:bodyPr/>
-          <a:lstStyle/>
+          <a:bodyPr vert="horz" lIns="91440" tIns="45720" rIns="91440" bIns="45720" rtlCol="0" anchor="b"/>
+          <a:lstStyle>
+            <a:defPPr>
+              <a:defRPr lang="en-US"/>
+            </a:defPPr>
+            <a:lvl1pPr marL="0" algn="r" defTabSz="914400" rtl="0" eaLnBrk="1" latinLnBrk="0" hangingPunct="1">
+              <a:defRPr sz="1200" kern="1200">
+                <a:solidFill>
+                  <a:schemeClr val="tx1"/>
+                </a:solidFill>
+                <a:latin typeface="+mn-lt"/>
+                <a:ea typeface="+mn-ea"/>
+                <a:cs typeface="+mn-cs"/>
+              </a:defRPr>
+            </a:lvl1pPr>
+            <a:lvl2pPr marL="457200" algn="l" defTabSz="914400" rtl="0" eaLnBrk="1" latinLnBrk="0" hangingPunct="1">
+              <a:defRPr sz="1800" kern="1200">
+                <a:solidFill>
+                  <a:schemeClr val="tx1"/>
+                </a:solidFill>
+                <a:latin typeface="+mn-lt"/>
+                <a:ea typeface="+mn-ea"/>
+                <a:cs typeface="+mn-cs"/>
+              </a:defRPr>
+            </a:lvl2pPr>
+            <a:lvl3pPr marL="914400" algn="l" defTabSz="914400" rtl="0" eaLnBrk="1" latinLnBrk="0" hangingPunct="1">
+              <a:defRPr sz="1800" kern="1200">
+                <a:solidFill>
+                  <a:schemeClr val="tx1"/>
+                </a:solidFill>
+                <a:latin typeface="+mn-lt"/>
+                <a:ea typeface="+mn-ea"/>
+                <a:cs typeface="+mn-cs"/>
+              </a:defRPr>
+            </a:lvl3pPr>
+            <a:lvl4pPr marL="1371600" algn="l" defTabSz="914400" rtl="0" eaLnBrk="1" latinLnBrk="0" hangingPunct="1">
+              <a:defRPr sz="1800" kern="1200">
+                <a:solidFill>
+                  <a:schemeClr val="tx1"/>
+                </a:solidFill>
+                <a:latin typeface="+mn-lt"/>
+                <a:ea typeface="+mn-ea"/>
+                <a:cs typeface="+mn-cs"/>
+              </a:defRPr>
+            </a:lvl4pPr>
+            <a:lvl5pPr marL="1828800" algn="l" defTabSz="914400" rtl="0" eaLnBrk="1" latinLnBrk="0" hangingPunct="1">
+              <a:defRPr sz="1800" kern="1200">
+                <a:solidFill>
+                  <a:schemeClr val="tx1"/>
+                </a:solidFill>
+                <a:latin typeface="+mn-lt"/>
+                <a:ea typeface="+mn-ea"/>
+                <a:cs typeface="+mn-cs"/>
+              </a:defRPr>
+            </a:lvl5pPr>
+            <a:lvl6pPr marL="2286000" algn="l" defTabSz="914400" rtl="0" eaLnBrk="1" latinLnBrk="0" hangingPunct="1">
+              <a:defRPr sz="1800" kern="1200">
+                <a:solidFill>
+                  <a:schemeClr val="tx1"/>
+                </a:solidFill>
+                <a:latin typeface="+mn-lt"/>
+                <a:ea typeface="+mn-ea"/>
+                <a:cs typeface="+mn-cs"/>
+              </a:defRPr>
+            </a:lvl6pPr>
+            <a:lvl7pPr marL="2743200" algn="l" defTabSz="914400" rtl="0" eaLnBrk="1" latinLnBrk="0" hangingPunct="1">
+              <a:defRPr sz="1800" kern="1200">
+                <a:solidFill>
+                  <a:schemeClr val="tx1"/>
+                </a:solidFill>
+                <a:latin typeface="+mn-lt"/>
+                <a:ea typeface="+mn-ea"/>
+                <a:cs typeface="+mn-cs"/>
+              </a:defRPr>
+            </a:lvl7pPr>
+            <a:lvl8pPr marL="3200400" algn="l" defTabSz="914400" rtl="0" eaLnBrk="1" latinLnBrk="0" hangingPunct="1">
+              <a:defRPr sz="1800" kern="1200">
+                <a:solidFill>
+                  <a:schemeClr val="tx1"/>
+                </a:solidFill>
+                <a:latin typeface="+mn-lt"/>
+                <a:ea typeface="+mn-ea"/>
+                <a:cs typeface="+mn-cs"/>
+              </a:defRPr>
+            </a:lvl8pPr>
+            <a:lvl9pPr marL="3657600" algn="l" defTabSz="914400" rtl="0" eaLnBrk="1" latinLnBrk="0" hangingPunct="1">
+              <a:defRPr sz="1800" kern="1200">
+                <a:solidFill>
+                  <a:schemeClr val="tx1"/>
+                </a:solidFill>
+                <a:latin typeface="+mn-lt"/>
+                <a:ea typeface="+mn-ea"/>
+                <a:cs typeface="+mn-cs"/>
+              </a:defRPr>
+            </a:lvl9pPr>
+          </a:lstStyle>
           <a:p>
-            <a:fld id="{2BF067CD-8E6B-4360-9AA8-C5DF2A48A6D1}" type="slidenum">
+            <a:fld id="{3EBA5BD7-F043-4D1B-AA17-CD412FC534DE}" type="slidenum">
               <a:rPr lang="en-US" smtClean="0"/>
               <a:pPr/>
-              <a:t>19</a:t>
+              <a:t>18</a:t>
             </a:fld>
             <a:endParaRPr lang="en-US" dirty="0"/>
           </a:p>
@@ -3810,10 +3933,10 @@
       </p:sp>
       <p:sp>
         <p:nvSpPr>
-          <p:cNvPr id="6" name="Footer Placeholder 7">
+          <p:cNvPr id="5" name="Footer Placeholder 7">
             <a:extLst>
               <a:ext uri="{FF2B5EF4-FFF2-40B4-BE49-F238E27FC236}">
-                <a16:creationId xmlns:a16="http://schemas.microsoft.com/office/drawing/2014/main" id="{5FD6BE1D-71A3-2260-39D0-05655C266869}"/>
+                <a16:creationId xmlns:a16="http://schemas.microsoft.com/office/drawing/2014/main" id="{0595680F-3764-2EDC-1BBC-9E9756E08527}"/>
               </a:ext>
             </a:extLst>
           </p:cNvPr>
@@ -3866,7 +3989,7 @@
     </p:spTree>
     <p:extLst>
       <p:ext uri="{BB962C8B-B14F-4D97-AF65-F5344CB8AC3E}">
-        <p14:creationId xmlns:p14="http://schemas.microsoft.com/office/powerpoint/2010/main" val="4004706591"/>
+        <p14:creationId xmlns:p14="http://schemas.microsoft.com/office/powerpoint/2010/main" val="554297795"/>
       </p:ext>
     </p:extLst>
   </p:cSld>
@@ -9894,6 +10017,404 @@
           <a:chExt cx="0" cy="0"/>
         </a:xfrm>
       </p:grpSpPr>
+      <p:sp>
+        <p:nvSpPr>
+          <p:cNvPr id="2" name="Slide Number Placeholder 1">
+            <a:extLst>
+              <a:ext uri="{FF2B5EF4-FFF2-40B4-BE49-F238E27FC236}">
+                <a16:creationId xmlns:a16="http://schemas.microsoft.com/office/drawing/2014/main" id="{DFE9101B-6287-9B5A-63DF-499F8F5BD7B2}"/>
+              </a:ext>
+            </a:extLst>
+          </p:cNvPr>
+          <p:cNvSpPr>
+            <a:spLocks noGrp="1"/>
+          </p:cNvSpPr>
+          <p:nvPr>
+            <p:ph type="sldNum" sz="quarter" idx="5"/>
+          </p:nvPr>
+        </p:nvSpPr>
+        <p:spPr/>
+        <p:txBody>
+          <a:bodyPr/>
+          <a:lstStyle/>
+          <a:p>
+            <a:fld id="{2BF067CD-8E6B-4360-9AA8-C5DF2A48A6D1}" type="slidenum">
+              <a:rPr lang="en-US" noProof="0" smtClean="0"/>
+              <a:pPr/>
+              <a:t>11</a:t>
+            </a:fld>
+            <a:endParaRPr lang="en-US" noProof="0" dirty="0"/>
+          </a:p>
+        </p:txBody>
+      </p:sp>
+      <p:sp>
+        <p:nvSpPr>
+          <p:cNvPr id="3" name="Text Placeholder 2">
+            <a:extLst>
+              <a:ext uri="{FF2B5EF4-FFF2-40B4-BE49-F238E27FC236}">
+                <a16:creationId xmlns:a16="http://schemas.microsoft.com/office/drawing/2014/main" id="{203D1A83-70F4-184C-8867-C371ADA541DE}"/>
+              </a:ext>
+            </a:extLst>
+          </p:cNvPr>
+          <p:cNvSpPr>
+            <a:spLocks noGrp="1"/>
+          </p:cNvSpPr>
+          <p:nvPr>
+            <p:ph type="body" sz="quarter" idx="10"/>
+          </p:nvPr>
+        </p:nvSpPr>
+        <p:spPr/>
+        <p:txBody>
+          <a:bodyPr>
+            <a:normAutofit/>
+          </a:bodyPr>
+          <a:lstStyle/>
+          <a:p>
+            <a:r>
+              <a:rPr lang="bg-BG" sz="3600" dirty="0"/>
+              <a:t>СУБД, която:</a:t>
+            </a:r>
+          </a:p>
+          <a:p>
+            <a:pPr lvl="1"/>
+            <a:r>
+              <a:rPr lang="ru-RU" sz="3200" dirty="0"/>
+              <a:t>Не се съхранява на едно място, а е </a:t>
+            </a:r>
+            <a:r>
+              <a:rPr lang="ru-RU" sz="3200" b="1" dirty="0">
+                <a:solidFill>
+                  <a:schemeClr val="bg1"/>
+                </a:solidFill>
+              </a:rPr>
+              <a:t>разпределена</a:t>
+            </a:r>
+            <a:r>
+              <a:rPr lang="ru-RU" sz="3200" dirty="0"/>
+              <a:t> между </a:t>
+            </a:r>
+            <a:r>
+              <a:rPr lang="ru-RU" sz="3200" b="1" dirty="0">
+                <a:solidFill>
+                  <a:schemeClr val="bg1"/>
+                </a:solidFill>
+              </a:rPr>
+              <a:t>различни</a:t>
+            </a:r>
+            <a:r>
+              <a:rPr lang="ru-RU" sz="3200" dirty="0"/>
+              <a:t> </a:t>
+            </a:r>
+            <a:r>
+              <a:rPr lang="ru-RU" sz="3200" b="1" dirty="0">
+                <a:solidFill>
+                  <a:schemeClr val="bg1"/>
+                </a:solidFill>
+              </a:rPr>
+              <a:t>узли</a:t>
+            </a:r>
+          </a:p>
+          <a:p>
+            <a:pPr lvl="2"/>
+            <a:r>
+              <a:rPr lang="ru-RU" sz="3200" dirty="0"/>
+              <a:t>Узлите се свързват чрез </a:t>
+            </a:r>
+            <a:r>
+              <a:rPr lang="ru-RU" sz="3200" b="1" dirty="0">
+                <a:solidFill>
+                  <a:schemeClr val="bg1"/>
+                </a:solidFill>
+              </a:rPr>
+              <a:t>мрежа</a:t>
+            </a:r>
+          </a:p>
+          <a:p>
+            <a:pPr lvl="1"/>
+            <a:r>
+              <a:rPr lang="ru-RU" sz="3200" dirty="0"/>
+              <a:t>Позволява на базата данни да бъде </a:t>
+            </a:r>
+            <a:r>
+              <a:rPr lang="ru-RU" sz="3200" b="1" dirty="0">
+                <a:solidFill>
+                  <a:schemeClr val="bg1"/>
+                </a:solidFill>
+              </a:rPr>
+              <a:t>разпределена</a:t>
+            </a:r>
+            <a:r>
+              <a:rPr lang="ru-RU" sz="3200" dirty="0"/>
+              <a:t> или </a:t>
+            </a:r>
+            <a:r>
+              <a:rPr lang="ru-RU" sz="3200" b="1" dirty="0">
+                <a:solidFill>
+                  <a:schemeClr val="bg1"/>
+                </a:solidFill>
+              </a:rPr>
+              <a:t>репликирана</a:t>
+            </a:r>
+            <a:r>
+              <a:rPr lang="ru-RU" sz="3200" dirty="0"/>
+              <a:t> между </a:t>
+            </a:r>
+            <a:r>
+              <a:rPr lang="ru-RU" sz="3200" b="1" dirty="0">
+                <a:solidFill>
+                  <a:schemeClr val="bg1"/>
+                </a:solidFill>
+              </a:rPr>
+              <a:t>различни</a:t>
+            </a:r>
+            <a:r>
+              <a:rPr lang="ru-RU" sz="3200" dirty="0"/>
+              <a:t> </a:t>
+            </a:r>
+            <a:r>
+              <a:rPr lang="ru-RU" sz="3200" b="1" dirty="0">
+                <a:solidFill>
+                  <a:schemeClr val="bg1"/>
+                </a:solidFill>
+              </a:rPr>
+              <a:t>точки</a:t>
+            </a:r>
+            <a:r>
+              <a:rPr lang="ru-RU" sz="3200" dirty="0"/>
+              <a:t> в </a:t>
+            </a:r>
+            <a:r>
+              <a:rPr lang="ru-RU" sz="3200" b="1" dirty="0">
+                <a:solidFill>
+                  <a:schemeClr val="bg1"/>
+                </a:solidFill>
+              </a:rPr>
+              <a:t>мрежата</a:t>
+            </a:r>
+          </a:p>
+          <a:p>
+            <a:pPr lvl="2"/>
+            <a:r>
+              <a:rPr lang="ru-RU" sz="3200" dirty="0"/>
+              <a:t>Подобрява </a:t>
+            </a:r>
+            <a:r>
+              <a:rPr lang="ru-RU" sz="3200" b="1" dirty="0">
+                <a:solidFill>
+                  <a:schemeClr val="bg1"/>
+                </a:solidFill>
+              </a:rPr>
+              <a:t>достъпността</a:t>
+            </a:r>
+            <a:r>
+              <a:rPr lang="ru-RU" sz="3200" dirty="0"/>
+              <a:t>,</a:t>
+            </a:r>
+            <a:r>
+              <a:rPr lang="ru-RU" sz="3200" b="1" dirty="0">
+                <a:solidFill>
+                  <a:schemeClr val="bg1"/>
+                </a:solidFill>
+              </a:rPr>
+              <a:t> надеждността </a:t>
+            </a:r>
+            <a:r>
+              <a:rPr lang="ru-RU" sz="3200" dirty="0"/>
+              <a:t>и</a:t>
+            </a:r>
+            <a:r>
+              <a:rPr lang="ru-RU" sz="3200" b="1" dirty="0">
+                <a:solidFill>
+                  <a:schemeClr val="bg1"/>
+                </a:solidFill>
+              </a:rPr>
+              <a:t> мащабируемостта</a:t>
+            </a:r>
+            <a:endParaRPr lang="en-US" sz="3200" b="1" dirty="0">
+              <a:solidFill>
+                <a:schemeClr val="bg1"/>
+              </a:solidFill>
+            </a:endParaRPr>
+          </a:p>
+        </p:txBody>
+      </p:sp>
+      <p:sp>
+        <p:nvSpPr>
+          <p:cNvPr id="4" name="Title 3">
+            <a:extLst>
+              <a:ext uri="{FF2B5EF4-FFF2-40B4-BE49-F238E27FC236}">
+                <a16:creationId xmlns:a16="http://schemas.microsoft.com/office/drawing/2014/main" id="{DCD06A0B-0005-BB8C-45C5-08075CA9915A}"/>
+              </a:ext>
+            </a:extLst>
+          </p:cNvPr>
+          <p:cNvSpPr>
+            <a:spLocks noGrp="1"/>
+          </p:cNvSpPr>
+          <p:nvPr>
+            <p:ph type="title"/>
+          </p:nvPr>
+        </p:nvSpPr>
+        <p:spPr/>
+        <p:txBody>
+          <a:bodyPr/>
+          <a:lstStyle/>
+          <a:p>
+            <a:r>
+              <a:rPr lang="bg-BG" dirty="0"/>
+              <a:t>Разпределена система</a:t>
+            </a:r>
+            <a:endParaRPr lang="en-US" dirty="0"/>
+          </a:p>
+        </p:txBody>
+      </p:sp>
+    </p:spTree>
+    <p:extLst>
+      <p:ext uri="{BB962C8B-B14F-4D97-AF65-F5344CB8AC3E}">
+        <p14:creationId xmlns:p14="http://schemas.microsoft.com/office/powerpoint/2010/main" val="2657260129"/>
+      </p:ext>
+    </p:extLst>
+  </p:cSld>
+  <p:clrMapOvr>
+    <a:masterClrMapping/>
+  </p:clrMapOvr>
+  <mc:AlternateContent xmlns:mc="http://schemas.openxmlformats.org/markup-compatibility/2006" xmlns:p14="http://schemas.microsoft.com/office/powerpoint/2010/main">
+    <mc:Choice Requires="p14">
+      <p:transition spd="slow" p14:dur="2000" advClick="0" advTm="5000"/>
+    </mc:Choice>
+    <mc:Fallback xmlns="">
+      <p:transition spd="slow" advClick="0" advTm="5000"/>
+    </mc:Fallback>
+  </mc:AlternateContent>
+  <p:timing>
+    <p:tnLst>
+      <p:par>
+        <p:cTn id="1" dur="indefinite" restart="never" nodeType="tmRoot">
+          <p:childTnLst>
+            <p:seq concurrent="1" nextAc="seek">
+              <p:cTn id="2" dur="indefinite" nodeType="mainSeq">
+                <p:childTnLst>
+                  <p:par>
+                    <p:cTn id="3" fill="hold">
+                      <p:stCondLst>
+                        <p:cond delay="indefinite"/>
+                      </p:stCondLst>
+                      <p:childTnLst>
+                        <p:par>
+                          <p:cTn id="4" fill="hold">
+                            <p:stCondLst>
+                              <p:cond delay="0"/>
+                            </p:stCondLst>
+                            <p:childTnLst>
+                              <p:par>
+                                <p:cTn id="5" presetID="1" presetClass="entr" presetSubtype="0" fill="hold" nodeType="clickEffect">
+                                  <p:stCondLst>
+                                    <p:cond delay="0"/>
+                                  </p:stCondLst>
+                                  <p:childTnLst>
+                                    <p:set>
+                                      <p:cBhvr>
+                                        <p:cTn id="6" dur="1" fill="hold">
+                                          <p:stCondLst>
+                                            <p:cond delay="0"/>
+                                          </p:stCondLst>
+                                        </p:cTn>
+                                        <p:tgtEl>
+                                          <p:spTgt spid="3">
+                                            <p:txEl>
+                                              <p:pRg st="3" end="3"/>
+                                            </p:txEl>
+                                          </p:spTgt>
+                                        </p:tgtEl>
+                                        <p:attrNameLst>
+                                          <p:attrName>style.visibility</p:attrName>
+                                        </p:attrNameLst>
+                                      </p:cBhvr>
+                                      <p:to>
+                                        <p:strVal val="visible"/>
+                                      </p:to>
+                                    </p:set>
+                                  </p:childTnLst>
+                                </p:cTn>
+                              </p:par>
+                              <p:par>
+                                <p:cTn id="7" presetID="1" presetClass="entr" presetSubtype="0" fill="hold" nodeType="withEffect">
+                                  <p:stCondLst>
+                                    <p:cond delay="0"/>
+                                  </p:stCondLst>
+                                  <p:childTnLst>
+                                    <p:set>
+                                      <p:cBhvr>
+                                        <p:cTn id="8" dur="1" fill="hold">
+                                          <p:stCondLst>
+                                            <p:cond delay="0"/>
+                                          </p:stCondLst>
+                                        </p:cTn>
+                                        <p:tgtEl>
+                                          <p:spTgt spid="3">
+                                            <p:txEl>
+                                              <p:pRg st="4" end="4"/>
+                                            </p:txEl>
+                                          </p:spTgt>
+                                        </p:tgtEl>
+                                        <p:attrNameLst>
+                                          <p:attrName>style.visibility</p:attrName>
+                                        </p:attrNameLst>
+                                      </p:cBhvr>
+                                      <p:to>
+                                        <p:strVal val="visible"/>
+                                      </p:to>
+                                    </p:set>
+                                  </p:childTnLst>
+                                </p:cTn>
+                              </p:par>
+                            </p:childTnLst>
+                          </p:cTn>
+                        </p:par>
+                      </p:childTnLst>
+                    </p:cTn>
+                  </p:par>
+                </p:childTnLst>
+              </p:cTn>
+              <p:prevCondLst>
+                <p:cond evt="onPrev" delay="0">
+                  <p:tgtEl>
+                    <p:sldTgt/>
+                  </p:tgtEl>
+                </p:cond>
+              </p:prevCondLst>
+              <p:nextCondLst>
+                <p:cond evt="onNext" delay="0">
+                  <p:tgtEl>
+                    <p:sldTgt/>
+                  </p:tgtEl>
+                </p:cond>
+              </p:nextCondLst>
+            </p:seq>
+          </p:childTnLst>
+        </p:cTn>
+      </p:par>
+    </p:tnLst>
+  </p:timing>
+</p:sld>
+</file>
+
+<file path=ppt/slides/slide12.xml><?xml version="1.0" encoding="utf-8"?>
+<p:sld xmlns:a="http://schemas.openxmlformats.org/drawingml/2006/main" xmlns:r="http://schemas.openxmlformats.org/officeDocument/2006/relationships" xmlns:p="http://schemas.openxmlformats.org/presentationml/2006/main">
+  <p:cSld>
+    <p:spTree>
+      <p:nvGrpSpPr>
+        <p:cNvPr id="1" name=""/>
+        <p:cNvGrpSpPr/>
+        <p:nvPr/>
+      </p:nvGrpSpPr>
+      <p:grpSpPr>
+        <a:xfrm>
+          <a:off x="0" y="0"/>
+          <a:ext cx="0" cy="0"/>
+          <a:chOff x="0" y="0"/>
+          <a:chExt cx="0" cy="0"/>
+        </a:xfrm>
+      </p:grpSpPr>
       <p:pic>
         <p:nvPicPr>
           <p:cNvPr id="5" name="Picture 4"/>
@@ -10006,7 +10527,7 @@
 </p:sld>
 </file>
 
-<file path=ppt/slides/slide12.xml><?xml version="1.0" encoding="utf-8"?>
+<file path=ppt/slides/slide13.xml><?xml version="1.0" encoding="utf-8"?>
 <p:sld xmlns:a="http://schemas.openxmlformats.org/drawingml/2006/main" xmlns:r="http://schemas.openxmlformats.org/officeDocument/2006/relationships" xmlns:p="http://schemas.openxmlformats.org/presentationml/2006/main">
   <p:cSld>
     <p:spTree>
@@ -10492,7 +11013,7 @@
                   <a:spcPts val="1055"/>
                 </a:lnSpc>
               </a:pPr>
-              <a:t>12</a:t>
+              <a:t>13</a:t>
             </a:fld>
             <a:endParaRPr sz="1000" dirty="0">
               <a:latin typeface="Calibri"/>
@@ -10625,7 +11146,7 @@
             <a:fld id="{2BF067CD-8E6B-4360-9AA8-C5DF2A48A6D1}" type="slidenum">
               <a:rPr lang="en-US" smtClean="0"/>
               <a:pPr/>
-              <a:t>12</a:t>
+              <a:t>13</a:t>
             </a:fld>
             <a:endParaRPr lang="en-US" dirty="0"/>
           </a:p>
@@ -10731,7 +11252,7 @@
 </p:sld>
 </file>
 
-<file path=ppt/slides/slide13.xml><?xml version="1.0" encoding="utf-8"?>
+<file path=ppt/slides/slide14.xml><?xml version="1.0" encoding="utf-8"?>
 <p:sld xmlns:a="http://schemas.openxmlformats.org/drawingml/2006/main" xmlns:r="http://schemas.openxmlformats.org/officeDocument/2006/relationships" xmlns:p="http://schemas.openxmlformats.org/presentationml/2006/main">
   <p:cSld>
     <p:spTree>
@@ -11043,7 +11564,7 @@
             <a:fld id="{2BF067CD-8E6B-4360-9AA8-C5DF2A48A6D1}" type="slidenum">
               <a:rPr lang="en-US" smtClean="0"/>
               <a:pPr/>
-              <a:t>13</a:t>
+              <a:t>14</a:t>
             </a:fld>
             <a:endParaRPr lang="en-US" dirty="0"/>
           </a:p>
@@ -11149,7 +11670,7 @@
 </p:sld>
 </file>
 
-<file path=ppt/slides/slide14.xml><?xml version="1.0" encoding="utf-8"?>
+<file path=ppt/slides/slide15.xml><?xml version="1.0" encoding="utf-8"?>
 <p:sld xmlns:a="http://schemas.openxmlformats.org/drawingml/2006/main" xmlns:r="http://schemas.openxmlformats.org/officeDocument/2006/relationships" xmlns:p="http://schemas.openxmlformats.org/presentationml/2006/main">
   <p:cSld>
     <p:spTree>
@@ -13582,7 +14103,7 @@
             <a:fld id="{2BF067CD-8E6B-4360-9AA8-C5DF2A48A6D1}" type="slidenum">
               <a:rPr lang="en-US" noProof="0" smtClean="0"/>
               <a:pPr/>
-              <a:t>14</a:t>
+              <a:t>15</a:t>
             </a:fld>
             <a:endParaRPr lang="en-US" noProof="0" dirty="0"/>
           </a:p>
@@ -13918,7 +14439,7 @@
 </p:sld>
 </file>
 
-<file path=ppt/slides/slide15.xml><?xml version="1.0" encoding="utf-8"?>
+<file path=ppt/slides/slide16.xml><?xml version="1.0" encoding="utf-8"?>
 <p:sld xmlns:a="http://schemas.openxmlformats.org/drawingml/2006/main" xmlns:r="http://schemas.openxmlformats.org/officeDocument/2006/relationships" xmlns:p="http://schemas.openxmlformats.org/presentationml/2006/main">
   <p:cSld>
     <p:spTree>
@@ -14217,7 +14738,7 @@
                   <a:spcPts val="1055"/>
                 </a:lnSpc>
               </a:pPr>
-              <a:t>15</a:t>
+              <a:t>16</a:t>
             </a:fld>
             <a:endParaRPr sz="1000" dirty="0">
               <a:latin typeface="Calibri"/>
@@ -14288,7 +14809,7 @@
             <a:fld id="{2BF067CD-8E6B-4360-9AA8-C5DF2A48A6D1}" type="slidenum">
               <a:rPr lang="en-US" noProof="0" smtClean="0"/>
               <a:pPr/>
-              <a:t>15</a:t>
+              <a:t>16</a:t>
             </a:fld>
             <a:endParaRPr lang="en-US" noProof="0" dirty="0"/>
           </a:p>
@@ -14439,7 +14960,7 @@
 </p:sld>
 </file>
 
-<file path=ppt/slides/slide16.xml><?xml version="1.0" encoding="utf-8"?>
+<file path=ppt/slides/slide17.xml><?xml version="1.0" encoding="utf-8"?>
 <p:sld xmlns:a="http://schemas.openxmlformats.org/drawingml/2006/main" xmlns:r="http://schemas.openxmlformats.org/officeDocument/2006/relationships" xmlns:p="http://schemas.openxmlformats.org/presentationml/2006/main">
   <p:cSld>
     <p:spTree>
@@ -17462,7 +17983,7 @@
                   <a:spcPts val="1055"/>
                 </a:lnSpc>
               </a:pPr>
-              <a:t>16</a:t>
+              <a:t>17</a:t>
             </a:fld>
             <a:endParaRPr sz="1000" dirty="0">
               <a:latin typeface="Calibri"/>
@@ -17611,7 +18132,7 @@
             <a:fld id="{2BF067CD-8E6B-4360-9AA8-C5DF2A48A6D1}" type="slidenum">
               <a:rPr lang="en-US" noProof="0" smtClean="0"/>
               <a:pPr/>
-              <a:t>16</a:t>
+              <a:t>17</a:t>
             </a:fld>
             <a:endParaRPr lang="en-US" noProof="0" dirty="0"/>
           </a:p>
@@ -17870,7 +18391,7 @@
 </p:sld>
 </file>
 
-<file path=ppt/slides/slide17.xml><?xml version="1.0" encoding="utf-8"?>
+<file path=ppt/slides/slide18.xml><?xml version="1.0" encoding="utf-8"?>
 <p:sld xmlns:a="http://schemas.openxmlformats.org/drawingml/2006/main" xmlns:r="http://schemas.openxmlformats.org/officeDocument/2006/relationships" xmlns:p="http://schemas.openxmlformats.org/presentationml/2006/main">
   <p:cSld>
     <p:spTree>
@@ -18008,7 +18529,7 @@
 </p:sld>
 </file>
 
-<file path=ppt/slides/slide18.xml><?xml version="1.0" encoding="utf-8"?>
+<file path=ppt/slides/slide19.xml><?xml version="1.0" encoding="utf-8"?>
 <p:sld xmlns:a="http://schemas.openxmlformats.org/drawingml/2006/main" xmlns:r="http://schemas.openxmlformats.org/officeDocument/2006/relationships" xmlns:p="http://schemas.openxmlformats.org/presentationml/2006/main">
   <p:cSld>
     <p:spTree>
@@ -18481,7 +19002,7 @@
                   <a:spcPts val="1055"/>
                 </a:lnSpc>
               </a:pPr>
-              <a:t>18</a:t>
+              <a:t>19</a:t>
             </a:fld>
             <a:endParaRPr sz="1000" dirty="0">
               <a:latin typeface="Calibri"/>
@@ -18614,7 +19135,7 @@
             <a:fld id="{2BF067CD-8E6B-4360-9AA8-C5DF2A48A6D1}" type="slidenum">
               <a:rPr lang="en-US" smtClean="0"/>
               <a:pPr/>
-              <a:t>18</a:t>
+              <a:t>19</a:t>
             </a:fld>
             <a:endParaRPr lang="en-US" dirty="0"/>
           </a:p>
@@ -18898,1125 +19419,6 @@
 </p:sld>
 </file>
 
-<file path=ppt/slides/slide19.xml><?xml version="1.0" encoding="utf-8"?>
-<p:sld xmlns:a="http://schemas.openxmlformats.org/drawingml/2006/main" xmlns:r="http://schemas.openxmlformats.org/officeDocument/2006/relationships" xmlns:p="http://schemas.openxmlformats.org/presentationml/2006/main">
-  <p:cSld>
-    <p:spTree>
-      <p:nvGrpSpPr>
-        <p:cNvPr id="1" name=""/>
-        <p:cNvGrpSpPr/>
-        <p:nvPr/>
-      </p:nvGrpSpPr>
-      <p:grpSpPr>
-        <a:xfrm>
-          <a:off x="0" y="0"/>
-          <a:ext cx="0" cy="0"/>
-          <a:chOff x="0" y="0"/>
-          <a:chExt cx="0" cy="0"/>
-        </a:xfrm>
-      </p:grpSpPr>
-      <p:sp>
-        <p:nvSpPr>
-          <p:cNvPr id="6" name="object 6"/>
-          <p:cNvSpPr txBox="1">
-            <a:spLocks noGrp="1"/>
-          </p:cNvSpPr>
-          <p:nvPr>
-            <p:ph type="title"/>
-          </p:nvPr>
-        </p:nvSpPr>
-        <p:spPr>
-          <a:xfrm>
-            <a:off x="190406" y="227247"/>
-            <a:ext cx="9715594" cy="629660"/>
-          </a:xfrm>
-          <a:prstGeom prst="rect">
-            <a:avLst/>
-          </a:prstGeom>
-        </p:spPr>
-        <p:txBody>
-          <a:bodyPr vert="horz" wrap="square" lIns="0" tIns="13970" rIns="0" bIns="0" rtlCol="0">
-            <a:spAutoFit/>
-          </a:bodyPr>
-          <a:lstStyle/>
-          <a:p>
-            <a:pPr marL="12700">
-              <a:lnSpc>
-                <a:spcPct val="100000"/>
-              </a:lnSpc>
-              <a:spcBef>
-                <a:spcPts val="110"/>
-              </a:spcBef>
-            </a:pPr>
-            <a:r>
-              <a:rPr sz="4000" spc="5" dirty="0">
-                <a:solidFill>
-                  <a:srgbClr val="FFFFFF"/>
-                </a:solidFill>
-              </a:rPr>
-              <a:t>NoSQL</a:t>
-            </a:r>
-            <a:r>
-              <a:rPr sz="4000" spc="-105" dirty="0">
-                <a:solidFill>
-                  <a:srgbClr val="FFFFFF"/>
-                </a:solidFill>
-              </a:rPr>
-              <a:t> </a:t>
-            </a:r>
-            <a:r>
-              <a:rPr lang="bg-BG" sz="4000" spc="-15" dirty="0">
-                <a:solidFill>
-                  <a:srgbClr val="FFFFFF"/>
-                </a:solidFill>
-              </a:rPr>
-              <a:t>бази данни</a:t>
-            </a:r>
-            <a:endParaRPr sz="4000" dirty="0"/>
-          </a:p>
-        </p:txBody>
-      </p:sp>
-      <p:sp>
-        <p:nvSpPr>
-          <p:cNvPr id="10" name="object 10"/>
-          <p:cNvSpPr txBox="1"/>
-          <p:nvPr/>
-        </p:nvSpPr>
-        <p:spPr>
-          <a:xfrm>
-            <a:off x="285699" y="1004956"/>
-            <a:ext cx="11672258" cy="3299621"/>
-          </a:xfrm>
-          <a:prstGeom prst="rect">
-            <a:avLst/>
-          </a:prstGeom>
-        </p:spPr>
-        <p:txBody>
-          <a:bodyPr vert="horz" wrap="square" lIns="0" tIns="204470" rIns="0" bIns="0" rtlCol="0">
-            <a:spAutoFit/>
-          </a:bodyPr>
-          <a:lstStyle/>
-          <a:p>
-            <a:pPr marL="372110" indent="-360045">
-              <a:lnSpc>
-                <a:spcPct val="100000"/>
-              </a:lnSpc>
-              <a:spcBef>
-                <a:spcPts val="1610"/>
-              </a:spcBef>
-              <a:buClr>
-                <a:srgbClr val="224464"/>
-              </a:buClr>
-              <a:buFont typeface="Wingdings"/>
-              <a:buChar char=""/>
-              <a:tabLst>
-                <a:tab pos="372745" algn="l"/>
-              </a:tabLst>
-            </a:pPr>
-            <a:r>
-              <a:rPr lang="en-US" sz="3400" b="1" dirty="0">
-                <a:solidFill>
-                  <a:schemeClr val="bg1"/>
-                </a:solidFill>
-                <a:latin typeface="Calibri"/>
-                <a:cs typeface="Calibri"/>
-              </a:rPr>
-              <a:t>NoSQL</a:t>
-            </a:r>
-            <a:r>
-              <a:rPr lang="en-US" sz="3400" b="1" spc="-65" dirty="0">
-                <a:solidFill>
-                  <a:schemeClr val="bg1"/>
-                </a:solidFill>
-                <a:latin typeface="Calibri"/>
-                <a:cs typeface="Calibri"/>
-              </a:rPr>
-              <a:t> </a:t>
-            </a:r>
-            <a:r>
-              <a:rPr lang="bg-BG" sz="3400" b="1" spc="-5" dirty="0">
-                <a:solidFill>
-                  <a:schemeClr val="bg1"/>
-                </a:solidFill>
-                <a:latin typeface="Calibri"/>
-                <a:cs typeface="Calibri"/>
-              </a:rPr>
-              <a:t>бази данни</a:t>
-            </a:r>
-            <a:r>
-              <a:rPr lang="bg-BG" sz="3400" b="1" spc="-5" dirty="0">
-                <a:solidFill>
-                  <a:srgbClr val="FF9F00"/>
-                </a:solidFill>
-                <a:latin typeface="Calibri"/>
-                <a:cs typeface="Calibri"/>
-              </a:rPr>
-              <a:t> </a:t>
-            </a:r>
-            <a:r>
-              <a:rPr lang="bg-BG" sz="3400" dirty="0">
-                <a:solidFill>
-                  <a:srgbClr val="224464"/>
-                </a:solidFill>
-                <a:latin typeface="Calibri"/>
-                <a:cs typeface="Calibri"/>
-              </a:rPr>
-              <a:t>не използват таблици и </a:t>
-            </a:r>
-            <a:r>
-              <a:rPr lang="en-US" sz="3400" dirty="0">
-                <a:solidFill>
-                  <a:srgbClr val="224464"/>
-                </a:solidFill>
-                <a:latin typeface="Calibri"/>
-                <a:cs typeface="Calibri"/>
-              </a:rPr>
-              <a:t>SQL</a:t>
-            </a:r>
-            <a:endParaRPr lang="en-US" sz="3400" dirty="0">
-              <a:latin typeface="Calibri"/>
-              <a:cs typeface="Calibri"/>
-            </a:endParaRPr>
-          </a:p>
-          <a:p>
-            <a:pPr marL="805180" lvl="1" indent="-360680">
-              <a:lnSpc>
-                <a:spcPct val="100000"/>
-              </a:lnSpc>
-              <a:spcBef>
-                <a:spcPts val="1400"/>
-              </a:spcBef>
-              <a:buFont typeface="Wingdings"/>
-              <a:buChar char=""/>
-              <a:tabLst>
-                <a:tab pos="805180" algn="l"/>
-                <a:tab pos="805815" algn="l"/>
-              </a:tabLst>
-            </a:pPr>
-            <a:r>
-              <a:rPr lang="bg-BG" sz="3200" spc="-15" dirty="0">
-                <a:solidFill>
-                  <a:srgbClr val="224464"/>
-                </a:solidFill>
-                <a:latin typeface="Calibri"/>
-                <a:cs typeface="Calibri"/>
-              </a:rPr>
-              <a:t>Вместо това</a:t>
-            </a:r>
-            <a:r>
-              <a:rPr lang="en-US" sz="3200" dirty="0">
-                <a:solidFill>
-                  <a:srgbClr val="224464"/>
-                </a:solidFill>
-                <a:latin typeface="Calibri"/>
-                <a:cs typeface="Calibri"/>
-              </a:rPr>
-              <a:t> </a:t>
-            </a:r>
-            <a:r>
-              <a:rPr lang="bg-BG" sz="3200" spc="-10" dirty="0">
-                <a:solidFill>
-                  <a:srgbClr val="224464"/>
-                </a:solidFill>
-                <a:latin typeface="Calibri"/>
-                <a:cs typeface="Calibri"/>
-              </a:rPr>
-              <a:t>използват </a:t>
-            </a:r>
-            <a:r>
-              <a:rPr lang="bg-BG" sz="3200" b="1" spc="-10" dirty="0">
-                <a:solidFill>
-                  <a:schemeClr val="bg1"/>
-                </a:solidFill>
-                <a:latin typeface="Calibri"/>
-                <a:cs typeface="Calibri"/>
-              </a:rPr>
-              <a:t>колекции от документи</a:t>
-            </a:r>
-            <a:r>
-              <a:rPr lang="bg-BG" sz="3200" b="1" spc="-10" dirty="0">
-                <a:solidFill>
-                  <a:srgbClr val="FF9F00"/>
-                </a:solidFill>
-                <a:latin typeface="Calibri"/>
-                <a:cs typeface="Calibri"/>
-              </a:rPr>
-              <a:t> </a:t>
-            </a:r>
-            <a:r>
-              <a:rPr lang="bg-BG" sz="3200" spc="-5" dirty="0">
-                <a:solidFill>
-                  <a:srgbClr val="224464"/>
-                </a:solidFill>
-                <a:latin typeface="Calibri"/>
-                <a:cs typeface="Calibri"/>
-              </a:rPr>
-              <a:t>или </a:t>
-            </a:r>
-            <a:r>
-              <a:rPr lang="bg-BG" sz="3200" b="1" spc="-25" dirty="0">
-                <a:solidFill>
-                  <a:schemeClr val="bg1"/>
-                </a:solidFill>
-                <a:latin typeface="Calibri"/>
-                <a:cs typeface="Calibri"/>
-              </a:rPr>
-              <a:t>двойки</a:t>
-            </a:r>
-            <a:r>
-              <a:rPr lang="bg-BG" sz="3200" b="1" spc="-25" dirty="0">
-                <a:solidFill>
-                  <a:srgbClr val="FF9F00"/>
-                </a:solidFill>
-                <a:latin typeface="Calibri"/>
-                <a:cs typeface="Calibri"/>
-              </a:rPr>
-              <a:t> </a:t>
-            </a:r>
-            <a:r>
-              <a:rPr lang="bg-BG" sz="3200" b="1" spc="-25" dirty="0">
-                <a:solidFill>
-                  <a:schemeClr val="bg1"/>
-                </a:solidFill>
-                <a:latin typeface="Calibri"/>
-                <a:cs typeface="Calibri"/>
-              </a:rPr>
-              <a:t>ключ-стойност</a:t>
-            </a:r>
-            <a:endParaRPr lang="en-US" sz="3200" dirty="0">
-              <a:solidFill>
-                <a:schemeClr val="bg1"/>
-              </a:solidFill>
-              <a:latin typeface="Calibri"/>
-              <a:cs typeface="Calibri"/>
-            </a:endParaRPr>
-          </a:p>
-          <a:p>
-            <a:pPr marL="372110" indent="-360045">
-              <a:lnSpc>
-                <a:spcPct val="100000"/>
-              </a:lnSpc>
-              <a:spcBef>
-                <a:spcPts val="1390"/>
-              </a:spcBef>
-              <a:buFont typeface="Wingdings"/>
-              <a:buChar char=""/>
-              <a:tabLst>
-                <a:tab pos="372745" algn="l"/>
-              </a:tabLst>
-            </a:pPr>
-            <a:r>
-              <a:rPr lang="bg-BG" sz="3600" dirty="0">
-                <a:solidFill>
-                  <a:schemeClr val="bg1"/>
-                </a:solidFill>
-              </a:rPr>
-              <a:t>По-</a:t>
-            </a:r>
-            <a:r>
-              <a:rPr lang="bg-BG" sz="3400" b="1" spc="-5" dirty="0">
-                <a:solidFill>
-                  <a:schemeClr val="bg1"/>
-                </a:solidFill>
-                <a:latin typeface="Calibri"/>
-                <a:cs typeface="Calibri"/>
-              </a:rPr>
-              <a:t>мащабируеми</a:t>
-            </a:r>
-            <a:r>
-              <a:rPr lang="bg-BG" sz="3400" b="1" spc="-5" dirty="0">
-                <a:solidFill>
-                  <a:srgbClr val="FF9F00"/>
-                </a:solidFill>
-                <a:latin typeface="Calibri"/>
-                <a:cs typeface="Calibri"/>
-              </a:rPr>
-              <a:t> </a:t>
-            </a:r>
-            <a:r>
-              <a:rPr lang="bg-BG" sz="3400" spc="5" dirty="0">
-                <a:solidFill>
-                  <a:srgbClr val="224464"/>
-                </a:solidFill>
-                <a:latin typeface="Calibri"/>
-                <a:cs typeface="Calibri"/>
-              </a:rPr>
-              <a:t>и с </a:t>
-            </a:r>
-            <a:r>
-              <a:rPr lang="bg-BG" sz="3400" b="1" dirty="0">
-                <a:solidFill>
-                  <a:schemeClr val="bg1"/>
-                </a:solidFill>
-                <a:latin typeface="Calibri"/>
-                <a:cs typeface="Calibri"/>
-              </a:rPr>
-              <a:t>висока производителност</a:t>
-            </a:r>
-            <a:endParaRPr lang="en-US" sz="3400" dirty="0">
-              <a:solidFill>
-                <a:schemeClr val="bg1"/>
-              </a:solidFill>
-              <a:latin typeface="Calibri"/>
-              <a:cs typeface="Calibri"/>
-            </a:endParaRPr>
-          </a:p>
-          <a:p>
-            <a:pPr marL="372110" indent="-360045">
-              <a:lnSpc>
-                <a:spcPct val="100000"/>
-              </a:lnSpc>
-              <a:spcBef>
-                <a:spcPts val="1415"/>
-              </a:spcBef>
-              <a:buFont typeface="Wingdings"/>
-              <a:buChar char=""/>
-              <a:tabLst>
-                <a:tab pos="372745" algn="l"/>
-              </a:tabLst>
-            </a:pPr>
-            <a:r>
-              <a:rPr lang="bg-BG" sz="3400" spc="-5" dirty="0">
-                <a:solidFill>
-                  <a:srgbClr val="224464"/>
-                </a:solidFill>
-                <a:latin typeface="Calibri"/>
-                <a:cs typeface="Calibri"/>
-              </a:rPr>
-              <a:t>Примери</a:t>
-            </a:r>
-            <a:r>
-              <a:rPr lang="en-US" sz="3400" spc="-5" dirty="0">
-                <a:solidFill>
-                  <a:srgbClr val="224464"/>
-                </a:solidFill>
-                <a:latin typeface="Calibri"/>
-                <a:cs typeface="Calibri"/>
-              </a:rPr>
-              <a:t>:</a:t>
-            </a:r>
-            <a:r>
-              <a:rPr lang="en-US" sz="3400" spc="-75" dirty="0">
-                <a:solidFill>
-                  <a:srgbClr val="224464"/>
-                </a:solidFill>
-                <a:latin typeface="Calibri"/>
-                <a:cs typeface="Calibri"/>
-              </a:rPr>
-              <a:t> </a:t>
-            </a:r>
-            <a:r>
-              <a:rPr lang="en-US" sz="3400" b="1" spc="-5" dirty="0">
-                <a:solidFill>
-                  <a:schemeClr val="bg1"/>
-                </a:solidFill>
-                <a:latin typeface="Calibri"/>
-                <a:cs typeface="Calibri"/>
-              </a:rPr>
-              <a:t>MongoDB</a:t>
-            </a:r>
-            <a:r>
-              <a:rPr lang="en-US" sz="3400" spc="-5" dirty="0">
-                <a:solidFill>
-                  <a:srgbClr val="224464"/>
-                </a:solidFill>
-                <a:latin typeface="Calibri"/>
-                <a:cs typeface="Calibri"/>
-              </a:rPr>
-              <a:t>,</a:t>
-            </a:r>
-            <a:r>
-              <a:rPr lang="en-US" sz="3400" spc="-55" dirty="0">
-                <a:solidFill>
-                  <a:srgbClr val="224464"/>
-                </a:solidFill>
-                <a:latin typeface="Calibri"/>
-                <a:cs typeface="Calibri"/>
-              </a:rPr>
-              <a:t> </a:t>
-            </a:r>
-            <a:r>
-              <a:rPr lang="en-US" sz="3400" b="1" spc="-10" dirty="0">
-                <a:solidFill>
-                  <a:schemeClr val="bg1"/>
-                </a:solidFill>
-                <a:latin typeface="Calibri"/>
-                <a:cs typeface="Calibri"/>
-              </a:rPr>
-              <a:t>Cassandra</a:t>
-            </a:r>
-            <a:r>
-              <a:rPr lang="en-US" sz="3400" spc="-10" dirty="0">
-                <a:solidFill>
-                  <a:srgbClr val="224464"/>
-                </a:solidFill>
-                <a:latin typeface="Calibri"/>
-                <a:cs typeface="Calibri"/>
-              </a:rPr>
-              <a:t>,</a:t>
-            </a:r>
-            <a:r>
-              <a:rPr lang="en-US" sz="3400" spc="-40" dirty="0">
-                <a:solidFill>
-                  <a:srgbClr val="224464"/>
-                </a:solidFill>
-                <a:latin typeface="Calibri"/>
-                <a:cs typeface="Calibri"/>
-              </a:rPr>
-              <a:t> </a:t>
-            </a:r>
-            <a:r>
-              <a:rPr lang="en-US" sz="3400" b="1" spc="-10" dirty="0">
-                <a:solidFill>
-                  <a:schemeClr val="bg1"/>
-                </a:solidFill>
-                <a:latin typeface="Calibri"/>
-                <a:cs typeface="Calibri"/>
-              </a:rPr>
-              <a:t>Redis</a:t>
-            </a:r>
-            <a:r>
-              <a:rPr lang="en-US" sz="3400" spc="-10" dirty="0">
-                <a:solidFill>
-                  <a:srgbClr val="224464"/>
-                </a:solidFill>
-                <a:latin typeface="Calibri"/>
-                <a:cs typeface="Calibri"/>
-              </a:rPr>
-              <a:t>,</a:t>
-            </a:r>
-            <a:r>
-              <a:rPr lang="en-US" sz="3400" spc="-35" dirty="0">
-                <a:solidFill>
-                  <a:srgbClr val="224464"/>
-                </a:solidFill>
-                <a:latin typeface="Calibri"/>
-                <a:cs typeface="Calibri"/>
-              </a:rPr>
-              <a:t> </a:t>
-            </a:r>
-            <a:r>
-              <a:rPr lang="en-US" sz="3400" spc="-15" dirty="0">
-                <a:solidFill>
-                  <a:srgbClr val="224464"/>
-                </a:solidFill>
-                <a:latin typeface="Calibri"/>
-                <a:cs typeface="Calibri"/>
-              </a:rPr>
-              <a:t>etc.</a:t>
-            </a:r>
-            <a:endParaRPr lang="en-US" sz="3400" dirty="0">
-              <a:latin typeface="Calibri"/>
-              <a:cs typeface="Calibri"/>
-            </a:endParaRPr>
-          </a:p>
-        </p:txBody>
-      </p:sp>
-      <p:sp>
-        <p:nvSpPr>
-          <p:cNvPr id="23" name="Rectangle 19">
-            <a:extLst>
-              <a:ext uri="{FF2B5EF4-FFF2-40B4-BE49-F238E27FC236}">
-                <a16:creationId xmlns:a16="http://schemas.microsoft.com/office/drawing/2014/main" id="{EF975B85-581B-A516-2BC0-D13E98F1E09B}"/>
-              </a:ext>
-            </a:extLst>
-          </p:cNvPr>
-          <p:cNvSpPr>
-            <a:spLocks noChangeArrowheads="1"/>
-          </p:cNvSpPr>
-          <p:nvPr/>
-        </p:nvSpPr>
-        <p:spPr bwMode="auto">
-          <a:xfrm>
-            <a:off x="609600" y="4441986"/>
-            <a:ext cx="9558654" cy="2246769"/>
-          </a:xfrm>
-          <a:prstGeom prst="rect">
-            <a:avLst/>
-          </a:prstGeom>
-          <a:solidFill>
-            <a:schemeClr val="bg2">
-              <a:lumMod val="85000"/>
-              <a:alpha val="20000"/>
-            </a:schemeClr>
-          </a:solidFill>
-          <a:ln w="12700">
-            <a:solidFill>
-              <a:schemeClr val="accent5">
-                <a:lumMod val="60000"/>
-                <a:lumOff val="40000"/>
-              </a:schemeClr>
-            </a:solidFill>
-          </a:ln>
-        </p:spPr>
-        <p:txBody>
-          <a:bodyPr wrap="square">
-            <a:spAutoFit/>
-          </a:bodyPr>
-          <a:lstStyle/>
-          <a:p>
-            <a:pPr marL="12700">
-              <a:lnSpc>
-                <a:spcPct val="100000"/>
-              </a:lnSpc>
-            </a:pPr>
-            <a:r>
-              <a:rPr lang="en-US" sz="2800" b="1" noProof="1">
-                <a:latin typeface="Consolas"/>
-                <a:cs typeface="Consolas"/>
-              </a:rPr>
-              <a:t>{</a:t>
-            </a:r>
-          </a:p>
-          <a:p>
-            <a:pPr marL="12700">
-              <a:lnSpc>
-                <a:spcPct val="100000"/>
-              </a:lnSpc>
-            </a:pPr>
-            <a:r>
-              <a:rPr lang="en-US" sz="2800" b="1" noProof="1">
-                <a:latin typeface="Consolas"/>
-                <a:cs typeface="Consolas"/>
-              </a:rPr>
-              <a:t>  "</a:t>
-            </a:r>
-            <a:r>
-              <a:rPr lang="en-US" sz="2800" b="1" noProof="1">
-                <a:solidFill>
-                  <a:schemeClr val="bg1"/>
-                </a:solidFill>
-                <a:latin typeface="Consolas"/>
-                <a:cs typeface="Consolas"/>
-              </a:rPr>
-              <a:t>_id</a:t>
-            </a:r>
-            <a:r>
-              <a:rPr lang="en-US" sz="2800" b="1" noProof="1">
-                <a:latin typeface="Consolas"/>
-                <a:cs typeface="Consolas"/>
-              </a:rPr>
-              <a:t>": </a:t>
-            </a:r>
-            <a:r>
-              <a:rPr lang="en-US" sz="2800" b="1" noProof="1">
-                <a:solidFill>
-                  <a:schemeClr val="bg1"/>
-                </a:solidFill>
-                <a:latin typeface="Consolas"/>
-                <a:cs typeface="Consolas"/>
-              </a:rPr>
-              <a:t>ObjectId</a:t>
-            </a:r>
-            <a:r>
-              <a:rPr lang="en-US" sz="2800" b="1" noProof="1">
-                <a:latin typeface="Consolas"/>
-                <a:cs typeface="Consolas"/>
-              </a:rPr>
-              <a:t>("59d3fe7ed81452db0933a871"),</a:t>
-            </a:r>
-          </a:p>
-          <a:p>
-            <a:pPr marL="12700">
-              <a:lnSpc>
-                <a:spcPct val="100000"/>
-              </a:lnSpc>
-            </a:pPr>
-            <a:r>
-              <a:rPr lang="en-US" sz="2800" b="1" noProof="1">
-                <a:latin typeface="Consolas"/>
-                <a:cs typeface="Consolas"/>
-              </a:rPr>
-              <a:t>  "</a:t>
-            </a:r>
-            <a:r>
-              <a:rPr lang="en-US" sz="2800" b="1" noProof="1">
-                <a:solidFill>
-                  <a:schemeClr val="bg1"/>
-                </a:solidFill>
-                <a:latin typeface="Consolas"/>
-                <a:cs typeface="Consolas"/>
-              </a:rPr>
-              <a:t>email</a:t>
-            </a:r>
-            <a:r>
-              <a:rPr lang="en-US" sz="2800" b="1" noProof="1">
-                <a:latin typeface="Consolas"/>
-                <a:cs typeface="Consolas"/>
-              </a:rPr>
-              <a:t>": "peter@gmail.com",</a:t>
-            </a:r>
-          </a:p>
-          <a:p>
-            <a:pPr marL="12700">
-              <a:lnSpc>
-                <a:spcPct val="100000"/>
-              </a:lnSpc>
-            </a:pPr>
-            <a:r>
-              <a:rPr lang="en-US" sz="2800" b="1" noProof="1">
-                <a:latin typeface="Consolas"/>
-                <a:cs typeface="Consolas"/>
-              </a:rPr>
-              <a:t>  "</a:t>
-            </a:r>
-            <a:r>
-              <a:rPr lang="en-US" sz="2800" b="1" noProof="1">
-                <a:solidFill>
-                  <a:schemeClr val="bg1"/>
-                </a:solidFill>
-                <a:latin typeface="Consolas"/>
-                <a:cs typeface="Consolas"/>
-              </a:rPr>
-              <a:t>age</a:t>
-            </a:r>
-            <a:r>
-              <a:rPr lang="en-US" sz="2800" b="1" noProof="1">
-                <a:latin typeface="Consolas"/>
-                <a:cs typeface="Consolas"/>
-              </a:rPr>
-              <a:t>": 22</a:t>
-            </a:r>
-          </a:p>
-          <a:p>
-            <a:pPr marL="12700">
-              <a:lnSpc>
-                <a:spcPct val="100000"/>
-              </a:lnSpc>
-            </a:pPr>
-            <a:r>
-              <a:rPr lang="en-US" sz="2800" b="1" noProof="1">
-                <a:latin typeface="Consolas"/>
-                <a:cs typeface="Consolas"/>
-              </a:rPr>
-              <a:t>}</a:t>
-            </a:r>
-          </a:p>
-        </p:txBody>
-      </p:sp>
-      <p:sp>
-        <p:nvSpPr>
-          <p:cNvPr id="19" name="AutoShape 7">
-            <a:extLst>
-              <a:ext uri="{FF2B5EF4-FFF2-40B4-BE49-F238E27FC236}">
-                <a16:creationId xmlns:a16="http://schemas.microsoft.com/office/drawing/2014/main" id="{C34A2E56-F2E7-AC46-5CE9-793C12729AC0}"/>
-              </a:ext>
-            </a:extLst>
-          </p:cNvPr>
-          <p:cNvSpPr>
-            <a:spLocks noChangeArrowheads="1"/>
-          </p:cNvSpPr>
-          <p:nvPr/>
-        </p:nvSpPr>
-        <p:spPr bwMode="auto">
-          <a:xfrm>
-            <a:off x="8077200" y="5638800"/>
-            <a:ext cx="3880757" cy="1120487"/>
-          </a:xfrm>
-          <a:prstGeom prst="wedgeRoundRectCallout">
-            <a:avLst>
-              <a:gd name="adj1" fmla="val -56372"/>
-              <a:gd name="adj2" fmla="val -35249"/>
-              <a:gd name="adj3" fmla="val 16667"/>
-            </a:avLst>
-          </a:prstGeom>
-          <a:solidFill>
-            <a:schemeClr val="dk2">
-              <a:alpha val="80000"/>
-            </a:schemeClr>
-          </a:solidFill>
-          <a:ln w="19050">
-            <a:solidFill>
-              <a:schemeClr val="tx1">
-                <a:lumMod val="75000"/>
-                <a:alpha val="80000"/>
-              </a:schemeClr>
-            </a:solidFill>
-          </a:ln>
-          <a:effectLst/>
-        </p:spPr>
-        <p:style>
-          <a:lnRef idx="2">
-            <a:schemeClr val="accent1">
-              <a:shade val="50000"/>
-            </a:schemeClr>
-          </a:lnRef>
-          <a:fillRef idx="1001">
-            <a:schemeClr val="dk2"/>
-          </a:fillRef>
-          <a:effectRef idx="0">
-            <a:schemeClr val="accent1"/>
-          </a:effectRef>
-          <a:fontRef idx="minor">
-            <a:schemeClr val="lt1"/>
-          </a:fontRef>
-        </p:style>
-        <p:txBody>
-          <a:bodyPr rot="0" spcFirstLastPara="0" vertOverflow="overflow" horzOverflow="overflow" vert="horz" wrap="square" lIns="91416" tIns="45708" rIns="91416" bIns="45708" numCol="1" spcCol="0" rtlCol="0" fromWordArt="0" anchor="ctr" anchorCtr="0" forceAA="0" compatLnSpc="1">
-            <a:prstTxWarp prst="textNoShape">
-              <a:avLst/>
-            </a:prstTxWarp>
-            <a:noAutofit/>
-          </a:bodyPr>
-          <a:lstStyle/>
-          <a:p>
-            <a:pPr algn="ctr"/>
-            <a:r>
-              <a:rPr lang="bg-BG" sz="2800" b="1" noProof="1">
-                <a:solidFill>
-                  <a:srgbClr val="FFFFFF"/>
-                </a:solidFill>
-              </a:rPr>
-              <a:t>Пример за </a:t>
-            </a:r>
-            <a:r>
-              <a:rPr lang="en-US" sz="2800" b="1" noProof="1">
-                <a:solidFill>
-                  <a:srgbClr val="FFFFFF"/>
-                </a:solidFill>
-              </a:rPr>
-              <a:t>JSON </a:t>
-            </a:r>
-            <a:r>
-              <a:rPr lang="bg-BG" sz="2800" b="1" noProof="1">
-                <a:solidFill>
-                  <a:srgbClr val="FFFFFF"/>
-                </a:solidFill>
-              </a:rPr>
-              <a:t>документ в </a:t>
-            </a:r>
-            <a:r>
-              <a:rPr lang="en-US" sz="2800" b="1" noProof="1">
-                <a:solidFill>
-                  <a:srgbClr val="FFFFFF"/>
-                </a:solidFill>
-              </a:rPr>
-              <a:t>MongoDB</a:t>
-            </a:r>
-          </a:p>
-        </p:txBody>
-      </p:sp>
-      <p:sp>
-        <p:nvSpPr>
-          <p:cNvPr id="24" name="object 15">
-            <a:extLst>
-              <a:ext uri="{FF2B5EF4-FFF2-40B4-BE49-F238E27FC236}">
-                <a16:creationId xmlns:a16="http://schemas.microsoft.com/office/drawing/2014/main" id="{F23F4A49-E31B-C517-27D9-8A20DD1D6553}"/>
-              </a:ext>
-            </a:extLst>
-          </p:cNvPr>
-          <p:cNvSpPr txBox="1"/>
-          <p:nvPr/>
-        </p:nvSpPr>
-        <p:spPr>
-          <a:xfrm>
-            <a:off x="11925300" y="6618223"/>
-            <a:ext cx="233680" cy="141064"/>
-          </a:xfrm>
-          <a:prstGeom prst="rect">
-            <a:avLst/>
-          </a:prstGeom>
-        </p:spPr>
-        <p:txBody>
-          <a:bodyPr vert="horz" wrap="square" lIns="0" tIns="0" rIns="0" bIns="0" rtlCol="0">
-            <a:spAutoFit/>
-          </a:bodyPr>
-          <a:lstStyle/>
-          <a:p>
-            <a:pPr marL="40640">
-              <a:lnSpc>
-                <a:spcPts val="1065"/>
-              </a:lnSpc>
-            </a:pPr>
-            <a:fld id="{81D60167-4931-47E6-BA6A-407CBD079E47}" type="slidenum">
-              <a:rPr sz="1000" smtClean="0">
-                <a:solidFill>
-                  <a:srgbClr val="224464"/>
-                </a:solidFill>
-                <a:latin typeface="Calibri"/>
-                <a:cs typeface="Calibri"/>
-              </a:rPr>
-              <a:pPr marL="40640">
-                <a:lnSpc>
-                  <a:spcPts val="1065"/>
-                </a:lnSpc>
-              </a:pPr>
-              <a:t>19</a:t>
-            </a:fld>
-            <a:endParaRPr sz="1000" dirty="0">
-              <a:latin typeface="Calibri"/>
-              <a:cs typeface="Calibri"/>
-            </a:endParaRPr>
-          </a:p>
-        </p:txBody>
-      </p:sp>
-      <p:sp>
-        <p:nvSpPr>
-          <p:cNvPr id="2" name="Slide Number">
-            <a:extLst>
-              <a:ext uri="{FF2B5EF4-FFF2-40B4-BE49-F238E27FC236}">
-                <a16:creationId xmlns:a16="http://schemas.microsoft.com/office/drawing/2014/main" id="{E9FF8973-211C-838A-CB0C-880AFDBB7285}"/>
-              </a:ext>
-            </a:extLst>
-          </p:cNvPr>
-          <p:cNvSpPr>
-            <a:spLocks noGrp="1"/>
-          </p:cNvSpPr>
-          <p:nvPr>
-            <p:ph type="sldNum" sz="quarter" idx="5"/>
-          </p:nvPr>
-        </p:nvSpPr>
-        <p:spPr>
-          <a:xfrm>
-            <a:off x="11753030" y="6507000"/>
-            <a:ext cx="367414" cy="297000"/>
-          </a:xfrm>
-          <a:prstGeom prst="rect">
-            <a:avLst/>
-          </a:prstGeom>
-        </p:spPr>
-        <p:txBody>
-          <a:bodyPr vert="horz" lIns="91440" tIns="45720" rIns="91440" bIns="45720" rtlCol="0" anchor="b"/>
-          <a:lstStyle>
-            <a:lvl1pPr algn="r">
-              <a:defRPr sz="1000"/>
-            </a:lvl1pPr>
-          </a:lstStyle>
-          <a:p>
-            <a:fld id="{2BF067CD-8E6B-4360-9AA8-C5DF2A48A6D1}" type="slidenum">
-              <a:rPr lang="en-US" noProof="0" smtClean="0"/>
-              <a:pPr/>
-              <a:t>19</a:t>
-            </a:fld>
-            <a:endParaRPr lang="en-US" noProof="0" dirty="0"/>
-          </a:p>
-        </p:txBody>
-      </p:sp>
-    </p:spTree>
-    <p:extLst>
-      <p:ext uri="{BB962C8B-B14F-4D97-AF65-F5344CB8AC3E}">
-        <p14:creationId xmlns:p14="http://schemas.microsoft.com/office/powerpoint/2010/main" val="309645025"/>
-      </p:ext>
-    </p:extLst>
-  </p:cSld>
-  <p:clrMapOvr>
-    <a:masterClrMapping/>
-  </p:clrMapOvr>
-  <mc:AlternateContent xmlns:mc="http://schemas.openxmlformats.org/markup-compatibility/2006" xmlns:p14="http://schemas.microsoft.com/office/powerpoint/2010/main">
-    <mc:Choice Requires="p14">
-      <p:transition spd="slow" p14:dur="2000" advClick="0" advTm="5000"/>
-    </mc:Choice>
-    <mc:Fallback xmlns="">
-      <p:transition spd="slow" advClick="0" advTm="5000"/>
-    </mc:Fallback>
-  </mc:AlternateContent>
-  <p:timing>
-    <p:tnLst>
-      <p:par>
-        <p:cTn id="1" dur="indefinite" restart="never" nodeType="tmRoot">
-          <p:childTnLst>
-            <p:seq concurrent="1" nextAc="seek">
-              <p:cTn id="2" dur="indefinite" nodeType="mainSeq">
-                <p:childTnLst>
-                  <p:par>
-                    <p:cTn id="3" fill="hold">
-                      <p:stCondLst>
-                        <p:cond delay="indefinite"/>
-                      </p:stCondLst>
-                      <p:childTnLst>
-                        <p:par>
-                          <p:cTn id="4" fill="hold">
-                            <p:stCondLst>
-                              <p:cond delay="0"/>
-                            </p:stCondLst>
-                            <p:childTnLst>
-                              <p:par>
-                                <p:cTn id="5" presetID="1" presetClass="entr" presetSubtype="0" fill="hold" nodeType="clickEffect">
-                                  <p:stCondLst>
-                                    <p:cond delay="0"/>
-                                  </p:stCondLst>
-                                  <p:childTnLst>
-                                    <p:set>
-                                      <p:cBhvr>
-                                        <p:cTn id="6" dur="1" fill="hold">
-                                          <p:stCondLst>
-                                            <p:cond delay="0"/>
-                                          </p:stCondLst>
-                                        </p:cTn>
-                                        <p:tgtEl>
-                                          <p:spTgt spid="10">
-                                            <p:txEl>
-                                              <p:pRg st="2" end="2"/>
-                                            </p:txEl>
-                                          </p:spTgt>
-                                        </p:tgtEl>
-                                        <p:attrNameLst>
-                                          <p:attrName>style.visibility</p:attrName>
-                                        </p:attrNameLst>
-                                      </p:cBhvr>
-                                      <p:to>
-                                        <p:strVal val="visible"/>
-                                      </p:to>
-                                    </p:set>
-                                  </p:childTnLst>
-                                </p:cTn>
-                              </p:par>
-                            </p:childTnLst>
-                          </p:cTn>
-                        </p:par>
-                      </p:childTnLst>
-                    </p:cTn>
-                  </p:par>
-                  <p:par>
-                    <p:cTn id="7" fill="hold">
-                      <p:stCondLst>
-                        <p:cond delay="indefinite"/>
-                      </p:stCondLst>
-                      <p:childTnLst>
-                        <p:par>
-                          <p:cTn id="8" fill="hold">
-                            <p:stCondLst>
-                              <p:cond delay="0"/>
-                            </p:stCondLst>
-                            <p:childTnLst>
-                              <p:par>
-                                <p:cTn id="9" presetID="1" presetClass="entr" presetSubtype="0" fill="hold" nodeType="clickEffect">
-                                  <p:stCondLst>
-                                    <p:cond delay="0"/>
-                                  </p:stCondLst>
-                                  <p:childTnLst>
-                                    <p:set>
-                                      <p:cBhvr>
-                                        <p:cTn id="10" dur="1" fill="hold">
-                                          <p:stCondLst>
-                                            <p:cond delay="0"/>
-                                          </p:stCondLst>
-                                        </p:cTn>
-                                        <p:tgtEl>
-                                          <p:spTgt spid="10">
-                                            <p:txEl>
-                                              <p:pRg st="3" end="3"/>
-                                            </p:txEl>
-                                          </p:spTgt>
-                                        </p:tgtEl>
-                                        <p:attrNameLst>
-                                          <p:attrName>style.visibility</p:attrName>
-                                        </p:attrNameLst>
-                                      </p:cBhvr>
-                                      <p:to>
-                                        <p:strVal val="visible"/>
-                                      </p:to>
-                                    </p:set>
-                                  </p:childTnLst>
-                                </p:cTn>
-                              </p:par>
-                            </p:childTnLst>
-                          </p:cTn>
-                        </p:par>
-                      </p:childTnLst>
-                    </p:cTn>
-                  </p:par>
-                  <p:par>
-                    <p:cTn id="11" fill="hold">
-                      <p:stCondLst>
-                        <p:cond delay="indefinite"/>
-                      </p:stCondLst>
-                      <p:childTnLst>
-                        <p:par>
-                          <p:cTn id="12" fill="hold">
-                            <p:stCondLst>
-                              <p:cond delay="0"/>
-                            </p:stCondLst>
-                            <p:childTnLst>
-                              <p:par>
-                                <p:cTn id="13" presetID="1" presetClass="entr" presetSubtype="0" fill="hold" grpId="0" nodeType="clickEffect">
-                                  <p:stCondLst>
-                                    <p:cond delay="0"/>
-                                  </p:stCondLst>
-                                  <p:childTnLst>
-                                    <p:set>
-                                      <p:cBhvr>
-                                        <p:cTn id="14" dur="1" fill="hold">
-                                          <p:stCondLst>
-                                            <p:cond delay="0"/>
-                                          </p:stCondLst>
-                                        </p:cTn>
-                                        <p:tgtEl>
-                                          <p:spTgt spid="23"/>
-                                        </p:tgtEl>
-                                        <p:attrNameLst>
-                                          <p:attrName>style.visibility</p:attrName>
-                                        </p:attrNameLst>
-                                      </p:cBhvr>
-                                      <p:to>
-                                        <p:strVal val="visible"/>
-                                      </p:to>
-                                    </p:set>
-                                  </p:childTnLst>
-                                </p:cTn>
-                              </p:par>
-                              <p:par>
-                                <p:cTn id="15" presetID="1" presetClass="entr" presetSubtype="0" fill="hold" grpId="0" nodeType="withEffect">
-                                  <p:stCondLst>
-                                    <p:cond delay="0"/>
-                                  </p:stCondLst>
-                                  <p:childTnLst>
-                                    <p:set>
-                                      <p:cBhvr>
-                                        <p:cTn id="16" dur="1" fill="hold">
-                                          <p:stCondLst>
-                                            <p:cond delay="0"/>
-                                          </p:stCondLst>
-                                        </p:cTn>
-                                        <p:tgtEl>
-                                          <p:spTgt spid="19"/>
-                                        </p:tgtEl>
-                                        <p:attrNameLst>
-                                          <p:attrName>style.visibility</p:attrName>
-                                        </p:attrNameLst>
-                                      </p:cBhvr>
-                                      <p:to>
-                                        <p:strVal val="visible"/>
-                                      </p:to>
-                                    </p:set>
-                                  </p:childTnLst>
-                                </p:cTn>
-                              </p:par>
-                            </p:childTnLst>
-                          </p:cTn>
-                        </p:par>
-                      </p:childTnLst>
-                    </p:cTn>
-                  </p:par>
-                </p:childTnLst>
-              </p:cTn>
-              <p:prevCondLst>
-                <p:cond evt="onPrev" delay="0">
-                  <p:tgtEl>
-                    <p:sldTgt/>
-                  </p:tgtEl>
-                </p:cond>
-              </p:prevCondLst>
-              <p:nextCondLst>
-                <p:cond evt="onNext" delay="0">
-                  <p:tgtEl>
-                    <p:sldTgt/>
-                  </p:tgtEl>
-                </p:cond>
-              </p:nextCondLst>
-            </p:seq>
-          </p:childTnLst>
-        </p:cTn>
-      </p:par>
-    </p:tnLst>
-    <p:bldLst>
-      <p:bldP spid="23" grpId="0" animBg="1"/>
-      <p:bldP spid="19" grpId="0" animBg="1"/>
-    </p:bldLst>
-  </p:timing>
-</p:sld>
-</file>
-
 <file path=ppt/slides/slide2.xml><?xml version="1.0" encoding="utf-8"?>
 <p:sld xmlns:a="http://schemas.openxmlformats.org/drawingml/2006/main" xmlns:r="http://schemas.openxmlformats.org/officeDocument/2006/relationships" xmlns:p="http://schemas.openxmlformats.org/presentationml/2006/main">
   <p:cSld>
@@ -20526,6 +19928,1125 @@
           <a:chExt cx="0" cy="0"/>
         </a:xfrm>
       </p:grpSpPr>
+      <p:sp>
+        <p:nvSpPr>
+          <p:cNvPr id="6" name="object 6"/>
+          <p:cNvSpPr txBox="1">
+            <a:spLocks noGrp="1"/>
+          </p:cNvSpPr>
+          <p:nvPr>
+            <p:ph type="title"/>
+          </p:nvPr>
+        </p:nvSpPr>
+        <p:spPr>
+          <a:xfrm>
+            <a:off x="190406" y="227247"/>
+            <a:ext cx="9715594" cy="629660"/>
+          </a:xfrm>
+          <a:prstGeom prst="rect">
+            <a:avLst/>
+          </a:prstGeom>
+        </p:spPr>
+        <p:txBody>
+          <a:bodyPr vert="horz" wrap="square" lIns="0" tIns="13970" rIns="0" bIns="0" rtlCol="0">
+            <a:spAutoFit/>
+          </a:bodyPr>
+          <a:lstStyle/>
+          <a:p>
+            <a:pPr marL="12700">
+              <a:lnSpc>
+                <a:spcPct val="100000"/>
+              </a:lnSpc>
+              <a:spcBef>
+                <a:spcPts val="110"/>
+              </a:spcBef>
+            </a:pPr>
+            <a:r>
+              <a:rPr sz="4000" spc="5" dirty="0">
+                <a:solidFill>
+                  <a:srgbClr val="FFFFFF"/>
+                </a:solidFill>
+              </a:rPr>
+              <a:t>NoSQL</a:t>
+            </a:r>
+            <a:r>
+              <a:rPr sz="4000" spc="-105" dirty="0">
+                <a:solidFill>
+                  <a:srgbClr val="FFFFFF"/>
+                </a:solidFill>
+              </a:rPr>
+              <a:t> </a:t>
+            </a:r>
+            <a:r>
+              <a:rPr lang="bg-BG" sz="4000" spc="-15" dirty="0">
+                <a:solidFill>
+                  <a:srgbClr val="FFFFFF"/>
+                </a:solidFill>
+              </a:rPr>
+              <a:t>бази данни</a:t>
+            </a:r>
+            <a:endParaRPr sz="4000" dirty="0"/>
+          </a:p>
+        </p:txBody>
+      </p:sp>
+      <p:sp>
+        <p:nvSpPr>
+          <p:cNvPr id="10" name="object 10"/>
+          <p:cNvSpPr txBox="1"/>
+          <p:nvPr/>
+        </p:nvSpPr>
+        <p:spPr>
+          <a:xfrm>
+            <a:off x="285699" y="1004956"/>
+            <a:ext cx="11672258" cy="3299621"/>
+          </a:xfrm>
+          <a:prstGeom prst="rect">
+            <a:avLst/>
+          </a:prstGeom>
+        </p:spPr>
+        <p:txBody>
+          <a:bodyPr vert="horz" wrap="square" lIns="0" tIns="204470" rIns="0" bIns="0" rtlCol="0">
+            <a:spAutoFit/>
+          </a:bodyPr>
+          <a:lstStyle/>
+          <a:p>
+            <a:pPr marL="372110" indent="-360045">
+              <a:lnSpc>
+                <a:spcPct val="100000"/>
+              </a:lnSpc>
+              <a:spcBef>
+                <a:spcPts val="1610"/>
+              </a:spcBef>
+              <a:buClr>
+                <a:srgbClr val="224464"/>
+              </a:buClr>
+              <a:buFont typeface="Wingdings"/>
+              <a:buChar char=""/>
+              <a:tabLst>
+                <a:tab pos="372745" algn="l"/>
+              </a:tabLst>
+            </a:pPr>
+            <a:r>
+              <a:rPr lang="en-US" sz="3400" b="1" dirty="0">
+                <a:solidFill>
+                  <a:schemeClr val="bg1"/>
+                </a:solidFill>
+                <a:latin typeface="Calibri"/>
+                <a:cs typeface="Calibri"/>
+              </a:rPr>
+              <a:t>NoSQL</a:t>
+            </a:r>
+            <a:r>
+              <a:rPr lang="en-US" sz="3400" b="1" spc="-65" dirty="0">
+                <a:solidFill>
+                  <a:schemeClr val="bg1"/>
+                </a:solidFill>
+                <a:latin typeface="Calibri"/>
+                <a:cs typeface="Calibri"/>
+              </a:rPr>
+              <a:t> </a:t>
+            </a:r>
+            <a:r>
+              <a:rPr lang="bg-BG" sz="3400" b="1" spc="-5" dirty="0">
+                <a:solidFill>
+                  <a:schemeClr val="bg1"/>
+                </a:solidFill>
+                <a:latin typeface="Calibri"/>
+                <a:cs typeface="Calibri"/>
+              </a:rPr>
+              <a:t>бази данни</a:t>
+            </a:r>
+            <a:r>
+              <a:rPr lang="bg-BG" sz="3400" b="1" spc="-5" dirty="0">
+                <a:solidFill>
+                  <a:srgbClr val="FF9F00"/>
+                </a:solidFill>
+                <a:latin typeface="Calibri"/>
+                <a:cs typeface="Calibri"/>
+              </a:rPr>
+              <a:t> </a:t>
+            </a:r>
+            <a:r>
+              <a:rPr lang="bg-BG" sz="3400" dirty="0">
+                <a:solidFill>
+                  <a:srgbClr val="224464"/>
+                </a:solidFill>
+                <a:latin typeface="Calibri"/>
+                <a:cs typeface="Calibri"/>
+              </a:rPr>
+              <a:t>не използват таблици и </a:t>
+            </a:r>
+            <a:r>
+              <a:rPr lang="en-US" sz="3400" dirty="0">
+                <a:solidFill>
+                  <a:srgbClr val="224464"/>
+                </a:solidFill>
+                <a:latin typeface="Calibri"/>
+                <a:cs typeface="Calibri"/>
+              </a:rPr>
+              <a:t>SQL</a:t>
+            </a:r>
+            <a:endParaRPr lang="en-US" sz="3400" dirty="0">
+              <a:latin typeface="Calibri"/>
+              <a:cs typeface="Calibri"/>
+            </a:endParaRPr>
+          </a:p>
+          <a:p>
+            <a:pPr marL="805180" lvl="1" indent="-360680">
+              <a:lnSpc>
+                <a:spcPct val="100000"/>
+              </a:lnSpc>
+              <a:spcBef>
+                <a:spcPts val="1400"/>
+              </a:spcBef>
+              <a:buFont typeface="Wingdings"/>
+              <a:buChar char=""/>
+              <a:tabLst>
+                <a:tab pos="805180" algn="l"/>
+                <a:tab pos="805815" algn="l"/>
+              </a:tabLst>
+            </a:pPr>
+            <a:r>
+              <a:rPr lang="bg-BG" sz="3200" spc="-15" dirty="0">
+                <a:solidFill>
+                  <a:srgbClr val="224464"/>
+                </a:solidFill>
+                <a:latin typeface="Calibri"/>
+                <a:cs typeface="Calibri"/>
+              </a:rPr>
+              <a:t>Вместо това</a:t>
+            </a:r>
+            <a:r>
+              <a:rPr lang="en-US" sz="3200" dirty="0">
+                <a:solidFill>
+                  <a:srgbClr val="224464"/>
+                </a:solidFill>
+                <a:latin typeface="Calibri"/>
+                <a:cs typeface="Calibri"/>
+              </a:rPr>
+              <a:t> </a:t>
+            </a:r>
+            <a:r>
+              <a:rPr lang="bg-BG" sz="3200" spc="-10" dirty="0">
+                <a:solidFill>
+                  <a:srgbClr val="224464"/>
+                </a:solidFill>
+                <a:latin typeface="Calibri"/>
+                <a:cs typeface="Calibri"/>
+              </a:rPr>
+              <a:t>използват </a:t>
+            </a:r>
+            <a:r>
+              <a:rPr lang="bg-BG" sz="3200" b="1" spc="-10" dirty="0">
+                <a:solidFill>
+                  <a:schemeClr val="bg1"/>
+                </a:solidFill>
+                <a:latin typeface="Calibri"/>
+                <a:cs typeface="Calibri"/>
+              </a:rPr>
+              <a:t>колекции от документи</a:t>
+            </a:r>
+            <a:r>
+              <a:rPr lang="bg-BG" sz="3200" b="1" spc="-10" dirty="0">
+                <a:solidFill>
+                  <a:srgbClr val="FF9F00"/>
+                </a:solidFill>
+                <a:latin typeface="Calibri"/>
+                <a:cs typeface="Calibri"/>
+              </a:rPr>
+              <a:t> </a:t>
+            </a:r>
+            <a:r>
+              <a:rPr lang="bg-BG" sz="3200" spc="-5" dirty="0">
+                <a:solidFill>
+                  <a:srgbClr val="224464"/>
+                </a:solidFill>
+                <a:latin typeface="Calibri"/>
+                <a:cs typeface="Calibri"/>
+              </a:rPr>
+              <a:t>или </a:t>
+            </a:r>
+            <a:r>
+              <a:rPr lang="bg-BG" sz="3200" b="1" spc="-25" dirty="0">
+                <a:solidFill>
+                  <a:schemeClr val="bg1"/>
+                </a:solidFill>
+                <a:latin typeface="Calibri"/>
+                <a:cs typeface="Calibri"/>
+              </a:rPr>
+              <a:t>двойки</a:t>
+            </a:r>
+            <a:r>
+              <a:rPr lang="bg-BG" sz="3200" b="1" spc="-25" dirty="0">
+                <a:solidFill>
+                  <a:srgbClr val="FF9F00"/>
+                </a:solidFill>
+                <a:latin typeface="Calibri"/>
+                <a:cs typeface="Calibri"/>
+              </a:rPr>
+              <a:t> </a:t>
+            </a:r>
+            <a:r>
+              <a:rPr lang="bg-BG" sz="3200" b="1" spc="-25" dirty="0">
+                <a:solidFill>
+                  <a:schemeClr val="bg1"/>
+                </a:solidFill>
+                <a:latin typeface="Calibri"/>
+                <a:cs typeface="Calibri"/>
+              </a:rPr>
+              <a:t>ключ-стойност</a:t>
+            </a:r>
+            <a:endParaRPr lang="en-US" sz="3200" dirty="0">
+              <a:solidFill>
+                <a:schemeClr val="bg1"/>
+              </a:solidFill>
+              <a:latin typeface="Calibri"/>
+              <a:cs typeface="Calibri"/>
+            </a:endParaRPr>
+          </a:p>
+          <a:p>
+            <a:pPr marL="372110" indent="-360045">
+              <a:lnSpc>
+                <a:spcPct val="100000"/>
+              </a:lnSpc>
+              <a:spcBef>
+                <a:spcPts val="1390"/>
+              </a:spcBef>
+              <a:buFont typeface="Wingdings"/>
+              <a:buChar char=""/>
+              <a:tabLst>
+                <a:tab pos="372745" algn="l"/>
+              </a:tabLst>
+            </a:pPr>
+            <a:r>
+              <a:rPr lang="bg-BG" sz="3600" dirty="0">
+                <a:solidFill>
+                  <a:schemeClr val="bg1"/>
+                </a:solidFill>
+              </a:rPr>
+              <a:t>По-</a:t>
+            </a:r>
+            <a:r>
+              <a:rPr lang="bg-BG" sz="3400" b="1" spc="-5" dirty="0">
+                <a:solidFill>
+                  <a:schemeClr val="bg1"/>
+                </a:solidFill>
+                <a:latin typeface="Calibri"/>
+                <a:cs typeface="Calibri"/>
+              </a:rPr>
+              <a:t>мащабируеми</a:t>
+            </a:r>
+            <a:r>
+              <a:rPr lang="bg-BG" sz="3400" b="1" spc="-5" dirty="0">
+                <a:solidFill>
+                  <a:srgbClr val="FF9F00"/>
+                </a:solidFill>
+                <a:latin typeface="Calibri"/>
+                <a:cs typeface="Calibri"/>
+              </a:rPr>
+              <a:t> </a:t>
+            </a:r>
+            <a:r>
+              <a:rPr lang="bg-BG" sz="3400" spc="5" dirty="0">
+                <a:solidFill>
+                  <a:srgbClr val="224464"/>
+                </a:solidFill>
+                <a:latin typeface="Calibri"/>
+                <a:cs typeface="Calibri"/>
+              </a:rPr>
+              <a:t>и с </a:t>
+            </a:r>
+            <a:r>
+              <a:rPr lang="bg-BG" sz="3400" b="1" dirty="0">
+                <a:solidFill>
+                  <a:schemeClr val="bg1"/>
+                </a:solidFill>
+                <a:latin typeface="Calibri"/>
+                <a:cs typeface="Calibri"/>
+              </a:rPr>
+              <a:t>висока производителност</a:t>
+            </a:r>
+            <a:endParaRPr lang="en-US" sz="3400" dirty="0">
+              <a:solidFill>
+                <a:schemeClr val="bg1"/>
+              </a:solidFill>
+              <a:latin typeface="Calibri"/>
+              <a:cs typeface="Calibri"/>
+            </a:endParaRPr>
+          </a:p>
+          <a:p>
+            <a:pPr marL="372110" indent="-360045">
+              <a:lnSpc>
+                <a:spcPct val="100000"/>
+              </a:lnSpc>
+              <a:spcBef>
+                <a:spcPts val="1415"/>
+              </a:spcBef>
+              <a:buFont typeface="Wingdings"/>
+              <a:buChar char=""/>
+              <a:tabLst>
+                <a:tab pos="372745" algn="l"/>
+              </a:tabLst>
+            </a:pPr>
+            <a:r>
+              <a:rPr lang="bg-BG" sz="3400" spc="-5" dirty="0">
+                <a:solidFill>
+                  <a:srgbClr val="224464"/>
+                </a:solidFill>
+                <a:latin typeface="Calibri"/>
+                <a:cs typeface="Calibri"/>
+              </a:rPr>
+              <a:t>Примери</a:t>
+            </a:r>
+            <a:r>
+              <a:rPr lang="en-US" sz="3400" spc="-5" dirty="0">
+                <a:solidFill>
+                  <a:srgbClr val="224464"/>
+                </a:solidFill>
+                <a:latin typeface="Calibri"/>
+                <a:cs typeface="Calibri"/>
+              </a:rPr>
+              <a:t>:</a:t>
+            </a:r>
+            <a:r>
+              <a:rPr lang="en-US" sz="3400" spc="-75" dirty="0">
+                <a:solidFill>
+                  <a:srgbClr val="224464"/>
+                </a:solidFill>
+                <a:latin typeface="Calibri"/>
+                <a:cs typeface="Calibri"/>
+              </a:rPr>
+              <a:t> </a:t>
+            </a:r>
+            <a:r>
+              <a:rPr lang="en-US" sz="3400" b="1" spc="-5" dirty="0">
+                <a:solidFill>
+                  <a:schemeClr val="bg1"/>
+                </a:solidFill>
+                <a:latin typeface="Calibri"/>
+                <a:cs typeface="Calibri"/>
+              </a:rPr>
+              <a:t>MongoDB</a:t>
+            </a:r>
+            <a:r>
+              <a:rPr lang="en-US" sz="3400" spc="-5" dirty="0">
+                <a:solidFill>
+                  <a:srgbClr val="224464"/>
+                </a:solidFill>
+                <a:latin typeface="Calibri"/>
+                <a:cs typeface="Calibri"/>
+              </a:rPr>
+              <a:t>,</a:t>
+            </a:r>
+            <a:r>
+              <a:rPr lang="en-US" sz="3400" spc="-55" dirty="0">
+                <a:solidFill>
+                  <a:srgbClr val="224464"/>
+                </a:solidFill>
+                <a:latin typeface="Calibri"/>
+                <a:cs typeface="Calibri"/>
+              </a:rPr>
+              <a:t> </a:t>
+            </a:r>
+            <a:r>
+              <a:rPr lang="en-US" sz="3400" b="1" spc="-10" dirty="0">
+                <a:solidFill>
+                  <a:schemeClr val="bg1"/>
+                </a:solidFill>
+                <a:latin typeface="Calibri"/>
+                <a:cs typeface="Calibri"/>
+              </a:rPr>
+              <a:t>Cassandra</a:t>
+            </a:r>
+            <a:r>
+              <a:rPr lang="en-US" sz="3400" spc="-10" dirty="0">
+                <a:solidFill>
+                  <a:srgbClr val="224464"/>
+                </a:solidFill>
+                <a:latin typeface="Calibri"/>
+                <a:cs typeface="Calibri"/>
+              </a:rPr>
+              <a:t>,</a:t>
+            </a:r>
+            <a:r>
+              <a:rPr lang="en-US" sz="3400" spc="-40" dirty="0">
+                <a:solidFill>
+                  <a:srgbClr val="224464"/>
+                </a:solidFill>
+                <a:latin typeface="Calibri"/>
+                <a:cs typeface="Calibri"/>
+              </a:rPr>
+              <a:t> </a:t>
+            </a:r>
+            <a:r>
+              <a:rPr lang="en-US" sz="3400" b="1" spc="-10" dirty="0">
+                <a:solidFill>
+                  <a:schemeClr val="bg1"/>
+                </a:solidFill>
+                <a:latin typeface="Calibri"/>
+                <a:cs typeface="Calibri"/>
+              </a:rPr>
+              <a:t>Redis</a:t>
+            </a:r>
+            <a:r>
+              <a:rPr lang="en-US" sz="3400" spc="-10" dirty="0">
+                <a:solidFill>
+                  <a:srgbClr val="224464"/>
+                </a:solidFill>
+                <a:latin typeface="Calibri"/>
+                <a:cs typeface="Calibri"/>
+              </a:rPr>
+              <a:t>,</a:t>
+            </a:r>
+            <a:r>
+              <a:rPr lang="en-US" sz="3400" spc="-35" dirty="0">
+                <a:solidFill>
+                  <a:srgbClr val="224464"/>
+                </a:solidFill>
+                <a:latin typeface="Calibri"/>
+                <a:cs typeface="Calibri"/>
+              </a:rPr>
+              <a:t> </a:t>
+            </a:r>
+            <a:r>
+              <a:rPr lang="en-US" sz="3400" spc="-15" dirty="0">
+                <a:solidFill>
+                  <a:srgbClr val="224464"/>
+                </a:solidFill>
+                <a:latin typeface="Calibri"/>
+                <a:cs typeface="Calibri"/>
+              </a:rPr>
+              <a:t>etc.</a:t>
+            </a:r>
+            <a:endParaRPr lang="en-US" sz="3400" dirty="0">
+              <a:latin typeface="Calibri"/>
+              <a:cs typeface="Calibri"/>
+            </a:endParaRPr>
+          </a:p>
+        </p:txBody>
+      </p:sp>
+      <p:sp>
+        <p:nvSpPr>
+          <p:cNvPr id="23" name="Rectangle 19">
+            <a:extLst>
+              <a:ext uri="{FF2B5EF4-FFF2-40B4-BE49-F238E27FC236}">
+                <a16:creationId xmlns:a16="http://schemas.microsoft.com/office/drawing/2014/main" id="{EF975B85-581B-A516-2BC0-D13E98F1E09B}"/>
+              </a:ext>
+            </a:extLst>
+          </p:cNvPr>
+          <p:cNvSpPr>
+            <a:spLocks noChangeArrowheads="1"/>
+          </p:cNvSpPr>
+          <p:nvPr/>
+        </p:nvSpPr>
+        <p:spPr bwMode="auto">
+          <a:xfrm>
+            <a:off x="609600" y="4441986"/>
+            <a:ext cx="9558654" cy="2246769"/>
+          </a:xfrm>
+          <a:prstGeom prst="rect">
+            <a:avLst/>
+          </a:prstGeom>
+          <a:solidFill>
+            <a:schemeClr val="bg2">
+              <a:lumMod val="85000"/>
+              <a:alpha val="20000"/>
+            </a:schemeClr>
+          </a:solidFill>
+          <a:ln w="12700">
+            <a:solidFill>
+              <a:schemeClr val="accent5">
+                <a:lumMod val="60000"/>
+                <a:lumOff val="40000"/>
+              </a:schemeClr>
+            </a:solidFill>
+          </a:ln>
+        </p:spPr>
+        <p:txBody>
+          <a:bodyPr wrap="square">
+            <a:spAutoFit/>
+          </a:bodyPr>
+          <a:lstStyle/>
+          <a:p>
+            <a:pPr marL="12700">
+              <a:lnSpc>
+                <a:spcPct val="100000"/>
+              </a:lnSpc>
+            </a:pPr>
+            <a:r>
+              <a:rPr lang="en-US" sz="2800" b="1" noProof="1">
+                <a:latin typeface="Consolas"/>
+                <a:cs typeface="Consolas"/>
+              </a:rPr>
+              <a:t>{</a:t>
+            </a:r>
+          </a:p>
+          <a:p>
+            <a:pPr marL="12700">
+              <a:lnSpc>
+                <a:spcPct val="100000"/>
+              </a:lnSpc>
+            </a:pPr>
+            <a:r>
+              <a:rPr lang="en-US" sz="2800" b="1" noProof="1">
+                <a:latin typeface="Consolas"/>
+                <a:cs typeface="Consolas"/>
+              </a:rPr>
+              <a:t>  "</a:t>
+            </a:r>
+            <a:r>
+              <a:rPr lang="en-US" sz="2800" b="1" noProof="1">
+                <a:solidFill>
+                  <a:schemeClr val="bg1"/>
+                </a:solidFill>
+                <a:latin typeface="Consolas"/>
+                <a:cs typeface="Consolas"/>
+              </a:rPr>
+              <a:t>_id</a:t>
+            </a:r>
+            <a:r>
+              <a:rPr lang="en-US" sz="2800" b="1" noProof="1">
+                <a:latin typeface="Consolas"/>
+                <a:cs typeface="Consolas"/>
+              </a:rPr>
+              <a:t>": </a:t>
+            </a:r>
+            <a:r>
+              <a:rPr lang="en-US" sz="2800" b="1" noProof="1">
+                <a:solidFill>
+                  <a:schemeClr val="bg1"/>
+                </a:solidFill>
+                <a:latin typeface="Consolas"/>
+                <a:cs typeface="Consolas"/>
+              </a:rPr>
+              <a:t>ObjectId</a:t>
+            </a:r>
+            <a:r>
+              <a:rPr lang="en-US" sz="2800" b="1" noProof="1">
+                <a:latin typeface="Consolas"/>
+                <a:cs typeface="Consolas"/>
+              </a:rPr>
+              <a:t>("59d3fe7ed81452db0933a871"),</a:t>
+            </a:r>
+          </a:p>
+          <a:p>
+            <a:pPr marL="12700">
+              <a:lnSpc>
+                <a:spcPct val="100000"/>
+              </a:lnSpc>
+            </a:pPr>
+            <a:r>
+              <a:rPr lang="en-US" sz="2800" b="1" noProof="1">
+                <a:latin typeface="Consolas"/>
+                <a:cs typeface="Consolas"/>
+              </a:rPr>
+              <a:t>  "</a:t>
+            </a:r>
+            <a:r>
+              <a:rPr lang="en-US" sz="2800" b="1" noProof="1">
+                <a:solidFill>
+                  <a:schemeClr val="bg1"/>
+                </a:solidFill>
+                <a:latin typeface="Consolas"/>
+                <a:cs typeface="Consolas"/>
+              </a:rPr>
+              <a:t>email</a:t>
+            </a:r>
+            <a:r>
+              <a:rPr lang="en-US" sz="2800" b="1" noProof="1">
+                <a:latin typeface="Consolas"/>
+                <a:cs typeface="Consolas"/>
+              </a:rPr>
+              <a:t>": "peter@gmail.com",</a:t>
+            </a:r>
+          </a:p>
+          <a:p>
+            <a:pPr marL="12700">
+              <a:lnSpc>
+                <a:spcPct val="100000"/>
+              </a:lnSpc>
+            </a:pPr>
+            <a:r>
+              <a:rPr lang="en-US" sz="2800" b="1" noProof="1">
+                <a:latin typeface="Consolas"/>
+                <a:cs typeface="Consolas"/>
+              </a:rPr>
+              <a:t>  "</a:t>
+            </a:r>
+            <a:r>
+              <a:rPr lang="en-US" sz="2800" b="1" noProof="1">
+                <a:solidFill>
+                  <a:schemeClr val="bg1"/>
+                </a:solidFill>
+                <a:latin typeface="Consolas"/>
+                <a:cs typeface="Consolas"/>
+              </a:rPr>
+              <a:t>age</a:t>
+            </a:r>
+            <a:r>
+              <a:rPr lang="en-US" sz="2800" b="1" noProof="1">
+                <a:latin typeface="Consolas"/>
+                <a:cs typeface="Consolas"/>
+              </a:rPr>
+              <a:t>": 22</a:t>
+            </a:r>
+          </a:p>
+          <a:p>
+            <a:pPr marL="12700">
+              <a:lnSpc>
+                <a:spcPct val="100000"/>
+              </a:lnSpc>
+            </a:pPr>
+            <a:r>
+              <a:rPr lang="en-US" sz="2800" b="1" noProof="1">
+                <a:latin typeface="Consolas"/>
+                <a:cs typeface="Consolas"/>
+              </a:rPr>
+              <a:t>}</a:t>
+            </a:r>
+          </a:p>
+        </p:txBody>
+      </p:sp>
+      <p:sp>
+        <p:nvSpPr>
+          <p:cNvPr id="19" name="AutoShape 7">
+            <a:extLst>
+              <a:ext uri="{FF2B5EF4-FFF2-40B4-BE49-F238E27FC236}">
+                <a16:creationId xmlns:a16="http://schemas.microsoft.com/office/drawing/2014/main" id="{C34A2E56-F2E7-AC46-5CE9-793C12729AC0}"/>
+              </a:ext>
+            </a:extLst>
+          </p:cNvPr>
+          <p:cNvSpPr>
+            <a:spLocks noChangeArrowheads="1"/>
+          </p:cNvSpPr>
+          <p:nvPr/>
+        </p:nvSpPr>
+        <p:spPr bwMode="auto">
+          <a:xfrm>
+            <a:off x="8077200" y="5638800"/>
+            <a:ext cx="3880757" cy="1120487"/>
+          </a:xfrm>
+          <a:prstGeom prst="wedgeRoundRectCallout">
+            <a:avLst>
+              <a:gd name="adj1" fmla="val -56372"/>
+              <a:gd name="adj2" fmla="val -35249"/>
+              <a:gd name="adj3" fmla="val 16667"/>
+            </a:avLst>
+          </a:prstGeom>
+          <a:solidFill>
+            <a:schemeClr val="dk2">
+              <a:alpha val="80000"/>
+            </a:schemeClr>
+          </a:solidFill>
+          <a:ln w="19050">
+            <a:solidFill>
+              <a:schemeClr val="tx1">
+                <a:lumMod val="75000"/>
+                <a:alpha val="80000"/>
+              </a:schemeClr>
+            </a:solidFill>
+          </a:ln>
+          <a:effectLst/>
+        </p:spPr>
+        <p:style>
+          <a:lnRef idx="2">
+            <a:schemeClr val="accent1">
+              <a:shade val="50000"/>
+            </a:schemeClr>
+          </a:lnRef>
+          <a:fillRef idx="1001">
+            <a:schemeClr val="dk2"/>
+          </a:fillRef>
+          <a:effectRef idx="0">
+            <a:schemeClr val="accent1"/>
+          </a:effectRef>
+          <a:fontRef idx="minor">
+            <a:schemeClr val="lt1"/>
+          </a:fontRef>
+        </p:style>
+        <p:txBody>
+          <a:bodyPr rot="0" spcFirstLastPara="0" vertOverflow="overflow" horzOverflow="overflow" vert="horz" wrap="square" lIns="91416" tIns="45708" rIns="91416" bIns="45708" numCol="1" spcCol="0" rtlCol="0" fromWordArt="0" anchor="ctr" anchorCtr="0" forceAA="0" compatLnSpc="1">
+            <a:prstTxWarp prst="textNoShape">
+              <a:avLst/>
+            </a:prstTxWarp>
+            <a:noAutofit/>
+          </a:bodyPr>
+          <a:lstStyle/>
+          <a:p>
+            <a:pPr algn="ctr"/>
+            <a:r>
+              <a:rPr lang="bg-BG" sz="2800" b="1" noProof="1">
+                <a:solidFill>
+                  <a:srgbClr val="FFFFFF"/>
+                </a:solidFill>
+              </a:rPr>
+              <a:t>Пример за </a:t>
+            </a:r>
+            <a:r>
+              <a:rPr lang="en-US" sz="2800" b="1" noProof="1">
+                <a:solidFill>
+                  <a:srgbClr val="FFFFFF"/>
+                </a:solidFill>
+              </a:rPr>
+              <a:t>JSON </a:t>
+            </a:r>
+            <a:r>
+              <a:rPr lang="bg-BG" sz="2800" b="1" noProof="1">
+                <a:solidFill>
+                  <a:srgbClr val="FFFFFF"/>
+                </a:solidFill>
+              </a:rPr>
+              <a:t>документ в </a:t>
+            </a:r>
+            <a:r>
+              <a:rPr lang="en-US" sz="2800" b="1" noProof="1">
+                <a:solidFill>
+                  <a:srgbClr val="FFFFFF"/>
+                </a:solidFill>
+              </a:rPr>
+              <a:t>MongoDB</a:t>
+            </a:r>
+          </a:p>
+        </p:txBody>
+      </p:sp>
+      <p:sp>
+        <p:nvSpPr>
+          <p:cNvPr id="24" name="object 15">
+            <a:extLst>
+              <a:ext uri="{FF2B5EF4-FFF2-40B4-BE49-F238E27FC236}">
+                <a16:creationId xmlns:a16="http://schemas.microsoft.com/office/drawing/2014/main" id="{F23F4A49-E31B-C517-27D9-8A20DD1D6553}"/>
+              </a:ext>
+            </a:extLst>
+          </p:cNvPr>
+          <p:cNvSpPr txBox="1"/>
+          <p:nvPr/>
+        </p:nvSpPr>
+        <p:spPr>
+          <a:xfrm>
+            <a:off x="11925300" y="6618223"/>
+            <a:ext cx="233680" cy="141064"/>
+          </a:xfrm>
+          <a:prstGeom prst="rect">
+            <a:avLst/>
+          </a:prstGeom>
+        </p:spPr>
+        <p:txBody>
+          <a:bodyPr vert="horz" wrap="square" lIns="0" tIns="0" rIns="0" bIns="0" rtlCol="0">
+            <a:spAutoFit/>
+          </a:bodyPr>
+          <a:lstStyle/>
+          <a:p>
+            <a:pPr marL="40640">
+              <a:lnSpc>
+                <a:spcPts val="1065"/>
+              </a:lnSpc>
+            </a:pPr>
+            <a:fld id="{81D60167-4931-47E6-BA6A-407CBD079E47}" type="slidenum">
+              <a:rPr sz="1000" smtClean="0">
+                <a:solidFill>
+                  <a:srgbClr val="224464"/>
+                </a:solidFill>
+                <a:latin typeface="Calibri"/>
+                <a:cs typeface="Calibri"/>
+              </a:rPr>
+              <a:pPr marL="40640">
+                <a:lnSpc>
+                  <a:spcPts val="1065"/>
+                </a:lnSpc>
+              </a:pPr>
+              <a:t>20</a:t>
+            </a:fld>
+            <a:endParaRPr sz="1000" dirty="0">
+              <a:latin typeface="Calibri"/>
+              <a:cs typeface="Calibri"/>
+            </a:endParaRPr>
+          </a:p>
+        </p:txBody>
+      </p:sp>
+      <p:sp>
+        <p:nvSpPr>
+          <p:cNvPr id="2" name="Slide Number">
+            <a:extLst>
+              <a:ext uri="{FF2B5EF4-FFF2-40B4-BE49-F238E27FC236}">
+                <a16:creationId xmlns:a16="http://schemas.microsoft.com/office/drawing/2014/main" id="{E9FF8973-211C-838A-CB0C-880AFDBB7285}"/>
+              </a:ext>
+            </a:extLst>
+          </p:cNvPr>
+          <p:cNvSpPr>
+            <a:spLocks noGrp="1"/>
+          </p:cNvSpPr>
+          <p:nvPr>
+            <p:ph type="sldNum" sz="quarter" idx="5"/>
+          </p:nvPr>
+        </p:nvSpPr>
+        <p:spPr>
+          <a:xfrm>
+            <a:off x="11753030" y="6507000"/>
+            <a:ext cx="367414" cy="297000"/>
+          </a:xfrm>
+          <a:prstGeom prst="rect">
+            <a:avLst/>
+          </a:prstGeom>
+        </p:spPr>
+        <p:txBody>
+          <a:bodyPr vert="horz" lIns="91440" tIns="45720" rIns="91440" bIns="45720" rtlCol="0" anchor="b"/>
+          <a:lstStyle>
+            <a:lvl1pPr algn="r">
+              <a:defRPr sz="1000"/>
+            </a:lvl1pPr>
+          </a:lstStyle>
+          <a:p>
+            <a:fld id="{2BF067CD-8E6B-4360-9AA8-C5DF2A48A6D1}" type="slidenum">
+              <a:rPr lang="en-US" noProof="0" smtClean="0"/>
+              <a:pPr/>
+              <a:t>20</a:t>
+            </a:fld>
+            <a:endParaRPr lang="en-US" noProof="0" dirty="0"/>
+          </a:p>
+        </p:txBody>
+      </p:sp>
+    </p:spTree>
+    <p:extLst>
+      <p:ext uri="{BB962C8B-B14F-4D97-AF65-F5344CB8AC3E}">
+        <p14:creationId xmlns:p14="http://schemas.microsoft.com/office/powerpoint/2010/main" val="309645025"/>
+      </p:ext>
+    </p:extLst>
+  </p:cSld>
+  <p:clrMapOvr>
+    <a:masterClrMapping/>
+  </p:clrMapOvr>
+  <mc:AlternateContent xmlns:mc="http://schemas.openxmlformats.org/markup-compatibility/2006" xmlns:p14="http://schemas.microsoft.com/office/powerpoint/2010/main">
+    <mc:Choice Requires="p14">
+      <p:transition spd="slow" p14:dur="2000" advClick="0" advTm="5000"/>
+    </mc:Choice>
+    <mc:Fallback xmlns="">
+      <p:transition spd="slow" advClick="0" advTm="5000"/>
+    </mc:Fallback>
+  </mc:AlternateContent>
+  <p:timing>
+    <p:tnLst>
+      <p:par>
+        <p:cTn id="1" dur="indefinite" restart="never" nodeType="tmRoot">
+          <p:childTnLst>
+            <p:seq concurrent="1" nextAc="seek">
+              <p:cTn id="2" dur="indefinite" nodeType="mainSeq">
+                <p:childTnLst>
+                  <p:par>
+                    <p:cTn id="3" fill="hold">
+                      <p:stCondLst>
+                        <p:cond delay="indefinite"/>
+                      </p:stCondLst>
+                      <p:childTnLst>
+                        <p:par>
+                          <p:cTn id="4" fill="hold">
+                            <p:stCondLst>
+                              <p:cond delay="0"/>
+                            </p:stCondLst>
+                            <p:childTnLst>
+                              <p:par>
+                                <p:cTn id="5" presetID="1" presetClass="entr" presetSubtype="0" fill="hold" nodeType="clickEffect">
+                                  <p:stCondLst>
+                                    <p:cond delay="0"/>
+                                  </p:stCondLst>
+                                  <p:childTnLst>
+                                    <p:set>
+                                      <p:cBhvr>
+                                        <p:cTn id="6" dur="1" fill="hold">
+                                          <p:stCondLst>
+                                            <p:cond delay="0"/>
+                                          </p:stCondLst>
+                                        </p:cTn>
+                                        <p:tgtEl>
+                                          <p:spTgt spid="10">
+                                            <p:txEl>
+                                              <p:pRg st="2" end="2"/>
+                                            </p:txEl>
+                                          </p:spTgt>
+                                        </p:tgtEl>
+                                        <p:attrNameLst>
+                                          <p:attrName>style.visibility</p:attrName>
+                                        </p:attrNameLst>
+                                      </p:cBhvr>
+                                      <p:to>
+                                        <p:strVal val="visible"/>
+                                      </p:to>
+                                    </p:set>
+                                  </p:childTnLst>
+                                </p:cTn>
+                              </p:par>
+                            </p:childTnLst>
+                          </p:cTn>
+                        </p:par>
+                      </p:childTnLst>
+                    </p:cTn>
+                  </p:par>
+                  <p:par>
+                    <p:cTn id="7" fill="hold">
+                      <p:stCondLst>
+                        <p:cond delay="indefinite"/>
+                      </p:stCondLst>
+                      <p:childTnLst>
+                        <p:par>
+                          <p:cTn id="8" fill="hold">
+                            <p:stCondLst>
+                              <p:cond delay="0"/>
+                            </p:stCondLst>
+                            <p:childTnLst>
+                              <p:par>
+                                <p:cTn id="9" presetID="1" presetClass="entr" presetSubtype="0" fill="hold" nodeType="clickEffect">
+                                  <p:stCondLst>
+                                    <p:cond delay="0"/>
+                                  </p:stCondLst>
+                                  <p:childTnLst>
+                                    <p:set>
+                                      <p:cBhvr>
+                                        <p:cTn id="10" dur="1" fill="hold">
+                                          <p:stCondLst>
+                                            <p:cond delay="0"/>
+                                          </p:stCondLst>
+                                        </p:cTn>
+                                        <p:tgtEl>
+                                          <p:spTgt spid="10">
+                                            <p:txEl>
+                                              <p:pRg st="3" end="3"/>
+                                            </p:txEl>
+                                          </p:spTgt>
+                                        </p:tgtEl>
+                                        <p:attrNameLst>
+                                          <p:attrName>style.visibility</p:attrName>
+                                        </p:attrNameLst>
+                                      </p:cBhvr>
+                                      <p:to>
+                                        <p:strVal val="visible"/>
+                                      </p:to>
+                                    </p:set>
+                                  </p:childTnLst>
+                                </p:cTn>
+                              </p:par>
+                            </p:childTnLst>
+                          </p:cTn>
+                        </p:par>
+                      </p:childTnLst>
+                    </p:cTn>
+                  </p:par>
+                  <p:par>
+                    <p:cTn id="11" fill="hold">
+                      <p:stCondLst>
+                        <p:cond delay="indefinite"/>
+                      </p:stCondLst>
+                      <p:childTnLst>
+                        <p:par>
+                          <p:cTn id="12" fill="hold">
+                            <p:stCondLst>
+                              <p:cond delay="0"/>
+                            </p:stCondLst>
+                            <p:childTnLst>
+                              <p:par>
+                                <p:cTn id="13" presetID="1" presetClass="entr" presetSubtype="0" fill="hold" grpId="0" nodeType="clickEffect">
+                                  <p:stCondLst>
+                                    <p:cond delay="0"/>
+                                  </p:stCondLst>
+                                  <p:childTnLst>
+                                    <p:set>
+                                      <p:cBhvr>
+                                        <p:cTn id="14" dur="1" fill="hold">
+                                          <p:stCondLst>
+                                            <p:cond delay="0"/>
+                                          </p:stCondLst>
+                                        </p:cTn>
+                                        <p:tgtEl>
+                                          <p:spTgt spid="23"/>
+                                        </p:tgtEl>
+                                        <p:attrNameLst>
+                                          <p:attrName>style.visibility</p:attrName>
+                                        </p:attrNameLst>
+                                      </p:cBhvr>
+                                      <p:to>
+                                        <p:strVal val="visible"/>
+                                      </p:to>
+                                    </p:set>
+                                  </p:childTnLst>
+                                </p:cTn>
+                              </p:par>
+                              <p:par>
+                                <p:cTn id="15" presetID="1" presetClass="entr" presetSubtype="0" fill="hold" grpId="0" nodeType="withEffect">
+                                  <p:stCondLst>
+                                    <p:cond delay="0"/>
+                                  </p:stCondLst>
+                                  <p:childTnLst>
+                                    <p:set>
+                                      <p:cBhvr>
+                                        <p:cTn id="16" dur="1" fill="hold">
+                                          <p:stCondLst>
+                                            <p:cond delay="0"/>
+                                          </p:stCondLst>
+                                        </p:cTn>
+                                        <p:tgtEl>
+                                          <p:spTgt spid="19"/>
+                                        </p:tgtEl>
+                                        <p:attrNameLst>
+                                          <p:attrName>style.visibility</p:attrName>
+                                        </p:attrNameLst>
+                                      </p:cBhvr>
+                                      <p:to>
+                                        <p:strVal val="visible"/>
+                                      </p:to>
+                                    </p:set>
+                                  </p:childTnLst>
+                                </p:cTn>
+                              </p:par>
+                            </p:childTnLst>
+                          </p:cTn>
+                        </p:par>
+                      </p:childTnLst>
+                    </p:cTn>
+                  </p:par>
+                </p:childTnLst>
+              </p:cTn>
+              <p:prevCondLst>
+                <p:cond evt="onPrev" delay="0">
+                  <p:tgtEl>
+                    <p:sldTgt/>
+                  </p:tgtEl>
+                </p:cond>
+              </p:prevCondLst>
+              <p:nextCondLst>
+                <p:cond evt="onNext" delay="0">
+                  <p:tgtEl>
+                    <p:sldTgt/>
+                  </p:tgtEl>
+                </p:cond>
+              </p:nextCondLst>
+            </p:seq>
+          </p:childTnLst>
+        </p:cTn>
+      </p:par>
+    </p:tnLst>
+    <p:bldLst>
+      <p:bldP spid="23" grpId="0" animBg="1"/>
+      <p:bldP spid="19" grpId="0" animBg="1"/>
+    </p:bldLst>
+  </p:timing>
+</p:sld>
+</file>
+
+<file path=ppt/slides/slide21.xml><?xml version="1.0" encoding="utf-8"?>
+<p:sld xmlns:a="http://schemas.openxmlformats.org/drawingml/2006/main" xmlns:r="http://schemas.openxmlformats.org/officeDocument/2006/relationships" xmlns:p="http://schemas.openxmlformats.org/presentationml/2006/main">
+  <p:cSld>
+    <p:spTree>
+      <p:nvGrpSpPr>
+        <p:cNvPr id="1" name=""/>
+        <p:cNvGrpSpPr/>
+        <p:nvPr/>
+      </p:nvGrpSpPr>
+      <p:grpSpPr>
+        <a:xfrm>
+          <a:off x="0" y="0"/>
+          <a:ext cx="0" cy="0"/>
+          <a:chOff x="0" y="0"/>
+          <a:chExt cx="0" cy="0"/>
+        </a:xfrm>
+      </p:grpSpPr>
       <p:pic>
         <p:nvPicPr>
           <p:cNvPr id="3082" name="Picture 10" descr="Ð ÐµÐ·ÑÐ»ÑÐ°Ñ Ñ Ð¸Ð·Ð¾Ð±ÑÐ°Ð¶ÐµÐ½Ð¸Ðµ Ð·Ð° sql server png">
@@ -20623,7 +21144,7 @@
 </p:sld>
 </file>
 
-<file path=ppt/slides/slide21.xml><?xml version="1.0" encoding="utf-8"?>
+<file path=ppt/slides/slide22.xml><?xml version="1.0" encoding="utf-8"?>
 <p:sld xmlns:a="http://schemas.openxmlformats.org/drawingml/2006/main" xmlns:r="http://schemas.openxmlformats.org/officeDocument/2006/relationships" xmlns:p="http://schemas.openxmlformats.org/presentationml/2006/main">
   <p:cSld>
     <p:spTree>
@@ -21246,7 +21767,7 @@
             <a:fld id="{2BF067CD-8E6B-4360-9AA8-C5DF2A48A6D1}" type="slidenum">
               <a:rPr lang="en-US" noProof="0" smtClean="0"/>
               <a:pPr/>
-              <a:t>21</a:t>
+              <a:t>22</a:t>
             </a:fld>
             <a:endParaRPr lang="en-US" noProof="0" dirty="0"/>
           </a:p>
@@ -21628,7 +22149,7 @@
 </p:sld>
 </file>
 
-<file path=ppt/slides/slide22.xml><?xml version="1.0" encoding="utf-8"?>
+<file path=ppt/slides/slide23.xml><?xml version="1.0" encoding="utf-8"?>
 <p:sld xmlns:a="http://schemas.openxmlformats.org/drawingml/2006/main" xmlns:r="http://schemas.openxmlformats.org/officeDocument/2006/relationships" xmlns:p="http://schemas.openxmlformats.org/presentationml/2006/main">
   <p:cSld>
     <p:spTree>
@@ -22076,7 +22597,7 @@
             <a:fld id="{2BF067CD-8E6B-4360-9AA8-C5DF2A48A6D1}" type="slidenum">
               <a:rPr lang="en-US" noProof="0" smtClean="0"/>
               <a:pPr/>
-              <a:t>22</a:t>
+              <a:t>23</a:t>
             </a:fld>
             <a:endParaRPr lang="en-US" noProof="0" dirty="0"/>
           </a:p>
@@ -22103,7 +22624,7 @@
 </p:sld>
 </file>
 
-<file path=ppt/slides/slide23.xml><?xml version="1.0" encoding="utf-8"?>
+<file path=ppt/slides/slide24.xml><?xml version="1.0" encoding="utf-8"?>
 <p:sld xmlns:a="http://schemas.openxmlformats.org/drawingml/2006/main" xmlns:r="http://schemas.openxmlformats.org/officeDocument/2006/relationships" xmlns:p="http://schemas.openxmlformats.org/presentationml/2006/main">
   <p:cSld>
     <p:spTree>
@@ -22546,7 +23067,7 @@
             <a:fld id="{2BF067CD-8E6B-4360-9AA8-C5DF2A48A6D1}" type="slidenum">
               <a:rPr lang="en-US" noProof="0" smtClean="0"/>
               <a:pPr/>
-              <a:t>23</a:t>
+              <a:t>24</a:t>
             </a:fld>
             <a:endParaRPr lang="en-US" noProof="0" dirty="0"/>
           </a:p>
@@ -22977,7 +23498,7 @@
 </p:sld>
 </file>
 
-<file path=ppt/slides/slide24.xml><?xml version="1.0" encoding="utf-8"?>
+<file path=ppt/slides/slide25.xml><?xml version="1.0" encoding="utf-8"?>
 <p:sld xmlns:a="http://schemas.openxmlformats.org/drawingml/2006/main" xmlns:r="http://schemas.openxmlformats.org/officeDocument/2006/relationships" xmlns:p="http://schemas.openxmlformats.org/presentationml/2006/main">
   <p:cSld>
     <p:spTree>
@@ -23131,7 +23652,7 @@
             <a:fld id="{2BF067CD-8E6B-4360-9AA8-C5DF2A48A6D1}" type="slidenum">
               <a:rPr lang="en-US" noProof="0" smtClean="0"/>
               <a:pPr/>
-              <a:t>24</a:t>
+              <a:t>25</a:t>
             </a:fld>
             <a:endParaRPr lang="en-US" noProof="0" dirty="0"/>
           </a:p>
@@ -23158,7 +23679,7 @@
 </p:sld>
 </file>
 
-<file path=ppt/slides/slide25.xml><?xml version="1.0" encoding="utf-8"?>
+<file path=ppt/slides/slide26.xml><?xml version="1.0" encoding="utf-8"?>
 <p:sld xmlns:a="http://schemas.openxmlformats.org/drawingml/2006/main" xmlns:r="http://schemas.openxmlformats.org/officeDocument/2006/relationships" xmlns:p="http://schemas.openxmlformats.org/presentationml/2006/main">
   <p:cSld>
     <p:spTree>
@@ -23341,7 +23862,7 @@
             <a:fld id="{2BF067CD-8E6B-4360-9AA8-C5DF2A48A6D1}" type="slidenum">
               <a:rPr lang="en-US" noProof="0" smtClean="0"/>
               <a:pPr/>
-              <a:t>25</a:t>
+              <a:t>26</a:t>
             </a:fld>
             <a:endParaRPr lang="en-US" noProof="0" dirty="0"/>
           </a:p>
@@ -23447,7 +23968,7 @@
 </p:sld>
 </file>
 
-<file path=ppt/slides/slide26.xml><?xml version="1.0" encoding="utf-8"?>
+<file path=ppt/slides/slide27.xml><?xml version="1.0" encoding="utf-8"?>
 <p:sld xmlns:a="http://schemas.openxmlformats.org/drawingml/2006/main" xmlns:r="http://schemas.openxmlformats.org/officeDocument/2006/relationships" xmlns:p="http://schemas.openxmlformats.org/presentationml/2006/main">
   <p:cSld>
     <p:spTree>
@@ -24060,7 +24581,7 @@
             <a:fld id="{2BF067CD-8E6B-4360-9AA8-C5DF2A48A6D1}" type="slidenum">
               <a:rPr lang="en-US" noProof="0" smtClean="0"/>
               <a:pPr/>
-              <a:t>26</a:t>
+              <a:t>27</a:t>
             </a:fld>
             <a:endParaRPr lang="en-US" noProof="0" dirty="0"/>
           </a:p>
@@ -24442,7 +24963,7 @@
 </p:sld>
 </file>
 
-<file path=ppt/slides/slide27.xml><?xml version="1.0" encoding="utf-8"?>
+<file path=ppt/slides/slide28.xml><?xml version="1.0" encoding="utf-8"?>
 <p:sld xmlns:a="http://schemas.openxmlformats.org/drawingml/2006/main" xmlns:r="http://schemas.openxmlformats.org/officeDocument/2006/relationships" xmlns:p="http://schemas.openxmlformats.org/presentationml/2006/main">
   <p:cSld>
     <p:spTree>
@@ -24632,7 +25153,7 @@
 </p:sld>
 </file>
 
-<file path=ppt/slides/slide28.xml><?xml version="1.0" encoding="utf-8"?>
+<file path=ppt/slides/slide29.xml><?xml version="1.0" encoding="utf-8"?>
 <p:sld xmlns:a="http://schemas.openxmlformats.org/drawingml/2006/main" xmlns:r="http://schemas.openxmlformats.org/officeDocument/2006/relationships" xmlns:p="http://schemas.openxmlformats.org/presentationml/2006/main">
   <p:cSld>
     <p:spTree>
@@ -24988,7 +25509,7 @@
             <a:fld id="{2BF067CD-8E6B-4360-9AA8-C5DF2A48A6D1}" type="slidenum">
               <a:rPr lang="en-US" noProof="0" smtClean="0"/>
               <a:pPr/>
-              <a:t>28</a:t>
+              <a:t>29</a:t>
             </a:fld>
             <a:endParaRPr lang="en-US" noProof="0" dirty="0"/>
           </a:p>

--- a/Courses/Software-Sciences/Module-3-Databases-New/02-DBMS/02-DBMS.pptx
+++ b/Courses/Software-Sciences/Module-3-Databases-New/02-DBMS/02-DBMS.pptx
@@ -5,10 +5,10 @@
     <p:sldMasterId id="2147483675" r:id="rId1"/>
   </p:sldMasterIdLst>
   <p:notesMasterIdLst>
-    <p:notesMasterId r:id="rId31"/>
+    <p:notesMasterId r:id="rId36"/>
   </p:notesMasterIdLst>
   <p:handoutMasterIdLst>
-    <p:handoutMasterId r:id="rId32"/>
+    <p:handoutMasterId r:id="rId37"/>
   </p:handoutMasterIdLst>
   <p:sldIdLst>
     <p:sldId id="627" r:id="rId2"/>
@@ -20,26 +20,31 @@
     <p:sldId id="1196" r:id="rId8"/>
     <p:sldId id="1228" r:id="rId9"/>
     <p:sldId id="1197" r:id="rId10"/>
-    <p:sldId id="1240" r:id="rId11"/>
-    <p:sldId id="1241" r:id="rId12"/>
-    <p:sldId id="1187" r:id="rId13"/>
-    <p:sldId id="1188" r:id="rId14"/>
-    <p:sldId id="1200" r:id="rId15"/>
-    <p:sldId id="1189" r:id="rId16"/>
-    <p:sldId id="1190" r:id="rId17"/>
-    <p:sldId id="1239" r:id="rId18"/>
-    <p:sldId id="1236" r:id="rId19"/>
-    <p:sldId id="1237" r:id="rId20"/>
-    <p:sldId id="1238" r:id="rId21"/>
-    <p:sldId id="1229" r:id="rId22"/>
-    <p:sldId id="1230" r:id="rId23"/>
-    <p:sldId id="1231" r:id="rId24"/>
-    <p:sldId id="1232" r:id="rId25"/>
-    <p:sldId id="1233" r:id="rId26"/>
-    <p:sldId id="1234" r:id="rId27"/>
-    <p:sldId id="349" r:id="rId28"/>
-    <p:sldId id="504" r:id="rId29"/>
-    <p:sldId id="505" r:id="rId30"/>
+    <p:sldId id="1246" r:id="rId11"/>
+    <p:sldId id="1240" r:id="rId12"/>
+    <p:sldId id="1241" r:id="rId13"/>
+    <p:sldId id="1242" r:id="rId14"/>
+    <p:sldId id="1243" r:id="rId15"/>
+    <p:sldId id="1244" r:id="rId16"/>
+    <p:sldId id="1245" r:id="rId17"/>
+    <p:sldId id="1187" r:id="rId18"/>
+    <p:sldId id="1188" r:id="rId19"/>
+    <p:sldId id="1200" r:id="rId20"/>
+    <p:sldId id="1189" r:id="rId21"/>
+    <p:sldId id="1190" r:id="rId22"/>
+    <p:sldId id="1239" r:id="rId23"/>
+    <p:sldId id="1236" r:id="rId24"/>
+    <p:sldId id="1237" r:id="rId25"/>
+    <p:sldId id="1238" r:id="rId26"/>
+    <p:sldId id="1229" r:id="rId27"/>
+    <p:sldId id="1230" r:id="rId28"/>
+    <p:sldId id="1231" r:id="rId29"/>
+    <p:sldId id="1232" r:id="rId30"/>
+    <p:sldId id="1233" r:id="rId31"/>
+    <p:sldId id="1234" r:id="rId32"/>
+    <p:sldId id="349" r:id="rId33"/>
+    <p:sldId id="504" r:id="rId34"/>
+    <p:sldId id="505" r:id="rId35"/>
   </p:sldIdLst>
   <p:sldSz cx="12192000" cy="6858000"/>
   <p:notesSz cx="6858000" cy="9144000"/>
@@ -156,8 +161,13 @@
             <p14:sldId id="1196"/>
             <p14:sldId id="1228"/>
             <p14:sldId id="1197"/>
+            <p14:sldId id="1246"/>
             <p14:sldId id="1240"/>
             <p14:sldId id="1241"/>
+            <p14:sldId id="1242"/>
+            <p14:sldId id="1243"/>
+            <p14:sldId id="1244"/>
+            <p14:sldId id="1245"/>
           </p14:sldIdLst>
         </p14:section>
         <p14:section name="Релационни БД" id="{3745F6D7-2AC2-4357-A966-2B713D2F393F}">
@@ -504,7 +514,7 @@
           <a:p>
             <a:fld id="{4E087215-0C8F-4762-A664-737A353EC9A4}" type="datetimeFigureOut">
               <a:rPr lang="bg-BG" smtClean="0"/>
-              <a:t>23.2.2024 г.</a:t>
+              <a:t>25.2.2024 г.</a:t>
             </a:fld>
             <a:endParaRPr lang="bg-BG"/>
           </a:p>
@@ -700,7 +710,7 @@
           <a:p>
             <a:fld id="{72D84649-876A-46C9-8472-14CB09C070D8}" type="datetimeFigureOut">
               <a:rPr lang="en-US" smtClean="0"/>
-              <a:t>2/23/2024</a:t>
+              <a:t>2/25/2024</a:t>
             </a:fld>
             <a:endParaRPr lang="en-US"/>
           </a:p>
@@ -1176,18 +1186,26 @@
           <a:bodyPr/>
           <a:lstStyle/>
           <a:p>
+            <a:r>
+              <a:rPr lang="en-US" dirty="0"/>
+              <a:t>The table is the</a:t>
+            </a:r>
+            <a:r>
+              <a:rPr lang="en-US" baseline="0" dirty="0"/>
+              <a:t> main unit of data storage. It has rows, columns and cells. Cells contain stored data. Each column has a data type. Types can be VARCHAR(String), INT, DATE etc.</a:t>
+            </a:r>
             <a:endParaRPr lang="en-US" dirty="0"/>
           </a:p>
         </p:txBody>
       </p:sp>
       <p:sp>
         <p:nvSpPr>
-          <p:cNvPr id="4" name="Slide Number Placeholder 3"/>
+          <p:cNvPr id="5" name="Slide Number Placeholder 4"/>
           <p:cNvSpPr>
             <a:spLocks noGrp="1"/>
           </p:cNvSpPr>
           <p:nvPr>
-            <p:ph type="sldNum" sz="quarter" idx="5"/>
+            <p:ph type="sldNum" sz="quarter" idx="11"/>
           </p:nvPr>
         </p:nvSpPr>
         <p:spPr/>
@@ -1195,7 +1213,7 @@
           <a:bodyPr/>
           <a:lstStyle/>
           <a:p>
-            <a:fld id="{2BF067CD-8E6B-4360-9AA8-C5DF2A48A6D1}" type="slidenum">
+            <a:fld id="{3EBA5BD7-F043-4D1B-AA17-CD412FC534DE}" type="slidenum">
               <a:rPr lang="en-US" smtClean="0"/>
               <a:pPr/>
               <a:t>20</a:t>
@@ -1206,10 +1224,10 @@
       </p:sp>
       <p:sp>
         <p:nvSpPr>
-          <p:cNvPr id="6" name="Footer Placeholder 7">
+          <p:cNvPr id="4" name="Footer Placeholder 7">
             <a:extLst>
               <a:ext uri="{FF2B5EF4-FFF2-40B4-BE49-F238E27FC236}">
-                <a16:creationId xmlns:a16="http://schemas.microsoft.com/office/drawing/2014/main" id="{5FD6BE1D-71A3-2260-39D0-05655C266869}"/>
+                <a16:creationId xmlns:a16="http://schemas.microsoft.com/office/drawing/2014/main" id="{3C6E4365-C2C6-EADC-E2EB-76A5CDFDE20C}"/>
               </a:ext>
             </a:extLst>
           </p:cNvPr>
@@ -1262,7 +1280,7 @@
     </p:spTree>
     <p:extLst>
       <p:ext uri="{BB962C8B-B14F-4D97-AF65-F5344CB8AC3E}">
-        <p14:creationId xmlns:p14="http://schemas.microsoft.com/office/powerpoint/2010/main" val="4004706591"/>
+        <p14:creationId xmlns:p14="http://schemas.microsoft.com/office/powerpoint/2010/main" val="2324145607"/>
       </p:ext>
     </p:extLst>
   </p:cSld>
@@ -1316,89 +1334,135 @@
           <a:bodyPr/>
           <a:lstStyle/>
           <a:p>
-            <a:r>
-              <a:rPr lang="en-US" sz="1200" kern="1200" dirty="0">
-                <a:solidFill>
-                  <a:schemeClr val="tx1"/>
-                </a:solidFill>
-                <a:latin typeface="+mn-lt"/>
-                <a:ea typeface="+mn-ea"/>
-                <a:cs typeface="+mn-cs"/>
-              </a:rPr>
-              <a:t>DECLARE @VarcharVar VARCHAR(5) = 'Test';</a:t>
-            </a:r>
-          </a:p>
-          <a:p>
-            <a:r>
-              <a:rPr lang="en-US" sz="1200" kern="1200" dirty="0">
-                <a:solidFill>
-                  <a:schemeClr val="tx1"/>
-                </a:solidFill>
-                <a:latin typeface="+mn-lt"/>
-                <a:ea typeface="+mn-ea"/>
-                <a:cs typeface="+mn-cs"/>
-              </a:rPr>
-              <a:t>DECLARE @NVarcharVar NVARCHAR(5) = 'Test';</a:t>
-            </a:r>
-          </a:p>
-          <a:p>
-            <a:r>
-              <a:rPr lang="en-US" sz="1200" kern="1200" dirty="0">
-                <a:solidFill>
-                  <a:schemeClr val="tx1"/>
-                </a:solidFill>
-                <a:latin typeface="+mn-lt"/>
-                <a:ea typeface="+mn-ea"/>
-                <a:cs typeface="+mn-cs"/>
-              </a:rPr>
-              <a:t>DECLARE @Char CHAR(5) = 'Test';</a:t>
-            </a:r>
-          </a:p>
-          <a:p>
-            <a:endParaRPr lang="en-US" sz="1200" kern="1200" dirty="0">
-              <a:solidFill>
-                <a:schemeClr val="tx1"/>
-              </a:solidFill>
-              <a:latin typeface="+mn-lt"/>
-              <a:ea typeface="+mn-ea"/>
-              <a:cs typeface="+mn-cs"/>
-            </a:endParaRPr>
-          </a:p>
-          <a:p>
-            <a:r>
-              <a:rPr lang="en-US" sz="1200" kern="1200" dirty="0">
-                <a:solidFill>
-                  <a:schemeClr val="tx1"/>
-                </a:solidFill>
-                <a:latin typeface="+mn-lt"/>
-                <a:ea typeface="+mn-ea"/>
-                <a:cs typeface="+mn-cs"/>
-              </a:rPr>
-              <a:t>SELECT DATALENGTH(@VarcharVar), DATALENGTH(@NVarcharVar), DATALENGTH(@Char)</a:t>
-            </a:r>
             <a:endParaRPr lang="en-US" dirty="0"/>
           </a:p>
         </p:txBody>
       </p:sp>
       <p:sp>
         <p:nvSpPr>
-          <p:cNvPr id="4" name="Slide Number Placeholder 3"/>
-          <p:cNvSpPr>
-            <a:spLocks noGrp="1"/>
+          <p:cNvPr id="7" name="Slide Number Placeholder 5">
+            <a:extLst>
+              <a:ext uri="{FF2B5EF4-FFF2-40B4-BE49-F238E27FC236}">
+                <a16:creationId xmlns:a16="http://schemas.microsoft.com/office/drawing/2014/main" id="{BD88B0D8-949C-482D-990A-2DAB14AD4AD1}"/>
+              </a:ext>
+            </a:extLst>
+          </p:cNvPr>
+          <p:cNvSpPr txBox="1">
+            <a:spLocks/>
           </p:cNvSpPr>
-          <p:nvPr>
-            <p:ph type="sldNum" sz="quarter" idx="10"/>
-          </p:nvPr>
+          <p:nvPr/>
         </p:nvSpPr>
-        <p:spPr/>
+        <p:spPr>
+          <a:xfrm>
+            <a:off x="6488999" y="8847000"/>
+            <a:ext cx="367414" cy="297000"/>
+          </a:xfrm>
+          <a:prstGeom prst="rect">
+            <a:avLst/>
+          </a:prstGeom>
+        </p:spPr>
         <p:txBody>
-          <a:bodyPr/>
-          <a:lstStyle/>
-          <a:p>
-            <a:fld id="{2BF067CD-8E6B-4360-9AA8-C5DF2A48A6D1}" type="slidenum">
+          <a:bodyPr vert="horz" lIns="91440" tIns="45720" rIns="91440" bIns="45720" rtlCol="0" anchor="b"/>
+          <a:lstStyle>
+            <a:defPPr>
+              <a:defRPr lang="en-US"/>
+            </a:defPPr>
+            <a:lvl1pPr marL="0" algn="r" defTabSz="914400" rtl="0" eaLnBrk="1" latinLnBrk="0" hangingPunct="1">
+              <a:defRPr sz="1200" kern="1200">
+                <a:solidFill>
+                  <a:schemeClr val="tx1"/>
+                </a:solidFill>
+                <a:latin typeface="+mn-lt"/>
+                <a:ea typeface="+mn-ea"/>
+                <a:cs typeface="+mn-cs"/>
+              </a:defRPr>
+            </a:lvl1pPr>
+            <a:lvl2pPr marL="457200" algn="l" defTabSz="914400" rtl="0" eaLnBrk="1" latinLnBrk="0" hangingPunct="1">
+              <a:defRPr sz="1800" kern="1200">
+                <a:solidFill>
+                  <a:schemeClr val="tx1"/>
+                </a:solidFill>
+                <a:latin typeface="+mn-lt"/>
+                <a:ea typeface="+mn-ea"/>
+                <a:cs typeface="+mn-cs"/>
+              </a:defRPr>
+            </a:lvl2pPr>
+            <a:lvl3pPr marL="914400" algn="l" defTabSz="914400" rtl="0" eaLnBrk="1" latinLnBrk="0" hangingPunct="1">
+              <a:defRPr sz="1800" kern="1200">
+                <a:solidFill>
+                  <a:schemeClr val="tx1"/>
+                </a:solidFill>
+                <a:latin typeface="+mn-lt"/>
+                <a:ea typeface="+mn-ea"/>
+                <a:cs typeface="+mn-cs"/>
+              </a:defRPr>
+            </a:lvl3pPr>
+            <a:lvl4pPr marL="1371600" algn="l" defTabSz="914400" rtl="0" eaLnBrk="1" latinLnBrk="0" hangingPunct="1">
+              <a:defRPr sz="1800" kern="1200">
+                <a:solidFill>
+                  <a:schemeClr val="tx1"/>
+                </a:solidFill>
+                <a:latin typeface="+mn-lt"/>
+                <a:ea typeface="+mn-ea"/>
+                <a:cs typeface="+mn-cs"/>
+              </a:defRPr>
+            </a:lvl4pPr>
+            <a:lvl5pPr marL="1828800" algn="l" defTabSz="914400" rtl="0" eaLnBrk="1" latinLnBrk="0" hangingPunct="1">
+              <a:defRPr sz="1800" kern="1200">
+                <a:solidFill>
+                  <a:schemeClr val="tx1"/>
+                </a:solidFill>
+                <a:latin typeface="+mn-lt"/>
+                <a:ea typeface="+mn-ea"/>
+                <a:cs typeface="+mn-cs"/>
+              </a:defRPr>
+            </a:lvl5pPr>
+            <a:lvl6pPr marL="2286000" algn="l" defTabSz="914400" rtl="0" eaLnBrk="1" latinLnBrk="0" hangingPunct="1">
+              <a:defRPr sz="1800" kern="1200">
+                <a:solidFill>
+                  <a:schemeClr val="tx1"/>
+                </a:solidFill>
+                <a:latin typeface="+mn-lt"/>
+                <a:ea typeface="+mn-ea"/>
+                <a:cs typeface="+mn-cs"/>
+              </a:defRPr>
+            </a:lvl6pPr>
+            <a:lvl7pPr marL="2743200" algn="l" defTabSz="914400" rtl="0" eaLnBrk="1" latinLnBrk="0" hangingPunct="1">
+              <a:defRPr sz="1800" kern="1200">
+                <a:solidFill>
+                  <a:schemeClr val="tx1"/>
+                </a:solidFill>
+                <a:latin typeface="+mn-lt"/>
+                <a:ea typeface="+mn-ea"/>
+                <a:cs typeface="+mn-cs"/>
+              </a:defRPr>
+            </a:lvl7pPr>
+            <a:lvl8pPr marL="3200400" algn="l" defTabSz="914400" rtl="0" eaLnBrk="1" latinLnBrk="0" hangingPunct="1">
+              <a:defRPr sz="1800" kern="1200">
+                <a:solidFill>
+                  <a:schemeClr val="tx1"/>
+                </a:solidFill>
+                <a:latin typeface="+mn-lt"/>
+                <a:ea typeface="+mn-ea"/>
+                <a:cs typeface="+mn-cs"/>
+              </a:defRPr>
+            </a:lvl8pPr>
+            <a:lvl9pPr marL="3657600" algn="l" defTabSz="914400" rtl="0" eaLnBrk="1" latinLnBrk="0" hangingPunct="1">
+              <a:defRPr sz="1800" kern="1200">
+                <a:solidFill>
+                  <a:schemeClr val="tx1"/>
+                </a:solidFill>
+                <a:latin typeface="+mn-lt"/>
+                <a:ea typeface="+mn-ea"/>
+                <a:cs typeface="+mn-cs"/>
+              </a:defRPr>
+            </a:lvl9pPr>
+          </a:lstStyle>
+          <a:p>
+            <a:fld id="{3EBA5BD7-F043-4D1B-AA17-CD412FC534DE}" type="slidenum">
               <a:rPr lang="en-US" smtClean="0"/>
               <a:pPr/>
-              <a:t>22</a:t>
+              <a:t>23</a:t>
             </a:fld>
             <a:endParaRPr lang="en-US" dirty="0"/>
           </a:p>
@@ -1409,7 +1473,7 @@
           <p:cNvPr id="5" name="Footer Placeholder 7">
             <a:extLst>
               <a:ext uri="{FF2B5EF4-FFF2-40B4-BE49-F238E27FC236}">
-                <a16:creationId xmlns:a16="http://schemas.microsoft.com/office/drawing/2014/main" id="{7DFA047E-DE5C-0BC9-D80D-44995B117383}"/>
+                <a16:creationId xmlns:a16="http://schemas.microsoft.com/office/drawing/2014/main" id="{0595680F-3764-2EDC-1BBC-9E9756E08527}"/>
               </a:ext>
             </a:extLst>
           </p:cNvPr>
@@ -1462,7 +1526,7 @@
     </p:spTree>
     <p:extLst>
       <p:ext uri="{BB962C8B-B14F-4D97-AF65-F5344CB8AC3E}">
-        <p14:creationId xmlns:p14="http://schemas.microsoft.com/office/powerpoint/2010/main" val="2046401278"/>
+        <p14:creationId xmlns:p14="http://schemas.microsoft.com/office/powerpoint/2010/main" val="554297795"/>
       </p:ext>
     </p:extLst>
   </p:cSld>
@@ -1527,7 +1591,7 @@
             <a:spLocks noGrp="1"/>
           </p:cNvSpPr>
           <p:nvPr>
-            <p:ph type="sldNum" sz="quarter" idx="10"/>
+            <p:ph type="sldNum" sz="quarter" idx="5"/>
           </p:nvPr>
         </p:nvSpPr>
         <p:spPr/>
@@ -1538,7 +1602,7 @@
             <a:fld id="{2BF067CD-8E6B-4360-9AA8-C5DF2A48A6D1}" type="slidenum">
               <a:rPr lang="en-US" smtClean="0"/>
               <a:pPr/>
-              <a:t>24</a:t>
+              <a:t>25</a:t>
             </a:fld>
             <a:endParaRPr lang="en-US" dirty="0"/>
           </a:p>
@@ -1546,10 +1610,10 @@
       </p:sp>
       <p:sp>
         <p:nvSpPr>
-          <p:cNvPr id="5" name="Footer Placeholder 7">
+          <p:cNvPr id="6" name="Footer Placeholder 7">
             <a:extLst>
               <a:ext uri="{FF2B5EF4-FFF2-40B4-BE49-F238E27FC236}">
-                <a16:creationId xmlns:a16="http://schemas.microsoft.com/office/drawing/2014/main" id="{432F0EBF-2C26-7E82-0ECF-6970F3FE1DAF}"/>
+                <a16:creationId xmlns:a16="http://schemas.microsoft.com/office/drawing/2014/main" id="{5FD6BE1D-71A3-2260-39D0-05655C266869}"/>
               </a:ext>
             </a:extLst>
           </p:cNvPr>
@@ -1602,7 +1666,7 @@
     </p:spTree>
     <p:extLst>
       <p:ext uri="{BB962C8B-B14F-4D97-AF65-F5344CB8AC3E}">
-        <p14:creationId xmlns:p14="http://schemas.microsoft.com/office/powerpoint/2010/main" val="2106275876"/>
+        <p14:creationId xmlns:p14="http://schemas.microsoft.com/office/powerpoint/2010/main" val="4004706591"/>
       </p:ext>
     </p:extLst>
   </p:cSld>
@@ -1656,7 +1720,67 @@
           <a:bodyPr/>
           <a:lstStyle/>
           <a:p>
-            <a:endParaRPr lang="en-US"/>
+            <a:r>
+              <a:rPr lang="en-US" sz="1200" kern="1200" dirty="0">
+                <a:solidFill>
+                  <a:schemeClr val="tx1"/>
+                </a:solidFill>
+                <a:latin typeface="+mn-lt"/>
+                <a:ea typeface="+mn-ea"/>
+                <a:cs typeface="+mn-cs"/>
+              </a:rPr>
+              <a:t>DECLARE @VarcharVar VARCHAR(5) = 'Test';</a:t>
+            </a:r>
+          </a:p>
+          <a:p>
+            <a:r>
+              <a:rPr lang="en-US" sz="1200" kern="1200" dirty="0">
+                <a:solidFill>
+                  <a:schemeClr val="tx1"/>
+                </a:solidFill>
+                <a:latin typeface="+mn-lt"/>
+                <a:ea typeface="+mn-ea"/>
+                <a:cs typeface="+mn-cs"/>
+              </a:rPr>
+              <a:t>DECLARE @NVarcharVar NVARCHAR(5) = 'Test';</a:t>
+            </a:r>
+          </a:p>
+          <a:p>
+            <a:r>
+              <a:rPr lang="en-US" sz="1200" kern="1200" dirty="0">
+                <a:solidFill>
+                  <a:schemeClr val="tx1"/>
+                </a:solidFill>
+                <a:latin typeface="+mn-lt"/>
+                <a:ea typeface="+mn-ea"/>
+                <a:cs typeface="+mn-cs"/>
+              </a:rPr>
+              <a:t>DECLARE @Char CHAR(5) = 'Test';</a:t>
+            </a:r>
+          </a:p>
+          <a:p>
+            <a:endParaRPr lang="en-US" sz="1200" kern="1200" dirty="0">
+              <a:solidFill>
+                <a:schemeClr val="tx1"/>
+              </a:solidFill>
+              <a:latin typeface="+mn-lt"/>
+              <a:ea typeface="+mn-ea"/>
+              <a:cs typeface="+mn-cs"/>
+            </a:endParaRPr>
+          </a:p>
+          <a:p>
+            <a:r>
+              <a:rPr lang="en-US" sz="1200" kern="1200" dirty="0">
+                <a:solidFill>
+                  <a:schemeClr val="tx1"/>
+                </a:solidFill>
+                <a:latin typeface="+mn-lt"/>
+                <a:ea typeface="+mn-ea"/>
+                <a:cs typeface="+mn-cs"/>
+              </a:rPr>
+              <a:t>SELECT DATALENGTH(@VarcharVar), DATALENGTH(@NVarcharVar), DATALENGTH(@Char)</a:t>
+            </a:r>
+            <a:endParaRPr lang="en-US" dirty="0"/>
           </a:p>
         </p:txBody>
       </p:sp>
@@ -1667,7 +1791,7 @@
             <a:spLocks noGrp="1"/>
           </p:cNvSpPr>
           <p:nvPr>
-            <p:ph type="sldNum" sz="quarter" idx="5"/>
+            <p:ph type="sldNum" sz="quarter" idx="10"/>
           </p:nvPr>
         </p:nvSpPr>
         <p:spPr/>
@@ -1677,7 +1801,8 @@
           <a:p>
             <a:fld id="{2BF067CD-8E6B-4360-9AA8-C5DF2A48A6D1}" type="slidenum">
               <a:rPr lang="en-US" smtClean="0"/>
-              <a:t>26</a:t>
+              <a:pPr/>
+              <a:t>27</a:t>
             </a:fld>
             <a:endParaRPr lang="en-US" dirty="0"/>
           </a:p>
@@ -1685,7 +1810,13 @@
       </p:sp>
       <p:sp>
         <p:nvSpPr>
-          <p:cNvPr id="5" name="Footer Placeholder 4"/>
+          <p:cNvPr id="5" name="Footer Placeholder 7">
+            <a:extLst>
+              <a:ext uri="{FF2B5EF4-FFF2-40B4-BE49-F238E27FC236}">
+                <a16:creationId xmlns:a16="http://schemas.microsoft.com/office/drawing/2014/main" id="{7DFA047E-DE5C-0BC9-D80D-44995B117383}"/>
+              </a:ext>
+            </a:extLst>
+          </p:cNvPr>
           <p:cNvSpPr>
             <a:spLocks noGrp="1"/>
           </p:cNvSpPr>
@@ -1693,25 +1824,37 @@
             <p:ph type="ftr" sz="quarter" idx="4"/>
           </p:nvPr>
         </p:nvSpPr>
-        <p:spPr/>
+        <p:spPr>
+          <a:xfrm>
+            <a:off x="-1" y="8892000"/>
+            <a:ext cx="6488999" cy="252000"/>
+          </a:xfrm>
+          <a:prstGeom prst="rect">
+            <a:avLst/>
+          </a:prstGeom>
+        </p:spPr>
         <p:txBody>
-          <a:bodyPr/>
-          <a:lstStyle/>
-          <a:p>
-            <a:r>
-              <a:rPr lang="bg-BG" sz="1100"/>
+          <a:bodyPr vert="horz" lIns="91440" tIns="45720" rIns="91440" bIns="45720" rtlCol="0" anchor="b"/>
+          <a:lstStyle>
+            <a:lvl1pPr algn="l">
+              <a:defRPr sz="1100"/>
+            </a:lvl1pPr>
+          </a:lstStyle>
+          <a:p>
+            <a:r>
+              <a:rPr lang="bg-BG" sz="1100" dirty="0"/>
               <a:t>Работна група </a:t>
             </a:r>
             <a:r>
-              <a:rPr lang="bg-BG"/>
+              <a:rPr lang="bg-BG" dirty="0"/>
               <a:t>"Образование по програмиране и ИТ"</a:t>
             </a:r>
             <a:r>
-              <a:rPr lang="bg-BG" sz="1100"/>
+              <a:rPr lang="bg-BG" sz="1100" dirty="0"/>
               <a:t>, с подкрепата на </a:t>
             </a:r>
             <a:r>
-              <a:rPr lang="en-US" sz="1100">
+              <a:rPr lang="en-US" sz="1100" dirty="0">
                 <a:hlinkClick r:id="rId3"/>
               </a:rPr>
               <a:t>SoftUni</a:t>
@@ -1723,7 +1866,7 @@
     </p:spTree>
     <p:extLst>
       <p:ext uri="{BB962C8B-B14F-4D97-AF65-F5344CB8AC3E}">
-        <p14:creationId xmlns:p14="http://schemas.microsoft.com/office/powerpoint/2010/main" val="2526416516"/>
+        <p14:creationId xmlns:p14="http://schemas.microsoft.com/office/powerpoint/2010/main" val="2046401278"/>
       </p:ext>
     </p:extLst>
   </p:cSld>
@@ -1783,129 +1926,23 @@
       </p:sp>
       <p:sp>
         <p:nvSpPr>
-          <p:cNvPr id="7" name="Slide Number Placeholder 5">
-            <a:extLst>
-              <a:ext uri="{FF2B5EF4-FFF2-40B4-BE49-F238E27FC236}">
-                <a16:creationId xmlns:a16="http://schemas.microsoft.com/office/drawing/2014/main" id="{E65F1CA9-65DC-416B-8882-B3A5E415CE67}"/>
-              </a:ext>
-            </a:extLst>
-          </p:cNvPr>
-          <p:cNvSpPr txBox="1">
-            <a:spLocks/>
+          <p:cNvPr id="4" name="Slide Number Placeholder 3"/>
+          <p:cNvSpPr>
+            <a:spLocks noGrp="1"/>
           </p:cNvSpPr>
-          <p:nvPr/>
+          <p:nvPr>
+            <p:ph type="sldNum" sz="quarter" idx="10"/>
+          </p:nvPr>
         </p:nvSpPr>
-        <p:spPr>
-          <a:xfrm>
-            <a:off x="6488999" y="8847000"/>
-            <a:ext cx="367414" cy="297000"/>
-          </a:xfrm>
-          <a:prstGeom prst="rect">
-            <a:avLst/>
-          </a:prstGeom>
-        </p:spPr>
+        <p:spPr/>
         <p:txBody>
-          <a:bodyPr vert="horz" lIns="91440" tIns="45720" rIns="91440" bIns="45720" rtlCol="0" anchor="b"/>
-          <a:lstStyle>
-            <a:defPPr>
-              <a:defRPr lang="en-US"/>
-            </a:defPPr>
-            <a:lvl1pPr marL="0" algn="r" defTabSz="914400" rtl="0" eaLnBrk="1" latinLnBrk="0" hangingPunct="1">
-              <a:defRPr sz="1200" kern="1200">
-                <a:solidFill>
-                  <a:schemeClr val="tx1"/>
-                </a:solidFill>
-                <a:latin typeface="+mn-lt"/>
-                <a:ea typeface="+mn-ea"/>
-                <a:cs typeface="+mn-cs"/>
-              </a:defRPr>
-            </a:lvl1pPr>
-            <a:lvl2pPr marL="457200" algn="l" defTabSz="914400" rtl="0" eaLnBrk="1" latinLnBrk="0" hangingPunct="1">
-              <a:defRPr sz="1800" kern="1200">
-                <a:solidFill>
-                  <a:schemeClr val="tx1"/>
-                </a:solidFill>
-                <a:latin typeface="+mn-lt"/>
-                <a:ea typeface="+mn-ea"/>
-                <a:cs typeface="+mn-cs"/>
-              </a:defRPr>
-            </a:lvl2pPr>
-            <a:lvl3pPr marL="914400" algn="l" defTabSz="914400" rtl="0" eaLnBrk="1" latinLnBrk="0" hangingPunct="1">
-              <a:defRPr sz="1800" kern="1200">
-                <a:solidFill>
-                  <a:schemeClr val="tx1"/>
-                </a:solidFill>
-                <a:latin typeface="+mn-lt"/>
-                <a:ea typeface="+mn-ea"/>
-                <a:cs typeface="+mn-cs"/>
-              </a:defRPr>
-            </a:lvl3pPr>
-            <a:lvl4pPr marL="1371600" algn="l" defTabSz="914400" rtl="0" eaLnBrk="1" latinLnBrk="0" hangingPunct="1">
-              <a:defRPr sz="1800" kern="1200">
-                <a:solidFill>
-                  <a:schemeClr val="tx1"/>
-                </a:solidFill>
-                <a:latin typeface="+mn-lt"/>
-                <a:ea typeface="+mn-ea"/>
-                <a:cs typeface="+mn-cs"/>
-              </a:defRPr>
-            </a:lvl4pPr>
-            <a:lvl5pPr marL="1828800" algn="l" defTabSz="914400" rtl="0" eaLnBrk="1" latinLnBrk="0" hangingPunct="1">
-              <a:defRPr sz="1800" kern="1200">
-                <a:solidFill>
-                  <a:schemeClr val="tx1"/>
-                </a:solidFill>
-                <a:latin typeface="+mn-lt"/>
-                <a:ea typeface="+mn-ea"/>
-                <a:cs typeface="+mn-cs"/>
-              </a:defRPr>
-            </a:lvl5pPr>
-            <a:lvl6pPr marL="2286000" algn="l" defTabSz="914400" rtl="0" eaLnBrk="1" latinLnBrk="0" hangingPunct="1">
-              <a:defRPr sz="1800" kern="1200">
-                <a:solidFill>
-                  <a:schemeClr val="tx1"/>
-                </a:solidFill>
-                <a:latin typeface="+mn-lt"/>
-                <a:ea typeface="+mn-ea"/>
-                <a:cs typeface="+mn-cs"/>
-              </a:defRPr>
-            </a:lvl6pPr>
-            <a:lvl7pPr marL="2743200" algn="l" defTabSz="914400" rtl="0" eaLnBrk="1" latinLnBrk="0" hangingPunct="1">
-              <a:defRPr sz="1800" kern="1200">
-                <a:solidFill>
-                  <a:schemeClr val="tx1"/>
-                </a:solidFill>
-                <a:latin typeface="+mn-lt"/>
-                <a:ea typeface="+mn-ea"/>
-                <a:cs typeface="+mn-cs"/>
-              </a:defRPr>
-            </a:lvl7pPr>
-            <a:lvl8pPr marL="3200400" algn="l" defTabSz="914400" rtl="0" eaLnBrk="1" latinLnBrk="0" hangingPunct="1">
-              <a:defRPr sz="1800" kern="1200">
-                <a:solidFill>
-                  <a:schemeClr val="tx1"/>
-                </a:solidFill>
-                <a:latin typeface="+mn-lt"/>
-                <a:ea typeface="+mn-ea"/>
-                <a:cs typeface="+mn-cs"/>
-              </a:defRPr>
-            </a:lvl8pPr>
-            <a:lvl9pPr marL="3657600" algn="l" defTabSz="914400" rtl="0" eaLnBrk="1" latinLnBrk="0" hangingPunct="1">
-              <a:defRPr sz="1800" kern="1200">
-                <a:solidFill>
-                  <a:schemeClr val="tx1"/>
-                </a:solidFill>
-                <a:latin typeface="+mn-lt"/>
-                <a:ea typeface="+mn-ea"/>
-                <a:cs typeface="+mn-cs"/>
-              </a:defRPr>
-            </a:lvl9pPr>
-          </a:lstStyle>
-          <a:p>
-            <a:fld id="{3EBA5BD7-F043-4D1B-AA17-CD412FC534DE}" type="slidenum">
+          <a:bodyPr/>
+          <a:lstStyle/>
+          <a:p>
+            <a:fld id="{2BF067CD-8E6B-4360-9AA8-C5DF2A48A6D1}" type="slidenum">
               <a:rPr lang="en-US" smtClean="0"/>
               <a:pPr/>
-              <a:t>27</a:t>
+              <a:t>29</a:t>
             </a:fld>
             <a:endParaRPr lang="en-US" dirty="0"/>
           </a:p>
@@ -1916,7 +1953,7 @@
           <p:cNvPr id="5" name="Footer Placeholder 7">
             <a:extLst>
               <a:ext uri="{FF2B5EF4-FFF2-40B4-BE49-F238E27FC236}">
-                <a16:creationId xmlns:a16="http://schemas.microsoft.com/office/drawing/2014/main" id="{8993A9AB-532D-B376-9548-9593DEC1AE87}"/>
+                <a16:creationId xmlns:a16="http://schemas.microsoft.com/office/drawing/2014/main" id="{432F0EBF-2C26-7E82-0ECF-6970F3FE1DAF}"/>
               </a:ext>
             </a:extLst>
           </p:cNvPr>
@@ -1969,7 +2006,7 @@
     </p:spTree>
     <p:extLst>
       <p:ext uri="{BB962C8B-B14F-4D97-AF65-F5344CB8AC3E}">
-        <p14:creationId xmlns:p14="http://schemas.microsoft.com/office/powerpoint/2010/main" val="1225892421"/>
+        <p14:creationId xmlns:p14="http://schemas.microsoft.com/office/powerpoint/2010/main" val="2106275876"/>
       </p:ext>
     </p:extLst>
   </p:cSld>
@@ -2023,135 +2060,28 @@
           <a:bodyPr/>
           <a:lstStyle/>
           <a:p>
-            <a:endParaRPr lang="en-US" dirty="0"/>
+            <a:endParaRPr lang="en-US"/>
           </a:p>
         </p:txBody>
       </p:sp>
       <p:sp>
         <p:nvSpPr>
-          <p:cNvPr id="7" name="Slide Number Placeholder 5">
-            <a:extLst>
-              <a:ext uri="{FF2B5EF4-FFF2-40B4-BE49-F238E27FC236}">
-                <a16:creationId xmlns:a16="http://schemas.microsoft.com/office/drawing/2014/main" id="{5049B984-F964-47FF-8179-0A3007CE21CD}"/>
-              </a:ext>
-            </a:extLst>
-          </p:cNvPr>
-          <p:cNvSpPr txBox="1">
-            <a:spLocks/>
+          <p:cNvPr id="4" name="Slide Number Placeholder 3"/>
+          <p:cNvSpPr>
+            <a:spLocks noGrp="1"/>
           </p:cNvSpPr>
-          <p:nvPr/>
+          <p:nvPr>
+            <p:ph type="sldNum" sz="quarter" idx="5"/>
+          </p:nvPr>
         </p:nvSpPr>
-        <p:spPr>
-          <a:xfrm>
-            <a:off x="6488999" y="8847000"/>
-            <a:ext cx="367414" cy="297000"/>
-          </a:xfrm>
-          <a:prstGeom prst="rect">
-            <a:avLst/>
-          </a:prstGeom>
-        </p:spPr>
+        <p:spPr/>
         <p:txBody>
-          <a:bodyPr vert="horz" lIns="91440" tIns="45720" rIns="91440" bIns="45720" rtlCol="0" anchor="b"/>
-          <a:lstStyle>
-            <a:defPPr>
-              <a:defRPr lang="en-US"/>
-            </a:defPPr>
-            <a:lvl1pPr marL="0" algn="r" defTabSz="914400" rtl="0" eaLnBrk="1" latinLnBrk="0" hangingPunct="1">
-              <a:defRPr sz="1200" kern="1200">
-                <a:solidFill>
-                  <a:schemeClr val="tx1"/>
-                </a:solidFill>
-                <a:latin typeface="+mn-lt"/>
-                <a:ea typeface="+mn-ea"/>
-                <a:cs typeface="+mn-cs"/>
-              </a:defRPr>
-            </a:lvl1pPr>
-            <a:lvl2pPr marL="457200" algn="l" defTabSz="914400" rtl="0" eaLnBrk="1" latinLnBrk="0" hangingPunct="1">
-              <a:defRPr sz="1800" kern="1200">
-                <a:solidFill>
-                  <a:schemeClr val="tx1"/>
-                </a:solidFill>
-                <a:latin typeface="+mn-lt"/>
-                <a:ea typeface="+mn-ea"/>
-                <a:cs typeface="+mn-cs"/>
-              </a:defRPr>
-            </a:lvl2pPr>
-            <a:lvl3pPr marL="914400" algn="l" defTabSz="914400" rtl="0" eaLnBrk="1" latinLnBrk="0" hangingPunct="1">
-              <a:defRPr sz="1800" kern="1200">
-                <a:solidFill>
-                  <a:schemeClr val="tx1"/>
-                </a:solidFill>
-                <a:latin typeface="+mn-lt"/>
-                <a:ea typeface="+mn-ea"/>
-                <a:cs typeface="+mn-cs"/>
-              </a:defRPr>
-            </a:lvl3pPr>
-            <a:lvl4pPr marL="1371600" algn="l" defTabSz="914400" rtl="0" eaLnBrk="1" latinLnBrk="0" hangingPunct="1">
-              <a:defRPr sz="1800" kern="1200">
-                <a:solidFill>
-                  <a:schemeClr val="tx1"/>
-                </a:solidFill>
-                <a:latin typeface="+mn-lt"/>
-                <a:ea typeface="+mn-ea"/>
-                <a:cs typeface="+mn-cs"/>
-              </a:defRPr>
-            </a:lvl4pPr>
-            <a:lvl5pPr marL="1828800" algn="l" defTabSz="914400" rtl="0" eaLnBrk="1" latinLnBrk="0" hangingPunct="1">
-              <a:defRPr sz="1800" kern="1200">
-                <a:solidFill>
-                  <a:schemeClr val="tx1"/>
-                </a:solidFill>
-                <a:latin typeface="+mn-lt"/>
-                <a:ea typeface="+mn-ea"/>
-                <a:cs typeface="+mn-cs"/>
-              </a:defRPr>
-            </a:lvl5pPr>
-            <a:lvl6pPr marL="2286000" algn="l" defTabSz="914400" rtl="0" eaLnBrk="1" latinLnBrk="0" hangingPunct="1">
-              <a:defRPr sz="1800" kern="1200">
-                <a:solidFill>
-                  <a:schemeClr val="tx1"/>
-                </a:solidFill>
-                <a:latin typeface="+mn-lt"/>
-                <a:ea typeface="+mn-ea"/>
-                <a:cs typeface="+mn-cs"/>
-              </a:defRPr>
-            </a:lvl6pPr>
-            <a:lvl7pPr marL="2743200" algn="l" defTabSz="914400" rtl="0" eaLnBrk="1" latinLnBrk="0" hangingPunct="1">
-              <a:defRPr sz="1800" kern="1200">
-                <a:solidFill>
-                  <a:schemeClr val="tx1"/>
-                </a:solidFill>
-                <a:latin typeface="+mn-lt"/>
-                <a:ea typeface="+mn-ea"/>
-                <a:cs typeface="+mn-cs"/>
-              </a:defRPr>
-            </a:lvl7pPr>
-            <a:lvl8pPr marL="3200400" algn="l" defTabSz="914400" rtl="0" eaLnBrk="1" latinLnBrk="0" hangingPunct="1">
-              <a:defRPr sz="1800" kern="1200">
-                <a:solidFill>
-                  <a:schemeClr val="tx1"/>
-                </a:solidFill>
-                <a:latin typeface="+mn-lt"/>
-                <a:ea typeface="+mn-ea"/>
-                <a:cs typeface="+mn-cs"/>
-              </a:defRPr>
-            </a:lvl8pPr>
-            <a:lvl9pPr marL="3657600" algn="l" defTabSz="914400" rtl="0" eaLnBrk="1" latinLnBrk="0" hangingPunct="1">
-              <a:defRPr sz="1800" kern="1200">
-                <a:solidFill>
-                  <a:schemeClr val="tx1"/>
-                </a:solidFill>
-                <a:latin typeface="+mn-lt"/>
-                <a:ea typeface="+mn-ea"/>
-                <a:cs typeface="+mn-cs"/>
-              </a:defRPr>
-            </a:lvl9pPr>
-          </a:lstStyle>
-          <a:p>
-            <a:fld id="{3EBA5BD7-F043-4D1B-AA17-CD412FC534DE}" type="slidenum">
+          <a:bodyPr/>
+          <a:lstStyle/>
+          <a:p>
+            <a:fld id="{2BF067CD-8E6B-4360-9AA8-C5DF2A48A6D1}" type="slidenum">
               <a:rPr lang="en-US" smtClean="0"/>
-              <a:pPr/>
-              <a:t>28</a:t>
+              <a:t>31</a:t>
             </a:fld>
             <a:endParaRPr lang="en-US" dirty="0"/>
           </a:p>
@@ -2159,13 +2089,7 @@
       </p:sp>
       <p:sp>
         <p:nvSpPr>
-          <p:cNvPr id="5" name="Footer Placeholder 7">
-            <a:extLst>
-              <a:ext uri="{FF2B5EF4-FFF2-40B4-BE49-F238E27FC236}">
-                <a16:creationId xmlns:a16="http://schemas.microsoft.com/office/drawing/2014/main" id="{87873718-4EF7-D4BA-768F-C09AAEC16FC2}"/>
-              </a:ext>
-            </a:extLst>
-          </p:cNvPr>
+          <p:cNvPr id="5" name="Footer Placeholder 4"/>
           <p:cNvSpPr>
             <a:spLocks noGrp="1"/>
           </p:cNvSpPr>
@@ -2173,37 +2097,25 @@
             <p:ph type="ftr" sz="quarter" idx="4"/>
           </p:nvPr>
         </p:nvSpPr>
-        <p:spPr>
-          <a:xfrm>
-            <a:off x="-1" y="8892000"/>
-            <a:ext cx="6488999" cy="252000"/>
-          </a:xfrm>
-          <a:prstGeom prst="rect">
-            <a:avLst/>
-          </a:prstGeom>
-        </p:spPr>
+        <p:spPr/>
         <p:txBody>
-          <a:bodyPr vert="horz" lIns="91440" tIns="45720" rIns="91440" bIns="45720" rtlCol="0" anchor="b"/>
-          <a:lstStyle>
-            <a:lvl1pPr algn="l">
-              <a:defRPr sz="1100"/>
-            </a:lvl1pPr>
-          </a:lstStyle>
-          <a:p>
-            <a:r>
-              <a:rPr lang="bg-BG" sz="1100" dirty="0"/>
+          <a:bodyPr/>
+          <a:lstStyle/>
+          <a:p>
+            <a:r>
+              <a:rPr lang="bg-BG" sz="1100"/>
               <a:t>Работна група </a:t>
             </a:r>
             <a:r>
-              <a:rPr lang="bg-BG" dirty="0"/>
+              <a:rPr lang="bg-BG"/>
               <a:t>"Образование по програмиране и ИТ"</a:t>
             </a:r>
             <a:r>
-              <a:rPr lang="bg-BG" sz="1100" dirty="0"/>
+              <a:rPr lang="bg-BG" sz="1100"/>
               <a:t>, с подкрепата на </a:t>
             </a:r>
             <a:r>
-              <a:rPr lang="en-US" sz="1100" dirty="0">
+              <a:rPr lang="en-US" sz="1100">
                 <a:hlinkClick r:id="rId3"/>
               </a:rPr>
               <a:t>SoftUni</a:t>
@@ -2215,7 +2127,7 @@
     </p:spTree>
     <p:extLst>
       <p:ext uri="{BB962C8B-B14F-4D97-AF65-F5344CB8AC3E}">
-        <p14:creationId xmlns:p14="http://schemas.microsoft.com/office/powerpoint/2010/main" val="2007979410"/>
+        <p14:creationId xmlns:p14="http://schemas.microsoft.com/office/powerpoint/2010/main" val="2526416516"/>
       </p:ext>
     </p:extLst>
   </p:cSld>
@@ -2269,6 +2181,498 @@
           <a:bodyPr/>
           <a:lstStyle/>
           <a:p>
+            <a:endParaRPr lang="en-US" dirty="0"/>
+          </a:p>
+        </p:txBody>
+      </p:sp>
+      <p:sp>
+        <p:nvSpPr>
+          <p:cNvPr id="7" name="Slide Number Placeholder 5">
+            <a:extLst>
+              <a:ext uri="{FF2B5EF4-FFF2-40B4-BE49-F238E27FC236}">
+                <a16:creationId xmlns:a16="http://schemas.microsoft.com/office/drawing/2014/main" id="{E65F1CA9-65DC-416B-8882-B3A5E415CE67}"/>
+              </a:ext>
+            </a:extLst>
+          </p:cNvPr>
+          <p:cNvSpPr txBox="1">
+            <a:spLocks/>
+          </p:cNvSpPr>
+          <p:nvPr/>
+        </p:nvSpPr>
+        <p:spPr>
+          <a:xfrm>
+            <a:off x="6488999" y="8847000"/>
+            <a:ext cx="367414" cy="297000"/>
+          </a:xfrm>
+          <a:prstGeom prst="rect">
+            <a:avLst/>
+          </a:prstGeom>
+        </p:spPr>
+        <p:txBody>
+          <a:bodyPr vert="horz" lIns="91440" tIns="45720" rIns="91440" bIns="45720" rtlCol="0" anchor="b"/>
+          <a:lstStyle>
+            <a:defPPr>
+              <a:defRPr lang="en-US"/>
+            </a:defPPr>
+            <a:lvl1pPr marL="0" algn="r" defTabSz="914400" rtl="0" eaLnBrk="1" latinLnBrk="0" hangingPunct="1">
+              <a:defRPr sz="1200" kern="1200">
+                <a:solidFill>
+                  <a:schemeClr val="tx1"/>
+                </a:solidFill>
+                <a:latin typeface="+mn-lt"/>
+                <a:ea typeface="+mn-ea"/>
+                <a:cs typeface="+mn-cs"/>
+              </a:defRPr>
+            </a:lvl1pPr>
+            <a:lvl2pPr marL="457200" algn="l" defTabSz="914400" rtl="0" eaLnBrk="1" latinLnBrk="0" hangingPunct="1">
+              <a:defRPr sz="1800" kern="1200">
+                <a:solidFill>
+                  <a:schemeClr val="tx1"/>
+                </a:solidFill>
+                <a:latin typeface="+mn-lt"/>
+                <a:ea typeface="+mn-ea"/>
+                <a:cs typeface="+mn-cs"/>
+              </a:defRPr>
+            </a:lvl2pPr>
+            <a:lvl3pPr marL="914400" algn="l" defTabSz="914400" rtl="0" eaLnBrk="1" latinLnBrk="0" hangingPunct="1">
+              <a:defRPr sz="1800" kern="1200">
+                <a:solidFill>
+                  <a:schemeClr val="tx1"/>
+                </a:solidFill>
+                <a:latin typeface="+mn-lt"/>
+                <a:ea typeface="+mn-ea"/>
+                <a:cs typeface="+mn-cs"/>
+              </a:defRPr>
+            </a:lvl3pPr>
+            <a:lvl4pPr marL="1371600" algn="l" defTabSz="914400" rtl="0" eaLnBrk="1" latinLnBrk="0" hangingPunct="1">
+              <a:defRPr sz="1800" kern="1200">
+                <a:solidFill>
+                  <a:schemeClr val="tx1"/>
+                </a:solidFill>
+                <a:latin typeface="+mn-lt"/>
+                <a:ea typeface="+mn-ea"/>
+                <a:cs typeface="+mn-cs"/>
+              </a:defRPr>
+            </a:lvl4pPr>
+            <a:lvl5pPr marL="1828800" algn="l" defTabSz="914400" rtl="0" eaLnBrk="1" latinLnBrk="0" hangingPunct="1">
+              <a:defRPr sz="1800" kern="1200">
+                <a:solidFill>
+                  <a:schemeClr val="tx1"/>
+                </a:solidFill>
+                <a:latin typeface="+mn-lt"/>
+                <a:ea typeface="+mn-ea"/>
+                <a:cs typeface="+mn-cs"/>
+              </a:defRPr>
+            </a:lvl5pPr>
+            <a:lvl6pPr marL="2286000" algn="l" defTabSz="914400" rtl="0" eaLnBrk="1" latinLnBrk="0" hangingPunct="1">
+              <a:defRPr sz="1800" kern="1200">
+                <a:solidFill>
+                  <a:schemeClr val="tx1"/>
+                </a:solidFill>
+                <a:latin typeface="+mn-lt"/>
+                <a:ea typeface="+mn-ea"/>
+                <a:cs typeface="+mn-cs"/>
+              </a:defRPr>
+            </a:lvl6pPr>
+            <a:lvl7pPr marL="2743200" algn="l" defTabSz="914400" rtl="0" eaLnBrk="1" latinLnBrk="0" hangingPunct="1">
+              <a:defRPr sz="1800" kern="1200">
+                <a:solidFill>
+                  <a:schemeClr val="tx1"/>
+                </a:solidFill>
+                <a:latin typeface="+mn-lt"/>
+                <a:ea typeface="+mn-ea"/>
+                <a:cs typeface="+mn-cs"/>
+              </a:defRPr>
+            </a:lvl7pPr>
+            <a:lvl8pPr marL="3200400" algn="l" defTabSz="914400" rtl="0" eaLnBrk="1" latinLnBrk="0" hangingPunct="1">
+              <a:defRPr sz="1800" kern="1200">
+                <a:solidFill>
+                  <a:schemeClr val="tx1"/>
+                </a:solidFill>
+                <a:latin typeface="+mn-lt"/>
+                <a:ea typeface="+mn-ea"/>
+                <a:cs typeface="+mn-cs"/>
+              </a:defRPr>
+            </a:lvl8pPr>
+            <a:lvl9pPr marL="3657600" algn="l" defTabSz="914400" rtl="0" eaLnBrk="1" latinLnBrk="0" hangingPunct="1">
+              <a:defRPr sz="1800" kern="1200">
+                <a:solidFill>
+                  <a:schemeClr val="tx1"/>
+                </a:solidFill>
+                <a:latin typeface="+mn-lt"/>
+                <a:ea typeface="+mn-ea"/>
+                <a:cs typeface="+mn-cs"/>
+              </a:defRPr>
+            </a:lvl9pPr>
+          </a:lstStyle>
+          <a:p>
+            <a:fld id="{3EBA5BD7-F043-4D1B-AA17-CD412FC534DE}" type="slidenum">
+              <a:rPr lang="en-US" smtClean="0"/>
+              <a:pPr/>
+              <a:t>32</a:t>
+            </a:fld>
+            <a:endParaRPr lang="en-US" dirty="0"/>
+          </a:p>
+        </p:txBody>
+      </p:sp>
+      <p:sp>
+        <p:nvSpPr>
+          <p:cNvPr id="5" name="Footer Placeholder 7">
+            <a:extLst>
+              <a:ext uri="{FF2B5EF4-FFF2-40B4-BE49-F238E27FC236}">
+                <a16:creationId xmlns:a16="http://schemas.microsoft.com/office/drawing/2014/main" id="{8993A9AB-532D-B376-9548-9593DEC1AE87}"/>
+              </a:ext>
+            </a:extLst>
+          </p:cNvPr>
+          <p:cNvSpPr>
+            <a:spLocks noGrp="1"/>
+          </p:cNvSpPr>
+          <p:nvPr>
+            <p:ph type="ftr" sz="quarter" idx="4"/>
+          </p:nvPr>
+        </p:nvSpPr>
+        <p:spPr>
+          <a:xfrm>
+            <a:off x="-1" y="8892000"/>
+            <a:ext cx="6488999" cy="252000"/>
+          </a:xfrm>
+          <a:prstGeom prst="rect">
+            <a:avLst/>
+          </a:prstGeom>
+        </p:spPr>
+        <p:txBody>
+          <a:bodyPr vert="horz" lIns="91440" tIns="45720" rIns="91440" bIns="45720" rtlCol="0" anchor="b"/>
+          <a:lstStyle>
+            <a:lvl1pPr algn="l">
+              <a:defRPr sz="1100"/>
+            </a:lvl1pPr>
+          </a:lstStyle>
+          <a:p>
+            <a:r>
+              <a:rPr lang="bg-BG" sz="1100" dirty="0"/>
+              <a:t>Работна група </a:t>
+            </a:r>
+            <a:r>
+              <a:rPr lang="bg-BG" dirty="0"/>
+              <a:t>"Образование по програмиране и ИТ"</a:t>
+            </a:r>
+            <a:r>
+              <a:rPr lang="bg-BG" sz="1100" dirty="0"/>
+              <a:t>, с подкрепата на </a:t>
+            </a:r>
+            <a:r>
+              <a:rPr lang="en-US" sz="1100" dirty="0">
+                <a:hlinkClick r:id="rId3"/>
+              </a:rPr>
+              <a:t>SoftUni</a:t>
+            </a:r>
+            <a:endParaRPr lang="en-US" sz="1100" dirty="0"/>
+          </a:p>
+        </p:txBody>
+      </p:sp>
+    </p:spTree>
+    <p:extLst>
+      <p:ext uri="{BB962C8B-B14F-4D97-AF65-F5344CB8AC3E}">
+        <p14:creationId xmlns:p14="http://schemas.microsoft.com/office/powerpoint/2010/main" val="1225892421"/>
+      </p:ext>
+    </p:extLst>
+  </p:cSld>
+  <p:clrMapOvr>
+    <a:masterClrMapping/>
+  </p:clrMapOvr>
+</p:notes>
+</file>
+
+<file path=ppt/notesSlides/notesSlide17.xml><?xml version="1.0" encoding="utf-8"?>
+<p:notes xmlns:a="http://schemas.openxmlformats.org/drawingml/2006/main" xmlns:r="http://schemas.openxmlformats.org/officeDocument/2006/relationships" xmlns:p="http://schemas.openxmlformats.org/presentationml/2006/main">
+  <p:cSld>
+    <p:spTree>
+      <p:nvGrpSpPr>
+        <p:cNvPr id="1" name=""/>
+        <p:cNvGrpSpPr/>
+        <p:nvPr/>
+      </p:nvGrpSpPr>
+      <p:grpSpPr>
+        <a:xfrm>
+          <a:off x="0" y="0"/>
+          <a:ext cx="0" cy="0"/>
+          <a:chOff x="0" y="0"/>
+          <a:chExt cx="0" cy="0"/>
+        </a:xfrm>
+      </p:grpSpPr>
+      <p:sp>
+        <p:nvSpPr>
+          <p:cNvPr id="2" name="Slide Image Placeholder 1"/>
+          <p:cNvSpPr>
+            <a:spLocks noGrp="1" noRot="1" noChangeAspect="1"/>
+          </p:cNvSpPr>
+          <p:nvPr>
+            <p:ph type="sldImg"/>
+          </p:nvPr>
+        </p:nvSpPr>
+        <p:spPr/>
+      </p:sp>
+      <p:sp>
+        <p:nvSpPr>
+          <p:cNvPr id="3" name="Notes Placeholder 2"/>
+          <p:cNvSpPr>
+            <a:spLocks noGrp="1"/>
+          </p:cNvSpPr>
+          <p:nvPr>
+            <p:ph type="body" idx="1"/>
+          </p:nvPr>
+        </p:nvSpPr>
+        <p:spPr/>
+        <p:txBody>
+          <a:bodyPr/>
+          <a:lstStyle/>
+          <a:p>
+            <a:endParaRPr lang="en-US" dirty="0"/>
+          </a:p>
+        </p:txBody>
+      </p:sp>
+      <p:sp>
+        <p:nvSpPr>
+          <p:cNvPr id="7" name="Slide Number Placeholder 5">
+            <a:extLst>
+              <a:ext uri="{FF2B5EF4-FFF2-40B4-BE49-F238E27FC236}">
+                <a16:creationId xmlns:a16="http://schemas.microsoft.com/office/drawing/2014/main" id="{5049B984-F964-47FF-8179-0A3007CE21CD}"/>
+              </a:ext>
+            </a:extLst>
+          </p:cNvPr>
+          <p:cNvSpPr txBox="1">
+            <a:spLocks/>
+          </p:cNvSpPr>
+          <p:nvPr/>
+        </p:nvSpPr>
+        <p:spPr>
+          <a:xfrm>
+            <a:off x="6488999" y="8847000"/>
+            <a:ext cx="367414" cy="297000"/>
+          </a:xfrm>
+          <a:prstGeom prst="rect">
+            <a:avLst/>
+          </a:prstGeom>
+        </p:spPr>
+        <p:txBody>
+          <a:bodyPr vert="horz" lIns="91440" tIns="45720" rIns="91440" bIns="45720" rtlCol="0" anchor="b"/>
+          <a:lstStyle>
+            <a:defPPr>
+              <a:defRPr lang="en-US"/>
+            </a:defPPr>
+            <a:lvl1pPr marL="0" algn="r" defTabSz="914400" rtl="0" eaLnBrk="1" latinLnBrk="0" hangingPunct="1">
+              <a:defRPr sz="1200" kern="1200">
+                <a:solidFill>
+                  <a:schemeClr val="tx1"/>
+                </a:solidFill>
+                <a:latin typeface="+mn-lt"/>
+                <a:ea typeface="+mn-ea"/>
+                <a:cs typeface="+mn-cs"/>
+              </a:defRPr>
+            </a:lvl1pPr>
+            <a:lvl2pPr marL="457200" algn="l" defTabSz="914400" rtl="0" eaLnBrk="1" latinLnBrk="0" hangingPunct="1">
+              <a:defRPr sz="1800" kern="1200">
+                <a:solidFill>
+                  <a:schemeClr val="tx1"/>
+                </a:solidFill>
+                <a:latin typeface="+mn-lt"/>
+                <a:ea typeface="+mn-ea"/>
+                <a:cs typeface="+mn-cs"/>
+              </a:defRPr>
+            </a:lvl2pPr>
+            <a:lvl3pPr marL="914400" algn="l" defTabSz="914400" rtl="0" eaLnBrk="1" latinLnBrk="0" hangingPunct="1">
+              <a:defRPr sz="1800" kern="1200">
+                <a:solidFill>
+                  <a:schemeClr val="tx1"/>
+                </a:solidFill>
+                <a:latin typeface="+mn-lt"/>
+                <a:ea typeface="+mn-ea"/>
+                <a:cs typeface="+mn-cs"/>
+              </a:defRPr>
+            </a:lvl3pPr>
+            <a:lvl4pPr marL="1371600" algn="l" defTabSz="914400" rtl="0" eaLnBrk="1" latinLnBrk="0" hangingPunct="1">
+              <a:defRPr sz="1800" kern="1200">
+                <a:solidFill>
+                  <a:schemeClr val="tx1"/>
+                </a:solidFill>
+                <a:latin typeface="+mn-lt"/>
+                <a:ea typeface="+mn-ea"/>
+                <a:cs typeface="+mn-cs"/>
+              </a:defRPr>
+            </a:lvl4pPr>
+            <a:lvl5pPr marL="1828800" algn="l" defTabSz="914400" rtl="0" eaLnBrk="1" latinLnBrk="0" hangingPunct="1">
+              <a:defRPr sz="1800" kern="1200">
+                <a:solidFill>
+                  <a:schemeClr val="tx1"/>
+                </a:solidFill>
+                <a:latin typeface="+mn-lt"/>
+                <a:ea typeface="+mn-ea"/>
+                <a:cs typeface="+mn-cs"/>
+              </a:defRPr>
+            </a:lvl5pPr>
+            <a:lvl6pPr marL="2286000" algn="l" defTabSz="914400" rtl="0" eaLnBrk="1" latinLnBrk="0" hangingPunct="1">
+              <a:defRPr sz="1800" kern="1200">
+                <a:solidFill>
+                  <a:schemeClr val="tx1"/>
+                </a:solidFill>
+                <a:latin typeface="+mn-lt"/>
+                <a:ea typeface="+mn-ea"/>
+                <a:cs typeface="+mn-cs"/>
+              </a:defRPr>
+            </a:lvl6pPr>
+            <a:lvl7pPr marL="2743200" algn="l" defTabSz="914400" rtl="0" eaLnBrk="1" latinLnBrk="0" hangingPunct="1">
+              <a:defRPr sz="1800" kern="1200">
+                <a:solidFill>
+                  <a:schemeClr val="tx1"/>
+                </a:solidFill>
+                <a:latin typeface="+mn-lt"/>
+                <a:ea typeface="+mn-ea"/>
+                <a:cs typeface="+mn-cs"/>
+              </a:defRPr>
+            </a:lvl7pPr>
+            <a:lvl8pPr marL="3200400" algn="l" defTabSz="914400" rtl="0" eaLnBrk="1" latinLnBrk="0" hangingPunct="1">
+              <a:defRPr sz="1800" kern="1200">
+                <a:solidFill>
+                  <a:schemeClr val="tx1"/>
+                </a:solidFill>
+                <a:latin typeface="+mn-lt"/>
+                <a:ea typeface="+mn-ea"/>
+                <a:cs typeface="+mn-cs"/>
+              </a:defRPr>
+            </a:lvl8pPr>
+            <a:lvl9pPr marL="3657600" algn="l" defTabSz="914400" rtl="0" eaLnBrk="1" latinLnBrk="0" hangingPunct="1">
+              <a:defRPr sz="1800" kern="1200">
+                <a:solidFill>
+                  <a:schemeClr val="tx1"/>
+                </a:solidFill>
+                <a:latin typeface="+mn-lt"/>
+                <a:ea typeface="+mn-ea"/>
+                <a:cs typeface="+mn-cs"/>
+              </a:defRPr>
+            </a:lvl9pPr>
+          </a:lstStyle>
+          <a:p>
+            <a:fld id="{3EBA5BD7-F043-4D1B-AA17-CD412FC534DE}" type="slidenum">
+              <a:rPr lang="en-US" smtClean="0"/>
+              <a:pPr/>
+              <a:t>33</a:t>
+            </a:fld>
+            <a:endParaRPr lang="en-US" dirty="0"/>
+          </a:p>
+        </p:txBody>
+      </p:sp>
+      <p:sp>
+        <p:nvSpPr>
+          <p:cNvPr id="5" name="Footer Placeholder 7">
+            <a:extLst>
+              <a:ext uri="{FF2B5EF4-FFF2-40B4-BE49-F238E27FC236}">
+                <a16:creationId xmlns:a16="http://schemas.microsoft.com/office/drawing/2014/main" id="{87873718-4EF7-D4BA-768F-C09AAEC16FC2}"/>
+              </a:ext>
+            </a:extLst>
+          </p:cNvPr>
+          <p:cNvSpPr>
+            <a:spLocks noGrp="1"/>
+          </p:cNvSpPr>
+          <p:nvPr>
+            <p:ph type="ftr" sz="quarter" idx="4"/>
+          </p:nvPr>
+        </p:nvSpPr>
+        <p:spPr>
+          <a:xfrm>
+            <a:off x="-1" y="8892000"/>
+            <a:ext cx="6488999" cy="252000"/>
+          </a:xfrm>
+          <a:prstGeom prst="rect">
+            <a:avLst/>
+          </a:prstGeom>
+        </p:spPr>
+        <p:txBody>
+          <a:bodyPr vert="horz" lIns="91440" tIns="45720" rIns="91440" bIns="45720" rtlCol="0" anchor="b"/>
+          <a:lstStyle>
+            <a:lvl1pPr algn="l">
+              <a:defRPr sz="1100"/>
+            </a:lvl1pPr>
+          </a:lstStyle>
+          <a:p>
+            <a:r>
+              <a:rPr lang="bg-BG" sz="1100" dirty="0"/>
+              <a:t>Работна група </a:t>
+            </a:r>
+            <a:r>
+              <a:rPr lang="bg-BG" dirty="0"/>
+              <a:t>"Образование по програмиране и ИТ"</a:t>
+            </a:r>
+            <a:r>
+              <a:rPr lang="bg-BG" sz="1100" dirty="0"/>
+              <a:t>, с подкрепата на </a:t>
+            </a:r>
+            <a:r>
+              <a:rPr lang="en-US" sz="1100" dirty="0">
+                <a:hlinkClick r:id="rId3"/>
+              </a:rPr>
+              <a:t>SoftUni</a:t>
+            </a:r>
+            <a:endParaRPr lang="en-US" sz="1100" dirty="0"/>
+          </a:p>
+        </p:txBody>
+      </p:sp>
+    </p:spTree>
+    <p:extLst>
+      <p:ext uri="{BB962C8B-B14F-4D97-AF65-F5344CB8AC3E}">
+        <p14:creationId xmlns:p14="http://schemas.microsoft.com/office/powerpoint/2010/main" val="2007979410"/>
+      </p:ext>
+    </p:extLst>
+  </p:cSld>
+  <p:clrMapOvr>
+    <a:masterClrMapping/>
+  </p:clrMapOvr>
+</p:notes>
+</file>
+
+<file path=ppt/notesSlides/notesSlide18.xml><?xml version="1.0" encoding="utf-8"?>
+<p:notes xmlns:a="http://schemas.openxmlformats.org/drawingml/2006/main" xmlns:r="http://schemas.openxmlformats.org/officeDocument/2006/relationships" xmlns:p="http://schemas.openxmlformats.org/presentationml/2006/main">
+  <p:cSld>
+    <p:spTree>
+      <p:nvGrpSpPr>
+        <p:cNvPr id="1" name=""/>
+        <p:cNvGrpSpPr/>
+        <p:nvPr/>
+      </p:nvGrpSpPr>
+      <p:grpSpPr>
+        <a:xfrm>
+          <a:off x="0" y="0"/>
+          <a:ext cx="0" cy="0"/>
+          <a:chOff x="0" y="0"/>
+          <a:chExt cx="0" cy="0"/>
+        </a:xfrm>
+      </p:grpSpPr>
+      <p:sp>
+        <p:nvSpPr>
+          <p:cNvPr id="2" name="Slide Image Placeholder 1"/>
+          <p:cNvSpPr>
+            <a:spLocks noGrp="1" noRot="1" noChangeAspect="1"/>
+          </p:cNvSpPr>
+          <p:nvPr>
+            <p:ph type="sldImg"/>
+          </p:nvPr>
+        </p:nvSpPr>
+        <p:spPr/>
+      </p:sp>
+      <p:sp>
+        <p:nvSpPr>
+          <p:cNvPr id="3" name="Notes Placeholder 2"/>
+          <p:cNvSpPr>
+            <a:spLocks noGrp="1"/>
+          </p:cNvSpPr>
+          <p:nvPr>
+            <p:ph type="body" idx="1"/>
+          </p:nvPr>
+        </p:nvSpPr>
+        <p:spPr/>
+        <p:txBody>
+          <a:bodyPr/>
+          <a:lstStyle/>
+          <a:p>
             <a:endParaRPr lang="en-US"/>
           </a:p>
         </p:txBody>
@@ -2397,7 +2801,7 @@
             <a:fld id="{3EBA5BD7-F043-4D1B-AA17-CD412FC534DE}" type="slidenum">
               <a:rPr lang="en-US" smtClean="0"/>
               <a:pPr/>
-              <a:t>29</a:t>
+              <a:t>34</a:t>
             </a:fld>
             <a:endParaRPr lang="en-US" dirty="0"/>
           </a:p>
@@ -3228,7 +3632,7 @@
     </p:spTree>
     <p:extLst>
       <p:ext uri="{BB962C8B-B14F-4D97-AF65-F5344CB8AC3E}">
-        <p14:creationId xmlns:p14="http://schemas.microsoft.com/office/powerpoint/2010/main" val="823065312"/>
+        <p14:creationId xmlns:p14="http://schemas.microsoft.com/office/powerpoint/2010/main" val="542269751"/>
       </p:ext>
     </p:extLst>
   </p:cSld>
@@ -3349,7 +3753,7 @@
     </p:spTree>
     <p:extLst>
       <p:ext uri="{BB962C8B-B14F-4D97-AF65-F5344CB8AC3E}">
-        <p14:creationId xmlns:p14="http://schemas.microsoft.com/office/powerpoint/2010/main" val="1500821967"/>
+        <p14:creationId xmlns:p14="http://schemas.microsoft.com/office/powerpoint/2010/main" val="823065312"/>
       </p:ext>
     </p:extLst>
   </p:cSld>
@@ -3409,128 +3813,21 @@
       </p:sp>
       <p:sp>
         <p:nvSpPr>
-          <p:cNvPr id="7" name="Slide Number Placeholder 5">
-            <a:extLst>
-              <a:ext uri="{FF2B5EF4-FFF2-40B4-BE49-F238E27FC236}">
-                <a16:creationId xmlns:a16="http://schemas.microsoft.com/office/drawing/2014/main" id="{BD88B0D8-949C-482D-990A-2DAB14AD4AD1}"/>
-              </a:ext>
-            </a:extLst>
-          </p:cNvPr>
-          <p:cNvSpPr txBox="1">
-            <a:spLocks/>
+          <p:cNvPr id="4" name="Slide Number Placeholder 3"/>
+          <p:cNvSpPr>
+            <a:spLocks noGrp="1"/>
           </p:cNvSpPr>
-          <p:nvPr/>
+          <p:nvPr>
+            <p:ph type="sldNum" sz="quarter" idx="5"/>
+          </p:nvPr>
         </p:nvSpPr>
-        <p:spPr>
-          <a:xfrm>
-            <a:off x="6488999" y="8847000"/>
-            <a:ext cx="367414" cy="297000"/>
-          </a:xfrm>
-          <a:prstGeom prst="rect">
-            <a:avLst/>
-          </a:prstGeom>
-        </p:spPr>
+        <p:spPr/>
         <p:txBody>
-          <a:bodyPr vert="horz" lIns="91440" tIns="45720" rIns="91440" bIns="45720" rtlCol="0" anchor="b"/>
-          <a:lstStyle>
-            <a:defPPr>
-              <a:defRPr lang="en-US"/>
-            </a:defPPr>
-            <a:lvl1pPr marL="0" algn="r" defTabSz="914400" rtl="0" eaLnBrk="1" latinLnBrk="0" hangingPunct="1">
-              <a:defRPr sz="1200" kern="1200">
-                <a:solidFill>
-                  <a:schemeClr val="tx1"/>
-                </a:solidFill>
-                <a:latin typeface="+mn-lt"/>
-                <a:ea typeface="+mn-ea"/>
-                <a:cs typeface="+mn-cs"/>
-              </a:defRPr>
-            </a:lvl1pPr>
-            <a:lvl2pPr marL="457200" algn="l" defTabSz="914400" rtl="0" eaLnBrk="1" latinLnBrk="0" hangingPunct="1">
-              <a:defRPr sz="1800" kern="1200">
-                <a:solidFill>
-                  <a:schemeClr val="tx1"/>
-                </a:solidFill>
-                <a:latin typeface="+mn-lt"/>
-                <a:ea typeface="+mn-ea"/>
-                <a:cs typeface="+mn-cs"/>
-              </a:defRPr>
-            </a:lvl2pPr>
-            <a:lvl3pPr marL="914400" algn="l" defTabSz="914400" rtl="0" eaLnBrk="1" latinLnBrk="0" hangingPunct="1">
-              <a:defRPr sz="1800" kern="1200">
-                <a:solidFill>
-                  <a:schemeClr val="tx1"/>
-                </a:solidFill>
-                <a:latin typeface="+mn-lt"/>
-                <a:ea typeface="+mn-ea"/>
-                <a:cs typeface="+mn-cs"/>
-              </a:defRPr>
-            </a:lvl3pPr>
-            <a:lvl4pPr marL="1371600" algn="l" defTabSz="914400" rtl="0" eaLnBrk="1" latinLnBrk="0" hangingPunct="1">
-              <a:defRPr sz="1800" kern="1200">
-                <a:solidFill>
-                  <a:schemeClr val="tx1"/>
-                </a:solidFill>
-                <a:latin typeface="+mn-lt"/>
-                <a:ea typeface="+mn-ea"/>
-                <a:cs typeface="+mn-cs"/>
-              </a:defRPr>
-            </a:lvl4pPr>
-            <a:lvl5pPr marL="1828800" algn="l" defTabSz="914400" rtl="0" eaLnBrk="1" latinLnBrk="0" hangingPunct="1">
-              <a:defRPr sz="1800" kern="1200">
-                <a:solidFill>
-                  <a:schemeClr val="tx1"/>
-                </a:solidFill>
-                <a:latin typeface="+mn-lt"/>
-                <a:ea typeface="+mn-ea"/>
-                <a:cs typeface="+mn-cs"/>
-              </a:defRPr>
-            </a:lvl5pPr>
-            <a:lvl6pPr marL="2286000" algn="l" defTabSz="914400" rtl="0" eaLnBrk="1" latinLnBrk="0" hangingPunct="1">
-              <a:defRPr sz="1800" kern="1200">
-                <a:solidFill>
-                  <a:schemeClr val="tx1"/>
-                </a:solidFill>
-                <a:latin typeface="+mn-lt"/>
-                <a:ea typeface="+mn-ea"/>
-                <a:cs typeface="+mn-cs"/>
-              </a:defRPr>
-            </a:lvl6pPr>
-            <a:lvl7pPr marL="2743200" algn="l" defTabSz="914400" rtl="0" eaLnBrk="1" latinLnBrk="0" hangingPunct="1">
-              <a:defRPr sz="1800" kern="1200">
-                <a:solidFill>
-                  <a:schemeClr val="tx1"/>
-                </a:solidFill>
-                <a:latin typeface="+mn-lt"/>
-                <a:ea typeface="+mn-ea"/>
-                <a:cs typeface="+mn-cs"/>
-              </a:defRPr>
-            </a:lvl7pPr>
-            <a:lvl8pPr marL="3200400" algn="l" defTabSz="914400" rtl="0" eaLnBrk="1" latinLnBrk="0" hangingPunct="1">
-              <a:defRPr sz="1800" kern="1200">
-                <a:solidFill>
-                  <a:schemeClr val="tx1"/>
-                </a:solidFill>
-                <a:latin typeface="+mn-lt"/>
-                <a:ea typeface="+mn-ea"/>
-                <a:cs typeface="+mn-cs"/>
-              </a:defRPr>
-            </a:lvl8pPr>
-            <a:lvl9pPr marL="3657600" algn="l" defTabSz="914400" rtl="0" eaLnBrk="1" latinLnBrk="0" hangingPunct="1">
-              <a:defRPr sz="1800" kern="1200">
-                <a:solidFill>
-                  <a:schemeClr val="tx1"/>
-                </a:solidFill>
-                <a:latin typeface="+mn-lt"/>
-                <a:ea typeface="+mn-ea"/>
-                <a:cs typeface="+mn-cs"/>
-              </a:defRPr>
-            </a:lvl9pPr>
-          </a:lstStyle>
-          <a:p>
-            <a:fld id="{3EBA5BD7-F043-4D1B-AA17-CD412FC534DE}" type="slidenum">
+          <a:bodyPr/>
+          <a:lstStyle/>
+          <a:p>
+            <a:fld id="{2BF067CD-8E6B-4360-9AA8-C5DF2A48A6D1}" type="slidenum">
               <a:rPr lang="en-US" smtClean="0"/>
-              <a:pPr/>
               <a:t>12</a:t>
             </a:fld>
             <a:endParaRPr lang="en-US" dirty="0"/>
@@ -3539,13 +3836,7 @@
       </p:sp>
       <p:sp>
         <p:nvSpPr>
-          <p:cNvPr id="5" name="Footer Placeholder 7">
-            <a:extLst>
-              <a:ext uri="{FF2B5EF4-FFF2-40B4-BE49-F238E27FC236}">
-                <a16:creationId xmlns:a16="http://schemas.microsoft.com/office/drawing/2014/main" id="{0A4D3A2C-3BFC-6602-1212-E998CC7D4739}"/>
-              </a:ext>
-            </a:extLst>
-          </p:cNvPr>
+          <p:cNvPr id="5" name="Footer Placeholder 4"/>
           <p:cNvSpPr>
             <a:spLocks noGrp="1"/>
           </p:cNvSpPr>
@@ -3553,37 +3844,25 @@
             <p:ph type="ftr" sz="quarter" idx="4"/>
           </p:nvPr>
         </p:nvSpPr>
-        <p:spPr>
-          <a:xfrm>
-            <a:off x="-1" y="8892000"/>
-            <a:ext cx="6488999" cy="252000"/>
-          </a:xfrm>
-          <a:prstGeom prst="rect">
-            <a:avLst/>
-          </a:prstGeom>
-        </p:spPr>
+        <p:spPr/>
         <p:txBody>
-          <a:bodyPr vert="horz" lIns="91440" tIns="45720" rIns="91440" bIns="45720" rtlCol="0" anchor="b"/>
-          <a:lstStyle>
-            <a:lvl1pPr algn="l">
-              <a:defRPr sz="1100"/>
-            </a:lvl1pPr>
-          </a:lstStyle>
-          <a:p>
-            <a:r>
-              <a:rPr lang="bg-BG" sz="1100" dirty="0"/>
+          <a:bodyPr/>
+          <a:lstStyle/>
+          <a:p>
+            <a:r>
+              <a:rPr lang="bg-BG" sz="1100"/>
               <a:t>Работна група </a:t>
             </a:r>
             <a:r>
-              <a:rPr lang="bg-BG" dirty="0"/>
+              <a:rPr lang="bg-BG"/>
               <a:t>"Образование по програмиране и ИТ"</a:t>
             </a:r>
             <a:r>
-              <a:rPr lang="bg-BG" sz="1100" dirty="0"/>
+              <a:rPr lang="bg-BG" sz="1100"/>
               <a:t>, с подкрепата на </a:t>
             </a:r>
             <a:r>
-              <a:rPr lang="en-US" sz="1100" dirty="0">
+              <a:rPr lang="en-US" sz="1100">
                 <a:hlinkClick r:id="rId3"/>
               </a:rPr>
               <a:t>SoftUni</a:t>
@@ -3595,7 +3874,7 @@
     </p:spTree>
     <p:extLst>
       <p:ext uri="{BB962C8B-B14F-4D97-AF65-F5344CB8AC3E}">
-        <p14:creationId xmlns:p14="http://schemas.microsoft.com/office/powerpoint/2010/main" val="1590414964"/>
+        <p14:creationId xmlns:p14="http://schemas.microsoft.com/office/powerpoint/2010/main" val="1500821967"/>
       </p:ext>
     </p:extLst>
   </p:cSld>
@@ -3649,26 +3928,18 @@
           <a:bodyPr/>
           <a:lstStyle/>
           <a:p>
-            <a:r>
-              <a:rPr lang="en-US" dirty="0"/>
-              <a:t>The table is the</a:t>
-            </a:r>
-            <a:r>
-              <a:rPr lang="en-US" baseline="0" dirty="0"/>
-              <a:t> main unit of data storage. It has rows, columns and cells. Cells contain stored data. Each column has a data type. Types can be VARCHAR(String), INT, DATE etc.</a:t>
-            </a:r>
             <a:endParaRPr lang="en-US" dirty="0"/>
           </a:p>
         </p:txBody>
       </p:sp>
       <p:sp>
         <p:nvSpPr>
-          <p:cNvPr id="5" name="Slide Number Placeholder 4"/>
+          <p:cNvPr id="4" name="Slide Number Placeholder 3"/>
           <p:cNvSpPr>
             <a:spLocks noGrp="1"/>
           </p:cNvSpPr>
           <p:nvPr>
-            <p:ph type="sldNum" sz="quarter" idx="11"/>
+            <p:ph type="sldNum" sz="quarter" idx="5"/>
           </p:nvPr>
         </p:nvSpPr>
         <p:spPr/>
@@ -3676,10 +3947,9 @@
           <a:bodyPr/>
           <a:lstStyle/>
           <a:p>
-            <a:fld id="{3EBA5BD7-F043-4D1B-AA17-CD412FC534DE}" type="slidenum">
+            <a:fld id="{2BF067CD-8E6B-4360-9AA8-C5DF2A48A6D1}" type="slidenum">
               <a:rPr lang="en-US" smtClean="0"/>
-              <a:pPr/>
-              <a:t>15</a:t>
+              <a:t>16</a:t>
             </a:fld>
             <a:endParaRPr lang="en-US" dirty="0"/>
           </a:p>
@@ -3687,13 +3957,7 @@
       </p:sp>
       <p:sp>
         <p:nvSpPr>
-          <p:cNvPr id="4" name="Footer Placeholder 7">
-            <a:extLst>
-              <a:ext uri="{FF2B5EF4-FFF2-40B4-BE49-F238E27FC236}">
-                <a16:creationId xmlns:a16="http://schemas.microsoft.com/office/drawing/2014/main" id="{3C6E4365-C2C6-EADC-E2EB-76A5CDFDE20C}"/>
-              </a:ext>
-            </a:extLst>
-          </p:cNvPr>
+          <p:cNvPr id="5" name="Footer Placeholder 4"/>
           <p:cNvSpPr>
             <a:spLocks noGrp="1"/>
           </p:cNvSpPr>
@@ -3701,37 +3965,25 @@
             <p:ph type="ftr" sz="quarter" idx="4"/>
           </p:nvPr>
         </p:nvSpPr>
-        <p:spPr>
-          <a:xfrm>
-            <a:off x="-1" y="8892000"/>
-            <a:ext cx="6488999" cy="252000"/>
-          </a:xfrm>
-          <a:prstGeom prst="rect">
-            <a:avLst/>
-          </a:prstGeom>
-        </p:spPr>
+        <p:spPr/>
         <p:txBody>
-          <a:bodyPr vert="horz" lIns="91440" tIns="45720" rIns="91440" bIns="45720" rtlCol="0" anchor="b"/>
-          <a:lstStyle>
-            <a:lvl1pPr algn="l">
-              <a:defRPr sz="1100"/>
-            </a:lvl1pPr>
-          </a:lstStyle>
-          <a:p>
-            <a:r>
-              <a:rPr lang="bg-BG" sz="1100" dirty="0"/>
+          <a:bodyPr/>
+          <a:lstStyle/>
+          <a:p>
+            <a:r>
+              <a:rPr lang="bg-BG" sz="1100"/>
               <a:t>Работна група </a:t>
             </a:r>
             <a:r>
-              <a:rPr lang="bg-BG" dirty="0"/>
+              <a:rPr lang="bg-BG"/>
               <a:t>"Образование по програмиране и ИТ"</a:t>
             </a:r>
             <a:r>
-              <a:rPr lang="bg-BG" sz="1100" dirty="0"/>
+              <a:rPr lang="bg-BG" sz="1100"/>
               <a:t>, с подкрепата на </a:t>
             </a:r>
             <a:r>
-              <a:rPr lang="en-US" sz="1100" dirty="0">
+              <a:rPr lang="en-US" sz="1100">
                 <a:hlinkClick r:id="rId3"/>
               </a:rPr>
               <a:t>SoftUni</a:t>
@@ -3743,7 +3995,7 @@
     </p:spTree>
     <p:extLst>
       <p:ext uri="{BB962C8B-B14F-4D97-AF65-F5344CB8AC3E}">
-        <p14:creationId xmlns:p14="http://schemas.microsoft.com/office/powerpoint/2010/main" val="2324145607"/>
+        <p14:creationId xmlns:p14="http://schemas.microsoft.com/office/powerpoint/2010/main" val="1448062925"/>
       </p:ext>
     </p:extLst>
   </p:cSld>
@@ -3925,7 +4177,7 @@
             <a:fld id="{3EBA5BD7-F043-4D1B-AA17-CD412FC534DE}" type="slidenum">
               <a:rPr lang="en-US" smtClean="0"/>
               <a:pPr/>
-              <a:t>18</a:t>
+              <a:t>17</a:t>
             </a:fld>
             <a:endParaRPr lang="en-US" dirty="0"/>
           </a:p>
@@ -3936,7 +4188,7 @@
           <p:cNvPr id="5" name="Footer Placeholder 7">
             <a:extLst>
               <a:ext uri="{FF2B5EF4-FFF2-40B4-BE49-F238E27FC236}">
-                <a16:creationId xmlns:a16="http://schemas.microsoft.com/office/drawing/2014/main" id="{0595680F-3764-2EDC-1BBC-9E9756E08527}"/>
+                <a16:creationId xmlns:a16="http://schemas.microsoft.com/office/drawing/2014/main" id="{0A4D3A2C-3BFC-6602-1212-E998CC7D4739}"/>
               </a:ext>
             </a:extLst>
           </p:cNvPr>
@@ -3989,7 +4241,7 @@
     </p:spTree>
     <p:extLst>
       <p:ext uri="{BB962C8B-B14F-4D97-AF65-F5344CB8AC3E}">
-        <p14:creationId xmlns:p14="http://schemas.microsoft.com/office/powerpoint/2010/main" val="554297795"/>
+        <p14:creationId xmlns:p14="http://schemas.microsoft.com/office/powerpoint/2010/main" val="1590414964"/>
       </p:ext>
     </p:extLst>
   </p:cSld>
@@ -9356,6 +9608,649 @@
           <p:cNvPr id="2" name="Slide Number Placeholder 1">
             <a:extLst>
               <a:ext uri="{FF2B5EF4-FFF2-40B4-BE49-F238E27FC236}">
+                <a16:creationId xmlns:a16="http://schemas.microsoft.com/office/drawing/2014/main" id="{9569B274-448A-3425-2E30-DD9BDFF8D336}"/>
+              </a:ext>
+            </a:extLst>
+          </p:cNvPr>
+          <p:cNvSpPr>
+            <a:spLocks noGrp="1"/>
+          </p:cNvSpPr>
+          <p:nvPr>
+            <p:ph type="sldNum" sz="quarter" idx="5"/>
+          </p:nvPr>
+        </p:nvSpPr>
+        <p:spPr/>
+        <p:txBody>
+          <a:bodyPr/>
+          <a:lstStyle/>
+          <a:p>
+            <a:fld id="{2BF067CD-8E6B-4360-9AA8-C5DF2A48A6D1}" type="slidenum">
+              <a:rPr lang="en-US" noProof="0" smtClean="0"/>
+              <a:pPr/>
+              <a:t>10</a:t>
+            </a:fld>
+            <a:endParaRPr lang="en-US" noProof="0" dirty="0"/>
+          </a:p>
+        </p:txBody>
+      </p:sp>
+      <p:sp>
+        <p:nvSpPr>
+          <p:cNvPr id="3" name="Text Placeholder 2">
+            <a:extLst>
+              <a:ext uri="{FF2B5EF4-FFF2-40B4-BE49-F238E27FC236}">
+                <a16:creationId xmlns:a16="http://schemas.microsoft.com/office/drawing/2014/main" id="{4324E3B5-5383-F4BA-6768-D9AC14347D31}"/>
+              </a:ext>
+            </a:extLst>
+          </p:cNvPr>
+          <p:cNvSpPr>
+            <a:spLocks noGrp="1"/>
+          </p:cNvSpPr>
+          <p:nvPr>
+            <p:ph type="body" sz="quarter" idx="10"/>
+          </p:nvPr>
+        </p:nvSpPr>
+        <p:spPr/>
+        <p:txBody>
+          <a:bodyPr>
+            <a:normAutofit/>
+          </a:bodyPr>
+          <a:lstStyle/>
+          <a:p>
+            <a:pPr>
+              <a:buClr>
+                <a:schemeClr val="tx1"/>
+              </a:buClr>
+            </a:pPr>
+            <a:r>
+              <a:rPr lang="ru-RU" b="1" dirty="0">
+                <a:solidFill>
+                  <a:schemeClr val="bg1"/>
+                </a:solidFill>
+              </a:rPr>
+              <a:t>Създаване</a:t>
+            </a:r>
+            <a:r>
+              <a:rPr lang="ru-RU" dirty="0"/>
+              <a:t> на базата данни</a:t>
+            </a:r>
+          </a:p>
+          <a:p>
+            <a:pPr algn="l">
+              <a:buClr>
+                <a:schemeClr val="tx1"/>
+              </a:buClr>
+            </a:pPr>
+            <a:r>
+              <a:rPr lang="ru-RU" b="1" dirty="0">
+                <a:solidFill>
+                  <a:schemeClr val="bg1"/>
+                </a:solidFill>
+              </a:rPr>
+              <a:t>Вмъкване</a:t>
+            </a:r>
+            <a:r>
+              <a:rPr lang="ru-RU" dirty="0"/>
+              <a:t> на данни</a:t>
+            </a:r>
+          </a:p>
+          <a:p>
+            <a:pPr algn="l">
+              <a:buClr>
+                <a:schemeClr val="tx1"/>
+              </a:buClr>
+            </a:pPr>
+            <a:r>
+              <a:rPr lang="ru-RU" b="1" dirty="0">
+                <a:solidFill>
+                  <a:schemeClr val="bg1"/>
+                </a:solidFill>
+              </a:rPr>
+              <a:t>Модифициране</a:t>
+            </a:r>
+            <a:r>
+              <a:rPr lang="ru-RU" dirty="0"/>
+              <a:t> на данни</a:t>
+            </a:r>
+          </a:p>
+          <a:p>
+            <a:pPr algn="l">
+              <a:buClr>
+                <a:schemeClr val="tx1"/>
+              </a:buClr>
+            </a:pPr>
+            <a:r>
+              <a:rPr lang="ru-RU" b="1" dirty="0">
+                <a:solidFill>
+                  <a:schemeClr val="bg1"/>
+                </a:solidFill>
+              </a:rPr>
+              <a:t>Извличане</a:t>
+            </a:r>
+            <a:r>
+              <a:rPr lang="ru-RU" dirty="0"/>
+              <a:t> на данни</a:t>
+            </a:r>
+          </a:p>
+          <a:p>
+            <a:pPr algn="l">
+              <a:buClr>
+                <a:schemeClr val="tx1"/>
+              </a:buClr>
+            </a:pPr>
+            <a:r>
+              <a:rPr lang="ru-RU" b="1" dirty="0">
+                <a:solidFill>
+                  <a:schemeClr val="bg1"/>
+                </a:solidFill>
+              </a:rPr>
+              <a:t>Управление</a:t>
+            </a:r>
+            <a:r>
+              <a:rPr lang="ru-RU" dirty="0"/>
+              <a:t> на </a:t>
+            </a:r>
+            <a:r>
+              <a:rPr lang="ru-RU" b="1" dirty="0">
+                <a:solidFill>
+                  <a:schemeClr val="bg1"/>
+                </a:solidFill>
+              </a:rPr>
+              <a:t>транзакции</a:t>
+            </a:r>
+          </a:p>
+          <a:p>
+            <a:pPr algn="l">
+              <a:buClr>
+                <a:schemeClr val="tx1"/>
+              </a:buClr>
+            </a:pPr>
+            <a:r>
+              <a:rPr lang="ru-RU" b="1" dirty="0">
+                <a:solidFill>
+                  <a:schemeClr val="bg1"/>
+                </a:solidFill>
+              </a:rPr>
+              <a:t>Оптимизация</a:t>
+            </a:r>
+            <a:r>
+              <a:rPr lang="ru-RU" dirty="0"/>
+              <a:t> на </a:t>
+            </a:r>
+            <a:r>
+              <a:rPr lang="ru-RU" b="1" dirty="0">
+                <a:solidFill>
+                  <a:schemeClr val="bg1"/>
+                </a:solidFill>
+              </a:rPr>
+              <a:t>производителността</a:t>
+            </a:r>
+          </a:p>
+          <a:p>
+            <a:pPr>
+              <a:buClr>
+                <a:schemeClr val="tx1"/>
+              </a:buClr>
+            </a:pPr>
+            <a:r>
+              <a:rPr lang="ru-RU" b="1" dirty="0">
+                <a:solidFill>
+                  <a:schemeClr val="bg1"/>
+                </a:solidFill>
+              </a:rPr>
+              <a:t>Сигурност</a:t>
+            </a:r>
+            <a:r>
+              <a:rPr lang="ru-RU" dirty="0"/>
+              <a:t> и </a:t>
+            </a:r>
+            <a:r>
+              <a:rPr lang="ru-RU" b="1" dirty="0">
+                <a:solidFill>
+                  <a:schemeClr val="bg1"/>
+                </a:solidFill>
+              </a:rPr>
+              <a:t>резервно копие</a:t>
+            </a:r>
+            <a:endParaRPr lang="en-US" b="1" dirty="0">
+              <a:solidFill>
+                <a:schemeClr val="bg1"/>
+              </a:solidFill>
+            </a:endParaRPr>
+          </a:p>
+        </p:txBody>
+      </p:sp>
+      <p:sp>
+        <p:nvSpPr>
+          <p:cNvPr id="4" name="Title 3">
+            <a:extLst>
+              <a:ext uri="{FF2B5EF4-FFF2-40B4-BE49-F238E27FC236}">
+                <a16:creationId xmlns:a16="http://schemas.microsoft.com/office/drawing/2014/main" id="{73BD2D1D-2E13-93F9-3029-F6C06DA573F5}"/>
+              </a:ext>
+            </a:extLst>
+          </p:cNvPr>
+          <p:cNvSpPr>
+            <a:spLocks noGrp="1"/>
+          </p:cNvSpPr>
+          <p:nvPr>
+            <p:ph type="title"/>
+          </p:nvPr>
+        </p:nvSpPr>
+        <p:spPr/>
+        <p:txBody>
+          <a:bodyPr/>
+          <a:lstStyle/>
+          <a:p>
+            <a:r>
+              <a:rPr lang="bg-BG" dirty="0"/>
+              <a:t>Процедура на СУБД</a:t>
+            </a:r>
+            <a:endParaRPr lang="en-US" dirty="0"/>
+          </a:p>
+        </p:txBody>
+      </p:sp>
+      <p:pic>
+        <p:nvPicPr>
+          <p:cNvPr id="6" name="Picture 5" descr="A diagram of data processing&#10;&#10;Description automatically generated">
+            <a:extLst>
+              <a:ext uri="{FF2B5EF4-FFF2-40B4-BE49-F238E27FC236}">
+                <a16:creationId xmlns:a16="http://schemas.microsoft.com/office/drawing/2014/main" id="{2806821E-63A2-72F2-FE24-6701D0C7E445}"/>
+              </a:ext>
+            </a:extLst>
+          </p:cNvPr>
+          <p:cNvPicPr>
+            <a:picLocks noChangeAspect="1"/>
+          </p:cNvPicPr>
+          <p:nvPr/>
+        </p:nvPicPr>
+        <p:blipFill>
+          <a:blip r:embed="rId3">
+            <a:extLst>
+              <a:ext uri="{28A0092B-C50C-407E-A947-70E740481C1C}">
+                <a14:useLocalDpi xmlns:a14="http://schemas.microsoft.com/office/drawing/2010/main" val="0"/>
+              </a:ext>
+            </a:extLst>
+          </a:blip>
+          <a:stretch>
+            <a:fillRect/>
+          </a:stretch>
+        </p:blipFill>
+        <p:spPr>
+          <a:xfrm>
+            <a:off x="8028362" y="2025508"/>
+            <a:ext cx="3870000" cy="3870000"/>
+          </a:xfrm>
+          <a:prstGeom prst="rect">
+            <a:avLst/>
+          </a:prstGeom>
+        </p:spPr>
+      </p:pic>
+    </p:spTree>
+    <p:extLst>
+      <p:ext uri="{BB962C8B-B14F-4D97-AF65-F5344CB8AC3E}">
+        <p14:creationId xmlns:p14="http://schemas.microsoft.com/office/powerpoint/2010/main" val="4152656487"/>
+      </p:ext>
+    </p:extLst>
+  </p:cSld>
+  <p:clrMapOvr>
+    <a:masterClrMapping/>
+  </p:clrMapOvr>
+  <mc:AlternateContent xmlns:mc="http://schemas.openxmlformats.org/markup-compatibility/2006" xmlns:p14="http://schemas.microsoft.com/office/powerpoint/2010/main">
+    <mc:Choice Requires="p14">
+      <p:transition spd="slow" p14:dur="2000" advClick="0" advTm="5000"/>
+    </mc:Choice>
+    <mc:Fallback xmlns="">
+      <p:transition spd="slow" advClick="0" advTm="5000"/>
+    </mc:Fallback>
+  </mc:AlternateContent>
+  <p:timing>
+    <p:tnLst>
+      <p:par>
+        <p:cTn id="1" dur="indefinite" restart="never" nodeType="tmRoot">
+          <p:childTnLst>
+            <p:seq concurrent="1" nextAc="seek">
+              <p:cTn id="2" dur="indefinite" nodeType="mainSeq">
+                <p:childTnLst>
+                  <p:par>
+                    <p:cTn id="3" fill="hold">
+                      <p:stCondLst>
+                        <p:cond delay="indefinite"/>
+                      </p:stCondLst>
+                      <p:childTnLst>
+                        <p:par>
+                          <p:cTn id="4" fill="hold">
+                            <p:stCondLst>
+                              <p:cond delay="0"/>
+                            </p:stCondLst>
+                            <p:childTnLst>
+                              <p:par>
+                                <p:cTn id="5" presetID="1" presetClass="entr" presetSubtype="0" fill="hold" nodeType="clickEffect">
+                                  <p:stCondLst>
+                                    <p:cond delay="0"/>
+                                  </p:stCondLst>
+                                  <p:childTnLst>
+                                    <p:set>
+                                      <p:cBhvr>
+                                        <p:cTn id="6" dur="1" fill="hold">
+                                          <p:stCondLst>
+                                            <p:cond delay="0"/>
+                                          </p:stCondLst>
+                                        </p:cTn>
+                                        <p:tgtEl>
+                                          <p:spTgt spid="3">
+                                            <p:txEl>
+                                              <p:pRg st="1" end="1"/>
+                                            </p:txEl>
+                                          </p:spTgt>
+                                        </p:tgtEl>
+                                        <p:attrNameLst>
+                                          <p:attrName>style.visibility</p:attrName>
+                                        </p:attrNameLst>
+                                      </p:cBhvr>
+                                      <p:to>
+                                        <p:strVal val="visible"/>
+                                      </p:to>
+                                    </p:set>
+                                  </p:childTnLst>
+                                </p:cTn>
+                              </p:par>
+                            </p:childTnLst>
+                          </p:cTn>
+                        </p:par>
+                      </p:childTnLst>
+                    </p:cTn>
+                  </p:par>
+                  <p:par>
+                    <p:cTn id="7" fill="hold">
+                      <p:stCondLst>
+                        <p:cond delay="indefinite"/>
+                      </p:stCondLst>
+                      <p:childTnLst>
+                        <p:par>
+                          <p:cTn id="8" fill="hold">
+                            <p:stCondLst>
+                              <p:cond delay="0"/>
+                            </p:stCondLst>
+                            <p:childTnLst>
+                              <p:par>
+                                <p:cTn id="9" presetID="1" presetClass="entr" presetSubtype="0" fill="hold" nodeType="clickEffect">
+                                  <p:stCondLst>
+                                    <p:cond delay="0"/>
+                                  </p:stCondLst>
+                                  <p:childTnLst>
+                                    <p:set>
+                                      <p:cBhvr>
+                                        <p:cTn id="10" dur="1" fill="hold">
+                                          <p:stCondLst>
+                                            <p:cond delay="0"/>
+                                          </p:stCondLst>
+                                        </p:cTn>
+                                        <p:tgtEl>
+                                          <p:spTgt spid="3">
+                                            <p:txEl>
+                                              <p:pRg st="2" end="2"/>
+                                            </p:txEl>
+                                          </p:spTgt>
+                                        </p:tgtEl>
+                                        <p:attrNameLst>
+                                          <p:attrName>style.visibility</p:attrName>
+                                        </p:attrNameLst>
+                                      </p:cBhvr>
+                                      <p:to>
+                                        <p:strVal val="visible"/>
+                                      </p:to>
+                                    </p:set>
+                                  </p:childTnLst>
+                                </p:cTn>
+                              </p:par>
+                            </p:childTnLst>
+                          </p:cTn>
+                        </p:par>
+                      </p:childTnLst>
+                    </p:cTn>
+                  </p:par>
+                  <p:par>
+                    <p:cTn id="11" fill="hold">
+                      <p:stCondLst>
+                        <p:cond delay="indefinite"/>
+                      </p:stCondLst>
+                      <p:childTnLst>
+                        <p:par>
+                          <p:cTn id="12" fill="hold">
+                            <p:stCondLst>
+                              <p:cond delay="0"/>
+                            </p:stCondLst>
+                            <p:childTnLst>
+                              <p:par>
+                                <p:cTn id="13" presetID="1" presetClass="entr" presetSubtype="0" fill="hold" nodeType="clickEffect">
+                                  <p:stCondLst>
+                                    <p:cond delay="0"/>
+                                  </p:stCondLst>
+                                  <p:childTnLst>
+                                    <p:set>
+                                      <p:cBhvr>
+                                        <p:cTn id="14" dur="1" fill="hold">
+                                          <p:stCondLst>
+                                            <p:cond delay="0"/>
+                                          </p:stCondLst>
+                                        </p:cTn>
+                                        <p:tgtEl>
+                                          <p:spTgt spid="3">
+                                            <p:txEl>
+                                              <p:pRg st="3" end="3"/>
+                                            </p:txEl>
+                                          </p:spTgt>
+                                        </p:tgtEl>
+                                        <p:attrNameLst>
+                                          <p:attrName>style.visibility</p:attrName>
+                                        </p:attrNameLst>
+                                      </p:cBhvr>
+                                      <p:to>
+                                        <p:strVal val="visible"/>
+                                      </p:to>
+                                    </p:set>
+                                  </p:childTnLst>
+                                </p:cTn>
+                              </p:par>
+                            </p:childTnLst>
+                          </p:cTn>
+                        </p:par>
+                      </p:childTnLst>
+                    </p:cTn>
+                  </p:par>
+                  <p:par>
+                    <p:cTn id="15" fill="hold">
+                      <p:stCondLst>
+                        <p:cond delay="indefinite"/>
+                      </p:stCondLst>
+                      <p:childTnLst>
+                        <p:par>
+                          <p:cTn id="16" fill="hold">
+                            <p:stCondLst>
+                              <p:cond delay="0"/>
+                            </p:stCondLst>
+                            <p:childTnLst>
+                              <p:par>
+                                <p:cTn id="17" presetID="1" presetClass="entr" presetSubtype="0" fill="hold" nodeType="clickEffect">
+                                  <p:stCondLst>
+                                    <p:cond delay="0"/>
+                                  </p:stCondLst>
+                                  <p:childTnLst>
+                                    <p:set>
+                                      <p:cBhvr>
+                                        <p:cTn id="18" dur="1" fill="hold">
+                                          <p:stCondLst>
+                                            <p:cond delay="0"/>
+                                          </p:stCondLst>
+                                        </p:cTn>
+                                        <p:tgtEl>
+                                          <p:spTgt spid="3">
+                                            <p:txEl>
+                                              <p:pRg st="4" end="4"/>
+                                            </p:txEl>
+                                          </p:spTgt>
+                                        </p:tgtEl>
+                                        <p:attrNameLst>
+                                          <p:attrName>style.visibility</p:attrName>
+                                        </p:attrNameLst>
+                                      </p:cBhvr>
+                                      <p:to>
+                                        <p:strVal val="visible"/>
+                                      </p:to>
+                                    </p:set>
+                                  </p:childTnLst>
+                                </p:cTn>
+                              </p:par>
+                            </p:childTnLst>
+                          </p:cTn>
+                        </p:par>
+                      </p:childTnLst>
+                    </p:cTn>
+                  </p:par>
+                  <p:par>
+                    <p:cTn id="19" fill="hold">
+                      <p:stCondLst>
+                        <p:cond delay="indefinite"/>
+                      </p:stCondLst>
+                      <p:childTnLst>
+                        <p:par>
+                          <p:cTn id="20" fill="hold">
+                            <p:stCondLst>
+                              <p:cond delay="0"/>
+                            </p:stCondLst>
+                            <p:childTnLst>
+                              <p:par>
+                                <p:cTn id="21" presetID="1" presetClass="entr" presetSubtype="0" fill="hold" nodeType="clickEffect">
+                                  <p:stCondLst>
+                                    <p:cond delay="0"/>
+                                  </p:stCondLst>
+                                  <p:childTnLst>
+                                    <p:set>
+                                      <p:cBhvr>
+                                        <p:cTn id="22" dur="1" fill="hold">
+                                          <p:stCondLst>
+                                            <p:cond delay="0"/>
+                                          </p:stCondLst>
+                                        </p:cTn>
+                                        <p:tgtEl>
+                                          <p:spTgt spid="3">
+                                            <p:txEl>
+                                              <p:pRg st="5" end="5"/>
+                                            </p:txEl>
+                                          </p:spTgt>
+                                        </p:tgtEl>
+                                        <p:attrNameLst>
+                                          <p:attrName>style.visibility</p:attrName>
+                                        </p:attrNameLst>
+                                      </p:cBhvr>
+                                      <p:to>
+                                        <p:strVal val="visible"/>
+                                      </p:to>
+                                    </p:set>
+                                  </p:childTnLst>
+                                </p:cTn>
+                              </p:par>
+                            </p:childTnLst>
+                          </p:cTn>
+                        </p:par>
+                      </p:childTnLst>
+                    </p:cTn>
+                  </p:par>
+                  <p:par>
+                    <p:cTn id="23" fill="hold">
+                      <p:stCondLst>
+                        <p:cond delay="indefinite"/>
+                      </p:stCondLst>
+                      <p:childTnLst>
+                        <p:par>
+                          <p:cTn id="24" fill="hold">
+                            <p:stCondLst>
+                              <p:cond delay="0"/>
+                            </p:stCondLst>
+                            <p:childTnLst>
+                              <p:par>
+                                <p:cTn id="25" presetID="1" presetClass="entr" presetSubtype="0" fill="hold" nodeType="clickEffect">
+                                  <p:stCondLst>
+                                    <p:cond delay="0"/>
+                                  </p:stCondLst>
+                                  <p:childTnLst>
+                                    <p:set>
+                                      <p:cBhvr>
+                                        <p:cTn id="26" dur="1" fill="hold">
+                                          <p:stCondLst>
+                                            <p:cond delay="0"/>
+                                          </p:stCondLst>
+                                        </p:cTn>
+                                        <p:tgtEl>
+                                          <p:spTgt spid="3">
+                                            <p:txEl>
+                                              <p:pRg st="6" end="6"/>
+                                            </p:txEl>
+                                          </p:spTgt>
+                                        </p:tgtEl>
+                                        <p:attrNameLst>
+                                          <p:attrName>style.visibility</p:attrName>
+                                        </p:attrNameLst>
+                                      </p:cBhvr>
+                                      <p:to>
+                                        <p:strVal val="visible"/>
+                                      </p:to>
+                                    </p:set>
+                                  </p:childTnLst>
+                                </p:cTn>
+                              </p:par>
+                            </p:childTnLst>
+                          </p:cTn>
+                        </p:par>
+                      </p:childTnLst>
+                    </p:cTn>
+                  </p:par>
+                </p:childTnLst>
+              </p:cTn>
+              <p:prevCondLst>
+                <p:cond evt="onPrev" delay="0">
+                  <p:tgtEl>
+                    <p:sldTgt/>
+                  </p:tgtEl>
+                </p:cond>
+              </p:prevCondLst>
+              <p:nextCondLst>
+                <p:cond evt="onNext" delay="0">
+                  <p:tgtEl>
+                    <p:sldTgt/>
+                  </p:tgtEl>
+                </p:cond>
+              </p:nextCondLst>
+            </p:seq>
+          </p:childTnLst>
+        </p:cTn>
+      </p:par>
+    </p:tnLst>
+  </p:timing>
+</p:sld>
+</file>
+
+<file path=ppt/slides/slide11.xml><?xml version="1.0" encoding="utf-8"?>
+<p:sld xmlns:a="http://schemas.openxmlformats.org/drawingml/2006/main" xmlns:r="http://schemas.openxmlformats.org/officeDocument/2006/relationships" xmlns:p="http://schemas.openxmlformats.org/presentationml/2006/main">
+  <p:cSld>
+    <p:spTree>
+      <p:nvGrpSpPr>
+        <p:cNvPr id="1" name=""/>
+        <p:cNvGrpSpPr/>
+        <p:nvPr/>
+      </p:nvGrpSpPr>
+      <p:grpSpPr>
+        <a:xfrm>
+          <a:off x="0" y="0"/>
+          <a:ext cx="0" cy="0"/>
+          <a:chOff x="0" y="0"/>
+          <a:chExt cx="0" cy="0"/>
+        </a:xfrm>
+      </p:grpSpPr>
+      <p:sp>
+        <p:nvSpPr>
+          <p:cNvPr id="2" name="Slide Number Placeholder 1">
+            <a:extLst>
+              <a:ext uri="{FF2B5EF4-FFF2-40B4-BE49-F238E27FC236}">
                 <a16:creationId xmlns:a16="http://schemas.microsoft.com/office/drawing/2014/main" id="{3E8F03B4-0724-EDF0-7228-589D87072439}"/>
               </a:ext>
             </a:extLst>
@@ -9375,7 +10270,7 @@
             <a:fld id="{2BF067CD-8E6B-4360-9AA8-C5DF2A48A6D1}" type="slidenum">
               <a:rPr lang="en-US" noProof="0" smtClean="0"/>
               <a:pPr/>
-              <a:t>10</a:t>
+              <a:t>11</a:t>
             </a:fld>
             <a:endParaRPr lang="en-US" noProof="0" dirty="0"/>
           </a:p>
@@ -10000,7 +10895,7 @@
 </p:sld>
 </file>
 
-<file path=ppt/slides/slide11.xml><?xml version="1.0" encoding="utf-8"?>
+<file path=ppt/slides/slide12.xml><?xml version="1.0" encoding="utf-8"?>
 <p:sld xmlns:a="http://schemas.openxmlformats.org/drawingml/2006/main" xmlns:r="http://schemas.openxmlformats.org/officeDocument/2006/relationships" xmlns:p="http://schemas.openxmlformats.org/presentationml/2006/main">
   <p:cSld>
     <p:spTree>
@@ -10041,7 +10936,7 @@
             <a:fld id="{2BF067CD-8E6B-4360-9AA8-C5DF2A48A6D1}" type="slidenum">
               <a:rPr lang="en-US" noProof="0" smtClean="0"/>
               <a:pPr/>
-              <a:t>11</a:t>
+              <a:t>12</a:t>
             </a:fld>
             <a:endParaRPr lang="en-US" noProof="0" dirty="0"/>
           </a:p>
@@ -10398,7 +11293,1808 @@
 </p:sld>
 </file>
 
-<file path=ppt/slides/slide12.xml><?xml version="1.0" encoding="utf-8"?>
+<file path=ppt/slides/slide13.xml><?xml version="1.0" encoding="utf-8"?>
+<p:sld xmlns:a="http://schemas.openxmlformats.org/drawingml/2006/main" xmlns:r="http://schemas.openxmlformats.org/officeDocument/2006/relationships" xmlns:p="http://schemas.openxmlformats.org/presentationml/2006/main">
+  <p:cSld>
+    <p:spTree>
+      <p:nvGrpSpPr>
+        <p:cNvPr id="1" name=""/>
+        <p:cNvGrpSpPr/>
+        <p:nvPr/>
+      </p:nvGrpSpPr>
+      <p:grpSpPr>
+        <a:xfrm>
+          <a:off x="0" y="0"/>
+          <a:ext cx="0" cy="0"/>
+          <a:chOff x="0" y="0"/>
+          <a:chExt cx="0" cy="0"/>
+        </a:xfrm>
+      </p:grpSpPr>
+      <p:sp>
+        <p:nvSpPr>
+          <p:cNvPr id="2" name="Slide Number Placeholder 1">
+            <a:extLst>
+              <a:ext uri="{FF2B5EF4-FFF2-40B4-BE49-F238E27FC236}">
+                <a16:creationId xmlns:a16="http://schemas.microsoft.com/office/drawing/2014/main" id="{7CB31DE1-120F-22CA-806F-322BB16D6114}"/>
+              </a:ext>
+            </a:extLst>
+          </p:cNvPr>
+          <p:cNvSpPr>
+            <a:spLocks noGrp="1"/>
+          </p:cNvSpPr>
+          <p:nvPr>
+            <p:ph type="sldNum" sz="quarter" idx="5"/>
+          </p:nvPr>
+        </p:nvSpPr>
+        <p:spPr/>
+        <p:txBody>
+          <a:bodyPr/>
+          <a:lstStyle/>
+          <a:p>
+            <a:fld id="{2BF067CD-8E6B-4360-9AA8-C5DF2A48A6D1}" type="slidenum">
+              <a:rPr lang="en-US" noProof="0" smtClean="0"/>
+              <a:pPr/>
+              <a:t>13</a:t>
+            </a:fld>
+            <a:endParaRPr lang="en-US" noProof="0" dirty="0"/>
+          </a:p>
+        </p:txBody>
+      </p:sp>
+      <p:sp>
+        <p:nvSpPr>
+          <p:cNvPr id="3" name="Text Placeholder 2">
+            <a:extLst>
+              <a:ext uri="{FF2B5EF4-FFF2-40B4-BE49-F238E27FC236}">
+                <a16:creationId xmlns:a16="http://schemas.microsoft.com/office/drawing/2014/main" id="{A4530AD7-6A08-5650-9E30-62FAE34C876D}"/>
+              </a:ext>
+            </a:extLst>
+          </p:cNvPr>
+          <p:cNvSpPr>
+            <a:spLocks noGrp="1"/>
+          </p:cNvSpPr>
+          <p:nvPr>
+            <p:ph type="body" sz="quarter" idx="10"/>
+          </p:nvPr>
+        </p:nvSpPr>
+        <p:spPr/>
+        <p:txBody>
+          <a:bodyPr/>
+          <a:lstStyle/>
+          <a:p>
+            <a:r>
+              <a:rPr lang="bg-BG" dirty="0"/>
+              <a:t>Начин, по който </a:t>
+            </a:r>
+            <a:r>
+              <a:rPr lang="bg-BG" b="1" dirty="0">
+                <a:solidFill>
+                  <a:schemeClr val="bg1"/>
+                </a:solidFill>
+              </a:rPr>
+              <a:t>потребителят</a:t>
+            </a:r>
+            <a:r>
+              <a:rPr lang="bg-BG" dirty="0"/>
+              <a:t> вижда данните</a:t>
+            </a:r>
+          </a:p>
+          <a:p>
+            <a:r>
+              <a:rPr lang="ru-RU" dirty="0"/>
+              <a:t>Това е </a:t>
+            </a:r>
+            <a:r>
+              <a:rPr lang="ru-RU" b="1" dirty="0">
+                <a:solidFill>
+                  <a:schemeClr val="bg1"/>
+                </a:solidFill>
+              </a:rPr>
+              <a:t>най-високото ниво</a:t>
+            </a:r>
+            <a:r>
+              <a:rPr lang="ru-RU" dirty="0"/>
+              <a:t> от трите нива на </a:t>
+            </a:r>
+            <a:r>
+              <a:rPr lang="ru-RU" b="1" dirty="0"/>
+              <a:t>абстракция</a:t>
+            </a:r>
+          </a:p>
+          <a:p>
+            <a:r>
+              <a:rPr lang="ru-RU" dirty="0"/>
+              <a:t>Външните нива на абстракция могат да представляват различни "</a:t>
+            </a:r>
+            <a:r>
+              <a:rPr lang="ru-RU" b="1" dirty="0">
+                <a:solidFill>
+                  <a:schemeClr val="bg1"/>
+                </a:solidFill>
+              </a:rPr>
+              <a:t>изгледи</a:t>
+            </a:r>
+            <a:r>
+              <a:rPr lang="ru-RU" dirty="0"/>
+              <a:t>" (</a:t>
+            </a:r>
+            <a:r>
+              <a:rPr lang="ru-RU" b="1" dirty="0">
+                <a:solidFill>
+                  <a:schemeClr val="bg1"/>
+                </a:solidFill>
+              </a:rPr>
+              <a:t>views</a:t>
+            </a:r>
+            <a:r>
+              <a:rPr lang="ru-RU" dirty="0"/>
+              <a:t>) на базата данни</a:t>
+            </a:r>
+          </a:p>
+          <a:p>
+            <a:pPr lvl="1"/>
+            <a:r>
+              <a:rPr lang="ru-RU" dirty="0"/>
+              <a:t>Например таблица с данни, която е специфична за нуждите на отдел в организацията</a:t>
+            </a:r>
+            <a:endParaRPr lang="en-US" dirty="0"/>
+          </a:p>
+        </p:txBody>
+      </p:sp>
+      <p:sp>
+        <p:nvSpPr>
+          <p:cNvPr id="4" name="Title 3">
+            <a:extLst>
+              <a:ext uri="{FF2B5EF4-FFF2-40B4-BE49-F238E27FC236}">
+                <a16:creationId xmlns:a16="http://schemas.microsoft.com/office/drawing/2014/main" id="{1713FFE0-36E2-00F6-85A6-D6A0605E3E31}"/>
+              </a:ext>
+            </a:extLst>
+          </p:cNvPr>
+          <p:cNvSpPr>
+            <a:spLocks noGrp="1"/>
+          </p:cNvSpPr>
+          <p:nvPr>
+            <p:ph type="title"/>
+          </p:nvPr>
+        </p:nvSpPr>
+        <p:spPr/>
+        <p:txBody>
+          <a:bodyPr/>
+          <a:lstStyle/>
+          <a:p>
+            <a:r>
+              <a:rPr lang="ru-RU" dirty="0"/>
+              <a:t>Външно ниво на абстракция</a:t>
+            </a:r>
+            <a:endParaRPr lang="en-US" dirty="0"/>
+          </a:p>
+        </p:txBody>
+      </p:sp>
+    </p:spTree>
+    <p:extLst>
+      <p:ext uri="{BB962C8B-B14F-4D97-AF65-F5344CB8AC3E}">
+        <p14:creationId xmlns:p14="http://schemas.microsoft.com/office/powerpoint/2010/main" val="2132212891"/>
+      </p:ext>
+    </p:extLst>
+  </p:cSld>
+  <p:clrMapOvr>
+    <a:masterClrMapping/>
+  </p:clrMapOvr>
+  <mc:AlternateContent xmlns:mc="http://schemas.openxmlformats.org/markup-compatibility/2006" xmlns:p14="http://schemas.microsoft.com/office/powerpoint/2010/main">
+    <mc:Choice Requires="p14">
+      <p:transition spd="slow" p14:dur="2000" advClick="0" advTm="5000"/>
+    </mc:Choice>
+    <mc:Fallback xmlns="">
+      <p:transition spd="slow" advClick="0" advTm="5000"/>
+    </mc:Fallback>
+  </mc:AlternateContent>
+  <p:timing>
+    <p:tnLst>
+      <p:par>
+        <p:cTn id="1" dur="indefinite" restart="never" nodeType="tmRoot">
+          <p:childTnLst>
+            <p:seq concurrent="1" nextAc="seek">
+              <p:cTn id="2" dur="indefinite" nodeType="mainSeq">
+                <p:childTnLst>
+                  <p:par>
+                    <p:cTn id="3" fill="hold">
+                      <p:stCondLst>
+                        <p:cond delay="indefinite"/>
+                      </p:stCondLst>
+                      <p:childTnLst>
+                        <p:par>
+                          <p:cTn id="4" fill="hold">
+                            <p:stCondLst>
+                              <p:cond delay="0"/>
+                            </p:stCondLst>
+                            <p:childTnLst>
+                              <p:par>
+                                <p:cTn id="5" presetID="1" presetClass="entr" presetSubtype="0" fill="hold" nodeType="clickEffect">
+                                  <p:stCondLst>
+                                    <p:cond delay="0"/>
+                                  </p:stCondLst>
+                                  <p:childTnLst>
+                                    <p:set>
+                                      <p:cBhvr>
+                                        <p:cTn id="6" dur="1" fill="hold">
+                                          <p:stCondLst>
+                                            <p:cond delay="0"/>
+                                          </p:stCondLst>
+                                        </p:cTn>
+                                        <p:tgtEl>
+                                          <p:spTgt spid="3">
+                                            <p:txEl>
+                                              <p:pRg st="1" end="1"/>
+                                            </p:txEl>
+                                          </p:spTgt>
+                                        </p:tgtEl>
+                                        <p:attrNameLst>
+                                          <p:attrName>style.visibility</p:attrName>
+                                        </p:attrNameLst>
+                                      </p:cBhvr>
+                                      <p:to>
+                                        <p:strVal val="visible"/>
+                                      </p:to>
+                                    </p:set>
+                                  </p:childTnLst>
+                                </p:cTn>
+                              </p:par>
+                            </p:childTnLst>
+                          </p:cTn>
+                        </p:par>
+                      </p:childTnLst>
+                    </p:cTn>
+                  </p:par>
+                  <p:par>
+                    <p:cTn id="7" fill="hold">
+                      <p:stCondLst>
+                        <p:cond delay="indefinite"/>
+                      </p:stCondLst>
+                      <p:childTnLst>
+                        <p:par>
+                          <p:cTn id="8" fill="hold">
+                            <p:stCondLst>
+                              <p:cond delay="0"/>
+                            </p:stCondLst>
+                            <p:childTnLst>
+                              <p:par>
+                                <p:cTn id="9" presetID="1" presetClass="entr" presetSubtype="0" fill="hold" nodeType="clickEffect">
+                                  <p:stCondLst>
+                                    <p:cond delay="0"/>
+                                  </p:stCondLst>
+                                  <p:childTnLst>
+                                    <p:set>
+                                      <p:cBhvr>
+                                        <p:cTn id="10" dur="1" fill="hold">
+                                          <p:stCondLst>
+                                            <p:cond delay="0"/>
+                                          </p:stCondLst>
+                                        </p:cTn>
+                                        <p:tgtEl>
+                                          <p:spTgt spid="3">
+                                            <p:txEl>
+                                              <p:pRg st="2" end="2"/>
+                                            </p:txEl>
+                                          </p:spTgt>
+                                        </p:tgtEl>
+                                        <p:attrNameLst>
+                                          <p:attrName>style.visibility</p:attrName>
+                                        </p:attrNameLst>
+                                      </p:cBhvr>
+                                      <p:to>
+                                        <p:strVal val="visible"/>
+                                      </p:to>
+                                    </p:set>
+                                  </p:childTnLst>
+                                </p:cTn>
+                              </p:par>
+                              <p:par>
+                                <p:cTn id="11" presetID="1" presetClass="entr" presetSubtype="0" fill="hold" nodeType="withEffect">
+                                  <p:stCondLst>
+                                    <p:cond delay="0"/>
+                                  </p:stCondLst>
+                                  <p:childTnLst>
+                                    <p:set>
+                                      <p:cBhvr>
+                                        <p:cTn id="12" dur="1" fill="hold">
+                                          <p:stCondLst>
+                                            <p:cond delay="0"/>
+                                          </p:stCondLst>
+                                        </p:cTn>
+                                        <p:tgtEl>
+                                          <p:spTgt spid="3">
+                                            <p:txEl>
+                                              <p:pRg st="3" end="3"/>
+                                            </p:txEl>
+                                          </p:spTgt>
+                                        </p:tgtEl>
+                                        <p:attrNameLst>
+                                          <p:attrName>style.visibility</p:attrName>
+                                        </p:attrNameLst>
+                                      </p:cBhvr>
+                                      <p:to>
+                                        <p:strVal val="visible"/>
+                                      </p:to>
+                                    </p:set>
+                                  </p:childTnLst>
+                                </p:cTn>
+                              </p:par>
+                            </p:childTnLst>
+                          </p:cTn>
+                        </p:par>
+                      </p:childTnLst>
+                    </p:cTn>
+                  </p:par>
+                </p:childTnLst>
+              </p:cTn>
+              <p:prevCondLst>
+                <p:cond evt="onPrev" delay="0">
+                  <p:tgtEl>
+                    <p:sldTgt/>
+                  </p:tgtEl>
+                </p:cond>
+              </p:prevCondLst>
+              <p:nextCondLst>
+                <p:cond evt="onNext" delay="0">
+                  <p:tgtEl>
+                    <p:sldTgt/>
+                  </p:tgtEl>
+                </p:cond>
+              </p:nextCondLst>
+            </p:seq>
+          </p:childTnLst>
+        </p:cTn>
+      </p:par>
+    </p:tnLst>
+  </p:timing>
+</p:sld>
+</file>
+
+<file path=ppt/slides/slide14.xml><?xml version="1.0" encoding="utf-8"?>
+<p:sld xmlns:a="http://schemas.openxmlformats.org/drawingml/2006/main" xmlns:r="http://schemas.openxmlformats.org/officeDocument/2006/relationships" xmlns:p="http://schemas.openxmlformats.org/presentationml/2006/main">
+  <p:cSld>
+    <p:spTree>
+      <p:nvGrpSpPr>
+        <p:cNvPr id="1" name=""/>
+        <p:cNvGrpSpPr/>
+        <p:nvPr/>
+      </p:nvGrpSpPr>
+      <p:grpSpPr>
+        <a:xfrm>
+          <a:off x="0" y="0"/>
+          <a:ext cx="0" cy="0"/>
+          <a:chOff x="0" y="0"/>
+          <a:chExt cx="0" cy="0"/>
+        </a:xfrm>
+      </p:grpSpPr>
+      <p:sp>
+        <p:nvSpPr>
+          <p:cNvPr id="2" name="Slide Number Placeholder 1">
+            <a:extLst>
+              <a:ext uri="{FF2B5EF4-FFF2-40B4-BE49-F238E27FC236}">
+                <a16:creationId xmlns:a16="http://schemas.microsoft.com/office/drawing/2014/main" id="{A2C8208D-726E-A260-D421-D6ED7EDC65C2}"/>
+              </a:ext>
+            </a:extLst>
+          </p:cNvPr>
+          <p:cNvSpPr>
+            <a:spLocks noGrp="1"/>
+          </p:cNvSpPr>
+          <p:nvPr>
+            <p:ph type="sldNum" sz="quarter" idx="5"/>
+          </p:nvPr>
+        </p:nvSpPr>
+        <p:spPr/>
+        <p:txBody>
+          <a:bodyPr/>
+          <a:lstStyle/>
+          <a:p>
+            <a:fld id="{2BF067CD-8E6B-4360-9AA8-C5DF2A48A6D1}" type="slidenum">
+              <a:rPr lang="en-US" noProof="0" smtClean="0"/>
+              <a:pPr/>
+              <a:t>14</a:t>
+            </a:fld>
+            <a:endParaRPr lang="en-US" noProof="0" dirty="0"/>
+          </a:p>
+        </p:txBody>
+      </p:sp>
+      <p:sp>
+        <p:nvSpPr>
+          <p:cNvPr id="3" name="Text Placeholder 2">
+            <a:extLst>
+              <a:ext uri="{FF2B5EF4-FFF2-40B4-BE49-F238E27FC236}">
+                <a16:creationId xmlns:a16="http://schemas.microsoft.com/office/drawing/2014/main" id="{CE5FEA2A-F128-8014-2E94-67C56C8C77E2}"/>
+              </a:ext>
+            </a:extLst>
+          </p:cNvPr>
+          <p:cNvSpPr>
+            <a:spLocks noGrp="1"/>
+          </p:cNvSpPr>
+          <p:nvPr>
+            <p:ph type="body" sz="quarter" idx="10"/>
+          </p:nvPr>
+        </p:nvSpPr>
+        <p:spPr/>
+        <p:txBody>
+          <a:bodyPr/>
+          <a:lstStyle/>
+          <a:p>
+            <a:r>
+              <a:rPr lang="ru-RU" dirty="0"/>
+              <a:t>Посредник между </a:t>
+            </a:r>
+            <a:r>
+              <a:rPr lang="ru-RU" b="1" dirty="0">
+                <a:solidFill>
+                  <a:schemeClr val="bg1"/>
+                </a:solidFill>
+              </a:rPr>
+              <a:t>външните</a:t>
+            </a:r>
+            <a:r>
+              <a:rPr lang="ru-RU" dirty="0"/>
+              <a:t> и </a:t>
+            </a:r>
+            <a:r>
+              <a:rPr lang="ru-RU" b="1" dirty="0">
+                <a:solidFill>
+                  <a:schemeClr val="bg1"/>
+                </a:solidFill>
+              </a:rPr>
+              <a:t>вътрешните</a:t>
+            </a:r>
+            <a:r>
+              <a:rPr lang="ru-RU" dirty="0"/>
+              <a:t> нива на </a:t>
+            </a:r>
+            <a:r>
+              <a:rPr lang="ru-RU" b="1" dirty="0"/>
+              <a:t>абстракция</a:t>
+            </a:r>
+          </a:p>
+          <a:p>
+            <a:r>
+              <a:rPr lang="ru-RU" dirty="0"/>
+              <a:t>Описва </a:t>
+            </a:r>
+            <a:r>
+              <a:rPr lang="ru-RU" b="1" dirty="0">
+                <a:solidFill>
+                  <a:schemeClr val="bg1"/>
+                </a:solidFill>
+              </a:rPr>
+              <a:t>структурата</a:t>
+            </a:r>
+            <a:r>
+              <a:rPr lang="ru-RU" dirty="0"/>
+              <a:t> на цялата </a:t>
+            </a:r>
+            <a:r>
+              <a:rPr lang="ru-RU" b="1" dirty="0">
+                <a:solidFill>
+                  <a:schemeClr val="bg1"/>
+                </a:solidFill>
+              </a:rPr>
+              <a:t>база данни</a:t>
+            </a:r>
+            <a:r>
+              <a:rPr lang="ru-RU" dirty="0">
+                <a:solidFill>
+                  <a:schemeClr val="bg1"/>
+                </a:solidFill>
+              </a:rPr>
+              <a:t> </a:t>
+            </a:r>
+            <a:r>
+              <a:rPr lang="ru-RU" dirty="0"/>
+              <a:t>за </a:t>
+            </a:r>
+            <a:r>
+              <a:rPr lang="ru-RU" b="1" dirty="0">
+                <a:solidFill>
+                  <a:schemeClr val="bg1"/>
+                </a:solidFill>
+              </a:rPr>
+              <a:t>всички</a:t>
+            </a:r>
+            <a:r>
+              <a:rPr lang="ru-RU" dirty="0"/>
+              <a:t> потребители</a:t>
+            </a:r>
+          </a:p>
+          <a:p>
+            <a:r>
+              <a:rPr lang="ru-RU" dirty="0"/>
+              <a:t>Определя какви </a:t>
+            </a:r>
+            <a:r>
+              <a:rPr lang="ru-RU" b="1" dirty="0">
+                <a:solidFill>
+                  <a:schemeClr val="bg1"/>
+                </a:solidFill>
+              </a:rPr>
+              <a:t>данни</a:t>
+            </a:r>
+            <a:r>
+              <a:rPr lang="ru-RU" dirty="0"/>
+              <a:t> се </a:t>
+            </a:r>
+            <a:r>
+              <a:rPr lang="ru-RU" b="1" dirty="0">
+                <a:solidFill>
+                  <a:schemeClr val="bg1"/>
+                </a:solidFill>
+              </a:rPr>
+              <a:t>съхраняват</a:t>
+            </a:r>
+            <a:r>
+              <a:rPr lang="ru-RU" dirty="0"/>
+              <a:t> в базата данни и </a:t>
+            </a:r>
+            <a:r>
+              <a:rPr lang="ru-RU" b="1" dirty="0">
+                <a:solidFill>
+                  <a:schemeClr val="bg1"/>
+                </a:solidFill>
+              </a:rPr>
+              <a:t>връзките</a:t>
+            </a:r>
+            <a:r>
+              <a:rPr lang="ru-RU" dirty="0"/>
+              <a:t> между тях, но без да влиза в детайли как точно тези данни се съхраняват физически</a:t>
+            </a:r>
+            <a:endParaRPr lang="en-US" dirty="0"/>
+          </a:p>
+        </p:txBody>
+      </p:sp>
+      <p:sp>
+        <p:nvSpPr>
+          <p:cNvPr id="4" name="Title 3">
+            <a:extLst>
+              <a:ext uri="{FF2B5EF4-FFF2-40B4-BE49-F238E27FC236}">
+                <a16:creationId xmlns:a16="http://schemas.microsoft.com/office/drawing/2014/main" id="{4636B1A0-5A39-1F5E-E211-8548A4FA8D09}"/>
+              </a:ext>
+            </a:extLst>
+          </p:cNvPr>
+          <p:cNvSpPr>
+            <a:spLocks noGrp="1"/>
+          </p:cNvSpPr>
+          <p:nvPr>
+            <p:ph type="title"/>
+          </p:nvPr>
+        </p:nvSpPr>
+        <p:spPr/>
+        <p:txBody>
+          <a:bodyPr/>
+          <a:lstStyle/>
+          <a:p>
+            <a:r>
+              <a:rPr lang="ru-RU" dirty="0"/>
+              <a:t>Концептуално ниво на абстракция</a:t>
+            </a:r>
+            <a:endParaRPr lang="en-US" dirty="0"/>
+          </a:p>
+        </p:txBody>
+      </p:sp>
+    </p:spTree>
+    <p:extLst>
+      <p:ext uri="{BB962C8B-B14F-4D97-AF65-F5344CB8AC3E}">
+        <p14:creationId xmlns:p14="http://schemas.microsoft.com/office/powerpoint/2010/main" val="1997393453"/>
+      </p:ext>
+    </p:extLst>
+  </p:cSld>
+  <p:clrMapOvr>
+    <a:masterClrMapping/>
+  </p:clrMapOvr>
+  <mc:AlternateContent xmlns:mc="http://schemas.openxmlformats.org/markup-compatibility/2006" xmlns:p14="http://schemas.microsoft.com/office/powerpoint/2010/main">
+    <mc:Choice Requires="p14">
+      <p:transition spd="slow" p14:dur="2000" advClick="0" advTm="5000"/>
+    </mc:Choice>
+    <mc:Fallback xmlns="">
+      <p:transition spd="slow" advClick="0" advTm="5000"/>
+    </mc:Fallback>
+  </mc:AlternateContent>
+  <p:timing>
+    <p:tnLst>
+      <p:par>
+        <p:cTn id="1" dur="indefinite" restart="never" nodeType="tmRoot">
+          <p:childTnLst>
+            <p:seq concurrent="1" nextAc="seek">
+              <p:cTn id="2" dur="indefinite" nodeType="mainSeq">
+                <p:childTnLst>
+                  <p:par>
+                    <p:cTn id="3" fill="hold">
+                      <p:stCondLst>
+                        <p:cond delay="indefinite"/>
+                      </p:stCondLst>
+                      <p:childTnLst>
+                        <p:par>
+                          <p:cTn id="4" fill="hold">
+                            <p:stCondLst>
+                              <p:cond delay="0"/>
+                            </p:stCondLst>
+                            <p:childTnLst>
+                              <p:par>
+                                <p:cTn id="5" presetID="1" presetClass="entr" presetSubtype="0" fill="hold" nodeType="clickEffect">
+                                  <p:stCondLst>
+                                    <p:cond delay="0"/>
+                                  </p:stCondLst>
+                                  <p:childTnLst>
+                                    <p:set>
+                                      <p:cBhvr>
+                                        <p:cTn id="6" dur="1" fill="hold">
+                                          <p:stCondLst>
+                                            <p:cond delay="0"/>
+                                          </p:stCondLst>
+                                        </p:cTn>
+                                        <p:tgtEl>
+                                          <p:spTgt spid="3">
+                                            <p:txEl>
+                                              <p:pRg st="1" end="1"/>
+                                            </p:txEl>
+                                          </p:spTgt>
+                                        </p:tgtEl>
+                                        <p:attrNameLst>
+                                          <p:attrName>style.visibility</p:attrName>
+                                        </p:attrNameLst>
+                                      </p:cBhvr>
+                                      <p:to>
+                                        <p:strVal val="visible"/>
+                                      </p:to>
+                                    </p:set>
+                                  </p:childTnLst>
+                                </p:cTn>
+                              </p:par>
+                            </p:childTnLst>
+                          </p:cTn>
+                        </p:par>
+                      </p:childTnLst>
+                    </p:cTn>
+                  </p:par>
+                  <p:par>
+                    <p:cTn id="7" fill="hold">
+                      <p:stCondLst>
+                        <p:cond delay="indefinite"/>
+                      </p:stCondLst>
+                      <p:childTnLst>
+                        <p:par>
+                          <p:cTn id="8" fill="hold">
+                            <p:stCondLst>
+                              <p:cond delay="0"/>
+                            </p:stCondLst>
+                            <p:childTnLst>
+                              <p:par>
+                                <p:cTn id="9" presetID="1" presetClass="entr" presetSubtype="0" fill="hold" nodeType="clickEffect">
+                                  <p:stCondLst>
+                                    <p:cond delay="0"/>
+                                  </p:stCondLst>
+                                  <p:childTnLst>
+                                    <p:set>
+                                      <p:cBhvr>
+                                        <p:cTn id="10" dur="1" fill="hold">
+                                          <p:stCondLst>
+                                            <p:cond delay="0"/>
+                                          </p:stCondLst>
+                                        </p:cTn>
+                                        <p:tgtEl>
+                                          <p:spTgt spid="3">
+                                            <p:txEl>
+                                              <p:pRg st="2" end="2"/>
+                                            </p:txEl>
+                                          </p:spTgt>
+                                        </p:tgtEl>
+                                        <p:attrNameLst>
+                                          <p:attrName>style.visibility</p:attrName>
+                                        </p:attrNameLst>
+                                      </p:cBhvr>
+                                      <p:to>
+                                        <p:strVal val="visible"/>
+                                      </p:to>
+                                    </p:set>
+                                  </p:childTnLst>
+                                </p:cTn>
+                              </p:par>
+                            </p:childTnLst>
+                          </p:cTn>
+                        </p:par>
+                      </p:childTnLst>
+                    </p:cTn>
+                  </p:par>
+                </p:childTnLst>
+              </p:cTn>
+              <p:prevCondLst>
+                <p:cond evt="onPrev" delay="0">
+                  <p:tgtEl>
+                    <p:sldTgt/>
+                  </p:tgtEl>
+                </p:cond>
+              </p:prevCondLst>
+              <p:nextCondLst>
+                <p:cond evt="onNext" delay="0">
+                  <p:tgtEl>
+                    <p:sldTgt/>
+                  </p:tgtEl>
+                </p:cond>
+              </p:nextCondLst>
+            </p:seq>
+          </p:childTnLst>
+        </p:cTn>
+      </p:par>
+    </p:tnLst>
+  </p:timing>
+</p:sld>
+</file>
+
+<file path=ppt/slides/slide15.xml><?xml version="1.0" encoding="utf-8"?>
+<p:sld xmlns:a="http://schemas.openxmlformats.org/drawingml/2006/main" xmlns:r="http://schemas.openxmlformats.org/officeDocument/2006/relationships" xmlns:p="http://schemas.openxmlformats.org/presentationml/2006/main">
+  <p:cSld>
+    <p:spTree>
+      <p:nvGrpSpPr>
+        <p:cNvPr id="1" name=""/>
+        <p:cNvGrpSpPr/>
+        <p:nvPr/>
+      </p:nvGrpSpPr>
+      <p:grpSpPr>
+        <a:xfrm>
+          <a:off x="0" y="0"/>
+          <a:ext cx="0" cy="0"/>
+          <a:chOff x="0" y="0"/>
+          <a:chExt cx="0" cy="0"/>
+        </a:xfrm>
+      </p:grpSpPr>
+      <p:sp>
+        <p:nvSpPr>
+          <p:cNvPr id="2" name="Slide Number Placeholder 1">
+            <a:extLst>
+              <a:ext uri="{FF2B5EF4-FFF2-40B4-BE49-F238E27FC236}">
+                <a16:creationId xmlns:a16="http://schemas.microsoft.com/office/drawing/2014/main" id="{2F11ACC2-CBC7-7CCF-3FE2-CD8FB8D481AD}"/>
+              </a:ext>
+            </a:extLst>
+          </p:cNvPr>
+          <p:cNvSpPr>
+            <a:spLocks noGrp="1"/>
+          </p:cNvSpPr>
+          <p:nvPr>
+            <p:ph type="sldNum" sz="quarter" idx="5"/>
+          </p:nvPr>
+        </p:nvSpPr>
+        <p:spPr/>
+        <p:txBody>
+          <a:bodyPr/>
+          <a:lstStyle/>
+          <a:p>
+            <a:fld id="{2BF067CD-8E6B-4360-9AA8-C5DF2A48A6D1}" type="slidenum">
+              <a:rPr lang="en-US" noProof="0" smtClean="0"/>
+              <a:pPr/>
+              <a:t>15</a:t>
+            </a:fld>
+            <a:endParaRPr lang="en-US" noProof="0" dirty="0"/>
+          </a:p>
+        </p:txBody>
+      </p:sp>
+      <p:sp>
+        <p:nvSpPr>
+          <p:cNvPr id="3" name="Text Placeholder 2">
+            <a:extLst>
+              <a:ext uri="{FF2B5EF4-FFF2-40B4-BE49-F238E27FC236}">
+                <a16:creationId xmlns:a16="http://schemas.microsoft.com/office/drawing/2014/main" id="{C23E87E5-B8D6-025A-BBBE-20A1695B8E7F}"/>
+              </a:ext>
+            </a:extLst>
+          </p:cNvPr>
+          <p:cNvSpPr>
+            <a:spLocks noGrp="1"/>
+          </p:cNvSpPr>
+          <p:nvPr>
+            <p:ph type="body" sz="quarter" idx="10"/>
+          </p:nvPr>
+        </p:nvSpPr>
+        <p:spPr/>
+        <p:txBody>
+          <a:bodyPr/>
+          <a:lstStyle/>
+          <a:p>
+            <a:pPr>
+              <a:buClr>
+                <a:schemeClr val="tx1"/>
+              </a:buClr>
+            </a:pPr>
+            <a:r>
+              <a:rPr lang="ru-RU" b="1" dirty="0">
+                <a:solidFill>
+                  <a:schemeClr val="bg1"/>
+                </a:solidFill>
+              </a:rPr>
+              <a:t>Най-ниското</a:t>
+            </a:r>
+            <a:r>
+              <a:rPr lang="ru-RU" dirty="0"/>
+              <a:t> ниво и описва </a:t>
+            </a:r>
+            <a:r>
+              <a:rPr lang="ru-RU" b="1" dirty="0">
+                <a:solidFill>
+                  <a:schemeClr val="bg1"/>
+                </a:solidFill>
+              </a:rPr>
+              <a:t>физическото</a:t>
+            </a:r>
+            <a:r>
+              <a:rPr lang="ru-RU" dirty="0"/>
+              <a:t> съхранение на данните в базата</a:t>
+            </a:r>
+          </a:p>
+          <a:p>
+            <a:r>
+              <a:rPr lang="ru-RU" dirty="0"/>
+              <a:t>Включва </a:t>
+            </a:r>
+            <a:r>
+              <a:rPr lang="ru-RU" b="1" dirty="0">
+                <a:solidFill>
+                  <a:schemeClr val="bg1"/>
+                </a:solidFill>
+              </a:rPr>
+              <a:t>физическите</a:t>
+            </a:r>
+            <a:r>
+              <a:rPr lang="ru-RU" dirty="0"/>
+              <a:t> </a:t>
+            </a:r>
+            <a:r>
+              <a:rPr lang="ru-RU" b="1" dirty="0">
+                <a:solidFill>
+                  <a:schemeClr val="bg1"/>
+                </a:solidFill>
+              </a:rPr>
+              <a:t>пътища</a:t>
+            </a:r>
+            <a:r>
+              <a:rPr lang="ru-RU" dirty="0"/>
+              <a:t> за достъп до данните, както и </a:t>
+            </a:r>
+            <a:r>
+              <a:rPr lang="ru-RU" b="1" dirty="0">
+                <a:solidFill>
+                  <a:schemeClr val="bg1"/>
+                </a:solidFill>
+              </a:rPr>
+              <a:t>структурите</a:t>
+            </a:r>
+            <a:r>
+              <a:rPr lang="ru-RU" dirty="0"/>
+              <a:t> за </a:t>
+            </a:r>
+            <a:r>
+              <a:rPr lang="ru-RU" b="1" dirty="0">
+                <a:solidFill>
+                  <a:schemeClr val="bg1"/>
+                </a:solidFill>
+              </a:rPr>
+              <a:t>съхранение</a:t>
+            </a:r>
+            <a:r>
+              <a:rPr lang="ru-RU" dirty="0"/>
+              <a:t> като </a:t>
+            </a:r>
+            <a:r>
+              <a:rPr lang="ru-RU" b="1" dirty="0">
+                <a:solidFill>
+                  <a:schemeClr val="bg1"/>
+                </a:solidFill>
+              </a:rPr>
+              <a:t>индекси</a:t>
+            </a:r>
+            <a:r>
+              <a:rPr lang="ru-RU" dirty="0"/>
+              <a:t> и </a:t>
+            </a:r>
+            <a:r>
+              <a:rPr lang="ru-RU" b="1" dirty="0">
+                <a:solidFill>
+                  <a:schemeClr val="bg1"/>
+                </a:solidFill>
+              </a:rPr>
+              <a:t>хеш-таблиците</a:t>
+            </a:r>
+          </a:p>
+          <a:p>
+            <a:r>
+              <a:rPr lang="ru-RU" dirty="0"/>
+              <a:t>Занимава се с </a:t>
+            </a:r>
+            <a:r>
+              <a:rPr lang="ru-RU" b="1" dirty="0">
+                <a:solidFill>
+                  <a:schemeClr val="bg1"/>
+                </a:solidFill>
+              </a:rPr>
+              <a:t>оптимизирането</a:t>
+            </a:r>
+            <a:r>
+              <a:rPr lang="ru-RU" dirty="0"/>
+              <a:t> на </a:t>
+            </a:r>
+            <a:r>
+              <a:rPr lang="ru-RU" b="1" dirty="0">
+                <a:solidFill>
+                  <a:schemeClr val="bg1"/>
+                </a:solidFill>
+              </a:rPr>
+              <a:t>производителността</a:t>
+            </a:r>
+            <a:r>
+              <a:rPr lang="ru-RU" dirty="0"/>
+              <a:t> на базата данни и ефективното използване на хардуерните ресурси</a:t>
+            </a:r>
+            <a:endParaRPr lang="en-US" dirty="0"/>
+          </a:p>
+        </p:txBody>
+      </p:sp>
+      <p:sp>
+        <p:nvSpPr>
+          <p:cNvPr id="4" name="Title 3">
+            <a:extLst>
+              <a:ext uri="{FF2B5EF4-FFF2-40B4-BE49-F238E27FC236}">
+                <a16:creationId xmlns:a16="http://schemas.microsoft.com/office/drawing/2014/main" id="{B2FD16A3-DD6C-BDE3-0511-9915CA54EB25}"/>
+              </a:ext>
+            </a:extLst>
+          </p:cNvPr>
+          <p:cNvSpPr>
+            <a:spLocks noGrp="1"/>
+          </p:cNvSpPr>
+          <p:nvPr>
+            <p:ph type="title"/>
+          </p:nvPr>
+        </p:nvSpPr>
+        <p:spPr/>
+        <p:txBody>
+          <a:bodyPr/>
+          <a:lstStyle/>
+          <a:p>
+            <a:r>
+              <a:rPr lang="ru-RU" b="1" i="0" dirty="0">
+                <a:solidFill>
+                  <a:srgbClr val="ECECEC"/>
+                </a:solidFill>
+                <a:effectLst/>
+                <a:latin typeface="Söhne"/>
+              </a:rPr>
+              <a:t>Вътрешно</a:t>
+            </a:r>
+            <a:r>
+              <a:rPr lang="ru-RU" dirty="0"/>
+              <a:t> ниво на абстракция</a:t>
+            </a:r>
+            <a:endParaRPr lang="en-US" dirty="0"/>
+          </a:p>
+        </p:txBody>
+      </p:sp>
+    </p:spTree>
+    <p:extLst>
+      <p:ext uri="{BB962C8B-B14F-4D97-AF65-F5344CB8AC3E}">
+        <p14:creationId xmlns:p14="http://schemas.microsoft.com/office/powerpoint/2010/main" val="2066620584"/>
+      </p:ext>
+    </p:extLst>
+  </p:cSld>
+  <p:clrMapOvr>
+    <a:masterClrMapping/>
+  </p:clrMapOvr>
+  <mc:AlternateContent xmlns:mc="http://schemas.openxmlformats.org/markup-compatibility/2006" xmlns:p14="http://schemas.microsoft.com/office/powerpoint/2010/main">
+    <mc:Choice Requires="p14">
+      <p:transition spd="slow" p14:dur="2000" advClick="0" advTm="5000"/>
+    </mc:Choice>
+    <mc:Fallback xmlns="">
+      <p:transition spd="slow" advClick="0" advTm="5000"/>
+    </mc:Fallback>
+  </mc:AlternateContent>
+  <p:timing>
+    <p:tnLst>
+      <p:par>
+        <p:cTn id="1" dur="indefinite" restart="never" nodeType="tmRoot">
+          <p:childTnLst>
+            <p:seq concurrent="1" nextAc="seek">
+              <p:cTn id="2" dur="indefinite" nodeType="mainSeq">
+                <p:childTnLst>
+                  <p:par>
+                    <p:cTn id="3" fill="hold">
+                      <p:stCondLst>
+                        <p:cond delay="indefinite"/>
+                      </p:stCondLst>
+                      <p:childTnLst>
+                        <p:par>
+                          <p:cTn id="4" fill="hold">
+                            <p:stCondLst>
+                              <p:cond delay="0"/>
+                            </p:stCondLst>
+                            <p:childTnLst>
+                              <p:par>
+                                <p:cTn id="5" presetID="1" presetClass="entr" presetSubtype="0" fill="hold" nodeType="clickEffect">
+                                  <p:stCondLst>
+                                    <p:cond delay="0"/>
+                                  </p:stCondLst>
+                                  <p:childTnLst>
+                                    <p:set>
+                                      <p:cBhvr>
+                                        <p:cTn id="6" dur="1" fill="hold">
+                                          <p:stCondLst>
+                                            <p:cond delay="0"/>
+                                          </p:stCondLst>
+                                        </p:cTn>
+                                        <p:tgtEl>
+                                          <p:spTgt spid="3">
+                                            <p:txEl>
+                                              <p:pRg st="1" end="1"/>
+                                            </p:txEl>
+                                          </p:spTgt>
+                                        </p:tgtEl>
+                                        <p:attrNameLst>
+                                          <p:attrName>style.visibility</p:attrName>
+                                        </p:attrNameLst>
+                                      </p:cBhvr>
+                                      <p:to>
+                                        <p:strVal val="visible"/>
+                                      </p:to>
+                                    </p:set>
+                                  </p:childTnLst>
+                                </p:cTn>
+                              </p:par>
+                            </p:childTnLst>
+                          </p:cTn>
+                        </p:par>
+                      </p:childTnLst>
+                    </p:cTn>
+                  </p:par>
+                  <p:par>
+                    <p:cTn id="7" fill="hold">
+                      <p:stCondLst>
+                        <p:cond delay="indefinite"/>
+                      </p:stCondLst>
+                      <p:childTnLst>
+                        <p:par>
+                          <p:cTn id="8" fill="hold">
+                            <p:stCondLst>
+                              <p:cond delay="0"/>
+                            </p:stCondLst>
+                            <p:childTnLst>
+                              <p:par>
+                                <p:cTn id="9" presetID="1" presetClass="entr" presetSubtype="0" fill="hold" nodeType="clickEffect">
+                                  <p:stCondLst>
+                                    <p:cond delay="0"/>
+                                  </p:stCondLst>
+                                  <p:childTnLst>
+                                    <p:set>
+                                      <p:cBhvr>
+                                        <p:cTn id="10" dur="1" fill="hold">
+                                          <p:stCondLst>
+                                            <p:cond delay="0"/>
+                                          </p:stCondLst>
+                                        </p:cTn>
+                                        <p:tgtEl>
+                                          <p:spTgt spid="3">
+                                            <p:txEl>
+                                              <p:pRg st="2" end="2"/>
+                                            </p:txEl>
+                                          </p:spTgt>
+                                        </p:tgtEl>
+                                        <p:attrNameLst>
+                                          <p:attrName>style.visibility</p:attrName>
+                                        </p:attrNameLst>
+                                      </p:cBhvr>
+                                      <p:to>
+                                        <p:strVal val="visible"/>
+                                      </p:to>
+                                    </p:set>
+                                  </p:childTnLst>
+                                </p:cTn>
+                              </p:par>
+                            </p:childTnLst>
+                          </p:cTn>
+                        </p:par>
+                      </p:childTnLst>
+                    </p:cTn>
+                  </p:par>
+                </p:childTnLst>
+              </p:cTn>
+              <p:prevCondLst>
+                <p:cond evt="onPrev" delay="0">
+                  <p:tgtEl>
+                    <p:sldTgt/>
+                  </p:tgtEl>
+                </p:cond>
+              </p:prevCondLst>
+              <p:nextCondLst>
+                <p:cond evt="onNext" delay="0">
+                  <p:tgtEl>
+                    <p:sldTgt/>
+                  </p:tgtEl>
+                </p:cond>
+              </p:nextCondLst>
+            </p:seq>
+          </p:childTnLst>
+        </p:cTn>
+      </p:par>
+    </p:tnLst>
+  </p:timing>
+</p:sld>
+</file>
+
+<file path=ppt/slides/slide16.xml><?xml version="1.0" encoding="utf-8"?>
+<p:sld xmlns:a="http://schemas.openxmlformats.org/drawingml/2006/main" xmlns:r="http://schemas.openxmlformats.org/officeDocument/2006/relationships" xmlns:p="http://schemas.openxmlformats.org/presentationml/2006/main">
+  <p:cSld>
+    <p:spTree>
+      <p:nvGrpSpPr>
+        <p:cNvPr id="1" name=""/>
+        <p:cNvGrpSpPr/>
+        <p:nvPr/>
+      </p:nvGrpSpPr>
+      <p:grpSpPr>
+        <a:xfrm>
+          <a:off x="0" y="0"/>
+          <a:ext cx="0" cy="0"/>
+          <a:chOff x="0" y="0"/>
+          <a:chExt cx="0" cy="0"/>
+        </a:xfrm>
+      </p:grpSpPr>
+      <p:sp>
+        <p:nvSpPr>
+          <p:cNvPr id="2" name="Slide Number Placeholder 1">
+            <a:extLst>
+              <a:ext uri="{FF2B5EF4-FFF2-40B4-BE49-F238E27FC236}">
+                <a16:creationId xmlns:a16="http://schemas.microsoft.com/office/drawing/2014/main" id="{5F9CB950-A36F-D9DC-0C30-BBBF27C89A37}"/>
+              </a:ext>
+            </a:extLst>
+          </p:cNvPr>
+          <p:cNvSpPr>
+            <a:spLocks noGrp="1"/>
+          </p:cNvSpPr>
+          <p:nvPr>
+            <p:ph type="sldNum" sz="quarter" idx="5"/>
+          </p:nvPr>
+        </p:nvSpPr>
+        <p:spPr/>
+        <p:txBody>
+          <a:bodyPr/>
+          <a:lstStyle/>
+          <a:p>
+            <a:fld id="{2BF067CD-8E6B-4360-9AA8-C5DF2A48A6D1}" type="slidenum">
+              <a:rPr lang="en-US" noProof="0" smtClean="0"/>
+              <a:pPr/>
+              <a:t>16</a:t>
+            </a:fld>
+            <a:endParaRPr lang="en-US" noProof="0" dirty="0"/>
+          </a:p>
+        </p:txBody>
+      </p:sp>
+      <p:sp>
+        <p:nvSpPr>
+          <p:cNvPr id="3" name="Text Placeholder 2">
+            <a:extLst>
+              <a:ext uri="{FF2B5EF4-FFF2-40B4-BE49-F238E27FC236}">
+                <a16:creationId xmlns:a16="http://schemas.microsoft.com/office/drawing/2014/main" id="{0F5FCACD-CDD3-CDB1-0A98-FCE1EF8DE590}"/>
+              </a:ext>
+            </a:extLst>
+          </p:cNvPr>
+          <p:cNvSpPr>
+            <a:spLocks noGrp="1"/>
+          </p:cNvSpPr>
+          <p:nvPr>
+            <p:ph type="body" sz="quarter" idx="10"/>
+          </p:nvPr>
+        </p:nvSpPr>
+        <p:spPr/>
+        <p:txBody>
+          <a:bodyPr>
+            <a:normAutofit fontScale="92500" lnSpcReduction="10000"/>
+          </a:bodyPr>
+          <a:lstStyle/>
+          <a:p>
+            <a:pPr>
+              <a:buClr>
+                <a:schemeClr val="tx1"/>
+              </a:buClr>
+            </a:pPr>
+            <a:r>
+              <a:rPr lang="ru-RU" b="1" dirty="0">
+                <a:solidFill>
+                  <a:schemeClr val="bg1"/>
+                </a:solidFill>
+              </a:rPr>
+              <a:t>Софтуер</a:t>
+            </a:r>
+            <a:r>
+              <a:rPr lang="ru-RU" dirty="0"/>
+              <a:t>, който позволява на крайните потребители да </a:t>
+            </a:r>
+            <a:r>
+              <a:rPr lang="ru-RU" b="1" dirty="0">
+                <a:solidFill>
+                  <a:schemeClr val="bg1"/>
+                </a:solidFill>
+              </a:rPr>
+              <a:t>взаимодействат</a:t>
+            </a:r>
+            <a:r>
+              <a:rPr lang="ru-RU" dirty="0"/>
+              <a:t> с база данни</a:t>
+            </a:r>
+          </a:p>
+          <a:p>
+            <a:r>
+              <a:rPr lang="ru-RU" dirty="0"/>
+              <a:t>Такова приложение служи като </a:t>
+            </a:r>
+            <a:r>
+              <a:rPr lang="ru-RU" b="1" dirty="0">
+                <a:solidFill>
+                  <a:schemeClr val="bg1"/>
+                </a:solidFill>
+              </a:rPr>
+              <a:t>посредник</a:t>
+            </a:r>
+            <a:r>
+              <a:rPr lang="ru-RU" dirty="0"/>
+              <a:t> между </a:t>
+            </a:r>
+            <a:r>
+              <a:rPr lang="ru-RU" b="1" dirty="0">
+                <a:solidFill>
+                  <a:schemeClr val="bg1"/>
+                </a:solidFill>
+              </a:rPr>
+              <a:t>потребителя</a:t>
+            </a:r>
+            <a:r>
+              <a:rPr lang="ru-RU" dirty="0"/>
+              <a:t> и </a:t>
+            </a:r>
+            <a:r>
+              <a:rPr lang="ru-RU" b="1" dirty="0">
+                <a:solidFill>
+                  <a:schemeClr val="bg1"/>
+                </a:solidFill>
+              </a:rPr>
+              <a:t>системата</a:t>
+            </a:r>
+            <a:r>
+              <a:rPr lang="ru-RU" dirty="0"/>
+              <a:t> за </a:t>
+            </a:r>
+            <a:r>
+              <a:rPr lang="ru-RU" b="1" dirty="0">
+                <a:solidFill>
+                  <a:schemeClr val="bg1"/>
+                </a:solidFill>
+              </a:rPr>
+              <a:t>управление</a:t>
+            </a:r>
+            <a:r>
+              <a:rPr lang="ru-RU" dirty="0"/>
+              <a:t> на </a:t>
+            </a:r>
+            <a:r>
+              <a:rPr lang="ru-RU" b="1" dirty="0">
+                <a:solidFill>
+                  <a:schemeClr val="bg1"/>
+                </a:solidFill>
+              </a:rPr>
+              <a:t>бази</a:t>
+            </a:r>
+            <a:r>
+              <a:rPr lang="ru-RU" dirty="0"/>
+              <a:t> </a:t>
+            </a:r>
+            <a:r>
+              <a:rPr lang="ru-RU" b="1" dirty="0">
+                <a:solidFill>
+                  <a:schemeClr val="bg1"/>
+                </a:solidFill>
+              </a:rPr>
+              <a:t>данни</a:t>
+            </a:r>
+            <a:r>
+              <a:rPr lang="ru-RU" dirty="0"/>
+              <a:t> </a:t>
+            </a:r>
+          </a:p>
+          <a:p>
+            <a:pPr lvl="1">
+              <a:buClr>
+                <a:schemeClr val="tx1"/>
+              </a:buClr>
+            </a:pPr>
+            <a:r>
+              <a:rPr lang="ru-RU" dirty="0"/>
+              <a:t>Предоставя </a:t>
+            </a:r>
+            <a:r>
+              <a:rPr lang="ru-RU" b="1" dirty="0">
+                <a:solidFill>
+                  <a:schemeClr val="bg1"/>
+                </a:solidFill>
+              </a:rPr>
+              <a:t>интерфейс</a:t>
+            </a:r>
+            <a:r>
+              <a:rPr lang="ru-RU" dirty="0"/>
+              <a:t> за извършване на </a:t>
+            </a:r>
+            <a:r>
+              <a:rPr lang="ru-RU" b="1" dirty="0">
+                <a:solidFill>
+                  <a:schemeClr val="bg1"/>
+                </a:solidFill>
+              </a:rPr>
+              <a:t>различни</a:t>
+            </a:r>
+            <a:r>
+              <a:rPr lang="ru-RU" dirty="0"/>
+              <a:t> </a:t>
+            </a:r>
+            <a:r>
+              <a:rPr lang="ru-RU" b="1" dirty="0">
+                <a:solidFill>
+                  <a:schemeClr val="bg1"/>
+                </a:solidFill>
+              </a:rPr>
+              <a:t>операции</a:t>
+            </a:r>
+            <a:r>
+              <a:rPr lang="ru-RU" dirty="0"/>
+              <a:t> над </a:t>
+            </a:r>
+            <a:r>
+              <a:rPr lang="ru-RU" b="1" dirty="0">
+                <a:solidFill>
+                  <a:schemeClr val="bg1"/>
+                </a:solidFill>
+              </a:rPr>
+              <a:t>данните</a:t>
+            </a:r>
+            <a:r>
+              <a:rPr lang="ru-RU" dirty="0"/>
+              <a:t>:</a:t>
+            </a:r>
+          </a:p>
+          <a:p>
+            <a:pPr lvl="2">
+              <a:buClr>
+                <a:schemeClr val="tx1"/>
+              </a:buClr>
+            </a:pPr>
+            <a:r>
+              <a:rPr lang="ru-RU" b="1" dirty="0">
+                <a:solidFill>
+                  <a:schemeClr val="bg1"/>
+                </a:solidFill>
+              </a:rPr>
+              <a:t>Създаване</a:t>
+            </a:r>
+          </a:p>
+          <a:p>
+            <a:pPr lvl="2">
+              <a:buClr>
+                <a:schemeClr val="tx1"/>
+              </a:buClr>
+            </a:pPr>
+            <a:r>
+              <a:rPr lang="ru-RU" b="1" dirty="0">
+                <a:solidFill>
+                  <a:schemeClr val="bg1"/>
+                </a:solidFill>
+              </a:rPr>
+              <a:t>Промяна</a:t>
+            </a:r>
+          </a:p>
+          <a:p>
+            <a:pPr lvl="2">
+              <a:buClr>
+                <a:schemeClr val="tx1"/>
+              </a:buClr>
+            </a:pPr>
+            <a:r>
+              <a:rPr lang="ru-RU" b="1" dirty="0">
+                <a:solidFill>
+                  <a:schemeClr val="bg1"/>
+                </a:solidFill>
+              </a:rPr>
+              <a:t>Изтриване</a:t>
+            </a:r>
+          </a:p>
+          <a:p>
+            <a:pPr lvl="2">
+              <a:buClr>
+                <a:schemeClr val="tx1"/>
+              </a:buClr>
+            </a:pPr>
+            <a:r>
+              <a:rPr lang="ru-RU" b="1" dirty="0">
+                <a:solidFill>
+                  <a:schemeClr val="bg1"/>
+                </a:solidFill>
+              </a:rPr>
+              <a:t>Търсене</a:t>
+            </a:r>
+          </a:p>
+        </p:txBody>
+      </p:sp>
+      <p:sp>
+        <p:nvSpPr>
+          <p:cNvPr id="4" name="Title 3">
+            <a:extLst>
+              <a:ext uri="{FF2B5EF4-FFF2-40B4-BE49-F238E27FC236}">
+                <a16:creationId xmlns:a16="http://schemas.microsoft.com/office/drawing/2014/main" id="{F2D373C3-412A-AB06-D5A9-7A60FFC63640}"/>
+              </a:ext>
+            </a:extLst>
+          </p:cNvPr>
+          <p:cNvSpPr>
+            <a:spLocks noGrp="1"/>
+          </p:cNvSpPr>
+          <p:nvPr>
+            <p:ph type="title"/>
+          </p:nvPr>
+        </p:nvSpPr>
+        <p:spPr/>
+        <p:txBody>
+          <a:bodyPr>
+            <a:normAutofit fontScale="90000"/>
+          </a:bodyPr>
+          <a:lstStyle/>
+          <a:p>
+            <a:r>
+              <a:rPr lang="bg-BG" dirty="0"/>
+              <a:t>Какво е </a:t>
+            </a:r>
+            <a:r>
+              <a:rPr lang="ru-RU" dirty="0"/>
+              <a:t>клиентско приложение на бази от данни?</a:t>
+            </a:r>
+            <a:endParaRPr lang="en-US" dirty="0"/>
+          </a:p>
+        </p:txBody>
+      </p:sp>
+      <p:pic>
+        <p:nvPicPr>
+          <p:cNvPr id="7" name="Picture 6" descr="A person pointing at a computer screen&#10;&#10;Description automatically generated">
+            <a:extLst>
+              <a:ext uri="{FF2B5EF4-FFF2-40B4-BE49-F238E27FC236}">
+                <a16:creationId xmlns:a16="http://schemas.microsoft.com/office/drawing/2014/main" id="{615FC17E-D325-31CA-C7BD-5823E60C54DB}"/>
+              </a:ext>
+            </a:extLst>
+          </p:cNvPr>
+          <p:cNvPicPr>
+            <a:picLocks noChangeAspect="1"/>
+          </p:cNvPicPr>
+          <p:nvPr/>
+        </p:nvPicPr>
+        <p:blipFill rotWithShape="1">
+          <a:blip r:embed="rId3">
+            <a:extLst>
+              <a:ext uri="{28A0092B-C50C-407E-A947-70E740481C1C}">
+                <a14:useLocalDpi xmlns:a14="http://schemas.microsoft.com/office/drawing/2010/main" val="0"/>
+              </a:ext>
+            </a:extLst>
+          </a:blip>
+          <a:srcRect l="11905" t="15311" r="10713" b="14748"/>
+          <a:stretch/>
+        </p:blipFill>
+        <p:spPr>
+          <a:xfrm>
+            <a:off x="6636000" y="3888363"/>
+            <a:ext cx="3060000" cy="2765769"/>
+          </a:xfrm>
+          <a:prstGeom prst="rect">
+            <a:avLst/>
+          </a:prstGeom>
+        </p:spPr>
+      </p:pic>
+    </p:spTree>
+    <p:extLst>
+      <p:ext uri="{BB962C8B-B14F-4D97-AF65-F5344CB8AC3E}">
+        <p14:creationId xmlns:p14="http://schemas.microsoft.com/office/powerpoint/2010/main" val="212526299"/>
+      </p:ext>
+    </p:extLst>
+  </p:cSld>
+  <p:clrMapOvr>
+    <a:masterClrMapping/>
+  </p:clrMapOvr>
+  <mc:AlternateContent xmlns:mc="http://schemas.openxmlformats.org/markup-compatibility/2006" xmlns:p14="http://schemas.microsoft.com/office/powerpoint/2010/main">
+    <mc:Choice Requires="p14">
+      <p:transition spd="slow" p14:dur="2000" advClick="0" advTm="5000"/>
+    </mc:Choice>
+    <mc:Fallback xmlns="">
+      <p:transition spd="slow" advClick="0" advTm="5000"/>
+    </mc:Fallback>
+  </mc:AlternateContent>
+  <p:timing>
+    <p:tnLst>
+      <p:par>
+        <p:cTn id="1" dur="indefinite" restart="never" nodeType="tmRoot">
+          <p:childTnLst>
+            <p:seq concurrent="1" nextAc="seek">
+              <p:cTn id="2" dur="indefinite" nodeType="mainSeq">
+                <p:childTnLst>
+                  <p:par>
+                    <p:cTn id="3" fill="hold">
+                      <p:stCondLst>
+                        <p:cond delay="indefinite"/>
+                      </p:stCondLst>
+                      <p:childTnLst>
+                        <p:par>
+                          <p:cTn id="4" fill="hold">
+                            <p:stCondLst>
+                              <p:cond delay="0"/>
+                            </p:stCondLst>
+                            <p:childTnLst>
+                              <p:par>
+                                <p:cTn id="5" presetID="1" presetClass="entr" presetSubtype="0" fill="hold" nodeType="clickEffect">
+                                  <p:stCondLst>
+                                    <p:cond delay="0"/>
+                                  </p:stCondLst>
+                                  <p:childTnLst>
+                                    <p:set>
+                                      <p:cBhvr>
+                                        <p:cTn id="6" dur="1" fill="hold">
+                                          <p:stCondLst>
+                                            <p:cond delay="0"/>
+                                          </p:stCondLst>
+                                        </p:cTn>
+                                        <p:tgtEl>
+                                          <p:spTgt spid="3">
+                                            <p:txEl>
+                                              <p:pRg st="1" end="1"/>
+                                            </p:txEl>
+                                          </p:spTgt>
+                                        </p:tgtEl>
+                                        <p:attrNameLst>
+                                          <p:attrName>style.visibility</p:attrName>
+                                        </p:attrNameLst>
+                                      </p:cBhvr>
+                                      <p:to>
+                                        <p:strVal val="visible"/>
+                                      </p:to>
+                                    </p:set>
+                                  </p:childTnLst>
+                                </p:cTn>
+                              </p:par>
+                              <p:par>
+                                <p:cTn id="7" presetID="1" presetClass="entr" presetSubtype="0" fill="hold" nodeType="withEffect">
+                                  <p:stCondLst>
+                                    <p:cond delay="0"/>
+                                  </p:stCondLst>
+                                  <p:childTnLst>
+                                    <p:set>
+                                      <p:cBhvr>
+                                        <p:cTn id="8" dur="1" fill="hold">
+                                          <p:stCondLst>
+                                            <p:cond delay="0"/>
+                                          </p:stCondLst>
+                                        </p:cTn>
+                                        <p:tgtEl>
+                                          <p:spTgt spid="3">
+                                            <p:txEl>
+                                              <p:pRg st="2" end="2"/>
+                                            </p:txEl>
+                                          </p:spTgt>
+                                        </p:tgtEl>
+                                        <p:attrNameLst>
+                                          <p:attrName>style.visibility</p:attrName>
+                                        </p:attrNameLst>
+                                      </p:cBhvr>
+                                      <p:to>
+                                        <p:strVal val="visible"/>
+                                      </p:to>
+                                    </p:set>
+                                  </p:childTnLst>
+                                </p:cTn>
+                              </p:par>
+                              <p:par>
+                                <p:cTn id="9" presetID="1" presetClass="entr" presetSubtype="0" fill="hold" nodeType="withEffect">
+                                  <p:stCondLst>
+                                    <p:cond delay="0"/>
+                                  </p:stCondLst>
+                                  <p:childTnLst>
+                                    <p:set>
+                                      <p:cBhvr>
+                                        <p:cTn id="10" dur="1" fill="hold">
+                                          <p:stCondLst>
+                                            <p:cond delay="0"/>
+                                          </p:stCondLst>
+                                        </p:cTn>
+                                        <p:tgtEl>
+                                          <p:spTgt spid="3">
+                                            <p:txEl>
+                                              <p:pRg st="3" end="3"/>
+                                            </p:txEl>
+                                          </p:spTgt>
+                                        </p:tgtEl>
+                                        <p:attrNameLst>
+                                          <p:attrName>style.visibility</p:attrName>
+                                        </p:attrNameLst>
+                                      </p:cBhvr>
+                                      <p:to>
+                                        <p:strVal val="visible"/>
+                                      </p:to>
+                                    </p:set>
+                                  </p:childTnLst>
+                                </p:cTn>
+                              </p:par>
+                            </p:childTnLst>
+                          </p:cTn>
+                        </p:par>
+                      </p:childTnLst>
+                    </p:cTn>
+                  </p:par>
+                  <p:par>
+                    <p:cTn id="11" fill="hold">
+                      <p:stCondLst>
+                        <p:cond delay="indefinite"/>
+                      </p:stCondLst>
+                      <p:childTnLst>
+                        <p:par>
+                          <p:cTn id="12" fill="hold">
+                            <p:stCondLst>
+                              <p:cond delay="0"/>
+                            </p:stCondLst>
+                            <p:childTnLst>
+                              <p:par>
+                                <p:cTn id="13" presetID="1" presetClass="entr" presetSubtype="0" fill="hold" nodeType="clickEffect">
+                                  <p:stCondLst>
+                                    <p:cond delay="0"/>
+                                  </p:stCondLst>
+                                  <p:childTnLst>
+                                    <p:set>
+                                      <p:cBhvr>
+                                        <p:cTn id="14" dur="1" fill="hold">
+                                          <p:stCondLst>
+                                            <p:cond delay="0"/>
+                                          </p:stCondLst>
+                                        </p:cTn>
+                                        <p:tgtEl>
+                                          <p:spTgt spid="3">
+                                            <p:txEl>
+                                              <p:pRg st="4" end="4"/>
+                                            </p:txEl>
+                                          </p:spTgt>
+                                        </p:tgtEl>
+                                        <p:attrNameLst>
+                                          <p:attrName>style.visibility</p:attrName>
+                                        </p:attrNameLst>
+                                      </p:cBhvr>
+                                      <p:to>
+                                        <p:strVal val="visible"/>
+                                      </p:to>
+                                    </p:set>
+                                  </p:childTnLst>
+                                </p:cTn>
+                              </p:par>
+                            </p:childTnLst>
+                          </p:cTn>
+                        </p:par>
+                      </p:childTnLst>
+                    </p:cTn>
+                  </p:par>
+                  <p:par>
+                    <p:cTn id="15" fill="hold">
+                      <p:stCondLst>
+                        <p:cond delay="indefinite"/>
+                      </p:stCondLst>
+                      <p:childTnLst>
+                        <p:par>
+                          <p:cTn id="16" fill="hold">
+                            <p:stCondLst>
+                              <p:cond delay="0"/>
+                            </p:stCondLst>
+                            <p:childTnLst>
+                              <p:par>
+                                <p:cTn id="17" presetID="1" presetClass="entr" presetSubtype="0" fill="hold" nodeType="clickEffect">
+                                  <p:stCondLst>
+                                    <p:cond delay="0"/>
+                                  </p:stCondLst>
+                                  <p:childTnLst>
+                                    <p:set>
+                                      <p:cBhvr>
+                                        <p:cTn id="18" dur="1" fill="hold">
+                                          <p:stCondLst>
+                                            <p:cond delay="0"/>
+                                          </p:stCondLst>
+                                        </p:cTn>
+                                        <p:tgtEl>
+                                          <p:spTgt spid="3">
+                                            <p:txEl>
+                                              <p:pRg st="5" end="5"/>
+                                            </p:txEl>
+                                          </p:spTgt>
+                                        </p:tgtEl>
+                                        <p:attrNameLst>
+                                          <p:attrName>style.visibility</p:attrName>
+                                        </p:attrNameLst>
+                                      </p:cBhvr>
+                                      <p:to>
+                                        <p:strVal val="visible"/>
+                                      </p:to>
+                                    </p:set>
+                                  </p:childTnLst>
+                                </p:cTn>
+                              </p:par>
+                            </p:childTnLst>
+                          </p:cTn>
+                        </p:par>
+                      </p:childTnLst>
+                    </p:cTn>
+                  </p:par>
+                  <p:par>
+                    <p:cTn id="19" fill="hold">
+                      <p:stCondLst>
+                        <p:cond delay="indefinite"/>
+                      </p:stCondLst>
+                      <p:childTnLst>
+                        <p:par>
+                          <p:cTn id="20" fill="hold">
+                            <p:stCondLst>
+                              <p:cond delay="0"/>
+                            </p:stCondLst>
+                            <p:childTnLst>
+                              <p:par>
+                                <p:cTn id="21" presetID="1" presetClass="entr" presetSubtype="0" fill="hold" nodeType="clickEffect">
+                                  <p:stCondLst>
+                                    <p:cond delay="0"/>
+                                  </p:stCondLst>
+                                  <p:childTnLst>
+                                    <p:set>
+                                      <p:cBhvr>
+                                        <p:cTn id="22" dur="1" fill="hold">
+                                          <p:stCondLst>
+                                            <p:cond delay="0"/>
+                                          </p:stCondLst>
+                                        </p:cTn>
+                                        <p:tgtEl>
+                                          <p:spTgt spid="3">
+                                            <p:txEl>
+                                              <p:pRg st="6" end="6"/>
+                                            </p:txEl>
+                                          </p:spTgt>
+                                        </p:tgtEl>
+                                        <p:attrNameLst>
+                                          <p:attrName>style.visibility</p:attrName>
+                                        </p:attrNameLst>
+                                      </p:cBhvr>
+                                      <p:to>
+                                        <p:strVal val="visible"/>
+                                      </p:to>
+                                    </p:set>
+                                  </p:childTnLst>
+                                </p:cTn>
+                              </p:par>
+                            </p:childTnLst>
+                          </p:cTn>
+                        </p:par>
+                      </p:childTnLst>
+                    </p:cTn>
+                  </p:par>
+                </p:childTnLst>
+              </p:cTn>
+              <p:prevCondLst>
+                <p:cond evt="onPrev" delay="0">
+                  <p:tgtEl>
+                    <p:sldTgt/>
+                  </p:tgtEl>
+                </p:cond>
+              </p:prevCondLst>
+              <p:nextCondLst>
+                <p:cond evt="onNext" delay="0">
+                  <p:tgtEl>
+                    <p:sldTgt/>
+                  </p:tgtEl>
+                </p:cond>
+              </p:nextCondLst>
+            </p:seq>
+          </p:childTnLst>
+        </p:cTn>
+      </p:par>
+    </p:tnLst>
+  </p:timing>
+</p:sld>
+</file>
+
+<file path=ppt/slides/slide17.xml><?xml version="1.0" encoding="utf-8"?>
 <p:sld xmlns:a="http://schemas.openxmlformats.org/drawingml/2006/main" xmlns:r="http://schemas.openxmlformats.org/officeDocument/2006/relationships" xmlns:p="http://schemas.openxmlformats.org/presentationml/2006/main">
   <p:cSld>
     <p:spTree>
@@ -10527,7 +13223,7 @@
 </p:sld>
 </file>
 
-<file path=ppt/slides/slide13.xml><?xml version="1.0" encoding="utf-8"?>
+<file path=ppt/slides/slide18.xml><?xml version="1.0" encoding="utf-8"?>
 <p:sld xmlns:a="http://schemas.openxmlformats.org/drawingml/2006/main" xmlns:r="http://schemas.openxmlformats.org/officeDocument/2006/relationships" xmlns:p="http://schemas.openxmlformats.org/presentationml/2006/main">
   <p:cSld>
     <p:spTree>
@@ -11013,7 +13709,7 @@
                   <a:spcPts val="1055"/>
                 </a:lnSpc>
               </a:pPr>
-              <a:t>13</a:t>
+              <a:t>18</a:t>
             </a:fld>
             <a:endParaRPr sz="1000" dirty="0">
               <a:latin typeface="Calibri"/>
@@ -11146,7 +13842,7 @@
             <a:fld id="{2BF067CD-8E6B-4360-9AA8-C5DF2A48A6D1}" type="slidenum">
               <a:rPr lang="en-US" smtClean="0"/>
               <a:pPr/>
-              <a:t>13</a:t>
+              <a:t>18</a:t>
             </a:fld>
             <a:endParaRPr lang="en-US" dirty="0"/>
           </a:p>
@@ -11252,7 +13948,7 @@
 </p:sld>
 </file>
 
-<file path=ppt/slides/slide14.xml><?xml version="1.0" encoding="utf-8"?>
+<file path=ppt/slides/slide19.xml><?xml version="1.0" encoding="utf-8"?>
 <p:sld xmlns:a="http://schemas.openxmlformats.org/drawingml/2006/main" xmlns:r="http://schemas.openxmlformats.org/officeDocument/2006/relationships" xmlns:p="http://schemas.openxmlformats.org/presentationml/2006/main">
   <p:cSld>
     <p:spTree>
@@ -11564,7 +14260,7 @@
             <a:fld id="{2BF067CD-8E6B-4360-9AA8-C5DF2A48A6D1}" type="slidenum">
               <a:rPr lang="en-US" smtClean="0"/>
               <a:pPr/>
-              <a:t>14</a:t>
+              <a:t>19</a:t>
             </a:fld>
             <a:endParaRPr lang="en-US" dirty="0"/>
           </a:p>
@@ -11670,7 +14366,499 @@
 </p:sld>
 </file>
 
-<file path=ppt/slides/slide15.xml><?xml version="1.0" encoding="utf-8"?>
+<file path=ppt/slides/slide2.xml><?xml version="1.0" encoding="utf-8"?>
+<p:sld xmlns:a="http://schemas.openxmlformats.org/drawingml/2006/main" xmlns:r="http://schemas.openxmlformats.org/officeDocument/2006/relationships" xmlns:p="http://schemas.openxmlformats.org/presentationml/2006/main">
+  <p:cSld>
+    <p:spTree>
+      <p:nvGrpSpPr>
+        <p:cNvPr id="1" name=""/>
+        <p:cNvGrpSpPr/>
+        <p:nvPr/>
+      </p:nvGrpSpPr>
+      <p:grpSpPr>
+        <a:xfrm>
+          <a:off x="0" y="0"/>
+          <a:ext cx="0" cy="0"/>
+          <a:chOff x="0" y="0"/>
+          <a:chExt cx="0" cy="0"/>
+        </a:xfrm>
+      </p:grpSpPr>
+      <p:sp>
+        <p:nvSpPr>
+          <p:cNvPr id="444419" name="Slide Body"/>
+          <p:cNvSpPr>
+            <a:spLocks noGrp="1" noChangeArrowheads="1"/>
+          </p:cNvSpPr>
+          <p:nvPr>
+            <p:ph type="body" sz="quarter" idx="13"/>
+          </p:nvPr>
+        </p:nvSpPr>
+        <p:spPr>
+          <a:xfrm>
+            <a:off x="300813" y="1299604"/>
+            <a:ext cx="9448396" cy="5207396"/>
+          </a:xfrm>
+        </p:spPr>
+        <p:txBody>
+          <a:bodyPr>
+            <a:normAutofit/>
+          </a:bodyPr>
+          <a:lstStyle/>
+          <a:p>
+            <a:pPr fontAlgn="base"/>
+            <a:r>
+              <a:rPr lang="bg-BG" dirty="0"/>
+              <a:t>Какво е СУБД?</a:t>
+            </a:r>
+          </a:p>
+          <a:p>
+            <a:pPr marL="860733" lvl="1" indent="-571500" fontAlgn="base"/>
+            <a:r>
+              <a:rPr lang="en-US" dirty="0"/>
+              <a:t>Database </a:t>
+            </a:r>
+            <a:r>
+              <a:rPr lang="bg-BG" dirty="0"/>
+              <a:t>сървъри</a:t>
+            </a:r>
+            <a:endParaRPr lang="en-US" dirty="0"/>
+          </a:p>
+          <a:p>
+            <a:pPr fontAlgn="base"/>
+            <a:r>
+              <a:rPr lang="ru-RU" dirty="0"/>
+              <a:t>Релационни бази данни </a:t>
+            </a:r>
+          </a:p>
+          <a:p>
+            <a:pPr fontAlgn="base"/>
+            <a:r>
+              <a:rPr lang="ru-RU" dirty="0"/>
+              <a:t>Нерелационни бази данни</a:t>
+            </a:r>
+            <a:endParaRPr lang="en-US" dirty="0"/>
+          </a:p>
+          <a:p>
+            <a:pPr fontAlgn="base"/>
+            <a:r>
+              <a:rPr lang="bg-BG" dirty="0"/>
+              <a:t>Типове данни</a:t>
+            </a:r>
+          </a:p>
+          <a:p>
+            <a:r>
+              <a:rPr lang="bg-BG" dirty="0"/>
+              <a:t>Демо</a:t>
+            </a:r>
+            <a:endParaRPr lang="en-US" dirty="0"/>
+          </a:p>
+        </p:txBody>
+      </p:sp>
+      <p:sp>
+        <p:nvSpPr>
+          <p:cNvPr id="444418" name="Slide Title"/>
+          <p:cNvSpPr>
+            <a:spLocks noGrp="1" noChangeArrowheads="1"/>
+          </p:cNvSpPr>
+          <p:nvPr>
+            <p:ph type="title"/>
+          </p:nvPr>
+        </p:nvSpPr>
+        <p:spPr>
+          <a:xfrm>
+            <a:off x="190405" y="100750"/>
+            <a:ext cx="9669213" cy="882654"/>
+          </a:xfrm>
+        </p:spPr>
+        <p:txBody>
+          <a:bodyPr/>
+          <a:lstStyle/>
+          <a:p>
+            <a:r>
+              <a:rPr lang="bg-BG" dirty="0"/>
+              <a:t>Съдържание</a:t>
+            </a:r>
+          </a:p>
+        </p:txBody>
+      </p:sp>
+      <p:sp>
+        <p:nvSpPr>
+          <p:cNvPr id="2" name="Slide Number">
+            <a:extLst>
+              <a:ext uri="{FF2B5EF4-FFF2-40B4-BE49-F238E27FC236}">
+                <a16:creationId xmlns:a16="http://schemas.microsoft.com/office/drawing/2014/main" id="{4BD5133E-BE69-B9D6-C4AC-AC2A8CB3AFFC}"/>
+              </a:ext>
+            </a:extLst>
+          </p:cNvPr>
+          <p:cNvSpPr txBox="1">
+            <a:spLocks/>
+          </p:cNvSpPr>
+          <p:nvPr/>
+        </p:nvSpPr>
+        <p:spPr>
+          <a:xfrm>
+            <a:off x="11753030" y="6507000"/>
+            <a:ext cx="367414" cy="297000"/>
+          </a:xfrm>
+          <a:prstGeom prst="rect">
+            <a:avLst/>
+          </a:prstGeom>
+        </p:spPr>
+        <p:txBody>
+          <a:bodyPr vert="horz" lIns="91440" tIns="45720" rIns="91440" bIns="45720" rtlCol="0" anchor="b"/>
+          <a:lstStyle>
+            <a:defPPr>
+              <a:defRPr lang="en-US"/>
+            </a:defPPr>
+            <a:lvl1pPr marL="0" algn="r" defTabSz="914400" rtl="0" eaLnBrk="1" latinLnBrk="0" hangingPunct="1">
+              <a:defRPr sz="1000" kern="1200">
+                <a:solidFill>
+                  <a:schemeClr val="tx1"/>
+                </a:solidFill>
+                <a:latin typeface="+mn-lt"/>
+                <a:ea typeface="+mn-ea"/>
+                <a:cs typeface="+mn-cs"/>
+              </a:defRPr>
+            </a:lvl1pPr>
+            <a:lvl2pPr marL="457200" algn="l" defTabSz="914400" rtl="0" eaLnBrk="1" latinLnBrk="0" hangingPunct="1">
+              <a:defRPr sz="1800" kern="1200">
+                <a:solidFill>
+                  <a:schemeClr val="tx1"/>
+                </a:solidFill>
+                <a:latin typeface="+mn-lt"/>
+                <a:ea typeface="+mn-ea"/>
+                <a:cs typeface="+mn-cs"/>
+              </a:defRPr>
+            </a:lvl2pPr>
+            <a:lvl3pPr marL="914400" algn="l" defTabSz="914400" rtl="0" eaLnBrk="1" latinLnBrk="0" hangingPunct="1">
+              <a:defRPr sz="1800" kern="1200">
+                <a:solidFill>
+                  <a:schemeClr val="tx1"/>
+                </a:solidFill>
+                <a:latin typeface="+mn-lt"/>
+                <a:ea typeface="+mn-ea"/>
+                <a:cs typeface="+mn-cs"/>
+              </a:defRPr>
+            </a:lvl3pPr>
+            <a:lvl4pPr marL="1371600" algn="l" defTabSz="914400" rtl="0" eaLnBrk="1" latinLnBrk="0" hangingPunct="1">
+              <a:defRPr sz="1800" kern="1200">
+                <a:solidFill>
+                  <a:schemeClr val="tx1"/>
+                </a:solidFill>
+                <a:latin typeface="+mn-lt"/>
+                <a:ea typeface="+mn-ea"/>
+                <a:cs typeface="+mn-cs"/>
+              </a:defRPr>
+            </a:lvl4pPr>
+            <a:lvl5pPr marL="1828800" algn="l" defTabSz="914400" rtl="0" eaLnBrk="1" latinLnBrk="0" hangingPunct="1">
+              <a:defRPr sz="1800" kern="1200">
+                <a:solidFill>
+                  <a:schemeClr val="tx1"/>
+                </a:solidFill>
+                <a:latin typeface="+mn-lt"/>
+                <a:ea typeface="+mn-ea"/>
+                <a:cs typeface="+mn-cs"/>
+              </a:defRPr>
+            </a:lvl5pPr>
+            <a:lvl6pPr marL="2286000" algn="l" defTabSz="914400" rtl="0" eaLnBrk="1" latinLnBrk="0" hangingPunct="1">
+              <a:defRPr sz="1800" kern="1200">
+                <a:solidFill>
+                  <a:schemeClr val="tx1"/>
+                </a:solidFill>
+                <a:latin typeface="+mn-lt"/>
+                <a:ea typeface="+mn-ea"/>
+                <a:cs typeface="+mn-cs"/>
+              </a:defRPr>
+            </a:lvl6pPr>
+            <a:lvl7pPr marL="2743200" algn="l" defTabSz="914400" rtl="0" eaLnBrk="1" latinLnBrk="0" hangingPunct="1">
+              <a:defRPr sz="1800" kern="1200">
+                <a:solidFill>
+                  <a:schemeClr val="tx1"/>
+                </a:solidFill>
+                <a:latin typeface="+mn-lt"/>
+                <a:ea typeface="+mn-ea"/>
+                <a:cs typeface="+mn-cs"/>
+              </a:defRPr>
+            </a:lvl7pPr>
+            <a:lvl8pPr marL="3200400" algn="l" defTabSz="914400" rtl="0" eaLnBrk="1" latinLnBrk="0" hangingPunct="1">
+              <a:defRPr sz="1800" kern="1200">
+                <a:solidFill>
+                  <a:schemeClr val="tx1"/>
+                </a:solidFill>
+                <a:latin typeface="+mn-lt"/>
+                <a:ea typeface="+mn-ea"/>
+                <a:cs typeface="+mn-cs"/>
+              </a:defRPr>
+            </a:lvl8pPr>
+            <a:lvl9pPr marL="3657600" algn="l" defTabSz="914400" rtl="0" eaLnBrk="1" latinLnBrk="0" hangingPunct="1">
+              <a:defRPr sz="1800" kern="1200">
+                <a:solidFill>
+                  <a:schemeClr val="tx1"/>
+                </a:solidFill>
+                <a:latin typeface="+mn-lt"/>
+                <a:ea typeface="+mn-ea"/>
+                <a:cs typeface="+mn-cs"/>
+              </a:defRPr>
+            </a:lvl9pPr>
+          </a:lstStyle>
+          <a:p>
+            <a:fld id="{2BF067CD-8E6B-4360-9AA8-C5DF2A48A6D1}" type="slidenum">
+              <a:rPr lang="en-US" smtClean="0"/>
+              <a:pPr/>
+              <a:t>2</a:t>
+            </a:fld>
+            <a:endParaRPr lang="en-US" dirty="0"/>
+          </a:p>
+        </p:txBody>
+      </p:sp>
+    </p:spTree>
+    <p:extLst>
+      <p:ext uri="{BB962C8B-B14F-4D97-AF65-F5344CB8AC3E}">
+        <p14:creationId xmlns:p14="http://schemas.microsoft.com/office/powerpoint/2010/main" val="1713799751"/>
+      </p:ext>
+    </p:extLst>
+  </p:cSld>
+  <p:clrMapOvr>
+    <a:masterClrMapping/>
+  </p:clrMapOvr>
+  <mc:AlternateContent xmlns:mc="http://schemas.openxmlformats.org/markup-compatibility/2006" xmlns:p14="http://schemas.microsoft.com/office/powerpoint/2010/main">
+    <mc:Choice Requires="p14">
+      <p:transition spd="slow" p14:dur="2000" advClick="0" advTm="5000"/>
+    </mc:Choice>
+    <mc:Fallback xmlns="">
+      <p:transition spd="slow" advClick="0" advTm="5000"/>
+    </mc:Fallback>
+  </mc:AlternateContent>
+  <p:timing>
+    <p:tnLst>
+      <p:par>
+        <p:cTn id="1" dur="indefinite" restart="never" nodeType="tmRoot">
+          <p:childTnLst>
+            <p:seq concurrent="1" nextAc="seek">
+              <p:cTn id="2" dur="indefinite" nodeType="mainSeq">
+                <p:childTnLst>
+                  <p:par>
+                    <p:cTn id="3" fill="hold">
+                      <p:stCondLst>
+                        <p:cond delay="indefinite"/>
+                      </p:stCondLst>
+                      <p:childTnLst>
+                        <p:par>
+                          <p:cTn id="4" fill="hold">
+                            <p:stCondLst>
+                              <p:cond delay="0"/>
+                            </p:stCondLst>
+                            <p:childTnLst>
+                              <p:par>
+                                <p:cTn id="5" presetID="1" presetClass="entr" presetSubtype="0" fill="hold" nodeType="clickEffect">
+                                  <p:stCondLst>
+                                    <p:cond delay="0"/>
+                                  </p:stCondLst>
+                                  <p:childTnLst>
+                                    <p:set>
+                                      <p:cBhvr>
+                                        <p:cTn id="6" dur="1" fill="hold">
+                                          <p:stCondLst>
+                                            <p:cond delay="0"/>
+                                          </p:stCondLst>
+                                        </p:cTn>
+                                        <p:tgtEl>
+                                          <p:spTgt spid="444419">
+                                            <p:txEl>
+                                              <p:pRg st="2" end="2"/>
+                                            </p:txEl>
+                                          </p:spTgt>
+                                        </p:tgtEl>
+                                        <p:attrNameLst>
+                                          <p:attrName>style.visibility</p:attrName>
+                                        </p:attrNameLst>
+                                      </p:cBhvr>
+                                      <p:to>
+                                        <p:strVal val="visible"/>
+                                      </p:to>
+                                    </p:set>
+                                  </p:childTnLst>
+                                </p:cTn>
+                              </p:par>
+                            </p:childTnLst>
+                          </p:cTn>
+                        </p:par>
+                      </p:childTnLst>
+                    </p:cTn>
+                  </p:par>
+                  <p:par>
+                    <p:cTn id="7" fill="hold">
+                      <p:stCondLst>
+                        <p:cond delay="indefinite"/>
+                      </p:stCondLst>
+                      <p:childTnLst>
+                        <p:par>
+                          <p:cTn id="8" fill="hold">
+                            <p:stCondLst>
+                              <p:cond delay="0"/>
+                            </p:stCondLst>
+                            <p:childTnLst>
+                              <p:par>
+                                <p:cTn id="9" presetID="1" presetClass="entr" presetSubtype="0" fill="hold" nodeType="clickEffect">
+                                  <p:stCondLst>
+                                    <p:cond delay="0"/>
+                                  </p:stCondLst>
+                                  <p:childTnLst>
+                                    <p:set>
+                                      <p:cBhvr>
+                                        <p:cTn id="10" dur="1" fill="hold">
+                                          <p:stCondLst>
+                                            <p:cond delay="0"/>
+                                          </p:stCondLst>
+                                        </p:cTn>
+                                        <p:tgtEl>
+                                          <p:spTgt spid="444419">
+                                            <p:txEl>
+                                              <p:pRg st="3" end="3"/>
+                                            </p:txEl>
+                                          </p:spTgt>
+                                        </p:tgtEl>
+                                        <p:attrNameLst>
+                                          <p:attrName>style.visibility</p:attrName>
+                                        </p:attrNameLst>
+                                      </p:cBhvr>
+                                      <p:to>
+                                        <p:strVal val="visible"/>
+                                      </p:to>
+                                    </p:set>
+                                  </p:childTnLst>
+                                </p:cTn>
+                              </p:par>
+                            </p:childTnLst>
+                          </p:cTn>
+                        </p:par>
+                      </p:childTnLst>
+                    </p:cTn>
+                  </p:par>
+                  <p:par>
+                    <p:cTn id="11" fill="hold">
+                      <p:stCondLst>
+                        <p:cond delay="indefinite"/>
+                      </p:stCondLst>
+                      <p:childTnLst>
+                        <p:par>
+                          <p:cTn id="12" fill="hold">
+                            <p:stCondLst>
+                              <p:cond delay="0"/>
+                            </p:stCondLst>
+                            <p:childTnLst>
+                              <p:par>
+                                <p:cTn id="13" presetID="1" presetClass="entr" presetSubtype="0" fill="hold" nodeType="clickEffect">
+                                  <p:stCondLst>
+                                    <p:cond delay="0"/>
+                                  </p:stCondLst>
+                                  <p:childTnLst>
+                                    <p:set>
+                                      <p:cBhvr>
+                                        <p:cTn id="14" dur="1" fill="hold">
+                                          <p:stCondLst>
+                                            <p:cond delay="0"/>
+                                          </p:stCondLst>
+                                        </p:cTn>
+                                        <p:tgtEl>
+                                          <p:spTgt spid="444419">
+                                            <p:txEl>
+                                              <p:pRg st="4" end="4"/>
+                                            </p:txEl>
+                                          </p:spTgt>
+                                        </p:tgtEl>
+                                        <p:attrNameLst>
+                                          <p:attrName>style.visibility</p:attrName>
+                                        </p:attrNameLst>
+                                      </p:cBhvr>
+                                      <p:to>
+                                        <p:strVal val="visible"/>
+                                      </p:to>
+                                    </p:set>
+                                  </p:childTnLst>
+                                </p:cTn>
+                              </p:par>
+                            </p:childTnLst>
+                          </p:cTn>
+                        </p:par>
+                      </p:childTnLst>
+                    </p:cTn>
+                  </p:par>
+                  <p:par>
+                    <p:cTn id="15" fill="hold">
+                      <p:stCondLst>
+                        <p:cond delay="indefinite"/>
+                      </p:stCondLst>
+                      <p:childTnLst>
+                        <p:par>
+                          <p:cTn id="16" fill="hold">
+                            <p:stCondLst>
+                              <p:cond delay="0"/>
+                            </p:stCondLst>
+                            <p:childTnLst>
+                              <p:par>
+                                <p:cTn id="17" presetID="1" presetClass="entr" presetSubtype="0" fill="hold" nodeType="clickEffect">
+                                  <p:stCondLst>
+                                    <p:cond delay="0"/>
+                                  </p:stCondLst>
+                                  <p:childTnLst>
+                                    <p:set>
+                                      <p:cBhvr>
+                                        <p:cTn id="18" dur="1" fill="hold">
+                                          <p:stCondLst>
+                                            <p:cond delay="0"/>
+                                          </p:stCondLst>
+                                        </p:cTn>
+                                        <p:tgtEl>
+                                          <p:spTgt spid="444419">
+                                            <p:txEl>
+                                              <p:pRg st="5" end="5"/>
+                                            </p:txEl>
+                                          </p:spTgt>
+                                        </p:tgtEl>
+                                        <p:attrNameLst>
+                                          <p:attrName>style.visibility</p:attrName>
+                                        </p:attrNameLst>
+                                      </p:cBhvr>
+                                      <p:to>
+                                        <p:strVal val="visible"/>
+                                      </p:to>
+                                    </p:set>
+                                  </p:childTnLst>
+                                </p:cTn>
+                              </p:par>
+                            </p:childTnLst>
+                          </p:cTn>
+                        </p:par>
+                      </p:childTnLst>
+                    </p:cTn>
+                  </p:par>
+                </p:childTnLst>
+              </p:cTn>
+              <p:prevCondLst>
+                <p:cond evt="onPrev" delay="0">
+                  <p:tgtEl>
+                    <p:sldTgt/>
+                  </p:tgtEl>
+                </p:cond>
+              </p:prevCondLst>
+              <p:nextCondLst>
+                <p:cond evt="onNext" delay="0">
+                  <p:tgtEl>
+                    <p:sldTgt/>
+                  </p:tgtEl>
+                </p:cond>
+              </p:nextCondLst>
+            </p:seq>
+          </p:childTnLst>
+        </p:cTn>
+      </p:par>
+    </p:tnLst>
+  </p:timing>
+</p:sld>
+</file>
+
+<file path=ppt/slides/slide20.xml><?xml version="1.0" encoding="utf-8"?>
 <p:sld xmlns:a="http://schemas.openxmlformats.org/drawingml/2006/main" xmlns:r="http://schemas.openxmlformats.org/officeDocument/2006/relationships" xmlns:p="http://schemas.openxmlformats.org/presentationml/2006/main">
   <p:cSld>
     <p:spTree>
@@ -14103,7 +17291,7 @@
             <a:fld id="{2BF067CD-8E6B-4360-9AA8-C5DF2A48A6D1}" type="slidenum">
               <a:rPr lang="en-US" noProof="0" smtClean="0"/>
               <a:pPr/>
-              <a:t>15</a:t>
+              <a:t>20</a:t>
             </a:fld>
             <a:endParaRPr lang="en-US" noProof="0" dirty="0"/>
           </a:p>
@@ -14439,7 +17627,7 @@
 </p:sld>
 </file>
 
-<file path=ppt/slides/slide16.xml><?xml version="1.0" encoding="utf-8"?>
+<file path=ppt/slides/slide21.xml><?xml version="1.0" encoding="utf-8"?>
 <p:sld xmlns:a="http://schemas.openxmlformats.org/drawingml/2006/main" xmlns:r="http://schemas.openxmlformats.org/officeDocument/2006/relationships" xmlns:p="http://schemas.openxmlformats.org/presentationml/2006/main">
   <p:cSld>
     <p:spTree>
@@ -14738,7 +17926,7 @@
                   <a:spcPts val="1055"/>
                 </a:lnSpc>
               </a:pPr>
-              <a:t>16</a:t>
+              <a:t>21</a:t>
             </a:fld>
             <a:endParaRPr sz="1000" dirty="0">
               <a:latin typeface="Calibri"/>
@@ -14809,7 +17997,7 @@
             <a:fld id="{2BF067CD-8E6B-4360-9AA8-C5DF2A48A6D1}" type="slidenum">
               <a:rPr lang="en-US" noProof="0" smtClean="0"/>
               <a:pPr/>
-              <a:t>16</a:t>
+              <a:t>21</a:t>
             </a:fld>
             <a:endParaRPr lang="en-US" noProof="0" dirty="0"/>
           </a:p>
@@ -14960,7 +18148,7 @@
 </p:sld>
 </file>
 
-<file path=ppt/slides/slide17.xml><?xml version="1.0" encoding="utf-8"?>
+<file path=ppt/slides/slide22.xml><?xml version="1.0" encoding="utf-8"?>
 <p:sld xmlns:a="http://schemas.openxmlformats.org/drawingml/2006/main" xmlns:r="http://schemas.openxmlformats.org/officeDocument/2006/relationships" xmlns:p="http://schemas.openxmlformats.org/presentationml/2006/main">
   <p:cSld>
     <p:spTree>
@@ -17983,7 +21171,7 @@
                   <a:spcPts val="1055"/>
                 </a:lnSpc>
               </a:pPr>
-              <a:t>17</a:t>
+              <a:t>22</a:t>
             </a:fld>
             <a:endParaRPr sz="1000" dirty="0">
               <a:latin typeface="Calibri"/>
@@ -18132,7 +21320,7 @@
             <a:fld id="{2BF067CD-8E6B-4360-9AA8-C5DF2A48A6D1}" type="slidenum">
               <a:rPr lang="en-US" noProof="0" smtClean="0"/>
               <a:pPr/>
-              <a:t>17</a:t>
+              <a:t>22</a:t>
             </a:fld>
             <a:endParaRPr lang="en-US" noProof="0" dirty="0"/>
           </a:p>
@@ -18391,7 +21579,7 @@
 </p:sld>
 </file>
 
-<file path=ppt/slides/slide18.xml><?xml version="1.0" encoding="utf-8"?>
+<file path=ppt/slides/slide23.xml><?xml version="1.0" encoding="utf-8"?>
 <p:sld xmlns:a="http://schemas.openxmlformats.org/drawingml/2006/main" xmlns:r="http://schemas.openxmlformats.org/officeDocument/2006/relationships" xmlns:p="http://schemas.openxmlformats.org/presentationml/2006/main">
   <p:cSld>
     <p:spTree>
@@ -18529,7 +21717,7 @@
 </p:sld>
 </file>
 
-<file path=ppt/slides/slide19.xml><?xml version="1.0" encoding="utf-8"?>
+<file path=ppt/slides/slide24.xml><?xml version="1.0" encoding="utf-8"?>
 <p:sld xmlns:a="http://schemas.openxmlformats.org/drawingml/2006/main" xmlns:r="http://schemas.openxmlformats.org/officeDocument/2006/relationships" xmlns:p="http://schemas.openxmlformats.org/presentationml/2006/main">
   <p:cSld>
     <p:spTree>
@@ -19002,7 +22190,7 @@
                   <a:spcPts val="1055"/>
                 </a:lnSpc>
               </a:pPr>
-              <a:t>19</a:t>
+              <a:t>24</a:t>
             </a:fld>
             <a:endParaRPr sz="1000" dirty="0">
               <a:latin typeface="Calibri"/>
@@ -19135,7 +22323,7 @@
             <a:fld id="{2BF067CD-8E6B-4360-9AA8-C5DF2A48A6D1}" type="slidenum">
               <a:rPr lang="en-US" smtClean="0"/>
               <a:pPr/>
-              <a:t>19</a:t>
+              <a:t>24</a:t>
             </a:fld>
             <a:endParaRPr lang="en-US" dirty="0"/>
           </a:p>
@@ -19419,499 +22607,7 @@
 </p:sld>
 </file>
 
-<file path=ppt/slides/slide2.xml><?xml version="1.0" encoding="utf-8"?>
-<p:sld xmlns:a="http://schemas.openxmlformats.org/drawingml/2006/main" xmlns:r="http://schemas.openxmlformats.org/officeDocument/2006/relationships" xmlns:p="http://schemas.openxmlformats.org/presentationml/2006/main">
-  <p:cSld>
-    <p:spTree>
-      <p:nvGrpSpPr>
-        <p:cNvPr id="1" name=""/>
-        <p:cNvGrpSpPr/>
-        <p:nvPr/>
-      </p:nvGrpSpPr>
-      <p:grpSpPr>
-        <a:xfrm>
-          <a:off x="0" y="0"/>
-          <a:ext cx="0" cy="0"/>
-          <a:chOff x="0" y="0"/>
-          <a:chExt cx="0" cy="0"/>
-        </a:xfrm>
-      </p:grpSpPr>
-      <p:sp>
-        <p:nvSpPr>
-          <p:cNvPr id="444419" name="Slide Body"/>
-          <p:cNvSpPr>
-            <a:spLocks noGrp="1" noChangeArrowheads="1"/>
-          </p:cNvSpPr>
-          <p:nvPr>
-            <p:ph type="body" sz="quarter" idx="13"/>
-          </p:nvPr>
-        </p:nvSpPr>
-        <p:spPr>
-          <a:xfrm>
-            <a:off x="300813" y="1299604"/>
-            <a:ext cx="9448396" cy="5207396"/>
-          </a:xfrm>
-        </p:spPr>
-        <p:txBody>
-          <a:bodyPr>
-            <a:normAutofit/>
-          </a:bodyPr>
-          <a:lstStyle/>
-          <a:p>
-            <a:pPr fontAlgn="base"/>
-            <a:r>
-              <a:rPr lang="bg-BG" dirty="0"/>
-              <a:t>Какво е СУБД?</a:t>
-            </a:r>
-          </a:p>
-          <a:p>
-            <a:pPr marL="860733" lvl="1" indent="-571500" fontAlgn="base"/>
-            <a:r>
-              <a:rPr lang="en-US" dirty="0"/>
-              <a:t>Database </a:t>
-            </a:r>
-            <a:r>
-              <a:rPr lang="bg-BG" dirty="0"/>
-              <a:t>сървъри</a:t>
-            </a:r>
-            <a:endParaRPr lang="en-US" dirty="0"/>
-          </a:p>
-          <a:p>
-            <a:pPr fontAlgn="base"/>
-            <a:r>
-              <a:rPr lang="ru-RU" dirty="0"/>
-              <a:t>Релационни бази данни </a:t>
-            </a:r>
-          </a:p>
-          <a:p>
-            <a:pPr fontAlgn="base"/>
-            <a:r>
-              <a:rPr lang="ru-RU" dirty="0"/>
-              <a:t>Нерелационни бази данни</a:t>
-            </a:r>
-            <a:endParaRPr lang="en-US" dirty="0"/>
-          </a:p>
-          <a:p>
-            <a:pPr fontAlgn="base"/>
-            <a:r>
-              <a:rPr lang="bg-BG" dirty="0"/>
-              <a:t>Типове данни</a:t>
-            </a:r>
-          </a:p>
-          <a:p>
-            <a:r>
-              <a:rPr lang="bg-BG" dirty="0"/>
-              <a:t>Демо</a:t>
-            </a:r>
-            <a:endParaRPr lang="en-US" dirty="0"/>
-          </a:p>
-        </p:txBody>
-      </p:sp>
-      <p:sp>
-        <p:nvSpPr>
-          <p:cNvPr id="444418" name="Slide Title"/>
-          <p:cNvSpPr>
-            <a:spLocks noGrp="1" noChangeArrowheads="1"/>
-          </p:cNvSpPr>
-          <p:nvPr>
-            <p:ph type="title"/>
-          </p:nvPr>
-        </p:nvSpPr>
-        <p:spPr>
-          <a:xfrm>
-            <a:off x="190405" y="100750"/>
-            <a:ext cx="9669213" cy="882654"/>
-          </a:xfrm>
-        </p:spPr>
-        <p:txBody>
-          <a:bodyPr/>
-          <a:lstStyle/>
-          <a:p>
-            <a:r>
-              <a:rPr lang="bg-BG" dirty="0"/>
-              <a:t>Съдържание</a:t>
-            </a:r>
-          </a:p>
-        </p:txBody>
-      </p:sp>
-      <p:sp>
-        <p:nvSpPr>
-          <p:cNvPr id="2" name="Slide Number">
-            <a:extLst>
-              <a:ext uri="{FF2B5EF4-FFF2-40B4-BE49-F238E27FC236}">
-                <a16:creationId xmlns:a16="http://schemas.microsoft.com/office/drawing/2014/main" id="{4BD5133E-BE69-B9D6-C4AC-AC2A8CB3AFFC}"/>
-              </a:ext>
-            </a:extLst>
-          </p:cNvPr>
-          <p:cNvSpPr txBox="1">
-            <a:spLocks/>
-          </p:cNvSpPr>
-          <p:nvPr/>
-        </p:nvSpPr>
-        <p:spPr>
-          <a:xfrm>
-            <a:off x="11753030" y="6507000"/>
-            <a:ext cx="367414" cy="297000"/>
-          </a:xfrm>
-          <a:prstGeom prst="rect">
-            <a:avLst/>
-          </a:prstGeom>
-        </p:spPr>
-        <p:txBody>
-          <a:bodyPr vert="horz" lIns="91440" tIns="45720" rIns="91440" bIns="45720" rtlCol="0" anchor="b"/>
-          <a:lstStyle>
-            <a:defPPr>
-              <a:defRPr lang="en-US"/>
-            </a:defPPr>
-            <a:lvl1pPr marL="0" algn="r" defTabSz="914400" rtl="0" eaLnBrk="1" latinLnBrk="0" hangingPunct="1">
-              <a:defRPr sz="1000" kern="1200">
-                <a:solidFill>
-                  <a:schemeClr val="tx1"/>
-                </a:solidFill>
-                <a:latin typeface="+mn-lt"/>
-                <a:ea typeface="+mn-ea"/>
-                <a:cs typeface="+mn-cs"/>
-              </a:defRPr>
-            </a:lvl1pPr>
-            <a:lvl2pPr marL="457200" algn="l" defTabSz="914400" rtl="0" eaLnBrk="1" latinLnBrk="0" hangingPunct="1">
-              <a:defRPr sz="1800" kern="1200">
-                <a:solidFill>
-                  <a:schemeClr val="tx1"/>
-                </a:solidFill>
-                <a:latin typeface="+mn-lt"/>
-                <a:ea typeface="+mn-ea"/>
-                <a:cs typeface="+mn-cs"/>
-              </a:defRPr>
-            </a:lvl2pPr>
-            <a:lvl3pPr marL="914400" algn="l" defTabSz="914400" rtl="0" eaLnBrk="1" latinLnBrk="0" hangingPunct="1">
-              <a:defRPr sz="1800" kern="1200">
-                <a:solidFill>
-                  <a:schemeClr val="tx1"/>
-                </a:solidFill>
-                <a:latin typeface="+mn-lt"/>
-                <a:ea typeface="+mn-ea"/>
-                <a:cs typeface="+mn-cs"/>
-              </a:defRPr>
-            </a:lvl3pPr>
-            <a:lvl4pPr marL="1371600" algn="l" defTabSz="914400" rtl="0" eaLnBrk="1" latinLnBrk="0" hangingPunct="1">
-              <a:defRPr sz="1800" kern="1200">
-                <a:solidFill>
-                  <a:schemeClr val="tx1"/>
-                </a:solidFill>
-                <a:latin typeface="+mn-lt"/>
-                <a:ea typeface="+mn-ea"/>
-                <a:cs typeface="+mn-cs"/>
-              </a:defRPr>
-            </a:lvl4pPr>
-            <a:lvl5pPr marL="1828800" algn="l" defTabSz="914400" rtl="0" eaLnBrk="1" latinLnBrk="0" hangingPunct="1">
-              <a:defRPr sz="1800" kern="1200">
-                <a:solidFill>
-                  <a:schemeClr val="tx1"/>
-                </a:solidFill>
-                <a:latin typeface="+mn-lt"/>
-                <a:ea typeface="+mn-ea"/>
-                <a:cs typeface="+mn-cs"/>
-              </a:defRPr>
-            </a:lvl5pPr>
-            <a:lvl6pPr marL="2286000" algn="l" defTabSz="914400" rtl="0" eaLnBrk="1" latinLnBrk="0" hangingPunct="1">
-              <a:defRPr sz="1800" kern="1200">
-                <a:solidFill>
-                  <a:schemeClr val="tx1"/>
-                </a:solidFill>
-                <a:latin typeface="+mn-lt"/>
-                <a:ea typeface="+mn-ea"/>
-                <a:cs typeface="+mn-cs"/>
-              </a:defRPr>
-            </a:lvl6pPr>
-            <a:lvl7pPr marL="2743200" algn="l" defTabSz="914400" rtl="0" eaLnBrk="1" latinLnBrk="0" hangingPunct="1">
-              <a:defRPr sz="1800" kern="1200">
-                <a:solidFill>
-                  <a:schemeClr val="tx1"/>
-                </a:solidFill>
-                <a:latin typeface="+mn-lt"/>
-                <a:ea typeface="+mn-ea"/>
-                <a:cs typeface="+mn-cs"/>
-              </a:defRPr>
-            </a:lvl7pPr>
-            <a:lvl8pPr marL="3200400" algn="l" defTabSz="914400" rtl="0" eaLnBrk="1" latinLnBrk="0" hangingPunct="1">
-              <a:defRPr sz="1800" kern="1200">
-                <a:solidFill>
-                  <a:schemeClr val="tx1"/>
-                </a:solidFill>
-                <a:latin typeface="+mn-lt"/>
-                <a:ea typeface="+mn-ea"/>
-                <a:cs typeface="+mn-cs"/>
-              </a:defRPr>
-            </a:lvl8pPr>
-            <a:lvl9pPr marL="3657600" algn="l" defTabSz="914400" rtl="0" eaLnBrk="1" latinLnBrk="0" hangingPunct="1">
-              <a:defRPr sz="1800" kern="1200">
-                <a:solidFill>
-                  <a:schemeClr val="tx1"/>
-                </a:solidFill>
-                <a:latin typeface="+mn-lt"/>
-                <a:ea typeface="+mn-ea"/>
-                <a:cs typeface="+mn-cs"/>
-              </a:defRPr>
-            </a:lvl9pPr>
-          </a:lstStyle>
-          <a:p>
-            <a:fld id="{2BF067CD-8E6B-4360-9AA8-C5DF2A48A6D1}" type="slidenum">
-              <a:rPr lang="en-US" smtClean="0"/>
-              <a:pPr/>
-              <a:t>2</a:t>
-            </a:fld>
-            <a:endParaRPr lang="en-US" dirty="0"/>
-          </a:p>
-        </p:txBody>
-      </p:sp>
-    </p:spTree>
-    <p:extLst>
-      <p:ext uri="{BB962C8B-B14F-4D97-AF65-F5344CB8AC3E}">
-        <p14:creationId xmlns:p14="http://schemas.microsoft.com/office/powerpoint/2010/main" val="1713799751"/>
-      </p:ext>
-    </p:extLst>
-  </p:cSld>
-  <p:clrMapOvr>
-    <a:masterClrMapping/>
-  </p:clrMapOvr>
-  <mc:AlternateContent xmlns:mc="http://schemas.openxmlformats.org/markup-compatibility/2006" xmlns:p14="http://schemas.microsoft.com/office/powerpoint/2010/main">
-    <mc:Choice Requires="p14">
-      <p:transition spd="slow" p14:dur="2000" advClick="0" advTm="5000"/>
-    </mc:Choice>
-    <mc:Fallback xmlns="">
-      <p:transition spd="slow" advClick="0" advTm="5000"/>
-    </mc:Fallback>
-  </mc:AlternateContent>
-  <p:timing>
-    <p:tnLst>
-      <p:par>
-        <p:cTn id="1" dur="indefinite" restart="never" nodeType="tmRoot">
-          <p:childTnLst>
-            <p:seq concurrent="1" nextAc="seek">
-              <p:cTn id="2" dur="indefinite" nodeType="mainSeq">
-                <p:childTnLst>
-                  <p:par>
-                    <p:cTn id="3" fill="hold">
-                      <p:stCondLst>
-                        <p:cond delay="indefinite"/>
-                      </p:stCondLst>
-                      <p:childTnLst>
-                        <p:par>
-                          <p:cTn id="4" fill="hold">
-                            <p:stCondLst>
-                              <p:cond delay="0"/>
-                            </p:stCondLst>
-                            <p:childTnLst>
-                              <p:par>
-                                <p:cTn id="5" presetID="1" presetClass="entr" presetSubtype="0" fill="hold" nodeType="clickEffect">
-                                  <p:stCondLst>
-                                    <p:cond delay="0"/>
-                                  </p:stCondLst>
-                                  <p:childTnLst>
-                                    <p:set>
-                                      <p:cBhvr>
-                                        <p:cTn id="6" dur="1" fill="hold">
-                                          <p:stCondLst>
-                                            <p:cond delay="0"/>
-                                          </p:stCondLst>
-                                        </p:cTn>
-                                        <p:tgtEl>
-                                          <p:spTgt spid="444419">
-                                            <p:txEl>
-                                              <p:pRg st="2" end="2"/>
-                                            </p:txEl>
-                                          </p:spTgt>
-                                        </p:tgtEl>
-                                        <p:attrNameLst>
-                                          <p:attrName>style.visibility</p:attrName>
-                                        </p:attrNameLst>
-                                      </p:cBhvr>
-                                      <p:to>
-                                        <p:strVal val="visible"/>
-                                      </p:to>
-                                    </p:set>
-                                  </p:childTnLst>
-                                </p:cTn>
-                              </p:par>
-                            </p:childTnLst>
-                          </p:cTn>
-                        </p:par>
-                      </p:childTnLst>
-                    </p:cTn>
-                  </p:par>
-                  <p:par>
-                    <p:cTn id="7" fill="hold">
-                      <p:stCondLst>
-                        <p:cond delay="indefinite"/>
-                      </p:stCondLst>
-                      <p:childTnLst>
-                        <p:par>
-                          <p:cTn id="8" fill="hold">
-                            <p:stCondLst>
-                              <p:cond delay="0"/>
-                            </p:stCondLst>
-                            <p:childTnLst>
-                              <p:par>
-                                <p:cTn id="9" presetID="1" presetClass="entr" presetSubtype="0" fill="hold" nodeType="clickEffect">
-                                  <p:stCondLst>
-                                    <p:cond delay="0"/>
-                                  </p:stCondLst>
-                                  <p:childTnLst>
-                                    <p:set>
-                                      <p:cBhvr>
-                                        <p:cTn id="10" dur="1" fill="hold">
-                                          <p:stCondLst>
-                                            <p:cond delay="0"/>
-                                          </p:stCondLst>
-                                        </p:cTn>
-                                        <p:tgtEl>
-                                          <p:spTgt spid="444419">
-                                            <p:txEl>
-                                              <p:pRg st="3" end="3"/>
-                                            </p:txEl>
-                                          </p:spTgt>
-                                        </p:tgtEl>
-                                        <p:attrNameLst>
-                                          <p:attrName>style.visibility</p:attrName>
-                                        </p:attrNameLst>
-                                      </p:cBhvr>
-                                      <p:to>
-                                        <p:strVal val="visible"/>
-                                      </p:to>
-                                    </p:set>
-                                  </p:childTnLst>
-                                </p:cTn>
-                              </p:par>
-                            </p:childTnLst>
-                          </p:cTn>
-                        </p:par>
-                      </p:childTnLst>
-                    </p:cTn>
-                  </p:par>
-                  <p:par>
-                    <p:cTn id="11" fill="hold">
-                      <p:stCondLst>
-                        <p:cond delay="indefinite"/>
-                      </p:stCondLst>
-                      <p:childTnLst>
-                        <p:par>
-                          <p:cTn id="12" fill="hold">
-                            <p:stCondLst>
-                              <p:cond delay="0"/>
-                            </p:stCondLst>
-                            <p:childTnLst>
-                              <p:par>
-                                <p:cTn id="13" presetID="1" presetClass="entr" presetSubtype="0" fill="hold" nodeType="clickEffect">
-                                  <p:stCondLst>
-                                    <p:cond delay="0"/>
-                                  </p:stCondLst>
-                                  <p:childTnLst>
-                                    <p:set>
-                                      <p:cBhvr>
-                                        <p:cTn id="14" dur="1" fill="hold">
-                                          <p:stCondLst>
-                                            <p:cond delay="0"/>
-                                          </p:stCondLst>
-                                        </p:cTn>
-                                        <p:tgtEl>
-                                          <p:spTgt spid="444419">
-                                            <p:txEl>
-                                              <p:pRg st="4" end="4"/>
-                                            </p:txEl>
-                                          </p:spTgt>
-                                        </p:tgtEl>
-                                        <p:attrNameLst>
-                                          <p:attrName>style.visibility</p:attrName>
-                                        </p:attrNameLst>
-                                      </p:cBhvr>
-                                      <p:to>
-                                        <p:strVal val="visible"/>
-                                      </p:to>
-                                    </p:set>
-                                  </p:childTnLst>
-                                </p:cTn>
-                              </p:par>
-                            </p:childTnLst>
-                          </p:cTn>
-                        </p:par>
-                      </p:childTnLst>
-                    </p:cTn>
-                  </p:par>
-                  <p:par>
-                    <p:cTn id="15" fill="hold">
-                      <p:stCondLst>
-                        <p:cond delay="indefinite"/>
-                      </p:stCondLst>
-                      <p:childTnLst>
-                        <p:par>
-                          <p:cTn id="16" fill="hold">
-                            <p:stCondLst>
-                              <p:cond delay="0"/>
-                            </p:stCondLst>
-                            <p:childTnLst>
-                              <p:par>
-                                <p:cTn id="17" presetID="1" presetClass="entr" presetSubtype="0" fill="hold" nodeType="clickEffect">
-                                  <p:stCondLst>
-                                    <p:cond delay="0"/>
-                                  </p:stCondLst>
-                                  <p:childTnLst>
-                                    <p:set>
-                                      <p:cBhvr>
-                                        <p:cTn id="18" dur="1" fill="hold">
-                                          <p:stCondLst>
-                                            <p:cond delay="0"/>
-                                          </p:stCondLst>
-                                        </p:cTn>
-                                        <p:tgtEl>
-                                          <p:spTgt spid="444419">
-                                            <p:txEl>
-                                              <p:pRg st="5" end="5"/>
-                                            </p:txEl>
-                                          </p:spTgt>
-                                        </p:tgtEl>
-                                        <p:attrNameLst>
-                                          <p:attrName>style.visibility</p:attrName>
-                                        </p:attrNameLst>
-                                      </p:cBhvr>
-                                      <p:to>
-                                        <p:strVal val="visible"/>
-                                      </p:to>
-                                    </p:set>
-                                  </p:childTnLst>
-                                </p:cTn>
-                              </p:par>
-                            </p:childTnLst>
-                          </p:cTn>
-                        </p:par>
-                      </p:childTnLst>
-                    </p:cTn>
-                  </p:par>
-                </p:childTnLst>
-              </p:cTn>
-              <p:prevCondLst>
-                <p:cond evt="onPrev" delay="0">
-                  <p:tgtEl>
-                    <p:sldTgt/>
-                  </p:tgtEl>
-                </p:cond>
-              </p:prevCondLst>
-              <p:nextCondLst>
-                <p:cond evt="onNext" delay="0">
-                  <p:tgtEl>
-                    <p:sldTgt/>
-                  </p:tgtEl>
-                </p:cond>
-              </p:nextCondLst>
-            </p:seq>
-          </p:childTnLst>
-        </p:cTn>
-      </p:par>
-    </p:tnLst>
-  </p:timing>
-</p:sld>
-</file>
-
-<file path=ppt/slides/slide20.xml><?xml version="1.0" encoding="utf-8"?>
+<file path=ppt/slides/slide25.xml><?xml version="1.0" encoding="utf-8"?>
 <p:sld xmlns:a="http://schemas.openxmlformats.org/drawingml/2006/main" xmlns:r="http://schemas.openxmlformats.org/officeDocument/2006/relationships" xmlns:p="http://schemas.openxmlformats.org/presentationml/2006/main">
   <p:cSld>
     <p:spTree>
@@ -20754,7 +23450,7 @@
                   <a:spcPts val="1065"/>
                 </a:lnSpc>
               </a:pPr>
-              <a:t>20</a:t>
+              <a:t>25</a:t>
             </a:fld>
             <a:endParaRPr sz="1000" dirty="0">
               <a:latin typeface="Calibri"/>
@@ -20799,7 +23495,7 @@
             <a:fld id="{2BF067CD-8E6B-4360-9AA8-C5DF2A48A6D1}" type="slidenum">
               <a:rPr lang="en-US" noProof="0" smtClean="0"/>
               <a:pPr/>
-              <a:t>20</a:t>
+              <a:t>25</a:t>
             </a:fld>
             <a:endParaRPr lang="en-US" noProof="0" dirty="0"/>
           </a:p>
@@ -21030,7 +23726,7 @@
 </p:sld>
 </file>
 
-<file path=ppt/slides/slide21.xml><?xml version="1.0" encoding="utf-8"?>
+<file path=ppt/slides/slide26.xml><?xml version="1.0" encoding="utf-8"?>
 <p:sld xmlns:a="http://schemas.openxmlformats.org/drawingml/2006/main" xmlns:r="http://schemas.openxmlformats.org/officeDocument/2006/relationships" xmlns:p="http://schemas.openxmlformats.org/presentationml/2006/main">
   <p:cSld>
     <p:spTree>
@@ -21144,7 +23840,7 @@
 </p:sld>
 </file>
 
-<file path=ppt/slides/slide22.xml><?xml version="1.0" encoding="utf-8"?>
+<file path=ppt/slides/slide27.xml><?xml version="1.0" encoding="utf-8"?>
 <p:sld xmlns:a="http://schemas.openxmlformats.org/drawingml/2006/main" xmlns:r="http://schemas.openxmlformats.org/officeDocument/2006/relationships" xmlns:p="http://schemas.openxmlformats.org/presentationml/2006/main">
   <p:cSld>
     <p:spTree>
@@ -21767,7 +24463,7 @@
             <a:fld id="{2BF067CD-8E6B-4360-9AA8-C5DF2A48A6D1}" type="slidenum">
               <a:rPr lang="en-US" noProof="0" smtClean="0"/>
               <a:pPr/>
-              <a:t>22</a:t>
+              <a:t>27</a:t>
             </a:fld>
             <a:endParaRPr lang="en-US" noProof="0" dirty="0"/>
           </a:p>
@@ -22149,7 +24845,7 @@
 </p:sld>
 </file>
 
-<file path=ppt/slides/slide23.xml><?xml version="1.0" encoding="utf-8"?>
+<file path=ppt/slides/slide28.xml><?xml version="1.0" encoding="utf-8"?>
 <p:sld xmlns:a="http://schemas.openxmlformats.org/drawingml/2006/main" xmlns:r="http://schemas.openxmlformats.org/officeDocument/2006/relationships" xmlns:p="http://schemas.openxmlformats.org/presentationml/2006/main">
   <p:cSld>
     <p:spTree>
@@ -22597,7 +25293,7 @@
             <a:fld id="{2BF067CD-8E6B-4360-9AA8-C5DF2A48A6D1}" type="slidenum">
               <a:rPr lang="en-US" noProof="0" smtClean="0"/>
               <a:pPr/>
-              <a:t>23</a:t>
+              <a:t>28</a:t>
             </a:fld>
             <a:endParaRPr lang="en-US" noProof="0" dirty="0"/>
           </a:p>
@@ -22624,7 +25320,7 @@
 </p:sld>
 </file>
 
-<file path=ppt/slides/slide24.xml><?xml version="1.0" encoding="utf-8"?>
+<file path=ppt/slides/slide29.xml><?xml version="1.0" encoding="utf-8"?>
 <p:sld xmlns:a="http://schemas.openxmlformats.org/drawingml/2006/main" xmlns:r="http://schemas.openxmlformats.org/officeDocument/2006/relationships" xmlns:p="http://schemas.openxmlformats.org/presentationml/2006/main">
   <p:cSld>
     <p:spTree>
@@ -23067,7 +25763,7 @@
             <a:fld id="{2BF067CD-8E6B-4360-9AA8-C5DF2A48A6D1}" type="slidenum">
               <a:rPr lang="en-US" noProof="0" smtClean="0"/>
               <a:pPr/>
-              <a:t>24</a:t>
+              <a:t>29</a:t>
             </a:fld>
             <a:endParaRPr lang="en-US" noProof="0" dirty="0"/>
           </a:p>
@@ -23498,7 +26194,177 @@
 </p:sld>
 </file>
 
-<file path=ppt/slides/slide25.xml><?xml version="1.0" encoding="utf-8"?>
+<file path=ppt/slides/slide3.xml><?xml version="1.0" encoding="utf-8"?>
+<p:sld xmlns:a="http://schemas.openxmlformats.org/drawingml/2006/main" xmlns:r="http://schemas.openxmlformats.org/officeDocument/2006/relationships" xmlns:p="http://schemas.openxmlformats.org/presentationml/2006/main">
+  <p:cSld>
+    <p:spTree>
+      <p:nvGrpSpPr>
+        <p:cNvPr id="1" name=""/>
+        <p:cNvGrpSpPr/>
+        <p:nvPr/>
+      </p:nvGrpSpPr>
+      <p:grpSpPr>
+        <a:xfrm>
+          <a:off x="0" y="0"/>
+          <a:ext cx="0" cy="0"/>
+          <a:chOff x="0" y="0"/>
+          <a:chExt cx="0" cy="0"/>
+        </a:xfrm>
+      </p:grpSpPr>
+      <p:grpSp>
+        <p:nvGrpSpPr>
+          <p:cNvPr id="2" name="Group 9"/>
+          <p:cNvGrpSpPr/>
+          <p:nvPr/>
+        </p:nvGrpSpPr>
+        <p:grpSpPr>
+          <a:xfrm>
+            <a:off x="4912827" y="1596574"/>
+            <a:ext cx="2347876" cy="2362038"/>
+            <a:chOff x="3878107" y="914400"/>
+            <a:chExt cx="4159406" cy="4184495"/>
+          </a:xfrm>
+        </p:grpSpPr>
+        <p:pic>
+          <p:nvPicPr>
+            <p:cNvPr id="11" name="Picture 10"/>
+            <p:cNvPicPr>
+              <a:picLocks noChangeAspect="1"/>
+            </p:cNvPicPr>
+            <p:nvPr/>
+          </p:nvPicPr>
+          <p:blipFill>
+            <a:blip r:embed="rId3" cstate="print">
+              <a:extLst>
+                <a:ext uri="{28A0092B-C50C-407E-A947-70E740481C1C}">
+                  <a14:useLocalDpi xmlns:a14="http://schemas.microsoft.com/office/drawing/2010/main" val="0"/>
+                </a:ext>
+              </a:extLst>
+            </a:blip>
+            <a:stretch>
+              <a:fillRect/>
+            </a:stretch>
+          </p:blipFill>
+          <p:spPr>
+            <a:xfrm>
+              <a:off x="4151313" y="914400"/>
+              <a:ext cx="3886200" cy="3886200"/>
+            </a:xfrm>
+            <a:prstGeom prst="rect">
+              <a:avLst/>
+            </a:prstGeom>
+          </p:spPr>
+        </p:pic>
+        <p:pic>
+          <p:nvPicPr>
+            <p:cNvPr id="12" name="Picture 11"/>
+            <p:cNvPicPr>
+              <a:picLocks noChangeAspect="1"/>
+            </p:cNvPicPr>
+            <p:nvPr/>
+          </p:nvPicPr>
+          <p:blipFill>
+            <a:blip r:embed="rId4" cstate="print">
+              <a:extLst>
+                <a:ext uri="{28A0092B-C50C-407E-A947-70E740481C1C}">
+                  <a14:useLocalDpi xmlns:a14="http://schemas.microsoft.com/office/drawing/2010/main" val="0"/>
+                </a:ext>
+              </a:extLst>
+            </a:blip>
+            <a:stretch>
+              <a:fillRect/>
+            </a:stretch>
+          </p:blipFill>
+          <p:spPr>
+            <a:xfrm rot="18746218">
+              <a:off x="3732212" y="2503574"/>
+              <a:ext cx="2741216" cy="2449426"/>
+            </a:xfrm>
+            <a:prstGeom prst="rect">
+              <a:avLst/>
+            </a:prstGeom>
+          </p:spPr>
+        </p:pic>
+      </p:grpSp>
+      <p:sp>
+        <p:nvSpPr>
+          <p:cNvPr id="5" name="Подзаглавие 4">
+            <a:extLst>
+              <a:ext uri="{FF2B5EF4-FFF2-40B4-BE49-F238E27FC236}">
+                <a16:creationId xmlns:a16="http://schemas.microsoft.com/office/drawing/2014/main" id="{4786CD85-17B4-5582-0A31-340E498ED1C0}"/>
+              </a:ext>
+            </a:extLst>
+          </p:cNvPr>
+          <p:cNvSpPr>
+            <a:spLocks noGrp="1"/>
+          </p:cNvSpPr>
+          <p:nvPr>
+            <p:ph type="subTitle" sz="quarter" idx="11"/>
+          </p:nvPr>
+        </p:nvSpPr>
+        <p:spPr/>
+        <p:txBody>
+          <a:bodyPr/>
+          <a:lstStyle/>
+          <a:p>
+            <a:r>
+              <a:rPr lang="ru-RU"/>
+              <a:t>Системи за управление на бази данни</a:t>
+            </a:r>
+            <a:endParaRPr lang="bg-BG"/>
+          </a:p>
+        </p:txBody>
+      </p:sp>
+      <p:sp>
+        <p:nvSpPr>
+          <p:cNvPr id="8" name="Заглавие 7">
+            <a:extLst>
+              <a:ext uri="{FF2B5EF4-FFF2-40B4-BE49-F238E27FC236}">
+                <a16:creationId xmlns:a16="http://schemas.microsoft.com/office/drawing/2014/main" id="{1E46FA96-85EE-79F7-A20C-97A1852A90FE}"/>
+              </a:ext>
+            </a:extLst>
+          </p:cNvPr>
+          <p:cNvSpPr>
+            <a:spLocks noGrp="1"/>
+          </p:cNvSpPr>
+          <p:nvPr>
+            <p:ph type="title" sz="quarter" idx="10"/>
+          </p:nvPr>
+        </p:nvSpPr>
+        <p:spPr/>
+        <p:txBody>
+          <a:bodyPr/>
+          <a:lstStyle/>
+          <a:p>
+            <a:r>
+              <a:rPr lang="bg-BG"/>
+              <a:t>Сървъри за бази данни</a:t>
+            </a:r>
+          </a:p>
+        </p:txBody>
+      </p:sp>
+    </p:spTree>
+    <p:extLst>
+      <p:ext uri="{BB962C8B-B14F-4D97-AF65-F5344CB8AC3E}">
+        <p14:creationId xmlns:p14="http://schemas.microsoft.com/office/powerpoint/2010/main" val="3454804543"/>
+      </p:ext>
+    </p:extLst>
+  </p:cSld>
+  <p:clrMapOvr>
+    <a:masterClrMapping/>
+  </p:clrMapOvr>
+  <mc:AlternateContent xmlns:mc="http://schemas.openxmlformats.org/markup-compatibility/2006" xmlns:p14="http://schemas.microsoft.com/office/powerpoint/2010/main">
+    <mc:Choice Requires="p14">
+      <p:transition spd="slow" p14:dur="2000" advClick="0" advTm="5000"/>
+    </mc:Choice>
+    <mc:Fallback xmlns="">
+      <p:transition spd="slow" advClick="0" advTm="5000"/>
+    </mc:Fallback>
+  </mc:AlternateContent>
+</p:sld>
+</file>
+
+<file path=ppt/slides/slide30.xml><?xml version="1.0" encoding="utf-8"?>
 <p:sld xmlns:a="http://schemas.openxmlformats.org/drawingml/2006/main" xmlns:r="http://schemas.openxmlformats.org/officeDocument/2006/relationships" xmlns:p="http://schemas.openxmlformats.org/presentationml/2006/main">
   <p:cSld>
     <p:spTree>
@@ -23652,7 +26518,7 @@
             <a:fld id="{2BF067CD-8E6B-4360-9AA8-C5DF2A48A6D1}" type="slidenum">
               <a:rPr lang="en-US" noProof="0" smtClean="0"/>
               <a:pPr/>
-              <a:t>25</a:t>
+              <a:t>30</a:t>
             </a:fld>
             <a:endParaRPr lang="en-US" noProof="0" dirty="0"/>
           </a:p>
@@ -23679,7 +26545,7 @@
 </p:sld>
 </file>
 
-<file path=ppt/slides/slide26.xml><?xml version="1.0" encoding="utf-8"?>
+<file path=ppt/slides/slide31.xml><?xml version="1.0" encoding="utf-8"?>
 <p:sld xmlns:a="http://schemas.openxmlformats.org/drawingml/2006/main" xmlns:r="http://schemas.openxmlformats.org/officeDocument/2006/relationships" xmlns:p="http://schemas.openxmlformats.org/presentationml/2006/main">
   <p:cSld>
     <p:spTree>
@@ -23862,7 +26728,7 @@
             <a:fld id="{2BF067CD-8E6B-4360-9AA8-C5DF2A48A6D1}" type="slidenum">
               <a:rPr lang="en-US" noProof="0" smtClean="0"/>
               <a:pPr/>
-              <a:t>26</a:t>
+              <a:t>31</a:t>
             </a:fld>
             <a:endParaRPr lang="en-US" noProof="0" dirty="0"/>
           </a:p>
@@ -23968,7 +26834,7 @@
 </p:sld>
 </file>
 
-<file path=ppt/slides/slide27.xml><?xml version="1.0" encoding="utf-8"?>
+<file path=ppt/slides/slide32.xml><?xml version="1.0" encoding="utf-8"?>
 <p:sld xmlns:a="http://schemas.openxmlformats.org/drawingml/2006/main" xmlns:r="http://schemas.openxmlformats.org/officeDocument/2006/relationships" xmlns:p="http://schemas.openxmlformats.org/presentationml/2006/main">
   <p:cSld>
     <p:spTree>
@@ -24581,7 +27447,7 @@
             <a:fld id="{2BF067CD-8E6B-4360-9AA8-C5DF2A48A6D1}" type="slidenum">
               <a:rPr lang="en-US" noProof="0" smtClean="0"/>
               <a:pPr/>
-              <a:t>27</a:t>
+              <a:t>32</a:t>
             </a:fld>
             <a:endParaRPr lang="en-US" noProof="0" dirty="0"/>
           </a:p>
@@ -24963,7 +27829,7 @@
 </p:sld>
 </file>
 
-<file path=ppt/slides/slide28.xml><?xml version="1.0" encoding="utf-8"?>
+<file path=ppt/slides/slide33.xml><?xml version="1.0" encoding="utf-8"?>
 <p:sld xmlns:a="http://schemas.openxmlformats.org/drawingml/2006/main" xmlns:r="http://schemas.openxmlformats.org/officeDocument/2006/relationships" xmlns:p="http://schemas.openxmlformats.org/presentationml/2006/main">
   <p:cSld>
     <p:spTree>
@@ -25153,7 +28019,7 @@
 </p:sld>
 </file>
 
-<file path=ppt/slides/slide29.xml><?xml version="1.0" encoding="utf-8"?>
+<file path=ppt/slides/slide34.xml><?xml version="1.0" encoding="utf-8"?>
 <p:sld xmlns:a="http://schemas.openxmlformats.org/drawingml/2006/main" xmlns:r="http://schemas.openxmlformats.org/officeDocument/2006/relationships" xmlns:p="http://schemas.openxmlformats.org/presentationml/2006/main">
   <p:cSld>
     <p:spTree>
@@ -25509,7 +28375,7 @@
             <a:fld id="{2BF067CD-8E6B-4360-9AA8-C5DF2A48A6D1}" type="slidenum">
               <a:rPr lang="en-US" noProof="0" smtClean="0"/>
               <a:pPr/>
-              <a:t>29</a:t>
+              <a:t>34</a:t>
             </a:fld>
             <a:endParaRPr lang="en-US" noProof="0" dirty="0"/>
           </a:p>
@@ -25519,176 +28385,6 @@
     <p:extLst>
       <p:ext uri="{BB962C8B-B14F-4D97-AF65-F5344CB8AC3E}">
         <p14:creationId xmlns:p14="http://schemas.microsoft.com/office/powerpoint/2010/main" val="2824585069"/>
-      </p:ext>
-    </p:extLst>
-  </p:cSld>
-  <p:clrMapOvr>
-    <a:masterClrMapping/>
-  </p:clrMapOvr>
-  <mc:AlternateContent xmlns:mc="http://schemas.openxmlformats.org/markup-compatibility/2006" xmlns:p14="http://schemas.microsoft.com/office/powerpoint/2010/main">
-    <mc:Choice Requires="p14">
-      <p:transition spd="slow" p14:dur="2000" advClick="0" advTm="5000"/>
-    </mc:Choice>
-    <mc:Fallback xmlns="">
-      <p:transition spd="slow" advClick="0" advTm="5000"/>
-    </mc:Fallback>
-  </mc:AlternateContent>
-</p:sld>
-</file>
-
-<file path=ppt/slides/slide3.xml><?xml version="1.0" encoding="utf-8"?>
-<p:sld xmlns:a="http://schemas.openxmlformats.org/drawingml/2006/main" xmlns:r="http://schemas.openxmlformats.org/officeDocument/2006/relationships" xmlns:p="http://schemas.openxmlformats.org/presentationml/2006/main">
-  <p:cSld>
-    <p:spTree>
-      <p:nvGrpSpPr>
-        <p:cNvPr id="1" name=""/>
-        <p:cNvGrpSpPr/>
-        <p:nvPr/>
-      </p:nvGrpSpPr>
-      <p:grpSpPr>
-        <a:xfrm>
-          <a:off x="0" y="0"/>
-          <a:ext cx="0" cy="0"/>
-          <a:chOff x="0" y="0"/>
-          <a:chExt cx="0" cy="0"/>
-        </a:xfrm>
-      </p:grpSpPr>
-      <p:grpSp>
-        <p:nvGrpSpPr>
-          <p:cNvPr id="2" name="Group 9"/>
-          <p:cNvGrpSpPr/>
-          <p:nvPr/>
-        </p:nvGrpSpPr>
-        <p:grpSpPr>
-          <a:xfrm>
-            <a:off x="4912827" y="1596574"/>
-            <a:ext cx="2347876" cy="2362038"/>
-            <a:chOff x="3878107" y="914400"/>
-            <a:chExt cx="4159406" cy="4184495"/>
-          </a:xfrm>
-        </p:grpSpPr>
-        <p:pic>
-          <p:nvPicPr>
-            <p:cNvPr id="11" name="Picture 10"/>
-            <p:cNvPicPr>
-              <a:picLocks noChangeAspect="1"/>
-            </p:cNvPicPr>
-            <p:nvPr/>
-          </p:nvPicPr>
-          <p:blipFill>
-            <a:blip r:embed="rId3" cstate="print">
-              <a:extLst>
-                <a:ext uri="{28A0092B-C50C-407E-A947-70E740481C1C}">
-                  <a14:useLocalDpi xmlns:a14="http://schemas.microsoft.com/office/drawing/2010/main" val="0"/>
-                </a:ext>
-              </a:extLst>
-            </a:blip>
-            <a:stretch>
-              <a:fillRect/>
-            </a:stretch>
-          </p:blipFill>
-          <p:spPr>
-            <a:xfrm>
-              <a:off x="4151313" y="914400"/>
-              <a:ext cx="3886200" cy="3886200"/>
-            </a:xfrm>
-            <a:prstGeom prst="rect">
-              <a:avLst/>
-            </a:prstGeom>
-          </p:spPr>
-        </p:pic>
-        <p:pic>
-          <p:nvPicPr>
-            <p:cNvPr id="12" name="Picture 11"/>
-            <p:cNvPicPr>
-              <a:picLocks noChangeAspect="1"/>
-            </p:cNvPicPr>
-            <p:nvPr/>
-          </p:nvPicPr>
-          <p:blipFill>
-            <a:blip r:embed="rId4" cstate="print">
-              <a:extLst>
-                <a:ext uri="{28A0092B-C50C-407E-A947-70E740481C1C}">
-                  <a14:useLocalDpi xmlns:a14="http://schemas.microsoft.com/office/drawing/2010/main" val="0"/>
-                </a:ext>
-              </a:extLst>
-            </a:blip>
-            <a:stretch>
-              <a:fillRect/>
-            </a:stretch>
-          </p:blipFill>
-          <p:spPr>
-            <a:xfrm rot="18746218">
-              <a:off x="3732212" y="2503574"/>
-              <a:ext cx="2741216" cy="2449426"/>
-            </a:xfrm>
-            <a:prstGeom prst="rect">
-              <a:avLst/>
-            </a:prstGeom>
-          </p:spPr>
-        </p:pic>
-      </p:grpSp>
-      <p:sp>
-        <p:nvSpPr>
-          <p:cNvPr id="5" name="Подзаглавие 4">
-            <a:extLst>
-              <a:ext uri="{FF2B5EF4-FFF2-40B4-BE49-F238E27FC236}">
-                <a16:creationId xmlns:a16="http://schemas.microsoft.com/office/drawing/2014/main" id="{4786CD85-17B4-5582-0A31-340E498ED1C0}"/>
-              </a:ext>
-            </a:extLst>
-          </p:cNvPr>
-          <p:cNvSpPr>
-            <a:spLocks noGrp="1"/>
-          </p:cNvSpPr>
-          <p:nvPr>
-            <p:ph type="subTitle" sz="quarter" idx="11"/>
-          </p:nvPr>
-        </p:nvSpPr>
-        <p:spPr/>
-        <p:txBody>
-          <a:bodyPr/>
-          <a:lstStyle/>
-          <a:p>
-            <a:r>
-              <a:rPr lang="ru-RU"/>
-              <a:t>Системи за управление на бази данни</a:t>
-            </a:r>
-            <a:endParaRPr lang="bg-BG"/>
-          </a:p>
-        </p:txBody>
-      </p:sp>
-      <p:sp>
-        <p:nvSpPr>
-          <p:cNvPr id="8" name="Заглавие 7">
-            <a:extLst>
-              <a:ext uri="{FF2B5EF4-FFF2-40B4-BE49-F238E27FC236}">
-                <a16:creationId xmlns:a16="http://schemas.microsoft.com/office/drawing/2014/main" id="{1E46FA96-85EE-79F7-A20C-97A1852A90FE}"/>
-              </a:ext>
-            </a:extLst>
-          </p:cNvPr>
-          <p:cNvSpPr>
-            <a:spLocks noGrp="1"/>
-          </p:cNvSpPr>
-          <p:nvPr>
-            <p:ph type="title" sz="quarter" idx="10"/>
-          </p:nvPr>
-        </p:nvSpPr>
-        <p:spPr/>
-        <p:txBody>
-          <a:bodyPr/>
-          <a:lstStyle/>
-          <a:p>
-            <a:r>
-              <a:rPr lang="bg-BG"/>
-              <a:t>Сървъри за бази данни</a:t>
-            </a:r>
-          </a:p>
-        </p:txBody>
-      </p:sp>
-    </p:spTree>
-    <p:extLst>
-      <p:ext uri="{BB962C8B-B14F-4D97-AF65-F5344CB8AC3E}">
-        <p14:creationId xmlns:p14="http://schemas.microsoft.com/office/powerpoint/2010/main" val="3454804543"/>
       </p:ext>
     </p:extLst>
   </p:cSld>
@@ -26073,6 +28769,61 @@
                 <a:cs typeface="Calibri"/>
               </a:rPr>
               <a:t>и файловата структура</a:t>
+            </a:r>
+          </a:p>
+          <a:p>
+            <a:pPr marL="815022" marR="217170" lvl="1" indent="-360045">
+              <a:lnSpc>
+                <a:spcPct val="104800"/>
+              </a:lnSpc>
+              <a:spcBef>
+                <a:spcPts val="1220"/>
+              </a:spcBef>
+              <a:buFont typeface="Wingdings"/>
+              <a:buChar char=""/>
+              <a:tabLst>
+                <a:tab pos="372745" algn="l"/>
+              </a:tabLst>
+            </a:pPr>
+            <a:r>
+              <a:rPr lang="bg-BG" sz="3400" b="1" spc="5" dirty="0">
+                <a:solidFill>
+                  <a:srgbClr val="224464"/>
+                </a:solidFill>
+                <a:latin typeface="Calibri"/>
+                <a:cs typeface="Calibri"/>
+              </a:rPr>
+              <a:t>Източник</a:t>
+            </a:r>
+            <a:r>
+              <a:rPr lang="bg-BG" sz="3400" spc="5" dirty="0">
+                <a:solidFill>
+                  <a:srgbClr val="224464"/>
+                </a:solidFill>
+                <a:latin typeface="Calibri"/>
+                <a:cs typeface="Calibri"/>
+              </a:rPr>
+              <a:t> / </a:t>
+            </a:r>
+            <a:r>
+              <a:rPr lang="bg-BG" sz="3400" b="1" spc="5" dirty="0">
+                <a:solidFill>
+                  <a:srgbClr val="224464"/>
+                </a:solidFill>
+                <a:latin typeface="Calibri"/>
+                <a:cs typeface="Calibri"/>
+              </a:rPr>
+              <a:t>доставчик</a:t>
+            </a:r>
+            <a:r>
+              <a:rPr lang="bg-BG" sz="3400" spc="5" dirty="0">
+                <a:solidFill>
+                  <a:srgbClr val="224464"/>
+                </a:solidFill>
+                <a:latin typeface="Calibri"/>
+                <a:cs typeface="Calibri"/>
+              </a:rPr>
+              <a:t> на данни</a:t>
             </a:r>
             <a:endParaRPr lang="bg-BG" sz="3400" dirty="0">
               <a:latin typeface="Calibri"/>
@@ -26307,6 +29058,55 @@
                                           <p:spTgt spid="3">
                                             <p:txEl>
                                               <p:pRg st="1" end="1"/>
+                                            </p:txEl>
+                                          </p:spTgt>
+                                        </p:tgtEl>
+                                        <p:attrNameLst>
+                                          <p:attrName>style.visibility</p:attrName>
+                                        </p:attrNameLst>
+                                      </p:cBhvr>
+                                      <p:to>
+                                        <p:strVal val="visible"/>
+                                      </p:to>
+                                    </p:set>
+                                  </p:childTnLst>
+                                </p:cTn>
+                              </p:par>
+                            </p:childTnLst>
+                          </p:cTn>
+                        </p:par>
+                      </p:childTnLst>
+                    </p:cTn>
+                  </p:par>
+                  <p:par>
+                    <p:cTn id="7" fill="hold">
+                      <p:stCondLst>
+                        <p:cond delay="indefinite"/>
+                      </p:stCondLst>
+                      <p:childTnLst>
+                        <p:par>
+                          <p:cTn id="8" fill="hold">
+                            <p:stCondLst>
+                              <p:cond delay="0"/>
+                            </p:stCondLst>
+                            <p:childTnLst>
+                              <p:par>
+                                <p:cTn id="9" presetID="1" presetClass="entr" presetSubtype="0" fill="hold" nodeType="clickEffect">
+                                  <p:stCondLst>
+                                    <p:cond delay="0"/>
+                                  </p:stCondLst>
+                                  <p:childTnLst>
+                                    <p:set>
+                                      <p:cBhvr>
+                                        <p:cTn id="10" dur="1" fill="hold">
+                                          <p:stCondLst>
+                                            <p:cond delay="0"/>
+                                          </p:stCondLst>
+                                        </p:cTn>
+                                        <p:tgtEl>
+                                          <p:spTgt spid="3">
+                                            <p:txEl>
+                                              <p:pRg st="2" end="2"/>
                                             </p:txEl>
                                           </p:spTgt>
                                         </p:tgtEl>
@@ -28236,12 +31036,22 @@
         </p:nvSpPr>
         <p:spPr/>
         <p:txBody>
-          <a:bodyPr/>
+          <a:bodyPr>
+            <a:normAutofit fontScale="90000"/>
+          </a:bodyPr>
           <a:lstStyle/>
           <a:p>
             <a:r>
               <a:rPr lang="bg-BG" dirty="0"/>
               <a:t>СУБД и поток от данни</a:t>
+            </a:r>
+            <a:r>
+              <a:rPr lang="en-US" dirty="0"/>
+              <a:t> (</a:t>
+            </a:r>
+            <a:r>
+              <a:rPr lang="bg-BG" dirty="0"/>
+              <a:t>схема на база от данни)</a:t>
             </a:r>
             <a:endParaRPr lang="en-US" dirty="0"/>
           </a:p>

--- a/Courses/Software-Sciences/Module-3-Databases-New/02-DBMS/02-DBMS.pptx
+++ b/Courses/Software-Sciences/Module-3-Databases-New/02-DBMS/02-DBMS.pptx
@@ -5,10 +5,10 @@
     <p:sldMasterId id="2147483675" r:id="rId1"/>
   </p:sldMasterIdLst>
   <p:notesMasterIdLst>
-    <p:notesMasterId r:id="rId36"/>
+    <p:notesMasterId r:id="rId37"/>
   </p:notesMasterIdLst>
   <p:handoutMasterIdLst>
-    <p:handoutMasterId r:id="rId37"/>
+    <p:handoutMasterId r:id="rId38"/>
   </p:handoutMasterIdLst>
   <p:sldIdLst>
     <p:sldId id="627" r:id="rId2"/>
@@ -27,24 +27,25 @@
     <p:sldId id="1243" r:id="rId15"/>
     <p:sldId id="1244" r:id="rId16"/>
     <p:sldId id="1245" r:id="rId17"/>
-    <p:sldId id="1187" r:id="rId18"/>
-    <p:sldId id="1188" r:id="rId19"/>
-    <p:sldId id="1200" r:id="rId20"/>
-    <p:sldId id="1189" r:id="rId21"/>
-    <p:sldId id="1190" r:id="rId22"/>
-    <p:sldId id="1239" r:id="rId23"/>
-    <p:sldId id="1236" r:id="rId24"/>
-    <p:sldId id="1237" r:id="rId25"/>
-    <p:sldId id="1238" r:id="rId26"/>
-    <p:sldId id="1229" r:id="rId27"/>
-    <p:sldId id="1230" r:id="rId28"/>
-    <p:sldId id="1231" r:id="rId29"/>
-    <p:sldId id="1232" r:id="rId30"/>
-    <p:sldId id="1233" r:id="rId31"/>
-    <p:sldId id="1234" r:id="rId32"/>
-    <p:sldId id="349" r:id="rId33"/>
-    <p:sldId id="504" r:id="rId34"/>
-    <p:sldId id="505" r:id="rId35"/>
+    <p:sldId id="1247" r:id="rId18"/>
+    <p:sldId id="1187" r:id="rId19"/>
+    <p:sldId id="1188" r:id="rId20"/>
+    <p:sldId id="1200" r:id="rId21"/>
+    <p:sldId id="1189" r:id="rId22"/>
+    <p:sldId id="1190" r:id="rId23"/>
+    <p:sldId id="1239" r:id="rId24"/>
+    <p:sldId id="1236" r:id="rId25"/>
+    <p:sldId id="1237" r:id="rId26"/>
+    <p:sldId id="1238" r:id="rId27"/>
+    <p:sldId id="1229" r:id="rId28"/>
+    <p:sldId id="1230" r:id="rId29"/>
+    <p:sldId id="1231" r:id="rId30"/>
+    <p:sldId id="1232" r:id="rId31"/>
+    <p:sldId id="1233" r:id="rId32"/>
+    <p:sldId id="1234" r:id="rId33"/>
+    <p:sldId id="349" r:id="rId34"/>
+    <p:sldId id="504" r:id="rId35"/>
+    <p:sldId id="505" r:id="rId36"/>
   </p:sldIdLst>
   <p:sldSz cx="12192000" cy="6858000"/>
   <p:notesSz cx="6858000" cy="9144000"/>
@@ -168,6 +169,7 @@
             <p14:sldId id="1243"/>
             <p14:sldId id="1244"/>
             <p14:sldId id="1245"/>
+            <p14:sldId id="1247"/>
           </p14:sldIdLst>
         </p14:section>
         <p14:section name="Релационни БД" id="{3745F6D7-2AC2-4357-A966-2B713D2F393F}">
@@ -514,7 +516,7 @@
           <a:p>
             <a:fld id="{4E087215-0C8F-4762-A664-737A353EC9A4}" type="datetimeFigureOut">
               <a:rPr lang="bg-BG" smtClean="0"/>
-              <a:t>25.2.2024 г.</a:t>
+              <a:t>26.2.2024 г.</a:t>
             </a:fld>
             <a:endParaRPr lang="bg-BG"/>
           </a:p>
@@ -710,7 +712,7 @@
           <a:p>
             <a:fld id="{72D84649-876A-46C9-8472-14CB09C070D8}" type="datetimeFigureOut">
               <a:rPr lang="en-US" smtClean="0"/>
-              <a:t>2/25/2024</a:t>
+              <a:t>2/26/2024</a:t>
             </a:fld>
             <a:endParaRPr lang="en-US"/>
           </a:p>
@@ -1216,7 +1218,7 @@
             <a:fld id="{3EBA5BD7-F043-4D1B-AA17-CD412FC534DE}" type="slidenum">
               <a:rPr lang="en-US" smtClean="0"/>
               <a:pPr/>
-              <a:t>20</a:t>
+              <a:t>21</a:t>
             </a:fld>
             <a:endParaRPr lang="en-US" dirty="0"/>
           </a:p>
@@ -1462,7 +1464,7 @@
             <a:fld id="{3EBA5BD7-F043-4D1B-AA17-CD412FC534DE}" type="slidenum">
               <a:rPr lang="en-US" smtClean="0"/>
               <a:pPr/>
-              <a:t>23</a:t>
+              <a:t>24</a:t>
             </a:fld>
             <a:endParaRPr lang="en-US" dirty="0"/>
           </a:p>
@@ -1602,7 +1604,7 @@
             <a:fld id="{2BF067CD-8E6B-4360-9AA8-C5DF2A48A6D1}" type="slidenum">
               <a:rPr lang="en-US" smtClean="0"/>
               <a:pPr/>
-              <a:t>25</a:t>
+              <a:t>26</a:t>
             </a:fld>
             <a:endParaRPr lang="en-US" dirty="0"/>
           </a:p>
@@ -1802,7 +1804,7 @@
             <a:fld id="{2BF067CD-8E6B-4360-9AA8-C5DF2A48A6D1}" type="slidenum">
               <a:rPr lang="en-US" smtClean="0"/>
               <a:pPr/>
-              <a:t>27</a:t>
+              <a:t>28</a:t>
             </a:fld>
             <a:endParaRPr lang="en-US" dirty="0"/>
           </a:p>
@@ -1942,7 +1944,7 @@
             <a:fld id="{2BF067CD-8E6B-4360-9AA8-C5DF2A48A6D1}" type="slidenum">
               <a:rPr lang="en-US" smtClean="0"/>
               <a:pPr/>
-              <a:t>29</a:t>
+              <a:t>30</a:t>
             </a:fld>
             <a:endParaRPr lang="en-US" dirty="0"/>
           </a:p>
@@ -2081,7 +2083,7 @@
           <a:p>
             <a:fld id="{2BF067CD-8E6B-4360-9AA8-C5DF2A48A6D1}" type="slidenum">
               <a:rPr lang="en-US" smtClean="0"/>
-              <a:t>31</a:t>
+              <a:t>32</a:t>
             </a:fld>
             <a:endParaRPr lang="en-US" dirty="0"/>
           </a:p>
@@ -2309,7 +2311,7 @@
             <a:fld id="{3EBA5BD7-F043-4D1B-AA17-CD412FC534DE}" type="slidenum">
               <a:rPr lang="en-US" smtClean="0"/>
               <a:pPr/>
-              <a:t>32</a:t>
+              <a:t>33</a:t>
             </a:fld>
             <a:endParaRPr lang="en-US" dirty="0"/>
           </a:p>
@@ -2555,7 +2557,7 @@
             <a:fld id="{3EBA5BD7-F043-4D1B-AA17-CD412FC534DE}" type="slidenum">
               <a:rPr lang="en-US" smtClean="0"/>
               <a:pPr/>
-              <a:t>33</a:t>
+              <a:t>34</a:t>
             </a:fld>
             <a:endParaRPr lang="en-US" dirty="0"/>
           </a:p>
@@ -2801,7 +2803,7 @@
             <a:fld id="{3EBA5BD7-F043-4D1B-AA17-CD412FC534DE}" type="slidenum">
               <a:rPr lang="en-US" smtClean="0"/>
               <a:pPr/>
-              <a:t>34</a:t>
+              <a:t>35</a:t>
             </a:fld>
             <a:endParaRPr lang="en-US" dirty="0"/>
           </a:p>
@@ -4177,7 +4179,7 @@
             <a:fld id="{3EBA5BD7-F043-4D1B-AA17-CD412FC534DE}" type="slidenum">
               <a:rPr lang="en-US" smtClean="0"/>
               <a:pPr/>
-              <a:t>17</a:t>
+              <a:t>18</a:t>
             </a:fld>
             <a:endParaRPr lang="en-US" dirty="0"/>
           </a:p>
@@ -13111,6 +13113,548 @@
           <a:chExt cx="0" cy="0"/>
         </a:xfrm>
       </p:grpSpPr>
+      <p:sp>
+        <p:nvSpPr>
+          <p:cNvPr id="2" name="Slide Number Placeholder 1">
+            <a:extLst>
+              <a:ext uri="{FF2B5EF4-FFF2-40B4-BE49-F238E27FC236}">
+                <a16:creationId xmlns:a16="http://schemas.microsoft.com/office/drawing/2014/main" id="{3E06D921-477A-E392-D89B-8DAC8E5D1ACA}"/>
+              </a:ext>
+            </a:extLst>
+          </p:cNvPr>
+          <p:cNvSpPr>
+            <a:spLocks noGrp="1"/>
+          </p:cNvSpPr>
+          <p:nvPr>
+            <p:ph type="sldNum" sz="quarter" idx="5"/>
+          </p:nvPr>
+        </p:nvSpPr>
+        <p:spPr/>
+        <p:txBody>
+          <a:bodyPr/>
+          <a:lstStyle/>
+          <a:p>
+            <a:fld id="{2BF067CD-8E6B-4360-9AA8-C5DF2A48A6D1}" type="slidenum">
+              <a:rPr lang="en-US" noProof="0" smtClean="0"/>
+              <a:pPr/>
+              <a:t>17</a:t>
+            </a:fld>
+            <a:endParaRPr lang="en-US" noProof="0" dirty="0"/>
+          </a:p>
+        </p:txBody>
+      </p:sp>
+      <p:sp>
+        <p:nvSpPr>
+          <p:cNvPr id="3" name="Text Placeholder 2">
+            <a:extLst>
+              <a:ext uri="{FF2B5EF4-FFF2-40B4-BE49-F238E27FC236}">
+                <a16:creationId xmlns:a16="http://schemas.microsoft.com/office/drawing/2014/main" id="{4430CC8B-5CB8-04A4-FE01-F8269BD1659E}"/>
+              </a:ext>
+            </a:extLst>
+          </p:cNvPr>
+          <p:cNvSpPr>
+            <a:spLocks noGrp="1"/>
+          </p:cNvSpPr>
+          <p:nvPr>
+            <p:ph type="body" sz="quarter" idx="10"/>
+          </p:nvPr>
+        </p:nvSpPr>
+        <p:spPr/>
+        <p:txBody>
+          <a:bodyPr>
+            <a:normAutofit lnSpcReduction="10000"/>
+          </a:bodyPr>
+          <a:lstStyle/>
+          <a:p>
+            <a:r>
+              <a:rPr lang="bg-BG" dirty="0"/>
+              <a:t>Приложение на </a:t>
+            </a:r>
+            <a:r>
+              <a:rPr lang="bg-BG" b="1" dirty="0">
+                <a:solidFill>
+                  <a:schemeClr val="bg1"/>
+                </a:solidFill>
+              </a:rPr>
+              <a:t>унарните</a:t>
+            </a:r>
+            <a:r>
+              <a:rPr lang="bg-BG" dirty="0"/>
+              <a:t> релации:</a:t>
+            </a:r>
+          </a:p>
+          <a:p>
+            <a:pPr lvl="1"/>
+            <a:r>
+              <a:rPr lang="ru-RU" sz="3398" dirty="0"/>
+              <a:t>Единични стойности или константи</a:t>
+            </a:r>
+          </a:p>
+          <a:p>
+            <a:pPr lvl="1"/>
+            <a:r>
+              <a:rPr lang="ru-RU" sz="3398" dirty="0"/>
+              <a:t>Списък с </a:t>
+            </a:r>
+            <a:r>
+              <a:rPr lang="ru-RU" sz="3398" b="1" dirty="0">
+                <a:solidFill>
+                  <a:schemeClr val="bg1"/>
+                </a:solidFill>
+              </a:rPr>
+              <a:t>уникални</a:t>
+            </a:r>
+            <a:r>
+              <a:rPr lang="ru-RU" sz="3398" dirty="0"/>
+              <a:t> стойности</a:t>
+            </a:r>
+          </a:p>
+          <a:p>
+            <a:pPr lvl="1"/>
+            <a:r>
+              <a:rPr lang="ru-RU" sz="3398" dirty="0"/>
+              <a:t>Референтен или изгледов модел</a:t>
+            </a:r>
+          </a:p>
+          <a:p>
+            <a:r>
+              <a:rPr lang="bg-BG" sz="3600" dirty="0"/>
+              <a:t>Приложение на </a:t>
+            </a:r>
+            <a:r>
+              <a:rPr lang="bg-BG" sz="3600" b="1" dirty="0">
+                <a:solidFill>
+                  <a:schemeClr val="bg1"/>
+                </a:solidFill>
+              </a:rPr>
+              <a:t>бинарните</a:t>
+            </a:r>
+            <a:r>
+              <a:rPr lang="bg-BG" sz="3600" dirty="0"/>
+              <a:t> релации:</a:t>
+            </a:r>
+          </a:p>
+          <a:p>
+            <a:pPr lvl="1"/>
+            <a:r>
+              <a:rPr lang="bg-BG" sz="3400" dirty="0"/>
+              <a:t>Асоциации между същности</a:t>
+            </a:r>
+          </a:p>
+          <a:p>
+            <a:pPr lvl="1"/>
+            <a:r>
+              <a:rPr lang="bg-BG" sz="3400" dirty="0"/>
+              <a:t>Връзки </a:t>
+            </a:r>
+            <a:r>
+              <a:rPr lang="bg-BG" sz="3400" b="1" dirty="0">
+                <a:solidFill>
+                  <a:schemeClr val="bg1"/>
+                </a:solidFill>
+              </a:rPr>
+              <a:t>много</a:t>
+            </a:r>
+            <a:r>
+              <a:rPr lang="bg-BG" sz="3400" dirty="0"/>
+              <a:t> към </a:t>
+            </a:r>
+            <a:r>
+              <a:rPr lang="bg-BG" sz="3400" b="1" dirty="0">
+                <a:solidFill>
+                  <a:schemeClr val="bg1"/>
+                </a:solidFill>
+              </a:rPr>
+              <a:t>много</a:t>
+            </a:r>
+          </a:p>
+          <a:p>
+            <a:pPr lvl="1"/>
+            <a:r>
+              <a:rPr lang="ru-RU" sz="3400" dirty="0"/>
+              <a:t>Референтни ограничения</a:t>
+            </a:r>
+            <a:endParaRPr lang="bg-BG" sz="3400" dirty="0"/>
+          </a:p>
+          <a:p>
+            <a:pPr lvl="1"/>
+            <a:endParaRPr lang="en-US" sz="3398" dirty="0"/>
+          </a:p>
+        </p:txBody>
+      </p:sp>
+      <p:sp>
+        <p:nvSpPr>
+          <p:cNvPr id="4" name="Title 3">
+            <a:extLst>
+              <a:ext uri="{FF2B5EF4-FFF2-40B4-BE49-F238E27FC236}">
+                <a16:creationId xmlns:a16="http://schemas.microsoft.com/office/drawing/2014/main" id="{FAE9165F-EFCD-1BA0-13D0-1D4E1BF2B62D}"/>
+              </a:ext>
+            </a:extLst>
+          </p:cNvPr>
+          <p:cNvSpPr>
+            <a:spLocks noGrp="1"/>
+          </p:cNvSpPr>
+          <p:nvPr>
+            <p:ph type="title"/>
+          </p:nvPr>
+        </p:nvSpPr>
+        <p:spPr/>
+        <p:txBody>
+          <a:bodyPr/>
+          <a:lstStyle/>
+          <a:p>
+            <a:r>
+              <a:rPr lang="bg-BG" dirty="0"/>
+              <a:t>Унарни и бинарни релации</a:t>
+            </a:r>
+            <a:endParaRPr lang="en-US" dirty="0"/>
+          </a:p>
+        </p:txBody>
+      </p:sp>
+    </p:spTree>
+    <p:extLst>
+      <p:ext uri="{BB962C8B-B14F-4D97-AF65-F5344CB8AC3E}">
+        <p14:creationId xmlns:p14="http://schemas.microsoft.com/office/powerpoint/2010/main" val="3734857020"/>
+      </p:ext>
+    </p:extLst>
+  </p:cSld>
+  <p:clrMapOvr>
+    <a:masterClrMapping/>
+  </p:clrMapOvr>
+  <mc:AlternateContent xmlns:mc="http://schemas.openxmlformats.org/markup-compatibility/2006" xmlns:p14="http://schemas.microsoft.com/office/powerpoint/2010/main">
+    <mc:Choice Requires="p14">
+      <p:transition spd="slow" p14:dur="2000" advClick="0" advTm="5000"/>
+    </mc:Choice>
+    <mc:Fallback xmlns="">
+      <p:transition spd="slow" advClick="0" advTm="5000"/>
+    </mc:Fallback>
+  </mc:AlternateContent>
+  <p:timing>
+    <p:tnLst>
+      <p:par>
+        <p:cTn id="1" dur="indefinite" restart="never" nodeType="tmRoot">
+          <p:childTnLst>
+            <p:seq concurrent="1" nextAc="seek">
+              <p:cTn id="2" dur="indefinite" nodeType="mainSeq">
+                <p:childTnLst>
+                  <p:par>
+                    <p:cTn id="3" fill="hold">
+                      <p:stCondLst>
+                        <p:cond delay="indefinite"/>
+                      </p:stCondLst>
+                      <p:childTnLst>
+                        <p:par>
+                          <p:cTn id="4" fill="hold">
+                            <p:stCondLst>
+                              <p:cond delay="0"/>
+                            </p:stCondLst>
+                            <p:childTnLst>
+                              <p:par>
+                                <p:cTn id="5" presetID="1" presetClass="entr" presetSubtype="0" fill="hold" nodeType="clickEffect">
+                                  <p:stCondLst>
+                                    <p:cond delay="0"/>
+                                  </p:stCondLst>
+                                  <p:childTnLst>
+                                    <p:set>
+                                      <p:cBhvr>
+                                        <p:cTn id="6" dur="1" fill="hold">
+                                          <p:stCondLst>
+                                            <p:cond delay="0"/>
+                                          </p:stCondLst>
+                                        </p:cTn>
+                                        <p:tgtEl>
+                                          <p:spTgt spid="3">
+                                            <p:txEl>
+                                              <p:pRg st="2" end="2"/>
+                                            </p:txEl>
+                                          </p:spTgt>
+                                        </p:tgtEl>
+                                        <p:attrNameLst>
+                                          <p:attrName>style.visibility</p:attrName>
+                                        </p:attrNameLst>
+                                      </p:cBhvr>
+                                      <p:to>
+                                        <p:strVal val="visible"/>
+                                      </p:to>
+                                    </p:set>
+                                  </p:childTnLst>
+                                </p:cTn>
+                              </p:par>
+                            </p:childTnLst>
+                          </p:cTn>
+                        </p:par>
+                      </p:childTnLst>
+                    </p:cTn>
+                  </p:par>
+                  <p:par>
+                    <p:cTn id="7" fill="hold">
+                      <p:stCondLst>
+                        <p:cond delay="indefinite"/>
+                      </p:stCondLst>
+                      <p:childTnLst>
+                        <p:par>
+                          <p:cTn id="8" fill="hold">
+                            <p:stCondLst>
+                              <p:cond delay="0"/>
+                            </p:stCondLst>
+                            <p:childTnLst>
+                              <p:par>
+                                <p:cTn id="9" presetID="1" presetClass="entr" presetSubtype="0" fill="hold" nodeType="clickEffect">
+                                  <p:stCondLst>
+                                    <p:cond delay="0"/>
+                                  </p:stCondLst>
+                                  <p:childTnLst>
+                                    <p:set>
+                                      <p:cBhvr>
+                                        <p:cTn id="10" dur="1" fill="hold">
+                                          <p:stCondLst>
+                                            <p:cond delay="0"/>
+                                          </p:stCondLst>
+                                        </p:cTn>
+                                        <p:tgtEl>
+                                          <p:spTgt spid="3">
+                                            <p:txEl>
+                                              <p:pRg st="3" end="3"/>
+                                            </p:txEl>
+                                          </p:spTgt>
+                                        </p:tgtEl>
+                                        <p:attrNameLst>
+                                          <p:attrName>style.visibility</p:attrName>
+                                        </p:attrNameLst>
+                                      </p:cBhvr>
+                                      <p:to>
+                                        <p:strVal val="visible"/>
+                                      </p:to>
+                                    </p:set>
+                                  </p:childTnLst>
+                                </p:cTn>
+                              </p:par>
+                            </p:childTnLst>
+                          </p:cTn>
+                        </p:par>
+                      </p:childTnLst>
+                    </p:cTn>
+                  </p:par>
+                  <p:par>
+                    <p:cTn id="11" fill="hold">
+                      <p:stCondLst>
+                        <p:cond delay="indefinite"/>
+                      </p:stCondLst>
+                      <p:childTnLst>
+                        <p:par>
+                          <p:cTn id="12" fill="hold">
+                            <p:stCondLst>
+                              <p:cond delay="0"/>
+                            </p:stCondLst>
+                            <p:childTnLst>
+                              <p:par>
+                                <p:cTn id="13" presetID="1" presetClass="entr" presetSubtype="0" fill="hold" nodeType="clickEffect">
+                                  <p:stCondLst>
+                                    <p:cond delay="0"/>
+                                  </p:stCondLst>
+                                  <p:childTnLst>
+                                    <p:set>
+                                      <p:cBhvr>
+                                        <p:cTn id="14" dur="1" fill="hold">
+                                          <p:stCondLst>
+                                            <p:cond delay="0"/>
+                                          </p:stCondLst>
+                                        </p:cTn>
+                                        <p:tgtEl>
+                                          <p:spTgt spid="3">
+                                            <p:txEl>
+                                              <p:pRg st="4" end="4"/>
+                                            </p:txEl>
+                                          </p:spTgt>
+                                        </p:tgtEl>
+                                        <p:attrNameLst>
+                                          <p:attrName>style.visibility</p:attrName>
+                                        </p:attrNameLst>
+                                      </p:cBhvr>
+                                      <p:to>
+                                        <p:strVal val="visible"/>
+                                      </p:to>
+                                    </p:set>
+                                  </p:childTnLst>
+                                </p:cTn>
+                              </p:par>
+                              <p:par>
+                                <p:cTn id="15" presetID="1" presetClass="entr" presetSubtype="0" fill="hold" nodeType="withEffect">
+                                  <p:stCondLst>
+                                    <p:cond delay="0"/>
+                                  </p:stCondLst>
+                                  <p:childTnLst>
+                                    <p:set>
+                                      <p:cBhvr>
+                                        <p:cTn id="16" dur="1" fill="hold">
+                                          <p:stCondLst>
+                                            <p:cond delay="0"/>
+                                          </p:stCondLst>
+                                        </p:cTn>
+                                        <p:tgtEl>
+                                          <p:spTgt spid="3">
+                                            <p:txEl>
+                                              <p:pRg st="5" end="5"/>
+                                            </p:txEl>
+                                          </p:spTgt>
+                                        </p:tgtEl>
+                                        <p:attrNameLst>
+                                          <p:attrName>style.visibility</p:attrName>
+                                        </p:attrNameLst>
+                                      </p:cBhvr>
+                                      <p:to>
+                                        <p:strVal val="visible"/>
+                                      </p:to>
+                                    </p:set>
+                                  </p:childTnLst>
+                                </p:cTn>
+                              </p:par>
+                            </p:childTnLst>
+                          </p:cTn>
+                        </p:par>
+                      </p:childTnLst>
+                    </p:cTn>
+                  </p:par>
+                  <p:par>
+                    <p:cTn id="17" fill="hold">
+                      <p:stCondLst>
+                        <p:cond delay="indefinite"/>
+                      </p:stCondLst>
+                      <p:childTnLst>
+                        <p:par>
+                          <p:cTn id="18" fill="hold">
+                            <p:stCondLst>
+                              <p:cond delay="0"/>
+                            </p:stCondLst>
+                            <p:childTnLst>
+                              <p:par>
+                                <p:cTn id="19" presetID="1" presetClass="entr" presetSubtype="0" fill="hold" nodeType="clickEffect">
+                                  <p:stCondLst>
+                                    <p:cond delay="0"/>
+                                  </p:stCondLst>
+                                  <p:childTnLst>
+                                    <p:set>
+                                      <p:cBhvr>
+                                        <p:cTn id="20" dur="1" fill="hold">
+                                          <p:stCondLst>
+                                            <p:cond delay="0"/>
+                                          </p:stCondLst>
+                                        </p:cTn>
+                                        <p:tgtEl>
+                                          <p:spTgt spid="3">
+                                            <p:txEl>
+                                              <p:pRg st="6" end="6"/>
+                                            </p:txEl>
+                                          </p:spTgt>
+                                        </p:tgtEl>
+                                        <p:attrNameLst>
+                                          <p:attrName>style.visibility</p:attrName>
+                                        </p:attrNameLst>
+                                      </p:cBhvr>
+                                      <p:to>
+                                        <p:strVal val="visible"/>
+                                      </p:to>
+                                    </p:set>
+                                  </p:childTnLst>
+                                </p:cTn>
+                              </p:par>
+                            </p:childTnLst>
+                          </p:cTn>
+                        </p:par>
+                      </p:childTnLst>
+                    </p:cTn>
+                  </p:par>
+                  <p:par>
+                    <p:cTn id="21" fill="hold">
+                      <p:stCondLst>
+                        <p:cond delay="indefinite"/>
+                      </p:stCondLst>
+                      <p:childTnLst>
+                        <p:par>
+                          <p:cTn id="22" fill="hold">
+                            <p:stCondLst>
+                              <p:cond delay="0"/>
+                            </p:stCondLst>
+                            <p:childTnLst>
+                              <p:par>
+                                <p:cTn id="23" presetID="1" presetClass="entr" presetSubtype="0" fill="hold" nodeType="clickEffect">
+                                  <p:stCondLst>
+                                    <p:cond delay="0"/>
+                                  </p:stCondLst>
+                                  <p:childTnLst>
+                                    <p:set>
+                                      <p:cBhvr>
+                                        <p:cTn id="24" dur="1" fill="hold">
+                                          <p:stCondLst>
+                                            <p:cond delay="0"/>
+                                          </p:stCondLst>
+                                        </p:cTn>
+                                        <p:tgtEl>
+                                          <p:spTgt spid="3">
+                                            <p:txEl>
+                                              <p:pRg st="7" end="7"/>
+                                            </p:txEl>
+                                          </p:spTgt>
+                                        </p:tgtEl>
+                                        <p:attrNameLst>
+                                          <p:attrName>style.visibility</p:attrName>
+                                        </p:attrNameLst>
+                                      </p:cBhvr>
+                                      <p:to>
+                                        <p:strVal val="visible"/>
+                                      </p:to>
+                                    </p:set>
+                                  </p:childTnLst>
+                                </p:cTn>
+                              </p:par>
+                            </p:childTnLst>
+                          </p:cTn>
+                        </p:par>
+                      </p:childTnLst>
+                    </p:cTn>
+                  </p:par>
+                </p:childTnLst>
+              </p:cTn>
+              <p:prevCondLst>
+                <p:cond evt="onPrev" delay="0">
+                  <p:tgtEl>
+                    <p:sldTgt/>
+                  </p:tgtEl>
+                </p:cond>
+              </p:prevCondLst>
+              <p:nextCondLst>
+                <p:cond evt="onNext" delay="0">
+                  <p:tgtEl>
+                    <p:sldTgt/>
+                  </p:tgtEl>
+                </p:cond>
+              </p:nextCondLst>
+            </p:seq>
+          </p:childTnLst>
+        </p:cTn>
+      </p:par>
+    </p:tnLst>
+  </p:timing>
+</p:sld>
+</file>
+
+<file path=ppt/slides/slide18.xml><?xml version="1.0" encoding="utf-8"?>
+<p:sld xmlns:a="http://schemas.openxmlformats.org/drawingml/2006/main" xmlns:r="http://schemas.openxmlformats.org/officeDocument/2006/relationships" xmlns:p="http://schemas.openxmlformats.org/presentationml/2006/main">
+  <p:cSld>
+    <p:spTree>
+      <p:nvGrpSpPr>
+        <p:cNvPr id="1" name=""/>
+        <p:cNvGrpSpPr/>
+        <p:nvPr/>
+      </p:nvGrpSpPr>
+      <p:grpSpPr>
+        <a:xfrm>
+          <a:off x="0" y="0"/>
+          <a:ext cx="0" cy="0"/>
+          <a:chOff x="0" y="0"/>
+          <a:chExt cx="0" cy="0"/>
+        </a:xfrm>
+      </p:grpSpPr>
       <p:pic>
         <p:nvPicPr>
           <p:cNvPr id="5" name="Picture 4"/>
@@ -13223,7 +13767,7 @@
 </p:sld>
 </file>
 
-<file path=ppt/slides/slide18.xml><?xml version="1.0" encoding="utf-8"?>
+<file path=ppt/slides/slide19.xml><?xml version="1.0" encoding="utf-8"?>
 <p:sld xmlns:a="http://schemas.openxmlformats.org/drawingml/2006/main" xmlns:r="http://schemas.openxmlformats.org/officeDocument/2006/relationships" xmlns:p="http://schemas.openxmlformats.org/presentationml/2006/main">
   <p:cSld>
     <p:spTree>
@@ -13709,7 +14253,7 @@
                   <a:spcPts val="1055"/>
                 </a:lnSpc>
               </a:pPr>
-              <a:t>18</a:t>
+              <a:t>19</a:t>
             </a:fld>
             <a:endParaRPr sz="1000" dirty="0">
               <a:latin typeface="Calibri"/>
@@ -13842,7 +14386,7 @@
             <a:fld id="{2BF067CD-8E6B-4360-9AA8-C5DF2A48A6D1}" type="slidenum">
               <a:rPr lang="en-US" smtClean="0"/>
               <a:pPr/>
-              <a:t>18</a:t>
+              <a:t>19</a:t>
             </a:fld>
             <a:endParaRPr lang="en-US" dirty="0"/>
           </a:p>
@@ -13901,424 +14445,6 @@
                                         </p:cTn>
                                         <p:tgtEl>
                                           <p:spTgt spid="13">
-                                            <p:txEl>
-                                              <p:pRg st="2" end="2"/>
-                                            </p:txEl>
-                                          </p:spTgt>
-                                        </p:tgtEl>
-                                        <p:attrNameLst>
-                                          <p:attrName>style.visibility</p:attrName>
-                                        </p:attrNameLst>
-                                      </p:cBhvr>
-                                      <p:to>
-                                        <p:strVal val="visible"/>
-                                      </p:to>
-                                    </p:set>
-                                  </p:childTnLst>
-                                </p:cTn>
-                              </p:par>
-                            </p:childTnLst>
-                          </p:cTn>
-                        </p:par>
-                      </p:childTnLst>
-                    </p:cTn>
-                  </p:par>
-                </p:childTnLst>
-              </p:cTn>
-              <p:prevCondLst>
-                <p:cond evt="onPrev" delay="0">
-                  <p:tgtEl>
-                    <p:sldTgt/>
-                  </p:tgtEl>
-                </p:cond>
-              </p:prevCondLst>
-              <p:nextCondLst>
-                <p:cond evt="onNext" delay="0">
-                  <p:tgtEl>
-                    <p:sldTgt/>
-                  </p:tgtEl>
-                </p:cond>
-              </p:nextCondLst>
-            </p:seq>
-          </p:childTnLst>
-        </p:cTn>
-      </p:par>
-    </p:tnLst>
-  </p:timing>
-</p:sld>
-</file>
-
-<file path=ppt/slides/slide19.xml><?xml version="1.0" encoding="utf-8"?>
-<p:sld xmlns:a="http://schemas.openxmlformats.org/drawingml/2006/main" xmlns:r="http://schemas.openxmlformats.org/officeDocument/2006/relationships" xmlns:p="http://schemas.openxmlformats.org/presentationml/2006/main">
-  <p:cSld>
-    <p:spTree>
-      <p:nvGrpSpPr>
-        <p:cNvPr id="1" name=""/>
-        <p:cNvGrpSpPr/>
-        <p:nvPr/>
-      </p:nvGrpSpPr>
-      <p:grpSpPr>
-        <a:xfrm>
-          <a:off x="0" y="0"/>
-          <a:ext cx="0" cy="0"/>
-          <a:chOff x="0" y="0"/>
-          <a:chExt cx="0" cy="0"/>
-        </a:xfrm>
-      </p:grpSpPr>
-      <p:sp>
-        <p:nvSpPr>
-          <p:cNvPr id="3" name="Text Placeholder 2"/>
-          <p:cNvSpPr>
-            <a:spLocks noGrp="1"/>
-          </p:cNvSpPr>
-          <p:nvPr>
-            <p:ph type="body" sz="quarter" idx="10"/>
-          </p:nvPr>
-        </p:nvSpPr>
-        <p:spPr/>
-        <p:txBody>
-          <a:bodyPr>
-            <a:normAutofit/>
-          </a:bodyPr>
-          <a:lstStyle/>
-          <a:p>
-            <a:pPr marL="372110" marR="5080" indent="-360045">
-              <a:lnSpc>
-                <a:spcPct val="105300"/>
-              </a:lnSpc>
-              <a:spcBef>
-                <a:spcPts val="1175"/>
-              </a:spcBef>
-              <a:buFont typeface="Wingdings"/>
-              <a:buChar char=""/>
-              <a:tabLst>
-                <a:tab pos="372745" algn="l"/>
-              </a:tabLst>
-            </a:pPr>
-            <a:r>
-              <a:rPr lang="ru-RU" sz="3800" spc="-10" dirty="0">
-                <a:solidFill>
-                  <a:srgbClr val="224464"/>
-                </a:solidFill>
-                <a:cs typeface="Calibri"/>
-              </a:rPr>
-              <a:t>Релационните бази данни използват </a:t>
-            </a:r>
-            <a:r>
-              <a:rPr lang="ru-RU" sz="3800" b="1" dirty="0">
-                <a:solidFill>
-                  <a:srgbClr val="224464"/>
-                </a:solidFill>
-                <a:cs typeface="Calibri"/>
-              </a:rPr>
-              <a:t>SQL</a:t>
-            </a:r>
-            <a:r>
-              <a:rPr lang="ru-RU" sz="3800" spc="-40" dirty="0">
-                <a:solidFill>
-                  <a:srgbClr val="224464"/>
-                </a:solidFill>
-                <a:cs typeface="Calibri"/>
-              </a:rPr>
-              <a:t> </a:t>
-            </a:r>
-            <a:r>
-              <a:rPr lang="ru-RU" sz="3800" spc="-30" dirty="0">
-                <a:solidFill>
-                  <a:srgbClr val="224464"/>
-                </a:solidFill>
-                <a:cs typeface="Calibri"/>
-              </a:rPr>
-              <a:t>за дефиниране и манипулиране на данни.</a:t>
-            </a:r>
-            <a:endParaRPr lang="ru-RU" sz="3800" dirty="0">
-              <a:cs typeface="Calibri"/>
-            </a:endParaRPr>
-          </a:p>
-          <a:p>
-            <a:pPr marL="805180" lvl="1" indent="-360680">
-              <a:lnSpc>
-                <a:spcPct val="100000"/>
-              </a:lnSpc>
-              <a:spcBef>
-                <a:spcPts val="1400"/>
-              </a:spcBef>
-              <a:buFont typeface="Wingdings"/>
-              <a:buChar char=""/>
-              <a:tabLst>
-                <a:tab pos="805180" algn="l"/>
-                <a:tab pos="805815" algn="l"/>
-              </a:tabLst>
-            </a:pPr>
-            <a:r>
-              <a:rPr lang="ru-RU" sz="3600" spc="-15" dirty="0">
-                <a:solidFill>
-                  <a:srgbClr val="224464"/>
-                </a:solidFill>
-                <a:cs typeface="Calibri"/>
-              </a:rPr>
-              <a:t>Изключително мощен за сложни заявки</a:t>
-            </a:r>
-          </a:p>
-          <a:p>
-            <a:pPr marL="805180" lvl="1" indent="-360680">
-              <a:lnSpc>
-                <a:spcPct val="100000"/>
-              </a:lnSpc>
-              <a:spcBef>
-                <a:spcPts val="1400"/>
-              </a:spcBef>
-              <a:buClr>
-                <a:schemeClr val="tx1"/>
-              </a:buClr>
-              <a:buFont typeface="Wingdings"/>
-              <a:buChar char=""/>
-              <a:tabLst>
-                <a:tab pos="805180" algn="l"/>
-                <a:tab pos="805815" algn="l"/>
-              </a:tabLst>
-            </a:pPr>
-            <a:r>
-              <a:rPr lang="ru-RU" sz="3600" b="1" spc="-10" dirty="0">
-                <a:solidFill>
-                  <a:schemeClr val="bg1"/>
-                </a:solidFill>
-                <a:cs typeface="Calibri"/>
-              </a:rPr>
-              <a:t>Релационните бази данни </a:t>
-            </a:r>
-            <a:r>
-              <a:rPr lang="ru-RU" sz="3600" dirty="0"/>
-              <a:t>са най-използваната технология за управление на данни.</a:t>
-            </a:r>
-            <a:endParaRPr lang="ru-RU" sz="3600" dirty="0">
-              <a:cs typeface="Calibri"/>
-            </a:endParaRPr>
-          </a:p>
-        </p:txBody>
-      </p:sp>
-      <p:sp>
-        <p:nvSpPr>
-          <p:cNvPr id="4" name="Title 3"/>
-          <p:cNvSpPr>
-            <a:spLocks noGrp="1"/>
-          </p:cNvSpPr>
-          <p:nvPr>
-            <p:ph type="title"/>
-          </p:nvPr>
-        </p:nvSpPr>
-        <p:spPr/>
-        <p:txBody>
-          <a:bodyPr/>
-          <a:lstStyle/>
-          <a:p>
-            <a:r>
-              <a:rPr lang="en-US" sz="4000" spc="5" dirty="0"/>
-              <a:t>SQL</a:t>
-            </a:r>
-            <a:r>
-              <a:rPr lang="en-US" sz="4000" spc="-40" dirty="0"/>
-              <a:t> </a:t>
-            </a:r>
-            <a:r>
-              <a:rPr lang="bg-BG" sz="4000" spc="-15" dirty="0"/>
-              <a:t>бази данни </a:t>
-            </a:r>
-            <a:r>
-              <a:rPr lang="bg-BG" sz="4000" spc="-10" dirty="0"/>
-              <a:t>(релационни)</a:t>
-            </a:r>
-            <a:r>
-              <a:rPr lang="en-US" sz="4000" spc="-10" dirty="0"/>
-              <a:t> (2)</a:t>
-            </a:r>
-            <a:endParaRPr lang="en-US" dirty="0"/>
-          </a:p>
-        </p:txBody>
-      </p:sp>
-      <p:sp>
-        <p:nvSpPr>
-          <p:cNvPr id="5" name="Slide Number">
-            <a:extLst>
-              <a:ext uri="{FF2B5EF4-FFF2-40B4-BE49-F238E27FC236}">
-                <a16:creationId xmlns:a16="http://schemas.microsoft.com/office/drawing/2014/main" id="{CA29E6B0-9ABC-ED7E-6B26-26594269E39E}"/>
-              </a:ext>
-            </a:extLst>
-          </p:cNvPr>
-          <p:cNvSpPr txBox="1">
-            <a:spLocks/>
-          </p:cNvSpPr>
-          <p:nvPr/>
-        </p:nvSpPr>
-        <p:spPr>
-          <a:xfrm>
-            <a:off x="11753030" y="6507000"/>
-            <a:ext cx="367414" cy="297000"/>
-          </a:xfrm>
-          <a:prstGeom prst="rect">
-            <a:avLst/>
-          </a:prstGeom>
-        </p:spPr>
-        <p:txBody>
-          <a:bodyPr vert="horz" lIns="91440" tIns="45720" rIns="91440" bIns="45720" rtlCol="0" anchor="b"/>
-          <a:lstStyle>
-            <a:defPPr>
-              <a:defRPr lang="en-US"/>
-            </a:defPPr>
-            <a:lvl1pPr marL="0" algn="r" defTabSz="914400" rtl="0" eaLnBrk="1" latinLnBrk="0" hangingPunct="1">
-              <a:defRPr sz="1000" kern="1200">
-                <a:solidFill>
-                  <a:schemeClr val="tx1"/>
-                </a:solidFill>
-                <a:latin typeface="+mn-lt"/>
-                <a:ea typeface="+mn-ea"/>
-                <a:cs typeface="+mn-cs"/>
-              </a:defRPr>
-            </a:lvl1pPr>
-            <a:lvl2pPr marL="457200" algn="l" defTabSz="914400" rtl="0" eaLnBrk="1" latinLnBrk="0" hangingPunct="1">
-              <a:defRPr sz="1800" kern="1200">
-                <a:solidFill>
-                  <a:schemeClr val="tx1"/>
-                </a:solidFill>
-                <a:latin typeface="+mn-lt"/>
-                <a:ea typeface="+mn-ea"/>
-                <a:cs typeface="+mn-cs"/>
-              </a:defRPr>
-            </a:lvl2pPr>
-            <a:lvl3pPr marL="914400" algn="l" defTabSz="914400" rtl="0" eaLnBrk="1" latinLnBrk="0" hangingPunct="1">
-              <a:defRPr sz="1800" kern="1200">
-                <a:solidFill>
-                  <a:schemeClr val="tx1"/>
-                </a:solidFill>
-                <a:latin typeface="+mn-lt"/>
-                <a:ea typeface="+mn-ea"/>
-                <a:cs typeface="+mn-cs"/>
-              </a:defRPr>
-            </a:lvl3pPr>
-            <a:lvl4pPr marL="1371600" algn="l" defTabSz="914400" rtl="0" eaLnBrk="1" latinLnBrk="0" hangingPunct="1">
-              <a:defRPr sz="1800" kern="1200">
-                <a:solidFill>
-                  <a:schemeClr val="tx1"/>
-                </a:solidFill>
-                <a:latin typeface="+mn-lt"/>
-                <a:ea typeface="+mn-ea"/>
-                <a:cs typeface="+mn-cs"/>
-              </a:defRPr>
-            </a:lvl4pPr>
-            <a:lvl5pPr marL="1828800" algn="l" defTabSz="914400" rtl="0" eaLnBrk="1" latinLnBrk="0" hangingPunct="1">
-              <a:defRPr sz="1800" kern="1200">
-                <a:solidFill>
-                  <a:schemeClr val="tx1"/>
-                </a:solidFill>
-                <a:latin typeface="+mn-lt"/>
-                <a:ea typeface="+mn-ea"/>
-                <a:cs typeface="+mn-cs"/>
-              </a:defRPr>
-            </a:lvl5pPr>
-            <a:lvl6pPr marL="2286000" algn="l" defTabSz="914400" rtl="0" eaLnBrk="1" latinLnBrk="0" hangingPunct="1">
-              <a:defRPr sz="1800" kern="1200">
-                <a:solidFill>
-                  <a:schemeClr val="tx1"/>
-                </a:solidFill>
-                <a:latin typeface="+mn-lt"/>
-                <a:ea typeface="+mn-ea"/>
-                <a:cs typeface="+mn-cs"/>
-              </a:defRPr>
-            </a:lvl6pPr>
-            <a:lvl7pPr marL="2743200" algn="l" defTabSz="914400" rtl="0" eaLnBrk="1" latinLnBrk="0" hangingPunct="1">
-              <a:defRPr sz="1800" kern="1200">
-                <a:solidFill>
-                  <a:schemeClr val="tx1"/>
-                </a:solidFill>
-                <a:latin typeface="+mn-lt"/>
-                <a:ea typeface="+mn-ea"/>
-                <a:cs typeface="+mn-cs"/>
-              </a:defRPr>
-            </a:lvl7pPr>
-            <a:lvl8pPr marL="3200400" algn="l" defTabSz="914400" rtl="0" eaLnBrk="1" latinLnBrk="0" hangingPunct="1">
-              <a:defRPr sz="1800" kern="1200">
-                <a:solidFill>
-                  <a:schemeClr val="tx1"/>
-                </a:solidFill>
-                <a:latin typeface="+mn-lt"/>
-                <a:ea typeface="+mn-ea"/>
-                <a:cs typeface="+mn-cs"/>
-              </a:defRPr>
-            </a:lvl8pPr>
-            <a:lvl9pPr marL="3657600" algn="l" defTabSz="914400" rtl="0" eaLnBrk="1" latinLnBrk="0" hangingPunct="1">
-              <a:defRPr sz="1800" kern="1200">
-                <a:solidFill>
-                  <a:schemeClr val="tx1"/>
-                </a:solidFill>
-                <a:latin typeface="+mn-lt"/>
-                <a:ea typeface="+mn-ea"/>
-                <a:cs typeface="+mn-cs"/>
-              </a:defRPr>
-            </a:lvl9pPr>
-          </a:lstStyle>
-          <a:p>
-            <a:fld id="{2BF067CD-8E6B-4360-9AA8-C5DF2A48A6D1}" type="slidenum">
-              <a:rPr lang="en-US" smtClean="0"/>
-              <a:pPr/>
-              <a:t>19</a:t>
-            </a:fld>
-            <a:endParaRPr lang="en-US" dirty="0"/>
-          </a:p>
-        </p:txBody>
-      </p:sp>
-    </p:spTree>
-    <p:extLst>
-      <p:ext uri="{BB962C8B-B14F-4D97-AF65-F5344CB8AC3E}">
-        <p14:creationId xmlns:p14="http://schemas.microsoft.com/office/powerpoint/2010/main" val="1226421516"/>
-      </p:ext>
-    </p:extLst>
-  </p:cSld>
-  <p:clrMapOvr>
-    <a:masterClrMapping/>
-  </p:clrMapOvr>
-  <mc:AlternateContent xmlns:mc="http://schemas.openxmlformats.org/markup-compatibility/2006" xmlns:p14="http://schemas.microsoft.com/office/powerpoint/2010/main">
-    <mc:Choice Requires="p14">
-      <p:transition spd="slow" p14:dur="2000" advClick="0" advTm="5000"/>
-    </mc:Choice>
-    <mc:Fallback xmlns="">
-      <p:transition spd="slow" advClick="0" advTm="5000"/>
-    </mc:Fallback>
-  </mc:AlternateContent>
-  <p:timing>
-    <p:tnLst>
-      <p:par>
-        <p:cTn id="1" dur="indefinite" restart="never" nodeType="tmRoot">
-          <p:childTnLst>
-            <p:seq concurrent="1" nextAc="seek">
-              <p:cTn id="2" dur="indefinite" nodeType="mainSeq">
-                <p:childTnLst>
-                  <p:par>
-                    <p:cTn id="3" fill="hold">
-                      <p:stCondLst>
-                        <p:cond delay="indefinite"/>
-                      </p:stCondLst>
-                      <p:childTnLst>
-                        <p:par>
-                          <p:cTn id="4" fill="hold">
-                            <p:stCondLst>
-                              <p:cond delay="0"/>
-                            </p:stCondLst>
-                            <p:childTnLst>
-                              <p:par>
-                                <p:cTn id="5" presetID="1" presetClass="entr" presetSubtype="0" fill="hold" nodeType="clickEffect">
-                                  <p:stCondLst>
-                                    <p:cond delay="0"/>
-                                  </p:stCondLst>
-                                  <p:childTnLst>
-                                    <p:set>
-                                      <p:cBhvr>
-                                        <p:cTn id="6" dur="1" fill="hold">
-                                          <p:stCondLst>
-                                            <p:cond delay="0"/>
-                                          </p:stCondLst>
-                                        </p:cTn>
-                                        <p:tgtEl>
-                                          <p:spTgt spid="3">
                                             <p:txEl>
                                               <p:pRg st="2" end="2"/>
                                             </p:txEl>
@@ -14859,6 +14985,424 @@
 </file>
 
 <file path=ppt/slides/slide20.xml><?xml version="1.0" encoding="utf-8"?>
+<p:sld xmlns:a="http://schemas.openxmlformats.org/drawingml/2006/main" xmlns:r="http://schemas.openxmlformats.org/officeDocument/2006/relationships" xmlns:p="http://schemas.openxmlformats.org/presentationml/2006/main">
+  <p:cSld>
+    <p:spTree>
+      <p:nvGrpSpPr>
+        <p:cNvPr id="1" name=""/>
+        <p:cNvGrpSpPr/>
+        <p:nvPr/>
+      </p:nvGrpSpPr>
+      <p:grpSpPr>
+        <a:xfrm>
+          <a:off x="0" y="0"/>
+          <a:ext cx="0" cy="0"/>
+          <a:chOff x="0" y="0"/>
+          <a:chExt cx="0" cy="0"/>
+        </a:xfrm>
+      </p:grpSpPr>
+      <p:sp>
+        <p:nvSpPr>
+          <p:cNvPr id="3" name="Text Placeholder 2"/>
+          <p:cNvSpPr>
+            <a:spLocks noGrp="1"/>
+          </p:cNvSpPr>
+          <p:nvPr>
+            <p:ph type="body" sz="quarter" idx="10"/>
+          </p:nvPr>
+        </p:nvSpPr>
+        <p:spPr/>
+        <p:txBody>
+          <a:bodyPr>
+            <a:normAutofit/>
+          </a:bodyPr>
+          <a:lstStyle/>
+          <a:p>
+            <a:pPr marL="372110" marR="5080" indent="-360045">
+              <a:lnSpc>
+                <a:spcPct val="105300"/>
+              </a:lnSpc>
+              <a:spcBef>
+                <a:spcPts val="1175"/>
+              </a:spcBef>
+              <a:buFont typeface="Wingdings"/>
+              <a:buChar char=""/>
+              <a:tabLst>
+                <a:tab pos="372745" algn="l"/>
+              </a:tabLst>
+            </a:pPr>
+            <a:r>
+              <a:rPr lang="ru-RU" sz="3800" spc="-10" dirty="0">
+                <a:solidFill>
+                  <a:srgbClr val="224464"/>
+                </a:solidFill>
+                <a:cs typeface="Calibri"/>
+              </a:rPr>
+              <a:t>Релационните бази данни използват </a:t>
+            </a:r>
+            <a:r>
+              <a:rPr lang="ru-RU" sz="3800" b="1" dirty="0">
+                <a:solidFill>
+                  <a:srgbClr val="224464"/>
+                </a:solidFill>
+                <a:cs typeface="Calibri"/>
+              </a:rPr>
+              <a:t>SQL</a:t>
+            </a:r>
+            <a:r>
+              <a:rPr lang="ru-RU" sz="3800" spc="-40" dirty="0">
+                <a:solidFill>
+                  <a:srgbClr val="224464"/>
+                </a:solidFill>
+                <a:cs typeface="Calibri"/>
+              </a:rPr>
+              <a:t> </a:t>
+            </a:r>
+            <a:r>
+              <a:rPr lang="ru-RU" sz="3800" spc="-30" dirty="0">
+                <a:solidFill>
+                  <a:srgbClr val="224464"/>
+                </a:solidFill>
+                <a:cs typeface="Calibri"/>
+              </a:rPr>
+              <a:t>за дефиниране и манипулиране на данни.</a:t>
+            </a:r>
+            <a:endParaRPr lang="ru-RU" sz="3800" dirty="0">
+              <a:cs typeface="Calibri"/>
+            </a:endParaRPr>
+          </a:p>
+          <a:p>
+            <a:pPr marL="805180" lvl="1" indent="-360680">
+              <a:lnSpc>
+                <a:spcPct val="100000"/>
+              </a:lnSpc>
+              <a:spcBef>
+                <a:spcPts val="1400"/>
+              </a:spcBef>
+              <a:buFont typeface="Wingdings"/>
+              <a:buChar char=""/>
+              <a:tabLst>
+                <a:tab pos="805180" algn="l"/>
+                <a:tab pos="805815" algn="l"/>
+              </a:tabLst>
+            </a:pPr>
+            <a:r>
+              <a:rPr lang="ru-RU" sz="3600" spc="-15" dirty="0">
+                <a:solidFill>
+                  <a:srgbClr val="224464"/>
+                </a:solidFill>
+                <a:cs typeface="Calibri"/>
+              </a:rPr>
+              <a:t>Изключително мощен за сложни заявки</a:t>
+            </a:r>
+          </a:p>
+          <a:p>
+            <a:pPr marL="805180" lvl="1" indent="-360680">
+              <a:lnSpc>
+                <a:spcPct val="100000"/>
+              </a:lnSpc>
+              <a:spcBef>
+                <a:spcPts val="1400"/>
+              </a:spcBef>
+              <a:buClr>
+                <a:schemeClr val="tx1"/>
+              </a:buClr>
+              <a:buFont typeface="Wingdings"/>
+              <a:buChar char=""/>
+              <a:tabLst>
+                <a:tab pos="805180" algn="l"/>
+                <a:tab pos="805815" algn="l"/>
+              </a:tabLst>
+            </a:pPr>
+            <a:r>
+              <a:rPr lang="ru-RU" sz="3600" b="1" spc="-10" dirty="0">
+                <a:solidFill>
+                  <a:schemeClr val="bg1"/>
+                </a:solidFill>
+                <a:cs typeface="Calibri"/>
+              </a:rPr>
+              <a:t>Релационните бази данни </a:t>
+            </a:r>
+            <a:r>
+              <a:rPr lang="ru-RU" sz="3600" dirty="0"/>
+              <a:t>са най-използваната технология за управление на данни.</a:t>
+            </a:r>
+            <a:endParaRPr lang="ru-RU" sz="3600" dirty="0">
+              <a:cs typeface="Calibri"/>
+            </a:endParaRPr>
+          </a:p>
+        </p:txBody>
+      </p:sp>
+      <p:sp>
+        <p:nvSpPr>
+          <p:cNvPr id="4" name="Title 3"/>
+          <p:cNvSpPr>
+            <a:spLocks noGrp="1"/>
+          </p:cNvSpPr>
+          <p:nvPr>
+            <p:ph type="title"/>
+          </p:nvPr>
+        </p:nvSpPr>
+        <p:spPr/>
+        <p:txBody>
+          <a:bodyPr/>
+          <a:lstStyle/>
+          <a:p>
+            <a:r>
+              <a:rPr lang="en-US" sz="4000" spc="5" dirty="0"/>
+              <a:t>SQL</a:t>
+            </a:r>
+            <a:r>
+              <a:rPr lang="en-US" sz="4000" spc="-40" dirty="0"/>
+              <a:t> </a:t>
+            </a:r>
+            <a:r>
+              <a:rPr lang="bg-BG" sz="4000" spc="-15" dirty="0"/>
+              <a:t>бази данни </a:t>
+            </a:r>
+            <a:r>
+              <a:rPr lang="bg-BG" sz="4000" spc="-10" dirty="0"/>
+              <a:t>(релационни)</a:t>
+            </a:r>
+            <a:r>
+              <a:rPr lang="en-US" sz="4000" spc="-10" dirty="0"/>
+              <a:t> (2)</a:t>
+            </a:r>
+            <a:endParaRPr lang="en-US" dirty="0"/>
+          </a:p>
+        </p:txBody>
+      </p:sp>
+      <p:sp>
+        <p:nvSpPr>
+          <p:cNvPr id="5" name="Slide Number">
+            <a:extLst>
+              <a:ext uri="{FF2B5EF4-FFF2-40B4-BE49-F238E27FC236}">
+                <a16:creationId xmlns:a16="http://schemas.microsoft.com/office/drawing/2014/main" id="{CA29E6B0-9ABC-ED7E-6B26-26594269E39E}"/>
+              </a:ext>
+            </a:extLst>
+          </p:cNvPr>
+          <p:cNvSpPr txBox="1">
+            <a:spLocks/>
+          </p:cNvSpPr>
+          <p:nvPr/>
+        </p:nvSpPr>
+        <p:spPr>
+          <a:xfrm>
+            <a:off x="11753030" y="6507000"/>
+            <a:ext cx="367414" cy="297000"/>
+          </a:xfrm>
+          <a:prstGeom prst="rect">
+            <a:avLst/>
+          </a:prstGeom>
+        </p:spPr>
+        <p:txBody>
+          <a:bodyPr vert="horz" lIns="91440" tIns="45720" rIns="91440" bIns="45720" rtlCol="0" anchor="b"/>
+          <a:lstStyle>
+            <a:defPPr>
+              <a:defRPr lang="en-US"/>
+            </a:defPPr>
+            <a:lvl1pPr marL="0" algn="r" defTabSz="914400" rtl="0" eaLnBrk="1" latinLnBrk="0" hangingPunct="1">
+              <a:defRPr sz="1000" kern="1200">
+                <a:solidFill>
+                  <a:schemeClr val="tx1"/>
+                </a:solidFill>
+                <a:latin typeface="+mn-lt"/>
+                <a:ea typeface="+mn-ea"/>
+                <a:cs typeface="+mn-cs"/>
+              </a:defRPr>
+            </a:lvl1pPr>
+            <a:lvl2pPr marL="457200" algn="l" defTabSz="914400" rtl="0" eaLnBrk="1" latinLnBrk="0" hangingPunct="1">
+              <a:defRPr sz="1800" kern="1200">
+                <a:solidFill>
+                  <a:schemeClr val="tx1"/>
+                </a:solidFill>
+                <a:latin typeface="+mn-lt"/>
+                <a:ea typeface="+mn-ea"/>
+                <a:cs typeface="+mn-cs"/>
+              </a:defRPr>
+            </a:lvl2pPr>
+            <a:lvl3pPr marL="914400" algn="l" defTabSz="914400" rtl="0" eaLnBrk="1" latinLnBrk="0" hangingPunct="1">
+              <a:defRPr sz="1800" kern="1200">
+                <a:solidFill>
+                  <a:schemeClr val="tx1"/>
+                </a:solidFill>
+                <a:latin typeface="+mn-lt"/>
+                <a:ea typeface="+mn-ea"/>
+                <a:cs typeface="+mn-cs"/>
+              </a:defRPr>
+            </a:lvl3pPr>
+            <a:lvl4pPr marL="1371600" algn="l" defTabSz="914400" rtl="0" eaLnBrk="1" latinLnBrk="0" hangingPunct="1">
+              <a:defRPr sz="1800" kern="1200">
+                <a:solidFill>
+                  <a:schemeClr val="tx1"/>
+                </a:solidFill>
+                <a:latin typeface="+mn-lt"/>
+                <a:ea typeface="+mn-ea"/>
+                <a:cs typeface="+mn-cs"/>
+              </a:defRPr>
+            </a:lvl4pPr>
+            <a:lvl5pPr marL="1828800" algn="l" defTabSz="914400" rtl="0" eaLnBrk="1" latinLnBrk="0" hangingPunct="1">
+              <a:defRPr sz="1800" kern="1200">
+                <a:solidFill>
+                  <a:schemeClr val="tx1"/>
+                </a:solidFill>
+                <a:latin typeface="+mn-lt"/>
+                <a:ea typeface="+mn-ea"/>
+                <a:cs typeface="+mn-cs"/>
+              </a:defRPr>
+            </a:lvl5pPr>
+            <a:lvl6pPr marL="2286000" algn="l" defTabSz="914400" rtl="0" eaLnBrk="1" latinLnBrk="0" hangingPunct="1">
+              <a:defRPr sz="1800" kern="1200">
+                <a:solidFill>
+                  <a:schemeClr val="tx1"/>
+                </a:solidFill>
+                <a:latin typeface="+mn-lt"/>
+                <a:ea typeface="+mn-ea"/>
+                <a:cs typeface="+mn-cs"/>
+              </a:defRPr>
+            </a:lvl6pPr>
+            <a:lvl7pPr marL="2743200" algn="l" defTabSz="914400" rtl="0" eaLnBrk="1" latinLnBrk="0" hangingPunct="1">
+              <a:defRPr sz="1800" kern="1200">
+                <a:solidFill>
+                  <a:schemeClr val="tx1"/>
+                </a:solidFill>
+                <a:latin typeface="+mn-lt"/>
+                <a:ea typeface="+mn-ea"/>
+                <a:cs typeface="+mn-cs"/>
+              </a:defRPr>
+            </a:lvl7pPr>
+            <a:lvl8pPr marL="3200400" algn="l" defTabSz="914400" rtl="0" eaLnBrk="1" latinLnBrk="0" hangingPunct="1">
+              <a:defRPr sz="1800" kern="1200">
+                <a:solidFill>
+                  <a:schemeClr val="tx1"/>
+                </a:solidFill>
+                <a:latin typeface="+mn-lt"/>
+                <a:ea typeface="+mn-ea"/>
+                <a:cs typeface="+mn-cs"/>
+              </a:defRPr>
+            </a:lvl8pPr>
+            <a:lvl9pPr marL="3657600" algn="l" defTabSz="914400" rtl="0" eaLnBrk="1" latinLnBrk="0" hangingPunct="1">
+              <a:defRPr sz="1800" kern="1200">
+                <a:solidFill>
+                  <a:schemeClr val="tx1"/>
+                </a:solidFill>
+                <a:latin typeface="+mn-lt"/>
+                <a:ea typeface="+mn-ea"/>
+                <a:cs typeface="+mn-cs"/>
+              </a:defRPr>
+            </a:lvl9pPr>
+          </a:lstStyle>
+          <a:p>
+            <a:fld id="{2BF067CD-8E6B-4360-9AA8-C5DF2A48A6D1}" type="slidenum">
+              <a:rPr lang="en-US" smtClean="0"/>
+              <a:pPr/>
+              <a:t>20</a:t>
+            </a:fld>
+            <a:endParaRPr lang="en-US" dirty="0"/>
+          </a:p>
+        </p:txBody>
+      </p:sp>
+    </p:spTree>
+    <p:extLst>
+      <p:ext uri="{BB962C8B-B14F-4D97-AF65-F5344CB8AC3E}">
+        <p14:creationId xmlns:p14="http://schemas.microsoft.com/office/powerpoint/2010/main" val="1226421516"/>
+      </p:ext>
+    </p:extLst>
+  </p:cSld>
+  <p:clrMapOvr>
+    <a:masterClrMapping/>
+  </p:clrMapOvr>
+  <mc:AlternateContent xmlns:mc="http://schemas.openxmlformats.org/markup-compatibility/2006" xmlns:p14="http://schemas.microsoft.com/office/powerpoint/2010/main">
+    <mc:Choice Requires="p14">
+      <p:transition spd="slow" p14:dur="2000" advClick="0" advTm="5000"/>
+    </mc:Choice>
+    <mc:Fallback xmlns="">
+      <p:transition spd="slow" advClick="0" advTm="5000"/>
+    </mc:Fallback>
+  </mc:AlternateContent>
+  <p:timing>
+    <p:tnLst>
+      <p:par>
+        <p:cTn id="1" dur="indefinite" restart="never" nodeType="tmRoot">
+          <p:childTnLst>
+            <p:seq concurrent="1" nextAc="seek">
+              <p:cTn id="2" dur="indefinite" nodeType="mainSeq">
+                <p:childTnLst>
+                  <p:par>
+                    <p:cTn id="3" fill="hold">
+                      <p:stCondLst>
+                        <p:cond delay="indefinite"/>
+                      </p:stCondLst>
+                      <p:childTnLst>
+                        <p:par>
+                          <p:cTn id="4" fill="hold">
+                            <p:stCondLst>
+                              <p:cond delay="0"/>
+                            </p:stCondLst>
+                            <p:childTnLst>
+                              <p:par>
+                                <p:cTn id="5" presetID="1" presetClass="entr" presetSubtype="0" fill="hold" nodeType="clickEffect">
+                                  <p:stCondLst>
+                                    <p:cond delay="0"/>
+                                  </p:stCondLst>
+                                  <p:childTnLst>
+                                    <p:set>
+                                      <p:cBhvr>
+                                        <p:cTn id="6" dur="1" fill="hold">
+                                          <p:stCondLst>
+                                            <p:cond delay="0"/>
+                                          </p:stCondLst>
+                                        </p:cTn>
+                                        <p:tgtEl>
+                                          <p:spTgt spid="3">
+                                            <p:txEl>
+                                              <p:pRg st="2" end="2"/>
+                                            </p:txEl>
+                                          </p:spTgt>
+                                        </p:tgtEl>
+                                        <p:attrNameLst>
+                                          <p:attrName>style.visibility</p:attrName>
+                                        </p:attrNameLst>
+                                      </p:cBhvr>
+                                      <p:to>
+                                        <p:strVal val="visible"/>
+                                      </p:to>
+                                    </p:set>
+                                  </p:childTnLst>
+                                </p:cTn>
+                              </p:par>
+                            </p:childTnLst>
+                          </p:cTn>
+                        </p:par>
+                      </p:childTnLst>
+                    </p:cTn>
+                  </p:par>
+                </p:childTnLst>
+              </p:cTn>
+              <p:prevCondLst>
+                <p:cond evt="onPrev" delay="0">
+                  <p:tgtEl>
+                    <p:sldTgt/>
+                  </p:tgtEl>
+                </p:cond>
+              </p:prevCondLst>
+              <p:nextCondLst>
+                <p:cond evt="onNext" delay="0">
+                  <p:tgtEl>
+                    <p:sldTgt/>
+                  </p:tgtEl>
+                </p:cond>
+              </p:nextCondLst>
+            </p:seq>
+          </p:childTnLst>
+        </p:cTn>
+      </p:par>
+    </p:tnLst>
+  </p:timing>
+</p:sld>
+</file>
+
+<file path=ppt/slides/slide21.xml><?xml version="1.0" encoding="utf-8"?>
 <p:sld xmlns:a="http://schemas.openxmlformats.org/drawingml/2006/main" xmlns:r="http://schemas.openxmlformats.org/officeDocument/2006/relationships" xmlns:p="http://schemas.openxmlformats.org/presentationml/2006/main">
   <p:cSld>
     <p:spTree>
@@ -17291,7 +17835,7 @@
             <a:fld id="{2BF067CD-8E6B-4360-9AA8-C5DF2A48A6D1}" type="slidenum">
               <a:rPr lang="en-US" noProof="0" smtClean="0"/>
               <a:pPr/>
-              <a:t>20</a:t>
+              <a:t>21</a:t>
             </a:fld>
             <a:endParaRPr lang="en-US" noProof="0" dirty="0"/>
           </a:p>
@@ -17627,7 +18171,7 @@
 </p:sld>
 </file>
 
-<file path=ppt/slides/slide21.xml><?xml version="1.0" encoding="utf-8"?>
+<file path=ppt/slides/slide22.xml><?xml version="1.0" encoding="utf-8"?>
 <p:sld xmlns:a="http://schemas.openxmlformats.org/drawingml/2006/main" xmlns:r="http://schemas.openxmlformats.org/officeDocument/2006/relationships" xmlns:p="http://schemas.openxmlformats.org/presentationml/2006/main">
   <p:cSld>
     <p:spTree>
@@ -17926,7 +18470,7 @@
                   <a:spcPts val="1055"/>
                 </a:lnSpc>
               </a:pPr>
-              <a:t>21</a:t>
+              <a:t>22</a:t>
             </a:fld>
             <a:endParaRPr sz="1000" dirty="0">
               <a:latin typeface="Calibri"/>
@@ -17997,7 +18541,7 @@
             <a:fld id="{2BF067CD-8E6B-4360-9AA8-C5DF2A48A6D1}" type="slidenum">
               <a:rPr lang="en-US" noProof="0" smtClean="0"/>
               <a:pPr/>
-              <a:t>21</a:t>
+              <a:t>22</a:t>
             </a:fld>
             <a:endParaRPr lang="en-US" noProof="0" dirty="0"/>
           </a:p>
@@ -18148,7 +18692,7 @@
 </p:sld>
 </file>
 
-<file path=ppt/slides/slide22.xml><?xml version="1.0" encoding="utf-8"?>
+<file path=ppt/slides/slide23.xml><?xml version="1.0" encoding="utf-8"?>
 <p:sld xmlns:a="http://schemas.openxmlformats.org/drawingml/2006/main" xmlns:r="http://schemas.openxmlformats.org/officeDocument/2006/relationships" xmlns:p="http://schemas.openxmlformats.org/presentationml/2006/main">
   <p:cSld>
     <p:spTree>
@@ -21171,7 +21715,7 @@
                   <a:spcPts val="1055"/>
                 </a:lnSpc>
               </a:pPr>
-              <a:t>22</a:t>
+              <a:t>23</a:t>
             </a:fld>
             <a:endParaRPr sz="1000" dirty="0">
               <a:latin typeface="Calibri"/>
@@ -21320,7 +21864,7 @@
             <a:fld id="{2BF067CD-8E6B-4360-9AA8-C5DF2A48A6D1}" type="slidenum">
               <a:rPr lang="en-US" noProof="0" smtClean="0"/>
               <a:pPr/>
-              <a:t>22</a:t>
+              <a:t>23</a:t>
             </a:fld>
             <a:endParaRPr lang="en-US" noProof="0" dirty="0"/>
           </a:p>
@@ -21579,7 +22123,7 @@
 </p:sld>
 </file>
 
-<file path=ppt/slides/slide23.xml><?xml version="1.0" encoding="utf-8"?>
+<file path=ppt/slides/slide24.xml><?xml version="1.0" encoding="utf-8"?>
 <p:sld xmlns:a="http://schemas.openxmlformats.org/drawingml/2006/main" xmlns:r="http://schemas.openxmlformats.org/officeDocument/2006/relationships" xmlns:p="http://schemas.openxmlformats.org/presentationml/2006/main">
   <p:cSld>
     <p:spTree>
@@ -21717,7 +22261,7 @@
 </p:sld>
 </file>
 
-<file path=ppt/slides/slide24.xml><?xml version="1.0" encoding="utf-8"?>
+<file path=ppt/slides/slide25.xml><?xml version="1.0" encoding="utf-8"?>
 <p:sld xmlns:a="http://schemas.openxmlformats.org/drawingml/2006/main" xmlns:r="http://schemas.openxmlformats.org/officeDocument/2006/relationships" xmlns:p="http://schemas.openxmlformats.org/presentationml/2006/main">
   <p:cSld>
     <p:spTree>
@@ -22190,7 +22734,7 @@
                   <a:spcPts val="1055"/>
                 </a:lnSpc>
               </a:pPr>
-              <a:t>24</a:t>
+              <a:t>25</a:t>
             </a:fld>
             <a:endParaRPr sz="1000" dirty="0">
               <a:latin typeface="Calibri"/>
@@ -22323,7 +22867,7 @@
             <a:fld id="{2BF067CD-8E6B-4360-9AA8-C5DF2A48A6D1}" type="slidenum">
               <a:rPr lang="en-US" smtClean="0"/>
               <a:pPr/>
-              <a:t>24</a:t>
+              <a:t>25</a:t>
             </a:fld>
             <a:endParaRPr lang="en-US" dirty="0"/>
           </a:p>
@@ -22607,7 +23151,7 @@
 </p:sld>
 </file>
 
-<file path=ppt/slides/slide25.xml><?xml version="1.0" encoding="utf-8"?>
+<file path=ppt/slides/slide26.xml><?xml version="1.0" encoding="utf-8"?>
 <p:sld xmlns:a="http://schemas.openxmlformats.org/drawingml/2006/main" xmlns:r="http://schemas.openxmlformats.org/officeDocument/2006/relationships" xmlns:p="http://schemas.openxmlformats.org/presentationml/2006/main">
   <p:cSld>
     <p:spTree>
@@ -23450,7 +23994,7 @@
                   <a:spcPts val="1065"/>
                 </a:lnSpc>
               </a:pPr>
-              <a:t>25</a:t>
+              <a:t>26</a:t>
             </a:fld>
             <a:endParaRPr sz="1000" dirty="0">
               <a:latin typeface="Calibri"/>
@@ -23495,7 +24039,7 @@
             <a:fld id="{2BF067CD-8E6B-4360-9AA8-C5DF2A48A6D1}" type="slidenum">
               <a:rPr lang="en-US" noProof="0" smtClean="0"/>
               <a:pPr/>
-              <a:t>25</a:t>
+              <a:t>26</a:t>
             </a:fld>
             <a:endParaRPr lang="en-US" noProof="0" dirty="0"/>
           </a:p>
@@ -23726,7 +24270,7 @@
 </p:sld>
 </file>
 
-<file path=ppt/slides/slide26.xml><?xml version="1.0" encoding="utf-8"?>
+<file path=ppt/slides/slide27.xml><?xml version="1.0" encoding="utf-8"?>
 <p:sld xmlns:a="http://schemas.openxmlformats.org/drawingml/2006/main" xmlns:r="http://schemas.openxmlformats.org/officeDocument/2006/relationships" xmlns:p="http://schemas.openxmlformats.org/presentationml/2006/main">
   <p:cSld>
     <p:spTree>
@@ -23840,7 +24384,7 @@
 </p:sld>
 </file>
 
-<file path=ppt/slides/slide27.xml><?xml version="1.0" encoding="utf-8"?>
+<file path=ppt/slides/slide28.xml><?xml version="1.0" encoding="utf-8"?>
 <p:sld xmlns:a="http://schemas.openxmlformats.org/drawingml/2006/main" xmlns:r="http://schemas.openxmlformats.org/officeDocument/2006/relationships" xmlns:p="http://schemas.openxmlformats.org/presentationml/2006/main">
   <p:cSld>
     <p:spTree>
@@ -23870,7 +24414,7 @@
         <p:spPr/>
         <p:txBody>
           <a:bodyPr>
-            <a:normAutofit fontScale="92500" lnSpcReduction="10000"/>
+            <a:normAutofit fontScale="77500" lnSpcReduction="20000"/>
           </a:bodyPr>
           <a:lstStyle/>
           <a:p>
@@ -23883,7 +24427,140 @@
               <a:rPr lang="bg-BG" sz="3500" dirty="0"/>
               <a:t>Числови</a:t>
             </a:r>
-            <a:endParaRPr lang="en-US" sz="3500" noProof="1"/>
+          </a:p>
+          <a:p>
+            <a:pPr lvl="1">
+              <a:lnSpc>
+                <a:spcPct val="100000"/>
+              </a:lnSpc>
+            </a:pPr>
+            <a:r>
+              <a:rPr lang="bg-BG" sz="3300" noProof="1"/>
+              <a:t>Целочислени типове данни:</a:t>
+            </a:r>
+            <a:endParaRPr lang="en-US" sz="3300" noProof="1"/>
+          </a:p>
+          <a:p>
+            <a:pPr lvl="2">
+              <a:lnSpc>
+                <a:spcPct val="100000"/>
+              </a:lnSpc>
+              <a:buClr>
+                <a:schemeClr val="tx1"/>
+              </a:buClr>
+            </a:pPr>
+            <a:r>
+              <a:rPr lang="en-US" b="1" noProof="1">
+                <a:solidFill>
+                  <a:schemeClr val="bg1"/>
+                </a:solidFill>
+                <a:latin typeface="Consolas" panose="020B0609020204030204" pitchFamily="49" charset="0"/>
+                <a:cs typeface="Consolas" pitchFamily="49" charset="0"/>
+              </a:rPr>
+              <a:t>BIT</a:t>
+            </a:r>
+            <a:r>
+              <a:rPr lang="en-US" noProof="1">
+                <a:solidFill>
+                  <a:schemeClr val="tx2">
+                    <a:lumMod val="75000"/>
+                  </a:schemeClr>
+                </a:solidFill>
+              </a:rPr>
+              <a:t> </a:t>
+            </a:r>
+            <a:r>
+              <a:rPr lang="en-US" noProof="1"/>
+              <a:t>(1-bit), </a:t>
+            </a:r>
+            <a:r>
+              <a:rPr lang="en-US" b="1" noProof="1">
+                <a:solidFill>
+                  <a:schemeClr val="bg1"/>
+                </a:solidFill>
+                <a:latin typeface="Consolas" panose="020B0609020204030204" pitchFamily="49" charset="0"/>
+                <a:cs typeface="Consolas" pitchFamily="49" charset="0"/>
+              </a:rPr>
+              <a:t>TINYINT</a:t>
+            </a:r>
+            <a:r>
+              <a:rPr lang="en-US" noProof="1"/>
+              <a:t> (8-bit), </a:t>
+            </a:r>
+            <a:r>
+              <a:rPr lang="en-US" b="1" noProof="1">
+                <a:solidFill>
+                  <a:schemeClr val="bg1"/>
+                </a:solidFill>
+                <a:latin typeface="Consolas" panose="020B0609020204030204" pitchFamily="49" charset="0"/>
+                <a:cs typeface="Consolas" pitchFamily="49" charset="0"/>
+              </a:rPr>
+              <a:t>SMALLINT</a:t>
+            </a:r>
+            <a:r>
+              <a:rPr lang="en-US" noProof="1"/>
+              <a:t> (16-bit)</a:t>
+            </a:r>
+          </a:p>
+          <a:p>
+            <a:pPr lvl="2">
+              <a:lnSpc>
+                <a:spcPct val="100000"/>
+              </a:lnSpc>
+              <a:buClr>
+                <a:schemeClr val="tx1"/>
+              </a:buClr>
+            </a:pPr>
+            <a:r>
+              <a:rPr lang="en-US" b="1" noProof="1">
+                <a:solidFill>
+                  <a:schemeClr val="bg1"/>
+                </a:solidFill>
+                <a:latin typeface="Consolas" panose="020B0609020204030204" pitchFamily="49" charset="0"/>
+                <a:cs typeface="Consolas" pitchFamily="49" charset="0"/>
+              </a:rPr>
+              <a:t>INT</a:t>
+            </a:r>
+            <a:r>
+              <a:rPr lang="en-US" b="1" noProof="1">
+                <a:solidFill>
+                  <a:schemeClr val="tx2">
+                    <a:lumMod val="75000"/>
+                  </a:schemeClr>
+                </a:solidFill>
+                <a:cs typeface="Consolas" pitchFamily="49" charset="0"/>
+              </a:rPr>
+              <a:t> </a:t>
+            </a:r>
+            <a:r>
+              <a:rPr lang="en-US" noProof="1"/>
+              <a:t>(32-bit), </a:t>
+            </a:r>
+            <a:r>
+              <a:rPr lang="en-US" b="1" noProof="1">
+                <a:solidFill>
+                  <a:schemeClr val="bg1"/>
+                </a:solidFill>
+                <a:latin typeface="Consolas" panose="020B0609020204030204" pitchFamily="49" charset="0"/>
+                <a:cs typeface="Consolas" pitchFamily="49" charset="0"/>
+              </a:rPr>
+              <a:t>BIGINT</a:t>
+            </a:r>
+            <a:r>
+              <a:rPr lang="en-US" noProof="1">
+                <a:solidFill>
+                  <a:schemeClr val="tx2">
+                    <a:lumMod val="75000"/>
+                  </a:schemeClr>
+                </a:solidFill>
+              </a:rPr>
+              <a:t> </a:t>
+            </a:r>
+            <a:r>
+              <a:rPr lang="en-US" noProof="1"/>
+              <a:t>(64-bit)</a:t>
+            </a:r>
+            <a:endParaRPr lang="bg-BG" noProof="1"/>
           </a:p>
           <a:p>
             <a:pPr lvl="1">
@@ -23895,6 +24572,21 @@
               </a:buClr>
             </a:pPr>
             <a:r>
+              <a:rPr lang="bg-BG" noProof="1"/>
+              <a:t>Типове данни с плаваща запетая:</a:t>
+            </a:r>
+            <a:endParaRPr lang="en-US" noProof="1"/>
+          </a:p>
+          <a:p>
+            <a:pPr lvl="2">
+              <a:lnSpc>
+                <a:spcPct val="100000"/>
+              </a:lnSpc>
+              <a:buClr>
+                <a:schemeClr val="tx1"/>
+              </a:buClr>
+            </a:pPr>
+            <a:r>
               <a:rPr lang="en-US" b="1" noProof="1">
                 <a:solidFill>
                   <a:schemeClr val="bg1"/>
@@ -23902,50 +24594,85 @@
                 <a:latin typeface="Consolas" panose="020B0609020204030204" pitchFamily="49" charset="0"/>
                 <a:cs typeface="Consolas" pitchFamily="49" charset="0"/>
               </a:rPr>
-              <a:t>BIT</a:t>
-            </a:r>
-            <a:r>
-              <a:rPr lang="en-US" noProof="1">
+              <a:t>FLOAT</a:t>
+            </a:r>
+            <a:r>
+              <a:rPr lang="en-US" noProof="1"/>
+              <a:t>, </a:t>
+            </a:r>
+            <a:r>
+              <a:rPr lang="en-US" b="1" noProof="1">
+                <a:solidFill>
+                  <a:schemeClr val="bg1"/>
+                </a:solidFill>
+                <a:latin typeface="Consolas" panose="020B0609020204030204" pitchFamily="49" charset="0"/>
+                <a:cs typeface="Consolas" pitchFamily="49" charset="0"/>
+              </a:rPr>
+              <a:t>REAL</a:t>
+            </a:r>
+            <a:r>
+              <a:rPr lang="en-US" noProof="1"/>
+              <a:t>, </a:t>
+            </a:r>
+            <a:r>
+              <a:rPr lang="en-US" b="1" noProof="1">
+                <a:solidFill>
+                  <a:schemeClr val="bg1"/>
+                </a:solidFill>
+                <a:latin typeface="Consolas" panose="020B0609020204030204" pitchFamily="49" charset="0"/>
+                <a:cs typeface="Consolas" pitchFamily="49" charset="0"/>
+              </a:rPr>
+              <a:t>DECIMAL</a:t>
+            </a:r>
+            <a:r>
+              <a:rPr lang="en-US" b="1" noProof="1">
                 <a:solidFill>
                   <a:schemeClr val="tx2">
                     <a:lumMod val="75000"/>
                   </a:schemeClr>
                 </a:solidFill>
-              </a:rPr>
-              <a:t> </a:t>
-            </a:r>
-            <a:r>
-              <a:rPr lang="en-US" noProof="1"/>
-              <a:t>(1-bit), </a:t>
-            </a:r>
-            <a:r>
-              <a:rPr lang="en-US" b="1" noProof="1">
-                <a:solidFill>
-                  <a:schemeClr val="bg1"/>
-                </a:solidFill>
                 <a:latin typeface="Consolas" panose="020B0609020204030204" pitchFamily="49" charset="0"/>
                 <a:cs typeface="Consolas" pitchFamily="49" charset="0"/>
               </a:rPr>
-              <a:t>TINYINT</a:t>
-            </a:r>
-            <a:r>
-              <a:rPr lang="en-US" noProof="1"/>
-              <a:t> (8-bit), </a:t>
+              <a:t>(</a:t>
             </a:r>
             <a:r>
               <a:rPr lang="en-US" b="1" noProof="1">
                 <a:solidFill>
                   <a:schemeClr val="bg1"/>
                 </a:solidFill>
-                <a:latin typeface="Consolas" panose="020B0609020204030204" pitchFamily="49" charset="0"/>
+                <a:latin typeface="Consolas" pitchFamily="49" charset="0"/>
                 <a:cs typeface="Consolas" pitchFamily="49" charset="0"/>
               </a:rPr>
-              <a:t>SMALLINT</a:t>
-            </a:r>
-            <a:r>
-              <a:rPr lang="en-US" noProof="1"/>
-              <a:t> (16-bit)</a:t>
-            </a:r>
+              <a:t>precision, scale</a:t>
+            </a:r>
+            <a:r>
+              <a:rPr lang="en-US" b="1" noProof="1">
+                <a:solidFill>
+                  <a:schemeClr val="tx2">
+                    <a:lumMod val="75000"/>
+                  </a:schemeClr>
+                </a:solidFill>
+                <a:latin typeface="Consolas" pitchFamily="49" charset="0"/>
+                <a:cs typeface="Consolas" pitchFamily="49" charset="0"/>
+              </a:rPr>
+              <a:t>)</a:t>
+            </a:r>
+          </a:p>
+          <a:p>
+            <a:pPr>
+              <a:lnSpc>
+                <a:spcPct val="100000"/>
+              </a:lnSpc>
+              <a:buClr>
+                <a:schemeClr val="tx1"/>
+              </a:buClr>
+            </a:pPr>
+            <a:r>
+              <a:rPr lang="bg-BG" sz="3500" dirty="0"/>
+              <a:t>Текстови</a:t>
+            </a:r>
+            <a:endParaRPr lang="en-US" sz="3500" noProof="1"/>
           </a:p>
           <a:p>
             <a:pPr lvl="1">
@@ -23957,54 +24684,70 @@
               </a:buClr>
             </a:pPr>
             <a:r>
-              <a:rPr lang="en-US" b="1" noProof="1">
+              <a:rPr lang="en-US" sz="3000" b="1" noProof="1">
                 <a:solidFill>
                   <a:schemeClr val="bg1"/>
                 </a:solidFill>
                 <a:latin typeface="Consolas" panose="020B0609020204030204" pitchFamily="49" charset="0"/>
                 <a:cs typeface="Consolas" pitchFamily="49" charset="0"/>
               </a:rPr>
-              <a:t>INT</a:t>
-            </a:r>
-            <a:r>
-              <a:rPr lang="en-US" b="1" noProof="1">
+              <a:t>CHAR</a:t>
+            </a:r>
+            <a:r>
+              <a:rPr lang="en-US" sz="3000" b="1" noProof="1">
                 <a:solidFill>
                   <a:schemeClr val="tx2">
                     <a:lumMod val="75000"/>
                   </a:schemeClr>
                 </a:solidFill>
-                <a:cs typeface="Consolas" pitchFamily="49" charset="0"/>
-              </a:rPr>
-              <a:t> </a:t>
-            </a:r>
-            <a:r>
-              <a:rPr lang="en-US" noProof="1"/>
-              <a:t>(32-bit), </a:t>
-            </a:r>
-            <a:r>
-              <a:rPr lang="en-US" b="1" noProof="1">
-                <a:solidFill>
-                  <a:schemeClr val="bg1"/>
-                </a:solidFill>
                 <a:latin typeface="Consolas" panose="020B0609020204030204" pitchFamily="49" charset="0"/>
                 <a:cs typeface="Consolas" pitchFamily="49" charset="0"/>
               </a:rPr>
-              <a:t>BIGINT</a:t>
-            </a:r>
-            <a:r>
-              <a:rPr lang="en-US" noProof="1">
+              <a:t>(</a:t>
+            </a:r>
+            <a:r>
+              <a:rPr lang="en-US" sz="3000" b="1" noProof="1">
+                <a:solidFill>
+                  <a:schemeClr val="bg1"/>
+                </a:solidFill>
+                <a:latin typeface="Consolas" panose="020B0609020204030204" pitchFamily="49" charset="0"/>
+                <a:cs typeface="Consolas" pitchFamily="49" charset="0"/>
+              </a:rPr>
+              <a:t>size</a:t>
+            </a:r>
+            <a:r>
+              <a:rPr lang="en-US" sz="3000" b="1" noProof="1">
                 <a:solidFill>
                   <a:schemeClr val="tx2">
                     <a:lumMod val="75000"/>
                   </a:schemeClr>
                 </a:solidFill>
+                <a:latin typeface="Consolas" panose="020B0609020204030204" pitchFamily="49" charset="0"/>
+                <a:cs typeface="Consolas" pitchFamily="49" charset="0"/>
+              </a:rPr>
+              <a:t>)</a:t>
+            </a:r>
+            <a:r>
+              <a:rPr lang="en-US" sz="2800" noProof="1">
+                <a:solidFill>
+                  <a:schemeClr val="accent5">
+                    <a:lumMod val="20000"/>
+                    <a:lumOff val="80000"/>
+                  </a:schemeClr>
+                </a:solidFill>
+                <a:cs typeface="Consolas" pitchFamily="49" charset="0"/>
               </a:rPr>
               <a:t> </a:t>
             </a:r>
             <a:r>
               <a:rPr lang="en-US" noProof="1"/>
-              <a:t>(64-bit)</a:t>
-            </a:r>
+              <a:t>– </a:t>
+            </a:r>
+            <a:r>
+              <a:rPr lang="bg-BG" dirty="0"/>
+              <a:t>низ с фиксиран размер</a:t>
+            </a:r>
+            <a:endParaRPr lang="en-US" noProof="1"/>
           </a:p>
           <a:p>
             <a:pPr lvl="1">
@@ -24016,45 +24759,17 @@
               </a:buClr>
             </a:pPr>
             <a:r>
-              <a:rPr lang="en-US" b="1" noProof="1">
+              <a:rPr lang="en-US" sz="3000" b="1" noProof="1">
                 <a:solidFill>
                   <a:schemeClr val="bg1"/>
                 </a:solidFill>
                 <a:latin typeface="Consolas" panose="020B0609020204030204" pitchFamily="49" charset="0"/>
                 <a:cs typeface="Consolas" pitchFamily="49" charset="0"/>
               </a:rPr>
-              <a:t>FLOAT</a:t>
-            </a:r>
-            <a:r>
-              <a:rPr lang="en-US" noProof="1"/>
-              <a:t>, </a:t>
-            </a:r>
-            <a:r>
-              <a:rPr lang="en-US" b="1" noProof="1">
-                <a:solidFill>
-                  <a:schemeClr val="bg1"/>
-                </a:solidFill>
-                <a:latin typeface="Consolas" panose="020B0609020204030204" pitchFamily="49" charset="0"/>
-                <a:cs typeface="Consolas" pitchFamily="49" charset="0"/>
-              </a:rPr>
-              <a:t>REAL</a:t>
-            </a:r>
-            <a:r>
-              <a:rPr lang="en-US" noProof="1"/>
-              <a:t>, </a:t>
-            </a:r>
-            <a:r>
-              <a:rPr lang="en-US" b="1" noProof="1">
-                <a:solidFill>
-                  <a:schemeClr val="bg1"/>
-                </a:solidFill>
-                <a:latin typeface="Consolas" panose="020B0609020204030204" pitchFamily="49" charset="0"/>
-                <a:cs typeface="Consolas" pitchFamily="49" charset="0"/>
-              </a:rPr>
-              <a:t>DECIMAL</a:t>
-            </a:r>
-            <a:r>
-              <a:rPr lang="en-US" b="1" noProof="1">
+              <a:t>VARCHAR</a:t>
+            </a:r>
+            <a:r>
+              <a:rPr lang="en-US" sz="3000" b="1" noProof="1">
                 <a:solidFill>
                   <a:schemeClr val="tx2">
                     <a:lumMod val="75000"/>
@@ -24066,27 +24781,202 @@
               <a:t>(</a:t>
             </a:r>
             <a:r>
-              <a:rPr lang="en-US" b="1" noProof="1">
+              <a:rPr lang="en-US" sz="3000" b="1" noProof="1">
                 <a:solidFill>
                   <a:schemeClr val="bg1"/>
                 </a:solidFill>
-                <a:latin typeface="Consolas" pitchFamily="49" charset="0"/>
+                <a:latin typeface="Consolas" panose="020B0609020204030204" pitchFamily="49" charset="0"/>
                 <a:cs typeface="Consolas" pitchFamily="49" charset="0"/>
               </a:rPr>
-              <a:t>precision, scale</a:t>
-            </a:r>
-            <a:r>
-              <a:rPr lang="en-US" b="1" noProof="1">
+              <a:t>size</a:t>
+            </a:r>
+            <a:r>
+              <a:rPr lang="en-US" sz="3000" b="1" noProof="1">
                 <a:solidFill>
                   <a:schemeClr val="tx2">
                     <a:lumMod val="75000"/>
                   </a:schemeClr>
                 </a:solidFill>
-                <a:latin typeface="Consolas" pitchFamily="49" charset="0"/>
+                <a:latin typeface="Consolas" panose="020B0609020204030204" pitchFamily="49" charset="0"/>
                 <a:cs typeface="Consolas" pitchFamily="49" charset="0"/>
               </a:rPr>
               <a:t>)</a:t>
             </a:r>
+            <a:r>
+              <a:rPr lang="en-US" sz="3000" noProof="1">
+                <a:solidFill>
+                  <a:schemeClr val="accent5">
+                    <a:lumMod val="20000"/>
+                    <a:lumOff val="80000"/>
+                  </a:schemeClr>
+                </a:solidFill>
+                <a:cs typeface="Consolas" pitchFamily="49" charset="0"/>
+              </a:rPr>
+              <a:t> </a:t>
+            </a:r>
+            <a:r>
+              <a:rPr lang="en-US" noProof="1"/>
+              <a:t>– </a:t>
+            </a:r>
+            <a:r>
+              <a:rPr lang="ru-RU" dirty="0"/>
+              <a:t>символен </a:t>
+            </a:r>
+            <a:r>
+              <a:rPr lang="bg-BG" dirty="0"/>
+              <a:t>низ с променлив размер</a:t>
+            </a:r>
+            <a:endParaRPr lang="en-US" dirty="0"/>
+          </a:p>
+          <a:p>
+            <a:pPr lvl="1">
+              <a:lnSpc>
+                <a:spcPct val="100000"/>
+              </a:lnSpc>
+              <a:buClr>
+                <a:schemeClr val="tx1"/>
+              </a:buClr>
+            </a:pPr>
+            <a:r>
+              <a:rPr lang="en-US" sz="3000" b="1" noProof="1">
+                <a:solidFill>
+                  <a:schemeClr val="bg1"/>
+                </a:solidFill>
+                <a:latin typeface="Consolas" panose="020B0609020204030204" pitchFamily="49" charset="0"/>
+                <a:cs typeface="Consolas" pitchFamily="49" charset="0"/>
+              </a:rPr>
+              <a:t>NCHAR</a:t>
+            </a:r>
+            <a:r>
+              <a:rPr lang="en-US" sz="3000" b="1" noProof="1">
+                <a:solidFill>
+                  <a:schemeClr val="tx2">
+                    <a:lumMod val="75000"/>
+                  </a:schemeClr>
+                </a:solidFill>
+                <a:latin typeface="Consolas" panose="020B0609020204030204" pitchFamily="49" charset="0"/>
+                <a:cs typeface="Consolas" pitchFamily="49" charset="0"/>
+              </a:rPr>
+              <a:t>(</a:t>
+            </a:r>
+            <a:r>
+              <a:rPr lang="en-US" sz="3000" b="1" noProof="1">
+                <a:solidFill>
+                  <a:schemeClr val="bg1"/>
+                </a:solidFill>
+                <a:latin typeface="Consolas" panose="020B0609020204030204" pitchFamily="49" charset="0"/>
+                <a:cs typeface="Consolas" pitchFamily="49" charset="0"/>
+              </a:rPr>
+              <a:t>size</a:t>
+            </a:r>
+            <a:r>
+              <a:rPr lang="en-US" sz="3000" b="1" noProof="1">
+                <a:solidFill>
+                  <a:schemeClr val="tx2">
+                    <a:lumMod val="75000"/>
+                  </a:schemeClr>
+                </a:solidFill>
+                <a:latin typeface="Consolas" panose="020B0609020204030204" pitchFamily="49" charset="0"/>
+                <a:cs typeface="Consolas" pitchFamily="49" charset="0"/>
+              </a:rPr>
+              <a:t>)</a:t>
+            </a:r>
+            <a:r>
+              <a:rPr lang="en-US" sz="3500" noProof="1"/>
+              <a:t> </a:t>
+            </a:r>
+            <a:r>
+              <a:rPr lang="en-US" noProof="1"/>
+              <a:t>– </a:t>
+            </a:r>
+            <a:r>
+              <a:rPr lang="ru-RU" noProof="1"/>
+              <a:t>Unicode низ с фиксиран размер</a:t>
+            </a:r>
+            <a:endParaRPr lang="bg-BG" dirty="0"/>
+          </a:p>
+          <a:p>
+            <a:pPr lvl="1">
+              <a:lnSpc>
+                <a:spcPct val="100000"/>
+              </a:lnSpc>
+              <a:buClr>
+                <a:schemeClr val="tx1"/>
+              </a:buClr>
+            </a:pPr>
+            <a:r>
+              <a:rPr lang="en-US" sz="3000" b="1" noProof="1">
+                <a:solidFill>
+                  <a:schemeClr val="bg1"/>
+                </a:solidFill>
+                <a:latin typeface="Consolas" panose="020B0609020204030204" pitchFamily="49" charset="0"/>
+                <a:cs typeface="Consolas" pitchFamily="49" charset="0"/>
+              </a:rPr>
+              <a:t>NVARCHAR</a:t>
+            </a:r>
+            <a:r>
+              <a:rPr lang="en-US" sz="3000" b="1" noProof="1">
+                <a:solidFill>
+                  <a:schemeClr val="tx2">
+                    <a:lumMod val="75000"/>
+                  </a:schemeClr>
+                </a:solidFill>
+                <a:latin typeface="Consolas" panose="020B0609020204030204" pitchFamily="49" charset="0"/>
+                <a:cs typeface="Consolas" pitchFamily="49" charset="0"/>
+              </a:rPr>
+              <a:t>(</a:t>
+            </a:r>
+            <a:r>
+              <a:rPr lang="en-US" sz="3000" b="1" noProof="1">
+                <a:solidFill>
+                  <a:schemeClr val="bg1"/>
+                </a:solidFill>
+                <a:latin typeface="Consolas" panose="020B0609020204030204" pitchFamily="49" charset="0"/>
+                <a:cs typeface="Consolas" pitchFamily="49" charset="0"/>
+              </a:rPr>
+              <a:t>size</a:t>
+            </a:r>
+            <a:r>
+              <a:rPr lang="en-US" sz="3000" b="1" noProof="1">
+                <a:solidFill>
+                  <a:schemeClr val="tx2">
+                    <a:lumMod val="75000"/>
+                  </a:schemeClr>
+                </a:solidFill>
+                <a:latin typeface="Consolas" panose="020B0609020204030204" pitchFamily="49" charset="0"/>
+                <a:cs typeface="Consolas" pitchFamily="49" charset="0"/>
+              </a:rPr>
+              <a:t>)</a:t>
+            </a:r>
+            <a:r>
+              <a:rPr lang="en-US" sz="2800" noProof="1">
+                <a:solidFill>
+                  <a:schemeClr val="accent5">
+                    <a:lumMod val="20000"/>
+                    <a:lumOff val="80000"/>
+                  </a:schemeClr>
+                </a:solidFill>
+                <a:cs typeface="Consolas" pitchFamily="49" charset="0"/>
+              </a:rPr>
+              <a:t> </a:t>
+            </a:r>
+            <a:r>
+              <a:rPr lang="en-US" noProof="1"/>
+              <a:t>– </a:t>
+            </a:r>
+            <a:r>
+              <a:rPr lang="ru-RU" noProof="1"/>
+              <a:t>Unicode </a:t>
+            </a:r>
+            <a:r>
+              <a:rPr lang="ru-RU" dirty="0"/>
+              <a:t>символен</a:t>
+            </a:r>
+            <a:r>
+              <a:rPr lang="ru-RU" noProof="1"/>
+              <a:t> низ с променлив размер</a:t>
+            </a:r>
+            <a:endParaRPr lang="en-US" noProof="1"/>
           </a:p>
           <a:p>
             <a:pPr>
@@ -24098,300 +24988,20 @@
               </a:buClr>
             </a:pPr>
             <a:r>
-              <a:rPr lang="bg-BG" sz="3500" dirty="0"/>
-              <a:t>Текстови</a:t>
-            </a:r>
-            <a:endParaRPr lang="en-US" sz="3500" noProof="1"/>
-          </a:p>
-          <a:p>
-            <a:pPr lvl="1">
-              <a:lnSpc>
-                <a:spcPct val="100000"/>
-              </a:lnSpc>
-              <a:buClr>
-                <a:schemeClr val="tx1"/>
-              </a:buClr>
-            </a:pPr>
-            <a:r>
-              <a:rPr lang="en-US" sz="3000" b="1" noProof="1">
+              <a:rPr lang="en-US" b="1" noProof="1">
                 <a:solidFill>
                   <a:schemeClr val="bg1"/>
                 </a:solidFill>
-                <a:latin typeface="Consolas" panose="020B0609020204030204" pitchFamily="49" charset="0"/>
-                <a:cs typeface="Consolas" pitchFamily="49" charset="0"/>
-              </a:rPr>
-              <a:t>CHAR</a:t>
-            </a:r>
-            <a:r>
-              <a:rPr lang="en-US" sz="3000" b="1" noProof="1">
-                <a:solidFill>
-                  <a:schemeClr val="tx2">
-                    <a:lumMod val="75000"/>
-                  </a:schemeClr>
-                </a:solidFill>
-                <a:latin typeface="Consolas" panose="020B0609020204030204" pitchFamily="49" charset="0"/>
-                <a:cs typeface="Consolas" pitchFamily="49" charset="0"/>
-              </a:rPr>
-              <a:t>(</a:t>
-            </a:r>
-            <a:r>
-              <a:rPr lang="en-US" sz="3000" b="1" noProof="1">
-                <a:solidFill>
-                  <a:schemeClr val="bg1"/>
-                </a:solidFill>
-                <a:latin typeface="Consolas" panose="020B0609020204030204" pitchFamily="49" charset="0"/>
-                <a:cs typeface="Consolas" pitchFamily="49" charset="0"/>
-              </a:rPr>
-              <a:t>size</a:t>
-            </a:r>
-            <a:r>
-              <a:rPr lang="en-US" sz="3000" b="1" noProof="1">
-                <a:solidFill>
-                  <a:schemeClr val="tx2">
-                    <a:lumMod val="75000"/>
-                  </a:schemeClr>
-                </a:solidFill>
-                <a:latin typeface="Consolas" panose="020B0609020204030204" pitchFamily="49" charset="0"/>
-                <a:cs typeface="Consolas" pitchFamily="49" charset="0"/>
-              </a:rPr>
-              <a:t>)</a:t>
-            </a:r>
-            <a:r>
-              <a:rPr lang="en-US" sz="2800" noProof="1">
-                <a:solidFill>
-                  <a:schemeClr val="accent5">
-                    <a:lumMod val="20000"/>
-                    <a:lumOff val="80000"/>
-                  </a:schemeClr>
-                </a:solidFill>
-                <a:cs typeface="Consolas" pitchFamily="49" charset="0"/>
-              </a:rPr>
+              </a:rPr>
+              <a:t>NULL</a:t>
+            </a:r>
+            <a:r>
+              <a:rPr lang="en-US" noProof="1"/>
               <a:t> </a:t>
             </a:r>
             <a:r>
-              <a:rPr lang="en-US" noProof="1"/>
-              <a:t>– </a:t>
-            </a:r>
-            <a:r>
-              <a:rPr lang="bg-BG" dirty="0"/>
-              <a:t>низ с фиксиран размер</a:t>
-            </a:r>
-            <a:endParaRPr lang="en-US" noProof="1"/>
-          </a:p>
-          <a:p>
-            <a:pPr lvl="1">
-              <a:lnSpc>
-                <a:spcPct val="100000"/>
-              </a:lnSpc>
-              <a:buClr>
-                <a:schemeClr val="tx1"/>
-              </a:buClr>
-            </a:pPr>
-            <a:r>
-              <a:rPr lang="en-US" sz="3000" b="1" noProof="1">
-                <a:solidFill>
-                  <a:schemeClr val="bg1"/>
-                </a:solidFill>
-                <a:latin typeface="Consolas" panose="020B0609020204030204" pitchFamily="49" charset="0"/>
-                <a:cs typeface="Consolas" pitchFamily="49" charset="0"/>
-              </a:rPr>
-              <a:t>VARCHAR</a:t>
-            </a:r>
-            <a:r>
-              <a:rPr lang="en-US" sz="3000" b="1" noProof="1">
-                <a:solidFill>
-                  <a:schemeClr val="tx2">
-                    <a:lumMod val="75000"/>
-                  </a:schemeClr>
-                </a:solidFill>
-                <a:latin typeface="Consolas" panose="020B0609020204030204" pitchFamily="49" charset="0"/>
-                <a:cs typeface="Consolas" pitchFamily="49" charset="0"/>
-              </a:rPr>
-              <a:t>(</a:t>
-            </a:r>
-            <a:r>
-              <a:rPr lang="en-US" sz="3000" b="1" noProof="1">
-                <a:solidFill>
-                  <a:schemeClr val="bg1"/>
-                </a:solidFill>
-                <a:latin typeface="Consolas" panose="020B0609020204030204" pitchFamily="49" charset="0"/>
-                <a:cs typeface="Consolas" pitchFamily="49" charset="0"/>
-              </a:rPr>
-              <a:t>size</a:t>
-            </a:r>
-            <a:r>
-              <a:rPr lang="en-US" sz="3000" b="1" noProof="1">
-                <a:solidFill>
-                  <a:schemeClr val="tx2">
-                    <a:lumMod val="75000"/>
-                  </a:schemeClr>
-                </a:solidFill>
-                <a:latin typeface="Consolas" panose="020B0609020204030204" pitchFamily="49" charset="0"/>
-                <a:cs typeface="Consolas" pitchFamily="49" charset="0"/>
-              </a:rPr>
-              <a:t>)</a:t>
-            </a:r>
-            <a:r>
-              <a:rPr lang="en-US" sz="3000" noProof="1">
-                <a:solidFill>
-                  <a:schemeClr val="accent5">
-                    <a:lumMod val="20000"/>
-                    <a:lumOff val="80000"/>
-                  </a:schemeClr>
-                </a:solidFill>
-                <a:cs typeface="Consolas" pitchFamily="49" charset="0"/>
-              </a:rPr>
-              <a:t> </a:t>
-            </a:r>
-            <a:r>
-              <a:rPr lang="en-US" noProof="1"/>
-              <a:t>– </a:t>
-            </a:r>
-            <a:r>
-              <a:rPr lang="bg-BG" dirty="0"/>
-              <a:t>низ с променлив размер</a:t>
-            </a:r>
-            <a:endParaRPr lang="en-US" dirty="0"/>
-          </a:p>
-          <a:p>
-            <a:pPr lvl="1">
-              <a:lnSpc>
-                <a:spcPct val="100000"/>
-              </a:lnSpc>
-              <a:buClr>
-                <a:schemeClr val="tx1"/>
-              </a:buClr>
-            </a:pPr>
-            <a:r>
-              <a:rPr lang="en-US" sz="3000" b="1" noProof="1">
-                <a:solidFill>
-                  <a:schemeClr val="bg1"/>
-                </a:solidFill>
-                <a:latin typeface="Consolas" panose="020B0609020204030204" pitchFamily="49" charset="0"/>
-                <a:cs typeface="Consolas" pitchFamily="49" charset="0"/>
-              </a:rPr>
-              <a:t>NCHAR</a:t>
-            </a:r>
-            <a:r>
-              <a:rPr lang="en-US" sz="3000" b="1" noProof="1">
-                <a:solidFill>
-                  <a:schemeClr val="tx2">
-                    <a:lumMod val="75000"/>
-                  </a:schemeClr>
-                </a:solidFill>
-                <a:latin typeface="Consolas" panose="020B0609020204030204" pitchFamily="49" charset="0"/>
-                <a:cs typeface="Consolas" pitchFamily="49" charset="0"/>
-              </a:rPr>
-              <a:t>(</a:t>
-            </a:r>
-            <a:r>
-              <a:rPr lang="en-US" sz="3000" b="1" noProof="1">
-                <a:solidFill>
-                  <a:schemeClr val="bg1"/>
-                </a:solidFill>
-                <a:latin typeface="Consolas" panose="020B0609020204030204" pitchFamily="49" charset="0"/>
-                <a:cs typeface="Consolas" pitchFamily="49" charset="0"/>
-              </a:rPr>
-              <a:t>size</a:t>
-            </a:r>
-            <a:r>
-              <a:rPr lang="en-US" sz="3000" b="1" noProof="1">
-                <a:solidFill>
-                  <a:schemeClr val="tx2">
-                    <a:lumMod val="75000"/>
-                  </a:schemeClr>
-                </a:solidFill>
-                <a:latin typeface="Consolas" panose="020B0609020204030204" pitchFamily="49" charset="0"/>
-                <a:cs typeface="Consolas" pitchFamily="49" charset="0"/>
-              </a:rPr>
-              <a:t>)</a:t>
-            </a:r>
-            <a:r>
-              <a:rPr lang="en-US" sz="3500" noProof="1"/>
-              <a:t> </a:t>
-            </a:r>
-            <a:r>
-              <a:rPr lang="en-US" noProof="1"/>
-              <a:t>– </a:t>
-            </a:r>
-            <a:r>
-              <a:rPr lang="ru-RU" noProof="1"/>
-              <a:t>Unicode низ с фиксиран размер</a:t>
-            </a:r>
-            <a:endParaRPr lang="bg-BG" dirty="0"/>
-          </a:p>
-          <a:p>
-            <a:pPr lvl="1">
-              <a:lnSpc>
-                <a:spcPct val="100000"/>
-              </a:lnSpc>
-              <a:buClr>
-                <a:schemeClr val="tx1"/>
-              </a:buClr>
-            </a:pPr>
-            <a:r>
-              <a:rPr lang="en-US" sz="3000" b="1" noProof="1">
-                <a:solidFill>
-                  <a:schemeClr val="bg1"/>
-                </a:solidFill>
-                <a:latin typeface="Consolas" panose="020B0609020204030204" pitchFamily="49" charset="0"/>
-                <a:cs typeface="Consolas" pitchFamily="49" charset="0"/>
-              </a:rPr>
-              <a:t>NVARCHAR</a:t>
-            </a:r>
-            <a:r>
-              <a:rPr lang="en-US" sz="3000" b="1" noProof="1">
-                <a:solidFill>
-                  <a:schemeClr val="tx2">
-                    <a:lumMod val="75000"/>
-                  </a:schemeClr>
-                </a:solidFill>
-                <a:latin typeface="Consolas" panose="020B0609020204030204" pitchFamily="49" charset="0"/>
-                <a:cs typeface="Consolas" pitchFamily="49" charset="0"/>
-              </a:rPr>
-              <a:t>(</a:t>
-            </a:r>
-            <a:r>
-              <a:rPr lang="en-US" sz="3000" b="1" noProof="1">
-                <a:solidFill>
-                  <a:schemeClr val="bg1"/>
-                </a:solidFill>
-                <a:latin typeface="Consolas" panose="020B0609020204030204" pitchFamily="49" charset="0"/>
-                <a:cs typeface="Consolas" pitchFamily="49" charset="0"/>
-              </a:rPr>
-              <a:t>size</a:t>
-            </a:r>
-            <a:r>
-              <a:rPr lang="en-US" sz="3000" b="1" noProof="1">
-                <a:solidFill>
-                  <a:schemeClr val="tx2">
-                    <a:lumMod val="75000"/>
-                  </a:schemeClr>
-                </a:solidFill>
-                <a:latin typeface="Consolas" panose="020B0609020204030204" pitchFamily="49" charset="0"/>
-                <a:cs typeface="Consolas" pitchFamily="49" charset="0"/>
-              </a:rPr>
-              <a:t>)</a:t>
-            </a:r>
-            <a:r>
-              <a:rPr lang="en-US" sz="2800" noProof="1">
-                <a:solidFill>
-                  <a:schemeClr val="accent5">
-                    <a:lumMod val="20000"/>
-                    <a:lumOff val="80000"/>
-                  </a:schemeClr>
-                </a:solidFill>
-                <a:cs typeface="Consolas" pitchFamily="49" charset="0"/>
-              </a:rPr>
-              <a:t> </a:t>
-            </a:r>
-            <a:r>
-              <a:rPr lang="en-US" noProof="1"/>
-              <a:t>– </a:t>
-            </a:r>
-            <a:r>
-              <a:rPr lang="ru-RU" noProof="1"/>
-              <a:t>Unicode низ с променлив размер</a:t>
+              <a:rPr lang="bg-BG" noProof="1"/>
+              <a:t>– празна стойност</a:t>
             </a:r>
             <a:endParaRPr lang="en-US" dirty="0"/>
           </a:p>
@@ -24463,7 +25073,7 @@
             <a:fld id="{2BF067CD-8E6B-4360-9AA8-C5DF2A48A6D1}" type="slidenum">
               <a:rPr lang="en-US" noProof="0" smtClean="0"/>
               <a:pPr/>
-              <a:t>27</a:t>
+              <a:t>28</a:t>
             </a:fld>
             <a:endParaRPr lang="en-US" noProof="0" dirty="0"/>
           </a:p>
@@ -24523,7 +25133,7 @@
                                         <p:tgtEl>
                                           <p:spTgt spid="5">
                                             <p:txEl>
-                                              <p:pRg st="2" end="2"/>
+                                              <p:pRg st="3" end="3"/>
                                             </p:txEl>
                                           </p:spTgt>
                                         </p:tgtEl>
@@ -24572,55 +25182,6 @@
                                         <p:tgtEl>
                                           <p:spTgt spid="5">
                                             <p:txEl>
-                                              <p:pRg st="3" end="3"/>
-                                            </p:txEl>
-                                          </p:spTgt>
-                                        </p:tgtEl>
-                                        <p:attrNameLst>
-                                          <p:attrName>style.visibility</p:attrName>
-                                        </p:attrNameLst>
-                                      </p:cBhvr>
-                                      <p:to>
-                                        <p:strVal val="visible"/>
-                                      </p:to>
-                                    </p:set>
-                                  </p:childTnLst>
-                                </p:cTn>
-                              </p:par>
-                            </p:childTnLst>
-                          </p:cTn>
-                        </p:par>
-                      </p:childTnLst>
-                    </p:cTn>
-                  </p:par>
-                  <p:par>
-                    <p:cTn id="11" fill="hold">
-                      <p:stCondLst>
-                        <p:cond delay="indefinite"/>
-                      </p:stCondLst>
-                      <p:childTnLst>
-                        <p:par>
-                          <p:cTn id="12" fill="hold">
-                            <p:stCondLst>
-                              <p:cond delay="0"/>
-                            </p:stCondLst>
-                            <p:childTnLst>
-                              <p:par>
-                                <p:cTn id="13" presetID="1" presetClass="entr" presetSubtype="0" fill="hold" nodeType="clickEffect">
-                                  <p:stCondLst>
-                                    <p:cond delay="0"/>
-                                  </p:stCondLst>
-                                  <p:childTnLst>
-                                    <p:set>
-                                      <p:cBhvr>
-                                        <p:cTn id="14" dur="1" fill="hold">
-                                          <p:stCondLst>
-                                            <p:cond delay="0"/>
-                                          </p:stCondLst>
-                                        </p:cTn>
-                                        <p:tgtEl>
-                                          <p:spTgt spid="5">
-                                            <p:txEl>
                                               <p:pRg st="4" end="4"/>
                                             </p:txEl>
                                           </p:spTgt>
@@ -24637,14 +25198,14 @@
                                 </p:cTn>
                               </p:par>
                               <p:par>
-                                <p:cTn id="15" presetID="1" presetClass="entr" presetSubtype="0" fill="hold" nodeType="withEffect">
+                                <p:cTn id="11" presetID="1" presetClass="entr" presetSubtype="0" fill="hold" nodeType="withEffect">
                                   <p:stCondLst>
                                     <p:cond delay="0"/>
                                   </p:stCondLst>
                                   <p:childTnLst>
                                     <p:set>
                                       <p:cBhvr>
-                                        <p:cTn id="16" dur="1" fill="hold">
+                                        <p:cTn id="12" dur="1" fill="hold">
                                           <p:stCondLst>
                                             <p:cond delay="0"/>
                                           </p:stCondLst>
@@ -24674,26 +25235,26 @@
                     </p:cTn>
                   </p:par>
                   <p:par>
-                    <p:cTn id="17" fill="hold">
+                    <p:cTn id="13" fill="hold">
                       <p:stCondLst>
                         <p:cond delay="indefinite"/>
                       </p:stCondLst>
                       <p:childTnLst>
                         <p:par>
-                          <p:cTn id="18" fill="hold">
+                          <p:cTn id="14" fill="hold">
                             <p:stCondLst>
                               <p:cond delay="0"/>
                             </p:stCondLst>
                             <p:childTnLst>
                               <p:par>
-                                <p:cTn id="19" presetID="1" presetClass="entr" presetSubtype="0" fill="hold" nodeType="clickEffect">
+                                <p:cTn id="15" presetID="1" presetClass="entr" presetSubtype="0" fill="hold" nodeType="clickEffect">
                                   <p:stCondLst>
                                     <p:cond delay="0"/>
                                   </p:stCondLst>
                                   <p:childTnLst>
                                     <p:set>
                                       <p:cBhvr>
-                                        <p:cTn id="20" dur="1" fill="hold">
+                                        <p:cTn id="16" dur="1" fill="hold">
                                           <p:stCondLst>
                                             <p:cond delay="0"/>
                                           </p:stCondLst>
@@ -24716,33 +25277,15 @@
                                   </p:childTnLst>
                                 </p:cTn>
                               </p:par>
-                            </p:childTnLst>
-                          </p:cTn>
-                        </p:par>
-                      </p:childTnLst>
-                    </p:cTn>
-                  </p:par>
-                  <p:par>
-                    <p:cTn id="21" fill="hold">
-                      <p:stCondLst>
-                        <p:cond delay="indefinite"/>
-                      </p:stCondLst>
-                      <p:childTnLst>
-                        <p:par>
-                          <p:cTn id="22" fill="hold">
-                            <p:stCondLst>
-                              <p:cond delay="0"/>
-                            </p:stCondLst>
-                            <p:childTnLst>
                               <p:par>
-                                <p:cTn id="23" presetID="1" presetClass="entr" presetSubtype="0" fill="hold" nodeType="clickEffect">
+                                <p:cTn id="17" presetID="1" presetClass="entr" presetSubtype="0" fill="hold" nodeType="withEffect">
                                   <p:stCondLst>
                                     <p:cond delay="0"/>
                                   </p:stCondLst>
                                   <p:childTnLst>
                                     <p:set>
                                       <p:cBhvr>
-                                        <p:cTn id="24" dur="1" fill="hold">
+                                        <p:cTn id="18" dur="1" fill="hold">
                                           <p:stCondLst>
                                             <p:cond delay="0"/>
                                           </p:stCondLst>
@@ -24772,26 +25315,26 @@
                     </p:cTn>
                   </p:par>
                   <p:par>
-                    <p:cTn id="25" fill="hold">
+                    <p:cTn id="19" fill="hold">
                       <p:stCondLst>
                         <p:cond delay="indefinite"/>
                       </p:stCondLst>
                       <p:childTnLst>
                         <p:par>
-                          <p:cTn id="26" fill="hold">
+                          <p:cTn id="20" fill="hold">
                             <p:stCondLst>
                               <p:cond delay="0"/>
                             </p:stCondLst>
                             <p:childTnLst>
                               <p:par>
-                                <p:cTn id="27" presetID="1" presetClass="entr" presetSubtype="0" fill="hold" nodeType="clickEffect">
+                                <p:cTn id="21" presetID="1" presetClass="entr" presetSubtype="0" fill="hold" nodeType="clickEffect">
                                   <p:stCondLst>
                                     <p:cond delay="0"/>
                                   </p:stCondLst>
                                   <p:childTnLst>
                                     <p:set>
                                       <p:cBhvr>
-                                        <p:cTn id="28" dur="1" fill="hold">
+                                        <p:cTn id="22" dur="1" fill="hold">
                                           <p:stCondLst>
                                             <p:cond delay="0"/>
                                           </p:stCondLst>
@@ -24800,6 +25343,153 @@
                                           <p:spTgt spid="5">
                                             <p:txEl>
                                               <p:pRg st="8" end="8"/>
+                                            </p:txEl>
+                                          </p:spTgt>
+                                        </p:tgtEl>
+                                        <p:attrNameLst>
+                                          <p:attrName>style.visibility</p:attrName>
+                                        </p:attrNameLst>
+                                      </p:cBhvr>
+                                      <p:to>
+                                        <p:strVal val="visible"/>
+                                      </p:to>
+                                    </p:set>
+                                  </p:childTnLst>
+                                </p:cTn>
+                              </p:par>
+                            </p:childTnLst>
+                          </p:cTn>
+                        </p:par>
+                      </p:childTnLst>
+                    </p:cTn>
+                  </p:par>
+                  <p:par>
+                    <p:cTn id="23" fill="hold">
+                      <p:stCondLst>
+                        <p:cond delay="indefinite"/>
+                      </p:stCondLst>
+                      <p:childTnLst>
+                        <p:par>
+                          <p:cTn id="24" fill="hold">
+                            <p:stCondLst>
+                              <p:cond delay="0"/>
+                            </p:stCondLst>
+                            <p:childTnLst>
+                              <p:par>
+                                <p:cTn id="25" presetID="1" presetClass="entr" presetSubtype="0" fill="hold" nodeType="clickEffect">
+                                  <p:stCondLst>
+                                    <p:cond delay="0"/>
+                                  </p:stCondLst>
+                                  <p:childTnLst>
+                                    <p:set>
+                                      <p:cBhvr>
+                                        <p:cTn id="26" dur="1" fill="hold">
+                                          <p:stCondLst>
+                                            <p:cond delay="0"/>
+                                          </p:stCondLst>
+                                        </p:cTn>
+                                        <p:tgtEl>
+                                          <p:spTgt spid="5">
+                                            <p:txEl>
+                                              <p:pRg st="9" end="9"/>
+                                            </p:txEl>
+                                          </p:spTgt>
+                                        </p:tgtEl>
+                                        <p:attrNameLst>
+                                          <p:attrName>style.visibility</p:attrName>
+                                        </p:attrNameLst>
+                                      </p:cBhvr>
+                                      <p:to>
+                                        <p:strVal val="visible"/>
+                                      </p:to>
+                                    </p:set>
+                                  </p:childTnLst>
+                                </p:cTn>
+                              </p:par>
+                            </p:childTnLst>
+                          </p:cTn>
+                        </p:par>
+                      </p:childTnLst>
+                    </p:cTn>
+                  </p:par>
+                  <p:par>
+                    <p:cTn id="27" fill="hold">
+                      <p:stCondLst>
+                        <p:cond delay="indefinite"/>
+                      </p:stCondLst>
+                      <p:childTnLst>
+                        <p:par>
+                          <p:cTn id="28" fill="hold">
+                            <p:stCondLst>
+                              <p:cond delay="0"/>
+                            </p:stCondLst>
+                            <p:childTnLst>
+                              <p:par>
+                                <p:cTn id="29" presetID="1" presetClass="entr" presetSubtype="0" fill="hold" nodeType="clickEffect">
+                                  <p:stCondLst>
+                                    <p:cond delay="0"/>
+                                  </p:stCondLst>
+                                  <p:childTnLst>
+                                    <p:set>
+                                      <p:cBhvr>
+                                        <p:cTn id="30" dur="1" fill="hold">
+                                          <p:stCondLst>
+                                            <p:cond delay="0"/>
+                                          </p:stCondLst>
+                                        </p:cTn>
+                                        <p:tgtEl>
+                                          <p:spTgt spid="5">
+                                            <p:txEl>
+                                              <p:pRg st="10" end="10"/>
+                                            </p:txEl>
+                                          </p:spTgt>
+                                        </p:tgtEl>
+                                        <p:attrNameLst>
+                                          <p:attrName>style.visibility</p:attrName>
+                                        </p:attrNameLst>
+                                      </p:cBhvr>
+                                      <p:to>
+                                        <p:strVal val="visible"/>
+                                      </p:to>
+                                    </p:set>
+                                  </p:childTnLst>
+                                </p:cTn>
+                              </p:par>
+                            </p:childTnLst>
+                          </p:cTn>
+                        </p:par>
+                      </p:childTnLst>
+                    </p:cTn>
+                  </p:par>
+                  <p:par>
+                    <p:cTn id="31" fill="hold">
+                      <p:stCondLst>
+                        <p:cond delay="indefinite"/>
+                      </p:stCondLst>
+                      <p:childTnLst>
+                        <p:par>
+                          <p:cTn id="32" fill="hold">
+                            <p:stCondLst>
+                              <p:cond delay="0"/>
+                            </p:stCondLst>
+                            <p:childTnLst>
+                              <p:par>
+                                <p:cTn id="33" presetID="1" presetClass="entr" presetSubtype="0" fill="hold" nodeType="clickEffect">
+                                  <p:stCondLst>
+                                    <p:cond delay="0"/>
+                                  </p:stCondLst>
+                                  <p:childTnLst>
+                                    <p:set>
+                                      <p:cBhvr>
+                                        <p:cTn id="34" dur="1" fill="hold">
+                                          <p:stCondLst>
+                                            <p:cond delay="0"/>
+                                          </p:stCondLst>
+                                        </p:cTn>
+                                        <p:tgtEl>
+                                          <p:spTgt spid="5">
+                                            <p:txEl>
+                                              <p:pRg st="11" end="11"/>
                                             </p:txEl>
                                           </p:spTgt>
                                         </p:tgtEl>
@@ -24845,7 +25535,7 @@
 </p:sld>
 </file>
 
-<file path=ppt/slides/slide28.xml><?xml version="1.0" encoding="utf-8"?>
+<file path=ppt/slides/slide29.xml><?xml version="1.0" encoding="utf-8"?>
 <p:sld xmlns:a="http://schemas.openxmlformats.org/drawingml/2006/main" xmlns:r="http://schemas.openxmlformats.org/officeDocument/2006/relationships" xmlns:p="http://schemas.openxmlformats.org/presentationml/2006/main">
   <p:cSld>
     <p:spTree>
@@ -25293,7 +25983,7 @@
             <a:fld id="{2BF067CD-8E6B-4360-9AA8-C5DF2A48A6D1}" type="slidenum">
               <a:rPr lang="en-US" noProof="0" smtClean="0"/>
               <a:pPr/>
-              <a:t>28</a:t>
+              <a:t>29</a:t>
             </a:fld>
             <a:endParaRPr lang="en-US" noProof="0" dirty="0"/>
           </a:p>
@@ -25320,7 +26010,177 @@
 </p:sld>
 </file>
 
-<file path=ppt/slides/slide29.xml><?xml version="1.0" encoding="utf-8"?>
+<file path=ppt/slides/slide3.xml><?xml version="1.0" encoding="utf-8"?>
+<p:sld xmlns:a="http://schemas.openxmlformats.org/drawingml/2006/main" xmlns:r="http://schemas.openxmlformats.org/officeDocument/2006/relationships" xmlns:p="http://schemas.openxmlformats.org/presentationml/2006/main">
+  <p:cSld>
+    <p:spTree>
+      <p:nvGrpSpPr>
+        <p:cNvPr id="1" name=""/>
+        <p:cNvGrpSpPr/>
+        <p:nvPr/>
+      </p:nvGrpSpPr>
+      <p:grpSpPr>
+        <a:xfrm>
+          <a:off x="0" y="0"/>
+          <a:ext cx="0" cy="0"/>
+          <a:chOff x="0" y="0"/>
+          <a:chExt cx="0" cy="0"/>
+        </a:xfrm>
+      </p:grpSpPr>
+      <p:grpSp>
+        <p:nvGrpSpPr>
+          <p:cNvPr id="2" name="Group 9"/>
+          <p:cNvGrpSpPr/>
+          <p:nvPr/>
+        </p:nvGrpSpPr>
+        <p:grpSpPr>
+          <a:xfrm>
+            <a:off x="4912827" y="1596574"/>
+            <a:ext cx="2347876" cy="2362038"/>
+            <a:chOff x="3878107" y="914400"/>
+            <a:chExt cx="4159406" cy="4184495"/>
+          </a:xfrm>
+        </p:grpSpPr>
+        <p:pic>
+          <p:nvPicPr>
+            <p:cNvPr id="11" name="Picture 10"/>
+            <p:cNvPicPr>
+              <a:picLocks noChangeAspect="1"/>
+            </p:cNvPicPr>
+            <p:nvPr/>
+          </p:nvPicPr>
+          <p:blipFill>
+            <a:blip r:embed="rId3" cstate="print">
+              <a:extLst>
+                <a:ext uri="{28A0092B-C50C-407E-A947-70E740481C1C}">
+                  <a14:useLocalDpi xmlns:a14="http://schemas.microsoft.com/office/drawing/2010/main" val="0"/>
+                </a:ext>
+              </a:extLst>
+            </a:blip>
+            <a:stretch>
+              <a:fillRect/>
+            </a:stretch>
+          </p:blipFill>
+          <p:spPr>
+            <a:xfrm>
+              <a:off x="4151313" y="914400"/>
+              <a:ext cx="3886200" cy="3886200"/>
+            </a:xfrm>
+            <a:prstGeom prst="rect">
+              <a:avLst/>
+            </a:prstGeom>
+          </p:spPr>
+        </p:pic>
+        <p:pic>
+          <p:nvPicPr>
+            <p:cNvPr id="12" name="Picture 11"/>
+            <p:cNvPicPr>
+              <a:picLocks noChangeAspect="1"/>
+            </p:cNvPicPr>
+            <p:nvPr/>
+          </p:nvPicPr>
+          <p:blipFill>
+            <a:blip r:embed="rId4" cstate="print">
+              <a:extLst>
+                <a:ext uri="{28A0092B-C50C-407E-A947-70E740481C1C}">
+                  <a14:useLocalDpi xmlns:a14="http://schemas.microsoft.com/office/drawing/2010/main" val="0"/>
+                </a:ext>
+              </a:extLst>
+            </a:blip>
+            <a:stretch>
+              <a:fillRect/>
+            </a:stretch>
+          </p:blipFill>
+          <p:spPr>
+            <a:xfrm rot="18746218">
+              <a:off x="3732212" y="2503574"/>
+              <a:ext cx="2741216" cy="2449426"/>
+            </a:xfrm>
+            <a:prstGeom prst="rect">
+              <a:avLst/>
+            </a:prstGeom>
+          </p:spPr>
+        </p:pic>
+      </p:grpSp>
+      <p:sp>
+        <p:nvSpPr>
+          <p:cNvPr id="5" name="Подзаглавие 4">
+            <a:extLst>
+              <a:ext uri="{FF2B5EF4-FFF2-40B4-BE49-F238E27FC236}">
+                <a16:creationId xmlns:a16="http://schemas.microsoft.com/office/drawing/2014/main" id="{4786CD85-17B4-5582-0A31-340E498ED1C0}"/>
+              </a:ext>
+            </a:extLst>
+          </p:cNvPr>
+          <p:cNvSpPr>
+            <a:spLocks noGrp="1"/>
+          </p:cNvSpPr>
+          <p:nvPr>
+            <p:ph type="subTitle" sz="quarter" idx="11"/>
+          </p:nvPr>
+        </p:nvSpPr>
+        <p:spPr/>
+        <p:txBody>
+          <a:bodyPr/>
+          <a:lstStyle/>
+          <a:p>
+            <a:r>
+              <a:rPr lang="ru-RU"/>
+              <a:t>Системи за управление на бази данни</a:t>
+            </a:r>
+            <a:endParaRPr lang="bg-BG"/>
+          </a:p>
+        </p:txBody>
+      </p:sp>
+      <p:sp>
+        <p:nvSpPr>
+          <p:cNvPr id="8" name="Заглавие 7">
+            <a:extLst>
+              <a:ext uri="{FF2B5EF4-FFF2-40B4-BE49-F238E27FC236}">
+                <a16:creationId xmlns:a16="http://schemas.microsoft.com/office/drawing/2014/main" id="{1E46FA96-85EE-79F7-A20C-97A1852A90FE}"/>
+              </a:ext>
+            </a:extLst>
+          </p:cNvPr>
+          <p:cNvSpPr>
+            <a:spLocks noGrp="1"/>
+          </p:cNvSpPr>
+          <p:nvPr>
+            <p:ph type="title" sz="quarter" idx="10"/>
+          </p:nvPr>
+        </p:nvSpPr>
+        <p:spPr/>
+        <p:txBody>
+          <a:bodyPr/>
+          <a:lstStyle/>
+          <a:p>
+            <a:r>
+              <a:rPr lang="bg-BG"/>
+              <a:t>Сървъри за бази данни</a:t>
+            </a:r>
+          </a:p>
+        </p:txBody>
+      </p:sp>
+    </p:spTree>
+    <p:extLst>
+      <p:ext uri="{BB962C8B-B14F-4D97-AF65-F5344CB8AC3E}">
+        <p14:creationId xmlns:p14="http://schemas.microsoft.com/office/powerpoint/2010/main" val="3454804543"/>
+      </p:ext>
+    </p:extLst>
+  </p:cSld>
+  <p:clrMapOvr>
+    <a:masterClrMapping/>
+  </p:clrMapOvr>
+  <mc:AlternateContent xmlns:mc="http://schemas.openxmlformats.org/markup-compatibility/2006" xmlns:p14="http://schemas.microsoft.com/office/powerpoint/2010/main">
+    <mc:Choice Requires="p14">
+      <p:transition spd="slow" p14:dur="2000" advClick="0" advTm="5000"/>
+    </mc:Choice>
+    <mc:Fallback xmlns="">
+      <p:transition spd="slow" advClick="0" advTm="5000"/>
+    </mc:Fallback>
+  </mc:AlternateContent>
+</p:sld>
+</file>
+
+<file path=ppt/slides/slide30.xml><?xml version="1.0" encoding="utf-8"?>
 <p:sld xmlns:a="http://schemas.openxmlformats.org/drawingml/2006/main" xmlns:r="http://schemas.openxmlformats.org/officeDocument/2006/relationships" xmlns:p="http://schemas.openxmlformats.org/presentationml/2006/main">
   <p:cSld>
     <p:spTree>
@@ -25505,7 +26365,11 @@
             </a:pPr>
             <a:r>
               <a:rPr lang="bg-BG" sz="3500" dirty="0"/>
-              <a:t>Дата и време</a:t>
+              <a:t>Дата и време (т</a:t>
+            </a:r>
+            <a:r>
+              <a:rPr lang="ru-RU" sz="3500" dirty="0"/>
+              <a:t>ипове данни за дата и час)</a:t>
             </a:r>
             <a:endParaRPr lang="en-US" sz="3500" dirty="0"/>
           </a:p>
@@ -25763,7 +26627,7 @@
             <a:fld id="{2BF067CD-8E6B-4360-9AA8-C5DF2A48A6D1}" type="slidenum">
               <a:rPr lang="en-US" noProof="0" smtClean="0"/>
               <a:pPr/>
-              <a:t>29</a:t>
+              <a:t>30</a:t>
             </a:fld>
             <a:endParaRPr lang="en-US" noProof="0" dirty="0"/>
           </a:p>
@@ -26194,177 +27058,7 @@
 </p:sld>
 </file>
 
-<file path=ppt/slides/slide3.xml><?xml version="1.0" encoding="utf-8"?>
-<p:sld xmlns:a="http://schemas.openxmlformats.org/drawingml/2006/main" xmlns:r="http://schemas.openxmlformats.org/officeDocument/2006/relationships" xmlns:p="http://schemas.openxmlformats.org/presentationml/2006/main">
-  <p:cSld>
-    <p:spTree>
-      <p:nvGrpSpPr>
-        <p:cNvPr id="1" name=""/>
-        <p:cNvGrpSpPr/>
-        <p:nvPr/>
-      </p:nvGrpSpPr>
-      <p:grpSpPr>
-        <a:xfrm>
-          <a:off x="0" y="0"/>
-          <a:ext cx="0" cy="0"/>
-          <a:chOff x="0" y="0"/>
-          <a:chExt cx="0" cy="0"/>
-        </a:xfrm>
-      </p:grpSpPr>
-      <p:grpSp>
-        <p:nvGrpSpPr>
-          <p:cNvPr id="2" name="Group 9"/>
-          <p:cNvGrpSpPr/>
-          <p:nvPr/>
-        </p:nvGrpSpPr>
-        <p:grpSpPr>
-          <a:xfrm>
-            <a:off x="4912827" y="1596574"/>
-            <a:ext cx="2347876" cy="2362038"/>
-            <a:chOff x="3878107" y="914400"/>
-            <a:chExt cx="4159406" cy="4184495"/>
-          </a:xfrm>
-        </p:grpSpPr>
-        <p:pic>
-          <p:nvPicPr>
-            <p:cNvPr id="11" name="Picture 10"/>
-            <p:cNvPicPr>
-              <a:picLocks noChangeAspect="1"/>
-            </p:cNvPicPr>
-            <p:nvPr/>
-          </p:nvPicPr>
-          <p:blipFill>
-            <a:blip r:embed="rId3" cstate="print">
-              <a:extLst>
-                <a:ext uri="{28A0092B-C50C-407E-A947-70E740481C1C}">
-                  <a14:useLocalDpi xmlns:a14="http://schemas.microsoft.com/office/drawing/2010/main" val="0"/>
-                </a:ext>
-              </a:extLst>
-            </a:blip>
-            <a:stretch>
-              <a:fillRect/>
-            </a:stretch>
-          </p:blipFill>
-          <p:spPr>
-            <a:xfrm>
-              <a:off x="4151313" y="914400"/>
-              <a:ext cx="3886200" cy="3886200"/>
-            </a:xfrm>
-            <a:prstGeom prst="rect">
-              <a:avLst/>
-            </a:prstGeom>
-          </p:spPr>
-        </p:pic>
-        <p:pic>
-          <p:nvPicPr>
-            <p:cNvPr id="12" name="Picture 11"/>
-            <p:cNvPicPr>
-              <a:picLocks noChangeAspect="1"/>
-            </p:cNvPicPr>
-            <p:nvPr/>
-          </p:nvPicPr>
-          <p:blipFill>
-            <a:blip r:embed="rId4" cstate="print">
-              <a:extLst>
-                <a:ext uri="{28A0092B-C50C-407E-A947-70E740481C1C}">
-                  <a14:useLocalDpi xmlns:a14="http://schemas.microsoft.com/office/drawing/2010/main" val="0"/>
-                </a:ext>
-              </a:extLst>
-            </a:blip>
-            <a:stretch>
-              <a:fillRect/>
-            </a:stretch>
-          </p:blipFill>
-          <p:spPr>
-            <a:xfrm rot="18746218">
-              <a:off x="3732212" y="2503574"/>
-              <a:ext cx="2741216" cy="2449426"/>
-            </a:xfrm>
-            <a:prstGeom prst="rect">
-              <a:avLst/>
-            </a:prstGeom>
-          </p:spPr>
-        </p:pic>
-      </p:grpSp>
-      <p:sp>
-        <p:nvSpPr>
-          <p:cNvPr id="5" name="Подзаглавие 4">
-            <a:extLst>
-              <a:ext uri="{FF2B5EF4-FFF2-40B4-BE49-F238E27FC236}">
-                <a16:creationId xmlns:a16="http://schemas.microsoft.com/office/drawing/2014/main" id="{4786CD85-17B4-5582-0A31-340E498ED1C0}"/>
-              </a:ext>
-            </a:extLst>
-          </p:cNvPr>
-          <p:cNvSpPr>
-            <a:spLocks noGrp="1"/>
-          </p:cNvSpPr>
-          <p:nvPr>
-            <p:ph type="subTitle" sz="quarter" idx="11"/>
-          </p:nvPr>
-        </p:nvSpPr>
-        <p:spPr/>
-        <p:txBody>
-          <a:bodyPr/>
-          <a:lstStyle/>
-          <a:p>
-            <a:r>
-              <a:rPr lang="ru-RU"/>
-              <a:t>Системи за управление на бази данни</a:t>
-            </a:r>
-            <a:endParaRPr lang="bg-BG"/>
-          </a:p>
-        </p:txBody>
-      </p:sp>
-      <p:sp>
-        <p:nvSpPr>
-          <p:cNvPr id="8" name="Заглавие 7">
-            <a:extLst>
-              <a:ext uri="{FF2B5EF4-FFF2-40B4-BE49-F238E27FC236}">
-                <a16:creationId xmlns:a16="http://schemas.microsoft.com/office/drawing/2014/main" id="{1E46FA96-85EE-79F7-A20C-97A1852A90FE}"/>
-              </a:ext>
-            </a:extLst>
-          </p:cNvPr>
-          <p:cNvSpPr>
-            <a:spLocks noGrp="1"/>
-          </p:cNvSpPr>
-          <p:nvPr>
-            <p:ph type="title" sz="quarter" idx="10"/>
-          </p:nvPr>
-        </p:nvSpPr>
-        <p:spPr/>
-        <p:txBody>
-          <a:bodyPr/>
-          <a:lstStyle/>
-          <a:p>
-            <a:r>
-              <a:rPr lang="bg-BG"/>
-              <a:t>Сървъри за бази данни</a:t>
-            </a:r>
-          </a:p>
-        </p:txBody>
-      </p:sp>
-    </p:spTree>
-    <p:extLst>
-      <p:ext uri="{BB962C8B-B14F-4D97-AF65-F5344CB8AC3E}">
-        <p14:creationId xmlns:p14="http://schemas.microsoft.com/office/powerpoint/2010/main" val="3454804543"/>
-      </p:ext>
-    </p:extLst>
-  </p:cSld>
-  <p:clrMapOvr>
-    <a:masterClrMapping/>
-  </p:clrMapOvr>
-  <mc:AlternateContent xmlns:mc="http://schemas.openxmlformats.org/markup-compatibility/2006" xmlns:p14="http://schemas.microsoft.com/office/powerpoint/2010/main">
-    <mc:Choice Requires="p14">
-      <p:transition spd="slow" p14:dur="2000" advClick="0" advTm="5000"/>
-    </mc:Choice>
-    <mc:Fallback xmlns="">
-      <p:transition spd="slow" advClick="0" advTm="5000"/>
-    </mc:Fallback>
-  </mc:AlternateContent>
-</p:sld>
-</file>
-
-<file path=ppt/slides/slide30.xml><?xml version="1.0" encoding="utf-8"?>
+<file path=ppt/slides/slide31.xml><?xml version="1.0" encoding="utf-8"?>
 <p:sld xmlns:a="http://schemas.openxmlformats.org/drawingml/2006/main" xmlns:r="http://schemas.openxmlformats.org/officeDocument/2006/relationships" xmlns:p="http://schemas.openxmlformats.org/presentationml/2006/main">
   <p:cSld>
     <p:spTree>
@@ -26518,7 +27212,7 @@
             <a:fld id="{2BF067CD-8E6B-4360-9AA8-C5DF2A48A6D1}" type="slidenum">
               <a:rPr lang="en-US" noProof="0" smtClean="0"/>
               <a:pPr/>
-              <a:t>30</a:t>
+              <a:t>31</a:t>
             </a:fld>
             <a:endParaRPr lang="en-US" noProof="0" dirty="0"/>
           </a:p>
@@ -26545,7 +27239,7 @@
 </p:sld>
 </file>
 
-<file path=ppt/slides/slide31.xml><?xml version="1.0" encoding="utf-8"?>
+<file path=ppt/slides/slide32.xml><?xml version="1.0" encoding="utf-8"?>
 <p:sld xmlns:a="http://schemas.openxmlformats.org/drawingml/2006/main" xmlns:r="http://schemas.openxmlformats.org/officeDocument/2006/relationships" xmlns:p="http://schemas.openxmlformats.org/presentationml/2006/main">
   <p:cSld>
     <p:spTree>
@@ -26728,7 +27422,7 @@
             <a:fld id="{2BF067CD-8E6B-4360-9AA8-C5DF2A48A6D1}" type="slidenum">
               <a:rPr lang="en-US" noProof="0" smtClean="0"/>
               <a:pPr/>
-              <a:t>31</a:t>
+              <a:t>32</a:t>
             </a:fld>
             <a:endParaRPr lang="en-US" noProof="0" dirty="0"/>
           </a:p>
@@ -26834,7 +27528,7 @@
 </p:sld>
 </file>
 
-<file path=ppt/slides/slide32.xml><?xml version="1.0" encoding="utf-8"?>
+<file path=ppt/slides/slide33.xml><?xml version="1.0" encoding="utf-8"?>
 <p:sld xmlns:a="http://schemas.openxmlformats.org/drawingml/2006/main" xmlns:r="http://schemas.openxmlformats.org/officeDocument/2006/relationships" xmlns:p="http://schemas.openxmlformats.org/presentationml/2006/main">
   <p:cSld>
     <p:spTree>
@@ -27447,7 +28141,7 @@
             <a:fld id="{2BF067CD-8E6B-4360-9AA8-C5DF2A48A6D1}" type="slidenum">
               <a:rPr lang="en-US" noProof="0" smtClean="0"/>
               <a:pPr/>
-              <a:t>32</a:t>
+              <a:t>33</a:t>
             </a:fld>
             <a:endParaRPr lang="en-US" noProof="0" dirty="0"/>
           </a:p>
@@ -27829,7 +28523,7 @@
 </p:sld>
 </file>
 
-<file path=ppt/slides/slide33.xml><?xml version="1.0" encoding="utf-8"?>
+<file path=ppt/slides/slide34.xml><?xml version="1.0" encoding="utf-8"?>
 <p:sld xmlns:a="http://schemas.openxmlformats.org/drawingml/2006/main" xmlns:r="http://schemas.openxmlformats.org/officeDocument/2006/relationships" xmlns:p="http://schemas.openxmlformats.org/presentationml/2006/main">
   <p:cSld>
     <p:spTree>
@@ -28019,7 +28713,7 @@
 </p:sld>
 </file>
 
-<file path=ppt/slides/slide34.xml><?xml version="1.0" encoding="utf-8"?>
+<file path=ppt/slides/slide35.xml><?xml version="1.0" encoding="utf-8"?>
 <p:sld xmlns:a="http://schemas.openxmlformats.org/drawingml/2006/main" xmlns:r="http://schemas.openxmlformats.org/officeDocument/2006/relationships" xmlns:p="http://schemas.openxmlformats.org/presentationml/2006/main">
   <p:cSld>
     <p:spTree>
@@ -28375,7 +29069,7 @@
             <a:fld id="{2BF067CD-8E6B-4360-9AA8-C5DF2A48A6D1}" type="slidenum">
               <a:rPr lang="en-US" noProof="0" smtClean="0"/>
               <a:pPr/>
-              <a:t>34</a:t>
+              <a:t>35</a:t>
             </a:fld>
             <a:endParaRPr lang="en-US" noProof="0" dirty="0"/>
           </a:p>

--- a/Courses/Software-Sciences/Module-3-Databases-New/02-DBMS/02-DBMS.pptx
+++ b/Courses/Software-Sciences/Module-3-Databases-New/02-DBMS/02-DBMS.pptx
@@ -516,7 +516,7 @@
           <a:p>
             <a:fld id="{4E087215-0C8F-4762-A664-737A353EC9A4}" type="datetimeFigureOut">
               <a:rPr lang="bg-BG" smtClean="0"/>
-              <a:t>26.2.2024 г.</a:t>
+              <a:t>30.3.2024 г.</a:t>
             </a:fld>
             <a:endParaRPr lang="bg-BG"/>
           </a:p>
@@ -712,7 +712,7 @@
           <a:p>
             <a:fld id="{72D84649-876A-46C9-8472-14CB09C070D8}" type="datetimeFigureOut">
               <a:rPr lang="en-US" smtClean="0"/>
-              <a:t>2/26/2024</a:t>
+              <a:t>3/30/2024</a:t>
             </a:fld>
             <a:endParaRPr lang="en-US"/>
           </a:p>
@@ -18753,7 +18753,7 @@
               </a:rPr>
               <a:t>пример</a:t>
             </a:r>
-            <a:endParaRPr lang="x-none"/>
+            <a:endParaRPr lang="x-none" dirty="0"/>
           </a:p>
         </p:txBody>
       </p:sp>
@@ -24287,53 +24287,6 @@
           <a:chExt cx="0" cy="0"/>
         </a:xfrm>
       </p:grpSpPr>
-      <p:pic>
-        <p:nvPicPr>
-          <p:cNvPr id="3082" name="Picture 10" descr="Ð ÐµÐ·ÑÐ»ÑÐ°Ñ Ñ Ð¸Ð·Ð¾Ð±ÑÐ°Ð¶ÐµÐ½Ð¸Ðµ Ð·Ð° sql server png">
-            <a:extLst>
-              <a:ext uri="{FF2B5EF4-FFF2-40B4-BE49-F238E27FC236}">
-                <a16:creationId xmlns:a16="http://schemas.microsoft.com/office/drawing/2014/main" id="{D87D64C2-9B46-41DD-97B7-0B78DBF62D17}"/>
-              </a:ext>
-            </a:extLst>
-          </p:cNvPr>
-          <p:cNvPicPr>
-            <a:picLocks noChangeAspect="1" noChangeArrowheads="1"/>
-          </p:cNvPicPr>
-          <p:nvPr/>
-        </p:nvPicPr>
-        <p:blipFill>
-          <a:blip r:embed="rId2" cstate="print">
-            <a:extLst>
-              <a:ext uri="{28A0092B-C50C-407E-A947-70E740481C1C}">
-                <a14:useLocalDpi xmlns:a14="http://schemas.microsoft.com/office/drawing/2010/main" val="0"/>
-              </a:ext>
-            </a:extLst>
-          </a:blip>
-          <a:srcRect/>
-          <a:stretch>
-            <a:fillRect/>
-          </a:stretch>
-        </p:blipFill>
-        <p:spPr bwMode="auto">
-          <a:xfrm>
-            <a:off x="4647372" y="1237422"/>
-            <a:ext cx="2897256" cy="2897256"/>
-          </a:xfrm>
-          <a:prstGeom prst="rect">
-            <a:avLst/>
-          </a:prstGeom>
-          <a:noFill/>
-          <a:extLst>
-            <a:ext uri="{909E8E84-426E-40DD-AFC4-6F175D3DCCD1}">
-              <a14:hiddenFill xmlns:a14="http://schemas.microsoft.com/office/drawing/2010/main">
-                <a:solidFill>
-                  <a:srgbClr val="FFFFFF"/>
-                </a:solidFill>
-              </a14:hiddenFill>
-            </a:ext>
-          </a:extLst>
-        </p:spPr>
-      </p:pic>
       <p:sp>
         <p:nvSpPr>
           <p:cNvPr id="3" name="Заглавие 2">
@@ -24356,13 +24309,43 @@
           <a:lstStyle/>
           <a:p>
             <a:r>
-              <a:rPr lang="ru-RU"/>
+              <a:rPr lang="ru-RU" dirty="0"/>
               <a:t>Типове данни в SQL Server</a:t>
             </a:r>
-            <a:endParaRPr lang="bg-BG"/>
+            <a:endParaRPr lang="bg-BG" dirty="0"/>
           </a:p>
         </p:txBody>
       </p:sp>
+      <p:pic>
+        <p:nvPicPr>
+          <p:cNvPr id="4" name="Picture 3">
+            <a:extLst>
+              <a:ext uri="{FF2B5EF4-FFF2-40B4-BE49-F238E27FC236}">
+                <a16:creationId xmlns:a16="http://schemas.microsoft.com/office/drawing/2014/main" id="{EE97C4C6-7D49-0A5E-2E38-DDD9BE719ED8}"/>
+              </a:ext>
+            </a:extLst>
+          </p:cNvPr>
+          <p:cNvPicPr>
+            <a:picLocks noChangeAspect="1"/>
+          </p:cNvPicPr>
+          <p:nvPr/>
+        </p:nvPicPr>
+        <p:blipFill>
+          <a:blip r:embed="rId2"/>
+          <a:stretch>
+            <a:fillRect/>
+          </a:stretch>
+        </p:blipFill>
+        <p:spPr>
+          <a:xfrm>
+            <a:off x="4822854" y="1629000"/>
+            <a:ext cx="2546292" cy="2030377"/>
+          </a:xfrm>
+          <a:prstGeom prst="rect">
+            <a:avLst/>
+          </a:prstGeom>
+        </p:spPr>
+      </p:pic>
     </p:spTree>
     <p:extLst>
       <p:ext uri="{BB962C8B-B14F-4D97-AF65-F5344CB8AC3E}">

--- a/Courses/Software-Sciences/Module-3-Databases-New/02-DBMS/02-DBMS.pptx
+++ b/Courses/Software-Sciences/Module-3-Databases-New/02-DBMS/02-DBMS.pptx
@@ -5,10 +5,10 @@
     <p:sldMasterId id="2147483675" r:id="rId1"/>
   </p:sldMasterIdLst>
   <p:notesMasterIdLst>
-    <p:notesMasterId r:id="rId36"/>
+    <p:notesMasterId r:id="rId37"/>
   </p:notesMasterIdLst>
   <p:handoutMasterIdLst>
-    <p:handoutMasterId r:id="rId37"/>
+    <p:handoutMasterId r:id="rId38"/>
   </p:handoutMasterIdLst>
   <p:sldIdLst>
     <p:sldId id="627" r:id="rId2"/>
@@ -38,13 +38,14 @@
     <p:sldId id="1246" r:id="rId26"/>
     <p:sldId id="1240" r:id="rId27"/>
     <p:sldId id="1241" r:id="rId28"/>
-    <p:sldId id="1242" r:id="rId29"/>
-    <p:sldId id="1243" r:id="rId30"/>
-    <p:sldId id="1244" r:id="rId31"/>
-    <p:sldId id="1245" r:id="rId32"/>
-    <p:sldId id="349" r:id="rId33"/>
-    <p:sldId id="504" r:id="rId34"/>
-    <p:sldId id="505" r:id="rId35"/>
+    <p:sldId id="1249" r:id="rId29"/>
+    <p:sldId id="1242" r:id="rId30"/>
+    <p:sldId id="1243" r:id="rId31"/>
+    <p:sldId id="1244" r:id="rId32"/>
+    <p:sldId id="1245" r:id="rId33"/>
+    <p:sldId id="349" r:id="rId34"/>
+    <p:sldId id="504" r:id="rId35"/>
+    <p:sldId id="505" r:id="rId36"/>
   </p:sldIdLst>
   <p:sldSz cx="12192000" cy="6858000"/>
   <p:notesSz cx="6858000" cy="9144000"/>
@@ -195,6 +196,7 @@
             <p14:sldId id="1246"/>
             <p14:sldId id="1240"/>
             <p14:sldId id="1241"/>
+            <p14:sldId id="1249"/>
             <p14:sldId id="1242"/>
             <p14:sldId id="1243"/>
             <p14:sldId id="1244"/>
@@ -514,7 +516,7 @@
           <a:p>
             <a:fld id="{4E087215-0C8F-4762-A664-737A353EC9A4}" type="datetimeFigureOut">
               <a:rPr lang="bg-BG" smtClean="0"/>
-              <a:t>12.07.24 г.</a:t>
+              <a:t>13.07.24 г.</a:t>
             </a:fld>
             <a:endParaRPr lang="bg-BG"/>
           </a:p>
@@ -710,7 +712,7 @@
           <a:p>
             <a:fld id="{72D84649-876A-46C9-8472-14CB09C070D8}" type="datetimeFigureOut">
               <a:rPr lang="en-US" smtClean="0"/>
-              <a:t>7/12/24</a:t>
+              <a:t>7/13/24</a:t>
             </a:fld>
             <a:endParaRPr lang="en-US"/>
           </a:p>
@@ -2079,7 +2081,7 @@
           <a:p>
             <a:fld id="{2BF067CD-8E6B-4360-9AA8-C5DF2A48A6D1}" type="slidenum">
               <a:rPr lang="en-US" smtClean="0"/>
-              <a:t>31</a:t>
+              <a:t>32</a:t>
             </a:fld>
             <a:endParaRPr lang="en-US" dirty="0"/>
           </a:p>
@@ -2307,7 +2309,7 @@
             <a:fld id="{3EBA5BD7-F043-4D1B-AA17-CD412FC534DE}" type="slidenum">
               <a:rPr lang="en-US" smtClean="0"/>
               <a:pPr/>
-              <a:t>32</a:t>
+              <a:t>33</a:t>
             </a:fld>
             <a:endParaRPr lang="en-US" dirty="0"/>
           </a:p>
@@ -2553,7 +2555,7 @@
             <a:fld id="{3EBA5BD7-F043-4D1B-AA17-CD412FC534DE}" type="slidenum">
               <a:rPr lang="en-US" smtClean="0"/>
               <a:pPr/>
-              <a:t>33</a:t>
+              <a:t>34</a:t>
             </a:fld>
             <a:endParaRPr lang="en-US" dirty="0"/>
           </a:p>
@@ -2799,7 +2801,7 @@
             <a:fld id="{3EBA5BD7-F043-4D1B-AA17-CD412FC534DE}" type="slidenum">
               <a:rPr lang="en-US" smtClean="0"/>
               <a:pPr/>
-              <a:t>34</a:t>
+              <a:t>35</a:t>
             </a:fld>
             <a:endParaRPr lang="en-US" dirty="0"/>
           </a:p>
@@ -19393,11 +19395,11 @@
   <p:clrMapOvr>
     <a:masterClrMapping/>
   </p:clrMapOvr>
-  <mc:AlternateContent xmlns:mc="http://schemas.openxmlformats.org/markup-compatibility/2006">
-    <mc:Choice xmlns:p14="http://schemas.microsoft.com/office/powerpoint/2010/main" Requires="p14">
+  <mc:AlternateContent xmlns:mc="http://schemas.openxmlformats.org/markup-compatibility/2006" xmlns:p14="http://schemas.microsoft.com/office/powerpoint/2010/main">
+    <mc:Choice Requires="p14">
       <p:transition spd="slow" p14:dur="2000" advClick="0" advTm="5000"/>
     </mc:Choice>
-    <mc:Fallback>
+    <mc:Fallback xmlns="">
       <p:transition spd="slow" advClick="0" advTm="5000"/>
     </mc:Fallback>
   </mc:AlternateContent>
@@ -30630,6 +30632,141 @@
           <p:cNvPr id="2" name="Slide Number Placeholder 1">
             <a:extLst>
               <a:ext uri="{FF2B5EF4-FFF2-40B4-BE49-F238E27FC236}">
+                <a16:creationId xmlns:a16="http://schemas.microsoft.com/office/drawing/2014/main" id="{1232F7A3-2526-9FA5-E466-115495A89E4D}"/>
+              </a:ext>
+            </a:extLst>
+          </p:cNvPr>
+          <p:cNvSpPr>
+            <a:spLocks noGrp="1"/>
+          </p:cNvSpPr>
+          <p:nvPr>
+            <p:ph type="sldNum" sz="quarter" idx="5"/>
+          </p:nvPr>
+        </p:nvSpPr>
+        <p:spPr/>
+        <p:txBody>
+          <a:bodyPr/>
+          <a:lstStyle/>
+          <a:p>
+            <a:fld id="{2BF067CD-8E6B-4360-9AA8-C5DF2A48A6D1}" type="slidenum">
+              <a:rPr lang="en-US" noProof="0" smtClean="0"/>
+              <a:pPr/>
+              <a:t>28</a:t>
+            </a:fld>
+            <a:endParaRPr lang="en-US" noProof="0" dirty="0"/>
+          </a:p>
+        </p:txBody>
+      </p:sp>
+      <p:sp>
+        <p:nvSpPr>
+          <p:cNvPr id="3" name="Text Placeholder 2">
+            <a:extLst>
+              <a:ext uri="{FF2B5EF4-FFF2-40B4-BE49-F238E27FC236}">
+                <a16:creationId xmlns:a16="http://schemas.microsoft.com/office/drawing/2014/main" id="{99B5DC0D-4E95-D544-1555-5DAF0F112F0F}"/>
+              </a:ext>
+            </a:extLst>
+          </p:cNvPr>
+          <p:cNvSpPr>
+            <a:spLocks noGrp="1"/>
+          </p:cNvSpPr>
+          <p:nvPr>
+            <p:ph type="body" sz="quarter" idx="10"/>
+          </p:nvPr>
+        </p:nvSpPr>
+        <p:spPr/>
+        <p:txBody>
+          <a:bodyPr/>
+          <a:lstStyle/>
+          <a:p>
+            <a:endParaRPr lang="bg-BG"/>
+          </a:p>
+        </p:txBody>
+      </p:sp>
+      <p:sp>
+        <p:nvSpPr>
+          <p:cNvPr id="4" name="Title 3">
+            <a:extLst>
+              <a:ext uri="{FF2B5EF4-FFF2-40B4-BE49-F238E27FC236}">
+                <a16:creationId xmlns:a16="http://schemas.microsoft.com/office/drawing/2014/main" id="{9FDE8B94-762E-F85D-D2B9-9DC9952CDA6C}"/>
+              </a:ext>
+            </a:extLst>
+          </p:cNvPr>
+          <p:cNvSpPr>
+            <a:spLocks noGrp="1"/>
+          </p:cNvSpPr>
+          <p:nvPr>
+            <p:ph type="title"/>
+          </p:nvPr>
+        </p:nvSpPr>
+        <p:spPr/>
+        <p:txBody>
+          <a:bodyPr>
+            <a:normAutofit fontScale="90000"/>
+          </a:bodyPr>
+          <a:lstStyle/>
+          <a:p>
+            <a:r>
+              <a:rPr lang="en-US" dirty="0">
+                <a:highlight>
+                  <a:srgbClr val="FFFF00"/>
+                </a:highlight>
+              </a:rPr>
+              <a:t>TODO: </a:t>
+            </a:r>
+            <a:r>
+              <a:rPr lang="bg-BG" dirty="0">
+                <a:highlight>
+                  <a:srgbClr val="FFFF00"/>
+                </a:highlight>
+              </a:rPr>
+              <a:t>Генерален слайд за абстракция + нивата</a:t>
+            </a:r>
+          </a:p>
+        </p:txBody>
+      </p:sp>
+    </p:spTree>
+    <p:extLst>
+      <p:ext uri="{BB962C8B-B14F-4D97-AF65-F5344CB8AC3E}">
+        <p14:creationId xmlns:p14="http://schemas.microsoft.com/office/powerpoint/2010/main" val="4077664000"/>
+      </p:ext>
+    </p:extLst>
+  </p:cSld>
+  <p:clrMapOvr>
+    <a:masterClrMapping/>
+  </p:clrMapOvr>
+  <mc:AlternateContent xmlns:mc="http://schemas.openxmlformats.org/markup-compatibility/2006" xmlns:p14="http://schemas.microsoft.com/office/powerpoint/2010/main">
+    <mc:Choice Requires="p14">
+      <p:transition spd="slow" p14:dur="2000" advClick="0" advTm="5000"/>
+    </mc:Choice>
+    <mc:Fallback xmlns="">
+      <p:transition spd="slow" advClick="0" advTm="5000"/>
+    </mc:Fallback>
+  </mc:AlternateContent>
+</p:sld>
+</file>
+
+<file path=ppt/slides/slide29.xml><?xml version="1.0" encoding="utf-8"?>
+<p:sld xmlns:a="http://schemas.openxmlformats.org/drawingml/2006/main" xmlns:r="http://schemas.openxmlformats.org/officeDocument/2006/relationships" xmlns:p="http://schemas.openxmlformats.org/presentationml/2006/main">
+  <p:cSld>
+    <p:spTree>
+      <p:nvGrpSpPr>
+        <p:cNvPr id="1" name=""/>
+        <p:cNvGrpSpPr/>
+        <p:nvPr/>
+      </p:nvGrpSpPr>
+      <p:grpSpPr>
+        <a:xfrm>
+          <a:off x="0" y="0"/>
+          <a:ext cx="0" cy="0"/>
+          <a:chOff x="0" y="0"/>
+          <a:chExt cx="0" cy="0"/>
+        </a:xfrm>
+      </p:grpSpPr>
+      <p:sp>
+        <p:nvSpPr>
+          <p:cNvPr id="2" name="Slide Number Placeholder 1">
+            <a:extLst>
+              <a:ext uri="{FF2B5EF4-FFF2-40B4-BE49-F238E27FC236}">
                 <a16:creationId xmlns:a16="http://schemas.microsoft.com/office/drawing/2014/main" id="{7CB31DE1-120F-22CA-806F-322BB16D6114}"/>
               </a:ext>
             </a:extLst>
@@ -30649,7 +30786,7 @@
             <a:fld id="{2BF067CD-8E6B-4360-9AA8-C5DF2A48A6D1}" type="slidenum">
               <a:rPr lang="en-US" noProof="0" smtClean="0"/>
               <a:pPr/>
-              <a:t>28</a:t>
+              <a:t>29</a:t>
             </a:fld>
             <a:endParaRPr lang="en-US" noProof="0" dirty="0"/>
           </a:p>
@@ -30982,380 +31119,6 @@
 </p:sld>
 </file>
 
-<file path=ppt/slides/slide29.xml><?xml version="1.0" encoding="utf-8"?>
-<p:sld xmlns:a="http://schemas.openxmlformats.org/drawingml/2006/main" xmlns:r="http://schemas.openxmlformats.org/officeDocument/2006/relationships" xmlns:p="http://schemas.openxmlformats.org/presentationml/2006/main">
-  <p:cSld>
-    <p:spTree>
-      <p:nvGrpSpPr>
-        <p:cNvPr id="1" name=""/>
-        <p:cNvGrpSpPr/>
-        <p:nvPr/>
-      </p:nvGrpSpPr>
-      <p:grpSpPr>
-        <a:xfrm>
-          <a:off x="0" y="0"/>
-          <a:ext cx="0" cy="0"/>
-          <a:chOff x="0" y="0"/>
-          <a:chExt cx="0" cy="0"/>
-        </a:xfrm>
-      </p:grpSpPr>
-      <p:sp>
-        <p:nvSpPr>
-          <p:cNvPr id="2" name="Slide Number Placeholder 1">
-            <a:extLst>
-              <a:ext uri="{FF2B5EF4-FFF2-40B4-BE49-F238E27FC236}">
-                <a16:creationId xmlns:a16="http://schemas.microsoft.com/office/drawing/2014/main" id="{A2C8208D-726E-A260-D421-D6ED7EDC65C2}"/>
-              </a:ext>
-            </a:extLst>
-          </p:cNvPr>
-          <p:cNvSpPr>
-            <a:spLocks noGrp="1"/>
-          </p:cNvSpPr>
-          <p:nvPr>
-            <p:ph type="sldNum" sz="quarter" idx="5"/>
-          </p:nvPr>
-        </p:nvSpPr>
-        <p:spPr/>
-        <p:txBody>
-          <a:bodyPr/>
-          <a:lstStyle/>
-          <a:p>
-            <a:fld id="{2BF067CD-8E6B-4360-9AA8-C5DF2A48A6D1}" type="slidenum">
-              <a:rPr lang="en-US" noProof="0" smtClean="0"/>
-              <a:pPr/>
-              <a:t>29</a:t>
-            </a:fld>
-            <a:endParaRPr lang="en-US" noProof="0" dirty="0"/>
-          </a:p>
-        </p:txBody>
-      </p:sp>
-      <p:sp>
-        <p:nvSpPr>
-          <p:cNvPr id="3" name="Text Placeholder 2">
-            <a:extLst>
-              <a:ext uri="{FF2B5EF4-FFF2-40B4-BE49-F238E27FC236}">
-                <a16:creationId xmlns:a16="http://schemas.microsoft.com/office/drawing/2014/main" id="{CE5FEA2A-F128-8014-2E94-67C56C8C77E2}"/>
-              </a:ext>
-            </a:extLst>
-          </p:cNvPr>
-          <p:cNvSpPr>
-            <a:spLocks noGrp="1"/>
-          </p:cNvSpPr>
-          <p:nvPr>
-            <p:ph type="body" sz="quarter" idx="10"/>
-          </p:nvPr>
-        </p:nvSpPr>
-        <p:spPr/>
-        <p:txBody>
-          <a:bodyPr/>
-          <a:lstStyle/>
-          <a:p>
-            <a:r>
-              <a:rPr lang="ru-RU" dirty="0"/>
-              <a:t>Посредник между </a:t>
-            </a:r>
-            <a:r>
-              <a:rPr lang="ru-RU" b="1" dirty="0">
-                <a:solidFill>
-                  <a:schemeClr val="bg1"/>
-                </a:solidFill>
-              </a:rPr>
-              <a:t>външните</a:t>
-            </a:r>
-            <a:r>
-              <a:rPr lang="ru-RU" dirty="0"/>
-              <a:t> и </a:t>
-            </a:r>
-            <a:r>
-              <a:rPr lang="ru-RU" b="1" dirty="0">
-                <a:solidFill>
-                  <a:schemeClr val="bg1"/>
-                </a:solidFill>
-              </a:rPr>
-              <a:t>вътрешните</a:t>
-            </a:r>
-            <a:r>
-              <a:rPr lang="ru-RU" dirty="0"/>
-              <a:t> нива на </a:t>
-            </a:r>
-            <a:r>
-              <a:rPr lang="ru-RU" b="1" dirty="0"/>
-              <a:t>абстракция</a:t>
-            </a:r>
-          </a:p>
-          <a:p>
-            <a:r>
-              <a:rPr lang="ru-RU" dirty="0"/>
-              <a:t>Описва </a:t>
-            </a:r>
-            <a:r>
-              <a:rPr lang="ru-RU" b="1" dirty="0">
-                <a:solidFill>
-                  <a:schemeClr val="bg1"/>
-                </a:solidFill>
-              </a:rPr>
-              <a:t>структурата</a:t>
-            </a:r>
-            <a:r>
-              <a:rPr lang="ru-RU" dirty="0"/>
-              <a:t> на цялата </a:t>
-            </a:r>
-            <a:r>
-              <a:rPr lang="ru-RU" b="1" dirty="0">
-                <a:solidFill>
-                  <a:schemeClr val="bg1"/>
-                </a:solidFill>
-              </a:rPr>
-              <a:t>база данни</a:t>
-            </a:r>
-            <a:r>
-              <a:rPr lang="ru-RU" dirty="0">
-                <a:solidFill>
-                  <a:schemeClr val="bg1"/>
-                </a:solidFill>
-              </a:rPr>
-              <a:t> </a:t>
-            </a:r>
-            <a:r>
-              <a:rPr lang="ru-RU" dirty="0"/>
-              <a:t>за </a:t>
-            </a:r>
-            <a:r>
-              <a:rPr lang="ru-RU" b="1" dirty="0">
-                <a:solidFill>
-                  <a:schemeClr val="bg1"/>
-                </a:solidFill>
-              </a:rPr>
-              <a:t>всички</a:t>
-            </a:r>
-            <a:r>
-              <a:rPr lang="ru-RU" dirty="0"/>
-              <a:t> потребители</a:t>
-            </a:r>
-          </a:p>
-          <a:p>
-            <a:r>
-              <a:rPr lang="ru-RU" dirty="0"/>
-              <a:t>Определя какви </a:t>
-            </a:r>
-            <a:r>
-              <a:rPr lang="ru-RU" b="1" dirty="0">
-                <a:solidFill>
-                  <a:schemeClr val="bg1"/>
-                </a:solidFill>
-              </a:rPr>
-              <a:t>данни</a:t>
-            </a:r>
-            <a:r>
-              <a:rPr lang="ru-RU" dirty="0"/>
-              <a:t> се </a:t>
-            </a:r>
-            <a:r>
-              <a:rPr lang="ru-RU" b="1" dirty="0">
-                <a:solidFill>
-                  <a:schemeClr val="bg1"/>
-                </a:solidFill>
-              </a:rPr>
-              <a:t>съхраняват</a:t>
-            </a:r>
-            <a:r>
-              <a:rPr lang="ru-RU" dirty="0"/>
-              <a:t> в базата данни и </a:t>
-            </a:r>
-            <a:r>
-              <a:rPr lang="ru-RU" b="1" dirty="0">
-                <a:solidFill>
-                  <a:schemeClr val="bg1"/>
-                </a:solidFill>
-              </a:rPr>
-              <a:t>връзките</a:t>
-            </a:r>
-            <a:r>
-              <a:rPr lang="ru-RU" dirty="0"/>
-              <a:t> между тях, но без да влиза в детайли как точно тези данни се съхраняват физически</a:t>
-            </a:r>
-            <a:endParaRPr lang="en-US" dirty="0"/>
-          </a:p>
-        </p:txBody>
-      </p:sp>
-      <p:sp>
-        <p:nvSpPr>
-          <p:cNvPr id="4" name="Title 3">
-            <a:extLst>
-              <a:ext uri="{FF2B5EF4-FFF2-40B4-BE49-F238E27FC236}">
-                <a16:creationId xmlns:a16="http://schemas.microsoft.com/office/drawing/2014/main" id="{4636B1A0-5A39-1F5E-E211-8548A4FA8D09}"/>
-              </a:ext>
-            </a:extLst>
-          </p:cNvPr>
-          <p:cNvSpPr>
-            <a:spLocks noGrp="1"/>
-          </p:cNvSpPr>
-          <p:nvPr>
-            <p:ph type="title"/>
-          </p:nvPr>
-        </p:nvSpPr>
-        <p:spPr/>
-        <p:txBody>
-          <a:bodyPr/>
-          <a:lstStyle/>
-          <a:p>
-            <a:r>
-              <a:rPr lang="ru-RU" dirty="0"/>
-              <a:t>Концептуално ниво на абстракция</a:t>
-            </a:r>
-            <a:endParaRPr lang="en-US" dirty="0"/>
-          </a:p>
-        </p:txBody>
-      </p:sp>
-    </p:spTree>
-    <p:extLst>
-      <p:ext uri="{BB962C8B-B14F-4D97-AF65-F5344CB8AC3E}">
-        <p14:creationId xmlns:p14="http://schemas.microsoft.com/office/powerpoint/2010/main" val="1997393453"/>
-      </p:ext>
-    </p:extLst>
-  </p:cSld>
-  <p:clrMapOvr>
-    <a:masterClrMapping/>
-  </p:clrMapOvr>
-  <mc:AlternateContent xmlns:mc="http://schemas.openxmlformats.org/markup-compatibility/2006" xmlns:p14="http://schemas.microsoft.com/office/powerpoint/2010/main">
-    <mc:Choice Requires="p14">
-      <p:transition spd="slow" p14:dur="2000" advClick="0" advTm="5000"/>
-    </mc:Choice>
-    <mc:Fallback xmlns="">
-      <p:transition spd="slow" advClick="0" advTm="5000"/>
-    </mc:Fallback>
-  </mc:AlternateContent>
-  <p:timing>
-    <p:tnLst>
-      <p:par>
-        <p:cTn id="1" dur="indefinite" restart="never" nodeType="tmRoot">
-          <p:childTnLst>
-            <p:seq concurrent="1" nextAc="seek">
-              <p:cTn id="2" dur="indefinite" nodeType="mainSeq">
-                <p:childTnLst>
-                  <p:par>
-                    <p:cTn id="3" fill="hold">
-                      <p:stCondLst>
-                        <p:cond delay="indefinite"/>
-                      </p:stCondLst>
-                      <p:childTnLst>
-                        <p:par>
-                          <p:cTn id="4" fill="hold">
-                            <p:stCondLst>
-                              <p:cond delay="0"/>
-                            </p:stCondLst>
-                            <p:childTnLst>
-                              <p:par>
-                                <p:cTn id="5" presetID="1" presetClass="entr" presetSubtype="0" fill="hold" nodeType="clickEffect">
-                                  <p:stCondLst>
-                                    <p:cond delay="0"/>
-                                  </p:stCondLst>
-                                  <p:childTnLst>
-                                    <p:set>
-                                      <p:cBhvr>
-                                        <p:cTn id="6" dur="1" fill="hold">
-                                          <p:stCondLst>
-                                            <p:cond delay="0"/>
-                                          </p:stCondLst>
-                                        </p:cTn>
-                                        <p:tgtEl>
-                                          <p:spTgt spid="3">
-                                            <p:txEl>
-                                              <p:pRg st="1" end="1"/>
-                                            </p:txEl>
-                                          </p:spTgt>
-                                        </p:tgtEl>
-                                        <p:attrNameLst>
-                                          <p:attrName>style.visibility</p:attrName>
-                                        </p:attrNameLst>
-                                      </p:cBhvr>
-                                      <p:to>
-                                        <p:strVal val="visible"/>
-                                      </p:to>
-                                    </p:set>
-                                  </p:childTnLst>
-                                </p:cTn>
-                              </p:par>
-                            </p:childTnLst>
-                          </p:cTn>
-                        </p:par>
-                      </p:childTnLst>
-                    </p:cTn>
-                  </p:par>
-                  <p:par>
-                    <p:cTn id="7" fill="hold">
-                      <p:stCondLst>
-                        <p:cond delay="indefinite"/>
-                      </p:stCondLst>
-                      <p:childTnLst>
-                        <p:par>
-                          <p:cTn id="8" fill="hold">
-                            <p:stCondLst>
-                              <p:cond delay="0"/>
-                            </p:stCondLst>
-                            <p:childTnLst>
-                              <p:par>
-                                <p:cTn id="9" presetID="1" presetClass="entr" presetSubtype="0" fill="hold" nodeType="clickEffect">
-                                  <p:stCondLst>
-                                    <p:cond delay="0"/>
-                                  </p:stCondLst>
-                                  <p:childTnLst>
-                                    <p:set>
-                                      <p:cBhvr>
-                                        <p:cTn id="10" dur="1" fill="hold">
-                                          <p:stCondLst>
-                                            <p:cond delay="0"/>
-                                          </p:stCondLst>
-                                        </p:cTn>
-                                        <p:tgtEl>
-                                          <p:spTgt spid="3">
-                                            <p:txEl>
-                                              <p:pRg st="2" end="2"/>
-                                            </p:txEl>
-                                          </p:spTgt>
-                                        </p:tgtEl>
-                                        <p:attrNameLst>
-                                          <p:attrName>style.visibility</p:attrName>
-                                        </p:attrNameLst>
-                                      </p:cBhvr>
-                                      <p:to>
-                                        <p:strVal val="visible"/>
-                                      </p:to>
-                                    </p:set>
-                                  </p:childTnLst>
-                                </p:cTn>
-                              </p:par>
-                            </p:childTnLst>
-                          </p:cTn>
-                        </p:par>
-                      </p:childTnLst>
-                    </p:cTn>
-                  </p:par>
-                </p:childTnLst>
-              </p:cTn>
-              <p:prevCondLst>
-                <p:cond evt="onPrev" delay="0">
-                  <p:tgtEl>
-                    <p:sldTgt/>
-                  </p:tgtEl>
-                </p:cond>
-              </p:prevCondLst>
-              <p:nextCondLst>
-                <p:cond evt="onNext" delay="0">
-                  <p:tgtEl>
-                    <p:sldTgt/>
-                  </p:tgtEl>
-                </p:cond>
-              </p:nextCondLst>
-            </p:seq>
-          </p:childTnLst>
-        </p:cTn>
-      </p:par>
-    </p:tnLst>
-  </p:timing>
-</p:sld>
-</file>
-
 <file path=ppt/slides/slide3.xml><?xml version="1.0" encoding="utf-8"?>
 <p:sld xmlns:a="http://schemas.openxmlformats.org/drawingml/2006/main" xmlns:r="http://schemas.openxmlformats.org/officeDocument/2006/relationships" xmlns:p="http://schemas.openxmlformats.org/presentationml/2006/main">
   <p:cSld>
@@ -31513,7 +31276,7 @@
           <p:cNvPr id="2" name="Slide Number Placeholder 1">
             <a:extLst>
               <a:ext uri="{FF2B5EF4-FFF2-40B4-BE49-F238E27FC236}">
-                <a16:creationId xmlns:a16="http://schemas.microsoft.com/office/drawing/2014/main" id="{2F11ACC2-CBC7-7CCF-3FE2-CD8FB8D481AD}"/>
+                <a16:creationId xmlns:a16="http://schemas.microsoft.com/office/drawing/2014/main" id="{A2C8208D-726E-A260-D421-D6ED7EDC65C2}"/>
               </a:ext>
             </a:extLst>
           </p:cNvPr>
@@ -31543,7 +31306,7 @@
           <p:cNvPr id="3" name="Text Placeholder 2">
             <a:extLst>
               <a:ext uri="{FF2B5EF4-FFF2-40B4-BE49-F238E27FC236}">
-                <a16:creationId xmlns:a16="http://schemas.microsoft.com/office/drawing/2014/main" id="{C23E87E5-B8D6-025A-BBBE-20A1695B8E7F}"/>
+                <a16:creationId xmlns:a16="http://schemas.microsoft.com/office/drawing/2014/main" id="{CE5FEA2A-F128-8014-2E94-67C56C8C77E2}"/>
               </a:ext>
             </a:extLst>
           </p:cNvPr>
@@ -31559,22 +31322,21 @@
           <a:bodyPr/>
           <a:lstStyle/>
           <a:p>
-            <a:pPr>
-              <a:buClr>
-                <a:schemeClr val="tx1"/>
-              </a:buClr>
-            </a:pPr>
+            <a:r>
+              <a:rPr lang="ru-RU" dirty="0"/>
+              <a:t>Посредник между </a:t>
+            </a:r>
             <a:r>
               <a:rPr lang="ru-RU" b="1" dirty="0">
                 <a:solidFill>
                   <a:schemeClr val="bg1"/>
                 </a:solidFill>
               </a:rPr>
-              <a:t>Най-ниското</a:t>
+              <a:t>външните</a:t>
             </a:r>
             <a:r>
               <a:rPr lang="ru-RU" dirty="0"/>
-              <a:t> ниво и описва </a:t>
+              <a:t> и </a:t>
             </a:r>
             <a:r>
               <a:rPr lang="ru-RU" b="1" dirty="0">
@@ -31582,17 +31344,21 @@
                   <a:schemeClr val="bg1"/>
                 </a:solidFill>
               </a:rPr>
-              <a:t>физическото</a:t>
+              <a:t>вътрешните</a:t>
             </a:r>
             <a:r>
               <a:rPr lang="ru-RU" dirty="0"/>
-              <a:t> съхранение на данните в базата</a:t>
+              <a:t> нива на </a:t>
+            </a:r>
+            <a:r>
+              <a:rPr lang="ru-RU" b="1" dirty="0"/>
+              <a:t>абстракция</a:t>
             </a:r>
           </a:p>
           <a:p>
             <a:r>
               <a:rPr lang="ru-RU" dirty="0"/>
-              <a:t>Включва </a:t>
+              <a:t>Описва </a:t>
             </a:r>
             <a:r>
               <a:rPr lang="ru-RU" b="1" dirty="0">
@@ -31600,73 +31366,49 @@
                   <a:schemeClr val="bg1"/>
                 </a:solidFill>
               </a:rPr>
-              <a:t>физическите</a:t>
+              <a:t>структурата</a:t>
             </a:r>
             <a:r>
               <a:rPr lang="ru-RU" dirty="0"/>
+              <a:t> на цялата </a:t>
+            </a:r>
+            <a:r>
+              <a:rPr lang="ru-RU" b="1" dirty="0">
+                <a:solidFill>
+                  <a:schemeClr val="bg1"/>
+                </a:solidFill>
+              </a:rPr>
+              <a:t>база данни</a:t>
+            </a:r>
+            <a:r>
+              <a:rPr lang="ru-RU" dirty="0">
+                <a:solidFill>
+                  <a:schemeClr val="bg1"/>
+                </a:solidFill>
+              </a:rPr>
               <a:t> </a:t>
             </a:r>
             <a:r>
+              <a:rPr lang="ru-RU" dirty="0"/>
+              <a:t>за </a:t>
+            </a:r>
+            <a:r>
               <a:rPr lang="ru-RU" b="1" dirty="0">
                 <a:solidFill>
                   <a:schemeClr val="bg1"/>
                 </a:solidFill>
               </a:rPr>
-              <a:t>пътища</a:t>
+              <a:t>всички</a:t>
             </a:r>
             <a:r>
               <a:rPr lang="ru-RU" dirty="0"/>
-              <a:t> за достъп до данните, както и </a:t>
-            </a:r>
-            <a:r>
-              <a:rPr lang="ru-RU" b="1" dirty="0">
-                <a:solidFill>
-                  <a:schemeClr val="bg1"/>
-                </a:solidFill>
-              </a:rPr>
-              <a:t>структурите</a:t>
-            </a:r>
-            <a:r>
-              <a:rPr lang="ru-RU" dirty="0"/>
-              <a:t> за </a:t>
-            </a:r>
-            <a:r>
-              <a:rPr lang="ru-RU" b="1" dirty="0">
-                <a:solidFill>
-                  <a:schemeClr val="bg1"/>
-                </a:solidFill>
-              </a:rPr>
-              <a:t>съхранение</a:t>
-            </a:r>
-            <a:r>
-              <a:rPr lang="ru-RU" dirty="0"/>
-              <a:t> като </a:t>
-            </a:r>
-            <a:r>
-              <a:rPr lang="ru-RU" b="1" dirty="0">
-                <a:solidFill>
-                  <a:schemeClr val="bg1"/>
-                </a:solidFill>
-              </a:rPr>
-              <a:t>индекси</a:t>
-            </a:r>
-            <a:r>
-              <a:rPr lang="ru-RU" dirty="0"/>
-              <a:t> и </a:t>
-            </a:r>
-            <a:r>
-              <a:rPr lang="ru-RU" b="1" dirty="0">
-                <a:solidFill>
-                  <a:schemeClr val="bg1"/>
-                </a:solidFill>
-              </a:rPr>
-              <a:t>хеш-таблиците</a:t>
+              <a:t> потребители</a:t>
             </a:r>
           </a:p>
           <a:p>
             <a:r>
               <a:rPr lang="ru-RU" dirty="0"/>
-              <a:t>Занимава се с </a:t>
+              <a:t>Определя какви </a:t>
             </a:r>
             <a:r>
               <a:rPr lang="ru-RU" b="1" dirty="0">
@@ -31674,11 +31416,11 @@
                   <a:schemeClr val="bg1"/>
                 </a:solidFill>
               </a:rPr>
-              <a:t>оптимизирането</a:t>
+              <a:t>данни</a:t>
             </a:r>
             <a:r>
               <a:rPr lang="ru-RU" dirty="0"/>
-              <a:t> на </a:t>
+              <a:t> се </a:t>
             </a:r>
             <a:r>
               <a:rPr lang="ru-RU" b="1" dirty="0">
@@ -31686,11 +31428,23 @@
                   <a:schemeClr val="bg1"/>
                 </a:solidFill>
               </a:rPr>
-              <a:t>производителността</a:t>
+              <a:t>съхраняват</a:t>
             </a:r>
             <a:r>
               <a:rPr lang="ru-RU" dirty="0"/>
-              <a:t> на базата данни и ефективното използване на хардуерните ресурси</a:t>
+              <a:t> в базата данни и </a:t>
+            </a:r>
+            <a:r>
+              <a:rPr lang="ru-RU" b="1" dirty="0">
+                <a:solidFill>
+                  <a:schemeClr val="bg1"/>
+                </a:solidFill>
+              </a:rPr>
+              <a:t>връзките</a:t>
+            </a:r>
+            <a:r>
+              <a:rPr lang="ru-RU" dirty="0"/>
+              <a:t> между тях, но без да влиза в детайли как точно тези данни се съхраняват физически</a:t>
             </a:r>
             <a:endParaRPr lang="en-US" dirty="0"/>
           </a:p>
@@ -31701,7 +31455,7 @@
           <p:cNvPr id="4" name="Title 3">
             <a:extLst>
               <a:ext uri="{FF2B5EF4-FFF2-40B4-BE49-F238E27FC236}">
-                <a16:creationId xmlns:a16="http://schemas.microsoft.com/office/drawing/2014/main" id="{B2FD16A3-DD6C-BDE3-0511-9915CA54EB25}"/>
+                <a16:creationId xmlns:a16="http://schemas.microsoft.com/office/drawing/2014/main" id="{4636B1A0-5A39-1F5E-E211-8548A4FA8D09}"/>
               </a:ext>
             </a:extLst>
           </p:cNvPr>
@@ -31718,18 +31472,8 @@
           <a:lstStyle/>
           <a:p>
             <a:r>
-              <a:rPr lang="ru-RU" b="1" i="0" dirty="0">
-                <a:solidFill>
-                  <a:srgbClr val="ECECEC"/>
-                </a:solidFill>
-                <a:effectLst/>
-                <a:latin typeface="Söhne"/>
-              </a:rPr>
-              <a:t>Вътрешно</a:t>
-            </a:r>
-            <a:r>
               <a:rPr lang="ru-RU" dirty="0"/>
-              <a:t> ниво на абстракция</a:t>
+              <a:t>Концептуално ниво на абстракция</a:t>
             </a:r>
             <a:endParaRPr lang="en-US" dirty="0"/>
           </a:p>
@@ -31738,7 +31482,7 @@
     </p:spTree>
     <p:extLst>
       <p:ext uri="{BB962C8B-B14F-4D97-AF65-F5344CB8AC3E}">
-        <p14:creationId xmlns:p14="http://schemas.microsoft.com/office/powerpoint/2010/main" val="2066620584"/>
+        <p14:creationId xmlns:p14="http://schemas.microsoft.com/office/powerpoint/2010/main" val="1997393453"/>
       </p:ext>
     </p:extLst>
   </p:cSld>
@@ -31906,6 +31650,399 @@
           <p:cNvPr id="2" name="Slide Number Placeholder 1">
             <a:extLst>
               <a:ext uri="{FF2B5EF4-FFF2-40B4-BE49-F238E27FC236}">
+                <a16:creationId xmlns:a16="http://schemas.microsoft.com/office/drawing/2014/main" id="{2F11ACC2-CBC7-7CCF-3FE2-CD8FB8D481AD}"/>
+              </a:ext>
+            </a:extLst>
+          </p:cNvPr>
+          <p:cNvSpPr>
+            <a:spLocks noGrp="1"/>
+          </p:cNvSpPr>
+          <p:nvPr>
+            <p:ph type="sldNum" sz="quarter" idx="5"/>
+          </p:nvPr>
+        </p:nvSpPr>
+        <p:spPr/>
+        <p:txBody>
+          <a:bodyPr/>
+          <a:lstStyle/>
+          <a:p>
+            <a:fld id="{2BF067CD-8E6B-4360-9AA8-C5DF2A48A6D1}" type="slidenum">
+              <a:rPr lang="en-US" noProof="0" smtClean="0"/>
+              <a:pPr/>
+              <a:t>31</a:t>
+            </a:fld>
+            <a:endParaRPr lang="en-US" noProof="0" dirty="0"/>
+          </a:p>
+        </p:txBody>
+      </p:sp>
+      <p:sp>
+        <p:nvSpPr>
+          <p:cNvPr id="3" name="Text Placeholder 2">
+            <a:extLst>
+              <a:ext uri="{FF2B5EF4-FFF2-40B4-BE49-F238E27FC236}">
+                <a16:creationId xmlns:a16="http://schemas.microsoft.com/office/drawing/2014/main" id="{C23E87E5-B8D6-025A-BBBE-20A1695B8E7F}"/>
+              </a:ext>
+            </a:extLst>
+          </p:cNvPr>
+          <p:cNvSpPr>
+            <a:spLocks noGrp="1"/>
+          </p:cNvSpPr>
+          <p:nvPr>
+            <p:ph type="body" sz="quarter" idx="10"/>
+          </p:nvPr>
+        </p:nvSpPr>
+        <p:spPr/>
+        <p:txBody>
+          <a:bodyPr/>
+          <a:lstStyle/>
+          <a:p>
+            <a:pPr>
+              <a:buClr>
+                <a:schemeClr val="tx1"/>
+              </a:buClr>
+            </a:pPr>
+            <a:r>
+              <a:rPr lang="ru-RU" b="1" dirty="0">
+                <a:solidFill>
+                  <a:schemeClr val="bg1"/>
+                </a:solidFill>
+              </a:rPr>
+              <a:t>Най-ниското</a:t>
+            </a:r>
+            <a:r>
+              <a:rPr lang="ru-RU" dirty="0"/>
+              <a:t> ниво и описва </a:t>
+            </a:r>
+            <a:r>
+              <a:rPr lang="ru-RU" b="1" dirty="0">
+                <a:solidFill>
+                  <a:schemeClr val="bg1"/>
+                </a:solidFill>
+              </a:rPr>
+              <a:t>физическото</a:t>
+            </a:r>
+            <a:r>
+              <a:rPr lang="ru-RU" dirty="0"/>
+              <a:t> съхранение на данните в базата</a:t>
+            </a:r>
+          </a:p>
+          <a:p>
+            <a:r>
+              <a:rPr lang="ru-RU" dirty="0"/>
+              <a:t>Включва </a:t>
+            </a:r>
+            <a:r>
+              <a:rPr lang="ru-RU" b="1" dirty="0">
+                <a:solidFill>
+                  <a:schemeClr val="bg1"/>
+                </a:solidFill>
+              </a:rPr>
+              <a:t>физическите</a:t>
+            </a:r>
+            <a:r>
+              <a:rPr lang="ru-RU" dirty="0"/>
+              <a:t> </a:t>
+            </a:r>
+            <a:r>
+              <a:rPr lang="ru-RU" b="1" dirty="0">
+                <a:solidFill>
+                  <a:schemeClr val="bg1"/>
+                </a:solidFill>
+              </a:rPr>
+              <a:t>пътища</a:t>
+            </a:r>
+            <a:r>
+              <a:rPr lang="ru-RU" dirty="0"/>
+              <a:t> за достъп до данните, както и </a:t>
+            </a:r>
+            <a:r>
+              <a:rPr lang="ru-RU" b="1" dirty="0">
+                <a:solidFill>
+                  <a:schemeClr val="bg1"/>
+                </a:solidFill>
+              </a:rPr>
+              <a:t>структурите</a:t>
+            </a:r>
+            <a:r>
+              <a:rPr lang="ru-RU" dirty="0"/>
+              <a:t> за </a:t>
+            </a:r>
+            <a:r>
+              <a:rPr lang="ru-RU" b="1" dirty="0">
+                <a:solidFill>
+                  <a:schemeClr val="bg1"/>
+                </a:solidFill>
+              </a:rPr>
+              <a:t>съхранение</a:t>
+            </a:r>
+            <a:r>
+              <a:rPr lang="ru-RU" dirty="0"/>
+              <a:t> като </a:t>
+            </a:r>
+            <a:r>
+              <a:rPr lang="ru-RU" b="1" dirty="0">
+                <a:solidFill>
+                  <a:schemeClr val="bg1"/>
+                </a:solidFill>
+              </a:rPr>
+              <a:t>индекси</a:t>
+            </a:r>
+            <a:r>
+              <a:rPr lang="ru-RU" dirty="0"/>
+              <a:t> и </a:t>
+            </a:r>
+            <a:r>
+              <a:rPr lang="ru-RU" b="1" dirty="0">
+                <a:solidFill>
+                  <a:schemeClr val="bg1"/>
+                </a:solidFill>
+              </a:rPr>
+              <a:t>хеш-таблиците</a:t>
+            </a:r>
+          </a:p>
+          <a:p>
+            <a:r>
+              <a:rPr lang="ru-RU" dirty="0"/>
+              <a:t>Занимава се с </a:t>
+            </a:r>
+            <a:r>
+              <a:rPr lang="ru-RU" b="1" dirty="0">
+                <a:solidFill>
+                  <a:schemeClr val="bg1"/>
+                </a:solidFill>
+              </a:rPr>
+              <a:t>оптимизирането</a:t>
+            </a:r>
+            <a:r>
+              <a:rPr lang="ru-RU" dirty="0"/>
+              <a:t> на </a:t>
+            </a:r>
+            <a:r>
+              <a:rPr lang="ru-RU" b="1" dirty="0">
+                <a:solidFill>
+                  <a:schemeClr val="bg1"/>
+                </a:solidFill>
+              </a:rPr>
+              <a:t>производителността</a:t>
+            </a:r>
+            <a:r>
+              <a:rPr lang="ru-RU" dirty="0"/>
+              <a:t> на базата данни и ефективното използване на хардуерните ресурси</a:t>
+            </a:r>
+            <a:endParaRPr lang="en-US" dirty="0"/>
+          </a:p>
+        </p:txBody>
+      </p:sp>
+      <p:sp>
+        <p:nvSpPr>
+          <p:cNvPr id="4" name="Title 3">
+            <a:extLst>
+              <a:ext uri="{FF2B5EF4-FFF2-40B4-BE49-F238E27FC236}">
+                <a16:creationId xmlns:a16="http://schemas.microsoft.com/office/drawing/2014/main" id="{B2FD16A3-DD6C-BDE3-0511-9915CA54EB25}"/>
+              </a:ext>
+            </a:extLst>
+          </p:cNvPr>
+          <p:cNvSpPr>
+            <a:spLocks noGrp="1"/>
+          </p:cNvSpPr>
+          <p:nvPr>
+            <p:ph type="title"/>
+          </p:nvPr>
+        </p:nvSpPr>
+        <p:spPr/>
+        <p:txBody>
+          <a:bodyPr/>
+          <a:lstStyle/>
+          <a:p>
+            <a:r>
+              <a:rPr lang="ru-RU" b="1" i="0" dirty="0">
+                <a:solidFill>
+                  <a:srgbClr val="ECECEC"/>
+                </a:solidFill>
+                <a:effectLst/>
+                <a:latin typeface="Söhne"/>
+              </a:rPr>
+              <a:t>Вътрешно</a:t>
+            </a:r>
+            <a:r>
+              <a:rPr lang="ru-RU" dirty="0"/>
+              <a:t> ниво на абстракция</a:t>
+            </a:r>
+            <a:endParaRPr lang="en-US" dirty="0"/>
+          </a:p>
+        </p:txBody>
+      </p:sp>
+    </p:spTree>
+    <p:extLst>
+      <p:ext uri="{BB962C8B-B14F-4D97-AF65-F5344CB8AC3E}">
+        <p14:creationId xmlns:p14="http://schemas.microsoft.com/office/powerpoint/2010/main" val="2066620584"/>
+      </p:ext>
+    </p:extLst>
+  </p:cSld>
+  <p:clrMapOvr>
+    <a:masterClrMapping/>
+  </p:clrMapOvr>
+  <mc:AlternateContent xmlns:mc="http://schemas.openxmlformats.org/markup-compatibility/2006" xmlns:p14="http://schemas.microsoft.com/office/powerpoint/2010/main">
+    <mc:Choice Requires="p14">
+      <p:transition spd="slow" p14:dur="2000" advClick="0" advTm="5000"/>
+    </mc:Choice>
+    <mc:Fallback xmlns="">
+      <p:transition spd="slow" advClick="0" advTm="5000"/>
+    </mc:Fallback>
+  </mc:AlternateContent>
+  <p:timing>
+    <p:tnLst>
+      <p:par>
+        <p:cTn id="1" dur="indefinite" restart="never" nodeType="tmRoot">
+          <p:childTnLst>
+            <p:seq concurrent="1" nextAc="seek">
+              <p:cTn id="2" dur="indefinite" nodeType="mainSeq">
+                <p:childTnLst>
+                  <p:par>
+                    <p:cTn id="3" fill="hold">
+                      <p:stCondLst>
+                        <p:cond delay="indefinite"/>
+                      </p:stCondLst>
+                      <p:childTnLst>
+                        <p:par>
+                          <p:cTn id="4" fill="hold">
+                            <p:stCondLst>
+                              <p:cond delay="0"/>
+                            </p:stCondLst>
+                            <p:childTnLst>
+                              <p:par>
+                                <p:cTn id="5" presetID="1" presetClass="entr" presetSubtype="0" fill="hold" nodeType="clickEffect">
+                                  <p:stCondLst>
+                                    <p:cond delay="0"/>
+                                  </p:stCondLst>
+                                  <p:childTnLst>
+                                    <p:set>
+                                      <p:cBhvr>
+                                        <p:cTn id="6" dur="1" fill="hold">
+                                          <p:stCondLst>
+                                            <p:cond delay="0"/>
+                                          </p:stCondLst>
+                                        </p:cTn>
+                                        <p:tgtEl>
+                                          <p:spTgt spid="3">
+                                            <p:txEl>
+                                              <p:pRg st="1" end="1"/>
+                                            </p:txEl>
+                                          </p:spTgt>
+                                        </p:tgtEl>
+                                        <p:attrNameLst>
+                                          <p:attrName>style.visibility</p:attrName>
+                                        </p:attrNameLst>
+                                      </p:cBhvr>
+                                      <p:to>
+                                        <p:strVal val="visible"/>
+                                      </p:to>
+                                    </p:set>
+                                  </p:childTnLst>
+                                </p:cTn>
+                              </p:par>
+                            </p:childTnLst>
+                          </p:cTn>
+                        </p:par>
+                      </p:childTnLst>
+                    </p:cTn>
+                  </p:par>
+                  <p:par>
+                    <p:cTn id="7" fill="hold">
+                      <p:stCondLst>
+                        <p:cond delay="indefinite"/>
+                      </p:stCondLst>
+                      <p:childTnLst>
+                        <p:par>
+                          <p:cTn id="8" fill="hold">
+                            <p:stCondLst>
+                              <p:cond delay="0"/>
+                            </p:stCondLst>
+                            <p:childTnLst>
+                              <p:par>
+                                <p:cTn id="9" presetID="1" presetClass="entr" presetSubtype="0" fill="hold" nodeType="clickEffect">
+                                  <p:stCondLst>
+                                    <p:cond delay="0"/>
+                                  </p:stCondLst>
+                                  <p:childTnLst>
+                                    <p:set>
+                                      <p:cBhvr>
+                                        <p:cTn id="10" dur="1" fill="hold">
+                                          <p:stCondLst>
+                                            <p:cond delay="0"/>
+                                          </p:stCondLst>
+                                        </p:cTn>
+                                        <p:tgtEl>
+                                          <p:spTgt spid="3">
+                                            <p:txEl>
+                                              <p:pRg st="2" end="2"/>
+                                            </p:txEl>
+                                          </p:spTgt>
+                                        </p:tgtEl>
+                                        <p:attrNameLst>
+                                          <p:attrName>style.visibility</p:attrName>
+                                        </p:attrNameLst>
+                                      </p:cBhvr>
+                                      <p:to>
+                                        <p:strVal val="visible"/>
+                                      </p:to>
+                                    </p:set>
+                                  </p:childTnLst>
+                                </p:cTn>
+                              </p:par>
+                            </p:childTnLst>
+                          </p:cTn>
+                        </p:par>
+                      </p:childTnLst>
+                    </p:cTn>
+                  </p:par>
+                </p:childTnLst>
+              </p:cTn>
+              <p:prevCondLst>
+                <p:cond evt="onPrev" delay="0">
+                  <p:tgtEl>
+                    <p:sldTgt/>
+                  </p:tgtEl>
+                </p:cond>
+              </p:prevCondLst>
+              <p:nextCondLst>
+                <p:cond evt="onNext" delay="0">
+                  <p:tgtEl>
+                    <p:sldTgt/>
+                  </p:tgtEl>
+                </p:cond>
+              </p:nextCondLst>
+            </p:seq>
+          </p:childTnLst>
+        </p:cTn>
+      </p:par>
+    </p:tnLst>
+  </p:timing>
+</p:sld>
+</file>
+
+<file path=ppt/slides/slide32.xml><?xml version="1.0" encoding="utf-8"?>
+<p:sld xmlns:a="http://schemas.openxmlformats.org/drawingml/2006/main" xmlns:r="http://schemas.openxmlformats.org/officeDocument/2006/relationships" xmlns:p="http://schemas.openxmlformats.org/presentationml/2006/main">
+  <p:cSld>
+    <p:spTree>
+      <p:nvGrpSpPr>
+        <p:cNvPr id="1" name=""/>
+        <p:cNvGrpSpPr/>
+        <p:nvPr/>
+      </p:nvGrpSpPr>
+      <p:grpSpPr>
+        <a:xfrm>
+          <a:off x="0" y="0"/>
+          <a:ext cx="0" cy="0"/>
+          <a:chOff x="0" y="0"/>
+          <a:chExt cx="0" cy="0"/>
+        </a:xfrm>
+      </p:grpSpPr>
+      <p:sp>
+        <p:nvSpPr>
+          <p:cNvPr id="2" name="Slide Number Placeholder 1">
+            <a:extLst>
+              <a:ext uri="{FF2B5EF4-FFF2-40B4-BE49-F238E27FC236}">
                 <a16:creationId xmlns:a16="http://schemas.microsoft.com/office/drawing/2014/main" id="{5F9CB950-A36F-D9DC-0C30-BBBF27C89A37}"/>
               </a:ext>
             </a:extLst>
@@ -31925,7 +32062,7 @@
             <a:fld id="{2BF067CD-8E6B-4360-9AA8-C5DF2A48A6D1}" type="slidenum">
               <a:rPr lang="en-US" noProof="0" smtClean="0"/>
               <a:pPr/>
-              <a:t>31</a:t>
+              <a:t>32</a:t>
             </a:fld>
             <a:endParaRPr lang="en-US" noProof="0" dirty="0"/>
           </a:p>
@@ -32610,7 +32747,7 @@
 </p:sld>
 </file>
 
-<file path=ppt/slides/slide32.xml><?xml version="1.0" encoding="utf-8"?>
+<file path=ppt/slides/slide33.xml><?xml version="1.0" encoding="utf-8"?>
 <p:sld xmlns:a="http://schemas.openxmlformats.org/drawingml/2006/main" xmlns:r="http://schemas.openxmlformats.org/officeDocument/2006/relationships" xmlns:p="http://schemas.openxmlformats.org/presentationml/2006/main">
   <p:cSld>
     <p:spTree>
@@ -33230,7 +33367,7 @@
             <a:fld id="{2BF067CD-8E6B-4360-9AA8-C5DF2A48A6D1}" type="slidenum">
               <a:rPr lang="en-US" noProof="0" smtClean="0"/>
               <a:pPr/>
-              <a:t>32</a:t>
+              <a:t>33</a:t>
             </a:fld>
             <a:endParaRPr lang="en-US" noProof="0" dirty="0"/>
           </a:p>
@@ -33612,7 +33749,7 @@
 </p:sld>
 </file>
 
-<file path=ppt/slides/slide33.xml><?xml version="1.0" encoding="utf-8"?>
+<file path=ppt/slides/slide34.xml><?xml version="1.0" encoding="utf-8"?>
 <p:sld xmlns:a="http://schemas.openxmlformats.org/drawingml/2006/main" xmlns:r="http://schemas.openxmlformats.org/officeDocument/2006/relationships" xmlns:p="http://schemas.openxmlformats.org/presentationml/2006/main">
   <p:cSld>
     <p:spTree>
@@ -33802,7 +33939,7 @@
 </p:sld>
 </file>
 
-<file path=ppt/slides/slide34.xml><?xml version="1.0" encoding="utf-8"?>
+<file path=ppt/slides/slide35.xml><?xml version="1.0" encoding="utf-8"?>
 <p:sld xmlns:a="http://schemas.openxmlformats.org/drawingml/2006/main" xmlns:r="http://schemas.openxmlformats.org/officeDocument/2006/relationships" xmlns:p="http://schemas.openxmlformats.org/presentationml/2006/main" show="0">
   <p:cSld>
     <p:spTree>
@@ -34158,7 +34295,7 @@
             <a:fld id="{2BF067CD-8E6B-4360-9AA8-C5DF2A48A6D1}" type="slidenum">
               <a:rPr lang="en-US" noProof="0" smtClean="0"/>
               <a:pPr/>
-              <a:t>34</a:t>
+              <a:t>35</a:t>
             </a:fld>
             <a:endParaRPr lang="en-US" noProof="0" dirty="0"/>
           </a:p>
@@ -34174,11 +34311,11 @@
   <p:clrMapOvr>
     <a:masterClrMapping/>
   </p:clrMapOvr>
-  <mc:AlternateContent xmlns:mc="http://schemas.openxmlformats.org/markup-compatibility/2006">
-    <mc:Choice xmlns:p14="http://schemas.microsoft.com/office/powerpoint/2010/main" Requires="p14">
+  <mc:AlternateContent xmlns:mc="http://schemas.openxmlformats.org/markup-compatibility/2006" xmlns:p14="http://schemas.microsoft.com/office/powerpoint/2010/main">
+    <mc:Choice Requires="p14">
       <p:transition spd="slow" p14:dur="2000" advClick="0" advTm="5000"/>
     </mc:Choice>
-    <mc:Fallback>
+    <mc:Fallback xmlns="">
       <p:transition spd="slow" advClick="0" advTm="5000"/>
     </mc:Fallback>
   </mc:AlternateContent>

--- a/Courses/Software-Sciences/Module-3-Databases-New/02-DBMS/02-DBMS.pptx
+++ b/Courses/Software-Sciences/Module-3-Databases-New/02-DBMS/02-DBMS.pptx
@@ -516,7 +516,7 @@
           <a:p>
             <a:fld id="{4E087215-0C8F-4762-A664-737A353EC9A4}" type="datetimeFigureOut">
               <a:rPr lang="bg-BG" smtClean="0"/>
-              <a:t>13.07.24 г.</a:t>
+              <a:t>13.7.2024 г.</a:t>
             </a:fld>
             <a:endParaRPr lang="bg-BG"/>
           </a:p>
@@ -712,7 +712,7 @@
           <a:p>
             <a:fld id="{72D84649-876A-46C9-8472-14CB09C070D8}" type="datetimeFigureOut">
               <a:rPr lang="en-US" smtClean="0"/>
-              <a:t>7/13/24</a:t>
+              <a:t>7/13/2024</a:t>
             </a:fld>
             <a:endParaRPr lang="en-US"/>
           </a:p>
@@ -30675,10 +30675,132 @@
         </p:nvSpPr>
         <p:spPr/>
         <p:txBody>
-          <a:bodyPr/>
+          <a:bodyPr>
+            <a:normAutofit lnSpcReduction="10000"/>
+          </a:bodyPr>
           <a:lstStyle/>
           <a:p>
-            <a:endParaRPr lang="bg-BG"/>
+            <a:pPr>
+              <a:buClr>
+                <a:schemeClr val="tx1"/>
+              </a:buClr>
+            </a:pPr>
+            <a:r>
+              <a:rPr lang="ru-RU" b="1" dirty="0">
+                <a:solidFill>
+                  <a:schemeClr val="bg1"/>
+                </a:solidFill>
+              </a:rPr>
+              <a:t>Абстракцията</a:t>
+            </a:r>
+            <a:r>
+              <a:rPr lang="ru-RU" dirty="0"/>
+              <a:t> в системите за управление на бази данни е </a:t>
+            </a:r>
+            <a:r>
+              <a:rPr lang="ru-RU" b="1" dirty="0">
+                <a:solidFill>
+                  <a:schemeClr val="bg1"/>
+                </a:solidFill>
+              </a:rPr>
+              <a:t>ключова концепция</a:t>
+            </a:r>
+            <a:r>
+              <a:rPr lang="ru-RU" dirty="0"/>
+              <a:t>, която улеснява взаимодействието между потребителите и самите бази данни</a:t>
+            </a:r>
+          </a:p>
+          <a:p>
+            <a:pPr>
+              <a:buClr>
+                <a:schemeClr val="tx1"/>
+              </a:buClr>
+            </a:pPr>
+            <a:r>
+              <a:rPr lang="ru-RU" b="1" dirty="0">
+                <a:solidFill>
+                  <a:schemeClr val="bg1"/>
+                </a:solidFill>
+              </a:rPr>
+              <a:t>Скрива</a:t>
+            </a:r>
+            <a:r>
+              <a:rPr lang="ru-RU" dirty="0"/>
+              <a:t> сложността на физическото съхранение на данните</a:t>
+            </a:r>
+          </a:p>
+          <a:p>
+            <a:pPr>
+              <a:buClr>
+                <a:schemeClr val="tx1"/>
+              </a:buClr>
+            </a:pPr>
+            <a:r>
+              <a:rPr lang="ru-RU" b="1" dirty="0">
+                <a:solidFill>
+                  <a:schemeClr val="bg1"/>
+                </a:solidFill>
+              </a:rPr>
+              <a:t>Представя</a:t>
+            </a:r>
+            <a:r>
+              <a:rPr lang="ru-RU" dirty="0"/>
+              <a:t> само </a:t>
+            </a:r>
+            <a:r>
+              <a:rPr lang="ru-RU" b="1" dirty="0">
+                <a:solidFill>
+                  <a:schemeClr val="bg1"/>
+                </a:solidFill>
+              </a:rPr>
+              <a:t>необходимата</a:t>
+            </a:r>
+            <a:r>
+              <a:rPr lang="ru-RU" dirty="0"/>
+              <a:t> информация на различните </a:t>
+            </a:r>
+            <a:r>
+              <a:rPr lang="ru-RU" b="1" dirty="0">
+                <a:solidFill>
+                  <a:schemeClr val="bg1"/>
+                </a:solidFill>
+              </a:rPr>
+              <a:t>нива</a:t>
+            </a:r>
+          </a:p>
+          <a:p>
+            <a:pPr lvl="1">
+              <a:buClr>
+                <a:schemeClr val="tx1"/>
+              </a:buClr>
+            </a:pPr>
+            <a:r>
+              <a:rPr lang="ru-RU" b="1" dirty="0"/>
+              <a:t>Външно</a:t>
+            </a:r>
+          </a:p>
+          <a:p>
+            <a:pPr lvl="1">
+              <a:buClr>
+                <a:schemeClr val="tx1"/>
+              </a:buClr>
+            </a:pPr>
+            <a:r>
+              <a:rPr lang="ru-RU" b="1" dirty="0"/>
+              <a:t>Концептуално</a:t>
+            </a:r>
+          </a:p>
+          <a:p>
+            <a:pPr lvl="1">
+              <a:buClr>
+                <a:schemeClr val="tx1"/>
+              </a:buClr>
+            </a:pPr>
+            <a:r>
+              <a:rPr lang="ru-RU" b="1" dirty="0"/>
+              <a:t>Вътрешно</a:t>
+            </a:r>
+            <a:endParaRPr lang="bg-BG" b="1" dirty="0"/>
           </a:p>
         </p:txBody>
       </p:sp>
@@ -30701,25 +30823,13 @@
         <p:spPr/>
         <p:txBody>
           <a:bodyPr>
-            <a:normAutofit fontScale="90000"/>
+            <a:normAutofit/>
           </a:bodyPr>
           <a:lstStyle/>
           <a:p>
             <a:r>
-              <a:rPr lang="en-US" dirty="0">
-                <a:highlight>
-                  <a:srgbClr val="FFFF00"/>
-                </a:highlight>
-              </a:rPr>
-              <a:t>TODO: </a:t>
-            </a:r>
-            <a:r>
-              <a:rPr lang="bg-BG" dirty="0">
-                <a:highlight>
-                  <a:srgbClr val="FFFF00"/>
-                </a:highlight>
-              </a:rPr>
-              <a:t>Генерален слайд за абстракция + нивата</a:t>
+              <a:rPr lang="bg-BG" dirty="0"/>
+              <a:t>Абстракция в СУБД</a:t>
             </a:r>
           </a:p>
         </p:txBody>
@@ -30742,6 +30852,263 @@
       <p:transition spd="slow" advClick="0" advTm="5000"/>
     </mc:Fallback>
   </mc:AlternateContent>
+  <p:timing>
+    <p:tnLst>
+      <p:par>
+        <p:cTn id="1" dur="indefinite" restart="never" nodeType="tmRoot">
+          <p:childTnLst>
+            <p:seq concurrent="1" nextAc="seek">
+              <p:cTn id="2" dur="indefinite" nodeType="mainSeq">
+                <p:childTnLst>
+                  <p:par>
+                    <p:cTn id="3" fill="hold">
+                      <p:stCondLst>
+                        <p:cond delay="indefinite"/>
+                      </p:stCondLst>
+                      <p:childTnLst>
+                        <p:par>
+                          <p:cTn id="4" fill="hold">
+                            <p:stCondLst>
+                              <p:cond delay="0"/>
+                            </p:stCondLst>
+                            <p:childTnLst>
+                              <p:par>
+                                <p:cTn id="5" presetID="1" presetClass="entr" presetSubtype="0" fill="hold" nodeType="clickEffect">
+                                  <p:stCondLst>
+                                    <p:cond delay="0"/>
+                                  </p:stCondLst>
+                                  <p:childTnLst>
+                                    <p:set>
+                                      <p:cBhvr>
+                                        <p:cTn id="6" dur="1" fill="hold">
+                                          <p:stCondLst>
+                                            <p:cond delay="0"/>
+                                          </p:stCondLst>
+                                        </p:cTn>
+                                        <p:tgtEl>
+                                          <p:spTgt spid="3">
+                                            <p:txEl>
+                                              <p:pRg st="1" end="1"/>
+                                            </p:txEl>
+                                          </p:spTgt>
+                                        </p:tgtEl>
+                                        <p:attrNameLst>
+                                          <p:attrName>style.visibility</p:attrName>
+                                        </p:attrNameLst>
+                                      </p:cBhvr>
+                                      <p:to>
+                                        <p:strVal val="visible"/>
+                                      </p:to>
+                                    </p:set>
+                                  </p:childTnLst>
+                                </p:cTn>
+                              </p:par>
+                            </p:childTnLst>
+                          </p:cTn>
+                        </p:par>
+                      </p:childTnLst>
+                    </p:cTn>
+                  </p:par>
+                  <p:par>
+                    <p:cTn id="7" fill="hold">
+                      <p:stCondLst>
+                        <p:cond delay="indefinite"/>
+                      </p:stCondLst>
+                      <p:childTnLst>
+                        <p:par>
+                          <p:cTn id="8" fill="hold">
+                            <p:stCondLst>
+                              <p:cond delay="0"/>
+                            </p:stCondLst>
+                            <p:childTnLst>
+                              <p:par>
+                                <p:cTn id="9" presetID="1" presetClass="entr" presetSubtype="0" fill="hold" nodeType="clickEffect">
+                                  <p:stCondLst>
+                                    <p:cond delay="0"/>
+                                  </p:stCondLst>
+                                  <p:childTnLst>
+                                    <p:set>
+                                      <p:cBhvr>
+                                        <p:cTn id="10" dur="1" fill="hold">
+                                          <p:stCondLst>
+                                            <p:cond delay="0"/>
+                                          </p:stCondLst>
+                                        </p:cTn>
+                                        <p:tgtEl>
+                                          <p:spTgt spid="3">
+                                            <p:txEl>
+                                              <p:pRg st="2" end="2"/>
+                                            </p:txEl>
+                                          </p:spTgt>
+                                        </p:tgtEl>
+                                        <p:attrNameLst>
+                                          <p:attrName>style.visibility</p:attrName>
+                                        </p:attrNameLst>
+                                      </p:cBhvr>
+                                      <p:to>
+                                        <p:strVal val="visible"/>
+                                      </p:to>
+                                    </p:set>
+                                  </p:childTnLst>
+                                </p:cTn>
+                              </p:par>
+                              <p:par>
+                                <p:cTn id="11" presetID="1" presetClass="entr" presetSubtype="0" fill="hold" nodeType="withEffect">
+                                  <p:stCondLst>
+                                    <p:cond delay="0"/>
+                                  </p:stCondLst>
+                                  <p:childTnLst>
+                                    <p:set>
+                                      <p:cBhvr>
+                                        <p:cTn id="12" dur="1" fill="hold">
+                                          <p:stCondLst>
+                                            <p:cond delay="0"/>
+                                          </p:stCondLst>
+                                        </p:cTn>
+                                        <p:tgtEl>
+                                          <p:spTgt spid="3">
+                                            <p:txEl>
+                                              <p:pRg st="3" end="3"/>
+                                            </p:txEl>
+                                          </p:spTgt>
+                                        </p:tgtEl>
+                                        <p:attrNameLst>
+                                          <p:attrName>style.visibility</p:attrName>
+                                        </p:attrNameLst>
+                                      </p:cBhvr>
+                                      <p:to>
+                                        <p:strVal val="visible"/>
+                                      </p:to>
+                                    </p:set>
+                                  </p:childTnLst>
+                                </p:cTn>
+                              </p:par>
+                            </p:childTnLst>
+                          </p:cTn>
+                        </p:par>
+                      </p:childTnLst>
+                    </p:cTn>
+                  </p:par>
+                  <p:par>
+                    <p:cTn id="13" fill="hold">
+                      <p:stCondLst>
+                        <p:cond delay="indefinite"/>
+                      </p:stCondLst>
+                      <p:childTnLst>
+                        <p:par>
+                          <p:cTn id="14" fill="hold">
+                            <p:stCondLst>
+                              <p:cond delay="0"/>
+                            </p:stCondLst>
+                            <p:childTnLst>
+                              <p:par>
+                                <p:cTn id="15" presetID="1" presetClass="entr" presetSubtype="0" fill="hold" nodeType="clickEffect">
+                                  <p:stCondLst>
+                                    <p:cond delay="0"/>
+                                  </p:stCondLst>
+                                  <p:childTnLst>
+                                    <p:set>
+                                      <p:cBhvr>
+                                        <p:cTn id="16" dur="1" fill="hold">
+                                          <p:stCondLst>
+                                            <p:cond delay="0"/>
+                                          </p:stCondLst>
+                                        </p:cTn>
+                                        <p:tgtEl>
+                                          <p:spTgt spid="3">
+                                            <p:txEl>
+                                              <p:pRg st="4" end="4"/>
+                                            </p:txEl>
+                                          </p:spTgt>
+                                        </p:tgtEl>
+                                        <p:attrNameLst>
+                                          <p:attrName>style.visibility</p:attrName>
+                                        </p:attrNameLst>
+                                      </p:cBhvr>
+                                      <p:to>
+                                        <p:strVal val="visible"/>
+                                      </p:to>
+                                    </p:set>
+                                  </p:childTnLst>
+                                </p:cTn>
+                              </p:par>
+                            </p:childTnLst>
+                          </p:cTn>
+                        </p:par>
+                      </p:childTnLst>
+                    </p:cTn>
+                  </p:par>
+                  <p:par>
+                    <p:cTn id="17" fill="hold">
+                      <p:stCondLst>
+                        <p:cond delay="indefinite"/>
+                      </p:stCondLst>
+                      <p:childTnLst>
+                        <p:par>
+                          <p:cTn id="18" fill="hold">
+                            <p:stCondLst>
+                              <p:cond delay="0"/>
+                            </p:stCondLst>
+                            <p:childTnLst>
+                              <p:par>
+                                <p:cTn id="19" presetID="1" presetClass="entr" presetSubtype="0" fill="hold" nodeType="clickEffect">
+                                  <p:stCondLst>
+                                    <p:cond delay="0"/>
+                                  </p:stCondLst>
+                                  <p:childTnLst>
+                                    <p:set>
+                                      <p:cBhvr>
+                                        <p:cTn id="20" dur="1" fill="hold">
+                                          <p:stCondLst>
+                                            <p:cond delay="0"/>
+                                          </p:stCondLst>
+                                        </p:cTn>
+                                        <p:tgtEl>
+                                          <p:spTgt spid="3">
+                                            <p:txEl>
+                                              <p:pRg st="5" end="5"/>
+                                            </p:txEl>
+                                          </p:spTgt>
+                                        </p:tgtEl>
+                                        <p:attrNameLst>
+                                          <p:attrName>style.visibility</p:attrName>
+                                        </p:attrNameLst>
+                                      </p:cBhvr>
+                                      <p:to>
+                                        <p:strVal val="visible"/>
+                                      </p:to>
+                                    </p:set>
+                                  </p:childTnLst>
+                                </p:cTn>
+                              </p:par>
+                            </p:childTnLst>
+                          </p:cTn>
+                        </p:par>
+                      </p:childTnLst>
+                    </p:cTn>
+                  </p:par>
+                </p:childTnLst>
+              </p:cTn>
+              <p:prevCondLst>
+                <p:cond evt="onPrev" delay="0">
+                  <p:tgtEl>
+                    <p:sldTgt/>
+                  </p:tgtEl>
+                </p:cond>
+              </p:prevCondLst>
+              <p:nextCondLst>
+                <p:cond evt="onNext" delay="0">
+                  <p:tgtEl>
+                    <p:sldTgt/>
+                  </p:tgtEl>
+                </p:cond>
+              </p:nextCondLst>
+            </p:seq>
+          </p:childTnLst>
+        </p:cTn>
+      </p:par>
+    </p:tnLst>
+  </p:timing>
 </p:sld>
 </file>
 

--- a/Courses/Software-Sciences/Module-3-Databases-New/02-DBMS/02-DBMS.pptx
+++ b/Courses/Software-Sciences/Module-3-Databases-New/02-DBMS/02-DBMS.pptx
@@ -516,7 +516,7 @@
           <a:p>
             <a:fld id="{4E087215-0C8F-4762-A664-737A353EC9A4}" type="datetimeFigureOut">
               <a:rPr lang="bg-BG" smtClean="0"/>
-              <a:t>13.7.2024 г.</a:t>
+              <a:t>15.07.24 г.</a:t>
             </a:fld>
             <a:endParaRPr lang="bg-BG"/>
           </a:p>
@@ -712,7 +712,7 @@
           <a:p>
             <a:fld id="{72D84649-876A-46C9-8472-14CB09C070D8}" type="datetimeFigureOut">
               <a:rPr lang="en-US" smtClean="0"/>
-              <a:t>7/13/2024</a:t>
+              <a:t>7/15/24</a:t>
             </a:fld>
             <a:endParaRPr lang="en-US"/>
           </a:p>
@@ -9674,8 +9674,8 @@
         </p:nvSpPr>
         <p:spPr>
           <a:xfrm>
-            <a:off x="554746" y="1851129"/>
-            <a:ext cx="11083636" cy="767871"/>
+            <a:off x="554746" y="1900580"/>
+            <a:ext cx="11083636" cy="583420"/>
           </a:xfrm>
         </p:spPr>
         <p:txBody>
@@ -9779,7 +9779,7 @@
       </p:pic>
       <p:pic>
         <p:nvPicPr>
-          <p:cNvPr id="3" name="Picture 2" descr="A yellow and blue sign with white text&#10;&#10;Description automatically generated">
+          <p:cNvPr id="3" name="Picture 2">
             <a:extLst>
               <a:ext uri="{FF2B5EF4-FFF2-40B4-BE49-F238E27FC236}">
                 <a16:creationId xmlns:a16="http://schemas.microsoft.com/office/drawing/2014/main" id="{35D4182D-FCC2-4B4A-20C9-6464900A14C0}"/>
@@ -9799,14 +9799,13 @@
               </a:ext>
             </a:extLst>
           </a:blip>
-          <a:stretch>
-            <a:fillRect/>
-          </a:stretch>
+          <a:srcRect/>
+          <a:stretch/>
         </p:blipFill>
         <p:spPr>
           <a:xfrm>
-            <a:off x="584311" y="3001428"/>
-            <a:ext cx="1956689" cy="877572"/>
+            <a:off x="584311" y="3002368"/>
+            <a:ext cx="1956689" cy="875691"/>
           </a:xfrm>
           <a:prstGeom prst="rect">
             <a:avLst/>
@@ -14304,7 +14303,7 @@
             </a:r>
             <a:r>
               <a:rPr lang="en-US" dirty="0"/>
-              <a:t>NoSQL)</a:t>
+              <a:t>NoSQL) </a:t>
             </a:r>
             <a:r>
               <a:rPr lang="bg-BG" dirty="0"/>
@@ -15198,14 +15197,6 @@
               </a:tabLst>
             </a:pPr>
             <a:r>
-              <a:rPr lang="bg-BG" sz="3600" b="1" dirty="0">
-                <a:solidFill>
-                  <a:schemeClr val="bg1"/>
-                </a:solidFill>
-              </a:rPr>
-              <a:t>По-</a:t>
-            </a:r>
-            <a:r>
               <a:rPr lang="bg-BG" sz="3400" b="1" spc="-5" dirty="0">
                 <a:solidFill>
                   <a:schemeClr val="bg1"/>
@@ -15213,7 +15204,7 @@
                 <a:latin typeface="Calibri"/>
                 <a:cs typeface="Calibri"/>
               </a:rPr>
-              <a:t>мащабируеми</a:t>
+              <a:t>Мащабируеми</a:t>
             </a:r>
             <a:r>
               <a:rPr lang="bg-BG" sz="3400" b="1" spc="-5" dirty="0">
@@ -18853,10 +18844,24 @@
             </a:r>
           </a:p>
           <a:p>
+            <a:pPr lvl="1" fontAlgn="base"/>
+            <a:r>
+              <a:rPr lang="ru-RU" dirty="0"/>
+              <a:t>Релационни БД</a:t>
+            </a:r>
+          </a:p>
+          <a:p>
+            <a:pPr lvl="1" fontAlgn="base"/>
+            <a:r>
+              <a:rPr lang="ru-RU" dirty="0"/>
+              <a:t>Нерелационни БД</a:t>
+            </a:r>
+          </a:p>
+          <a:p>
             <a:pPr fontAlgn="base"/>
             <a:r>
               <a:rPr lang="bg-BG" dirty="0"/>
-              <a:t>Какво е СУБД?</a:t>
+              <a:t>Типове данни</a:t>
             </a:r>
             <a:endParaRPr lang="ru-RU" dirty="0"/>
           </a:p>
@@ -18864,15 +18869,9 @@
             <a:pPr fontAlgn="base"/>
             <a:r>
               <a:rPr lang="bg-BG" dirty="0"/>
-              <a:t>Типове данни</a:t>
-            </a:r>
-          </a:p>
-          <a:p>
-            <a:r>
-              <a:rPr lang="bg-BG" dirty="0"/>
-              <a:t>Демо</a:t>
-            </a:r>
-            <a:endParaRPr lang="en-US" dirty="0"/>
+              <a:t>Какво е СУБД?</a:t>
+            </a:r>
+            <a:endParaRPr lang="ru-RU" dirty="0"/>
           </a:p>
         </p:txBody>
       </p:sp>
@@ -19186,6 +19185,55 @@
                                           <p:spTgt spid="444419">
                                             <p:txEl>
                                               <p:pRg st="3" end="3"/>
+                                            </p:txEl>
+                                          </p:spTgt>
+                                        </p:tgtEl>
+                                        <p:attrNameLst>
+                                          <p:attrName>style.visibility</p:attrName>
+                                        </p:attrNameLst>
+                                      </p:cBhvr>
+                                      <p:to>
+                                        <p:strVal val="visible"/>
+                                      </p:to>
+                                    </p:set>
+                                  </p:childTnLst>
+                                </p:cTn>
+                              </p:par>
+                            </p:childTnLst>
+                          </p:cTn>
+                        </p:par>
+                      </p:childTnLst>
+                    </p:cTn>
+                  </p:par>
+                  <p:par>
+                    <p:cTn id="15" fill="hold">
+                      <p:stCondLst>
+                        <p:cond delay="indefinite"/>
+                      </p:stCondLst>
+                      <p:childTnLst>
+                        <p:par>
+                          <p:cTn id="16" fill="hold">
+                            <p:stCondLst>
+                              <p:cond delay="0"/>
+                            </p:stCondLst>
+                            <p:childTnLst>
+                              <p:par>
+                                <p:cTn id="17" presetID="1" presetClass="entr" presetSubtype="0" fill="hold" nodeType="clickEffect">
+                                  <p:stCondLst>
+                                    <p:cond delay="0"/>
+                                  </p:stCondLst>
+                                  <p:childTnLst>
+                                    <p:set>
+                                      <p:cBhvr>
+                                        <p:cTn id="18" dur="1" fill="hold">
+                                          <p:stCondLst>
+                                            <p:cond delay="0"/>
+                                          </p:stCondLst>
+                                        </p:cTn>
+                                        <p:tgtEl>
+                                          <p:spTgt spid="444419">
+                                            <p:txEl>
+                                              <p:pRg st="4" end="4"/>
                                             </p:txEl>
                                           </p:spTgt>
                                         </p:tgtEl>
@@ -23096,6 +23144,55 @@
                                         <p:tgtEl>
                                           <p:spTgt spid="3">
                                             <p:txEl>
+                                              <p:pRg st="1" end="1"/>
+                                            </p:txEl>
+                                          </p:spTgt>
+                                        </p:tgtEl>
+                                        <p:attrNameLst>
+                                          <p:attrName>style.visibility</p:attrName>
+                                        </p:attrNameLst>
+                                      </p:cBhvr>
+                                      <p:to>
+                                        <p:strVal val="visible"/>
+                                      </p:to>
+                                    </p:set>
+                                  </p:childTnLst>
+                                </p:cTn>
+                              </p:par>
+                            </p:childTnLst>
+                          </p:cTn>
+                        </p:par>
+                      </p:childTnLst>
+                    </p:cTn>
+                  </p:par>
+                  <p:par>
+                    <p:cTn id="7" fill="hold">
+                      <p:stCondLst>
+                        <p:cond delay="indefinite"/>
+                      </p:stCondLst>
+                      <p:childTnLst>
+                        <p:par>
+                          <p:cTn id="8" fill="hold">
+                            <p:stCondLst>
+                              <p:cond delay="0"/>
+                            </p:stCondLst>
+                            <p:childTnLst>
+                              <p:par>
+                                <p:cTn id="9" presetID="1" presetClass="entr" presetSubtype="0" fill="hold" nodeType="clickEffect">
+                                  <p:stCondLst>
+                                    <p:cond delay="0"/>
+                                  </p:stCondLst>
+                                  <p:childTnLst>
+                                    <p:set>
+                                      <p:cBhvr>
+                                        <p:cTn id="10" dur="1" fill="hold">
+                                          <p:stCondLst>
+                                            <p:cond delay="0"/>
+                                          </p:stCondLst>
+                                        </p:cTn>
+                                        <p:tgtEl>
+                                          <p:spTgt spid="3">
+                                            <p:txEl>
                                               <p:pRg st="2" end="2"/>
                                             </p:txEl>
                                           </p:spTgt>
@@ -23112,14 +23209,14 @@
                                 </p:cTn>
                               </p:par>
                               <p:par>
-                                <p:cTn id="7" presetID="1" presetClass="entr" presetSubtype="0" fill="hold" nodeType="withEffect">
+                                <p:cTn id="11" presetID="1" presetClass="entr" presetSubtype="0" fill="hold" nodeType="withEffect">
                                   <p:stCondLst>
                                     <p:cond delay="0"/>
                                   </p:stCondLst>
                                   <p:childTnLst>
                                     <p:set>
                                       <p:cBhvr>
-                                        <p:cTn id="8" dur="1" fill="hold">
+                                        <p:cTn id="12" dur="1" fill="hold">
                                           <p:stCondLst>
                                             <p:cond delay="0"/>
                                           </p:stCondLst>
@@ -23145,26 +23242,26 @@
                     </p:cTn>
                   </p:par>
                   <p:par>
-                    <p:cTn id="9" fill="hold">
+                    <p:cTn id="13" fill="hold">
                       <p:stCondLst>
                         <p:cond delay="indefinite"/>
                       </p:stCondLst>
                       <p:childTnLst>
                         <p:par>
-                          <p:cTn id="10" fill="hold">
+                          <p:cTn id="14" fill="hold">
                             <p:stCondLst>
                               <p:cond delay="0"/>
                             </p:stCondLst>
                             <p:childTnLst>
                               <p:par>
-                                <p:cTn id="11" presetID="1" presetClass="entr" presetSubtype="0" fill="hold" nodeType="clickEffect">
+                                <p:cTn id="15" presetID="1" presetClass="entr" presetSubtype="0" fill="hold" nodeType="clickEffect">
                                   <p:stCondLst>
                                     <p:cond delay="0"/>
                                   </p:stCondLst>
                                   <p:childTnLst>
                                     <p:set>
                                       <p:cBhvr>
-                                        <p:cTn id="12" dur="1" fill="hold">
+                                        <p:cTn id="16" dur="1" fill="hold">
                                           <p:stCondLst>
                                             <p:cond delay="0"/>
                                           </p:stCondLst>
@@ -23188,14 +23285,14 @@
                                 </p:cTn>
                               </p:par>
                               <p:par>
-                                <p:cTn id="13" presetID="1" presetClass="entr" presetSubtype="0" fill="hold" nodeType="withEffect">
+                                <p:cTn id="17" presetID="1" presetClass="entr" presetSubtype="0" fill="hold" nodeType="withEffect">
                                   <p:stCondLst>
                                     <p:cond delay="0"/>
                                   </p:stCondLst>
                                   <p:childTnLst>
                                     <p:set>
                                       <p:cBhvr>
-                                        <p:cTn id="14" dur="1" fill="hold">
+                                        <p:cTn id="18" dur="1" fill="hold">
                                           <p:stCondLst>
                                             <p:cond delay="0"/>
                                           </p:stCondLst>
@@ -28858,6 +28955,25 @@
             </a:r>
           </a:p>
           <a:p>
+            <a:pPr>
+              <a:buClr>
+                <a:schemeClr val="tx1"/>
+              </a:buClr>
+            </a:pPr>
+            <a:r>
+              <a:rPr lang="ru-RU" b="1" dirty="0">
+                <a:solidFill>
+                  <a:schemeClr val="bg1"/>
+                </a:solidFill>
+              </a:rPr>
+              <a:t>Създаване</a:t>
+            </a:r>
+            <a:r>
+              <a:rPr lang="ru-RU" dirty="0"/>
+              <a:t> на таблици</a:t>
+            </a:r>
+          </a:p>
+          <a:p>
             <a:pPr algn="l">
               <a:buClr>
                 <a:schemeClr val="tx1"/>
@@ -29367,6 +29483,55 @@
                                           <p:spTgt spid="3">
                                             <p:txEl>
                                               <p:pRg st="6" end="6"/>
+                                            </p:txEl>
+                                          </p:spTgt>
+                                        </p:tgtEl>
+                                        <p:attrNameLst>
+                                          <p:attrName>style.visibility</p:attrName>
+                                        </p:attrNameLst>
+                                      </p:cBhvr>
+                                      <p:to>
+                                        <p:strVal val="visible"/>
+                                      </p:to>
+                                    </p:set>
+                                  </p:childTnLst>
+                                </p:cTn>
+                              </p:par>
+                            </p:childTnLst>
+                          </p:cTn>
+                        </p:par>
+                      </p:childTnLst>
+                    </p:cTn>
+                  </p:par>
+                  <p:par>
+                    <p:cTn id="27" fill="hold">
+                      <p:stCondLst>
+                        <p:cond delay="indefinite"/>
+                      </p:stCondLst>
+                      <p:childTnLst>
+                        <p:par>
+                          <p:cTn id="28" fill="hold">
+                            <p:stCondLst>
+                              <p:cond delay="0"/>
+                            </p:stCondLst>
+                            <p:childTnLst>
+                              <p:par>
+                                <p:cTn id="29" presetID="1" presetClass="entr" presetSubtype="0" fill="hold" nodeType="clickEffect">
+                                  <p:stCondLst>
+                                    <p:cond delay="0"/>
+                                  </p:stCondLst>
+                                  <p:childTnLst>
+                                    <p:set>
+                                      <p:cBhvr>
+                                        <p:cTn id="30" dur="1" fill="hold">
+                                          <p:stCondLst>
+                                            <p:cond delay="0"/>
+                                          </p:stCondLst>
+                                        </p:cTn>
+                                        <p:tgtEl>
+                                          <p:spTgt spid="3">
+                                            <p:txEl>
+                                              <p:pRg st="7" end="7"/>
                                             </p:txEl>
                                           </p:spTgt>
                                         </p:tgtEl>
@@ -30695,7 +30860,7 @@
             </a:r>
             <a:r>
               <a:rPr lang="ru-RU" dirty="0"/>
-              <a:t> в системите за управление на бази данни е </a:t>
+              <a:t> в СУБД е </a:t>
             </a:r>
             <a:r>
               <a:rPr lang="ru-RU" b="1" dirty="0">
@@ -30757,7 +30922,15 @@
             </a:r>
             <a:r>
               <a:rPr lang="ru-RU" dirty="0"/>
-              <a:t> информация на различните </a:t>
+              <a:t> информация на </a:t>
+            </a:r>
+            <a:r>
+              <a:rPr lang="ru-RU" dirty="0" err="1"/>
+              <a:t>различните</a:t>
+            </a:r>
+            <a:r>
+              <a:rPr lang="ru-RU" dirty="0"/>
+              <a:t> </a:t>
             </a:r>
             <a:r>
               <a:rPr lang="ru-RU" b="1" dirty="0">
@@ -30766,6 +30939,10 @@
                 </a:solidFill>
               </a:rPr>
               <a:t>нива</a:t>
+            </a:r>
+            <a:r>
+              <a:rPr lang="ru-RU" dirty="0"/>
+              <a:t>:</a:t>
             </a:r>
           </a:p>
           <a:p>
@@ -30952,15 +31129,33 @@
                                   </p:childTnLst>
                                 </p:cTn>
                               </p:par>
+                            </p:childTnLst>
+                          </p:cTn>
+                        </p:par>
+                      </p:childTnLst>
+                    </p:cTn>
+                  </p:par>
+                  <p:par>
+                    <p:cTn id="11" fill="hold">
+                      <p:stCondLst>
+                        <p:cond delay="indefinite"/>
+                      </p:stCondLst>
+                      <p:childTnLst>
+                        <p:par>
+                          <p:cTn id="12" fill="hold">
+                            <p:stCondLst>
+                              <p:cond delay="0"/>
+                            </p:stCondLst>
+                            <p:childTnLst>
                               <p:par>
-                                <p:cTn id="11" presetID="1" presetClass="entr" presetSubtype="0" fill="hold" nodeType="withEffect">
+                                <p:cTn id="13" presetID="1" presetClass="entr" presetSubtype="0" fill="hold" nodeType="clickEffect">
                                   <p:stCondLst>
                                     <p:cond delay="0"/>
                                   </p:stCondLst>
                                   <p:childTnLst>
                                     <p:set>
                                       <p:cBhvr>
-                                        <p:cTn id="12" dur="1" fill="hold">
+                                        <p:cTn id="14" dur="1" fill="hold">
                                           <p:stCondLst>
                                             <p:cond delay="0"/>
                                           </p:stCondLst>
@@ -30990,26 +31185,26 @@
                     </p:cTn>
                   </p:par>
                   <p:par>
-                    <p:cTn id="13" fill="hold">
+                    <p:cTn id="15" fill="hold">
                       <p:stCondLst>
                         <p:cond delay="indefinite"/>
                       </p:stCondLst>
                       <p:childTnLst>
                         <p:par>
-                          <p:cTn id="14" fill="hold">
+                          <p:cTn id="16" fill="hold">
                             <p:stCondLst>
                               <p:cond delay="0"/>
                             </p:stCondLst>
                             <p:childTnLst>
                               <p:par>
-                                <p:cTn id="15" presetID="1" presetClass="entr" presetSubtype="0" fill="hold" nodeType="clickEffect">
+                                <p:cTn id="17" presetID="1" presetClass="entr" presetSubtype="0" fill="hold" nodeType="clickEffect">
                                   <p:stCondLst>
                                     <p:cond delay="0"/>
                                   </p:stCondLst>
                                   <p:childTnLst>
                                     <p:set>
                                       <p:cBhvr>
-                                        <p:cTn id="16" dur="1" fill="hold">
+                                        <p:cTn id="18" dur="1" fill="hold">
                                           <p:stCondLst>
                                             <p:cond delay="0"/>
                                           </p:stCondLst>
@@ -31039,26 +31234,26 @@
                     </p:cTn>
                   </p:par>
                   <p:par>
-                    <p:cTn id="17" fill="hold">
+                    <p:cTn id="19" fill="hold">
                       <p:stCondLst>
                         <p:cond delay="indefinite"/>
                       </p:stCondLst>
                       <p:childTnLst>
                         <p:par>
-                          <p:cTn id="18" fill="hold">
+                          <p:cTn id="20" fill="hold">
                             <p:stCondLst>
                               <p:cond delay="0"/>
                             </p:stCondLst>
                             <p:childTnLst>
                               <p:par>
-                                <p:cTn id="19" presetID="1" presetClass="entr" presetSubtype="0" fill="hold" nodeType="clickEffect">
+                                <p:cTn id="21" presetID="1" presetClass="entr" presetSubtype="0" fill="hold" nodeType="clickEffect">
                                   <p:stCondLst>
                                     <p:cond delay="0"/>
                                   </p:stCondLst>
                                   <p:childTnLst>
                                     <p:set>
                                       <p:cBhvr>
-                                        <p:cTn id="20" dur="1" fill="hold">
+                                        <p:cTn id="22" dur="1" fill="hold">
                                           <p:stCondLst>
                                             <p:cond delay="0"/>
                                           </p:stCondLst>
@@ -35741,7 +35936,7 @@
             <a:pPr lvl="1"/>
             <a:r>
               <a:rPr lang="en-US" dirty="0"/>
-              <a:t>Microsoft SQL Server</a:t>
+              <a:t>Microsoft SQL</a:t>
             </a:r>
           </a:p>
           <a:p>
@@ -39903,8 +40098,8 @@
         </p:nvSpPr>
         <p:spPr>
           <a:xfrm>
-            <a:off x="1704011" y="3503666"/>
-            <a:ext cx="9255889" cy="672924"/>
+            <a:off x="1704011" y="3564000"/>
+            <a:ext cx="9255889" cy="505227"/>
           </a:xfrm>
           <a:prstGeom prst="roundRect">
             <a:avLst>
@@ -39970,8 +40165,8 @@
         </p:nvSpPr>
         <p:spPr>
           <a:xfrm>
-            <a:off x="3913235" y="2424446"/>
-            <a:ext cx="2869453" cy="2679002"/>
+            <a:off x="4026000" y="2424446"/>
+            <a:ext cx="2610000" cy="2679002"/>
           </a:xfrm>
           <a:prstGeom prst="roundRect">
             <a:avLst>
@@ -40033,7 +40228,7 @@
         </p:nvSpPr>
         <p:spPr bwMode="auto">
           <a:xfrm>
-            <a:off x="7518428" y="1804483"/>
+            <a:off x="6766599" y="1814889"/>
             <a:ext cx="1588272" cy="609557"/>
           </a:xfrm>
           <a:prstGeom prst="wedgeRoundRectCallout">
@@ -40108,8 +40303,8 @@
         </p:nvSpPr>
         <p:spPr>
           <a:xfrm>
-            <a:off x="3913235" y="3516362"/>
-            <a:ext cx="2869453" cy="647531"/>
+            <a:off x="4026000" y="3564000"/>
+            <a:ext cx="2610000" cy="505227"/>
           </a:xfrm>
           <a:prstGeom prst="roundRect">
             <a:avLst>

--- a/Courses/Software-Sciences/Module-3-Databases-New/02-DBMS/02-DBMS.pptx
+++ b/Courses/Software-Sciences/Module-3-Databases-New/02-DBMS/02-DBMS.pptx
@@ -5,10 +5,10 @@
     <p:sldMasterId id="2147483675" r:id="rId1"/>
   </p:sldMasterIdLst>
   <p:notesMasterIdLst>
-    <p:notesMasterId r:id="rId37"/>
+    <p:notesMasterId r:id="rId36"/>
   </p:notesMasterIdLst>
   <p:handoutMasterIdLst>
-    <p:handoutMasterId r:id="rId38"/>
+    <p:handoutMasterId r:id="rId37"/>
   </p:handoutMasterIdLst>
   <p:sldIdLst>
     <p:sldId id="627" r:id="rId2"/>
@@ -29,23 +29,22 @@
     <p:sldId id="1230" r:id="rId17"/>
     <p:sldId id="1232" r:id="rId18"/>
     <p:sldId id="1233" r:id="rId19"/>
-    <p:sldId id="1234" r:id="rId20"/>
-    <p:sldId id="1248" r:id="rId21"/>
-    <p:sldId id="1195" r:id="rId22"/>
-    <p:sldId id="1196" r:id="rId23"/>
-    <p:sldId id="1228" r:id="rId24"/>
-    <p:sldId id="1197" r:id="rId25"/>
-    <p:sldId id="1246" r:id="rId26"/>
-    <p:sldId id="1240" r:id="rId27"/>
-    <p:sldId id="1241" r:id="rId28"/>
-    <p:sldId id="1249" r:id="rId29"/>
-    <p:sldId id="1242" r:id="rId30"/>
-    <p:sldId id="1243" r:id="rId31"/>
-    <p:sldId id="1244" r:id="rId32"/>
-    <p:sldId id="1245" r:id="rId33"/>
-    <p:sldId id="349" r:id="rId34"/>
-    <p:sldId id="504" r:id="rId35"/>
-    <p:sldId id="505" r:id="rId36"/>
+    <p:sldId id="1248" r:id="rId20"/>
+    <p:sldId id="1195" r:id="rId21"/>
+    <p:sldId id="1196" r:id="rId22"/>
+    <p:sldId id="1228" r:id="rId23"/>
+    <p:sldId id="1197" r:id="rId24"/>
+    <p:sldId id="1246" r:id="rId25"/>
+    <p:sldId id="1240" r:id="rId26"/>
+    <p:sldId id="1241" r:id="rId27"/>
+    <p:sldId id="1249" r:id="rId28"/>
+    <p:sldId id="1242" r:id="rId29"/>
+    <p:sldId id="1243" r:id="rId30"/>
+    <p:sldId id="1244" r:id="rId31"/>
+    <p:sldId id="1245" r:id="rId32"/>
+    <p:sldId id="349" r:id="rId33"/>
+    <p:sldId id="504" r:id="rId34"/>
+    <p:sldId id="505" r:id="rId35"/>
   </p:sldIdLst>
   <p:sldSz cx="12192000" cy="6858000"/>
   <p:notesSz cx="6858000" cy="9144000"/>
@@ -183,7 +182,6 @@
             <p14:sldId id="1230"/>
             <p14:sldId id="1232"/>
             <p14:sldId id="1233"/>
-            <p14:sldId id="1234"/>
           </p14:sldIdLst>
         </p14:section>
         <p14:section name="СУБД" id="{AA49C212-F153-1B46-8139-5633F94AAD6C}">
@@ -516,7 +514,7 @@
           <a:p>
             <a:fld id="{4E087215-0C8F-4762-A664-737A353EC9A4}" type="datetimeFigureOut">
               <a:rPr lang="bg-BG" smtClean="0"/>
-              <a:t>15.07.24 г.</a:t>
+              <a:t>16.07.24 г.</a:t>
             </a:fld>
             <a:endParaRPr lang="bg-BG"/>
           </a:p>
@@ -712,7 +710,7 @@
           <a:p>
             <a:fld id="{72D84649-876A-46C9-8472-14CB09C070D8}" type="datetimeFigureOut">
               <a:rPr lang="en-US" smtClean="0"/>
-              <a:t>7/15/24</a:t>
+              <a:t>7/16/24</a:t>
             </a:fld>
             <a:endParaRPr lang="en-US"/>
           </a:p>
@@ -1188,7 +1186,7 @@
           <a:bodyPr/>
           <a:lstStyle/>
           <a:p>
-            <a:endParaRPr lang="en-US"/>
+            <a:endParaRPr lang="en-US" dirty="0"/>
           </a:p>
         </p:txBody>
       </p:sp>
@@ -1199,7 +1197,7 @@
             <a:spLocks noGrp="1"/>
           </p:cNvSpPr>
           <p:nvPr>
-            <p:ph type="sldNum" sz="quarter" idx="5"/>
+            <p:ph type="sldNum" sz="quarter" idx="10"/>
           </p:nvPr>
         </p:nvSpPr>
         <p:spPr/>
@@ -1209,7 +1207,8 @@
           <a:p>
             <a:fld id="{2BF067CD-8E6B-4360-9AA8-C5DF2A48A6D1}" type="slidenum">
               <a:rPr lang="en-US" smtClean="0"/>
-              <a:t>19</a:t>
+              <a:pPr/>
+              <a:t>17</a:t>
             </a:fld>
             <a:endParaRPr lang="en-US" dirty="0"/>
           </a:p>
@@ -1217,7 +1216,13 @@
       </p:sp>
       <p:sp>
         <p:nvSpPr>
-          <p:cNvPr id="5" name="Footer Placeholder 4"/>
+          <p:cNvPr id="5" name="Footer Placeholder 7">
+            <a:extLst>
+              <a:ext uri="{FF2B5EF4-FFF2-40B4-BE49-F238E27FC236}">
+                <a16:creationId xmlns:a16="http://schemas.microsoft.com/office/drawing/2014/main" id="{432F0EBF-2C26-7E82-0ECF-6970F3FE1DAF}"/>
+              </a:ext>
+            </a:extLst>
+          </p:cNvPr>
           <p:cNvSpPr>
             <a:spLocks noGrp="1"/>
           </p:cNvSpPr>
@@ -1225,25 +1230,37 @@
             <p:ph type="ftr" sz="quarter" idx="4"/>
           </p:nvPr>
         </p:nvSpPr>
-        <p:spPr/>
+        <p:spPr>
+          <a:xfrm>
+            <a:off x="-1" y="8892000"/>
+            <a:ext cx="6488999" cy="252000"/>
+          </a:xfrm>
+          <a:prstGeom prst="rect">
+            <a:avLst/>
+          </a:prstGeom>
+        </p:spPr>
         <p:txBody>
-          <a:bodyPr/>
-          <a:lstStyle/>
+          <a:bodyPr vert="horz" lIns="91440" tIns="45720" rIns="91440" bIns="45720" rtlCol="0" anchor="b"/>
+          <a:lstStyle>
+            <a:lvl1pPr algn="l">
+              <a:defRPr sz="1100"/>
+            </a:lvl1pPr>
+          </a:lstStyle>
           <a:p>
             <a:r>
-              <a:rPr lang="bg-BG" sz="1100"/>
+              <a:rPr lang="bg-BG" sz="1100" dirty="0"/>
               <a:t>Работна група </a:t>
             </a:r>
             <a:r>
-              <a:rPr lang="bg-BG"/>
+              <a:rPr lang="bg-BG" dirty="0"/>
               <a:t>"Образование по програмиране и ИТ"</a:t>
             </a:r>
             <a:r>
-              <a:rPr lang="bg-BG" sz="1100"/>
+              <a:rPr lang="bg-BG" sz="1100" dirty="0"/>
               <a:t>, с подкрепата на </a:t>
             </a:r>
             <a:r>
-              <a:rPr lang="en-US" sz="1100">
+              <a:rPr lang="en-US" sz="1100" dirty="0">
                 <a:hlinkClick r:id="rId3"/>
               </a:rPr>
               <a:t>SoftUni</a:t>
@@ -1255,7 +1272,7 @@
     </p:spTree>
     <p:extLst>
       <p:ext uri="{BB962C8B-B14F-4D97-AF65-F5344CB8AC3E}">
-        <p14:creationId xmlns:p14="http://schemas.microsoft.com/office/powerpoint/2010/main" val="2526416516"/>
+        <p14:creationId xmlns:p14="http://schemas.microsoft.com/office/powerpoint/2010/main" val="2106275876"/>
       </p:ext>
     </p:extLst>
   </p:cSld>
@@ -1437,7 +1454,7 @@
             <a:fld id="{3EBA5BD7-F043-4D1B-AA17-CD412FC534DE}" type="slidenum">
               <a:rPr lang="en-US" smtClean="0"/>
               <a:pPr/>
-              <a:t>20</a:t>
+              <a:t>19</a:t>
             </a:fld>
             <a:endParaRPr lang="en-US" dirty="0"/>
           </a:p>
@@ -1579,7 +1596,7 @@
             <a:fld id="{2BF067CD-8E6B-4360-9AA8-C5DF2A48A6D1}" type="slidenum">
               <a:rPr lang="en-US" smtClean="0"/>
               <a:pPr/>
-              <a:t>23</a:t>
+              <a:t>22</a:t>
             </a:fld>
             <a:endParaRPr lang="en-US" dirty="0"/>
           </a:p>
@@ -1654,6 +1671,127 @@
 </file>
 
 <file path=ppt/notesSlides/notesSlide13.xml><?xml version="1.0" encoding="utf-8"?>
+<p:notes xmlns:a="http://schemas.openxmlformats.org/drawingml/2006/main" xmlns:r="http://schemas.openxmlformats.org/officeDocument/2006/relationships" xmlns:p="http://schemas.openxmlformats.org/presentationml/2006/main">
+  <p:cSld>
+    <p:spTree>
+      <p:nvGrpSpPr>
+        <p:cNvPr id="1" name=""/>
+        <p:cNvGrpSpPr/>
+        <p:nvPr/>
+      </p:nvGrpSpPr>
+      <p:grpSpPr>
+        <a:xfrm>
+          <a:off x="0" y="0"/>
+          <a:ext cx="0" cy="0"/>
+          <a:chOff x="0" y="0"/>
+          <a:chExt cx="0" cy="0"/>
+        </a:xfrm>
+      </p:grpSpPr>
+      <p:sp>
+        <p:nvSpPr>
+          <p:cNvPr id="2" name="Slide Image Placeholder 1"/>
+          <p:cNvSpPr>
+            <a:spLocks noGrp="1" noRot="1" noChangeAspect="1"/>
+          </p:cNvSpPr>
+          <p:nvPr>
+            <p:ph type="sldImg"/>
+          </p:nvPr>
+        </p:nvSpPr>
+        <p:spPr/>
+      </p:sp>
+      <p:sp>
+        <p:nvSpPr>
+          <p:cNvPr id="3" name="Notes Placeholder 2"/>
+          <p:cNvSpPr>
+            <a:spLocks noGrp="1"/>
+          </p:cNvSpPr>
+          <p:nvPr>
+            <p:ph type="body" idx="1"/>
+          </p:nvPr>
+        </p:nvSpPr>
+        <p:spPr/>
+        <p:txBody>
+          <a:bodyPr/>
+          <a:lstStyle/>
+          <a:p>
+            <a:endParaRPr lang="en-US" dirty="0"/>
+          </a:p>
+        </p:txBody>
+      </p:sp>
+      <p:sp>
+        <p:nvSpPr>
+          <p:cNvPr id="4" name="Slide Number Placeholder 3"/>
+          <p:cNvSpPr>
+            <a:spLocks noGrp="1"/>
+          </p:cNvSpPr>
+          <p:nvPr>
+            <p:ph type="sldNum" sz="quarter" idx="5"/>
+          </p:nvPr>
+        </p:nvSpPr>
+        <p:spPr/>
+        <p:txBody>
+          <a:bodyPr/>
+          <a:lstStyle/>
+          <a:p>
+            <a:fld id="{2BF067CD-8E6B-4360-9AA8-C5DF2A48A6D1}" type="slidenum">
+              <a:rPr lang="en-US" smtClean="0"/>
+              <a:t>24</a:t>
+            </a:fld>
+            <a:endParaRPr lang="en-US" dirty="0"/>
+          </a:p>
+        </p:txBody>
+      </p:sp>
+      <p:sp>
+        <p:nvSpPr>
+          <p:cNvPr id="5" name="Footer Placeholder 4"/>
+          <p:cNvSpPr>
+            <a:spLocks noGrp="1"/>
+          </p:cNvSpPr>
+          <p:nvPr>
+            <p:ph type="ftr" sz="quarter" idx="4"/>
+          </p:nvPr>
+        </p:nvSpPr>
+        <p:spPr/>
+        <p:txBody>
+          <a:bodyPr/>
+          <a:lstStyle/>
+          <a:p>
+            <a:r>
+              <a:rPr lang="bg-BG" sz="1100"/>
+              <a:t>Работна група </a:t>
+            </a:r>
+            <a:r>
+              <a:rPr lang="bg-BG"/>
+              <a:t>"Образование по програмиране и ИТ"</a:t>
+            </a:r>
+            <a:r>
+              <a:rPr lang="bg-BG" sz="1100"/>
+              <a:t>, с подкрепата на </a:t>
+            </a:r>
+            <a:r>
+              <a:rPr lang="en-US" sz="1100">
+                <a:hlinkClick r:id="rId3"/>
+              </a:rPr>
+              <a:t>SoftUni</a:t>
+            </a:r>
+            <a:endParaRPr lang="en-US" sz="1100" dirty="0"/>
+          </a:p>
+        </p:txBody>
+      </p:sp>
+    </p:spTree>
+    <p:extLst>
+      <p:ext uri="{BB962C8B-B14F-4D97-AF65-F5344CB8AC3E}">
+        <p14:creationId xmlns:p14="http://schemas.microsoft.com/office/powerpoint/2010/main" val="542269751"/>
+      </p:ext>
+    </p:extLst>
+  </p:cSld>
+  <p:clrMapOvr>
+    <a:masterClrMapping/>
+  </p:clrMapOvr>
+</p:notes>
+</file>
+
+<file path=ppt/notesSlides/notesSlide14.xml><?xml version="1.0" encoding="utf-8"?>
 <p:notes xmlns:a="http://schemas.openxmlformats.org/drawingml/2006/main" xmlns:r="http://schemas.openxmlformats.org/officeDocument/2006/relationships" xmlns:p="http://schemas.openxmlformats.org/presentationml/2006/main">
   <p:cSld>
     <p:spTree>
@@ -1764,7 +1902,7 @@
     </p:spTree>
     <p:extLst>
       <p:ext uri="{BB962C8B-B14F-4D97-AF65-F5344CB8AC3E}">
-        <p14:creationId xmlns:p14="http://schemas.microsoft.com/office/powerpoint/2010/main" val="542269751"/>
+        <p14:creationId xmlns:p14="http://schemas.microsoft.com/office/powerpoint/2010/main" val="823065312"/>
       </p:ext>
     </p:extLst>
   </p:cSld>
@@ -1774,7 +1912,7 @@
 </p:notes>
 </file>
 
-<file path=ppt/notesSlides/notesSlide14.xml><?xml version="1.0" encoding="utf-8"?>
+<file path=ppt/notesSlides/notesSlide15.xml><?xml version="1.0" encoding="utf-8"?>
 <p:notes xmlns:a="http://schemas.openxmlformats.org/drawingml/2006/main" xmlns:r="http://schemas.openxmlformats.org/officeDocument/2006/relationships" xmlns:p="http://schemas.openxmlformats.org/presentationml/2006/main">
   <p:cSld>
     <p:spTree>
@@ -1885,127 +2023,6 @@
     </p:spTree>
     <p:extLst>
       <p:ext uri="{BB962C8B-B14F-4D97-AF65-F5344CB8AC3E}">
-        <p14:creationId xmlns:p14="http://schemas.microsoft.com/office/powerpoint/2010/main" val="823065312"/>
-      </p:ext>
-    </p:extLst>
-  </p:cSld>
-  <p:clrMapOvr>
-    <a:masterClrMapping/>
-  </p:clrMapOvr>
-</p:notes>
-</file>
-
-<file path=ppt/notesSlides/notesSlide15.xml><?xml version="1.0" encoding="utf-8"?>
-<p:notes xmlns:a="http://schemas.openxmlformats.org/drawingml/2006/main" xmlns:r="http://schemas.openxmlformats.org/officeDocument/2006/relationships" xmlns:p="http://schemas.openxmlformats.org/presentationml/2006/main">
-  <p:cSld>
-    <p:spTree>
-      <p:nvGrpSpPr>
-        <p:cNvPr id="1" name=""/>
-        <p:cNvGrpSpPr/>
-        <p:nvPr/>
-      </p:nvGrpSpPr>
-      <p:grpSpPr>
-        <a:xfrm>
-          <a:off x="0" y="0"/>
-          <a:ext cx="0" cy="0"/>
-          <a:chOff x="0" y="0"/>
-          <a:chExt cx="0" cy="0"/>
-        </a:xfrm>
-      </p:grpSpPr>
-      <p:sp>
-        <p:nvSpPr>
-          <p:cNvPr id="2" name="Slide Image Placeholder 1"/>
-          <p:cNvSpPr>
-            <a:spLocks noGrp="1" noRot="1" noChangeAspect="1"/>
-          </p:cNvSpPr>
-          <p:nvPr>
-            <p:ph type="sldImg"/>
-          </p:nvPr>
-        </p:nvSpPr>
-        <p:spPr/>
-      </p:sp>
-      <p:sp>
-        <p:nvSpPr>
-          <p:cNvPr id="3" name="Notes Placeholder 2"/>
-          <p:cNvSpPr>
-            <a:spLocks noGrp="1"/>
-          </p:cNvSpPr>
-          <p:nvPr>
-            <p:ph type="body" idx="1"/>
-          </p:nvPr>
-        </p:nvSpPr>
-        <p:spPr/>
-        <p:txBody>
-          <a:bodyPr/>
-          <a:lstStyle/>
-          <a:p>
-            <a:endParaRPr lang="en-US" dirty="0"/>
-          </a:p>
-        </p:txBody>
-      </p:sp>
-      <p:sp>
-        <p:nvSpPr>
-          <p:cNvPr id="4" name="Slide Number Placeholder 3"/>
-          <p:cNvSpPr>
-            <a:spLocks noGrp="1"/>
-          </p:cNvSpPr>
-          <p:nvPr>
-            <p:ph type="sldNum" sz="quarter" idx="5"/>
-          </p:nvPr>
-        </p:nvSpPr>
-        <p:spPr/>
-        <p:txBody>
-          <a:bodyPr/>
-          <a:lstStyle/>
-          <a:p>
-            <a:fld id="{2BF067CD-8E6B-4360-9AA8-C5DF2A48A6D1}" type="slidenum">
-              <a:rPr lang="en-US" smtClean="0"/>
-              <a:t>27</a:t>
-            </a:fld>
-            <a:endParaRPr lang="en-US" dirty="0"/>
-          </a:p>
-        </p:txBody>
-      </p:sp>
-      <p:sp>
-        <p:nvSpPr>
-          <p:cNvPr id="5" name="Footer Placeholder 4"/>
-          <p:cNvSpPr>
-            <a:spLocks noGrp="1"/>
-          </p:cNvSpPr>
-          <p:nvPr>
-            <p:ph type="ftr" sz="quarter" idx="4"/>
-          </p:nvPr>
-        </p:nvSpPr>
-        <p:spPr/>
-        <p:txBody>
-          <a:bodyPr/>
-          <a:lstStyle/>
-          <a:p>
-            <a:r>
-              <a:rPr lang="bg-BG" sz="1100"/>
-              <a:t>Работна група </a:t>
-            </a:r>
-            <a:r>
-              <a:rPr lang="bg-BG"/>
-              <a:t>"Образование по програмиране и ИТ"</a:t>
-            </a:r>
-            <a:r>
-              <a:rPr lang="bg-BG" sz="1100"/>
-              <a:t>, с подкрепата на </a:t>
-            </a:r>
-            <a:r>
-              <a:rPr lang="en-US" sz="1100">
-                <a:hlinkClick r:id="rId3"/>
-              </a:rPr>
-              <a:t>SoftUni</a:t>
-            </a:r>
-            <a:endParaRPr lang="en-US" sz="1100" dirty="0"/>
-          </a:p>
-        </p:txBody>
-      </p:sp>
-    </p:spTree>
-    <p:extLst>
-      <p:ext uri="{BB962C8B-B14F-4D97-AF65-F5344CB8AC3E}">
         <p14:creationId xmlns:p14="http://schemas.microsoft.com/office/powerpoint/2010/main" val="1500821967"/>
       </p:ext>
     </p:extLst>
@@ -2081,7 +2098,7 @@
           <a:p>
             <a:fld id="{2BF067CD-8E6B-4360-9AA8-C5DF2A48A6D1}" type="slidenum">
               <a:rPr lang="en-US" smtClean="0"/>
-              <a:t>32</a:t>
+              <a:t>31</a:t>
             </a:fld>
             <a:endParaRPr lang="en-US" dirty="0"/>
           </a:p>
@@ -2309,7 +2326,7 @@
             <a:fld id="{3EBA5BD7-F043-4D1B-AA17-CD412FC534DE}" type="slidenum">
               <a:rPr lang="en-US" smtClean="0"/>
               <a:pPr/>
-              <a:t>33</a:t>
+              <a:t>32</a:t>
             </a:fld>
             <a:endParaRPr lang="en-US" dirty="0"/>
           </a:p>
@@ -2555,7 +2572,7 @@
             <a:fld id="{3EBA5BD7-F043-4D1B-AA17-CD412FC534DE}" type="slidenum">
               <a:rPr lang="en-US" smtClean="0"/>
               <a:pPr/>
-              <a:t>34</a:t>
+              <a:t>33</a:t>
             </a:fld>
             <a:endParaRPr lang="en-US" dirty="0"/>
           </a:p>
@@ -2801,7 +2818,7 @@
             <a:fld id="{3EBA5BD7-F043-4D1B-AA17-CD412FC534DE}" type="slidenum">
               <a:rPr lang="en-US" smtClean="0"/>
               <a:pPr/>
-              <a:t>35</a:t>
+              <a:t>34</a:t>
             </a:fld>
             <a:endParaRPr lang="en-US" dirty="0"/>
           </a:p>
@@ -3669,14 +3686,127 @@
           <a:bodyPr/>
           <a:lstStyle/>
           <a:p>
-            <a:r>
-              <a:rPr lang="en-US" dirty="0"/>
-              <a:t>The table is the</a:t>
-            </a:r>
-            <a:r>
-              <a:rPr lang="en-US" baseline="0" dirty="0"/>
-              <a:t> main unit of data storage. It has rows, columns and cells. Cells contain stored data. Each column has a data type. Types can be VARCHAR(String), INT, DATE etc.</a:t>
-            </a:r>
+            <a:endParaRPr lang="bg-BG" dirty="0"/>
+          </a:p>
+        </p:txBody>
+      </p:sp>
+      <p:sp>
+        <p:nvSpPr>
+          <p:cNvPr id="4" name="Slide Number Placeholder 3"/>
+          <p:cNvSpPr>
+            <a:spLocks noGrp="1"/>
+          </p:cNvSpPr>
+          <p:nvPr>
+            <p:ph type="sldNum" sz="quarter" idx="5"/>
+          </p:nvPr>
+        </p:nvSpPr>
+        <p:spPr/>
+        <p:txBody>
+          <a:bodyPr/>
+          <a:lstStyle/>
+          <a:p>
+            <a:fld id="{2BF067CD-8E6B-4360-9AA8-C5DF2A48A6D1}" type="slidenum">
+              <a:rPr lang="en-US" smtClean="0"/>
+              <a:t>8</a:t>
+            </a:fld>
+            <a:endParaRPr lang="en-US" dirty="0"/>
+          </a:p>
+        </p:txBody>
+      </p:sp>
+      <p:sp>
+        <p:nvSpPr>
+          <p:cNvPr id="5" name="Footer Placeholder 4"/>
+          <p:cNvSpPr>
+            <a:spLocks noGrp="1"/>
+          </p:cNvSpPr>
+          <p:nvPr>
+            <p:ph type="ftr" sz="quarter" idx="4"/>
+          </p:nvPr>
+        </p:nvSpPr>
+        <p:spPr/>
+        <p:txBody>
+          <a:bodyPr/>
+          <a:lstStyle/>
+          <a:p>
+            <a:r>
+              <a:rPr lang="bg-BG" sz="1100"/>
+              <a:t>Работна група </a:t>
+            </a:r>
+            <a:r>
+              <a:rPr lang="bg-BG"/>
+              <a:t>"Образование по програмиране и ИТ"</a:t>
+            </a:r>
+            <a:r>
+              <a:rPr lang="bg-BG" sz="1100"/>
+              <a:t>, с подкрепата на </a:t>
+            </a:r>
+            <a:r>
+              <a:rPr lang="en-US" sz="1100">
+                <a:hlinkClick r:id="rId3"/>
+              </a:rPr>
+              <a:t>SoftUni</a:t>
+            </a:r>
+            <a:endParaRPr lang="en-US" sz="1100" dirty="0"/>
+          </a:p>
+        </p:txBody>
+      </p:sp>
+    </p:spTree>
+    <p:extLst>
+      <p:ext uri="{BB962C8B-B14F-4D97-AF65-F5344CB8AC3E}">
+        <p14:creationId xmlns:p14="http://schemas.microsoft.com/office/powerpoint/2010/main" val="2154207425"/>
+      </p:ext>
+    </p:extLst>
+  </p:cSld>
+  <p:clrMapOvr>
+    <a:masterClrMapping/>
+  </p:clrMapOvr>
+</p:notes>
+</file>
+
+<file path=ppt/notesSlides/notesSlide6.xml><?xml version="1.0" encoding="utf-8"?>
+<p:notes xmlns:a="http://schemas.openxmlformats.org/drawingml/2006/main" xmlns:r="http://schemas.openxmlformats.org/officeDocument/2006/relationships" xmlns:p="http://schemas.openxmlformats.org/presentationml/2006/main">
+  <p:cSld>
+    <p:spTree>
+      <p:nvGrpSpPr>
+        <p:cNvPr id="1" name=""/>
+        <p:cNvGrpSpPr/>
+        <p:nvPr/>
+      </p:nvGrpSpPr>
+      <p:grpSpPr>
+        <a:xfrm>
+          <a:off x="0" y="0"/>
+          <a:ext cx="0" cy="0"/>
+          <a:chOff x="0" y="0"/>
+          <a:chExt cx="0" cy="0"/>
+        </a:xfrm>
+      </p:grpSpPr>
+      <p:sp>
+        <p:nvSpPr>
+          <p:cNvPr id="2" name="Slide Image Placeholder 1"/>
+          <p:cNvSpPr>
+            <a:spLocks noGrp="1" noRot="1" noChangeAspect="1"/>
+          </p:cNvSpPr>
+          <p:nvPr>
+            <p:ph type="sldImg"/>
+          </p:nvPr>
+        </p:nvSpPr>
+        <p:spPr/>
+      </p:sp>
+      <p:sp>
+        <p:nvSpPr>
+          <p:cNvPr id="3" name="Notes Placeholder 2"/>
+          <p:cNvSpPr>
+            <a:spLocks noGrp="1"/>
+          </p:cNvSpPr>
+          <p:nvPr>
+            <p:ph type="body" idx="1"/>
+          </p:nvPr>
+        </p:nvSpPr>
+        <p:spPr/>
+        <p:txBody>
+          <a:bodyPr/>
+          <a:lstStyle/>
+          <a:p>
             <a:endParaRPr lang="en-US" dirty="0"/>
           </a:p>
         </p:txBody>
@@ -3773,7 +3903,7 @@
 </p:notes>
 </file>
 
-<file path=ppt/notesSlides/notesSlide6.xml><?xml version="1.0" encoding="utf-8"?>
+<file path=ppt/notesSlides/notesSlide7.xml><?xml version="1.0" encoding="utf-8"?>
 <p:notes xmlns:a="http://schemas.openxmlformats.org/drawingml/2006/main" xmlns:r="http://schemas.openxmlformats.org/officeDocument/2006/relationships" xmlns:p="http://schemas.openxmlformats.org/presentationml/2006/main">
   <p:cSld>
     <p:spTree>
@@ -4019,7 +4149,7 @@
 </p:notes>
 </file>
 
-<file path=ppt/notesSlides/notesSlide7.xml><?xml version="1.0" encoding="utf-8"?>
+<file path=ppt/notesSlides/notesSlide8.xml><?xml version="1.0" encoding="utf-8"?>
 <p:notes xmlns:a="http://schemas.openxmlformats.org/drawingml/2006/main" xmlns:r="http://schemas.openxmlformats.org/officeDocument/2006/relationships" xmlns:p="http://schemas.openxmlformats.org/presentationml/2006/main">
   <p:cSld>
     <p:spTree>
@@ -4159,7 +4289,7 @@
 </p:notes>
 </file>
 
-<file path=ppt/notesSlides/notesSlide8.xml><?xml version="1.0" encoding="utf-8"?>
+<file path=ppt/notesSlides/notesSlide9.xml><?xml version="1.0" encoding="utf-8"?>
 <p:notes xmlns:a="http://schemas.openxmlformats.org/drawingml/2006/main" xmlns:r="http://schemas.openxmlformats.org/officeDocument/2006/relationships" xmlns:p="http://schemas.openxmlformats.org/presentationml/2006/main">
   <p:cSld>
     <p:spTree>
@@ -4350,146 +4480,6 @@
     <p:extLst>
       <p:ext uri="{BB962C8B-B14F-4D97-AF65-F5344CB8AC3E}">
         <p14:creationId xmlns:p14="http://schemas.microsoft.com/office/powerpoint/2010/main" val="2046401278"/>
-      </p:ext>
-    </p:extLst>
-  </p:cSld>
-  <p:clrMapOvr>
-    <a:masterClrMapping/>
-  </p:clrMapOvr>
-</p:notes>
-</file>
-
-<file path=ppt/notesSlides/notesSlide9.xml><?xml version="1.0" encoding="utf-8"?>
-<p:notes xmlns:a="http://schemas.openxmlformats.org/drawingml/2006/main" xmlns:r="http://schemas.openxmlformats.org/officeDocument/2006/relationships" xmlns:p="http://schemas.openxmlformats.org/presentationml/2006/main">
-  <p:cSld>
-    <p:spTree>
-      <p:nvGrpSpPr>
-        <p:cNvPr id="1" name=""/>
-        <p:cNvGrpSpPr/>
-        <p:nvPr/>
-      </p:nvGrpSpPr>
-      <p:grpSpPr>
-        <a:xfrm>
-          <a:off x="0" y="0"/>
-          <a:ext cx="0" cy="0"/>
-          <a:chOff x="0" y="0"/>
-          <a:chExt cx="0" cy="0"/>
-        </a:xfrm>
-      </p:grpSpPr>
-      <p:sp>
-        <p:nvSpPr>
-          <p:cNvPr id="2" name="Slide Image Placeholder 1"/>
-          <p:cNvSpPr>
-            <a:spLocks noGrp="1" noRot="1" noChangeAspect="1"/>
-          </p:cNvSpPr>
-          <p:nvPr>
-            <p:ph type="sldImg"/>
-          </p:nvPr>
-        </p:nvSpPr>
-        <p:spPr/>
-      </p:sp>
-      <p:sp>
-        <p:nvSpPr>
-          <p:cNvPr id="3" name="Notes Placeholder 2"/>
-          <p:cNvSpPr>
-            <a:spLocks noGrp="1"/>
-          </p:cNvSpPr>
-          <p:nvPr>
-            <p:ph type="body" idx="1"/>
-          </p:nvPr>
-        </p:nvSpPr>
-        <p:spPr/>
-        <p:txBody>
-          <a:bodyPr/>
-          <a:lstStyle/>
-          <a:p>
-            <a:endParaRPr lang="en-US" dirty="0"/>
-          </a:p>
-        </p:txBody>
-      </p:sp>
-      <p:sp>
-        <p:nvSpPr>
-          <p:cNvPr id="4" name="Slide Number Placeholder 3"/>
-          <p:cNvSpPr>
-            <a:spLocks noGrp="1"/>
-          </p:cNvSpPr>
-          <p:nvPr>
-            <p:ph type="sldNum" sz="quarter" idx="10"/>
-          </p:nvPr>
-        </p:nvSpPr>
-        <p:spPr/>
-        <p:txBody>
-          <a:bodyPr/>
-          <a:lstStyle/>
-          <a:p>
-            <a:fld id="{2BF067CD-8E6B-4360-9AA8-C5DF2A48A6D1}" type="slidenum">
-              <a:rPr lang="en-US" smtClean="0"/>
-              <a:pPr/>
-              <a:t>17</a:t>
-            </a:fld>
-            <a:endParaRPr lang="en-US" dirty="0"/>
-          </a:p>
-        </p:txBody>
-      </p:sp>
-      <p:sp>
-        <p:nvSpPr>
-          <p:cNvPr id="5" name="Footer Placeholder 7">
-            <a:extLst>
-              <a:ext uri="{FF2B5EF4-FFF2-40B4-BE49-F238E27FC236}">
-                <a16:creationId xmlns:a16="http://schemas.microsoft.com/office/drawing/2014/main" id="{432F0EBF-2C26-7E82-0ECF-6970F3FE1DAF}"/>
-              </a:ext>
-            </a:extLst>
-          </p:cNvPr>
-          <p:cNvSpPr>
-            <a:spLocks noGrp="1"/>
-          </p:cNvSpPr>
-          <p:nvPr>
-            <p:ph type="ftr" sz="quarter" idx="4"/>
-          </p:nvPr>
-        </p:nvSpPr>
-        <p:spPr>
-          <a:xfrm>
-            <a:off x="-1" y="8892000"/>
-            <a:ext cx="6488999" cy="252000"/>
-          </a:xfrm>
-          <a:prstGeom prst="rect">
-            <a:avLst/>
-          </a:prstGeom>
-        </p:spPr>
-        <p:txBody>
-          <a:bodyPr vert="horz" lIns="91440" tIns="45720" rIns="91440" bIns="45720" rtlCol="0" anchor="b"/>
-          <a:lstStyle>
-            <a:lvl1pPr algn="l">
-              <a:defRPr sz="1100"/>
-            </a:lvl1pPr>
-          </a:lstStyle>
-          <a:p>
-            <a:r>
-              <a:rPr lang="bg-BG" sz="1100" dirty="0"/>
-              <a:t>Работна група </a:t>
-            </a:r>
-            <a:r>
-              <a:rPr lang="bg-BG" dirty="0"/>
-              <a:t>"Образование по програмиране и ИТ"</a:t>
-            </a:r>
-            <a:r>
-              <a:rPr lang="bg-BG" sz="1100" dirty="0"/>
-              <a:t>, с подкрепата на </a:t>
-            </a:r>
-            <a:r>
-              <a:rPr lang="en-US" sz="1100" dirty="0">
-                <a:hlinkClick r:id="rId3"/>
-              </a:rPr>
-              <a:t>SoftUni</a:t>
-            </a:r>
-            <a:endParaRPr lang="en-US" sz="1100" dirty="0"/>
-          </a:p>
-        </p:txBody>
-      </p:sp>
-    </p:spTree>
-    <p:extLst>
-      <p:ext uri="{BB962C8B-B14F-4D97-AF65-F5344CB8AC3E}">
-        <p14:creationId xmlns:p14="http://schemas.microsoft.com/office/powerpoint/2010/main" val="2106275876"/>
       </p:ext>
     </p:extLst>
   </p:cSld>
@@ -18549,14 +18539,95 @@
           <a:chExt cx="0" cy="0"/>
         </a:xfrm>
       </p:grpSpPr>
+      <p:grpSp>
+        <p:nvGrpSpPr>
+          <p:cNvPr id="2" name="Group 9"/>
+          <p:cNvGrpSpPr/>
+          <p:nvPr/>
+        </p:nvGrpSpPr>
+        <p:grpSpPr>
+          <a:xfrm>
+            <a:off x="4912827" y="1596574"/>
+            <a:ext cx="2347876" cy="2362038"/>
+            <a:chOff x="3878107" y="914400"/>
+            <a:chExt cx="4159406" cy="4184495"/>
+          </a:xfrm>
+        </p:grpSpPr>
+        <p:pic>
+          <p:nvPicPr>
+            <p:cNvPr id="11" name="Picture 10"/>
+            <p:cNvPicPr>
+              <a:picLocks noChangeAspect="1"/>
+            </p:cNvPicPr>
+            <p:nvPr/>
+          </p:nvPicPr>
+          <p:blipFill>
+            <a:blip r:embed="rId3" cstate="print">
+              <a:extLst>
+                <a:ext uri="{28A0092B-C50C-407E-A947-70E740481C1C}">
+                  <a14:useLocalDpi xmlns:a14="http://schemas.microsoft.com/office/drawing/2010/main" val="0"/>
+                </a:ext>
+              </a:extLst>
+            </a:blip>
+            <a:stretch>
+              <a:fillRect/>
+            </a:stretch>
+          </p:blipFill>
+          <p:spPr>
+            <a:xfrm>
+              <a:off x="4151313" y="914400"/>
+              <a:ext cx="3886200" cy="3886200"/>
+            </a:xfrm>
+            <a:prstGeom prst="rect">
+              <a:avLst/>
+            </a:prstGeom>
+          </p:spPr>
+        </p:pic>
+        <p:pic>
+          <p:nvPicPr>
+            <p:cNvPr id="12" name="Picture 11"/>
+            <p:cNvPicPr>
+              <a:picLocks noChangeAspect="1"/>
+            </p:cNvPicPr>
+            <p:nvPr/>
+          </p:nvPicPr>
+          <p:blipFill>
+            <a:blip r:embed="rId4" cstate="print">
+              <a:extLst>
+                <a:ext uri="{28A0092B-C50C-407E-A947-70E740481C1C}">
+                  <a14:useLocalDpi xmlns:a14="http://schemas.microsoft.com/office/drawing/2010/main" val="0"/>
+                </a:ext>
+              </a:extLst>
+            </a:blip>
+            <a:stretch>
+              <a:fillRect/>
+            </a:stretch>
+          </p:blipFill>
+          <p:spPr>
+            <a:xfrm rot="18746218">
+              <a:off x="3732212" y="2503574"/>
+              <a:ext cx="2741216" cy="2449426"/>
+            </a:xfrm>
+            <a:prstGeom prst="rect">
+              <a:avLst/>
+            </a:prstGeom>
+          </p:spPr>
+        </p:pic>
+      </p:grpSp>
       <p:sp>
         <p:nvSpPr>
-          <p:cNvPr id="3" name="Text Placeholder 2"/>
+          <p:cNvPr id="5" name="Подзаглавие 4">
+            <a:extLst>
+              <a:ext uri="{FF2B5EF4-FFF2-40B4-BE49-F238E27FC236}">
+                <a16:creationId xmlns:a16="http://schemas.microsoft.com/office/drawing/2014/main" id="{4786CD85-17B4-5582-0A31-340E498ED1C0}"/>
+              </a:ext>
+            </a:extLst>
+          </p:cNvPr>
           <p:cNvSpPr>
             <a:spLocks noGrp="1"/>
           </p:cNvSpPr>
           <p:nvPr>
-            <p:ph type="body" sz="quarter" idx="10"/>
+            <p:ph type="subTitle" sz="quarter" idx="11"/>
           </p:nvPr>
         </p:nvSpPr>
         <p:spPr/>
@@ -18564,104 +18635,20 @@
           <a:bodyPr/>
           <a:lstStyle/>
           <a:p>
-            <a:pPr marL="360363" lvl="1"/>
-            <a:r>
-              <a:rPr lang="bg-BG" sz="3600" dirty="0"/>
-              <a:t>Отворете сайта и решете поставена задача: </a:t>
-            </a:r>
-            <a:r>
-              <a:rPr lang="en-US" sz="3600" dirty="0">
-                <a:hlinkClick r:id="rId3"/>
-              </a:rPr>
-              <a:t>https://www.w3schools.com/sql/</a:t>
-            </a:r>
-            <a:endParaRPr lang="bg-BG" sz="3600" dirty="0"/>
-          </a:p>
-          <a:p>
-            <a:pPr lvl="1">
-              <a:buClr>
-                <a:schemeClr val="tx1"/>
-              </a:buClr>
-            </a:pPr>
-            <a:r>
-              <a:rPr lang="bg-BG" sz="3400" b="1" dirty="0">
-                <a:solidFill>
-                  <a:schemeClr val="bg1"/>
-                </a:solidFill>
-              </a:rPr>
-              <a:t>...</a:t>
-            </a:r>
-            <a:r>
-              <a:rPr lang="bg-BG" sz="3400" dirty="0"/>
-              <a:t> </a:t>
-            </a:r>
-            <a:r>
-              <a:rPr lang="en-US" sz="3400" dirty="0"/>
-              <a:t>* FROM Customers</a:t>
-            </a:r>
-            <a:r>
-              <a:rPr lang="bg-BG" sz="3400" dirty="0"/>
-              <a:t> – Допълнете полето, за да извлечете всички купувачи</a:t>
-            </a:r>
-            <a:endParaRPr lang="en-US" sz="3400" dirty="0"/>
+            <a:r>
+              <a:rPr lang="ru-RU" dirty="0"/>
+              <a:t>СУБД</a:t>
+            </a:r>
+            <a:endParaRPr lang="bg-BG" dirty="0"/>
           </a:p>
         </p:txBody>
       </p:sp>
       <p:sp>
         <p:nvSpPr>
-          <p:cNvPr id="4" name="Title 3"/>
-          <p:cNvSpPr>
-            <a:spLocks noGrp="1"/>
-          </p:cNvSpPr>
-          <p:nvPr>
-            <p:ph type="title"/>
-          </p:nvPr>
-        </p:nvSpPr>
-        <p:spPr/>
-        <p:txBody>
-          <a:bodyPr/>
-          <a:lstStyle/>
-          <a:p>
-            <a:r>
-              <a:rPr lang="bg-BG" dirty="0"/>
-              <a:t>Релационна база данни (Демо)</a:t>
-            </a:r>
-            <a:endParaRPr lang="en-US" dirty="0"/>
-          </a:p>
-        </p:txBody>
-      </p:sp>
-      <p:pic>
-        <p:nvPicPr>
-          <p:cNvPr id="1026" name="Picture 2" descr="File:W3Schools logo.svg - Wikimedia Commons"/>
-          <p:cNvPicPr>
-            <a:picLocks noChangeAspect="1" noChangeArrowheads="1"/>
-          </p:cNvPicPr>
-          <p:nvPr/>
-        </p:nvPicPr>
-        <p:blipFill>
-          <a:blip r:embed="rId4" cstate="print"/>
-          <a:srcRect/>
-          <a:stretch>
-            <a:fillRect/>
-          </a:stretch>
-        </p:blipFill>
-        <p:spPr bwMode="auto">
-          <a:xfrm>
-            <a:off x="5070318" y="4343400"/>
-            <a:ext cx="2051363" cy="1937242"/>
-          </a:xfrm>
-          <a:prstGeom prst="rect">
-            <a:avLst/>
-          </a:prstGeom>
-          <a:noFill/>
-        </p:spPr>
-      </p:pic>
-      <p:sp>
-        <p:nvSpPr>
-          <p:cNvPr id="5" name="Slide Number">
+          <p:cNvPr id="8" name="Заглавие 7">
             <a:extLst>
               <a:ext uri="{FF2B5EF4-FFF2-40B4-BE49-F238E27FC236}">
-                <a16:creationId xmlns:a16="http://schemas.microsoft.com/office/drawing/2014/main" id="{ECFA053F-60A2-0256-BD38-714461113047}"/>
+                <a16:creationId xmlns:a16="http://schemas.microsoft.com/office/drawing/2014/main" id="{1E46FA96-85EE-79F7-A20C-97A1852A90FE}"/>
               </a:ext>
             </a:extLst>
           </p:cNvPr>
@@ -18669,39 +18656,30 @@
             <a:spLocks noGrp="1"/>
           </p:cNvSpPr>
           <p:nvPr>
-            <p:ph type="sldNum" sz="quarter" idx="5"/>
+            <p:ph type="title" sz="quarter" idx="10"/>
           </p:nvPr>
         </p:nvSpPr>
         <p:spPr>
           <a:xfrm>
-            <a:off x="11753030" y="6507000"/>
-            <a:ext cx="367414" cy="297000"/>
+            <a:off x="696000" y="4769693"/>
+            <a:ext cx="10799999" cy="768084"/>
           </a:xfrm>
-          <a:prstGeom prst="rect">
-            <a:avLst/>
-          </a:prstGeom>
         </p:spPr>
         <p:txBody>
-          <a:bodyPr vert="horz" lIns="91440" tIns="45720" rIns="91440" bIns="45720" rtlCol="0" anchor="b"/>
-          <a:lstStyle>
-            <a:lvl1pPr algn="r">
-              <a:defRPr sz="1000"/>
-            </a:lvl1pPr>
-          </a:lstStyle>
+          <a:bodyPr/>
+          <a:lstStyle/>
           <a:p>
-            <a:fld id="{2BF067CD-8E6B-4360-9AA8-C5DF2A48A6D1}" type="slidenum">
-              <a:rPr lang="en-US" noProof="0" smtClean="0"/>
-              <a:pPr/>
-              <a:t>19</a:t>
-            </a:fld>
-            <a:endParaRPr lang="en-US" noProof="0" dirty="0"/>
+            <a:r>
+              <a:rPr lang="bg-BG" sz="5000" dirty="0"/>
+              <a:t>Системи за управление на бази данни</a:t>
+            </a:r>
           </a:p>
         </p:txBody>
       </p:sp>
     </p:spTree>
     <p:extLst>
       <p:ext uri="{BB962C8B-B14F-4D97-AF65-F5344CB8AC3E}">
-        <p14:creationId xmlns:p14="http://schemas.microsoft.com/office/powerpoint/2010/main" val="1102722820"/>
+        <p14:creationId xmlns:p14="http://schemas.microsoft.com/office/powerpoint/2010/main" val="1829993571"/>
       </p:ext>
     </p:extLst>
   </p:cSld>
@@ -18716,85 +18694,6 @@
       <p:transition spd="slow" advClick="0" advTm="5000"/>
     </mc:Fallback>
   </mc:AlternateContent>
-  <p:timing>
-    <p:tnLst>
-      <p:par>
-        <p:cTn id="1" dur="indefinite" restart="never" nodeType="tmRoot">
-          <p:childTnLst>
-            <p:seq concurrent="1" nextAc="seek">
-              <p:cTn id="2" dur="indefinite" nodeType="mainSeq">
-                <p:childTnLst>
-                  <p:par>
-                    <p:cTn id="3" fill="hold">
-                      <p:stCondLst>
-                        <p:cond delay="indefinite"/>
-                      </p:stCondLst>
-                      <p:childTnLst>
-                        <p:par>
-                          <p:cTn id="4" fill="hold">
-                            <p:stCondLst>
-                              <p:cond delay="0"/>
-                            </p:stCondLst>
-                            <p:childTnLst>
-                              <p:par>
-                                <p:cTn id="5" presetID="1" presetClass="entr" presetSubtype="0" fill="hold" nodeType="clickEffect">
-                                  <p:stCondLst>
-                                    <p:cond delay="0"/>
-                                  </p:stCondLst>
-                                  <p:childTnLst>
-                                    <p:set>
-                                      <p:cBhvr>
-                                        <p:cTn id="6" dur="1" fill="hold">
-                                          <p:stCondLst>
-                                            <p:cond delay="0"/>
-                                          </p:stCondLst>
-                                        </p:cTn>
-                                        <p:tgtEl>
-                                          <p:spTgt spid="3">
-                                            <p:txEl>
-                                              <p:pRg st="1" end="1"/>
-                                            </p:txEl>
-                                          </p:spTgt>
-                                        </p:tgtEl>
-                                        <p:attrNameLst>
-                                          <p:attrName>style.visibility</p:attrName>
-                                        </p:attrNameLst>
-                                      </p:cBhvr>
-                                      <p:to>
-                                        <p:strVal val="visible"/>
-                                      </p:to>
-                                    </p:set>
-                                  </p:childTnLst>
-                                </p:cTn>
-                              </p:par>
-                            </p:childTnLst>
-                          </p:cTn>
-                        </p:par>
-                      </p:childTnLst>
-                    </p:cTn>
-                  </p:par>
-                </p:childTnLst>
-              </p:cTn>
-              <p:prevCondLst>
-                <p:cond evt="onPrev" delay="0">
-                  <p:tgtEl>
-                    <p:sldTgt/>
-                  </p:tgtEl>
-                </p:cond>
-              </p:prevCondLst>
-              <p:nextCondLst>
-                <p:cond evt="onNext" delay="0">
-                  <p:tgtEl>
-                    <p:sldTgt/>
-                  </p:tgtEl>
-                </p:cond>
-              </p:nextCondLst>
-            </p:seq>
-          </p:childTnLst>
-        </p:cTn>
-      </p:par>
-    </p:tnLst>
-  </p:timing>
 </p:sld>
 </file>
 
@@ -19296,181 +19195,6 @@
           <a:chExt cx="0" cy="0"/>
         </a:xfrm>
       </p:grpSpPr>
-      <p:grpSp>
-        <p:nvGrpSpPr>
-          <p:cNvPr id="2" name="Group 9"/>
-          <p:cNvGrpSpPr/>
-          <p:nvPr/>
-        </p:nvGrpSpPr>
-        <p:grpSpPr>
-          <a:xfrm>
-            <a:off x="4912827" y="1596574"/>
-            <a:ext cx="2347876" cy="2362038"/>
-            <a:chOff x="3878107" y="914400"/>
-            <a:chExt cx="4159406" cy="4184495"/>
-          </a:xfrm>
-        </p:grpSpPr>
-        <p:pic>
-          <p:nvPicPr>
-            <p:cNvPr id="11" name="Picture 10"/>
-            <p:cNvPicPr>
-              <a:picLocks noChangeAspect="1"/>
-            </p:cNvPicPr>
-            <p:nvPr/>
-          </p:nvPicPr>
-          <p:blipFill>
-            <a:blip r:embed="rId3" cstate="print">
-              <a:extLst>
-                <a:ext uri="{28A0092B-C50C-407E-A947-70E740481C1C}">
-                  <a14:useLocalDpi xmlns:a14="http://schemas.microsoft.com/office/drawing/2010/main" val="0"/>
-                </a:ext>
-              </a:extLst>
-            </a:blip>
-            <a:stretch>
-              <a:fillRect/>
-            </a:stretch>
-          </p:blipFill>
-          <p:spPr>
-            <a:xfrm>
-              <a:off x="4151313" y="914400"/>
-              <a:ext cx="3886200" cy="3886200"/>
-            </a:xfrm>
-            <a:prstGeom prst="rect">
-              <a:avLst/>
-            </a:prstGeom>
-          </p:spPr>
-        </p:pic>
-        <p:pic>
-          <p:nvPicPr>
-            <p:cNvPr id="12" name="Picture 11"/>
-            <p:cNvPicPr>
-              <a:picLocks noChangeAspect="1"/>
-            </p:cNvPicPr>
-            <p:nvPr/>
-          </p:nvPicPr>
-          <p:blipFill>
-            <a:blip r:embed="rId4" cstate="print">
-              <a:extLst>
-                <a:ext uri="{28A0092B-C50C-407E-A947-70E740481C1C}">
-                  <a14:useLocalDpi xmlns:a14="http://schemas.microsoft.com/office/drawing/2010/main" val="0"/>
-                </a:ext>
-              </a:extLst>
-            </a:blip>
-            <a:stretch>
-              <a:fillRect/>
-            </a:stretch>
-          </p:blipFill>
-          <p:spPr>
-            <a:xfrm rot="18746218">
-              <a:off x="3732212" y="2503574"/>
-              <a:ext cx="2741216" cy="2449426"/>
-            </a:xfrm>
-            <a:prstGeom prst="rect">
-              <a:avLst/>
-            </a:prstGeom>
-          </p:spPr>
-        </p:pic>
-      </p:grpSp>
-      <p:sp>
-        <p:nvSpPr>
-          <p:cNvPr id="5" name="Подзаглавие 4">
-            <a:extLst>
-              <a:ext uri="{FF2B5EF4-FFF2-40B4-BE49-F238E27FC236}">
-                <a16:creationId xmlns:a16="http://schemas.microsoft.com/office/drawing/2014/main" id="{4786CD85-17B4-5582-0A31-340E498ED1C0}"/>
-              </a:ext>
-            </a:extLst>
-          </p:cNvPr>
-          <p:cNvSpPr>
-            <a:spLocks noGrp="1"/>
-          </p:cNvSpPr>
-          <p:nvPr>
-            <p:ph type="subTitle" sz="quarter" idx="11"/>
-          </p:nvPr>
-        </p:nvSpPr>
-        <p:spPr/>
-        <p:txBody>
-          <a:bodyPr/>
-          <a:lstStyle/>
-          <a:p>
-            <a:r>
-              <a:rPr lang="ru-RU" dirty="0"/>
-              <a:t>СУБД</a:t>
-            </a:r>
-            <a:endParaRPr lang="bg-BG" dirty="0"/>
-          </a:p>
-        </p:txBody>
-      </p:sp>
-      <p:sp>
-        <p:nvSpPr>
-          <p:cNvPr id="8" name="Заглавие 7">
-            <a:extLst>
-              <a:ext uri="{FF2B5EF4-FFF2-40B4-BE49-F238E27FC236}">
-                <a16:creationId xmlns:a16="http://schemas.microsoft.com/office/drawing/2014/main" id="{1E46FA96-85EE-79F7-A20C-97A1852A90FE}"/>
-              </a:ext>
-            </a:extLst>
-          </p:cNvPr>
-          <p:cNvSpPr>
-            <a:spLocks noGrp="1"/>
-          </p:cNvSpPr>
-          <p:nvPr>
-            <p:ph type="title" sz="quarter" idx="10"/>
-          </p:nvPr>
-        </p:nvSpPr>
-        <p:spPr>
-          <a:xfrm>
-            <a:off x="696000" y="4769693"/>
-            <a:ext cx="10799999" cy="768084"/>
-          </a:xfrm>
-        </p:spPr>
-        <p:txBody>
-          <a:bodyPr/>
-          <a:lstStyle/>
-          <a:p>
-            <a:r>
-              <a:rPr lang="bg-BG" sz="5000" dirty="0"/>
-              <a:t>Системи за управление на бази данни</a:t>
-            </a:r>
-          </a:p>
-        </p:txBody>
-      </p:sp>
-    </p:spTree>
-    <p:extLst>
-      <p:ext uri="{BB962C8B-B14F-4D97-AF65-F5344CB8AC3E}">
-        <p14:creationId xmlns:p14="http://schemas.microsoft.com/office/powerpoint/2010/main" val="1829993571"/>
-      </p:ext>
-    </p:extLst>
-  </p:cSld>
-  <p:clrMapOvr>
-    <a:masterClrMapping/>
-  </p:clrMapOvr>
-  <mc:AlternateContent xmlns:mc="http://schemas.openxmlformats.org/markup-compatibility/2006" xmlns:p14="http://schemas.microsoft.com/office/powerpoint/2010/main">
-    <mc:Choice Requires="p14">
-      <p:transition spd="slow" p14:dur="2000" advClick="0" advTm="5000"/>
-    </mc:Choice>
-    <mc:Fallback xmlns="">
-      <p:transition spd="slow" advClick="0" advTm="5000"/>
-    </mc:Fallback>
-  </mc:AlternateContent>
-</p:sld>
-</file>
-
-<file path=ppt/slides/slide21.xml><?xml version="1.0" encoding="utf-8"?>
-<p:sld xmlns:a="http://schemas.openxmlformats.org/drawingml/2006/main" xmlns:r="http://schemas.openxmlformats.org/officeDocument/2006/relationships" xmlns:p="http://schemas.openxmlformats.org/presentationml/2006/main">
-  <p:cSld>
-    <p:spTree>
-      <p:nvGrpSpPr>
-        <p:cNvPr id="1" name=""/>
-        <p:cNvGrpSpPr/>
-        <p:nvPr/>
-      </p:nvGrpSpPr>
-      <p:grpSpPr>
-        <a:xfrm>
-          <a:off x="0" y="0"/>
-          <a:ext cx="0" cy="0"/>
-          <a:chOff x="0" y="0"/>
-          <a:chExt cx="0" cy="0"/>
-        </a:xfrm>
-      </p:grpSpPr>
       <p:sp>
         <p:nvSpPr>
           <p:cNvPr id="3" name="Text Placeholder 2">
@@ -20022,7 +19746,7 @@
             <a:fld id="{2BF067CD-8E6B-4360-9AA8-C5DF2A48A6D1}" type="slidenum">
               <a:rPr lang="en-US" noProof="0" smtClean="0"/>
               <a:pPr/>
-              <a:t>21</a:t>
+              <a:t>20</a:t>
             </a:fld>
             <a:endParaRPr lang="en-US" noProof="0" dirty="0"/>
           </a:p>
@@ -20177,7 +19901,7 @@
 </p:sld>
 </file>
 
-<file path=ppt/slides/slide22.xml><?xml version="1.0" encoding="utf-8"?>
+<file path=ppt/slides/slide21.xml><?xml version="1.0" encoding="utf-8"?>
 <p:sld xmlns:a="http://schemas.openxmlformats.org/drawingml/2006/main" xmlns:r="http://schemas.openxmlformats.org/officeDocument/2006/relationships" xmlns:p="http://schemas.openxmlformats.org/presentationml/2006/main">
   <p:cSld>
     <p:spTree>
@@ -20224,26 +19948,6 @@
                 <a:cs typeface="Calibri"/>
               </a:rPr>
               <a:t>СУБД </a:t>
-            </a:r>
-            <a:r>
-              <a:rPr lang="bg-BG" sz="3400" b="1" spc="-15" dirty="0">
-                <a:solidFill>
-                  <a:srgbClr val="224464"/>
-                </a:solidFill>
-                <a:latin typeface="Calibri"/>
-                <a:cs typeface="Calibri"/>
-              </a:rPr>
-              <a:t>сървърите</a:t>
-            </a:r>
-            <a:r>
-              <a:rPr lang="en-US" sz="3400" b="1" spc="5" dirty="0">
-                <a:solidFill>
-                  <a:srgbClr val="224464"/>
-                </a:solidFill>
-                <a:latin typeface="Calibri"/>
-                <a:cs typeface="Calibri"/>
-              </a:rPr>
-              <a:t> </a:t>
             </a:r>
             <a:r>
               <a:rPr lang="bg-BG" dirty="0"/>
@@ -22376,7 +22080,7 @@
             <a:fld id="{2BF067CD-8E6B-4360-9AA8-C5DF2A48A6D1}" type="slidenum">
               <a:rPr lang="en-US" noProof="0" smtClean="0"/>
               <a:pPr/>
-              <a:t>22</a:t>
+              <a:t>21</a:t>
             </a:fld>
             <a:endParaRPr lang="en-US" noProof="0" dirty="0"/>
           </a:p>
@@ -22568,7 +22272,7 @@
 </p:sld>
 </file>
 
-<file path=ppt/slides/slide23.xml><?xml version="1.0" encoding="utf-8"?>
+<file path=ppt/slides/slide22.xml><?xml version="1.0" encoding="utf-8"?>
 <p:sld xmlns:a="http://schemas.openxmlformats.org/drawingml/2006/main" xmlns:r="http://schemas.openxmlformats.org/officeDocument/2006/relationships" xmlns:p="http://schemas.openxmlformats.org/presentationml/2006/main">
   <p:cSld>
     <p:spTree>
@@ -23084,7 +22788,7 @@
             <a:fld id="{2BF067CD-8E6B-4360-9AA8-C5DF2A48A6D1}" type="slidenum">
               <a:rPr lang="en-US" noProof="0" smtClean="0"/>
               <a:pPr/>
-              <a:t>23</a:t>
+              <a:t>22</a:t>
             </a:fld>
             <a:endParaRPr lang="en-US" noProof="0" dirty="0"/>
           </a:p>
@@ -23342,7 +23046,7 @@
 </p:sld>
 </file>
 
-<file path=ppt/slides/slide24.xml><?xml version="1.0" encoding="utf-8"?>
+<file path=ppt/slides/slide23.xml><?xml version="1.0" encoding="utf-8"?>
 <p:sld xmlns:a="http://schemas.openxmlformats.org/drawingml/2006/main" xmlns:r="http://schemas.openxmlformats.org/officeDocument/2006/relationships" xmlns:p="http://schemas.openxmlformats.org/presentationml/2006/main">
   <p:cSld>
     <p:spTree>
@@ -28418,7 +28122,7 @@
             <a:fld id="{2BF067CD-8E6B-4360-9AA8-C5DF2A48A6D1}" type="slidenum">
               <a:rPr lang="en-US" noProof="0" smtClean="0"/>
               <a:pPr/>
-              <a:t>24</a:t>
+              <a:t>23</a:t>
             </a:fld>
             <a:endParaRPr lang="en-US" noProof="0" dirty="0"/>
           </a:p>
@@ -28866,7 +28570,7 @@
 </p:sld>
 </file>
 
-<file path=ppt/slides/slide25.xml><?xml version="1.0" encoding="utf-8"?>
+<file path=ppt/slides/slide24.xml><?xml version="1.0" encoding="utf-8"?>
 <p:sld xmlns:a="http://schemas.openxmlformats.org/drawingml/2006/main" xmlns:r="http://schemas.openxmlformats.org/officeDocument/2006/relationships" xmlns:p="http://schemas.openxmlformats.org/presentationml/2006/main">
   <p:cSld>
     <p:spTree>
@@ -28907,7 +28611,7 @@
             <a:fld id="{2BF067CD-8E6B-4360-9AA8-C5DF2A48A6D1}" type="slidenum">
               <a:rPr lang="en-US" noProof="0" smtClean="0"/>
               <a:pPr/>
-              <a:t>25</a:t>
+              <a:t>24</a:t>
             </a:fld>
             <a:endParaRPr lang="en-US" noProof="0" dirty="0"/>
           </a:p>
@@ -29577,7 +29281,7 @@
 </p:sld>
 </file>
 
-<file path=ppt/slides/slide26.xml><?xml version="1.0" encoding="utf-8"?>
+<file path=ppt/slides/slide25.xml><?xml version="1.0" encoding="utf-8"?>
 <p:sld xmlns:a="http://schemas.openxmlformats.org/drawingml/2006/main" xmlns:r="http://schemas.openxmlformats.org/officeDocument/2006/relationships" xmlns:p="http://schemas.openxmlformats.org/presentationml/2006/main">
   <p:cSld>
     <p:spTree>
@@ -29618,7 +29322,7 @@
             <a:fld id="{2BF067CD-8E6B-4360-9AA8-C5DF2A48A6D1}" type="slidenum">
               <a:rPr lang="en-US" noProof="0" smtClean="0"/>
               <a:pPr/>
-              <a:t>26</a:t>
+              <a:t>25</a:t>
             </a:fld>
             <a:endParaRPr lang="en-US" noProof="0" dirty="0"/>
           </a:p>
@@ -30261,7 +29965,7 @@
 </p:sld>
 </file>
 
-<file path=ppt/slides/slide27.xml><?xml version="1.0" encoding="utf-8"?>
+<file path=ppt/slides/slide26.xml><?xml version="1.0" encoding="utf-8"?>
 <p:sld xmlns:a="http://schemas.openxmlformats.org/drawingml/2006/main" xmlns:r="http://schemas.openxmlformats.org/officeDocument/2006/relationships" xmlns:p="http://schemas.openxmlformats.org/presentationml/2006/main">
   <p:cSld>
     <p:spTree>
@@ -30302,7 +30006,7 @@
             <a:fld id="{2BF067CD-8E6B-4360-9AA8-C5DF2A48A6D1}" type="slidenum">
               <a:rPr lang="en-US" noProof="0" smtClean="0"/>
               <a:pPr/>
-              <a:t>27</a:t>
+              <a:t>26</a:t>
             </a:fld>
             <a:endParaRPr lang="en-US" noProof="0" dirty="0"/>
           </a:p>
@@ -30775,7 +30479,7 @@
 </p:sld>
 </file>
 
-<file path=ppt/slides/slide28.xml><?xml version="1.0" encoding="utf-8"?>
+<file path=ppt/slides/slide27.xml><?xml version="1.0" encoding="utf-8"?>
 <p:sld xmlns:a="http://schemas.openxmlformats.org/drawingml/2006/main" xmlns:r="http://schemas.openxmlformats.org/officeDocument/2006/relationships" xmlns:p="http://schemas.openxmlformats.org/presentationml/2006/main">
   <p:cSld>
     <p:spTree>
@@ -30816,7 +30520,7 @@
             <a:fld id="{2BF067CD-8E6B-4360-9AA8-C5DF2A48A6D1}" type="slidenum">
               <a:rPr lang="en-US" noProof="0" smtClean="0"/>
               <a:pPr/>
-              <a:t>28</a:t>
+              <a:t>27</a:t>
             </a:fld>
             <a:endParaRPr lang="en-US" noProof="0" dirty="0"/>
           </a:p>
@@ -30922,15 +30626,7 @@
             </a:r>
             <a:r>
               <a:rPr lang="ru-RU" dirty="0"/>
-              <a:t> информация на </a:t>
-            </a:r>
-            <a:r>
-              <a:rPr lang="ru-RU" dirty="0" err="1"/>
-              <a:t>различните</a:t>
-            </a:r>
-            <a:r>
-              <a:rPr lang="ru-RU" dirty="0"/>
-              <a:t> </a:t>
+              <a:t> информация на различните </a:t>
             </a:r>
             <a:r>
               <a:rPr lang="ru-RU" b="1" dirty="0">
@@ -31307,7 +31003,7 @@
 </p:sld>
 </file>
 
-<file path=ppt/slides/slide29.xml><?xml version="1.0" encoding="utf-8"?>
+<file path=ppt/slides/slide28.xml><?xml version="1.0" encoding="utf-8"?>
 <p:sld xmlns:a="http://schemas.openxmlformats.org/drawingml/2006/main" xmlns:r="http://schemas.openxmlformats.org/officeDocument/2006/relationships" xmlns:p="http://schemas.openxmlformats.org/presentationml/2006/main">
   <p:cSld>
     <p:spTree>
@@ -31348,7 +31044,7 @@
             <a:fld id="{2BF067CD-8E6B-4360-9AA8-C5DF2A48A6D1}" type="slidenum">
               <a:rPr lang="en-US" noProof="0" smtClean="0"/>
               <a:pPr/>
-              <a:t>29</a:t>
+              <a:t>28</a:t>
             </a:fld>
             <a:endParaRPr lang="en-US" noProof="0" dirty="0"/>
           </a:p>
@@ -31681,6 +31377,380 @@
 </p:sld>
 </file>
 
+<file path=ppt/slides/slide29.xml><?xml version="1.0" encoding="utf-8"?>
+<p:sld xmlns:a="http://schemas.openxmlformats.org/drawingml/2006/main" xmlns:r="http://schemas.openxmlformats.org/officeDocument/2006/relationships" xmlns:p="http://schemas.openxmlformats.org/presentationml/2006/main">
+  <p:cSld>
+    <p:spTree>
+      <p:nvGrpSpPr>
+        <p:cNvPr id="1" name=""/>
+        <p:cNvGrpSpPr/>
+        <p:nvPr/>
+      </p:nvGrpSpPr>
+      <p:grpSpPr>
+        <a:xfrm>
+          <a:off x="0" y="0"/>
+          <a:ext cx="0" cy="0"/>
+          <a:chOff x="0" y="0"/>
+          <a:chExt cx="0" cy="0"/>
+        </a:xfrm>
+      </p:grpSpPr>
+      <p:sp>
+        <p:nvSpPr>
+          <p:cNvPr id="2" name="Slide Number Placeholder 1">
+            <a:extLst>
+              <a:ext uri="{FF2B5EF4-FFF2-40B4-BE49-F238E27FC236}">
+                <a16:creationId xmlns:a16="http://schemas.microsoft.com/office/drawing/2014/main" id="{A2C8208D-726E-A260-D421-D6ED7EDC65C2}"/>
+              </a:ext>
+            </a:extLst>
+          </p:cNvPr>
+          <p:cNvSpPr>
+            <a:spLocks noGrp="1"/>
+          </p:cNvSpPr>
+          <p:nvPr>
+            <p:ph type="sldNum" sz="quarter" idx="5"/>
+          </p:nvPr>
+        </p:nvSpPr>
+        <p:spPr/>
+        <p:txBody>
+          <a:bodyPr/>
+          <a:lstStyle/>
+          <a:p>
+            <a:fld id="{2BF067CD-8E6B-4360-9AA8-C5DF2A48A6D1}" type="slidenum">
+              <a:rPr lang="en-US" noProof="0" smtClean="0"/>
+              <a:pPr/>
+              <a:t>29</a:t>
+            </a:fld>
+            <a:endParaRPr lang="en-US" noProof="0" dirty="0"/>
+          </a:p>
+        </p:txBody>
+      </p:sp>
+      <p:sp>
+        <p:nvSpPr>
+          <p:cNvPr id="3" name="Text Placeholder 2">
+            <a:extLst>
+              <a:ext uri="{FF2B5EF4-FFF2-40B4-BE49-F238E27FC236}">
+                <a16:creationId xmlns:a16="http://schemas.microsoft.com/office/drawing/2014/main" id="{CE5FEA2A-F128-8014-2E94-67C56C8C77E2}"/>
+              </a:ext>
+            </a:extLst>
+          </p:cNvPr>
+          <p:cNvSpPr>
+            <a:spLocks noGrp="1"/>
+          </p:cNvSpPr>
+          <p:nvPr>
+            <p:ph type="body" sz="quarter" idx="10"/>
+          </p:nvPr>
+        </p:nvSpPr>
+        <p:spPr/>
+        <p:txBody>
+          <a:bodyPr/>
+          <a:lstStyle/>
+          <a:p>
+            <a:r>
+              <a:rPr lang="ru-RU" dirty="0"/>
+              <a:t>Посредник между </a:t>
+            </a:r>
+            <a:r>
+              <a:rPr lang="ru-RU" b="1" dirty="0">
+                <a:solidFill>
+                  <a:schemeClr val="bg1"/>
+                </a:solidFill>
+              </a:rPr>
+              <a:t>външните</a:t>
+            </a:r>
+            <a:r>
+              <a:rPr lang="ru-RU" dirty="0"/>
+              <a:t> и </a:t>
+            </a:r>
+            <a:r>
+              <a:rPr lang="ru-RU" b="1" dirty="0">
+                <a:solidFill>
+                  <a:schemeClr val="bg1"/>
+                </a:solidFill>
+              </a:rPr>
+              <a:t>вътрешните</a:t>
+            </a:r>
+            <a:r>
+              <a:rPr lang="ru-RU" dirty="0"/>
+              <a:t> нива на </a:t>
+            </a:r>
+            <a:r>
+              <a:rPr lang="ru-RU" b="1" dirty="0"/>
+              <a:t>абстракция</a:t>
+            </a:r>
+          </a:p>
+          <a:p>
+            <a:r>
+              <a:rPr lang="ru-RU" dirty="0"/>
+              <a:t>Описва </a:t>
+            </a:r>
+            <a:r>
+              <a:rPr lang="ru-RU" b="1" dirty="0">
+                <a:solidFill>
+                  <a:schemeClr val="bg1"/>
+                </a:solidFill>
+              </a:rPr>
+              <a:t>структурата</a:t>
+            </a:r>
+            <a:r>
+              <a:rPr lang="ru-RU" dirty="0"/>
+              <a:t> на цялата </a:t>
+            </a:r>
+            <a:r>
+              <a:rPr lang="ru-RU" b="1" dirty="0">
+                <a:solidFill>
+                  <a:schemeClr val="bg1"/>
+                </a:solidFill>
+              </a:rPr>
+              <a:t>база данни</a:t>
+            </a:r>
+            <a:r>
+              <a:rPr lang="ru-RU" dirty="0">
+                <a:solidFill>
+                  <a:schemeClr val="bg1"/>
+                </a:solidFill>
+              </a:rPr>
+              <a:t> </a:t>
+            </a:r>
+            <a:r>
+              <a:rPr lang="ru-RU" dirty="0"/>
+              <a:t>за </a:t>
+            </a:r>
+            <a:r>
+              <a:rPr lang="ru-RU" b="1" dirty="0">
+                <a:solidFill>
+                  <a:schemeClr val="bg1"/>
+                </a:solidFill>
+              </a:rPr>
+              <a:t>всички</a:t>
+            </a:r>
+            <a:r>
+              <a:rPr lang="ru-RU" dirty="0"/>
+              <a:t> потребители</a:t>
+            </a:r>
+          </a:p>
+          <a:p>
+            <a:r>
+              <a:rPr lang="ru-RU" dirty="0"/>
+              <a:t>Определя какви </a:t>
+            </a:r>
+            <a:r>
+              <a:rPr lang="ru-RU" b="1" dirty="0">
+                <a:solidFill>
+                  <a:schemeClr val="bg1"/>
+                </a:solidFill>
+              </a:rPr>
+              <a:t>данни</a:t>
+            </a:r>
+            <a:r>
+              <a:rPr lang="ru-RU" dirty="0"/>
+              <a:t> се </a:t>
+            </a:r>
+            <a:r>
+              <a:rPr lang="ru-RU" b="1" dirty="0">
+                <a:solidFill>
+                  <a:schemeClr val="bg1"/>
+                </a:solidFill>
+              </a:rPr>
+              <a:t>съхраняват</a:t>
+            </a:r>
+            <a:r>
+              <a:rPr lang="ru-RU" dirty="0"/>
+              <a:t> в базата данни и </a:t>
+            </a:r>
+            <a:r>
+              <a:rPr lang="ru-RU" b="1" dirty="0">
+                <a:solidFill>
+                  <a:schemeClr val="bg1"/>
+                </a:solidFill>
+              </a:rPr>
+              <a:t>връзките</a:t>
+            </a:r>
+            <a:r>
+              <a:rPr lang="ru-RU" dirty="0"/>
+              <a:t> между тях, но без да влиза в детайли как точно тези данни се съхраняват физически</a:t>
+            </a:r>
+            <a:endParaRPr lang="en-US" dirty="0"/>
+          </a:p>
+        </p:txBody>
+      </p:sp>
+      <p:sp>
+        <p:nvSpPr>
+          <p:cNvPr id="4" name="Title 3">
+            <a:extLst>
+              <a:ext uri="{FF2B5EF4-FFF2-40B4-BE49-F238E27FC236}">
+                <a16:creationId xmlns:a16="http://schemas.microsoft.com/office/drawing/2014/main" id="{4636B1A0-5A39-1F5E-E211-8548A4FA8D09}"/>
+              </a:ext>
+            </a:extLst>
+          </p:cNvPr>
+          <p:cNvSpPr>
+            <a:spLocks noGrp="1"/>
+          </p:cNvSpPr>
+          <p:nvPr>
+            <p:ph type="title"/>
+          </p:nvPr>
+        </p:nvSpPr>
+        <p:spPr/>
+        <p:txBody>
+          <a:bodyPr/>
+          <a:lstStyle/>
+          <a:p>
+            <a:r>
+              <a:rPr lang="ru-RU" dirty="0"/>
+              <a:t>Концептуално ниво на абстракция</a:t>
+            </a:r>
+            <a:endParaRPr lang="en-US" dirty="0"/>
+          </a:p>
+        </p:txBody>
+      </p:sp>
+    </p:spTree>
+    <p:extLst>
+      <p:ext uri="{BB962C8B-B14F-4D97-AF65-F5344CB8AC3E}">
+        <p14:creationId xmlns:p14="http://schemas.microsoft.com/office/powerpoint/2010/main" val="1997393453"/>
+      </p:ext>
+    </p:extLst>
+  </p:cSld>
+  <p:clrMapOvr>
+    <a:masterClrMapping/>
+  </p:clrMapOvr>
+  <mc:AlternateContent xmlns:mc="http://schemas.openxmlformats.org/markup-compatibility/2006" xmlns:p14="http://schemas.microsoft.com/office/powerpoint/2010/main">
+    <mc:Choice Requires="p14">
+      <p:transition spd="slow" p14:dur="2000" advClick="0" advTm="5000"/>
+    </mc:Choice>
+    <mc:Fallback xmlns="">
+      <p:transition spd="slow" advClick="0" advTm="5000"/>
+    </mc:Fallback>
+  </mc:AlternateContent>
+  <p:timing>
+    <p:tnLst>
+      <p:par>
+        <p:cTn id="1" dur="indefinite" restart="never" nodeType="tmRoot">
+          <p:childTnLst>
+            <p:seq concurrent="1" nextAc="seek">
+              <p:cTn id="2" dur="indefinite" nodeType="mainSeq">
+                <p:childTnLst>
+                  <p:par>
+                    <p:cTn id="3" fill="hold">
+                      <p:stCondLst>
+                        <p:cond delay="indefinite"/>
+                      </p:stCondLst>
+                      <p:childTnLst>
+                        <p:par>
+                          <p:cTn id="4" fill="hold">
+                            <p:stCondLst>
+                              <p:cond delay="0"/>
+                            </p:stCondLst>
+                            <p:childTnLst>
+                              <p:par>
+                                <p:cTn id="5" presetID="1" presetClass="entr" presetSubtype="0" fill="hold" nodeType="clickEffect">
+                                  <p:stCondLst>
+                                    <p:cond delay="0"/>
+                                  </p:stCondLst>
+                                  <p:childTnLst>
+                                    <p:set>
+                                      <p:cBhvr>
+                                        <p:cTn id="6" dur="1" fill="hold">
+                                          <p:stCondLst>
+                                            <p:cond delay="0"/>
+                                          </p:stCondLst>
+                                        </p:cTn>
+                                        <p:tgtEl>
+                                          <p:spTgt spid="3">
+                                            <p:txEl>
+                                              <p:pRg st="1" end="1"/>
+                                            </p:txEl>
+                                          </p:spTgt>
+                                        </p:tgtEl>
+                                        <p:attrNameLst>
+                                          <p:attrName>style.visibility</p:attrName>
+                                        </p:attrNameLst>
+                                      </p:cBhvr>
+                                      <p:to>
+                                        <p:strVal val="visible"/>
+                                      </p:to>
+                                    </p:set>
+                                  </p:childTnLst>
+                                </p:cTn>
+                              </p:par>
+                            </p:childTnLst>
+                          </p:cTn>
+                        </p:par>
+                      </p:childTnLst>
+                    </p:cTn>
+                  </p:par>
+                  <p:par>
+                    <p:cTn id="7" fill="hold">
+                      <p:stCondLst>
+                        <p:cond delay="indefinite"/>
+                      </p:stCondLst>
+                      <p:childTnLst>
+                        <p:par>
+                          <p:cTn id="8" fill="hold">
+                            <p:stCondLst>
+                              <p:cond delay="0"/>
+                            </p:stCondLst>
+                            <p:childTnLst>
+                              <p:par>
+                                <p:cTn id="9" presetID="1" presetClass="entr" presetSubtype="0" fill="hold" nodeType="clickEffect">
+                                  <p:stCondLst>
+                                    <p:cond delay="0"/>
+                                  </p:stCondLst>
+                                  <p:childTnLst>
+                                    <p:set>
+                                      <p:cBhvr>
+                                        <p:cTn id="10" dur="1" fill="hold">
+                                          <p:stCondLst>
+                                            <p:cond delay="0"/>
+                                          </p:stCondLst>
+                                        </p:cTn>
+                                        <p:tgtEl>
+                                          <p:spTgt spid="3">
+                                            <p:txEl>
+                                              <p:pRg st="2" end="2"/>
+                                            </p:txEl>
+                                          </p:spTgt>
+                                        </p:tgtEl>
+                                        <p:attrNameLst>
+                                          <p:attrName>style.visibility</p:attrName>
+                                        </p:attrNameLst>
+                                      </p:cBhvr>
+                                      <p:to>
+                                        <p:strVal val="visible"/>
+                                      </p:to>
+                                    </p:set>
+                                  </p:childTnLst>
+                                </p:cTn>
+                              </p:par>
+                            </p:childTnLst>
+                          </p:cTn>
+                        </p:par>
+                      </p:childTnLst>
+                    </p:cTn>
+                  </p:par>
+                </p:childTnLst>
+              </p:cTn>
+              <p:prevCondLst>
+                <p:cond evt="onPrev" delay="0">
+                  <p:tgtEl>
+                    <p:sldTgt/>
+                  </p:tgtEl>
+                </p:cond>
+              </p:prevCondLst>
+              <p:nextCondLst>
+                <p:cond evt="onNext" delay="0">
+                  <p:tgtEl>
+                    <p:sldTgt/>
+                  </p:tgtEl>
+                </p:cond>
+              </p:nextCondLst>
+            </p:seq>
+          </p:childTnLst>
+        </p:cTn>
+      </p:par>
+    </p:tnLst>
+  </p:timing>
+</p:sld>
+</file>
+
 <file path=ppt/slides/slide3.xml><?xml version="1.0" encoding="utf-8"?>
 <p:sld xmlns:a="http://schemas.openxmlformats.org/drawingml/2006/main" xmlns:r="http://schemas.openxmlformats.org/officeDocument/2006/relationships" xmlns:p="http://schemas.openxmlformats.org/presentationml/2006/main">
   <p:cSld>
@@ -31838,7 +31908,7 @@
           <p:cNvPr id="2" name="Slide Number Placeholder 1">
             <a:extLst>
               <a:ext uri="{FF2B5EF4-FFF2-40B4-BE49-F238E27FC236}">
-                <a16:creationId xmlns:a16="http://schemas.microsoft.com/office/drawing/2014/main" id="{A2C8208D-726E-A260-D421-D6ED7EDC65C2}"/>
+                <a16:creationId xmlns:a16="http://schemas.microsoft.com/office/drawing/2014/main" id="{2F11ACC2-CBC7-7CCF-3FE2-CD8FB8D481AD}"/>
               </a:ext>
             </a:extLst>
           </p:cNvPr>
@@ -31868,7 +31938,7 @@
           <p:cNvPr id="3" name="Text Placeholder 2">
             <a:extLst>
               <a:ext uri="{FF2B5EF4-FFF2-40B4-BE49-F238E27FC236}">
-                <a16:creationId xmlns:a16="http://schemas.microsoft.com/office/drawing/2014/main" id="{CE5FEA2A-F128-8014-2E94-67C56C8C77E2}"/>
+                <a16:creationId xmlns:a16="http://schemas.microsoft.com/office/drawing/2014/main" id="{C23E87E5-B8D6-025A-BBBE-20A1695B8E7F}"/>
               </a:ext>
             </a:extLst>
           </p:cNvPr>
@@ -31884,9 +31954,22 @@
           <a:bodyPr/>
           <a:lstStyle/>
           <a:p>
+            <a:pPr>
+              <a:buClr>
+                <a:schemeClr val="tx1"/>
+              </a:buClr>
+            </a:pPr>
+            <a:r>
+              <a:rPr lang="ru-RU" b="1" dirty="0">
+                <a:solidFill>
+                  <a:schemeClr val="bg1"/>
+                </a:solidFill>
+              </a:rPr>
+              <a:t>Най-ниското</a:t>
+            </a:r>
             <a:r>
               <a:rPr lang="ru-RU" dirty="0"/>
-              <a:t>Посредник между </a:t>
+              <a:t> ниво и описва </a:t>
             </a:r>
             <a:r>
               <a:rPr lang="ru-RU" b="1" dirty="0">
@@ -31894,7 +31977,73 @@
                   <a:schemeClr val="bg1"/>
                 </a:solidFill>
               </a:rPr>
-              <a:t>външните</a:t>
+              <a:t>физическото</a:t>
+            </a:r>
+            <a:r>
+              <a:rPr lang="ru-RU" dirty="0"/>
+              <a:t> съхранение на данните в базата</a:t>
+            </a:r>
+          </a:p>
+          <a:p>
+            <a:r>
+              <a:rPr lang="ru-RU" dirty="0"/>
+              <a:t>Включва </a:t>
+            </a:r>
+            <a:r>
+              <a:rPr lang="ru-RU" b="1" dirty="0">
+                <a:solidFill>
+                  <a:schemeClr val="bg1"/>
+                </a:solidFill>
+              </a:rPr>
+              <a:t>физическите</a:t>
+            </a:r>
+            <a:r>
+              <a:rPr lang="ru-RU" dirty="0"/>
+              <a:t> </a:t>
+            </a:r>
+            <a:r>
+              <a:rPr lang="ru-RU" b="1" dirty="0">
+                <a:solidFill>
+                  <a:schemeClr val="bg1"/>
+                </a:solidFill>
+              </a:rPr>
+              <a:t>пътища</a:t>
+            </a:r>
+            <a:r>
+              <a:rPr lang="ru-RU" dirty="0"/>
+              <a:t> за достъп до данните, както и </a:t>
+            </a:r>
+            <a:r>
+              <a:rPr lang="ru-RU" b="1" dirty="0">
+                <a:solidFill>
+                  <a:schemeClr val="bg1"/>
+                </a:solidFill>
+              </a:rPr>
+              <a:t>структурите</a:t>
+            </a:r>
+            <a:r>
+              <a:rPr lang="ru-RU" dirty="0"/>
+              <a:t> за </a:t>
+            </a:r>
+            <a:r>
+              <a:rPr lang="ru-RU" b="1" dirty="0">
+                <a:solidFill>
+                  <a:schemeClr val="bg1"/>
+                </a:solidFill>
+              </a:rPr>
+              <a:t>съхранение</a:t>
+            </a:r>
+            <a:r>
+              <a:rPr lang="ru-RU" dirty="0"/>
+              <a:t> като </a:t>
+            </a:r>
+            <a:r>
+              <a:rPr lang="ru-RU" b="1" dirty="0">
+                <a:solidFill>
+                  <a:schemeClr val="bg1"/>
+                </a:solidFill>
+              </a:rPr>
+              <a:t>индекси</a:t>
             </a:r>
             <a:r>
               <a:rPr lang="ru-RU" dirty="0"/>
@@ -31906,21 +32055,13 @@
                   <a:schemeClr val="bg1"/>
                 </a:solidFill>
               </a:rPr>
-              <a:t>вътрешните</a:t>
-            </a:r>
-            <a:r>
-              <a:rPr lang="ru-RU" dirty="0"/>
-              <a:t> нива на </a:t>
-            </a:r>
-            <a:r>
-              <a:rPr lang="ru-RU" b="1" dirty="0"/>
-              <a:t>абстракция</a:t>
+              <a:t>хеш-таблиците</a:t>
             </a:r>
           </a:p>
           <a:p>
             <a:r>
               <a:rPr lang="ru-RU" dirty="0"/>
-              <a:t>Описва </a:t>
+              <a:t>Занимава се с </a:t>
             </a:r>
             <a:r>
               <a:rPr lang="ru-RU" b="1" dirty="0">
@@ -31928,11 +32069,11 @@
                   <a:schemeClr val="bg1"/>
                 </a:solidFill>
               </a:rPr>
-              <a:t>структурата</a:t>
+              <a:t>оптимизирането</a:t>
             </a:r>
             <a:r>
               <a:rPr lang="ru-RU" dirty="0"/>
-              <a:t> на цялата </a:t>
+              <a:t> на </a:t>
             </a:r>
             <a:r>
               <a:rPr lang="ru-RU" b="1" dirty="0">
@@ -31940,73 +32081,11 @@
                   <a:schemeClr val="bg1"/>
                 </a:solidFill>
               </a:rPr>
-              <a:t>база данни</a:t>
-            </a:r>
-            <a:r>
-              <a:rPr lang="ru-RU" dirty="0">
-                <a:solidFill>
-                  <a:schemeClr val="bg1"/>
-                </a:solidFill>
-              </a:rPr>
-              <a:t> </a:t>
+              <a:t>производителността</a:t>
             </a:r>
             <a:r>
               <a:rPr lang="ru-RU" dirty="0"/>
-              <a:t>за </a:t>
-            </a:r>
-            <a:r>
-              <a:rPr lang="ru-RU" b="1" dirty="0">
-                <a:solidFill>
-                  <a:schemeClr val="bg1"/>
-                </a:solidFill>
-              </a:rPr>
-              <a:t>всички</a:t>
-            </a:r>
-            <a:r>
-              <a:rPr lang="ru-RU" dirty="0"/>
-              <a:t> потребители</a:t>
-            </a:r>
-          </a:p>
-          <a:p>
-            <a:r>
-              <a:rPr lang="ru-RU" dirty="0"/>
-              <a:t>Определя какви </a:t>
-            </a:r>
-            <a:r>
-              <a:rPr lang="ru-RU" b="1" dirty="0">
-                <a:solidFill>
-                  <a:schemeClr val="bg1"/>
-                </a:solidFill>
-              </a:rPr>
-              <a:t>данни</a:t>
-            </a:r>
-            <a:r>
-              <a:rPr lang="ru-RU" dirty="0"/>
-              <a:t> се </a:t>
-            </a:r>
-            <a:r>
-              <a:rPr lang="ru-RU" b="1" dirty="0">
-                <a:solidFill>
-                  <a:schemeClr val="bg1"/>
-                </a:solidFill>
-              </a:rPr>
-              <a:t>съхраняват</a:t>
-            </a:r>
-            <a:r>
-              <a:rPr lang="ru-RU" dirty="0"/>
-              <a:t> в базата данни и </a:t>
-            </a:r>
-            <a:r>
-              <a:rPr lang="ru-RU" b="1" dirty="0">
-                <a:solidFill>
-                  <a:schemeClr val="bg1"/>
-                </a:solidFill>
-              </a:rPr>
-              <a:t>връзките</a:t>
-            </a:r>
-            <a:r>
-              <a:rPr lang="ru-RU" dirty="0"/>
-              <a:t> между тях, но без да влиза в детайли как точно тези данни се съхраняват физически</a:t>
+              <a:t> на базата данни и ефективното използване на хардуерните ресурси</a:t>
             </a:r>
             <a:endParaRPr lang="en-US" dirty="0"/>
           </a:p>
@@ -32017,7 +32096,7 @@
           <p:cNvPr id="4" name="Title 3">
             <a:extLst>
               <a:ext uri="{FF2B5EF4-FFF2-40B4-BE49-F238E27FC236}">
-                <a16:creationId xmlns:a16="http://schemas.microsoft.com/office/drawing/2014/main" id="{4636B1A0-5A39-1F5E-E211-8548A4FA8D09}"/>
+                <a16:creationId xmlns:a16="http://schemas.microsoft.com/office/drawing/2014/main" id="{B2FD16A3-DD6C-BDE3-0511-9915CA54EB25}"/>
               </a:ext>
             </a:extLst>
           </p:cNvPr>
@@ -32034,8 +32113,18 @@
           <a:lstStyle/>
           <a:p>
             <a:r>
+              <a:rPr lang="ru-RU" b="1" i="0" dirty="0">
+                <a:solidFill>
+                  <a:srgbClr val="ECECEC"/>
+                </a:solidFill>
+                <a:effectLst/>
+                <a:latin typeface="Söhne"/>
+              </a:rPr>
+              <a:t>Вътрешно</a:t>
+            </a:r>
+            <a:r>
               <a:rPr lang="ru-RU" dirty="0"/>
-              <a:t>Концептуално ниво на абстракция</a:t>
+              <a:t> ниво на абстракция</a:t>
             </a:r>
             <a:endParaRPr lang="en-US" dirty="0"/>
           </a:p>
@@ -32044,7 +32133,7 @@
     </p:spTree>
     <p:extLst>
       <p:ext uri="{BB962C8B-B14F-4D97-AF65-F5344CB8AC3E}">
-        <p14:creationId xmlns:p14="http://schemas.microsoft.com/office/powerpoint/2010/main" val="1997393453"/>
+        <p14:creationId xmlns:p14="http://schemas.microsoft.com/office/powerpoint/2010/main" val="2066620584"/>
       </p:ext>
     </p:extLst>
   </p:cSld>
@@ -32212,7 +32301,7 @@
           <p:cNvPr id="2" name="Slide Number Placeholder 1">
             <a:extLst>
               <a:ext uri="{FF2B5EF4-FFF2-40B4-BE49-F238E27FC236}">
-                <a16:creationId xmlns:a16="http://schemas.microsoft.com/office/drawing/2014/main" id="{2F11ACC2-CBC7-7CCF-3FE2-CD8FB8D481AD}"/>
+                <a16:creationId xmlns:a16="http://schemas.microsoft.com/office/drawing/2014/main" id="{5F9CB950-A36F-D9DC-0C30-BBBF27C89A37}"/>
               </a:ext>
             </a:extLst>
           </p:cNvPr>
@@ -32232,399 +32321,6 @@
               <a:rPr lang="en-US" noProof="0" smtClean="0"/>
               <a:pPr/>
               <a:t>31</a:t>
-            </a:fld>
-            <a:endParaRPr lang="en-US" noProof="0" dirty="0"/>
-          </a:p>
-        </p:txBody>
-      </p:sp>
-      <p:sp>
-        <p:nvSpPr>
-          <p:cNvPr id="3" name="Text Placeholder 2">
-            <a:extLst>
-              <a:ext uri="{FF2B5EF4-FFF2-40B4-BE49-F238E27FC236}">
-                <a16:creationId xmlns:a16="http://schemas.microsoft.com/office/drawing/2014/main" id="{C23E87E5-B8D6-025A-BBBE-20A1695B8E7F}"/>
-              </a:ext>
-            </a:extLst>
-          </p:cNvPr>
-          <p:cNvSpPr>
-            <a:spLocks noGrp="1"/>
-          </p:cNvSpPr>
-          <p:nvPr>
-            <p:ph type="body" sz="quarter" idx="10"/>
-          </p:nvPr>
-        </p:nvSpPr>
-        <p:spPr/>
-        <p:txBody>
-          <a:bodyPr/>
-          <a:lstStyle/>
-          <a:p>
-            <a:pPr>
-              <a:buClr>
-                <a:schemeClr val="tx1"/>
-              </a:buClr>
-            </a:pPr>
-            <a:r>
-              <a:rPr lang="ru-RU" b="1" dirty="0">
-                <a:solidFill>
-                  <a:schemeClr val="bg1"/>
-                </a:solidFill>
-              </a:rPr>
-              <a:t>Най-ниското</a:t>
-            </a:r>
-            <a:r>
-              <a:rPr lang="ru-RU" dirty="0"/>
-              <a:t> ниво и описва </a:t>
-            </a:r>
-            <a:r>
-              <a:rPr lang="ru-RU" b="1" dirty="0">
-                <a:solidFill>
-                  <a:schemeClr val="bg1"/>
-                </a:solidFill>
-              </a:rPr>
-              <a:t>физическото</a:t>
-            </a:r>
-            <a:r>
-              <a:rPr lang="ru-RU" dirty="0"/>
-              <a:t> съхранение на данните в базата</a:t>
-            </a:r>
-          </a:p>
-          <a:p>
-            <a:r>
-              <a:rPr lang="ru-RU" dirty="0"/>
-              <a:t>Включва </a:t>
-            </a:r>
-            <a:r>
-              <a:rPr lang="ru-RU" b="1" dirty="0">
-                <a:solidFill>
-                  <a:schemeClr val="bg1"/>
-                </a:solidFill>
-              </a:rPr>
-              <a:t>физическите</a:t>
-            </a:r>
-            <a:r>
-              <a:rPr lang="ru-RU" dirty="0"/>
-              <a:t> </a:t>
-            </a:r>
-            <a:r>
-              <a:rPr lang="ru-RU" b="1" dirty="0">
-                <a:solidFill>
-                  <a:schemeClr val="bg1"/>
-                </a:solidFill>
-              </a:rPr>
-              <a:t>пътища</a:t>
-            </a:r>
-            <a:r>
-              <a:rPr lang="ru-RU" dirty="0"/>
-              <a:t> за достъп до данните, както и </a:t>
-            </a:r>
-            <a:r>
-              <a:rPr lang="ru-RU" b="1" dirty="0">
-                <a:solidFill>
-                  <a:schemeClr val="bg1"/>
-                </a:solidFill>
-              </a:rPr>
-              <a:t>структурите</a:t>
-            </a:r>
-            <a:r>
-              <a:rPr lang="ru-RU" dirty="0"/>
-              <a:t> за </a:t>
-            </a:r>
-            <a:r>
-              <a:rPr lang="ru-RU" b="1" dirty="0">
-                <a:solidFill>
-                  <a:schemeClr val="bg1"/>
-                </a:solidFill>
-              </a:rPr>
-              <a:t>съхранение</a:t>
-            </a:r>
-            <a:r>
-              <a:rPr lang="ru-RU" dirty="0"/>
-              <a:t> като </a:t>
-            </a:r>
-            <a:r>
-              <a:rPr lang="ru-RU" b="1" dirty="0">
-                <a:solidFill>
-                  <a:schemeClr val="bg1"/>
-                </a:solidFill>
-              </a:rPr>
-              <a:t>индекси</a:t>
-            </a:r>
-            <a:r>
-              <a:rPr lang="ru-RU" dirty="0"/>
-              <a:t> и </a:t>
-            </a:r>
-            <a:r>
-              <a:rPr lang="ru-RU" b="1" dirty="0">
-                <a:solidFill>
-                  <a:schemeClr val="bg1"/>
-                </a:solidFill>
-              </a:rPr>
-              <a:t>хеш-таблиците</a:t>
-            </a:r>
-          </a:p>
-          <a:p>
-            <a:r>
-              <a:rPr lang="ru-RU" dirty="0"/>
-              <a:t>Занимава се с </a:t>
-            </a:r>
-            <a:r>
-              <a:rPr lang="ru-RU" b="1" dirty="0">
-                <a:solidFill>
-                  <a:schemeClr val="bg1"/>
-                </a:solidFill>
-              </a:rPr>
-              <a:t>оптимизирането</a:t>
-            </a:r>
-            <a:r>
-              <a:rPr lang="ru-RU" dirty="0"/>
-              <a:t> на </a:t>
-            </a:r>
-            <a:r>
-              <a:rPr lang="ru-RU" b="1" dirty="0">
-                <a:solidFill>
-                  <a:schemeClr val="bg1"/>
-                </a:solidFill>
-              </a:rPr>
-              <a:t>производителността</a:t>
-            </a:r>
-            <a:r>
-              <a:rPr lang="ru-RU" dirty="0"/>
-              <a:t> на базата данни и ефективното използване на хардуерните ресурси</a:t>
-            </a:r>
-            <a:endParaRPr lang="en-US" dirty="0"/>
-          </a:p>
-        </p:txBody>
-      </p:sp>
-      <p:sp>
-        <p:nvSpPr>
-          <p:cNvPr id="4" name="Title 3">
-            <a:extLst>
-              <a:ext uri="{FF2B5EF4-FFF2-40B4-BE49-F238E27FC236}">
-                <a16:creationId xmlns:a16="http://schemas.microsoft.com/office/drawing/2014/main" id="{B2FD16A3-DD6C-BDE3-0511-9915CA54EB25}"/>
-              </a:ext>
-            </a:extLst>
-          </p:cNvPr>
-          <p:cNvSpPr>
-            <a:spLocks noGrp="1"/>
-          </p:cNvSpPr>
-          <p:nvPr>
-            <p:ph type="title"/>
-          </p:nvPr>
-        </p:nvSpPr>
-        <p:spPr/>
-        <p:txBody>
-          <a:bodyPr/>
-          <a:lstStyle/>
-          <a:p>
-            <a:r>
-              <a:rPr lang="ru-RU" b="1" i="0" dirty="0">
-                <a:solidFill>
-                  <a:srgbClr val="ECECEC"/>
-                </a:solidFill>
-                <a:effectLst/>
-                <a:latin typeface="Söhne"/>
-              </a:rPr>
-              <a:t>Вътрешно</a:t>
-            </a:r>
-            <a:r>
-              <a:rPr lang="ru-RU" dirty="0"/>
-              <a:t> ниво на абстракция</a:t>
-            </a:r>
-            <a:endParaRPr lang="en-US" dirty="0"/>
-          </a:p>
-        </p:txBody>
-      </p:sp>
-    </p:spTree>
-    <p:extLst>
-      <p:ext uri="{BB962C8B-B14F-4D97-AF65-F5344CB8AC3E}">
-        <p14:creationId xmlns:p14="http://schemas.microsoft.com/office/powerpoint/2010/main" val="2066620584"/>
-      </p:ext>
-    </p:extLst>
-  </p:cSld>
-  <p:clrMapOvr>
-    <a:masterClrMapping/>
-  </p:clrMapOvr>
-  <mc:AlternateContent xmlns:mc="http://schemas.openxmlformats.org/markup-compatibility/2006" xmlns:p14="http://schemas.microsoft.com/office/powerpoint/2010/main">
-    <mc:Choice Requires="p14">
-      <p:transition spd="slow" p14:dur="2000" advClick="0" advTm="5000"/>
-    </mc:Choice>
-    <mc:Fallback xmlns="">
-      <p:transition spd="slow" advClick="0" advTm="5000"/>
-    </mc:Fallback>
-  </mc:AlternateContent>
-  <p:timing>
-    <p:tnLst>
-      <p:par>
-        <p:cTn id="1" dur="indefinite" restart="never" nodeType="tmRoot">
-          <p:childTnLst>
-            <p:seq concurrent="1" nextAc="seek">
-              <p:cTn id="2" dur="indefinite" nodeType="mainSeq">
-                <p:childTnLst>
-                  <p:par>
-                    <p:cTn id="3" fill="hold">
-                      <p:stCondLst>
-                        <p:cond delay="indefinite"/>
-                      </p:stCondLst>
-                      <p:childTnLst>
-                        <p:par>
-                          <p:cTn id="4" fill="hold">
-                            <p:stCondLst>
-                              <p:cond delay="0"/>
-                            </p:stCondLst>
-                            <p:childTnLst>
-                              <p:par>
-                                <p:cTn id="5" presetID="1" presetClass="entr" presetSubtype="0" fill="hold" nodeType="clickEffect">
-                                  <p:stCondLst>
-                                    <p:cond delay="0"/>
-                                  </p:stCondLst>
-                                  <p:childTnLst>
-                                    <p:set>
-                                      <p:cBhvr>
-                                        <p:cTn id="6" dur="1" fill="hold">
-                                          <p:stCondLst>
-                                            <p:cond delay="0"/>
-                                          </p:stCondLst>
-                                        </p:cTn>
-                                        <p:tgtEl>
-                                          <p:spTgt spid="3">
-                                            <p:txEl>
-                                              <p:pRg st="1" end="1"/>
-                                            </p:txEl>
-                                          </p:spTgt>
-                                        </p:tgtEl>
-                                        <p:attrNameLst>
-                                          <p:attrName>style.visibility</p:attrName>
-                                        </p:attrNameLst>
-                                      </p:cBhvr>
-                                      <p:to>
-                                        <p:strVal val="visible"/>
-                                      </p:to>
-                                    </p:set>
-                                  </p:childTnLst>
-                                </p:cTn>
-                              </p:par>
-                            </p:childTnLst>
-                          </p:cTn>
-                        </p:par>
-                      </p:childTnLst>
-                    </p:cTn>
-                  </p:par>
-                  <p:par>
-                    <p:cTn id="7" fill="hold">
-                      <p:stCondLst>
-                        <p:cond delay="indefinite"/>
-                      </p:stCondLst>
-                      <p:childTnLst>
-                        <p:par>
-                          <p:cTn id="8" fill="hold">
-                            <p:stCondLst>
-                              <p:cond delay="0"/>
-                            </p:stCondLst>
-                            <p:childTnLst>
-                              <p:par>
-                                <p:cTn id="9" presetID="1" presetClass="entr" presetSubtype="0" fill="hold" nodeType="clickEffect">
-                                  <p:stCondLst>
-                                    <p:cond delay="0"/>
-                                  </p:stCondLst>
-                                  <p:childTnLst>
-                                    <p:set>
-                                      <p:cBhvr>
-                                        <p:cTn id="10" dur="1" fill="hold">
-                                          <p:stCondLst>
-                                            <p:cond delay="0"/>
-                                          </p:stCondLst>
-                                        </p:cTn>
-                                        <p:tgtEl>
-                                          <p:spTgt spid="3">
-                                            <p:txEl>
-                                              <p:pRg st="2" end="2"/>
-                                            </p:txEl>
-                                          </p:spTgt>
-                                        </p:tgtEl>
-                                        <p:attrNameLst>
-                                          <p:attrName>style.visibility</p:attrName>
-                                        </p:attrNameLst>
-                                      </p:cBhvr>
-                                      <p:to>
-                                        <p:strVal val="visible"/>
-                                      </p:to>
-                                    </p:set>
-                                  </p:childTnLst>
-                                </p:cTn>
-                              </p:par>
-                            </p:childTnLst>
-                          </p:cTn>
-                        </p:par>
-                      </p:childTnLst>
-                    </p:cTn>
-                  </p:par>
-                </p:childTnLst>
-              </p:cTn>
-              <p:prevCondLst>
-                <p:cond evt="onPrev" delay="0">
-                  <p:tgtEl>
-                    <p:sldTgt/>
-                  </p:tgtEl>
-                </p:cond>
-              </p:prevCondLst>
-              <p:nextCondLst>
-                <p:cond evt="onNext" delay="0">
-                  <p:tgtEl>
-                    <p:sldTgt/>
-                  </p:tgtEl>
-                </p:cond>
-              </p:nextCondLst>
-            </p:seq>
-          </p:childTnLst>
-        </p:cTn>
-      </p:par>
-    </p:tnLst>
-  </p:timing>
-</p:sld>
-</file>
-
-<file path=ppt/slides/slide32.xml><?xml version="1.0" encoding="utf-8"?>
-<p:sld xmlns:a="http://schemas.openxmlformats.org/drawingml/2006/main" xmlns:r="http://schemas.openxmlformats.org/officeDocument/2006/relationships" xmlns:p="http://schemas.openxmlformats.org/presentationml/2006/main">
-  <p:cSld>
-    <p:spTree>
-      <p:nvGrpSpPr>
-        <p:cNvPr id="1" name=""/>
-        <p:cNvGrpSpPr/>
-        <p:nvPr/>
-      </p:nvGrpSpPr>
-      <p:grpSpPr>
-        <a:xfrm>
-          <a:off x="0" y="0"/>
-          <a:ext cx="0" cy="0"/>
-          <a:chOff x="0" y="0"/>
-          <a:chExt cx="0" cy="0"/>
-        </a:xfrm>
-      </p:grpSpPr>
-      <p:sp>
-        <p:nvSpPr>
-          <p:cNvPr id="2" name="Slide Number Placeholder 1">
-            <a:extLst>
-              <a:ext uri="{FF2B5EF4-FFF2-40B4-BE49-F238E27FC236}">
-                <a16:creationId xmlns:a16="http://schemas.microsoft.com/office/drawing/2014/main" id="{5F9CB950-A36F-D9DC-0C30-BBBF27C89A37}"/>
-              </a:ext>
-            </a:extLst>
-          </p:cNvPr>
-          <p:cNvSpPr>
-            <a:spLocks noGrp="1"/>
-          </p:cNvSpPr>
-          <p:nvPr>
-            <p:ph type="sldNum" sz="quarter" idx="5"/>
-          </p:nvPr>
-        </p:nvSpPr>
-        <p:spPr/>
-        <p:txBody>
-          <a:bodyPr/>
-          <a:lstStyle/>
-          <a:p>
-            <a:fld id="{2BF067CD-8E6B-4360-9AA8-C5DF2A48A6D1}" type="slidenum">
-              <a:rPr lang="en-US" noProof="0" smtClean="0"/>
-              <a:pPr/>
-              <a:t>32</a:t>
             </a:fld>
             <a:endParaRPr lang="en-US" noProof="0" dirty="0"/>
           </a:p>
@@ -33309,7 +33005,7 @@
 </p:sld>
 </file>
 
-<file path=ppt/slides/slide33.xml><?xml version="1.0" encoding="utf-8"?>
+<file path=ppt/slides/slide32.xml><?xml version="1.0" encoding="utf-8"?>
 <p:sld xmlns:a="http://schemas.openxmlformats.org/drawingml/2006/main" xmlns:r="http://schemas.openxmlformats.org/officeDocument/2006/relationships" xmlns:p="http://schemas.openxmlformats.org/presentationml/2006/main">
   <p:cSld>
     <p:spTree>
@@ -33929,7 +33625,7 @@
             <a:fld id="{2BF067CD-8E6B-4360-9AA8-C5DF2A48A6D1}" type="slidenum">
               <a:rPr lang="en-US" noProof="0" smtClean="0"/>
               <a:pPr/>
-              <a:t>33</a:t>
+              <a:t>32</a:t>
             </a:fld>
             <a:endParaRPr lang="en-US" noProof="0" dirty="0"/>
           </a:p>
@@ -34311,7 +34007,7 @@
 </p:sld>
 </file>
 
-<file path=ppt/slides/slide34.xml><?xml version="1.0" encoding="utf-8"?>
+<file path=ppt/slides/slide33.xml><?xml version="1.0" encoding="utf-8"?>
 <p:sld xmlns:a="http://schemas.openxmlformats.org/drawingml/2006/main" xmlns:r="http://schemas.openxmlformats.org/officeDocument/2006/relationships" xmlns:p="http://schemas.openxmlformats.org/presentationml/2006/main">
   <p:cSld>
     <p:spTree>
@@ -34501,7 +34197,7 @@
 </p:sld>
 </file>
 
-<file path=ppt/slides/slide35.xml><?xml version="1.0" encoding="utf-8"?>
+<file path=ppt/slides/slide34.xml><?xml version="1.0" encoding="utf-8"?>
 <p:sld xmlns:a="http://schemas.openxmlformats.org/drawingml/2006/main" xmlns:r="http://schemas.openxmlformats.org/officeDocument/2006/relationships" xmlns:p="http://schemas.openxmlformats.org/presentationml/2006/main" show="0">
   <p:cSld>
     <p:spTree>
@@ -34857,7 +34553,7 @@
             <a:fld id="{2BF067CD-8E6B-4360-9AA8-C5DF2A48A6D1}" type="slidenum">
               <a:rPr lang="en-US" noProof="0" smtClean="0"/>
               <a:pPr/>
-              <a:t>35</a:t>
+              <a:t>34</a:t>
             </a:fld>
             <a:endParaRPr lang="en-US" noProof="0" dirty="0"/>
           </a:p>
